--- a/Netty/Netty Figure.pptx
+++ b/Netty/Netty Figure.pptx
@@ -253,7 +253,7 @@
           <a:p>
             <a:fld id="{306988AD-E42F-40A6-975D-BE59CDAEF2B7}" type="datetimeFigureOut">
               <a:rPr lang="zh-CN" altLang="en-US" smtClean="0"/>
-              <a:t>2022/11/6</a:t>
+              <a:t>2022/11/7</a:t>
             </a:fld>
             <a:endParaRPr lang="zh-CN" altLang="en-US"/>
           </a:p>
@@ -423,7 +423,7 @@
           <a:p>
             <a:fld id="{306988AD-E42F-40A6-975D-BE59CDAEF2B7}" type="datetimeFigureOut">
               <a:rPr lang="zh-CN" altLang="en-US" smtClean="0"/>
-              <a:t>2022/11/6</a:t>
+              <a:t>2022/11/7</a:t>
             </a:fld>
             <a:endParaRPr lang="zh-CN" altLang="en-US"/>
           </a:p>
@@ -603,7 +603,7 @@
           <a:p>
             <a:fld id="{306988AD-E42F-40A6-975D-BE59CDAEF2B7}" type="datetimeFigureOut">
               <a:rPr lang="zh-CN" altLang="en-US" smtClean="0"/>
-              <a:t>2022/11/6</a:t>
+              <a:t>2022/11/7</a:t>
             </a:fld>
             <a:endParaRPr lang="zh-CN" altLang="en-US"/>
           </a:p>
@@ -773,7 +773,7 @@
           <a:p>
             <a:fld id="{306988AD-E42F-40A6-975D-BE59CDAEF2B7}" type="datetimeFigureOut">
               <a:rPr lang="zh-CN" altLang="en-US" smtClean="0"/>
-              <a:t>2022/11/6</a:t>
+              <a:t>2022/11/7</a:t>
             </a:fld>
             <a:endParaRPr lang="zh-CN" altLang="en-US"/>
           </a:p>
@@ -1017,7 +1017,7 @@
           <a:p>
             <a:fld id="{306988AD-E42F-40A6-975D-BE59CDAEF2B7}" type="datetimeFigureOut">
               <a:rPr lang="zh-CN" altLang="en-US" smtClean="0"/>
-              <a:t>2022/11/6</a:t>
+              <a:t>2022/11/7</a:t>
             </a:fld>
             <a:endParaRPr lang="zh-CN" altLang="en-US"/>
           </a:p>
@@ -1249,7 +1249,7 @@
           <a:p>
             <a:fld id="{306988AD-E42F-40A6-975D-BE59CDAEF2B7}" type="datetimeFigureOut">
               <a:rPr lang="zh-CN" altLang="en-US" smtClean="0"/>
-              <a:t>2022/11/6</a:t>
+              <a:t>2022/11/7</a:t>
             </a:fld>
             <a:endParaRPr lang="zh-CN" altLang="en-US"/>
           </a:p>
@@ -1616,7 +1616,7 @@
           <a:p>
             <a:fld id="{306988AD-E42F-40A6-975D-BE59CDAEF2B7}" type="datetimeFigureOut">
               <a:rPr lang="zh-CN" altLang="en-US" smtClean="0"/>
-              <a:t>2022/11/6</a:t>
+              <a:t>2022/11/7</a:t>
             </a:fld>
             <a:endParaRPr lang="zh-CN" altLang="en-US"/>
           </a:p>
@@ -1734,7 +1734,7 @@
           <a:p>
             <a:fld id="{306988AD-E42F-40A6-975D-BE59CDAEF2B7}" type="datetimeFigureOut">
               <a:rPr lang="zh-CN" altLang="en-US" smtClean="0"/>
-              <a:t>2022/11/6</a:t>
+              <a:t>2022/11/7</a:t>
             </a:fld>
             <a:endParaRPr lang="zh-CN" altLang="en-US"/>
           </a:p>
@@ -1829,7 +1829,7 @@
           <a:p>
             <a:fld id="{306988AD-E42F-40A6-975D-BE59CDAEF2B7}" type="datetimeFigureOut">
               <a:rPr lang="zh-CN" altLang="en-US" smtClean="0"/>
-              <a:t>2022/11/6</a:t>
+              <a:t>2022/11/7</a:t>
             </a:fld>
             <a:endParaRPr lang="zh-CN" altLang="en-US"/>
           </a:p>
@@ -2106,7 +2106,7 @@
           <a:p>
             <a:fld id="{306988AD-E42F-40A6-975D-BE59CDAEF2B7}" type="datetimeFigureOut">
               <a:rPr lang="zh-CN" altLang="en-US" smtClean="0"/>
-              <a:t>2022/11/6</a:t>
+              <a:t>2022/11/7</a:t>
             </a:fld>
             <a:endParaRPr lang="zh-CN" altLang="en-US"/>
           </a:p>
@@ -2363,7 +2363,7 @@
           <a:p>
             <a:fld id="{306988AD-E42F-40A6-975D-BE59CDAEF2B7}" type="datetimeFigureOut">
               <a:rPr lang="zh-CN" altLang="en-US" smtClean="0"/>
-              <a:t>2022/11/6</a:t>
+              <a:t>2022/11/7</a:t>
             </a:fld>
             <a:endParaRPr lang="zh-CN" altLang="en-US"/>
           </a:p>
@@ -2576,7 +2576,7 @@
           <a:p>
             <a:fld id="{306988AD-E42F-40A6-975D-BE59CDAEF2B7}" type="datetimeFigureOut">
               <a:rPr lang="zh-CN" altLang="en-US" smtClean="0"/>
-              <a:t>2022/11/6</a:t>
+              <a:t>2022/11/7</a:t>
             </a:fld>
             <a:endParaRPr lang="zh-CN" altLang="en-US"/>
           </a:p>
@@ -5326,7 +5326,7 @@
         </p:nvGrpSpPr>
         <p:grpSpPr>
           <a:xfrm>
-            <a:off x="10578517" y="3676447"/>
+            <a:off x="10764601" y="2750909"/>
             <a:ext cx="10398997" cy="6748224"/>
             <a:chOff x="11227445" y="3175000"/>
             <a:chExt cx="10398997" cy="6748224"/>
@@ -7369,7 +7369,7 @@
         </p:nvGrpSpPr>
         <p:grpSpPr>
           <a:xfrm>
-            <a:off x="23603235" y="3798629"/>
+            <a:off x="23789319" y="2873091"/>
             <a:ext cx="9182722" cy="5645563"/>
             <a:chOff x="24865978" y="3454401"/>
             <a:chExt cx="9182722" cy="5645563"/>
@@ -8953,189 +8953,6 @@
           </p:txBody>
         </p:sp>
       </p:grpSp>
-      <p:sp>
-        <p:nvSpPr>
-          <p:cNvPr id="181" name="矩形: 圆角 180">
-            <a:extLst>
-              <a:ext uri="{FF2B5EF4-FFF2-40B4-BE49-F238E27FC236}">
-                <a16:creationId xmlns:a16="http://schemas.microsoft.com/office/drawing/2014/main" id="{C174446D-7E50-4A5F-8FA1-0659064BDD73}"/>
-              </a:ext>
-            </a:extLst>
-          </p:cNvPr>
-          <p:cNvSpPr/>
-          <p:nvPr/>
-        </p:nvSpPr>
-        <p:spPr>
-          <a:xfrm>
-            <a:off x="25812935" y="11438591"/>
-            <a:ext cx="1582057" cy="537029"/>
-          </a:xfrm>
-          <a:prstGeom prst="roundRect">
-            <a:avLst/>
-          </a:prstGeom>
-          <a:noFill/>
-          <a:ln w="25400">
-            <a:solidFill>
-              <a:schemeClr val="accent4"/>
-            </a:solidFill>
-          </a:ln>
-        </p:spPr>
-        <p:style>
-          <a:lnRef idx="2">
-            <a:schemeClr val="accent1">
-              <a:shade val="50000"/>
-            </a:schemeClr>
-          </a:lnRef>
-          <a:fillRef idx="1">
-            <a:schemeClr val="accent1"/>
-          </a:fillRef>
-          <a:effectRef idx="0">
-            <a:schemeClr val="accent1"/>
-          </a:effectRef>
-          <a:fontRef idx="minor">
-            <a:schemeClr val="lt1"/>
-          </a:fontRef>
-        </p:style>
-        <p:txBody>
-          <a:bodyPr rtlCol="0" anchor="ctr"/>
-          <a:lstStyle/>
-          <a:p>
-            <a:pPr algn="ctr"/>
-            <a:r>
-              <a:rPr lang="zh-CN" altLang="en-US" dirty="0">
-                <a:solidFill>
-                  <a:srgbClr val="FFC000"/>
-                </a:solidFill>
-              </a:rPr>
-              <a:t>对象</a:t>
-            </a:r>
-          </a:p>
-        </p:txBody>
-      </p:sp>
-      <p:sp>
-        <p:nvSpPr>
-          <p:cNvPr id="182" name="矩形: 圆角 181">
-            <a:extLst>
-              <a:ext uri="{FF2B5EF4-FFF2-40B4-BE49-F238E27FC236}">
-                <a16:creationId xmlns:a16="http://schemas.microsoft.com/office/drawing/2014/main" id="{534299B2-BE1A-4CC3-855A-2379A2135DBF}"/>
-              </a:ext>
-            </a:extLst>
-          </p:cNvPr>
-          <p:cNvSpPr/>
-          <p:nvPr/>
-        </p:nvSpPr>
-        <p:spPr>
-          <a:xfrm>
-            <a:off x="27975110" y="11438591"/>
-            <a:ext cx="1582057" cy="537029"/>
-          </a:xfrm>
-          <a:prstGeom prst="roundRect">
-            <a:avLst/>
-          </a:prstGeom>
-          <a:noFill/>
-          <a:ln w="25400">
-            <a:solidFill>
-              <a:schemeClr val="accent1">
-                <a:lumMod val="60000"/>
-                <a:lumOff val="40000"/>
-              </a:schemeClr>
-            </a:solidFill>
-          </a:ln>
-        </p:spPr>
-        <p:style>
-          <a:lnRef idx="2">
-            <a:schemeClr val="accent1">
-              <a:shade val="50000"/>
-            </a:schemeClr>
-          </a:lnRef>
-          <a:fillRef idx="1">
-            <a:schemeClr val="accent1"/>
-          </a:fillRef>
-          <a:effectRef idx="0">
-            <a:schemeClr val="accent1"/>
-          </a:effectRef>
-          <a:fontRef idx="minor">
-            <a:schemeClr val="lt1"/>
-          </a:fontRef>
-        </p:style>
-        <p:txBody>
-          <a:bodyPr rtlCol="0" anchor="ctr"/>
-          <a:lstStyle/>
-          <a:p>
-            <a:pPr algn="ctr"/>
-            <a:r>
-              <a:rPr lang="zh-CN" altLang="en-US" dirty="0">
-                <a:solidFill>
-                  <a:schemeClr val="accent1">
-                    <a:lumMod val="60000"/>
-                    <a:lumOff val="40000"/>
-                  </a:schemeClr>
-                </a:solidFill>
-              </a:rPr>
-              <a:t>线程</a:t>
-            </a:r>
-          </a:p>
-        </p:txBody>
-      </p:sp>
-      <p:sp>
-        <p:nvSpPr>
-          <p:cNvPr id="183" name="矩形: 圆角 182">
-            <a:extLst>
-              <a:ext uri="{FF2B5EF4-FFF2-40B4-BE49-F238E27FC236}">
-                <a16:creationId xmlns:a16="http://schemas.microsoft.com/office/drawing/2014/main" id="{CBB0D1AA-05DD-43F0-96ED-ACD4645DC975}"/>
-              </a:ext>
-            </a:extLst>
-          </p:cNvPr>
-          <p:cNvSpPr/>
-          <p:nvPr/>
-        </p:nvSpPr>
-        <p:spPr>
-          <a:xfrm>
-            <a:off x="30242229" y="11438591"/>
-            <a:ext cx="1582057" cy="537029"/>
-          </a:xfrm>
-          <a:prstGeom prst="roundRect">
-            <a:avLst/>
-          </a:prstGeom>
-          <a:noFill/>
-          <a:ln w="25400">
-            <a:solidFill>
-              <a:schemeClr val="bg1"/>
-            </a:solidFill>
-          </a:ln>
-        </p:spPr>
-        <p:style>
-          <a:lnRef idx="2">
-            <a:schemeClr val="accent1">
-              <a:shade val="50000"/>
-            </a:schemeClr>
-          </a:lnRef>
-          <a:fillRef idx="1">
-            <a:schemeClr val="accent1"/>
-          </a:fillRef>
-          <a:effectRef idx="0">
-            <a:schemeClr val="accent1"/>
-          </a:effectRef>
-          <a:fontRef idx="minor">
-            <a:schemeClr val="lt1"/>
-          </a:fontRef>
-        </p:style>
-        <p:txBody>
-          <a:bodyPr rtlCol="0" anchor="ctr"/>
-          <a:lstStyle/>
-          <a:p>
-            <a:pPr algn="ctr"/>
-            <a:r>
-              <a:rPr lang="zh-CN" altLang="en-US" dirty="0">
-                <a:solidFill>
-                  <a:schemeClr val="bg1"/>
-                </a:solidFill>
-              </a:rPr>
-              <a:t>方法</a:t>
-            </a:r>
-          </a:p>
-        </p:txBody>
-      </p:sp>
       <p:grpSp>
         <p:nvGrpSpPr>
           <p:cNvPr id="377" name="组合 376">
@@ -9150,7 +8967,7 @@
         </p:nvGrpSpPr>
         <p:grpSpPr>
           <a:xfrm>
-            <a:off x="1002890" y="13131651"/>
+            <a:off x="774290" y="12102951"/>
             <a:ext cx="8923469" cy="7911648"/>
             <a:chOff x="1002890" y="13131651"/>
             <a:chExt cx="8923469" cy="7911648"/>
@@ -11933,7 +11750,7 @@
         </p:nvGrpSpPr>
         <p:grpSpPr>
           <a:xfrm>
-            <a:off x="11026575" y="12573360"/>
+            <a:off x="10908643" y="10988561"/>
             <a:ext cx="11894722" cy="10658043"/>
             <a:chOff x="11026575" y="12573360"/>
             <a:chExt cx="11894722" cy="10658043"/>
@@ -16634,6 +16451,3036 @@
           </p:sp>
         </p:grpSp>
       </p:grpSp>
+      <p:sp>
+        <p:nvSpPr>
+          <p:cNvPr id="365" name="矩形: 圆角 364">
+            <a:extLst>
+              <a:ext uri="{FF2B5EF4-FFF2-40B4-BE49-F238E27FC236}">
+                <a16:creationId xmlns:a16="http://schemas.microsoft.com/office/drawing/2014/main" id="{229CD57F-B12B-4CA1-8EE9-A7055C74A6D7}"/>
+              </a:ext>
+            </a:extLst>
+          </p:cNvPr>
+          <p:cNvSpPr/>
+          <p:nvPr/>
+        </p:nvSpPr>
+        <p:spPr>
+          <a:xfrm>
+            <a:off x="1541754" y="22129757"/>
+            <a:ext cx="1582057" cy="537029"/>
+          </a:xfrm>
+          <a:prstGeom prst="roundRect">
+            <a:avLst/>
+          </a:prstGeom>
+          <a:noFill/>
+          <a:ln w="25400">
+            <a:solidFill>
+              <a:schemeClr val="accent4"/>
+            </a:solidFill>
+          </a:ln>
+        </p:spPr>
+        <p:style>
+          <a:lnRef idx="2">
+            <a:schemeClr val="accent1">
+              <a:shade val="50000"/>
+            </a:schemeClr>
+          </a:lnRef>
+          <a:fillRef idx="1">
+            <a:schemeClr val="accent1"/>
+          </a:fillRef>
+          <a:effectRef idx="0">
+            <a:schemeClr val="accent1"/>
+          </a:effectRef>
+          <a:fontRef idx="minor">
+            <a:schemeClr val="lt1"/>
+          </a:fontRef>
+        </p:style>
+        <p:txBody>
+          <a:bodyPr rtlCol="0" anchor="ctr"/>
+          <a:lstStyle/>
+          <a:p>
+            <a:pPr algn="ctr"/>
+            <a:r>
+              <a:rPr lang="zh-CN" altLang="en-US" dirty="0">
+                <a:solidFill>
+                  <a:srgbClr val="FFC000"/>
+                </a:solidFill>
+              </a:rPr>
+              <a:t>对象</a:t>
+            </a:r>
+          </a:p>
+        </p:txBody>
+      </p:sp>
+      <p:sp>
+        <p:nvSpPr>
+          <p:cNvPr id="366" name="矩形: 圆角 365">
+            <a:extLst>
+              <a:ext uri="{FF2B5EF4-FFF2-40B4-BE49-F238E27FC236}">
+                <a16:creationId xmlns:a16="http://schemas.microsoft.com/office/drawing/2014/main" id="{7D3FF465-F826-40A6-8C3C-53D6EF0B1EB5}"/>
+              </a:ext>
+            </a:extLst>
+          </p:cNvPr>
+          <p:cNvSpPr/>
+          <p:nvPr/>
+        </p:nvSpPr>
+        <p:spPr>
+          <a:xfrm>
+            <a:off x="3678895" y="22129757"/>
+            <a:ext cx="1582057" cy="537029"/>
+          </a:xfrm>
+          <a:prstGeom prst="roundRect">
+            <a:avLst/>
+          </a:prstGeom>
+          <a:noFill/>
+          <a:ln w="25400">
+            <a:solidFill>
+              <a:schemeClr val="accent1">
+                <a:lumMod val="60000"/>
+                <a:lumOff val="40000"/>
+              </a:schemeClr>
+            </a:solidFill>
+          </a:ln>
+        </p:spPr>
+        <p:style>
+          <a:lnRef idx="2">
+            <a:schemeClr val="accent1">
+              <a:shade val="50000"/>
+            </a:schemeClr>
+          </a:lnRef>
+          <a:fillRef idx="1">
+            <a:schemeClr val="accent1"/>
+          </a:fillRef>
+          <a:effectRef idx="0">
+            <a:schemeClr val="accent1"/>
+          </a:effectRef>
+          <a:fontRef idx="minor">
+            <a:schemeClr val="lt1"/>
+          </a:fontRef>
+        </p:style>
+        <p:txBody>
+          <a:bodyPr rtlCol="0" anchor="ctr"/>
+          <a:lstStyle/>
+          <a:p>
+            <a:pPr algn="ctr"/>
+            <a:r>
+              <a:rPr lang="zh-CN" altLang="en-US" dirty="0">
+                <a:solidFill>
+                  <a:schemeClr val="accent1">
+                    <a:lumMod val="60000"/>
+                    <a:lumOff val="40000"/>
+                  </a:schemeClr>
+                </a:solidFill>
+              </a:rPr>
+              <a:t>线程</a:t>
+            </a:r>
+          </a:p>
+        </p:txBody>
+      </p:sp>
+      <p:sp>
+        <p:nvSpPr>
+          <p:cNvPr id="367" name="矩形: 圆角 366">
+            <a:extLst>
+              <a:ext uri="{FF2B5EF4-FFF2-40B4-BE49-F238E27FC236}">
+                <a16:creationId xmlns:a16="http://schemas.microsoft.com/office/drawing/2014/main" id="{1BDDCB9A-D279-4CB9-990F-DF3C56BD60CC}"/>
+              </a:ext>
+            </a:extLst>
+          </p:cNvPr>
+          <p:cNvSpPr/>
+          <p:nvPr/>
+        </p:nvSpPr>
+        <p:spPr>
+          <a:xfrm>
+            <a:off x="5946014" y="22129757"/>
+            <a:ext cx="1582057" cy="537029"/>
+          </a:xfrm>
+          <a:prstGeom prst="roundRect">
+            <a:avLst/>
+          </a:prstGeom>
+          <a:noFill/>
+          <a:ln w="25400">
+            <a:solidFill>
+              <a:schemeClr val="bg1"/>
+            </a:solidFill>
+          </a:ln>
+        </p:spPr>
+        <p:style>
+          <a:lnRef idx="2">
+            <a:schemeClr val="accent1">
+              <a:shade val="50000"/>
+            </a:schemeClr>
+          </a:lnRef>
+          <a:fillRef idx="1">
+            <a:schemeClr val="accent1"/>
+          </a:fillRef>
+          <a:effectRef idx="0">
+            <a:schemeClr val="accent1"/>
+          </a:effectRef>
+          <a:fontRef idx="minor">
+            <a:schemeClr val="lt1"/>
+          </a:fontRef>
+        </p:style>
+        <p:txBody>
+          <a:bodyPr rtlCol="0" anchor="ctr"/>
+          <a:lstStyle/>
+          <a:p>
+            <a:pPr algn="ctr"/>
+            <a:r>
+              <a:rPr lang="zh-CN" altLang="en-US" dirty="0">
+                <a:solidFill>
+                  <a:schemeClr val="bg1"/>
+                </a:solidFill>
+              </a:rPr>
+              <a:t>方法</a:t>
+            </a:r>
+          </a:p>
+        </p:txBody>
+      </p:sp>
+      <p:grpSp>
+        <p:nvGrpSpPr>
+          <p:cNvPr id="125" name="组合 124">
+            <a:extLst>
+              <a:ext uri="{FF2B5EF4-FFF2-40B4-BE49-F238E27FC236}">
+                <a16:creationId xmlns:a16="http://schemas.microsoft.com/office/drawing/2014/main" id="{F704FF55-D5E5-40A3-AD30-5A4B50E8EA75}"/>
+              </a:ext>
+            </a:extLst>
+          </p:cNvPr>
+          <p:cNvGrpSpPr/>
+          <p:nvPr/>
+        </p:nvGrpSpPr>
+        <p:grpSpPr>
+          <a:xfrm>
+            <a:off x="23587514" y="10956195"/>
+            <a:ext cx="12136135" cy="9886512"/>
+            <a:chOff x="3173357" y="22411489"/>
+            <a:chExt cx="12136135" cy="9886512"/>
+          </a:xfrm>
+        </p:grpSpPr>
+        <p:grpSp>
+          <p:nvGrpSpPr>
+            <p:cNvPr id="124" name="组合 123">
+              <a:extLst>
+                <a:ext uri="{FF2B5EF4-FFF2-40B4-BE49-F238E27FC236}">
+                  <a16:creationId xmlns:a16="http://schemas.microsoft.com/office/drawing/2014/main" id="{18C5D704-184F-40D6-A2A8-66197A387476}"/>
+                </a:ext>
+              </a:extLst>
+            </p:cNvPr>
+            <p:cNvGrpSpPr/>
+            <p:nvPr/>
+          </p:nvGrpSpPr>
+          <p:grpSpPr>
+            <a:xfrm>
+              <a:off x="3173357" y="22411489"/>
+              <a:ext cx="12136135" cy="9402548"/>
+              <a:chOff x="3173357" y="22411489"/>
+              <a:chExt cx="12136135" cy="9402548"/>
+            </a:xfrm>
+          </p:grpSpPr>
+          <p:sp>
+            <p:nvSpPr>
+              <p:cNvPr id="368" name="矩形: 圆角 367">
+                <a:extLst>
+                  <a:ext uri="{FF2B5EF4-FFF2-40B4-BE49-F238E27FC236}">
+                    <a16:creationId xmlns:a16="http://schemas.microsoft.com/office/drawing/2014/main" id="{0B6F6887-8FE7-4E1E-B3E2-035D1B4F0322}"/>
+                  </a:ext>
+                </a:extLst>
+              </p:cNvPr>
+              <p:cNvSpPr/>
+              <p:nvPr/>
+            </p:nvSpPr>
+            <p:spPr>
+              <a:xfrm>
+                <a:off x="3173357" y="22552455"/>
+                <a:ext cx="1117367" cy="412356"/>
+              </a:xfrm>
+              <a:prstGeom prst="roundRect">
+                <a:avLst/>
+              </a:prstGeom>
+              <a:noFill/>
+              <a:ln w="25400">
+                <a:solidFill>
+                  <a:schemeClr val="accent4"/>
+                </a:solidFill>
+              </a:ln>
+            </p:spPr>
+            <p:style>
+              <a:lnRef idx="2">
+                <a:schemeClr val="accent1">
+                  <a:shade val="50000"/>
+                </a:schemeClr>
+              </a:lnRef>
+              <a:fillRef idx="1">
+                <a:schemeClr val="accent1"/>
+              </a:fillRef>
+              <a:effectRef idx="0">
+                <a:schemeClr val="accent1"/>
+              </a:effectRef>
+              <a:fontRef idx="minor">
+                <a:schemeClr val="lt1"/>
+              </a:fontRef>
+            </p:style>
+            <p:txBody>
+              <a:bodyPr rtlCol="0" anchor="ctr"/>
+              <a:lstStyle/>
+              <a:p>
+                <a:pPr algn="ctr"/>
+                <a:r>
+                  <a:rPr lang="en-US" altLang="zh-CN" dirty="0">
+                    <a:solidFill>
+                      <a:srgbClr val="FFC000"/>
+                    </a:solidFill>
+                  </a:rPr>
+                  <a:t>Client</a:t>
+                </a:r>
+                <a:endParaRPr lang="zh-CN" altLang="en-US" dirty="0">
+                  <a:solidFill>
+                    <a:srgbClr val="FFC000"/>
+                  </a:solidFill>
+                </a:endParaRPr>
+              </a:p>
+            </p:txBody>
+          </p:sp>
+          <p:sp>
+            <p:nvSpPr>
+              <p:cNvPr id="369" name="矩形: 圆角 368">
+                <a:extLst>
+                  <a:ext uri="{FF2B5EF4-FFF2-40B4-BE49-F238E27FC236}">
+                    <a16:creationId xmlns:a16="http://schemas.microsoft.com/office/drawing/2014/main" id="{DB205F30-558F-4E29-9D86-D0D6F88C2556}"/>
+                  </a:ext>
+                </a:extLst>
+              </p:cNvPr>
+              <p:cNvSpPr/>
+              <p:nvPr/>
+            </p:nvSpPr>
+            <p:spPr>
+              <a:xfrm>
+                <a:off x="3173357" y="24061811"/>
+                <a:ext cx="1117367" cy="412356"/>
+              </a:xfrm>
+              <a:prstGeom prst="roundRect">
+                <a:avLst/>
+              </a:prstGeom>
+              <a:noFill/>
+              <a:ln w="25400">
+                <a:solidFill>
+                  <a:schemeClr val="accent4"/>
+                </a:solidFill>
+              </a:ln>
+            </p:spPr>
+            <p:style>
+              <a:lnRef idx="2">
+                <a:schemeClr val="accent1">
+                  <a:shade val="50000"/>
+                </a:schemeClr>
+              </a:lnRef>
+              <a:fillRef idx="1">
+                <a:schemeClr val="accent1"/>
+              </a:fillRef>
+              <a:effectRef idx="0">
+                <a:schemeClr val="accent1"/>
+              </a:effectRef>
+              <a:fontRef idx="minor">
+                <a:schemeClr val="lt1"/>
+              </a:fontRef>
+            </p:style>
+            <p:txBody>
+              <a:bodyPr rtlCol="0" anchor="ctr"/>
+              <a:lstStyle/>
+              <a:p>
+                <a:pPr algn="ctr"/>
+                <a:r>
+                  <a:rPr lang="en-US" altLang="zh-CN" dirty="0">
+                    <a:solidFill>
+                      <a:srgbClr val="FFC000"/>
+                    </a:solidFill>
+                  </a:rPr>
+                  <a:t>Client</a:t>
+                </a:r>
+                <a:endParaRPr lang="zh-CN" altLang="en-US" dirty="0">
+                  <a:solidFill>
+                    <a:srgbClr val="FFC000"/>
+                  </a:solidFill>
+                </a:endParaRPr>
+              </a:p>
+            </p:txBody>
+          </p:sp>
+          <p:sp>
+            <p:nvSpPr>
+              <p:cNvPr id="371" name="矩形: 圆角 370">
+                <a:extLst>
+                  <a:ext uri="{FF2B5EF4-FFF2-40B4-BE49-F238E27FC236}">
+                    <a16:creationId xmlns:a16="http://schemas.microsoft.com/office/drawing/2014/main" id="{BEA3A17C-03CE-489D-9EB9-646EF6D29430}"/>
+                  </a:ext>
+                </a:extLst>
+              </p:cNvPr>
+              <p:cNvSpPr/>
+              <p:nvPr/>
+            </p:nvSpPr>
+            <p:spPr>
+              <a:xfrm>
+                <a:off x="3173357" y="25571168"/>
+                <a:ext cx="1117367" cy="412356"/>
+              </a:xfrm>
+              <a:prstGeom prst="roundRect">
+                <a:avLst/>
+              </a:prstGeom>
+              <a:noFill/>
+              <a:ln w="25400">
+                <a:solidFill>
+                  <a:schemeClr val="accent4"/>
+                </a:solidFill>
+              </a:ln>
+            </p:spPr>
+            <p:style>
+              <a:lnRef idx="2">
+                <a:schemeClr val="accent1">
+                  <a:shade val="50000"/>
+                </a:schemeClr>
+              </a:lnRef>
+              <a:fillRef idx="1">
+                <a:schemeClr val="accent1"/>
+              </a:fillRef>
+              <a:effectRef idx="0">
+                <a:schemeClr val="accent1"/>
+              </a:effectRef>
+              <a:fontRef idx="minor">
+                <a:schemeClr val="lt1"/>
+              </a:fontRef>
+            </p:style>
+            <p:txBody>
+              <a:bodyPr rtlCol="0" anchor="ctr"/>
+              <a:lstStyle/>
+              <a:p>
+                <a:pPr algn="ctr"/>
+                <a:r>
+                  <a:rPr lang="en-US" altLang="zh-CN" dirty="0">
+                    <a:solidFill>
+                      <a:srgbClr val="FFC000"/>
+                    </a:solidFill>
+                  </a:rPr>
+                  <a:t>Client</a:t>
+                </a:r>
+                <a:endParaRPr lang="zh-CN" altLang="en-US" dirty="0">
+                  <a:solidFill>
+                    <a:srgbClr val="FFC000"/>
+                  </a:solidFill>
+                </a:endParaRPr>
+              </a:p>
+            </p:txBody>
+          </p:sp>
+          <p:cxnSp>
+            <p:nvCxnSpPr>
+              <p:cNvPr id="378" name="直接箭头连接符 377">
+                <a:extLst>
+                  <a:ext uri="{FF2B5EF4-FFF2-40B4-BE49-F238E27FC236}">
+                    <a16:creationId xmlns:a16="http://schemas.microsoft.com/office/drawing/2014/main" id="{6624B095-9883-460C-B110-63A66D7ED0B5}"/>
+                  </a:ext>
+                </a:extLst>
+              </p:cNvPr>
+              <p:cNvCxnSpPr>
+                <a:cxnSpLocks/>
+                <a:stCxn id="371" idx="3"/>
+                <a:endCxn id="387" idx="1"/>
+              </p:cNvCxnSpPr>
+              <p:nvPr/>
+            </p:nvCxnSpPr>
+            <p:spPr>
+              <a:xfrm flipV="1">
+                <a:off x="4290724" y="23310092"/>
+                <a:ext cx="2204812" cy="2467254"/>
+              </a:xfrm>
+              <a:prstGeom prst="straightConnector1">
+                <a:avLst/>
+              </a:prstGeom>
+              <a:ln w="25400">
+                <a:solidFill>
+                  <a:schemeClr val="bg1"/>
+                </a:solidFill>
+                <a:tailEnd type="triangle"/>
+              </a:ln>
+            </p:spPr>
+            <p:style>
+              <a:lnRef idx="1">
+                <a:schemeClr val="accent1"/>
+              </a:lnRef>
+              <a:fillRef idx="0">
+                <a:schemeClr val="accent1"/>
+              </a:fillRef>
+              <a:effectRef idx="0">
+                <a:schemeClr val="accent1"/>
+              </a:effectRef>
+              <a:fontRef idx="minor">
+                <a:schemeClr val="tx1"/>
+              </a:fontRef>
+            </p:style>
+          </p:cxnSp>
+          <p:cxnSp>
+            <p:nvCxnSpPr>
+              <p:cNvPr id="379" name="直接箭头连接符 378">
+                <a:extLst>
+                  <a:ext uri="{FF2B5EF4-FFF2-40B4-BE49-F238E27FC236}">
+                    <a16:creationId xmlns:a16="http://schemas.microsoft.com/office/drawing/2014/main" id="{575CD25F-2910-46B8-B324-C9ED1460AB9F}"/>
+                  </a:ext>
+                </a:extLst>
+              </p:cNvPr>
+              <p:cNvCxnSpPr>
+                <a:cxnSpLocks/>
+                <a:stCxn id="369" idx="3"/>
+                <a:endCxn id="387" idx="1"/>
+              </p:cNvCxnSpPr>
+              <p:nvPr/>
+            </p:nvCxnSpPr>
+            <p:spPr>
+              <a:xfrm flipV="1">
+                <a:off x="4290724" y="23310092"/>
+                <a:ext cx="2204812" cy="957897"/>
+              </a:xfrm>
+              <a:prstGeom prst="straightConnector1">
+                <a:avLst/>
+              </a:prstGeom>
+              <a:ln w="25400">
+                <a:solidFill>
+                  <a:schemeClr val="bg1"/>
+                </a:solidFill>
+                <a:tailEnd type="triangle"/>
+              </a:ln>
+            </p:spPr>
+            <p:style>
+              <a:lnRef idx="1">
+                <a:schemeClr val="accent1"/>
+              </a:lnRef>
+              <a:fillRef idx="0">
+                <a:schemeClr val="accent1"/>
+              </a:fillRef>
+              <a:effectRef idx="0">
+                <a:schemeClr val="accent1"/>
+              </a:effectRef>
+              <a:fontRef idx="minor">
+                <a:schemeClr val="tx1"/>
+              </a:fontRef>
+            </p:style>
+          </p:cxnSp>
+          <p:cxnSp>
+            <p:nvCxnSpPr>
+              <p:cNvPr id="380" name="直接箭头连接符 379">
+                <a:extLst>
+                  <a:ext uri="{FF2B5EF4-FFF2-40B4-BE49-F238E27FC236}">
+                    <a16:creationId xmlns:a16="http://schemas.microsoft.com/office/drawing/2014/main" id="{B2B02383-2B3A-4789-9506-1F59EB6701C8}"/>
+                  </a:ext>
+                </a:extLst>
+              </p:cNvPr>
+              <p:cNvCxnSpPr>
+                <a:cxnSpLocks/>
+                <a:stCxn id="368" idx="3"/>
+                <a:endCxn id="387" idx="1"/>
+              </p:cNvCxnSpPr>
+              <p:nvPr/>
+            </p:nvCxnSpPr>
+            <p:spPr>
+              <a:xfrm>
+                <a:off x="4290724" y="22758633"/>
+                <a:ext cx="2204812" cy="551459"/>
+              </a:xfrm>
+              <a:prstGeom prst="straightConnector1">
+                <a:avLst/>
+              </a:prstGeom>
+              <a:ln w="25400">
+                <a:solidFill>
+                  <a:schemeClr val="bg1"/>
+                </a:solidFill>
+                <a:tailEnd type="triangle"/>
+              </a:ln>
+            </p:spPr>
+            <p:style>
+              <a:lnRef idx="1">
+                <a:schemeClr val="accent1"/>
+              </a:lnRef>
+              <a:fillRef idx="0">
+                <a:schemeClr val="accent1"/>
+              </a:fillRef>
+              <a:effectRef idx="0">
+                <a:schemeClr val="accent1"/>
+              </a:effectRef>
+              <a:fontRef idx="minor">
+                <a:schemeClr val="tx1"/>
+              </a:fontRef>
+            </p:style>
+          </p:cxnSp>
+          <p:grpSp>
+            <p:nvGrpSpPr>
+              <p:cNvPr id="113" name="组合 112">
+                <a:extLst>
+                  <a:ext uri="{FF2B5EF4-FFF2-40B4-BE49-F238E27FC236}">
+                    <a16:creationId xmlns:a16="http://schemas.microsoft.com/office/drawing/2014/main" id="{31EBE38E-BF31-4007-80D6-57108B2A4379}"/>
+                  </a:ext>
+                </a:extLst>
+              </p:cNvPr>
+              <p:cNvGrpSpPr/>
+              <p:nvPr/>
+            </p:nvGrpSpPr>
+            <p:grpSpPr>
+              <a:xfrm>
+                <a:off x="5864630" y="22411489"/>
+                <a:ext cx="9444862" cy="9402548"/>
+                <a:chOff x="5864630" y="22411489"/>
+                <a:chExt cx="9444862" cy="9402548"/>
+              </a:xfrm>
+            </p:grpSpPr>
+            <p:grpSp>
+              <p:nvGrpSpPr>
+                <p:cNvPr id="384" name="组合 383">
+                  <a:extLst>
+                    <a:ext uri="{FF2B5EF4-FFF2-40B4-BE49-F238E27FC236}">
+                      <a16:creationId xmlns:a16="http://schemas.microsoft.com/office/drawing/2014/main" id="{F1B4A5BE-A355-4786-BC1C-60E4FC79C1F1}"/>
+                    </a:ext>
+                  </a:extLst>
+                </p:cNvPr>
+                <p:cNvGrpSpPr/>
+                <p:nvPr/>
+              </p:nvGrpSpPr>
+              <p:grpSpPr>
+                <a:xfrm>
+                  <a:off x="6495536" y="22833680"/>
+                  <a:ext cx="2929898" cy="952824"/>
+                  <a:chOff x="28299402" y="13006420"/>
+                  <a:chExt cx="2929898" cy="952824"/>
+                </a:xfrm>
+              </p:grpSpPr>
+              <p:sp>
+                <p:nvSpPr>
+                  <p:cNvPr id="385" name="矩形: 圆角 384">
+                    <a:extLst>
+                      <a:ext uri="{FF2B5EF4-FFF2-40B4-BE49-F238E27FC236}">
+                        <a16:creationId xmlns:a16="http://schemas.microsoft.com/office/drawing/2014/main" id="{B3F4CF33-921E-4CF3-BDC9-3A7C2689B030}"/>
+                      </a:ext>
+                    </a:extLst>
+                  </p:cNvPr>
+                  <p:cNvSpPr/>
+                  <p:nvPr/>
+                </p:nvSpPr>
+                <p:spPr>
+                  <a:xfrm>
+                    <a:off x="28456936" y="13467129"/>
+                    <a:ext cx="1117367" cy="412356"/>
+                  </a:xfrm>
+                  <a:prstGeom prst="roundRect">
+                    <a:avLst/>
+                  </a:prstGeom>
+                  <a:noFill/>
+                  <a:ln w="25400">
+                    <a:solidFill>
+                      <a:schemeClr val="accent4"/>
+                    </a:solidFill>
+                  </a:ln>
+                </p:spPr>
+                <p:style>
+                  <a:lnRef idx="2">
+                    <a:schemeClr val="accent1">
+                      <a:shade val="50000"/>
+                    </a:schemeClr>
+                  </a:lnRef>
+                  <a:fillRef idx="1">
+                    <a:schemeClr val="accent1"/>
+                  </a:fillRef>
+                  <a:effectRef idx="0">
+                    <a:schemeClr val="accent1"/>
+                  </a:effectRef>
+                  <a:fontRef idx="minor">
+                    <a:schemeClr val="lt1"/>
+                  </a:fontRef>
+                </p:style>
+                <p:txBody>
+                  <a:bodyPr rtlCol="0" anchor="ctr"/>
+                  <a:lstStyle/>
+                  <a:p>
+                    <a:pPr algn="ctr"/>
+                    <a:r>
+                      <a:rPr lang="en-US" altLang="zh-CN" dirty="0">
+                        <a:solidFill>
+                          <a:srgbClr val="FFC000"/>
+                        </a:solidFill>
+                      </a:rPr>
+                      <a:t>Selector</a:t>
+                    </a:r>
+                    <a:endParaRPr lang="zh-CN" altLang="en-US" dirty="0">
+                      <a:solidFill>
+                        <a:srgbClr val="FFC000"/>
+                      </a:solidFill>
+                    </a:endParaRPr>
+                  </a:p>
+                </p:txBody>
+              </p:sp>
+              <p:sp>
+                <p:nvSpPr>
+                  <p:cNvPr id="386" name="矩形: 圆角 385">
+                    <a:extLst>
+                      <a:ext uri="{FF2B5EF4-FFF2-40B4-BE49-F238E27FC236}">
+                        <a16:creationId xmlns:a16="http://schemas.microsoft.com/office/drawing/2014/main" id="{318DA1FE-31E3-4F90-AA35-865A6AACC507}"/>
+                      </a:ext>
+                    </a:extLst>
+                  </p:cNvPr>
+                  <p:cNvSpPr/>
+                  <p:nvPr/>
+                </p:nvSpPr>
+                <p:spPr>
+                  <a:xfrm>
+                    <a:off x="29808811" y="13467129"/>
+                    <a:ext cx="1271237" cy="412356"/>
+                  </a:xfrm>
+                  <a:prstGeom prst="roundRect">
+                    <a:avLst/>
+                  </a:prstGeom>
+                  <a:noFill/>
+                  <a:ln w="25400">
+                    <a:solidFill>
+                      <a:schemeClr val="accent4"/>
+                    </a:solidFill>
+                  </a:ln>
+                </p:spPr>
+                <p:style>
+                  <a:lnRef idx="2">
+                    <a:schemeClr val="accent1">
+                      <a:shade val="50000"/>
+                    </a:schemeClr>
+                  </a:lnRef>
+                  <a:fillRef idx="1">
+                    <a:schemeClr val="accent1"/>
+                  </a:fillRef>
+                  <a:effectRef idx="0">
+                    <a:schemeClr val="accent1"/>
+                  </a:effectRef>
+                  <a:fontRef idx="minor">
+                    <a:schemeClr val="lt1"/>
+                  </a:fontRef>
+                </p:style>
+                <p:txBody>
+                  <a:bodyPr rtlCol="0" anchor="ctr"/>
+                  <a:lstStyle/>
+                  <a:p>
+                    <a:pPr algn="ctr"/>
+                    <a:r>
+                      <a:rPr lang="en-US" altLang="zh-CN" dirty="0">
+                        <a:solidFill>
+                          <a:srgbClr val="FFC000"/>
+                        </a:solidFill>
+                      </a:rPr>
+                      <a:t>TaskQueue</a:t>
+                    </a:r>
+                    <a:endParaRPr lang="zh-CN" altLang="en-US" dirty="0">
+                      <a:solidFill>
+                        <a:srgbClr val="FFC000"/>
+                      </a:solidFill>
+                    </a:endParaRPr>
+                  </a:p>
+                </p:txBody>
+              </p:sp>
+              <p:sp>
+                <p:nvSpPr>
+                  <p:cNvPr id="387" name="矩形: 圆角 386">
+                    <a:extLst>
+                      <a:ext uri="{FF2B5EF4-FFF2-40B4-BE49-F238E27FC236}">
+                        <a16:creationId xmlns:a16="http://schemas.microsoft.com/office/drawing/2014/main" id="{92822415-76E4-42E4-8A5C-49424BB9146A}"/>
+                      </a:ext>
+                    </a:extLst>
+                  </p:cNvPr>
+                  <p:cNvSpPr/>
+                  <p:nvPr/>
+                </p:nvSpPr>
+                <p:spPr>
+                  <a:xfrm>
+                    <a:off x="28299402" y="13006420"/>
+                    <a:ext cx="2929898" cy="952824"/>
+                  </a:xfrm>
+                  <a:prstGeom prst="roundRect">
+                    <a:avLst/>
+                  </a:prstGeom>
+                  <a:noFill/>
+                  <a:ln w="25400">
+                    <a:solidFill>
+                      <a:schemeClr val="accent1">
+                        <a:lumMod val="60000"/>
+                        <a:lumOff val="40000"/>
+                      </a:schemeClr>
+                    </a:solidFill>
+                  </a:ln>
+                </p:spPr>
+                <p:style>
+                  <a:lnRef idx="2">
+                    <a:schemeClr val="accent1">
+                      <a:shade val="50000"/>
+                    </a:schemeClr>
+                  </a:lnRef>
+                  <a:fillRef idx="1">
+                    <a:schemeClr val="accent1"/>
+                  </a:fillRef>
+                  <a:effectRef idx="0">
+                    <a:schemeClr val="accent1"/>
+                  </a:effectRef>
+                  <a:fontRef idx="minor">
+                    <a:schemeClr val="lt1"/>
+                  </a:fontRef>
+                </p:style>
+                <p:txBody>
+                  <a:bodyPr rtlCol="0" anchor="ctr"/>
+                  <a:lstStyle/>
+                  <a:p>
+                    <a:pPr algn="ctr"/>
+                    <a:endParaRPr lang="zh-CN" altLang="en-US" dirty="0">
+                      <a:solidFill>
+                        <a:schemeClr val="accent1">
+                          <a:lumMod val="60000"/>
+                          <a:lumOff val="40000"/>
+                        </a:schemeClr>
+                      </a:solidFill>
+                    </a:endParaRPr>
+                  </a:p>
+                </p:txBody>
+              </p:sp>
+              <p:sp>
+                <p:nvSpPr>
+                  <p:cNvPr id="388" name="文本框 387">
+                    <a:extLst>
+                      <a:ext uri="{FF2B5EF4-FFF2-40B4-BE49-F238E27FC236}">
+                        <a16:creationId xmlns:a16="http://schemas.microsoft.com/office/drawing/2014/main" id="{F16BD38A-E0CE-4E8A-AAA0-467000A54008}"/>
+                      </a:ext>
+                    </a:extLst>
+                  </p:cNvPr>
+                  <p:cNvSpPr txBox="1"/>
+                  <p:nvPr/>
+                </p:nvSpPr>
+                <p:spPr>
+                  <a:xfrm>
+                    <a:off x="28930726" y="13006420"/>
+                    <a:ext cx="1667251" cy="400110"/>
+                  </a:xfrm>
+                  <a:prstGeom prst="rect">
+                    <a:avLst/>
+                  </a:prstGeom>
+                  <a:noFill/>
+                </p:spPr>
+                <p:txBody>
+                  <a:bodyPr wrap="none" rtlCol="0">
+                    <a:spAutoFit/>
+                  </a:bodyPr>
+                  <a:lstStyle/>
+                  <a:p>
+                    <a:r>
+                      <a:rPr lang="en-US" altLang="zh-CN" sz="2000" b="1" dirty="0">
+                        <a:solidFill>
+                          <a:schemeClr val="accent1">
+                            <a:lumMod val="60000"/>
+                            <a:lumOff val="40000"/>
+                          </a:schemeClr>
+                        </a:solidFill>
+                      </a:rPr>
+                      <a:t>NioEventLoop</a:t>
+                    </a:r>
+                    <a:endParaRPr lang="zh-CN" altLang="en-US" sz="2000" b="1" dirty="0">
+                      <a:solidFill>
+                        <a:schemeClr val="accent1">
+                          <a:lumMod val="60000"/>
+                          <a:lumOff val="40000"/>
+                        </a:schemeClr>
+                      </a:solidFill>
+                    </a:endParaRPr>
+                  </a:p>
+                </p:txBody>
+              </p:sp>
+            </p:grpSp>
+            <p:sp>
+              <p:nvSpPr>
+                <p:cNvPr id="389" name="矩形: 圆角 388">
+                  <a:extLst>
+                    <a:ext uri="{FF2B5EF4-FFF2-40B4-BE49-F238E27FC236}">
+                      <a16:creationId xmlns:a16="http://schemas.microsoft.com/office/drawing/2014/main" id="{4DB24456-692D-44EA-A20E-9ECE601058EA}"/>
+                    </a:ext>
+                  </a:extLst>
+                </p:cNvPr>
+                <p:cNvSpPr/>
+                <p:nvPr/>
+              </p:nvSpPr>
+              <p:spPr>
+                <a:xfrm>
+                  <a:off x="6319385" y="22411489"/>
+                  <a:ext cx="3282201" cy="1517110"/>
+                </a:xfrm>
+                <a:prstGeom prst="roundRect">
+                  <a:avLst>
+                    <a:gd name="adj" fmla="val 9418"/>
+                  </a:avLst>
+                </a:prstGeom>
+                <a:noFill/>
+                <a:ln w="25400">
+                  <a:solidFill>
+                    <a:schemeClr val="bg1"/>
+                  </a:solidFill>
+                  <a:prstDash val="dash"/>
+                </a:ln>
+              </p:spPr>
+              <p:style>
+                <a:lnRef idx="2">
+                  <a:schemeClr val="accent1">
+                    <a:shade val="50000"/>
+                  </a:schemeClr>
+                </a:lnRef>
+                <a:fillRef idx="1">
+                  <a:schemeClr val="accent1"/>
+                </a:fillRef>
+                <a:effectRef idx="0">
+                  <a:schemeClr val="accent1"/>
+                </a:effectRef>
+                <a:fontRef idx="minor">
+                  <a:schemeClr val="lt1"/>
+                </a:fontRef>
+              </p:style>
+              <p:txBody>
+                <a:bodyPr rtlCol="0" anchor="ctr"/>
+                <a:lstStyle/>
+                <a:p>
+                  <a:pPr algn="ctr"/>
+                  <a:endParaRPr lang="zh-CN" altLang="en-US" dirty="0">
+                    <a:solidFill>
+                      <a:schemeClr val="bg1"/>
+                    </a:solidFill>
+                  </a:endParaRPr>
+                </a:p>
+              </p:txBody>
+            </p:sp>
+            <p:sp>
+              <p:nvSpPr>
+                <p:cNvPr id="390" name="文本框 389">
+                  <a:extLst>
+                    <a:ext uri="{FF2B5EF4-FFF2-40B4-BE49-F238E27FC236}">
+                      <a16:creationId xmlns:a16="http://schemas.microsoft.com/office/drawing/2014/main" id="{DD766191-0138-49F7-8881-4E0D0E0033E3}"/>
+                    </a:ext>
+                  </a:extLst>
+                </p:cNvPr>
+                <p:cNvSpPr txBox="1"/>
+                <p:nvPr/>
+              </p:nvSpPr>
+              <p:spPr>
+                <a:xfrm>
+                  <a:off x="7291841" y="22411489"/>
+                  <a:ext cx="1337289" cy="400110"/>
+                </a:xfrm>
+                <a:prstGeom prst="rect">
+                  <a:avLst/>
+                </a:prstGeom>
+                <a:noFill/>
+              </p:spPr>
+              <p:txBody>
+                <a:bodyPr wrap="none" rtlCol="0">
+                  <a:spAutoFit/>
+                </a:bodyPr>
+                <a:lstStyle/>
+                <a:p>
+                  <a:r>
+                    <a:rPr lang="en-US" altLang="zh-CN" sz="2000" b="1" dirty="0">
+                      <a:solidFill>
+                        <a:schemeClr val="bg1"/>
+                      </a:solidFill>
+                    </a:rPr>
+                    <a:t>BossGroup</a:t>
+                  </a:r>
+                  <a:endParaRPr lang="zh-CN" altLang="en-US" sz="2000" b="1" dirty="0">
+                    <a:solidFill>
+                      <a:schemeClr val="bg1"/>
+                    </a:solidFill>
+                  </a:endParaRPr>
+                </a:p>
+              </p:txBody>
+            </p:sp>
+            <p:grpSp>
+              <p:nvGrpSpPr>
+                <p:cNvPr id="391" name="组合 390">
+                  <a:extLst>
+                    <a:ext uri="{FF2B5EF4-FFF2-40B4-BE49-F238E27FC236}">
+                      <a16:creationId xmlns:a16="http://schemas.microsoft.com/office/drawing/2014/main" id="{79D69351-C0F9-4FD8-8E9C-7DC57031B160}"/>
+                    </a:ext>
+                  </a:extLst>
+                </p:cNvPr>
+                <p:cNvGrpSpPr/>
+                <p:nvPr/>
+              </p:nvGrpSpPr>
+              <p:grpSpPr>
+                <a:xfrm>
+                  <a:off x="11586087" y="22833680"/>
+                  <a:ext cx="2929898" cy="952824"/>
+                  <a:chOff x="28299402" y="13006420"/>
+                  <a:chExt cx="2929898" cy="952824"/>
+                </a:xfrm>
+              </p:grpSpPr>
+              <p:sp>
+                <p:nvSpPr>
+                  <p:cNvPr id="392" name="矩形: 圆角 391">
+                    <a:extLst>
+                      <a:ext uri="{FF2B5EF4-FFF2-40B4-BE49-F238E27FC236}">
+                        <a16:creationId xmlns:a16="http://schemas.microsoft.com/office/drawing/2014/main" id="{F85BF4E2-85EA-4137-AC75-56765A30E725}"/>
+                      </a:ext>
+                    </a:extLst>
+                  </p:cNvPr>
+                  <p:cNvSpPr/>
+                  <p:nvPr/>
+                </p:nvSpPr>
+                <p:spPr>
+                  <a:xfrm>
+                    <a:off x="28456936" y="13467129"/>
+                    <a:ext cx="1117367" cy="412356"/>
+                  </a:xfrm>
+                  <a:prstGeom prst="roundRect">
+                    <a:avLst/>
+                  </a:prstGeom>
+                  <a:noFill/>
+                  <a:ln w="25400">
+                    <a:solidFill>
+                      <a:schemeClr val="accent4"/>
+                    </a:solidFill>
+                  </a:ln>
+                </p:spPr>
+                <p:style>
+                  <a:lnRef idx="2">
+                    <a:schemeClr val="accent1">
+                      <a:shade val="50000"/>
+                    </a:schemeClr>
+                  </a:lnRef>
+                  <a:fillRef idx="1">
+                    <a:schemeClr val="accent1"/>
+                  </a:fillRef>
+                  <a:effectRef idx="0">
+                    <a:schemeClr val="accent1"/>
+                  </a:effectRef>
+                  <a:fontRef idx="minor">
+                    <a:schemeClr val="lt1"/>
+                  </a:fontRef>
+                </p:style>
+                <p:txBody>
+                  <a:bodyPr rtlCol="0" anchor="ctr"/>
+                  <a:lstStyle/>
+                  <a:p>
+                    <a:pPr algn="ctr"/>
+                    <a:r>
+                      <a:rPr lang="en-US" altLang="zh-CN" dirty="0">
+                        <a:solidFill>
+                          <a:srgbClr val="FFC000"/>
+                        </a:solidFill>
+                      </a:rPr>
+                      <a:t>Selector</a:t>
+                    </a:r>
+                    <a:endParaRPr lang="zh-CN" altLang="en-US" dirty="0">
+                      <a:solidFill>
+                        <a:srgbClr val="FFC000"/>
+                      </a:solidFill>
+                    </a:endParaRPr>
+                  </a:p>
+                </p:txBody>
+              </p:sp>
+              <p:sp>
+                <p:nvSpPr>
+                  <p:cNvPr id="393" name="矩形: 圆角 392">
+                    <a:extLst>
+                      <a:ext uri="{FF2B5EF4-FFF2-40B4-BE49-F238E27FC236}">
+                        <a16:creationId xmlns:a16="http://schemas.microsoft.com/office/drawing/2014/main" id="{486CCCA0-916F-4C99-911F-55330227BFD5}"/>
+                      </a:ext>
+                    </a:extLst>
+                  </p:cNvPr>
+                  <p:cNvSpPr/>
+                  <p:nvPr/>
+                </p:nvSpPr>
+                <p:spPr>
+                  <a:xfrm>
+                    <a:off x="29808811" y="13467129"/>
+                    <a:ext cx="1271237" cy="412356"/>
+                  </a:xfrm>
+                  <a:prstGeom prst="roundRect">
+                    <a:avLst/>
+                  </a:prstGeom>
+                  <a:noFill/>
+                  <a:ln w="25400">
+                    <a:solidFill>
+                      <a:schemeClr val="accent4"/>
+                    </a:solidFill>
+                  </a:ln>
+                </p:spPr>
+                <p:style>
+                  <a:lnRef idx="2">
+                    <a:schemeClr val="accent1">
+                      <a:shade val="50000"/>
+                    </a:schemeClr>
+                  </a:lnRef>
+                  <a:fillRef idx="1">
+                    <a:schemeClr val="accent1"/>
+                  </a:fillRef>
+                  <a:effectRef idx="0">
+                    <a:schemeClr val="accent1"/>
+                  </a:effectRef>
+                  <a:fontRef idx="minor">
+                    <a:schemeClr val="lt1"/>
+                  </a:fontRef>
+                </p:style>
+                <p:txBody>
+                  <a:bodyPr rtlCol="0" anchor="ctr"/>
+                  <a:lstStyle/>
+                  <a:p>
+                    <a:pPr algn="ctr"/>
+                    <a:r>
+                      <a:rPr lang="en-US" altLang="zh-CN" dirty="0">
+                        <a:solidFill>
+                          <a:srgbClr val="FFC000"/>
+                        </a:solidFill>
+                      </a:rPr>
+                      <a:t>TaskQueue</a:t>
+                    </a:r>
+                    <a:endParaRPr lang="zh-CN" altLang="en-US" dirty="0">
+                      <a:solidFill>
+                        <a:srgbClr val="FFC000"/>
+                      </a:solidFill>
+                    </a:endParaRPr>
+                  </a:p>
+                </p:txBody>
+              </p:sp>
+              <p:sp>
+                <p:nvSpPr>
+                  <p:cNvPr id="394" name="矩形: 圆角 393">
+                    <a:extLst>
+                      <a:ext uri="{FF2B5EF4-FFF2-40B4-BE49-F238E27FC236}">
+                        <a16:creationId xmlns:a16="http://schemas.microsoft.com/office/drawing/2014/main" id="{C597DBBE-7AF8-4B06-9549-A465CD77EE11}"/>
+                      </a:ext>
+                    </a:extLst>
+                  </p:cNvPr>
+                  <p:cNvSpPr/>
+                  <p:nvPr/>
+                </p:nvSpPr>
+                <p:spPr>
+                  <a:xfrm>
+                    <a:off x="28299402" y="13006420"/>
+                    <a:ext cx="2929898" cy="952824"/>
+                  </a:xfrm>
+                  <a:prstGeom prst="roundRect">
+                    <a:avLst/>
+                  </a:prstGeom>
+                  <a:noFill/>
+                  <a:ln w="25400">
+                    <a:solidFill>
+                      <a:schemeClr val="accent1">
+                        <a:lumMod val="60000"/>
+                        <a:lumOff val="40000"/>
+                      </a:schemeClr>
+                    </a:solidFill>
+                  </a:ln>
+                </p:spPr>
+                <p:style>
+                  <a:lnRef idx="2">
+                    <a:schemeClr val="accent1">
+                      <a:shade val="50000"/>
+                    </a:schemeClr>
+                  </a:lnRef>
+                  <a:fillRef idx="1">
+                    <a:schemeClr val="accent1"/>
+                  </a:fillRef>
+                  <a:effectRef idx="0">
+                    <a:schemeClr val="accent1"/>
+                  </a:effectRef>
+                  <a:fontRef idx="minor">
+                    <a:schemeClr val="lt1"/>
+                  </a:fontRef>
+                </p:style>
+                <p:txBody>
+                  <a:bodyPr rtlCol="0" anchor="ctr"/>
+                  <a:lstStyle/>
+                  <a:p>
+                    <a:pPr algn="ctr"/>
+                    <a:endParaRPr lang="zh-CN" altLang="en-US" dirty="0">
+                      <a:solidFill>
+                        <a:schemeClr val="accent1">
+                          <a:lumMod val="60000"/>
+                          <a:lumOff val="40000"/>
+                        </a:schemeClr>
+                      </a:solidFill>
+                    </a:endParaRPr>
+                  </a:p>
+                </p:txBody>
+              </p:sp>
+              <p:sp>
+                <p:nvSpPr>
+                  <p:cNvPr id="395" name="文本框 394">
+                    <a:extLst>
+                      <a:ext uri="{FF2B5EF4-FFF2-40B4-BE49-F238E27FC236}">
+                        <a16:creationId xmlns:a16="http://schemas.microsoft.com/office/drawing/2014/main" id="{6F1E7385-71CB-40CA-A7C7-38702F8BAB38}"/>
+                      </a:ext>
+                    </a:extLst>
+                  </p:cNvPr>
+                  <p:cNvSpPr txBox="1"/>
+                  <p:nvPr/>
+                </p:nvSpPr>
+                <p:spPr>
+                  <a:xfrm>
+                    <a:off x="28930726" y="13006420"/>
+                    <a:ext cx="1667251" cy="400110"/>
+                  </a:xfrm>
+                  <a:prstGeom prst="rect">
+                    <a:avLst/>
+                  </a:prstGeom>
+                  <a:noFill/>
+                </p:spPr>
+                <p:txBody>
+                  <a:bodyPr wrap="none" rtlCol="0">
+                    <a:spAutoFit/>
+                  </a:bodyPr>
+                  <a:lstStyle/>
+                  <a:p>
+                    <a:r>
+                      <a:rPr lang="en-US" altLang="zh-CN" sz="2000" b="1" dirty="0">
+                        <a:solidFill>
+                          <a:schemeClr val="accent1">
+                            <a:lumMod val="60000"/>
+                            <a:lumOff val="40000"/>
+                          </a:schemeClr>
+                        </a:solidFill>
+                      </a:rPr>
+                      <a:t>NioEventLoop</a:t>
+                    </a:r>
+                    <a:endParaRPr lang="zh-CN" altLang="en-US" sz="2000" b="1" dirty="0">
+                      <a:solidFill>
+                        <a:schemeClr val="accent1">
+                          <a:lumMod val="60000"/>
+                          <a:lumOff val="40000"/>
+                        </a:schemeClr>
+                      </a:solidFill>
+                    </a:endParaRPr>
+                  </a:p>
+                </p:txBody>
+              </p:sp>
+            </p:grpSp>
+            <p:sp>
+              <p:nvSpPr>
+                <p:cNvPr id="396" name="矩形: 圆角 395">
+                  <a:extLst>
+                    <a:ext uri="{FF2B5EF4-FFF2-40B4-BE49-F238E27FC236}">
+                      <a16:creationId xmlns:a16="http://schemas.microsoft.com/office/drawing/2014/main" id="{04EF5451-57AB-4D22-8CF1-51A05786EDFD}"/>
+                    </a:ext>
+                  </a:extLst>
+                </p:cNvPr>
+                <p:cNvSpPr/>
+                <p:nvPr/>
+              </p:nvSpPr>
+              <p:spPr>
+                <a:xfrm>
+                  <a:off x="11409936" y="22411489"/>
+                  <a:ext cx="3282201" cy="3039312"/>
+                </a:xfrm>
+                <a:prstGeom prst="roundRect">
+                  <a:avLst>
+                    <a:gd name="adj" fmla="val 3568"/>
+                  </a:avLst>
+                </a:prstGeom>
+                <a:noFill/>
+                <a:ln w="25400">
+                  <a:solidFill>
+                    <a:schemeClr val="bg1"/>
+                  </a:solidFill>
+                  <a:prstDash val="dash"/>
+                </a:ln>
+              </p:spPr>
+              <p:style>
+                <a:lnRef idx="2">
+                  <a:schemeClr val="accent1">
+                    <a:shade val="50000"/>
+                  </a:schemeClr>
+                </a:lnRef>
+                <a:fillRef idx="1">
+                  <a:schemeClr val="accent1"/>
+                </a:fillRef>
+                <a:effectRef idx="0">
+                  <a:schemeClr val="accent1"/>
+                </a:effectRef>
+                <a:fontRef idx="minor">
+                  <a:schemeClr val="lt1"/>
+                </a:fontRef>
+              </p:style>
+              <p:txBody>
+                <a:bodyPr rtlCol="0" anchor="ctr"/>
+                <a:lstStyle/>
+                <a:p>
+                  <a:pPr algn="ctr"/>
+                  <a:endParaRPr lang="zh-CN" altLang="en-US" dirty="0">
+                    <a:solidFill>
+                      <a:schemeClr val="bg1"/>
+                    </a:solidFill>
+                  </a:endParaRPr>
+                </a:p>
+              </p:txBody>
+            </p:sp>
+            <p:sp>
+              <p:nvSpPr>
+                <p:cNvPr id="397" name="文本框 396">
+                  <a:extLst>
+                    <a:ext uri="{FF2B5EF4-FFF2-40B4-BE49-F238E27FC236}">
+                      <a16:creationId xmlns:a16="http://schemas.microsoft.com/office/drawing/2014/main" id="{3C9B77F7-253B-4A78-A26F-FB1305AE2C0D}"/>
+                    </a:ext>
+                  </a:extLst>
+                </p:cNvPr>
+                <p:cNvSpPr txBox="1"/>
+                <p:nvPr/>
+              </p:nvSpPr>
+              <p:spPr>
+                <a:xfrm>
+                  <a:off x="12231389" y="22411489"/>
+                  <a:ext cx="1639295" cy="400110"/>
+                </a:xfrm>
+                <a:prstGeom prst="rect">
+                  <a:avLst/>
+                </a:prstGeom>
+                <a:noFill/>
+              </p:spPr>
+              <p:txBody>
+                <a:bodyPr wrap="none" rtlCol="0">
+                  <a:spAutoFit/>
+                </a:bodyPr>
+                <a:lstStyle/>
+                <a:p>
+                  <a:r>
+                    <a:rPr lang="en-US" altLang="zh-CN" sz="2000" b="1" dirty="0">
+                      <a:solidFill>
+                        <a:schemeClr val="bg1"/>
+                      </a:solidFill>
+                    </a:rPr>
+                    <a:t>WorkerGroup</a:t>
+                  </a:r>
+                  <a:endParaRPr lang="zh-CN" altLang="en-US" sz="2000" b="1" dirty="0">
+                    <a:solidFill>
+                      <a:schemeClr val="bg1"/>
+                    </a:solidFill>
+                  </a:endParaRPr>
+                </a:p>
+              </p:txBody>
+            </p:sp>
+            <p:grpSp>
+              <p:nvGrpSpPr>
+                <p:cNvPr id="398" name="组合 397">
+                  <a:extLst>
+                    <a:ext uri="{FF2B5EF4-FFF2-40B4-BE49-F238E27FC236}">
+                      <a16:creationId xmlns:a16="http://schemas.microsoft.com/office/drawing/2014/main" id="{2C7A7E81-8ACE-4B79-B9A0-8966A8ADD60B}"/>
+                    </a:ext>
+                  </a:extLst>
+                </p:cNvPr>
+                <p:cNvGrpSpPr/>
+                <p:nvPr/>
+              </p:nvGrpSpPr>
+              <p:grpSpPr>
+                <a:xfrm>
+                  <a:off x="11586087" y="24369589"/>
+                  <a:ext cx="2929898" cy="952824"/>
+                  <a:chOff x="28299402" y="13006420"/>
+                  <a:chExt cx="2929898" cy="952824"/>
+                </a:xfrm>
+              </p:grpSpPr>
+              <p:sp>
+                <p:nvSpPr>
+                  <p:cNvPr id="399" name="矩形: 圆角 398">
+                    <a:extLst>
+                      <a:ext uri="{FF2B5EF4-FFF2-40B4-BE49-F238E27FC236}">
+                        <a16:creationId xmlns:a16="http://schemas.microsoft.com/office/drawing/2014/main" id="{16B3BBB2-7AB1-408F-AE7B-6BE73FB55191}"/>
+                      </a:ext>
+                    </a:extLst>
+                  </p:cNvPr>
+                  <p:cNvSpPr/>
+                  <p:nvPr/>
+                </p:nvSpPr>
+                <p:spPr>
+                  <a:xfrm>
+                    <a:off x="28456936" y="13467129"/>
+                    <a:ext cx="1117367" cy="412356"/>
+                  </a:xfrm>
+                  <a:prstGeom prst="roundRect">
+                    <a:avLst/>
+                  </a:prstGeom>
+                  <a:noFill/>
+                  <a:ln w="25400">
+                    <a:solidFill>
+                      <a:schemeClr val="accent4"/>
+                    </a:solidFill>
+                  </a:ln>
+                </p:spPr>
+                <p:style>
+                  <a:lnRef idx="2">
+                    <a:schemeClr val="accent1">
+                      <a:shade val="50000"/>
+                    </a:schemeClr>
+                  </a:lnRef>
+                  <a:fillRef idx="1">
+                    <a:schemeClr val="accent1"/>
+                  </a:fillRef>
+                  <a:effectRef idx="0">
+                    <a:schemeClr val="accent1"/>
+                  </a:effectRef>
+                  <a:fontRef idx="minor">
+                    <a:schemeClr val="lt1"/>
+                  </a:fontRef>
+                </p:style>
+                <p:txBody>
+                  <a:bodyPr rtlCol="0" anchor="ctr"/>
+                  <a:lstStyle/>
+                  <a:p>
+                    <a:pPr algn="ctr"/>
+                    <a:r>
+                      <a:rPr lang="en-US" altLang="zh-CN" dirty="0">
+                        <a:solidFill>
+                          <a:srgbClr val="FFC000"/>
+                        </a:solidFill>
+                      </a:rPr>
+                      <a:t>Selector</a:t>
+                    </a:r>
+                    <a:endParaRPr lang="zh-CN" altLang="en-US" dirty="0">
+                      <a:solidFill>
+                        <a:srgbClr val="FFC000"/>
+                      </a:solidFill>
+                    </a:endParaRPr>
+                  </a:p>
+                </p:txBody>
+              </p:sp>
+              <p:sp>
+                <p:nvSpPr>
+                  <p:cNvPr id="400" name="矩形: 圆角 399">
+                    <a:extLst>
+                      <a:ext uri="{FF2B5EF4-FFF2-40B4-BE49-F238E27FC236}">
+                        <a16:creationId xmlns:a16="http://schemas.microsoft.com/office/drawing/2014/main" id="{66BE216B-54D4-4509-9D5E-7D87320DF8B9}"/>
+                      </a:ext>
+                    </a:extLst>
+                  </p:cNvPr>
+                  <p:cNvSpPr/>
+                  <p:nvPr/>
+                </p:nvSpPr>
+                <p:spPr>
+                  <a:xfrm>
+                    <a:off x="29808811" y="13467129"/>
+                    <a:ext cx="1271237" cy="412356"/>
+                  </a:xfrm>
+                  <a:prstGeom prst="roundRect">
+                    <a:avLst/>
+                  </a:prstGeom>
+                  <a:noFill/>
+                  <a:ln w="25400">
+                    <a:solidFill>
+                      <a:schemeClr val="accent4"/>
+                    </a:solidFill>
+                  </a:ln>
+                </p:spPr>
+                <p:style>
+                  <a:lnRef idx="2">
+                    <a:schemeClr val="accent1">
+                      <a:shade val="50000"/>
+                    </a:schemeClr>
+                  </a:lnRef>
+                  <a:fillRef idx="1">
+                    <a:schemeClr val="accent1"/>
+                  </a:fillRef>
+                  <a:effectRef idx="0">
+                    <a:schemeClr val="accent1"/>
+                  </a:effectRef>
+                  <a:fontRef idx="minor">
+                    <a:schemeClr val="lt1"/>
+                  </a:fontRef>
+                </p:style>
+                <p:txBody>
+                  <a:bodyPr rtlCol="0" anchor="ctr"/>
+                  <a:lstStyle/>
+                  <a:p>
+                    <a:pPr algn="ctr"/>
+                    <a:r>
+                      <a:rPr lang="en-US" altLang="zh-CN" dirty="0">
+                        <a:solidFill>
+                          <a:srgbClr val="FFC000"/>
+                        </a:solidFill>
+                      </a:rPr>
+                      <a:t>TaskQueue</a:t>
+                    </a:r>
+                    <a:endParaRPr lang="zh-CN" altLang="en-US" dirty="0">
+                      <a:solidFill>
+                        <a:srgbClr val="FFC000"/>
+                      </a:solidFill>
+                    </a:endParaRPr>
+                  </a:p>
+                </p:txBody>
+              </p:sp>
+              <p:sp>
+                <p:nvSpPr>
+                  <p:cNvPr id="401" name="矩形: 圆角 400">
+                    <a:extLst>
+                      <a:ext uri="{FF2B5EF4-FFF2-40B4-BE49-F238E27FC236}">
+                        <a16:creationId xmlns:a16="http://schemas.microsoft.com/office/drawing/2014/main" id="{312988AF-C481-4395-892F-0EE6344195C9}"/>
+                      </a:ext>
+                    </a:extLst>
+                  </p:cNvPr>
+                  <p:cNvSpPr/>
+                  <p:nvPr/>
+                </p:nvSpPr>
+                <p:spPr>
+                  <a:xfrm>
+                    <a:off x="28299402" y="13006420"/>
+                    <a:ext cx="2929898" cy="952824"/>
+                  </a:xfrm>
+                  <a:prstGeom prst="roundRect">
+                    <a:avLst/>
+                  </a:prstGeom>
+                  <a:noFill/>
+                  <a:ln w="25400">
+                    <a:solidFill>
+                      <a:schemeClr val="accent1">
+                        <a:lumMod val="60000"/>
+                        <a:lumOff val="40000"/>
+                      </a:schemeClr>
+                    </a:solidFill>
+                  </a:ln>
+                </p:spPr>
+                <p:style>
+                  <a:lnRef idx="2">
+                    <a:schemeClr val="accent1">
+                      <a:shade val="50000"/>
+                    </a:schemeClr>
+                  </a:lnRef>
+                  <a:fillRef idx="1">
+                    <a:schemeClr val="accent1"/>
+                  </a:fillRef>
+                  <a:effectRef idx="0">
+                    <a:schemeClr val="accent1"/>
+                  </a:effectRef>
+                  <a:fontRef idx="minor">
+                    <a:schemeClr val="lt1"/>
+                  </a:fontRef>
+                </p:style>
+                <p:txBody>
+                  <a:bodyPr rtlCol="0" anchor="ctr"/>
+                  <a:lstStyle/>
+                  <a:p>
+                    <a:pPr algn="ctr"/>
+                    <a:endParaRPr lang="zh-CN" altLang="en-US" dirty="0">
+                      <a:solidFill>
+                        <a:schemeClr val="accent1">
+                          <a:lumMod val="60000"/>
+                          <a:lumOff val="40000"/>
+                        </a:schemeClr>
+                      </a:solidFill>
+                    </a:endParaRPr>
+                  </a:p>
+                </p:txBody>
+              </p:sp>
+              <p:sp>
+                <p:nvSpPr>
+                  <p:cNvPr id="402" name="文本框 401">
+                    <a:extLst>
+                      <a:ext uri="{FF2B5EF4-FFF2-40B4-BE49-F238E27FC236}">
+                        <a16:creationId xmlns:a16="http://schemas.microsoft.com/office/drawing/2014/main" id="{7C44F533-6218-4671-BE77-31A6FED55E6E}"/>
+                      </a:ext>
+                    </a:extLst>
+                  </p:cNvPr>
+                  <p:cNvSpPr txBox="1"/>
+                  <p:nvPr/>
+                </p:nvSpPr>
+                <p:spPr>
+                  <a:xfrm>
+                    <a:off x="28930726" y="13006420"/>
+                    <a:ext cx="1667251" cy="400110"/>
+                  </a:xfrm>
+                  <a:prstGeom prst="rect">
+                    <a:avLst/>
+                  </a:prstGeom>
+                  <a:noFill/>
+                </p:spPr>
+                <p:txBody>
+                  <a:bodyPr wrap="none" rtlCol="0">
+                    <a:spAutoFit/>
+                  </a:bodyPr>
+                  <a:lstStyle/>
+                  <a:p>
+                    <a:r>
+                      <a:rPr lang="en-US" altLang="zh-CN" sz="2000" b="1" dirty="0">
+                        <a:solidFill>
+                          <a:schemeClr val="accent1">
+                            <a:lumMod val="60000"/>
+                            <a:lumOff val="40000"/>
+                          </a:schemeClr>
+                        </a:solidFill>
+                      </a:rPr>
+                      <a:t>NioEventLoop</a:t>
+                    </a:r>
+                    <a:endParaRPr lang="zh-CN" altLang="en-US" sz="2000" b="1" dirty="0">
+                      <a:solidFill>
+                        <a:schemeClr val="accent1">
+                          <a:lumMod val="60000"/>
+                          <a:lumOff val="40000"/>
+                        </a:schemeClr>
+                      </a:solidFill>
+                    </a:endParaRPr>
+                  </a:p>
+                </p:txBody>
+              </p:sp>
+            </p:grpSp>
+            <p:sp>
+              <p:nvSpPr>
+                <p:cNvPr id="403" name="文本框 402">
+                  <a:extLst>
+                    <a:ext uri="{FF2B5EF4-FFF2-40B4-BE49-F238E27FC236}">
+                      <a16:creationId xmlns:a16="http://schemas.microsoft.com/office/drawing/2014/main" id="{F837C98D-A048-47CB-B6C5-6FEB63F10C61}"/>
+                    </a:ext>
+                  </a:extLst>
+                </p:cNvPr>
+                <p:cNvSpPr txBox="1"/>
+                <p:nvPr/>
+              </p:nvSpPr>
+              <p:spPr>
+                <a:xfrm>
+                  <a:off x="12775961" y="23860602"/>
+                  <a:ext cx="550151" cy="400110"/>
+                </a:xfrm>
+                <a:prstGeom prst="rect">
+                  <a:avLst/>
+                </a:prstGeom>
+                <a:noFill/>
+              </p:spPr>
+              <p:txBody>
+                <a:bodyPr wrap="none" rtlCol="0">
+                  <a:spAutoFit/>
+                </a:bodyPr>
+                <a:lstStyle/>
+                <a:p>
+                  <a:r>
+                    <a:rPr lang="en-US" altLang="zh-CN" sz="2000" b="1" dirty="0">
+                      <a:solidFill>
+                        <a:schemeClr val="bg1"/>
+                      </a:solidFill>
+                    </a:rPr>
+                    <a:t>……</a:t>
+                  </a:r>
+                  <a:endParaRPr lang="zh-CN" altLang="en-US" sz="2000" b="1" dirty="0">
+                    <a:solidFill>
+                      <a:schemeClr val="bg1"/>
+                    </a:solidFill>
+                  </a:endParaRPr>
+                </a:p>
+              </p:txBody>
+            </p:sp>
+            <p:sp>
+              <p:nvSpPr>
+                <p:cNvPr id="3" name="椭圆 2">
+                  <a:extLst>
+                    <a:ext uri="{FF2B5EF4-FFF2-40B4-BE49-F238E27FC236}">
+                      <a16:creationId xmlns:a16="http://schemas.microsoft.com/office/drawing/2014/main" id="{DCEC9CEC-BFB6-41EB-BFD5-30CEAD700E06}"/>
+                    </a:ext>
+                  </a:extLst>
+                </p:cNvPr>
+                <p:cNvSpPr/>
+                <p:nvPr/>
+              </p:nvSpPr>
+              <p:spPr>
+                <a:xfrm>
+                  <a:off x="6651342" y="26540376"/>
+                  <a:ext cx="2491286" cy="2491286"/>
+                </a:xfrm>
+                <a:prstGeom prst="ellipse">
+                  <a:avLst/>
+                </a:prstGeom>
+                <a:noFill/>
+                <a:ln w="25400">
+                  <a:solidFill>
+                    <a:srgbClr val="A8B1CE"/>
+                  </a:solidFill>
+                </a:ln>
+              </p:spPr>
+              <p:style>
+                <a:lnRef idx="2">
+                  <a:schemeClr val="accent1">
+                    <a:shade val="50000"/>
+                  </a:schemeClr>
+                </a:lnRef>
+                <a:fillRef idx="1">
+                  <a:schemeClr val="accent1"/>
+                </a:fillRef>
+                <a:effectRef idx="0">
+                  <a:schemeClr val="accent1"/>
+                </a:effectRef>
+                <a:fontRef idx="minor">
+                  <a:schemeClr val="lt1"/>
+                </a:fontRef>
+              </p:style>
+              <p:txBody>
+                <a:bodyPr rtlCol="0" anchor="ctr"/>
+                <a:lstStyle/>
+                <a:p>
+                  <a:pPr algn="ctr"/>
+                  <a:endParaRPr lang="zh-CN" altLang="en-US"/>
+                </a:p>
+              </p:txBody>
+            </p:sp>
+            <p:sp>
+              <p:nvSpPr>
+                <p:cNvPr id="404" name="矩形: 圆角 403">
+                  <a:extLst>
+                    <a:ext uri="{FF2B5EF4-FFF2-40B4-BE49-F238E27FC236}">
+                      <a16:creationId xmlns:a16="http://schemas.microsoft.com/office/drawing/2014/main" id="{5F9D40BA-19DD-40DE-9039-4A3494F9A1FD}"/>
+                    </a:ext>
+                  </a:extLst>
+                </p:cNvPr>
+                <p:cNvSpPr/>
+                <p:nvPr/>
+              </p:nvSpPr>
+              <p:spPr>
+                <a:xfrm>
+                  <a:off x="7472340" y="26352184"/>
+                  <a:ext cx="849290" cy="537029"/>
+                </a:xfrm>
+                <a:prstGeom prst="roundRect">
+                  <a:avLst/>
+                </a:prstGeom>
+                <a:solidFill>
+                  <a:srgbClr val="4E545E"/>
+                </a:solidFill>
+                <a:ln w="25400">
+                  <a:solidFill>
+                    <a:schemeClr val="bg1"/>
+                  </a:solidFill>
+                </a:ln>
+              </p:spPr>
+              <p:style>
+                <a:lnRef idx="2">
+                  <a:schemeClr val="accent1">
+                    <a:shade val="50000"/>
+                  </a:schemeClr>
+                </a:lnRef>
+                <a:fillRef idx="1">
+                  <a:schemeClr val="accent1"/>
+                </a:fillRef>
+                <a:effectRef idx="0">
+                  <a:schemeClr val="accent1"/>
+                </a:effectRef>
+                <a:fontRef idx="minor">
+                  <a:schemeClr val="lt1"/>
+                </a:fontRef>
+              </p:style>
+              <p:txBody>
+                <a:bodyPr rtlCol="0" anchor="ctr"/>
+                <a:lstStyle/>
+                <a:p>
+                  <a:pPr algn="ctr"/>
+                  <a:r>
+                    <a:rPr lang="en-US" altLang="zh-CN" dirty="0">
+                      <a:solidFill>
+                        <a:schemeClr val="bg1"/>
+                      </a:solidFill>
+                    </a:rPr>
+                    <a:t>Step1: select</a:t>
+                  </a:r>
+                  <a:endParaRPr lang="zh-CN" altLang="en-US" dirty="0">
+                    <a:solidFill>
+                      <a:schemeClr val="bg1"/>
+                    </a:solidFill>
+                  </a:endParaRPr>
+                </a:p>
+              </p:txBody>
+            </p:sp>
+            <p:sp>
+              <p:nvSpPr>
+                <p:cNvPr id="405" name="矩形: 圆角 404">
+                  <a:extLst>
+                    <a:ext uri="{FF2B5EF4-FFF2-40B4-BE49-F238E27FC236}">
+                      <a16:creationId xmlns:a16="http://schemas.microsoft.com/office/drawing/2014/main" id="{7132C39F-DDB6-4F3E-96C5-8A805EE29837}"/>
+                    </a:ext>
+                  </a:extLst>
+                </p:cNvPr>
+                <p:cNvSpPr/>
+                <p:nvPr/>
+              </p:nvSpPr>
+              <p:spPr>
+                <a:xfrm>
+                  <a:off x="8015300" y="27517504"/>
+                  <a:ext cx="2157400" cy="537029"/>
+                </a:xfrm>
+                <a:prstGeom prst="roundRect">
+                  <a:avLst/>
+                </a:prstGeom>
+                <a:solidFill>
+                  <a:srgbClr val="4E545E"/>
+                </a:solidFill>
+                <a:ln w="25400">
+                  <a:solidFill>
+                    <a:schemeClr val="bg1"/>
+                  </a:solidFill>
+                </a:ln>
+              </p:spPr>
+              <p:style>
+                <a:lnRef idx="2">
+                  <a:schemeClr val="accent1">
+                    <a:shade val="50000"/>
+                  </a:schemeClr>
+                </a:lnRef>
+                <a:fillRef idx="1">
+                  <a:schemeClr val="accent1"/>
+                </a:fillRef>
+                <a:effectRef idx="0">
+                  <a:schemeClr val="accent1"/>
+                </a:effectRef>
+                <a:fontRef idx="minor">
+                  <a:schemeClr val="lt1"/>
+                </a:fontRef>
+              </p:style>
+              <p:txBody>
+                <a:bodyPr rtlCol="0" anchor="ctr"/>
+                <a:lstStyle/>
+                <a:p>
+                  <a:pPr algn="ctr"/>
+                  <a:r>
+                    <a:rPr lang="en-US" altLang="zh-CN" dirty="0">
+                      <a:solidFill>
+                        <a:schemeClr val="bg1"/>
+                      </a:solidFill>
+                    </a:rPr>
+                    <a:t>Step2: processSelectedKeys</a:t>
+                  </a:r>
+                  <a:endParaRPr lang="zh-CN" altLang="en-US" dirty="0">
+                    <a:solidFill>
+                      <a:schemeClr val="bg1"/>
+                    </a:solidFill>
+                  </a:endParaRPr>
+                </a:p>
+              </p:txBody>
+            </p:sp>
+            <p:sp>
+              <p:nvSpPr>
+                <p:cNvPr id="406" name="矩形: 圆角 405">
+                  <a:extLst>
+                    <a:ext uri="{FF2B5EF4-FFF2-40B4-BE49-F238E27FC236}">
+                      <a16:creationId xmlns:a16="http://schemas.microsoft.com/office/drawing/2014/main" id="{768B208C-C389-4E97-9B6A-4B11759FB677}"/>
+                    </a:ext>
+                  </a:extLst>
+                </p:cNvPr>
+                <p:cNvSpPr/>
+                <p:nvPr/>
+              </p:nvSpPr>
+              <p:spPr>
+                <a:xfrm>
+                  <a:off x="5864630" y="27517503"/>
+                  <a:ext cx="1387118" cy="537029"/>
+                </a:xfrm>
+                <a:prstGeom prst="roundRect">
+                  <a:avLst/>
+                </a:prstGeom>
+                <a:solidFill>
+                  <a:srgbClr val="4E545E"/>
+                </a:solidFill>
+                <a:ln w="25400">
+                  <a:solidFill>
+                    <a:schemeClr val="bg1"/>
+                  </a:solidFill>
+                </a:ln>
+              </p:spPr>
+              <p:style>
+                <a:lnRef idx="2">
+                  <a:schemeClr val="accent1">
+                    <a:shade val="50000"/>
+                  </a:schemeClr>
+                </a:lnRef>
+                <a:fillRef idx="1">
+                  <a:schemeClr val="accent1"/>
+                </a:fillRef>
+                <a:effectRef idx="0">
+                  <a:schemeClr val="accent1"/>
+                </a:effectRef>
+                <a:fontRef idx="minor">
+                  <a:schemeClr val="lt1"/>
+                </a:fontRef>
+              </p:style>
+              <p:txBody>
+                <a:bodyPr rtlCol="0" anchor="ctr"/>
+                <a:lstStyle/>
+                <a:p>
+                  <a:pPr algn="ctr"/>
+                  <a:r>
+                    <a:rPr lang="en-US" altLang="zh-CN" dirty="0">
+                      <a:solidFill>
+                        <a:schemeClr val="bg1"/>
+                      </a:solidFill>
+                    </a:rPr>
+                    <a:t>Step2: runAllTasks</a:t>
+                  </a:r>
+                  <a:endParaRPr lang="zh-CN" altLang="en-US" dirty="0">
+                    <a:solidFill>
+                      <a:schemeClr val="bg1"/>
+                    </a:solidFill>
+                  </a:endParaRPr>
+                </a:p>
+              </p:txBody>
+            </p:sp>
+            <p:grpSp>
+              <p:nvGrpSpPr>
+                <p:cNvPr id="7" name="组合 6">
+                  <a:extLst>
+                    <a:ext uri="{FF2B5EF4-FFF2-40B4-BE49-F238E27FC236}">
+                      <a16:creationId xmlns:a16="http://schemas.microsoft.com/office/drawing/2014/main" id="{8A60A74D-605F-49F8-A373-C7E988595219}"/>
+                    </a:ext>
+                  </a:extLst>
+                </p:cNvPr>
+                <p:cNvGrpSpPr/>
+                <p:nvPr/>
+              </p:nvGrpSpPr>
+              <p:grpSpPr>
+                <a:xfrm>
+                  <a:off x="10959972" y="26352184"/>
+                  <a:ext cx="4349520" cy="2679478"/>
+                  <a:chOff x="10959972" y="26352184"/>
+                  <a:chExt cx="4349520" cy="2679478"/>
+                </a:xfrm>
+              </p:grpSpPr>
+              <p:sp>
+                <p:nvSpPr>
+                  <p:cNvPr id="407" name="椭圆 406">
+                    <a:extLst>
+                      <a:ext uri="{FF2B5EF4-FFF2-40B4-BE49-F238E27FC236}">
+                        <a16:creationId xmlns:a16="http://schemas.microsoft.com/office/drawing/2014/main" id="{4C76F645-51E9-4461-AA61-FC4B987898F6}"/>
+                      </a:ext>
+                    </a:extLst>
+                  </p:cNvPr>
+                  <p:cNvSpPr/>
+                  <p:nvPr/>
+                </p:nvSpPr>
+                <p:spPr>
+                  <a:xfrm>
+                    <a:off x="11746684" y="26540376"/>
+                    <a:ext cx="2491286" cy="2491286"/>
+                  </a:xfrm>
+                  <a:prstGeom prst="ellipse">
+                    <a:avLst/>
+                  </a:prstGeom>
+                  <a:noFill/>
+                  <a:ln w="25400">
+                    <a:solidFill>
+                      <a:srgbClr val="A8B1CE"/>
+                    </a:solidFill>
+                  </a:ln>
+                </p:spPr>
+                <p:style>
+                  <a:lnRef idx="2">
+                    <a:schemeClr val="accent1">
+                      <a:shade val="50000"/>
+                    </a:schemeClr>
+                  </a:lnRef>
+                  <a:fillRef idx="1">
+                    <a:schemeClr val="accent1"/>
+                  </a:fillRef>
+                  <a:effectRef idx="0">
+                    <a:schemeClr val="accent1"/>
+                  </a:effectRef>
+                  <a:fontRef idx="minor">
+                    <a:schemeClr val="lt1"/>
+                  </a:fontRef>
+                </p:style>
+                <p:txBody>
+                  <a:bodyPr rtlCol="0" anchor="ctr"/>
+                  <a:lstStyle/>
+                  <a:p>
+                    <a:pPr algn="ctr"/>
+                    <a:endParaRPr lang="zh-CN" altLang="en-US"/>
+                  </a:p>
+                </p:txBody>
+              </p:sp>
+              <p:sp>
+                <p:nvSpPr>
+                  <p:cNvPr id="408" name="矩形: 圆角 407">
+                    <a:extLst>
+                      <a:ext uri="{FF2B5EF4-FFF2-40B4-BE49-F238E27FC236}">
+                        <a16:creationId xmlns:a16="http://schemas.microsoft.com/office/drawing/2014/main" id="{51021D8A-C1BA-4085-BC39-1484B17BF0B1}"/>
+                      </a:ext>
+                    </a:extLst>
+                  </p:cNvPr>
+                  <p:cNvSpPr/>
+                  <p:nvPr/>
+                </p:nvSpPr>
+                <p:spPr>
+                  <a:xfrm>
+                    <a:off x="12567682" y="26352184"/>
+                    <a:ext cx="849290" cy="537029"/>
+                  </a:xfrm>
+                  <a:prstGeom prst="roundRect">
+                    <a:avLst/>
+                  </a:prstGeom>
+                  <a:solidFill>
+                    <a:srgbClr val="4E545E"/>
+                  </a:solidFill>
+                  <a:ln w="25400">
+                    <a:solidFill>
+                      <a:schemeClr val="bg1"/>
+                    </a:solidFill>
+                  </a:ln>
+                </p:spPr>
+                <p:style>
+                  <a:lnRef idx="2">
+                    <a:schemeClr val="accent1">
+                      <a:shade val="50000"/>
+                    </a:schemeClr>
+                  </a:lnRef>
+                  <a:fillRef idx="1">
+                    <a:schemeClr val="accent1"/>
+                  </a:fillRef>
+                  <a:effectRef idx="0">
+                    <a:schemeClr val="accent1"/>
+                  </a:effectRef>
+                  <a:fontRef idx="minor">
+                    <a:schemeClr val="lt1"/>
+                  </a:fontRef>
+                </p:style>
+                <p:txBody>
+                  <a:bodyPr rtlCol="0" anchor="ctr"/>
+                  <a:lstStyle/>
+                  <a:p>
+                    <a:pPr algn="ctr"/>
+                    <a:r>
+                      <a:rPr lang="en-US" altLang="zh-CN" dirty="0">
+                        <a:solidFill>
+                          <a:schemeClr val="bg1"/>
+                        </a:solidFill>
+                      </a:rPr>
+                      <a:t>Step1: select</a:t>
+                    </a:r>
+                    <a:endParaRPr lang="zh-CN" altLang="en-US" dirty="0">
+                      <a:solidFill>
+                        <a:schemeClr val="bg1"/>
+                      </a:solidFill>
+                    </a:endParaRPr>
+                  </a:p>
+                </p:txBody>
+              </p:sp>
+              <p:sp>
+                <p:nvSpPr>
+                  <p:cNvPr id="409" name="矩形: 圆角 408">
+                    <a:extLst>
+                      <a:ext uri="{FF2B5EF4-FFF2-40B4-BE49-F238E27FC236}">
+                        <a16:creationId xmlns:a16="http://schemas.microsoft.com/office/drawing/2014/main" id="{D1A0B209-21CC-4F3E-A651-2E6F585B5F9F}"/>
+                      </a:ext>
+                    </a:extLst>
+                  </p:cNvPr>
+                  <p:cNvSpPr/>
+                  <p:nvPr/>
+                </p:nvSpPr>
+                <p:spPr>
+                  <a:xfrm>
+                    <a:off x="13110642" y="27517504"/>
+                    <a:ext cx="2198850" cy="537029"/>
+                  </a:xfrm>
+                  <a:prstGeom prst="roundRect">
+                    <a:avLst/>
+                  </a:prstGeom>
+                  <a:solidFill>
+                    <a:srgbClr val="4E545E"/>
+                  </a:solidFill>
+                  <a:ln w="25400">
+                    <a:solidFill>
+                      <a:schemeClr val="bg1"/>
+                    </a:solidFill>
+                  </a:ln>
+                </p:spPr>
+                <p:style>
+                  <a:lnRef idx="2">
+                    <a:schemeClr val="accent1">
+                      <a:shade val="50000"/>
+                    </a:schemeClr>
+                  </a:lnRef>
+                  <a:fillRef idx="1">
+                    <a:schemeClr val="accent1"/>
+                  </a:fillRef>
+                  <a:effectRef idx="0">
+                    <a:schemeClr val="accent1"/>
+                  </a:effectRef>
+                  <a:fontRef idx="minor">
+                    <a:schemeClr val="lt1"/>
+                  </a:fontRef>
+                </p:style>
+                <p:txBody>
+                  <a:bodyPr rtlCol="0" anchor="ctr"/>
+                  <a:lstStyle/>
+                  <a:p>
+                    <a:pPr algn="ctr"/>
+                    <a:r>
+                      <a:rPr lang="en-US" altLang="zh-CN" dirty="0">
+                        <a:solidFill>
+                          <a:schemeClr val="bg1"/>
+                        </a:solidFill>
+                      </a:rPr>
+                      <a:t>Step2: processSelectedKeys</a:t>
+                    </a:r>
+                    <a:endParaRPr lang="zh-CN" altLang="en-US" dirty="0">
+                      <a:solidFill>
+                        <a:schemeClr val="bg1"/>
+                      </a:solidFill>
+                    </a:endParaRPr>
+                  </a:p>
+                </p:txBody>
+              </p:sp>
+              <p:sp>
+                <p:nvSpPr>
+                  <p:cNvPr id="410" name="矩形: 圆角 409">
+                    <a:extLst>
+                      <a:ext uri="{FF2B5EF4-FFF2-40B4-BE49-F238E27FC236}">
+                        <a16:creationId xmlns:a16="http://schemas.microsoft.com/office/drawing/2014/main" id="{54A4A3AD-19F9-4354-9DF9-EAFC42B5E3DF}"/>
+                      </a:ext>
+                    </a:extLst>
+                  </p:cNvPr>
+                  <p:cNvSpPr/>
+                  <p:nvPr/>
+                </p:nvSpPr>
+                <p:spPr>
+                  <a:xfrm>
+                    <a:off x="10959972" y="27517503"/>
+                    <a:ext cx="1387118" cy="537029"/>
+                  </a:xfrm>
+                  <a:prstGeom prst="roundRect">
+                    <a:avLst/>
+                  </a:prstGeom>
+                  <a:solidFill>
+                    <a:srgbClr val="4E545E"/>
+                  </a:solidFill>
+                  <a:ln w="25400">
+                    <a:solidFill>
+                      <a:schemeClr val="bg1"/>
+                    </a:solidFill>
+                  </a:ln>
+                </p:spPr>
+                <p:style>
+                  <a:lnRef idx="2">
+                    <a:schemeClr val="accent1">
+                      <a:shade val="50000"/>
+                    </a:schemeClr>
+                  </a:lnRef>
+                  <a:fillRef idx="1">
+                    <a:schemeClr val="accent1"/>
+                  </a:fillRef>
+                  <a:effectRef idx="0">
+                    <a:schemeClr val="accent1"/>
+                  </a:effectRef>
+                  <a:fontRef idx="minor">
+                    <a:schemeClr val="lt1"/>
+                  </a:fontRef>
+                </p:style>
+                <p:txBody>
+                  <a:bodyPr rtlCol="0" anchor="ctr"/>
+                  <a:lstStyle/>
+                  <a:p>
+                    <a:pPr algn="ctr"/>
+                    <a:r>
+                      <a:rPr lang="en-US" altLang="zh-CN" dirty="0">
+                        <a:solidFill>
+                          <a:schemeClr val="bg1"/>
+                        </a:solidFill>
+                      </a:rPr>
+                      <a:t>Step2: runAllTasks</a:t>
+                    </a:r>
+                    <a:endParaRPr lang="zh-CN" altLang="en-US" dirty="0">
+                      <a:solidFill>
+                        <a:schemeClr val="bg1"/>
+                      </a:solidFill>
+                    </a:endParaRPr>
+                  </a:p>
+                </p:txBody>
+              </p:sp>
+            </p:grpSp>
+            <p:grpSp>
+              <p:nvGrpSpPr>
+                <p:cNvPr id="10" name="组合 9">
+                  <a:extLst>
+                    <a:ext uri="{FF2B5EF4-FFF2-40B4-BE49-F238E27FC236}">
+                      <a16:creationId xmlns:a16="http://schemas.microsoft.com/office/drawing/2014/main" id="{1E2882B4-BED2-435B-A3D6-DEF8259D58E1}"/>
+                    </a:ext>
+                  </a:extLst>
+                </p:cNvPr>
+                <p:cNvGrpSpPr/>
+                <p:nvPr/>
+              </p:nvGrpSpPr>
+              <p:grpSpPr>
+                <a:xfrm>
+                  <a:off x="11850010" y="29776560"/>
+                  <a:ext cx="2374553" cy="2037477"/>
+                  <a:chOff x="11743621" y="29471760"/>
+                  <a:chExt cx="2374553" cy="2037477"/>
+                </a:xfrm>
+              </p:grpSpPr>
+              <p:grpSp>
+                <p:nvGrpSpPr>
+                  <p:cNvPr id="9" name="组合 8">
+                    <a:extLst>
+                      <a:ext uri="{FF2B5EF4-FFF2-40B4-BE49-F238E27FC236}">
+                        <a16:creationId xmlns:a16="http://schemas.microsoft.com/office/drawing/2014/main" id="{BD3721E1-02AF-42E9-B25C-2F5AFC89F2B3}"/>
+                      </a:ext>
+                    </a:extLst>
+                  </p:cNvPr>
+                  <p:cNvGrpSpPr/>
+                  <p:nvPr/>
+                </p:nvGrpSpPr>
+                <p:grpSpPr>
+                  <a:xfrm>
+                    <a:off x="11963064" y="29915056"/>
+                    <a:ext cx="1935666" cy="1389483"/>
+                    <a:chOff x="11980168" y="29915056"/>
+                    <a:chExt cx="1935666" cy="1389483"/>
+                  </a:xfrm>
+                </p:grpSpPr>
+                <p:sp>
+                  <p:nvSpPr>
+                    <p:cNvPr id="412" name="矩形: 圆角 411">
+                      <a:extLst>
+                        <a:ext uri="{FF2B5EF4-FFF2-40B4-BE49-F238E27FC236}">
+                          <a16:creationId xmlns:a16="http://schemas.microsoft.com/office/drawing/2014/main" id="{BC303B90-8BEB-4492-BF25-F619BA8E0223}"/>
+                        </a:ext>
+                      </a:extLst>
+                    </p:cNvPr>
+                    <p:cNvSpPr/>
+                    <p:nvPr/>
+                  </p:nvSpPr>
+                  <p:spPr>
+                    <a:xfrm>
+                      <a:off x="11980168" y="29915056"/>
+                      <a:ext cx="1935666" cy="412356"/>
+                    </a:xfrm>
+                    <a:prstGeom prst="roundRect">
+                      <a:avLst/>
+                    </a:prstGeom>
+                    <a:noFill/>
+                    <a:ln w="25400">
+                      <a:solidFill>
+                        <a:schemeClr val="accent4"/>
+                      </a:solidFill>
+                    </a:ln>
+                  </p:spPr>
+                  <p:style>
+                    <a:lnRef idx="2">
+                      <a:schemeClr val="accent1">
+                        <a:shade val="50000"/>
+                      </a:schemeClr>
+                    </a:lnRef>
+                    <a:fillRef idx="1">
+                      <a:schemeClr val="accent1"/>
+                    </a:fillRef>
+                    <a:effectRef idx="0">
+                      <a:schemeClr val="accent1"/>
+                    </a:effectRef>
+                    <a:fontRef idx="minor">
+                      <a:schemeClr val="lt1"/>
+                    </a:fontRef>
+                  </p:style>
+                  <p:txBody>
+                    <a:bodyPr rtlCol="0" anchor="ctr"/>
+                    <a:lstStyle/>
+                    <a:p>
+                      <a:pPr algn="ctr"/>
+                      <a:r>
+                        <a:rPr lang="en-US" altLang="zh-CN" dirty="0">
+                          <a:solidFill>
+                            <a:srgbClr val="FFC000"/>
+                          </a:solidFill>
+                        </a:rPr>
+                        <a:t>ChannelHandler</a:t>
+                      </a:r>
+                      <a:endParaRPr lang="zh-CN" altLang="en-US" dirty="0">
+                        <a:solidFill>
+                          <a:srgbClr val="FFC000"/>
+                        </a:solidFill>
+                      </a:endParaRPr>
+                    </a:p>
+                  </p:txBody>
+                </p:sp>
+                <p:sp>
+                  <p:nvSpPr>
+                    <p:cNvPr id="413" name="矩形: 圆角 412">
+                      <a:extLst>
+                        <a:ext uri="{FF2B5EF4-FFF2-40B4-BE49-F238E27FC236}">
+                          <a16:creationId xmlns:a16="http://schemas.microsoft.com/office/drawing/2014/main" id="{7C0493DD-C267-4E51-A1DE-03AAC0441D66}"/>
+                        </a:ext>
+                      </a:extLst>
+                    </p:cNvPr>
+                    <p:cNvSpPr/>
+                    <p:nvPr/>
+                  </p:nvSpPr>
+                  <p:spPr>
+                    <a:xfrm>
+                      <a:off x="11980168" y="30892183"/>
+                      <a:ext cx="1935666" cy="412356"/>
+                    </a:xfrm>
+                    <a:prstGeom prst="roundRect">
+                      <a:avLst/>
+                    </a:prstGeom>
+                    <a:noFill/>
+                    <a:ln w="25400">
+                      <a:solidFill>
+                        <a:schemeClr val="accent4"/>
+                      </a:solidFill>
+                    </a:ln>
+                  </p:spPr>
+                  <p:style>
+                    <a:lnRef idx="2">
+                      <a:schemeClr val="accent1">
+                        <a:shade val="50000"/>
+                      </a:schemeClr>
+                    </a:lnRef>
+                    <a:fillRef idx="1">
+                      <a:schemeClr val="accent1"/>
+                    </a:fillRef>
+                    <a:effectRef idx="0">
+                      <a:schemeClr val="accent1"/>
+                    </a:effectRef>
+                    <a:fontRef idx="minor">
+                      <a:schemeClr val="lt1"/>
+                    </a:fontRef>
+                  </p:style>
+                  <p:txBody>
+                    <a:bodyPr rtlCol="0" anchor="ctr"/>
+                    <a:lstStyle/>
+                    <a:p>
+                      <a:pPr algn="ctr"/>
+                      <a:r>
+                        <a:rPr lang="en-US" altLang="zh-CN" dirty="0">
+                          <a:solidFill>
+                            <a:srgbClr val="FFC000"/>
+                          </a:solidFill>
+                        </a:rPr>
+                        <a:t>ChannelHandler</a:t>
+                      </a:r>
+                      <a:endParaRPr lang="zh-CN" altLang="en-US" dirty="0">
+                        <a:solidFill>
+                          <a:srgbClr val="FFC000"/>
+                        </a:solidFill>
+                      </a:endParaRPr>
+                    </a:p>
+                  </p:txBody>
+                </p:sp>
+                <p:sp>
+                  <p:nvSpPr>
+                    <p:cNvPr id="414" name="文本框 413">
+                      <a:extLst>
+                        <a:ext uri="{FF2B5EF4-FFF2-40B4-BE49-F238E27FC236}">
+                          <a16:creationId xmlns:a16="http://schemas.microsoft.com/office/drawing/2014/main" id="{2A217BF7-20B7-438B-B222-0BBB2474F0F2}"/>
+                        </a:ext>
+                      </a:extLst>
+                    </p:cNvPr>
+                    <p:cNvSpPr txBox="1"/>
+                    <p:nvPr/>
+                  </p:nvSpPr>
+                  <p:spPr>
+                    <a:xfrm>
+                      <a:off x="12672926" y="30409743"/>
+                      <a:ext cx="550151" cy="400110"/>
+                    </a:xfrm>
+                    <a:prstGeom prst="rect">
+                      <a:avLst/>
+                    </a:prstGeom>
+                    <a:noFill/>
+                  </p:spPr>
+                  <p:txBody>
+                    <a:bodyPr wrap="none" rtlCol="0">
+                      <a:spAutoFit/>
+                    </a:bodyPr>
+                    <a:lstStyle/>
+                    <a:p>
+                      <a:r>
+                        <a:rPr lang="en-US" altLang="zh-CN" sz="2000" b="1" dirty="0">
+                          <a:solidFill>
+                            <a:schemeClr val="bg1"/>
+                          </a:solidFill>
+                        </a:rPr>
+                        <a:t>……</a:t>
+                      </a:r>
+                      <a:endParaRPr lang="zh-CN" altLang="en-US" sz="2000" b="1" dirty="0">
+                        <a:solidFill>
+                          <a:schemeClr val="bg1"/>
+                        </a:solidFill>
+                      </a:endParaRPr>
+                    </a:p>
+                  </p:txBody>
+                </p:sp>
+              </p:grpSp>
+              <p:sp>
+                <p:nvSpPr>
+                  <p:cNvPr id="415" name="矩形: 圆角 414">
+                    <a:extLst>
+                      <a:ext uri="{FF2B5EF4-FFF2-40B4-BE49-F238E27FC236}">
+                        <a16:creationId xmlns:a16="http://schemas.microsoft.com/office/drawing/2014/main" id="{A1D2D73C-91F7-4F3D-99EC-7F2DE5ACA463}"/>
+                      </a:ext>
+                    </a:extLst>
+                  </p:cNvPr>
+                  <p:cNvSpPr/>
+                  <p:nvPr/>
+                </p:nvSpPr>
+                <p:spPr>
+                  <a:xfrm>
+                    <a:off x="11743621" y="29471760"/>
+                    <a:ext cx="2374553" cy="2037477"/>
+                  </a:xfrm>
+                  <a:prstGeom prst="roundRect">
+                    <a:avLst>
+                      <a:gd name="adj" fmla="val 11680"/>
+                    </a:avLst>
+                  </a:prstGeom>
+                  <a:noFill/>
+                  <a:ln w="25400">
+                    <a:solidFill>
+                      <a:schemeClr val="accent4"/>
+                    </a:solidFill>
+                  </a:ln>
+                </p:spPr>
+                <p:style>
+                  <a:lnRef idx="2">
+                    <a:schemeClr val="accent1">
+                      <a:shade val="50000"/>
+                    </a:schemeClr>
+                  </a:lnRef>
+                  <a:fillRef idx="1">
+                    <a:schemeClr val="accent1"/>
+                  </a:fillRef>
+                  <a:effectRef idx="0">
+                    <a:schemeClr val="accent1"/>
+                  </a:effectRef>
+                  <a:fontRef idx="minor">
+                    <a:schemeClr val="lt1"/>
+                  </a:fontRef>
+                </p:style>
+                <p:txBody>
+                  <a:bodyPr rtlCol="0" anchor="ctr"/>
+                  <a:lstStyle/>
+                  <a:p>
+                    <a:pPr algn="ctr"/>
+                    <a:endParaRPr lang="zh-CN" altLang="en-US" dirty="0">
+                      <a:solidFill>
+                        <a:srgbClr val="FFC000"/>
+                      </a:solidFill>
+                    </a:endParaRPr>
+                  </a:p>
+                </p:txBody>
+              </p:sp>
+              <p:sp>
+                <p:nvSpPr>
+                  <p:cNvPr id="416" name="文本框 415">
+                    <a:extLst>
+                      <a:ext uri="{FF2B5EF4-FFF2-40B4-BE49-F238E27FC236}">
+                        <a16:creationId xmlns:a16="http://schemas.microsoft.com/office/drawing/2014/main" id="{68585CD5-CABF-4E2A-93D9-52372ECBD4ED}"/>
+                      </a:ext>
+                    </a:extLst>
+                  </p:cNvPr>
+                  <p:cNvSpPr txBox="1"/>
+                  <p:nvPr/>
+                </p:nvSpPr>
+                <p:spPr>
+                  <a:xfrm>
+                    <a:off x="12408959" y="29500814"/>
+                    <a:ext cx="1043876" cy="400110"/>
+                  </a:xfrm>
+                  <a:prstGeom prst="rect">
+                    <a:avLst/>
+                  </a:prstGeom>
+                  <a:noFill/>
+                </p:spPr>
+                <p:txBody>
+                  <a:bodyPr wrap="none" rtlCol="0">
+                    <a:spAutoFit/>
+                  </a:bodyPr>
+                  <a:lstStyle/>
+                  <a:p>
+                    <a:r>
+                      <a:rPr lang="en-US" altLang="zh-CN" sz="2000" b="1" dirty="0">
+                        <a:solidFill>
+                          <a:schemeClr val="accent4"/>
+                        </a:solidFill>
+                      </a:rPr>
+                      <a:t>Pipeline</a:t>
+                    </a:r>
+                    <a:endParaRPr lang="zh-CN" altLang="en-US" sz="2000" b="1" dirty="0">
+                      <a:solidFill>
+                        <a:schemeClr val="accent4"/>
+                      </a:solidFill>
+                    </a:endParaRPr>
+                  </a:p>
+                </p:txBody>
+              </p:sp>
+            </p:grpSp>
+            <p:cxnSp>
+              <p:nvCxnSpPr>
+                <p:cNvPr id="12" name="直接箭头连接符 11">
+                  <a:extLst>
+                    <a:ext uri="{FF2B5EF4-FFF2-40B4-BE49-F238E27FC236}">
+                      <a16:creationId xmlns:a16="http://schemas.microsoft.com/office/drawing/2014/main" id="{12B855F9-33CF-472F-818E-90D9176166B2}"/>
+                    </a:ext>
+                  </a:extLst>
+                </p:cNvPr>
+                <p:cNvCxnSpPr>
+                  <a:cxnSpLocks/>
+                  <a:stCxn id="387" idx="2"/>
+                  <a:endCxn id="404" idx="0"/>
+                </p:cNvCxnSpPr>
+                <p:nvPr/>
+              </p:nvCxnSpPr>
+              <p:spPr>
+                <a:xfrm flipH="1">
+                  <a:off x="7896985" y="23786504"/>
+                  <a:ext cx="63500" cy="2565680"/>
+                </a:xfrm>
+                <a:prstGeom prst="straightConnector1">
+                  <a:avLst/>
+                </a:prstGeom>
+                <a:ln w="25400">
+                  <a:solidFill>
+                    <a:schemeClr val="bg1"/>
+                  </a:solidFill>
+                  <a:tailEnd type="triangle"/>
+                </a:ln>
+              </p:spPr>
+              <p:style>
+                <a:lnRef idx="1">
+                  <a:schemeClr val="accent1"/>
+                </a:lnRef>
+                <a:fillRef idx="0">
+                  <a:schemeClr val="accent1"/>
+                </a:fillRef>
+                <a:effectRef idx="0">
+                  <a:schemeClr val="accent1"/>
+                </a:effectRef>
+                <a:fontRef idx="minor">
+                  <a:schemeClr val="tx1"/>
+                </a:fontRef>
+              </p:style>
+            </p:cxnSp>
+            <p:cxnSp>
+              <p:nvCxnSpPr>
+                <p:cNvPr id="17" name="连接符: 曲线 16">
+                  <a:extLst>
+                    <a:ext uri="{FF2B5EF4-FFF2-40B4-BE49-F238E27FC236}">
+                      <a16:creationId xmlns:a16="http://schemas.microsoft.com/office/drawing/2014/main" id="{430E5C8D-46D4-4B53-9C08-A6186445A174}"/>
+                    </a:ext>
+                  </a:extLst>
+                </p:cNvPr>
+                <p:cNvCxnSpPr>
+                  <a:stCxn id="405" idx="3"/>
+                  <a:endCxn id="401" idx="1"/>
+                </p:cNvCxnSpPr>
+                <p:nvPr/>
+              </p:nvCxnSpPr>
+              <p:spPr>
+                <a:xfrm flipV="1">
+                  <a:off x="10172700" y="24846001"/>
+                  <a:ext cx="1413387" cy="2940018"/>
+                </a:xfrm>
+                <a:prstGeom prst="curvedConnector3">
+                  <a:avLst>
+                    <a:gd name="adj1" fmla="val 25739"/>
+                  </a:avLst>
+                </a:prstGeom>
+                <a:ln w="25400">
+                  <a:solidFill>
+                    <a:schemeClr val="bg1"/>
+                  </a:solidFill>
+                  <a:tailEnd type="triangle"/>
+                </a:ln>
+              </p:spPr>
+              <p:style>
+                <a:lnRef idx="1">
+                  <a:schemeClr val="accent1"/>
+                </a:lnRef>
+                <a:fillRef idx="0">
+                  <a:schemeClr val="accent1"/>
+                </a:fillRef>
+                <a:effectRef idx="0">
+                  <a:schemeClr val="accent1"/>
+                </a:effectRef>
+                <a:fontRef idx="minor">
+                  <a:schemeClr val="tx1"/>
+                </a:fontRef>
+              </p:style>
+            </p:cxnSp>
+            <p:cxnSp>
+              <p:nvCxnSpPr>
+                <p:cNvPr id="20" name="直接箭头连接符 19">
+                  <a:extLst>
+                    <a:ext uri="{FF2B5EF4-FFF2-40B4-BE49-F238E27FC236}">
+                      <a16:creationId xmlns:a16="http://schemas.microsoft.com/office/drawing/2014/main" id="{EBDD7FA6-3261-4232-84AC-EC8567FB57E2}"/>
+                    </a:ext>
+                  </a:extLst>
+                </p:cNvPr>
+                <p:cNvCxnSpPr>
+                  <a:stCxn id="401" idx="2"/>
+                  <a:endCxn id="408" idx="0"/>
+                </p:cNvCxnSpPr>
+                <p:nvPr/>
+              </p:nvCxnSpPr>
+              <p:spPr>
+                <a:xfrm flipH="1">
+                  <a:off x="12992327" y="25322413"/>
+                  <a:ext cx="58709" cy="1029771"/>
+                </a:xfrm>
+                <a:prstGeom prst="straightConnector1">
+                  <a:avLst/>
+                </a:prstGeom>
+                <a:ln w="25400">
+                  <a:solidFill>
+                    <a:schemeClr val="bg1"/>
+                  </a:solidFill>
+                  <a:tailEnd type="triangle"/>
+                </a:ln>
+              </p:spPr>
+              <p:style>
+                <a:lnRef idx="1">
+                  <a:schemeClr val="accent1"/>
+                </a:lnRef>
+                <a:fillRef idx="0">
+                  <a:schemeClr val="accent1"/>
+                </a:fillRef>
+                <a:effectRef idx="0">
+                  <a:schemeClr val="accent1"/>
+                </a:effectRef>
+                <a:fontRef idx="minor">
+                  <a:schemeClr val="tx1"/>
+                </a:fontRef>
+              </p:style>
+            </p:cxnSp>
+            <p:cxnSp>
+              <p:nvCxnSpPr>
+                <p:cNvPr id="22" name="连接符: 曲线 21">
+                  <a:extLst>
+                    <a:ext uri="{FF2B5EF4-FFF2-40B4-BE49-F238E27FC236}">
+                      <a16:creationId xmlns:a16="http://schemas.microsoft.com/office/drawing/2014/main" id="{B9BA9CB1-22FE-4635-BE54-9D22965064B8}"/>
+                    </a:ext>
+                  </a:extLst>
+                </p:cNvPr>
+                <p:cNvCxnSpPr>
+                  <a:stCxn id="409" idx="2"/>
+                  <a:endCxn id="415" idx="0"/>
+                </p:cNvCxnSpPr>
+                <p:nvPr/>
+              </p:nvCxnSpPr>
+              <p:spPr>
+                <a:xfrm rot="5400000">
+                  <a:off x="12762664" y="28329156"/>
+                  <a:ext cx="1722027" cy="1172780"/>
+                </a:xfrm>
+                <a:prstGeom prst="curvedConnector3">
+                  <a:avLst>
+                    <a:gd name="adj1" fmla="val 64013"/>
+                  </a:avLst>
+                </a:prstGeom>
+                <a:ln w="25400">
+                  <a:solidFill>
+                    <a:schemeClr val="bg1"/>
+                  </a:solidFill>
+                  <a:tailEnd type="triangle"/>
+                </a:ln>
+              </p:spPr>
+              <p:style>
+                <a:lnRef idx="1">
+                  <a:schemeClr val="accent1"/>
+                </a:lnRef>
+                <a:fillRef idx="0">
+                  <a:schemeClr val="accent1"/>
+                </a:fillRef>
+                <a:effectRef idx="0">
+                  <a:schemeClr val="accent1"/>
+                </a:effectRef>
+                <a:fontRef idx="minor">
+                  <a:schemeClr val="tx1"/>
+                </a:fontRef>
+              </p:style>
+            </p:cxnSp>
+            <p:sp>
+              <p:nvSpPr>
+                <p:cNvPr id="417" name="文本框 416">
+                  <a:extLst>
+                    <a:ext uri="{FF2B5EF4-FFF2-40B4-BE49-F238E27FC236}">
+                      <a16:creationId xmlns:a16="http://schemas.microsoft.com/office/drawing/2014/main" id="{F051E2F4-D94D-4237-AF06-3A12F9098205}"/>
+                    </a:ext>
+                  </a:extLst>
+                </p:cNvPr>
+                <p:cNvSpPr txBox="1"/>
+                <p:nvPr/>
+              </p:nvSpPr>
+              <p:spPr>
+                <a:xfrm>
+                  <a:off x="7099209" y="27023297"/>
+                  <a:ext cx="1667251" cy="400110"/>
+                </a:xfrm>
+                <a:prstGeom prst="rect">
+                  <a:avLst/>
+                </a:prstGeom>
+                <a:noFill/>
+              </p:spPr>
+              <p:txBody>
+                <a:bodyPr wrap="none" rtlCol="0">
+                  <a:spAutoFit/>
+                </a:bodyPr>
+                <a:lstStyle/>
+                <a:p>
+                  <a:r>
+                    <a:rPr lang="en-US" altLang="zh-CN" sz="2000" b="1" dirty="0">
+                      <a:solidFill>
+                        <a:schemeClr val="bg1"/>
+                      </a:solidFill>
+                    </a:rPr>
+                    <a:t>NioEventLoop</a:t>
+                  </a:r>
+                  <a:endParaRPr lang="zh-CN" altLang="en-US" sz="2000" b="1" dirty="0">
+                    <a:solidFill>
+                      <a:schemeClr val="bg1"/>
+                    </a:solidFill>
+                  </a:endParaRPr>
+                </a:p>
+              </p:txBody>
+            </p:sp>
+            <p:sp>
+              <p:nvSpPr>
+                <p:cNvPr id="418" name="文本框 417">
+                  <a:extLst>
+                    <a:ext uri="{FF2B5EF4-FFF2-40B4-BE49-F238E27FC236}">
+                      <a16:creationId xmlns:a16="http://schemas.microsoft.com/office/drawing/2014/main" id="{98A0BE28-538E-41AA-93A8-85F98C3857F7}"/>
+                    </a:ext>
+                  </a:extLst>
+                </p:cNvPr>
+                <p:cNvSpPr txBox="1"/>
+                <p:nvPr/>
+              </p:nvSpPr>
+              <p:spPr>
+                <a:xfrm>
+                  <a:off x="12234755" y="27036207"/>
+                  <a:ext cx="1667251" cy="400110"/>
+                </a:xfrm>
+                <a:prstGeom prst="rect">
+                  <a:avLst/>
+                </a:prstGeom>
+                <a:noFill/>
+              </p:spPr>
+              <p:txBody>
+                <a:bodyPr wrap="none" rtlCol="0">
+                  <a:spAutoFit/>
+                </a:bodyPr>
+                <a:lstStyle/>
+                <a:p>
+                  <a:r>
+                    <a:rPr lang="en-US" altLang="zh-CN" sz="2000" b="1" dirty="0">
+                      <a:solidFill>
+                        <a:schemeClr val="bg1"/>
+                      </a:solidFill>
+                    </a:rPr>
+                    <a:t>NioEventLoop</a:t>
+                  </a:r>
+                  <a:endParaRPr lang="zh-CN" altLang="en-US" sz="2000" b="1" dirty="0">
+                    <a:solidFill>
+                      <a:schemeClr val="bg1"/>
+                    </a:solidFill>
+                  </a:endParaRPr>
+                </a:p>
+              </p:txBody>
+            </p:sp>
+            <p:sp>
+              <p:nvSpPr>
+                <p:cNvPr id="82" name="弧形 81">
+                  <a:extLst>
+                    <a:ext uri="{FF2B5EF4-FFF2-40B4-BE49-F238E27FC236}">
+                      <a16:creationId xmlns:a16="http://schemas.microsoft.com/office/drawing/2014/main" id="{8AD03824-3477-452A-86A2-EE6D4A172D0C}"/>
+                    </a:ext>
+                  </a:extLst>
+                </p:cNvPr>
+                <p:cNvSpPr/>
+                <p:nvPr/>
+              </p:nvSpPr>
+              <p:spPr>
+                <a:xfrm>
+                  <a:off x="8304971" y="26712989"/>
+                  <a:ext cx="832104" cy="1165321"/>
+                </a:xfrm>
+                <a:prstGeom prst="arc">
+                  <a:avLst>
+                    <a:gd name="adj1" fmla="val 16200000"/>
+                    <a:gd name="adj2" fmla="val 21131485"/>
+                  </a:avLst>
+                </a:prstGeom>
+                <a:ln w="25400">
+                  <a:solidFill>
+                    <a:schemeClr val="bg1"/>
+                  </a:solidFill>
+                  <a:tailEnd type="triangle"/>
+                </a:ln>
+              </p:spPr>
+              <p:style>
+                <a:lnRef idx="1">
+                  <a:schemeClr val="accent1"/>
+                </a:lnRef>
+                <a:fillRef idx="0">
+                  <a:schemeClr val="accent1"/>
+                </a:fillRef>
+                <a:effectRef idx="0">
+                  <a:schemeClr val="accent1"/>
+                </a:effectRef>
+                <a:fontRef idx="minor">
+                  <a:schemeClr val="tx1"/>
+                </a:fontRef>
+              </p:style>
+              <p:txBody>
+                <a:bodyPr rtlCol="0" anchor="ctr"/>
+                <a:lstStyle/>
+                <a:p>
+                  <a:pPr algn="ctr"/>
+                  <a:endParaRPr lang="zh-CN" altLang="en-US"/>
+                </a:p>
+              </p:txBody>
+            </p:sp>
+            <p:sp>
+              <p:nvSpPr>
+                <p:cNvPr id="419" name="弧形 418">
+                  <a:extLst>
+                    <a:ext uri="{FF2B5EF4-FFF2-40B4-BE49-F238E27FC236}">
+                      <a16:creationId xmlns:a16="http://schemas.microsoft.com/office/drawing/2014/main" id="{37C1C1CD-85BE-4A79-9A4C-4C3FE6F2F228}"/>
+                    </a:ext>
+                  </a:extLst>
+                </p:cNvPr>
+                <p:cNvSpPr/>
+                <p:nvPr/>
+              </p:nvSpPr>
+              <p:spPr>
+                <a:xfrm>
+                  <a:off x="13454632" y="26712988"/>
+                  <a:ext cx="832104" cy="1165321"/>
+                </a:xfrm>
+                <a:prstGeom prst="arc">
+                  <a:avLst>
+                    <a:gd name="adj1" fmla="val 16200000"/>
+                    <a:gd name="adj2" fmla="val 21131485"/>
+                  </a:avLst>
+                </a:prstGeom>
+                <a:ln w="25400">
+                  <a:solidFill>
+                    <a:schemeClr val="bg1"/>
+                  </a:solidFill>
+                  <a:tailEnd type="triangle"/>
+                </a:ln>
+              </p:spPr>
+              <p:style>
+                <a:lnRef idx="1">
+                  <a:schemeClr val="accent1"/>
+                </a:lnRef>
+                <a:fillRef idx="0">
+                  <a:schemeClr val="accent1"/>
+                </a:fillRef>
+                <a:effectRef idx="0">
+                  <a:schemeClr val="accent1"/>
+                </a:effectRef>
+                <a:fontRef idx="minor">
+                  <a:schemeClr val="tx1"/>
+                </a:fontRef>
+              </p:style>
+              <p:txBody>
+                <a:bodyPr rtlCol="0" anchor="ctr"/>
+                <a:lstStyle/>
+                <a:p>
+                  <a:pPr algn="ctr"/>
+                  <a:endParaRPr lang="zh-CN" altLang="en-US"/>
+                </a:p>
+              </p:txBody>
+            </p:sp>
+            <p:sp>
+              <p:nvSpPr>
+                <p:cNvPr id="420" name="文本框 419">
+                  <a:extLst>
+                    <a:ext uri="{FF2B5EF4-FFF2-40B4-BE49-F238E27FC236}">
+                      <a16:creationId xmlns:a16="http://schemas.microsoft.com/office/drawing/2014/main" id="{BBD19594-DFB3-4785-86F6-B83C05759908}"/>
+                    </a:ext>
+                  </a:extLst>
+                </p:cNvPr>
+                <p:cNvSpPr txBox="1"/>
+                <p:nvPr/>
+              </p:nvSpPr>
+              <p:spPr>
+                <a:xfrm>
+                  <a:off x="7947833" y="25898806"/>
+                  <a:ext cx="754437" cy="338554"/>
+                </a:xfrm>
+                <a:prstGeom prst="rect">
+                  <a:avLst/>
+                </a:prstGeom>
+                <a:noFill/>
+              </p:spPr>
+              <p:txBody>
+                <a:bodyPr wrap="none" rtlCol="0">
+                  <a:spAutoFit/>
+                </a:bodyPr>
+                <a:lstStyle/>
+                <a:p>
+                  <a:r>
+                    <a:rPr lang="en-US" altLang="zh-CN" sz="1600" dirty="0">
+                      <a:solidFill>
+                        <a:schemeClr val="bg1"/>
+                      </a:solidFill>
+                    </a:rPr>
+                    <a:t>Accept</a:t>
+                  </a:r>
+                  <a:endParaRPr lang="zh-CN" altLang="en-US" sz="1600" dirty="0">
+                    <a:solidFill>
+                      <a:schemeClr val="bg1"/>
+                    </a:solidFill>
+                  </a:endParaRPr>
+                </a:p>
+              </p:txBody>
+            </p:sp>
+            <p:sp>
+              <p:nvSpPr>
+                <p:cNvPr id="421" name="文本框 420">
+                  <a:extLst>
+                    <a:ext uri="{FF2B5EF4-FFF2-40B4-BE49-F238E27FC236}">
+                      <a16:creationId xmlns:a16="http://schemas.microsoft.com/office/drawing/2014/main" id="{AEFF2A39-FF3B-4C72-8B8A-385A27D3B939}"/>
+                    </a:ext>
+                  </a:extLst>
+                </p:cNvPr>
+                <p:cNvSpPr txBox="1"/>
+                <p:nvPr/>
+              </p:nvSpPr>
+              <p:spPr>
+                <a:xfrm>
+                  <a:off x="9353737" y="25652585"/>
+                  <a:ext cx="1273105" cy="584775"/>
+                </a:xfrm>
+                <a:prstGeom prst="rect">
+                  <a:avLst/>
+                </a:prstGeom>
+                <a:noFill/>
+              </p:spPr>
+              <p:txBody>
+                <a:bodyPr wrap="none" rtlCol="0">
+                  <a:spAutoFit/>
+                </a:bodyPr>
+                <a:lstStyle/>
+                <a:p>
+                  <a:r>
+                    <a:rPr lang="zh-CN" altLang="en-US" sz="1600" dirty="0">
+                      <a:solidFill>
+                        <a:schemeClr val="bg1"/>
+                      </a:solidFill>
+                    </a:rPr>
+                    <a:t>注册</a:t>
+                  </a:r>
+                  <a:r>
+                    <a:rPr lang="en-US" altLang="zh-CN" sz="1600" dirty="0">
+                      <a:solidFill>
+                        <a:schemeClr val="bg1"/>
+                      </a:solidFill>
+                    </a:rPr>
+                    <a:t>Channel</a:t>
+                  </a:r>
+                </a:p>
+                <a:p>
+                  <a:r>
+                    <a:rPr lang="zh-CN" altLang="en-US" sz="1600" dirty="0">
+                      <a:solidFill>
+                        <a:schemeClr val="bg1"/>
+                      </a:solidFill>
+                    </a:rPr>
+                    <a:t>到</a:t>
+                  </a:r>
+                  <a:r>
+                    <a:rPr lang="en-US" altLang="zh-CN" sz="1600" dirty="0">
+                      <a:solidFill>
+                        <a:schemeClr val="bg1"/>
+                      </a:solidFill>
+                    </a:rPr>
+                    <a:t>Selector</a:t>
+                  </a:r>
+                  <a:endParaRPr lang="zh-CN" altLang="en-US" sz="1600" dirty="0">
+                    <a:solidFill>
+                      <a:schemeClr val="bg1"/>
+                    </a:solidFill>
+                  </a:endParaRPr>
+                </a:p>
+              </p:txBody>
+            </p:sp>
+            <p:sp>
+              <p:nvSpPr>
+                <p:cNvPr id="422" name="文本框 421">
+                  <a:extLst>
+                    <a:ext uri="{FF2B5EF4-FFF2-40B4-BE49-F238E27FC236}">
+                      <a16:creationId xmlns:a16="http://schemas.microsoft.com/office/drawing/2014/main" id="{1DEB27D1-E7CE-464B-88D3-11EFD5602488}"/>
+                    </a:ext>
+                  </a:extLst>
+                </p:cNvPr>
+                <p:cNvSpPr txBox="1"/>
+                <p:nvPr/>
+              </p:nvSpPr>
+              <p:spPr>
+                <a:xfrm>
+                  <a:off x="13055680" y="25972535"/>
+                  <a:ext cx="1237262" cy="338554"/>
+                </a:xfrm>
+                <a:prstGeom prst="rect">
+                  <a:avLst/>
+                </a:prstGeom>
+                <a:noFill/>
+              </p:spPr>
+              <p:txBody>
+                <a:bodyPr wrap="none" rtlCol="0">
+                  <a:spAutoFit/>
+                </a:bodyPr>
+                <a:lstStyle/>
+                <a:p>
+                  <a:r>
+                    <a:rPr lang="en-US" altLang="zh-CN" sz="1600" dirty="0">
+                      <a:solidFill>
+                        <a:schemeClr val="bg1"/>
+                      </a:solidFill>
+                    </a:rPr>
+                    <a:t>Read / Write</a:t>
+                  </a:r>
+                  <a:endParaRPr lang="zh-CN" altLang="en-US" sz="1600" dirty="0">
+                    <a:solidFill>
+                      <a:schemeClr val="bg1"/>
+                    </a:solidFill>
+                  </a:endParaRPr>
+                </a:p>
+              </p:txBody>
+            </p:sp>
+          </p:grpSp>
+        </p:grpSp>
+        <p:sp>
+          <p:nvSpPr>
+            <p:cNvPr id="423" name="文本框 422">
+              <a:extLst>
+                <a:ext uri="{FF2B5EF4-FFF2-40B4-BE49-F238E27FC236}">
+                  <a16:creationId xmlns:a16="http://schemas.microsoft.com/office/drawing/2014/main" id="{282130FC-95AC-42D4-A34E-86B36B6E82DD}"/>
+                </a:ext>
+              </a:extLst>
+            </p:cNvPr>
+            <p:cNvSpPr txBox="1"/>
+            <p:nvPr/>
+          </p:nvSpPr>
+          <p:spPr>
+            <a:xfrm>
+              <a:off x="8591214" y="31897891"/>
+              <a:ext cx="1300421" cy="400110"/>
+            </a:xfrm>
+            <a:prstGeom prst="rect">
+              <a:avLst/>
+            </a:prstGeom>
+            <a:noFill/>
+          </p:spPr>
+          <p:txBody>
+            <a:bodyPr wrap="none" rtlCol="0">
+              <a:spAutoFit/>
+            </a:bodyPr>
+            <a:lstStyle/>
+            <a:p>
+              <a:r>
+                <a:rPr lang="en-US" altLang="zh-CN" sz="2000" b="1" dirty="0">
+                  <a:solidFill>
+                    <a:schemeClr val="bg1"/>
+                  </a:solidFill>
+                </a:rPr>
+                <a:t>Netty</a:t>
+              </a:r>
+              <a:r>
+                <a:rPr lang="zh-CN" altLang="en-US" sz="2000" b="1" dirty="0">
+                  <a:solidFill>
+                    <a:schemeClr val="bg1"/>
+                  </a:solidFill>
+                </a:rPr>
+                <a:t>模型</a:t>
+              </a:r>
+            </a:p>
+          </p:txBody>
+        </p:sp>
+      </p:grpSp>
     </p:spTree>
     <p:extLst>
       <p:ext uri="{BB962C8B-B14F-4D97-AF65-F5344CB8AC3E}">
@@ -16724,6 +19571,4795 @@
           <a:chExt cx="0" cy="0"/>
         </a:xfrm>
       </p:grpSpPr>
+      <p:sp>
+        <p:nvSpPr>
+          <p:cNvPr id="2" name="文本框 1">
+            <a:extLst>
+              <a:ext uri="{FF2B5EF4-FFF2-40B4-BE49-F238E27FC236}">
+                <a16:creationId xmlns:a16="http://schemas.microsoft.com/office/drawing/2014/main" id="{6FE4AA7E-CC1E-44C5-B981-3D912AF1DDDC}"/>
+              </a:ext>
+            </a:extLst>
+          </p:cNvPr>
+          <p:cNvSpPr txBox="1"/>
+          <p:nvPr/>
+        </p:nvSpPr>
+        <p:spPr>
+          <a:xfrm>
+            <a:off x="857250" y="533400"/>
+            <a:ext cx="2175083" cy="646331"/>
+          </a:xfrm>
+          <a:prstGeom prst="rect">
+            <a:avLst/>
+          </a:prstGeom>
+          <a:noFill/>
+        </p:spPr>
+        <p:txBody>
+          <a:bodyPr wrap="none" rtlCol="0">
+            <a:spAutoFit/>
+          </a:bodyPr>
+          <a:lstStyle/>
+          <a:p>
+            <a:r>
+              <a:rPr lang="en-US" altLang="zh-CN" sz="3600" b="1" dirty="0"/>
+              <a:t>Netty</a:t>
+            </a:r>
+            <a:r>
+              <a:rPr lang="zh-CN" altLang="en-US" sz="3600" b="1" dirty="0"/>
+              <a:t>模型</a:t>
+            </a:r>
+          </a:p>
+        </p:txBody>
+      </p:sp>
+      <p:grpSp>
+        <p:nvGrpSpPr>
+          <p:cNvPr id="37" name="组合 36">
+            <a:extLst>
+              <a:ext uri="{FF2B5EF4-FFF2-40B4-BE49-F238E27FC236}">
+                <a16:creationId xmlns:a16="http://schemas.microsoft.com/office/drawing/2014/main" id="{E389DDD3-4314-44D0-8AAF-75BF18800FB6}"/>
+              </a:ext>
+            </a:extLst>
+          </p:cNvPr>
+          <p:cNvGrpSpPr/>
+          <p:nvPr/>
+        </p:nvGrpSpPr>
+        <p:grpSpPr>
+          <a:xfrm>
+            <a:off x="1098550" y="1943101"/>
+            <a:ext cx="9687539" cy="2777192"/>
+            <a:chOff x="1098550" y="1943101"/>
+            <a:chExt cx="9687539" cy="2777192"/>
+          </a:xfrm>
+        </p:grpSpPr>
+        <p:grpSp>
+          <p:nvGrpSpPr>
+            <p:cNvPr id="35" name="组合 34">
+              <a:extLst>
+                <a:ext uri="{FF2B5EF4-FFF2-40B4-BE49-F238E27FC236}">
+                  <a16:creationId xmlns:a16="http://schemas.microsoft.com/office/drawing/2014/main" id="{BEB5198B-CB20-4BA4-801C-BE30EC31E391}"/>
+                </a:ext>
+              </a:extLst>
+            </p:cNvPr>
+            <p:cNvGrpSpPr/>
+            <p:nvPr/>
+          </p:nvGrpSpPr>
+          <p:grpSpPr>
+            <a:xfrm>
+              <a:off x="1098550" y="1943101"/>
+              <a:ext cx="9687539" cy="2231150"/>
+              <a:chOff x="1098550" y="1943101"/>
+              <a:chExt cx="9687539" cy="2231150"/>
+            </a:xfrm>
+          </p:grpSpPr>
+          <p:sp>
+            <p:nvSpPr>
+              <p:cNvPr id="3" name="矩形: 圆角 2">
+                <a:extLst>
+                  <a:ext uri="{FF2B5EF4-FFF2-40B4-BE49-F238E27FC236}">
+                    <a16:creationId xmlns:a16="http://schemas.microsoft.com/office/drawing/2014/main" id="{9A5772FB-7B86-4319-A931-B41A9B550099}"/>
+                  </a:ext>
+                </a:extLst>
+              </p:cNvPr>
+              <p:cNvSpPr/>
+              <p:nvPr/>
+            </p:nvSpPr>
+            <p:spPr>
+              <a:xfrm>
+                <a:off x="1098550" y="2025651"/>
+                <a:ext cx="1035050" cy="400050"/>
+              </a:xfrm>
+              <a:prstGeom prst="roundRect">
+                <a:avLst/>
+              </a:prstGeom>
+            </p:spPr>
+            <p:style>
+              <a:lnRef idx="2">
+                <a:schemeClr val="accent1">
+                  <a:shade val="50000"/>
+                </a:schemeClr>
+              </a:lnRef>
+              <a:fillRef idx="1">
+                <a:schemeClr val="accent1"/>
+              </a:fillRef>
+              <a:effectRef idx="0">
+                <a:schemeClr val="accent1"/>
+              </a:effectRef>
+              <a:fontRef idx="minor">
+                <a:schemeClr val="lt1"/>
+              </a:fontRef>
+            </p:style>
+            <p:txBody>
+              <a:bodyPr rtlCol="0" anchor="ctr"/>
+              <a:lstStyle/>
+              <a:p>
+                <a:pPr algn="ctr"/>
+                <a:r>
+                  <a:rPr lang="en-US" altLang="zh-CN" dirty="0"/>
+                  <a:t>Client1</a:t>
+                </a:r>
+                <a:endParaRPr lang="zh-CN" altLang="en-US" dirty="0"/>
+              </a:p>
+            </p:txBody>
+          </p:sp>
+          <p:sp>
+            <p:nvSpPr>
+              <p:cNvPr id="4" name="矩形: 圆角 3">
+                <a:extLst>
+                  <a:ext uri="{FF2B5EF4-FFF2-40B4-BE49-F238E27FC236}">
+                    <a16:creationId xmlns:a16="http://schemas.microsoft.com/office/drawing/2014/main" id="{26B11947-1CEF-4F42-B8BD-F451301E052B}"/>
+                  </a:ext>
+                </a:extLst>
+              </p:cNvPr>
+              <p:cNvSpPr/>
+              <p:nvPr/>
+            </p:nvSpPr>
+            <p:spPr>
+              <a:xfrm>
+                <a:off x="1098550" y="2889251"/>
+                <a:ext cx="1035050" cy="400050"/>
+              </a:xfrm>
+              <a:prstGeom prst="roundRect">
+                <a:avLst/>
+              </a:prstGeom>
+            </p:spPr>
+            <p:style>
+              <a:lnRef idx="2">
+                <a:schemeClr val="accent1">
+                  <a:shade val="50000"/>
+                </a:schemeClr>
+              </a:lnRef>
+              <a:fillRef idx="1">
+                <a:schemeClr val="accent1"/>
+              </a:fillRef>
+              <a:effectRef idx="0">
+                <a:schemeClr val="accent1"/>
+              </a:effectRef>
+              <a:fontRef idx="minor">
+                <a:schemeClr val="lt1"/>
+              </a:fontRef>
+            </p:style>
+            <p:txBody>
+              <a:bodyPr rtlCol="0" anchor="ctr"/>
+              <a:lstStyle/>
+              <a:p>
+                <a:pPr algn="ctr"/>
+                <a:r>
+                  <a:rPr lang="en-US" altLang="zh-CN" dirty="0"/>
+                  <a:t>Client1</a:t>
+                </a:r>
+                <a:endParaRPr lang="zh-CN" altLang="en-US" dirty="0"/>
+              </a:p>
+            </p:txBody>
+          </p:sp>
+          <p:sp>
+            <p:nvSpPr>
+              <p:cNvPr id="5" name="矩形: 圆角 4">
+                <a:extLst>
+                  <a:ext uri="{FF2B5EF4-FFF2-40B4-BE49-F238E27FC236}">
+                    <a16:creationId xmlns:a16="http://schemas.microsoft.com/office/drawing/2014/main" id="{6B7520E0-75B5-4C2B-8E94-5AF7F8F799A0}"/>
+                  </a:ext>
+                </a:extLst>
+              </p:cNvPr>
+              <p:cNvSpPr/>
+              <p:nvPr/>
+            </p:nvSpPr>
+            <p:spPr>
+              <a:xfrm>
+                <a:off x="1098550" y="3752851"/>
+                <a:ext cx="1035050" cy="400050"/>
+              </a:xfrm>
+              <a:prstGeom prst="roundRect">
+                <a:avLst/>
+              </a:prstGeom>
+            </p:spPr>
+            <p:style>
+              <a:lnRef idx="2">
+                <a:schemeClr val="accent1">
+                  <a:shade val="50000"/>
+                </a:schemeClr>
+              </a:lnRef>
+              <a:fillRef idx="1">
+                <a:schemeClr val="accent1"/>
+              </a:fillRef>
+              <a:effectRef idx="0">
+                <a:schemeClr val="accent1"/>
+              </a:effectRef>
+              <a:fontRef idx="minor">
+                <a:schemeClr val="lt1"/>
+              </a:fontRef>
+            </p:style>
+            <p:txBody>
+              <a:bodyPr rtlCol="0" anchor="ctr"/>
+              <a:lstStyle/>
+              <a:p>
+                <a:pPr algn="ctr"/>
+                <a:r>
+                  <a:rPr lang="en-US" altLang="zh-CN" dirty="0"/>
+                  <a:t>Client1</a:t>
+                </a:r>
+                <a:endParaRPr lang="zh-CN" altLang="en-US" dirty="0"/>
+              </a:p>
+            </p:txBody>
+          </p:sp>
+          <p:sp>
+            <p:nvSpPr>
+              <p:cNvPr id="6" name="矩形 5">
+                <a:extLst>
+                  <a:ext uri="{FF2B5EF4-FFF2-40B4-BE49-F238E27FC236}">
+                    <a16:creationId xmlns:a16="http://schemas.microsoft.com/office/drawing/2014/main" id="{44FB1760-AE17-41B1-9DF1-01EA1B22EEE7}"/>
+                  </a:ext>
+                </a:extLst>
+              </p:cNvPr>
+              <p:cNvSpPr/>
+              <p:nvPr/>
+            </p:nvSpPr>
+            <p:spPr>
+              <a:xfrm>
+                <a:off x="3200400" y="1943101"/>
+                <a:ext cx="3213100" cy="1181099"/>
+              </a:xfrm>
+              <a:prstGeom prst="rect">
+                <a:avLst/>
+              </a:prstGeom>
+            </p:spPr>
+            <p:style>
+              <a:lnRef idx="2">
+                <a:schemeClr val="accent1">
+                  <a:shade val="50000"/>
+                </a:schemeClr>
+              </a:lnRef>
+              <a:fillRef idx="1">
+                <a:schemeClr val="accent1"/>
+              </a:fillRef>
+              <a:effectRef idx="0">
+                <a:schemeClr val="accent1"/>
+              </a:effectRef>
+              <a:fontRef idx="minor">
+                <a:schemeClr val="lt1"/>
+              </a:fontRef>
+            </p:style>
+            <p:txBody>
+              <a:bodyPr rtlCol="0" anchor="ctr"/>
+              <a:lstStyle/>
+              <a:p>
+                <a:pPr algn="ctr"/>
+                <a:endParaRPr lang="zh-CN" altLang="en-US"/>
+              </a:p>
+            </p:txBody>
+          </p:sp>
+          <p:sp>
+            <p:nvSpPr>
+              <p:cNvPr id="7" name="文本框 6">
+                <a:extLst>
+                  <a:ext uri="{FF2B5EF4-FFF2-40B4-BE49-F238E27FC236}">
+                    <a16:creationId xmlns:a16="http://schemas.microsoft.com/office/drawing/2014/main" id="{2DB0E8A1-4688-425A-9466-61503E36D6A3}"/>
+                  </a:ext>
+                </a:extLst>
+              </p:cNvPr>
+              <p:cNvSpPr txBox="1"/>
+              <p:nvPr/>
+            </p:nvSpPr>
+            <p:spPr>
+              <a:xfrm>
+                <a:off x="3200400" y="1955800"/>
+                <a:ext cx="1337289" cy="400110"/>
+              </a:xfrm>
+              <a:prstGeom prst="rect">
+                <a:avLst/>
+              </a:prstGeom>
+              <a:noFill/>
+            </p:spPr>
+            <p:txBody>
+              <a:bodyPr wrap="none" rtlCol="0">
+                <a:spAutoFit/>
+              </a:bodyPr>
+              <a:lstStyle/>
+              <a:p>
+                <a:r>
+                  <a:rPr lang="en-US" altLang="zh-CN" sz="2000" b="1" dirty="0">
+                    <a:solidFill>
+                      <a:schemeClr val="bg1"/>
+                    </a:solidFill>
+                  </a:rPr>
+                  <a:t>BossGroup</a:t>
+                </a:r>
+                <a:endParaRPr lang="zh-CN" altLang="en-US" sz="2000" b="1" dirty="0">
+                  <a:solidFill>
+                    <a:schemeClr val="bg1"/>
+                  </a:solidFill>
+                </a:endParaRPr>
+              </a:p>
+            </p:txBody>
+          </p:sp>
+          <p:sp>
+            <p:nvSpPr>
+              <p:cNvPr id="8" name="矩形: 圆角 7">
+                <a:extLst>
+                  <a:ext uri="{FF2B5EF4-FFF2-40B4-BE49-F238E27FC236}">
+                    <a16:creationId xmlns:a16="http://schemas.microsoft.com/office/drawing/2014/main" id="{CC0BAB07-46EB-45DB-85C9-657DD711E68B}"/>
+                  </a:ext>
+                </a:extLst>
+              </p:cNvPr>
+              <p:cNvSpPr/>
+              <p:nvPr/>
+            </p:nvSpPr>
+            <p:spPr>
+              <a:xfrm>
+                <a:off x="3467100" y="2552700"/>
+                <a:ext cx="1070589" cy="400110"/>
+              </a:xfrm>
+              <a:prstGeom prst="roundRect">
+                <a:avLst/>
+              </a:prstGeom>
+              <a:solidFill>
+                <a:srgbClr val="FF5757"/>
+              </a:solidFill>
+              <a:ln w="25400">
+                <a:solidFill>
+                  <a:schemeClr val="bg1"/>
+                </a:solidFill>
+              </a:ln>
+            </p:spPr>
+            <p:style>
+              <a:lnRef idx="2">
+                <a:schemeClr val="accent2">
+                  <a:shade val="50000"/>
+                </a:schemeClr>
+              </a:lnRef>
+              <a:fillRef idx="1">
+                <a:schemeClr val="accent2"/>
+              </a:fillRef>
+              <a:effectRef idx="0">
+                <a:schemeClr val="accent2"/>
+              </a:effectRef>
+              <a:fontRef idx="minor">
+                <a:schemeClr val="lt1"/>
+              </a:fontRef>
+            </p:style>
+            <p:txBody>
+              <a:bodyPr rtlCol="0" anchor="ctr"/>
+              <a:lstStyle/>
+              <a:p>
+                <a:pPr algn="ctr"/>
+                <a:r>
+                  <a:rPr lang="en-US" altLang="zh-CN" dirty="0"/>
+                  <a:t>selector</a:t>
+                </a:r>
+                <a:endParaRPr lang="zh-CN" altLang="en-US" dirty="0"/>
+              </a:p>
+            </p:txBody>
+          </p:sp>
+          <p:sp>
+            <p:nvSpPr>
+              <p:cNvPr id="9" name="矩形: 圆角 8">
+                <a:extLst>
+                  <a:ext uri="{FF2B5EF4-FFF2-40B4-BE49-F238E27FC236}">
+                    <a16:creationId xmlns:a16="http://schemas.microsoft.com/office/drawing/2014/main" id="{75DBDDBE-A20E-4D89-B407-BB3C2E3F2A87}"/>
+                  </a:ext>
+                </a:extLst>
+              </p:cNvPr>
+              <p:cNvSpPr/>
+              <p:nvPr/>
+            </p:nvSpPr>
+            <p:spPr>
+              <a:xfrm>
+                <a:off x="5029200" y="2552700"/>
+                <a:ext cx="1070589" cy="400110"/>
+              </a:xfrm>
+              <a:prstGeom prst="roundRect">
+                <a:avLst/>
+              </a:prstGeom>
+              <a:solidFill>
+                <a:srgbClr val="FF5757"/>
+              </a:solidFill>
+              <a:ln w="25400">
+                <a:solidFill>
+                  <a:schemeClr val="bg1"/>
+                </a:solidFill>
+              </a:ln>
+            </p:spPr>
+            <p:style>
+              <a:lnRef idx="2">
+                <a:schemeClr val="accent2">
+                  <a:shade val="50000"/>
+                </a:schemeClr>
+              </a:lnRef>
+              <a:fillRef idx="1">
+                <a:schemeClr val="accent2"/>
+              </a:fillRef>
+              <a:effectRef idx="0">
+                <a:schemeClr val="accent2"/>
+              </a:effectRef>
+              <a:fontRef idx="minor">
+                <a:schemeClr val="lt1"/>
+              </a:fontRef>
+            </p:style>
+            <p:txBody>
+              <a:bodyPr rtlCol="0" anchor="ctr"/>
+              <a:lstStyle/>
+              <a:p>
+                <a:pPr algn="ctr"/>
+                <a:r>
+                  <a:rPr lang="en-US" altLang="zh-CN" dirty="0"/>
+                  <a:t>accept</a:t>
+                </a:r>
+                <a:endParaRPr lang="zh-CN" altLang="en-US" dirty="0"/>
+              </a:p>
+            </p:txBody>
+          </p:sp>
+          <p:sp>
+            <p:nvSpPr>
+              <p:cNvPr id="10" name="矩形 9">
+                <a:extLst>
+                  <a:ext uri="{FF2B5EF4-FFF2-40B4-BE49-F238E27FC236}">
+                    <a16:creationId xmlns:a16="http://schemas.microsoft.com/office/drawing/2014/main" id="{26B0D5A4-E5B5-44DE-B5B8-383B872FC9E6}"/>
+                  </a:ext>
+                </a:extLst>
+              </p:cNvPr>
+              <p:cNvSpPr/>
+              <p:nvPr/>
+            </p:nvSpPr>
+            <p:spPr>
+              <a:xfrm>
+                <a:off x="7391400" y="1943101"/>
+                <a:ext cx="3213100" cy="1181099"/>
+              </a:xfrm>
+              <a:prstGeom prst="rect">
+                <a:avLst/>
+              </a:prstGeom>
+            </p:spPr>
+            <p:style>
+              <a:lnRef idx="2">
+                <a:schemeClr val="accent1">
+                  <a:shade val="50000"/>
+                </a:schemeClr>
+              </a:lnRef>
+              <a:fillRef idx="1">
+                <a:schemeClr val="accent1"/>
+              </a:fillRef>
+              <a:effectRef idx="0">
+                <a:schemeClr val="accent1"/>
+              </a:effectRef>
+              <a:fontRef idx="minor">
+                <a:schemeClr val="lt1"/>
+              </a:fontRef>
+            </p:style>
+            <p:txBody>
+              <a:bodyPr rtlCol="0" anchor="ctr"/>
+              <a:lstStyle/>
+              <a:p>
+                <a:pPr algn="ctr"/>
+                <a:endParaRPr lang="zh-CN" altLang="en-US"/>
+              </a:p>
+            </p:txBody>
+          </p:sp>
+          <p:sp>
+            <p:nvSpPr>
+              <p:cNvPr id="11" name="文本框 10">
+                <a:extLst>
+                  <a:ext uri="{FF2B5EF4-FFF2-40B4-BE49-F238E27FC236}">
+                    <a16:creationId xmlns:a16="http://schemas.microsoft.com/office/drawing/2014/main" id="{AF45563F-9278-4705-9402-EF0046A8F7F0}"/>
+                  </a:ext>
+                </a:extLst>
+              </p:cNvPr>
+              <p:cNvSpPr txBox="1"/>
+              <p:nvPr/>
+            </p:nvSpPr>
+            <p:spPr>
+              <a:xfrm>
+                <a:off x="7391400" y="1955800"/>
+                <a:ext cx="1639295" cy="400110"/>
+              </a:xfrm>
+              <a:prstGeom prst="rect">
+                <a:avLst/>
+              </a:prstGeom>
+              <a:noFill/>
+            </p:spPr>
+            <p:txBody>
+              <a:bodyPr wrap="none" rtlCol="0">
+                <a:spAutoFit/>
+              </a:bodyPr>
+              <a:lstStyle/>
+              <a:p>
+                <a:r>
+                  <a:rPr lang="en-US" altLang="zh-CN" sz="2000" b="1" dirty="0">
+                    <a:solidFill>
+                      <a:schemeClr val="bg1"/>
+                    </a:solidFill>
+                  </a:rPr>
+                  <a:t>WorkerGroup</a:t>
+                </a:r>
+                <a:endParaRPr lang="zh-CN" altLang="en-US" sz="2000" b="1" dirty="0">
+                  <a:solidFill>
+                    <a:schemeClr val="bg1"/>
+                  </a:solidFill>
+                </a:endParaRPr>
+              </a:p>
+            </p:txBody>
+          </p:sp>
+          <p:sp>
+            <p:nvSpPr>
+              <p:cNvPr id="12" name="矩形: 圆角 11">
+                <a:extLst>
+                  <a:ext uri="{FF2B5EF4-FFF2-40B4-BE49-F238E27FC236}">
+                    <a16:creationId xmlns:a16="http://schemas.microsoft.com/office/drawing/2014/main" id="{D4142171-EDEB-4A76-8333-67B72C9F9E9B}"/>
+                  </a:ext>
+                </a:extLst>
+              </p:cNvPr>
+              <p:cNvSpPr/>
+              <p:nvPr/>
+            </p:nvSpPr>
+            <p:spPr>
+              <a:xfrm>
+                <a:off x="7658100" y="2552700"/>
+                <a:ext cx="1070589" cy="400110"/>
+              </a:xfrm>
+              <a:prstGeom prst="roundRect">
+                <a:avLst/>
+              </a:prstGeom>
+              <a:solidFill>
+                <a:srgbClr val="FF5757"/>
+              </a:solidFill>
+              <a:ln w="25400">
+                <a:solidFill>
+                  <a:schemeClr val="bg1"/>
+                </a:solidFill>
+              </a:ln>
+            </p:spPr>
+            <p:style>
+              <a:lnRef idx="2">
+                <a:schemeClr val="accent2">
+                  <a:shade val="50000"/>
+                </a:schemeClr>
+              </a:lnRef>
+              <a:fillRef idx="1">
+                <a:schemeClr val="accent2"/>
+              </a:fillRef>
+              <a:effectRef idx="0">
+                <a:schemeClr val="accent2"/>
+              </a:effectRef>
+              <a:fontRef idx="minor">
+                <a:schemeClr val="lt1"/>
+              </a:fontRef>
+            </p:style>
+            <p:txBody>
+              <a:bodyPr rtlCol="0" anchor="ctr"/>
+              <a:lstStyle/>
+              <a:p>
+                <a:pPr algn="ctr"/>
+                <a:r>
+                  <a:rPr lang="en-US" altLang="zh-CN" dirty="0"/>
+                  <a:t>selector</a:t>
+                </a:r>
+                <a:endParaRPr lang="zh-CN" altLang="en-US" dirty="0"/>
+              </a:p>
+            </p:txBody>
+          </p:sp>
+          <p:sp>
+            <p:nvSpPr>
+              <p:cNvPr id="16" name="矩形: 圆角 15">
+                <a:extLst>
+                  <a:ext uri="{FF2B5EF4-FFF2-40B4-BE49-F238E27FC236}">
+                    <a16:creationId xmlns:a16="http://schemas.microsoft.com/office/drawing/2014/main" id="{719FF48E-0622-4A6D-A377-305B8A3AB657}"/>
+                  </a:ext>
+                </a:extLst>
+              </p:cNvPr>
+              <p:cNvSpPr/>
+              <p:nvPr/>
+            </p:nvSpPr>
+            <p:spPr>
+              <a:xfrm>
+                <a:off x="4002394" y="3778251"/>
+                <a:ext cx="1955800" cy="396000"/>
+              </a:xfrm>
+              <a:prstGeom prst="roundRect">
+                <a:avLst/>
+              </a:prstGeom>
+            </p:spPr>
+            <p:style>
+              <a:lnRef idx="2">
+                <a:schemeClr val="accent1">
+                  <a:shade val="50000"/>
+                </a:schemeClr>
+              </a:lnRef>
+              <a:fillRef idx="1">
+                <a:schemeClr val="accent1"/>
+              </a:fillRef>
+              <a:effectRef idx="0">
+                <a:schemeClr val="accent1"/>
+              </a:effectRef>
+              <a:fontRef idx="minor">
+                <a:schemeClr val="lt1"/>
+              </a:fontRef>
+            </p:style>
+            <p:txBody>
+              <a:bodyPr rtlCol="0" anchor="ctr"/>
+              <a:lstStyle/>
+              <a:p>
+                <a:pPr algn="ctr"/>
+                <a:r>
+                  <a:rPr lang="en-US" altLang="zh-CN" dirty="0"/>
+                  <a:t>SocketChannel</a:t>
+                </a:r>
+                <a:endParaRPr lang="zh-CN" altLang="en-US" dirty="0"/>
+              </a:p>
+            </p:txBody>
+          </p:sp>
+          <p:sp>
+            <p:nvSpPr>
+              <p:cNvPr id="17" name="矩形: 圆角 16">
+                <a:extLst>
+                  <a:ext uri="{FF2B5EF4-FFF2-40B4-BE49-F238E27FC236}">
+                    <a16:creationId xmlns:a16="http://schemas.microsoft.com/office/drawing/2014/main" id="{9AAA7C51-A608-4AAE-9202-BE82BC9ABE47}"/>
+                  </a:ext>
+                </a:extLst>
+              </p:cNvPr>
+              <p:cNvSpPr/>
+              <p:nvPr/>
+            </p:nvSpPr>
+            <p:spPr>
+              <a:xfrm>
+                <a:off x="6680200" y="3778251"/>
+                <a:ext cx="1955800" cy="396000"/>
+              </a:xfrm>
+              <a:prstGeom prst="roundRect">
+                <a:avLst/>
+              </a:prstGeom>
+            </p:spPr>
+            <p:style>
+              <a:lnRef idx="2">
+                <a:schemeClr val="accent1">
+                  <a:shade val="50000"/>
+                </a:schemeClr>
+              </a:lnRef>
+              <a:fillRef idx="1">
+                <a:schemeClr val="accent1"/>
+              </a:fillRef>
+              <a:effectRef idx="0">
+                <a:schemeClr val="accent1"/>
+              </a:effectRef>
+              <a:fontRef idx="minor">
+                <a:schemeClr val="lt1"/>
+              </a:fontRef>
+            </p:style>
+            <p:txBody>
+              <a:bodyPr rtlCol="0" anchor="ctr"/>
+              <a:lstStyle/>
+              <a:p>
+                <a:pPr algn="ctr"/>
+                <a:r>
+                  <a:rPr lang="en-US" altLang="zh-CN" dirty="0"/>
+                  <a:t>NioSocketChannel</a:t>
+                </a:r>
+                <a:endParaRPr lang="zh-CN" altLang="en-US" dirty="0"/>
+              </a:p>
+            </p:txBody>
+          </p:sp>
+          <p:sp>
+            <p:nvSpPr>
+              <p:cNvPr id="18" name="矩形: 圆角 17">
+                <a:extLst>
+                  <a:ext uri="{FF2B5EF4-FFF2-40B4-BE49-F238E27FC236}">
+                    <a16:creationId xmlns:a16="http://schemas.microsoft.com/office/drawing/2014/main" id="{3B92EF7D-3BA3-4B2D-AF90-F3496A33E3D2}"/>
+                  </a:ext>
+                </a:extLst>
+              </p:cNvPr>
+              <p:cNvSpPr/>
+              <p:nvPr/>
+            </p:nvSpPr>
+            <p:spPr>
+              <a:xfrm>
+                <a:off x="9715500" y="3778191"/>
+                <a:ext cx="1070589" cy="396000"/>
+              </a:xfrm>
+              <a:prstGeom prst="roundRect">
+                <a:avLst/>
+              </a:prstGeom>
+              <a:solidFill>
+                <a:srgbClr val="FF5757"/>
+              </a:solidFill>
+              <a:ln w="25400">
+                <a:solidFill>
+                  <a:schemeClr val="bg1"/>
+                </a:solidFill>
+              </a:ln>
+            </p:spPr>
+            <p:style>
+              <a:lnRef idx="2">
+                <a:schemeClr val="accent2">
+                  <a:shade val="50000"/>
+                </a:schemeClr>
+              </a:lnRef>
+              <a:fillRef idx="1">
+                <a:schemeClr val="accent2"/>
+              </a:fillRef>
+              <a:effectRef idx="0">
+                <a:schemeClr val="accent2"/>
+              </a:effectRef>
+              <a:fontRef idx="minor">
+                <a:schemeClr val="lt1"/>
+              </a:fontRef>
+            </p:style>
+            <p:txBody>
+              <a:bodyPr rtlCol="0" anchor="ctr"/>
+              <a:lstStyle/>
+              <a:p>
+                <a:pPr algn="ctr"/>
+                <a:r>
+                  <a:rPr lang="en-US" altLang="zh-CN" dirty="0"/>
+                  <a:t>Handler</a:t>
+                </a:r>
+                <a:endParaRPr lang="zh-CN" altLang="en-US" dirty="0"/>
+              </a:p>
+            </p:txBody>
+          </p:sp>
+          <p:cxnSp>
+            <p:nvCxnSpPr>
+              <p:cNvPr id="20" name="直接箭头连接符 19">
+                <a:extLst>
+                  <a:ext uri="{FF2B5EF4-FFF2-40B4-BE49-F238E27FC236}">
+                    <a16:creationId xmlns:a16="http://schemas.microsoft.com/office/drawing/2014/main" id="{C6E96CE5-9229-43F3-9936-045E3C2168D0}"/>
+                  </a:ext>
+                </a:extLst>
+              </p:cNvPr>
+              <p:cNvCxnSpPr>
+                <a:stCxn id="3" idx="3"/>
+                <a:endCxn id="6" idx="1"/>
+              </p:cNvCxnSpPr>
+              <p:nvPr/>
+            </p:nvCxnSpPr>
+            <p:spPr>
+              <a:xfrm>
+                <a:off x="2133600" y="2225676"/>
+                <a:ext cx="1066800" cy="307975"/>
+              </a:xfrm>
+              <a:prstGeom prst="straightConnector1">
+                <a:avLst/>
+              </a:prstGeom>
+              <a:ln w="19050">
+                <a:tailEnd type="triangle"/>
+              </a:ln>
+            </p:spPr>
+            <p:style>
+              <a:lnRef idx="1">
+                <a:schemeClr val="accent1"/>
+              </a:lnRef>
+              <a:fillRef idx="0">
+                <a:schemeClr val="accent1"/>
+              </a:fillRef>
+              <a:effectRef idx="0">
+                <a:schemeClr val="accent1"/>
+              </a:effectRef>
+              <a:fontRef idx="minor">
+                <a:schemeClr val="tx1"/>
+              </a:fontRef>
+            </p:style>
+          </p:cxnSp>
+          <p:cxnSp>
+            <p:nvCxnSpPr>
+              <p:cNvPr id="22" name="直接箭头连接符 21">
+                <a:extLst>
+                  <a:ext uri="{FF2B5EF4-FFF2-40B4-BE49-F238E27FC236}">
+                    <a16:creationId xmlns:a16="http://schemas.microsoft.com/office/drawing/2014/main" id="{1118C6EA-135F-44C0-9D58-97E8E4B79796}"/>
+                  </a:ext>
+                </a:extLst>
+              </p:cNvPr>
+              <p:cNvCxnSpPr>
+                <a:stCxn id="4" idx="3"/>
+                <a:endCxn id="6" idx="1"/>
+              </p:cNvCxnSpPr>
+              <p:nvPr/>
+            </p:nvCxnSpPr>
+            <p:spPr>
+              <a:xfrm flipV="1">
+                <a:off x="2133600" y="2533651"/>
+                <a:ext cx="1066800" cy="555625"/>
+              </a:xfrm>
+              <a:prstGeom prst="straightConnector1">
+                <a:avLst/>
+              </a:prstGeom>
+              <a:ln w="19050">
+                <a:tailEnd type="triangle"/>
+              </a:ln>
+            </p:spPr>
+            <p:style>
+              <a:lnRef idx="1">
+                <a:schemeClr val="accent1"/>
+              </a:lnRef>
+              <a:fillRef idx="0">
+                <a:schemeClr val="accent1"/>
+              </a:fillRef>
+              <a:effectRef idx="0">
+                <a:schemeClr val="accent1"/>
+              </a:effectRef>
+              <a:fontRef idx="minor">
+                <a:schemeClr val="tx1"/>
+              </a:fontRef>
+            </p:style>
+          </p:cxnSp>
+          <p:cxnSp>
+            <p:nvCxnSpPr>
+              <p:cNvPr id="24" name="直接箭头连接符 23">
+                <a:extLst>
+                  <a:ext uri="{FF2B5EF4-FFF2-40B4-BE49-F238E27FC236}">
+                    <a16:creationId xmlns:a16="http://schemas.microsoft.com/office/drawing/2014/main" id="{EC08CC66-938E-4DFD-AC9A-EAB0D1BEE99C}"/>
+                  </a:ext>
+                </a:extLst>
+              </p:cNvPr>
+              <p:cNvCxnSpPr>
+                <a:stCxn id="5" idx="3"/>
+                <a:endCxn id="6" idx="1"/>
+              </p:cNvCxnSpPr>
+              <p:nvPr/>
+            </p:nvCxnSpPr>
+            <p:spPr>
+              <a:xfrm flipV="1">
+                <a:off x="2133600" y="2533651"/>
+                <a:ext cx="1066800" cy="1419225"/>
+              </a:xfrm>
+              <a:prstGeom prst="straightConnector1">
+                <a:avLst/>
+              </a:prstGeom>
+              <a:ln w="19050">
+                <a:tailEnd type="triangle"/>
+              </a:ln>
+            </p:spPr>
+            <p:style>
+              <a:lnRef idx="1">
+                <a:schemeClr val="accent1"/>
+              </a:lnRef>
+              <a:fillRef idx="0">
+                <a:schemeClr val="accent1"/>
+              </a:fillRef>
+              <a:effectRef idx="0">
+                <a:schemeClr val="accent1"/>
+              </a:effectRef>
+              <a:fontRef idx="minor">
+                <a:schemeClr val="tx1"/>
+              </a:fontRef>
+            </p:style>
+          </p:cxnSp>
+          <p:cxnSp>
+            <p:nvCxnSpPr>
+              <p:cNvPr id="26" name="直接箭头连接符 25">
+                <a:extLst>
+                  <a:ext uri="{FF2B5EF4-FFF2-40B4-BE49-F238E27FC236}">
+                    <a16:creationId xmlns:a16="http://schemas.microsoft.com/office/drawing/2014/main" id="{3E155E91-872D-42CE-AF1E-BD16030E9790}"/>
+                  </a:ext>
+                </a:extLst>
+              </p:cNvPr>
+              <p:cNvCxnSpPr>
+                <a:cxnSpLocks/>
+              </p:cNvCxnSpPr>
+              <p:nvPr/>
+            </p:nvCxnSpPr>
+            <p:spPr>
+              <a:xfrm>
+                <a:off x="4806950" y="2952810"/>
+                <a:ext cx="0" cy="825381"/>
+              </a:xfrm>
+              <a:prstGeom prst="straightConnector1">
+                <a:avLst/>
+              </a:prstGeom>
+              <a:ln w="19050">
+                <a:tailEnd type="triangle"/>
+              </a:ln>
+            </p:spPr>
+            <p:style>
+              <a:lnRef idx="1">
+                <a:schemeClr val="accent6"/>
+              </a:lnRef>
+              <a:fillRef idx="0">
+                <a:schemeClr val="accent6"/>
+              </a:fillRef>
+              <a:effectRef idx="0">
+                <a:schemeClr val="accent6"/>
+              </a:effectRef>
+              <a:fontRef idx="minor">
+                <a:schemeClr val="tx1"/>
+              </a:fontRef>
+            </p:style>
+          </p:cxnSp>
+          <p:cxnSp>
+            <p:nvCxnSpPr>
+              <p:cNvPr id="29" name="直接箭头连接符 28">
+                <a:extLst>
+                  <a:ext uri="{FF2B5EF4-FFF2-40B4-BE49-F238E27FC236}">
+                    <a16:creationId xmlns:a16="http://schemas.microsoft.com/office/drawing/2014/main" id="{A084E384-6DA9-4767-A13C-C3A1F1B7663B}"/>
+                  </a:ext>
+                </a:extLst>
+              </p:cNvPr>
+              <p:cNvCxnSpPr>
+                <a:stCxn id="16" idx="3"/>
+                <a:endCxn id="17" idx="1"/>
+              </p:cNvCxnSpPr>
+              <p:nvPr/>
+            </p:nvCxnSpPr>
+            <p:spPr>
+              <a:xfrm>
+                <a:off x="5958194" y="3976251"/>
+                <a:ext cx="722006" cy="0"/>
+              </a:xfrm>
+              <a:prstGeom prst="straightConnector1">
+                <a:avLst/>
+              </a:prstGeom>
+              <a:ln w="19050">
+                <a:tailEnd type="triangle"/>
+              </a:ln>
+            </p:spPr>
+            <p:style>
+              <a:lnRef idx="1">
+                <a:schemeClr val="accent1"/>
+              </a:lnRef>
+              <a:fillRef idx="0">
+                <a:schemeClr val="accent1"/>
+              </a:fillRef>
+              <a:effectRef idx="0">
+                <a:schemeClr val="accent1"/>
+              </a:effectRef>
+              <a:fontRef idx="minor">
+                <a:schemeClr val="tx1"/>
+              </a:fontRef>
+            </p:style>
+          </p:cxnSp>
+          <p:cxnSp>
+            <p:nvCxnSpPr>
+              <p:cNvPr id="31" name="直接箭头连接符 30">
+                <a:extLst>
+                  <a:ext uri="{FF2B5EF4-FFF2-40B4-BE49-F238E27FC236}">
+                    <a16:creationId xmlns:a16="http://schemas.microsoft.com/office/drawing/2014/main" id="{DC356536-D489-44CF-92F8-B6D5E806AD17}"/>
+                  </a:ext>
+                </a:extLst>
+              </p:cNvPr>
+              <p:cNvCxnSpPr>
+                <a:stCxn id="17" idx="0"/>
+                <a:endCxn id="12" idx="2"/>
+              </p:cNvCxnSpPr>
+              <p:nvPr/>
+            </p:nvCxnSpPr>
+            <p:spPr>
+              <a:xfrm flipV="1">
+                <a:off x="7658100" y="2952810"/>
+                <a:ext cx="535295" cy="825441"/>
+              </a:xfrm>
+              <a:prstGeom prst="straightConnector1">
+                <a:avLst/>
+              </a:prstGeom>
+              <a:ln w="19050">
+                <a:tailEnd type="triangle"/>
+              </a:ln>
+            </p:spPr>
+            <p:style>
+              <a:lnRef idx="1">
+                <a:schemeClr val="accent1"/>
+              </a:lnRef>
+              <a:fillRef idx="0">
+                <a:schemeClr val="accent1"/>
+              </a:fillRef>
+              <a:effectRef idx="0">
+                <a:schemeClr val="accent1"/>
+              </a:effectRef>
+              <a:fontRef idx="minor">
+                <a:schemeClr val="tx1"/>
+              </a:fontRef>
+            </p:style>
+          </p:cxnSp>
+          <p:cxnSp>
+            <p:nvCxnSpPr>
+              <p:cNvPr id="33" name="直接箭头连接符 32">
+                <a:extLst>
+                  <a:ext uri="{FF2B5EF4-FFF2-40B4-BE49-F238E27FC236}">
+                    <a16:creationId xmlns:a16="http://schemas.microsoft.com/office/drawing/2014/main" id="{373A1935-A3EA-4236-A12F-6AF1991B69C7}"/>
+                  </a:ext>
+                </a:extLst>
+              </p:cNvPr>
+              <p:cNvCxnSpPr>
+                <a:stCxn id="10" idx="2"/>
+                <a:endCxn id="18" idx="0"/>
+              </p:cNvCxnSpPr>
+              <p:nvPr/>
+            </p:nvCxnSpPr>
+            <p:spPr>
+              <a:xfrm>
+                <a:off x="8997950" y="3124200"/>
+                <a:ext cx="1252845" cy="653991"/>
+              </a:xfrm>
+              <a:prstGeom prst="straightConnector1">
+                <a:avLst/>
+              </a:prstGeom>
+              <a:ln w="19050">
+                <a:tailEnd type="triangle"/>
+              </a:ln>
+            </p:spPr>
+            <p:style>
+              <a:lnRef idx="1">
+                <a:schemeClr val="accent6"/>
+              </a:lnRef>
+              <a:fillRef idx="0">
+                <a:schemeClr val="accent6"/>
+              </a:fillRef>
+              <a:effectRef idx="0">
+                <a:schemeClr val="accent6"/>
+              </a:effectRef>
+              <a:fontRef idx="minor">
+                <a:schemeClr val="tx1"/>
+              </a:fontRef>
+            </p:style>
+          </p:cxnSp>
+          <p:sp>
+            <p:nvSpPr>
+              <p:cNvPr id="34" name="文本框 33">
+                <a:extLst>
+                  <a:ext uri="{FF2B5EF4-FFF2-40B4-BE49-F238E27FC236}">
+                    <a16:creationId xmlns:a16="http://schemas.microsoft.com/office/drawing/2014/main" id="{DB02B4EF-86BE-458A-97DE-D46B48B26BBE}"/>
+                  </a:ext>
+                </a:extLst>
+              </p:cNvPr>
+              <p:cNvSpPr txBox="1"/>
+              <p:nvPr/>
+            </p:nvSpPr>
+            <p:spPr>
+              <a:xfrm>
+                <a:off x="7226985" y="3237984"/>
+                <a:ext cx="646331" cy="369332"/>
+              </a:xfrm>
+              <a:prstGeom prst="rect">
+                <a:avLst/>
+              </a:prstGeom>
+              <a:noFill/>
+            </p:spPr>
+            <p:txBody>
+              <a:bodyPr wrap="none" rtlCol="0">
+                <a:spAutoFit/>
+              </a:bodyPr>
+              <a:lstStyle/>
+              <a:p>
+                <a:r>
+                  <a:rPr lang="zh-CN" altLang="en-US" dirty="0"/>
+                  <a:t>注册</a:t>
+                </a:r>
+              </a:p>
+            </p:txBody>
+          </p:sp>
+        </p:grpSp>
+        <p:sp>
+          <p:nvSpPr>
+            <p:cNvPr id="36" name="文本框 35">
+              <a:extLst>
+                <a:ext uri="{FF2B5EF4-FFF2-40B4-BE49-F238E27FC236}">
+                  <a16:creationId xmlns:a16="http://schemas.microsoft.com/office/drawing/2014/main" id="{613D882D-A0F4-460C-B393-3E0FA96276EF}"/>
+                </a:ext>
+              </a:extLst>
+            </p:cNvPr>
+            <p:cNvSpPr txBox="1"/>
+            <p:nvPr/>
+          </p:nvSpPr>
+          <p:spPr>
+            <a:xfrm>
+              <a:off x="5013860" y="4350961"/>
+              <a:ext cx="1856919" cy="369332"/>
+            </a:xfrm>
+            <a:prstGeom prst="rect">
+              <a:avLst/>
+            </a:prstGeom>
+            <a:noFill/>
+          </p:spPr>
+          <p:txBody>
+            <a:bodyPr wrap="none" rtlCol="0">
+              <a:spAutoFit/>
+            </a:bodyPr>
+            <a:lstStyle/>
+            <a:p>
+              <a:r>
+                <a:rPr lang="en-US" altLang="zh-CN" dirty="0"/>
+                <a:t>Netty</a:t>
+              </a:r>
+              <a:r>
+                <a:rPr lang="zh-CN" altLang="en-US" dirty="0"/>
+                <a:t>模型简单版</a:t>
+              </a:r>
+            </a:p>
+          </p:txBody>
+        </p:sp>
+      </p:grpSp>
+      <p:grpSp>
+        <p:nvGrpSpPr>
+          <p:cNvPr id="143" name="组合 142">
+            <a:extLst>
+              <a:ext uri="{FF2B5EF4-FFF2-40B4-BE49-F238E27FC236}">
+                <a16:creationId xmlns:a16="http://schemas.microsoft.com/office/drawing/2014/main" id="{33435E9B-5523-49C2-8FE3-238B764E5FBB}"/>
+              </a:ext>
+            </a:extLst>
+          </p:cNvPr>
+          <p:cNvGrpSpPr/>
+          <p:nvPr/>
+        </p:nvGrpSpPr>
+        <p:grpSpPr>
+          <a:xfrm>
+            <a:off x="886848" y="6392531"/>
+            <a:ext cx="13972935" cy="6707417"/>
+            <a:chOff x="886848" y="6392531"/>
+            <a:chExt cx="13972935" cy="6707417"/>
+          </a:xfrm>
+        </p:grpSpPr>
+        <p:grpSp>
+          <p:nvGrpSpPr>
+            <p:cNvPr id="142" name="组合 141">
+              <a:extLst>
+                <a:ext uri="{FF2B5EF4-FFF2-40B4-BE49-F238E27FC236}">
+                  <a16:creationId xmlns:a16="http://schemas.microsoft.com/office/drawing/2014/main" id="{5531E4FD-F7D2-4728-B658-E68127E7C45E}"/>
+                </a:ext>
+              </a:extLst>
+            </p:cNvPr>
+            <p:cNvGrpSpPr/>
+            <p:nvPr/>
+          </p:nvGrpSpPr>
+          <p:grpSpPr>
+            <a:xfrm>
+              <a:off x="886848" y="6392531"/>
+              <a:ext cx="13972935" cy="6127107"/>
+              <a:chOff x="1003300" y="5969743"/>
+              <a:chExt cx="13972935" cy="6127107"/>
+            </a:xfrm>
+          </p:grpSpPr>
+          <p:grpSp>
+            <p:nvGrpSpPr>
+              <p:cNvPr id="100" name="组合 99">
+                <a:extLst>
+                  <a:ext uri="{FF2B5EF4-FFF2-40B4-BE49-F238E27FC236}">
+                    <a16:creationId xmlns:a16="http://schemas.microsoft.com/office/drawing/2014/main" id="{133429FD-976A-4FF4-96EF-2CBFD2FC85D0}"/>
+                  </a:ext>
+                </a:extLst>
+              </p:cNvPr>
+              <p:cNvGrpSpPr/>
+              <p:nvPr/>
+            </p:nvGrpSpPr>
+            <p:grpSpPr>
+              <a:xfrm>
+                <a:off x="1003300" y="5969743"/>
+                <a:ext cx="6223685" cy="6127107"/>
+                <a:chOff x="1003300" y="5969743"/>
+                <a:chExt cx="6223685" cy="6127107"/>
+              </a:xfrm>
+            </p:grpSpPr>
+            <p:sp>
+              <p:nvSpPr>
+                <p:cNvPr id="98" name="矩形: 圆角 97">
+                  <a:extLst>
+                    <a:ext uri="{FF2B5EF4-FFF2-40B4-BE49-F238E27FC236}">
+                      <a16:creationId xmlns:a16="http://schemas.microsoft.com/office/drawing/2014/main" id="{6C46F0E5-E7E5-4439-A915-82721333788B}"/>
+                    </a:ext>
+                  </a:extLst>
+                </p:cNvPr>
+                <p:cNvSpPr/>
+                <p:nvPr/>
+              </p:nvSpPr>
+              <p:spPr>
+                <a:xfrm>
+                  <a:off x="1003300" y="7103586"/>
+                  <a:ext cx="6223685" cy="4986814"/>
+                </a:xfrm>
+                <a:prstGeom prst="roundRect">
+                  <a:avLst>
+                    <a:gd name="adj" fmla="val 2633"/>
+                  </a:avLst>
+                </a:prstGeom>
+                <a:solidFill>
+                  <a:schemeClr val="bg1"/>
+                </a:solidFill>
+              </p:spPr>
+              <p:style>
+                <a:lnRef idx="2">
+                  <a:schemeClr val="accent1">
+                    <a:shade val="50000"/>
+                  </a:schemeClr>
+                </a:lnRef>
+                <a:fillRef idx="1">
+                  <a:schemeClr val="accent1"/>
+                </a:fillRef>
+                <a:effectRef idx="0">
+                  <a:schemeClr val="accent1"/>
+                </a:effectRef>
+                <a:fontRef idx="minor">
+                  <a:schemeClr val="lt1"/>
+                </a:fontRef>
+              </p:style>
+              <p:txBody>
+                <a:bodyPr rtlCol="0" anchor="ctr"/>
+                <a:lstStyle/>
+                <a:p>
+                  <a:pPr algn="ctr"/>
+                  <a:endParaRPr lang="zh-CN" altLang="en-US"/>
+                </a:p>
+              </p:txBody>
+            </p:sp>
+            <p:grpSp>
+              <p:nvGrpSpPr>
+                <p:cNvPr id="79" name="组合 78">
+                  <a:extLst>
+                    <a:ext uri="{FF2B5EF4-FFF2-40B4-BE49-F238E27FC236}">
+                      <a16:creationId xmlns:a16="http://schemas.microsoft.com/office/drawing/2014/main" id="{66358721-94D3-4126-B640-FB896A73AE34}"/>
+                    </a:ext>
+                  </a:extLst>
+                </p:cNvPr>
+                <p:cNvGrpSpPr/>
+                <p:nvPr/>
+              </p:nvGrpSpPr>
+              <p:grpSpPr>
+                <a:xfrm>
+                  <a:off x="1098550" y="5969743"/>
+                  <a:ext cx="2921614" cy="5702099"/>
+                  <a:chOff x="1571526" y="5423643"/>
+                  <a:chExt cx="2921614" cy="5702099"/>
+                </a:xfrm>
+              </p:grpSpPr>
+              <p:sp>
+                <p:nvSpPr>
+                  <p:cNvPr id="40" name="矩形: 圆角 39">
+                    <a:extLst>
+                      <a:ext uri="{FF2B5EF4-FFF2-40B4-BE49-F238E27FC236}">
+                        <a16:creationId xmlns:a16="http://schemas.microsoft.com/office/drawing/2014/main" id="{92CBEC90-9A94-4D29-BCF2-B45B8E61BE66}"/>
+                      </a:ext>
+                    </a:extLst>
+                  </p:cNvPr>
+                  <p:cNvSpPr/>
+                  <p:nvPr/>
+                </p:nvSpPr>
+                <p:spPr>
+                  <a:xfrm>
+                    <a:off x="2303566" y="5423643"/>
+                    <a:ext cx="1473200" cy="646331"/>
+                  </a:xfrm>
+                  <a:prstGeom prst="roundRect">
+                    <a:avLst/>
+                  </a:prstGeom>
+                </p:spPr>
+                <p:style>
+                  <a:lnRef idx="2">
+                    <a:schemeClr val="accent6">
+                      <a:shade val="50000"/>
+                    </a:schemeClr>
+                  </a:lnRef>
+                  <a:fillRef idx="1">
+                    <a:schemeClr val="accent6"/>
+                  </a:fillRef>
+                  <a:effectRef idx="0">
+                    <a:schemeClr val="accent6"/>
+                  </a:effectRef>
+                  <a:fontRef idx="minor">
+                    <a:schemeClr val="lt1"/>
+                  </a:fontRef>
+                </p:style>
+                <p:txBody>
+                  <a:bodyPr rtlCol="0" anchor="ctr"/>
+                  <a:lstStyle/>
+                  <a:p>
+                    <a:pPr algn="ctr"/>
+                    <a:r>
+                      <a:rPr lang="en-US" altLang="zh-CN" dirty="0"/>
+                      <a:t>ServerSocketChannel</a:t>
+                    </a:r>
+                    <a:endParaRPr lang="zh-CN" altLang="en-US" dirty="0"/>
+                  </a:p>
+                </p:txBody>
+              </p:sp>
+              <p:grpSp>
+                <p:nvGrpSpPr>
+                  <p:cNvPr id="61" name="组合 60">
+                    <a:extLst>
+                      <a:ext uri="{FF2B5EF4-FFF2-40B4-BE49-F238E27FC236}">
+                        <a16:creationId xmlns:a16="http://schemas.microsoft.com/office/drawing/2014/main" id="{14226C5E-3554-488B-8C4A-64A7F7C8C1E3}"/>
+                      </a:ext>
+                    </a:extLst>
+                  </p:cNvPr>
+                  <p:cNvGrpSpPr/>
+                  <p:nvPr/>
+                </p:nvGrpSpPr>
+                <p:grpSpPr>
+                  <a:xfrm>
+                    <a:off x="1571526" y="6629854"/>
+                    <a:ext cx="2921614" cy="4495888"/>
+                    <a:chOff x="1571526" y="6629854"/>
+                    <a:chExt cx="2921614" cy="4495888"/>
+                  </a:xfrm>
+                </p:grpSpPr>
+                <p:sp>
+                  <p:nvSpPr>
+                    <p:cNvPr id="58" name="矩形: 圆角 57">
+                      <a:extLst>
+                        <a:ext uri="{FF2B5EF4-FFF2-40B4-BE49-F238E27FC236}">
+                          <a16:creationId xmlns:a16="http://schemas.microsoft.com/office/drawing/2014/main" id="{39C8D588-246F-460A-A608-B7D163916F5F}"/>
+                        </a:ext>
+                      </a:extLst>
+                    </p:cNvPr>
+                    <p:cNvSpPr/>
+                    <p:nvPr/>
+                  </p:nvSpPr>
+                  <p:spPr>
+                    <a:xfrm>
+                      <a:off x="1571526" y="6629854"/>
+                      <a:ext cx="2921614" cy="4470400"/>
+                    </a:xfrm>
+                    <a:prstGeom prst="roundRect">
+                      <a:avLst>
+                        <a:gd name="adj" fmla="val 6669"/>
+                      </a:avLst>
+                    </a:prstGeom>
+                    <a:solidFill>
+                      <a:srgbClr val="FDE5CE"/>
+                    </a:solidFill>
+                    <a:ln>
+                      <a:solidFill>
+                        <a:srgbClr val="F9B46F"/>
+                      </a:solidFill>
+                    </a:ln>
+                  </p:spPr>
+                  <p:style>
+                    <a:lnRef idx="2">
+                      <a:schemeClr val="accent1">
+                        <a:shade val="50000"/>
+                      </a:schemeClr>
+                    </a:lnRef>
+                    <a:fillRef idx="1">
+                      <a:schemeClr val="accent1"/>
+                    </a:fillRef>
+                    <a:effectRef idx="0">
+                      <a:schemeClr val="accent1"/>
+                    </a:effectRef>
+                    <a:fontRef idx="minor">
+                      <a:schemeClr val="lt1"/>
+                    </a:fontRef>
+                  </p:style>
+                  <p:txBody>
+                    <a:bodyPr rtlCol="0" anchor="ctr"/>
+                    <a:lstStyle/>
+                    <a:p>
+                      <a:pPr algn="ctr"/>
+                      <a:endParaRPr lang="zh-CN" altLang="en-US"/>
+                    </a:p>
+                  </p:txBody>
+                </p:sp>
+                <p:grpSp>
+                  <p:nvGrpSpPr>
+                    <p:cNvPr id="59" name="组合 58">
+                      <a:extLst>
+                        <a:ext uri="{FF2B5EF4-FFF2-40B4-BE49-F238E27FC236}">
+                          <a16:creationId xmlns:a16="http://schemas.microsoft.com/office/drawing/2014/main" id="{12127B26-85EC-4D22-A1C9-7242674C3DB0}"/>
+                        </a:ext>
+                      </a:extLst>
+                    </p:cNvPr>
+                    <p:cNvGrpSpPr/>
+                    <p:nvPr/>
+                  </p:nvGrpSpPr>
+                  <p:grpSpPr>
+                    <a:xfrm>
+                      <a:off x="1762333" y="6775155"/>
+                      <a:ext cx="2540000" cy="3898605"/>
+                      <a:chOff x="1778000" y="6775155"/>
+                      <a:chExt cx="2540000" cy="3898605"/>
+                    </a:xfrm>
+                  </p:grpSpPr>
+                  <p:sp>
+                    <p:nvSpPr>
+                      <p:cNvPr id="47" name="矩形: 圆角 46">
+                        <a:extLst>
+                          <a:ext uri="{FF2B5EF4-FFF2-40B4-BE49-F238E27FC236}">
+                            <a16:creationId xmlns:a16="http://schemas.microsoft.com/office/drawing/2014/main" id="{00C6337A-8E73-4F8B-A871-D7D726E39864}"/>
+                          </a:ext>
+                        </a:extLst>
+                      </p:cNvPr>
+                      <p:cNvSpPr/>
+                      <p:nvPr/>
+                    </p:nvSpPr>
+                    <p:spPr>
+                      <a:xfrm>
+                        <a:off x="1778000" y="7543800"/>
+                        <a:ext cx="2540000" cy="3129960"/>
+                      </a:xfrm>
+                      <a:prstGeom prst="roundRect">
+                        <a:avLst>
+                          <a:gd name="adj" fmla="val 3334"/>
+                        </a:avLst>
+                      </a:prstGeom>
+                      <a:solidFill>
+                        <a:srgbClr val="F8D2CB"/>
+                      </a:solidFill>
+                      <a:ln>
+                        <a:solidFill>
+                          <a:srgbClr val="EE9482"/>
+                        </a:solidFill>
+                      </a:ln>
+                    </p:spPr>
+                    <p:style>
+                      <a:lnRef idx="3">
+                        <a:schemeClr val="lt1"/>
+                      </a:lnRef>
+                      <a:fillRef idx="1">
+                        <a:schemeClr val="accent2"/>
+                      </a:fillRef>
+                      <a:effectRef idx="1">
+                        <a:schemeClr val="accent2"/>
+                      </a:effectRef>
+                      <a:fontRef idx="minor">
+                        <a:schemeClr val="lt1"/>
+                      </a:fontRef>
+                    </p:style>
+                    <p:txBody>
+                      <a:bodyPr rtlCol="0" anchor="ctr"/>
+                      <a:lstStyle/>
+                      <a:p>
+                        <a:pPr algn="ctr"/>
+                        <a:endParaRPr lang="zh-CN" altLang="en-US" dirty="0">
+                          <a:solidFill>
+                            <a:srgbClr val="E66248"/>
+                          </a:solidFill>
+                        </a:endParaRPr>
+                      </a:p>
+                    </p:txBody>
+                  </p:sp>
+                  <p:sp>
+                    <p:nvSpPr>
+                      <p:cNvPr id="41" name="矩形: 圆角 40">
+                        <a:extLst>
+                          <a:ext uri="{FF2B5EF4-FFF2-40B4-BE49-F238E27FC236}">
+                            <a16:creationId xmlns:a16="http://schemas.microsoft.com/office/drawing/2014/main" id="{C77D144D-EBCE-40C0-B3C1-61DE7B445679}"/>
+                          </a:ext>
+                        </a:extLst>
+                      </p:cNvPr>
+                      <p:cNvSpPr/>
+                      <p:nvPr/>
+                    </p:nvSpPr>
+                    <p:spPr>
+                      <a:xfrm>
+                        <a:off x="1951142" y="6775155"/>
+                        <a:ext cx="2190750" cy="400050"/>
+                      </a:xfrm>
+                      <a:prstGeom prst="roundRect">
+                        <a:avLst/>
+                      </a:prstGeom>
+                      <a:solidFill>
+                        <a:srgbClr val="F8D2CB"/>
+                      </a:solidFill>
+                      <a:ln>
+                        <a:solidFill>
+                          <a:srgbClr val="EE9482"/>
+                        </a:solidFill>
+                      </a:ln>
+                    </p:spPr>
+                    <p:style>
+                      <a:lnRef idx="3">
+                        <a:schemeClr val="lt1"/>
+                      </a:lnRef>
+                      <a:fillRef idx="1">
+                        <a:schemeClr val="accent2"/>
+                      </a:fillRef>
+                      <a:effectRef idx="1">
+                        <a:schemeClr val="accent2"/>
+                      </a:effectRef>
+                      <a:fontRef idx="minor">
+                        <a:schemeClr val="lt1"/>
+                      </a:fontRef>
+                    </p:style>
+                    <p:txBody>
+                      <a:bodyPr rtlCol="0" anchor="ctr"/>
+                      <a:lstStyle/>
+                      <a:p>
+                        <a:pPr algn="ctr"/>
+                        <a:r>
+                          <a:rPr lang="en-US" altLang="zh-CN" dirty="0">
+                            <a:solidFill>
+                              <a:schemeClr val="tx1"/>
+                            </a:solidFill>
+                          </a:rPr>
+                          <a:t>Selector</a:t>
+                        </a:r>
+                        <a:endParaRPr lang="zh-CN" altLang="en-US" dirty="0">
+                          <a:solidFill>
+                            <a:schemeClr val="tx1"/>
+                          </a:solidFill>
+                        </a:endParaRPr>
+                      </a:p>
+                    </p:txBody>
+                  </p:sp>
+                  <p:sp>
+                    <p:nvSpPr>
+                      <p:cNvPr id="43" name="矩形: 圆角 42">
+                        <a:extLst>
+                          <a:ext uri="{FF2B5EF4-FFF2-40B4-BE49-F238E27FC236}">
+                            <a16:creationId xmlns:a16="http://schemas.microsoft.com/office/drawing/2014/main" id="{2917D233-0047-4B79-B91A-223D4659159F}"/>
+                          </a:ext>
+                        </a:extLst>
+                      </p:cNvPr>
+                      <p:cNvSpPr/>
+                      <p:nvPr/>
+                    </p:nvSpPr>
+                    <p:spPr>
+                      <a:xfrm>
+                        <a:off x="2056762" y="7978926"/>
+                        <a:ext cx="1966809" cy="400050"/>
+                      </a:xfrm>
+                      <a:prstGeom prst="roundRect">
+                        <a:avLst/>
+                      </a:prstGeom>
+                      <a:solidFill>
+                        <a:srgbClr val="E5D5E7"/>
+                      </a:solidFill>
+                      <a:ln>
+                        <a:solidFill>
+                          <a:srgbClr val="BD94C2"/>
+                        </a:solidFill>
+                      </a:ln>
+                    </p:spPr>
+                    <p:style>
+                      <a:lnRef idx="3">
+                        <a:schemeClr val="lt1"/>
+                      </a:lnRef>
+                      <a:fillRef idx="1">
+                        <a:schemeClr val="accent2"/>
+                      </a:fillRef>
+                      <a:effectRef idx="1">
+                        <a:schemeClr val="accent2"/>
+                      </a:effectRef>
+                      <a:fontRef idx="minor">
+                        <a:schemeClr val="lt1"/>
+                      </a:fontRef>
+                    </p:style>
+                    <p:txBody>
+                      <a:bodyPr rtlCol="0" anchor="ctr"/>
+                      <a:lstStyle/>
+                      <a:p>
+                        <a:pPr algn="ctr"/>
+                        <a:r>
+                          <a:rPr lang="zh-CN" altLang="en-US" dirty="0">
+                            <a:solidFill>
+                              <a:srgbClr val="95599D"/>
+                            </a:solidFill>
+                          </a:rPr>
+                          <a:t>轮询监听</a:t>
+                        </a:r>
+                        <a:r>
+                          <a:rPr lang="en-US" altLang="zh-CN" dirty="0">
+                            <a:solidFill>
+                              <a:srgbClr val="95599D"/>
+                            </a:solidFill>
+                          </a:rPr>
+                          <a:t>I/O</a:t>
+                        </a:r>
+                        <a:r>
+                          <a:rPr lang="zh-CN" altLang="en-US" dirty="0">
+                            <a:solidFill>
+                              <a:srgbClr val="95599D"/>
+                            </a:solidFill>
+                          </a:rPr>
+                          <a:t>事件</a:t>
+                        </a:r>
+                      </a:p>
+                    </p:txBody>
+                  </p:sp>
+                  <p:sp>
+                    <p:nvSpPr>
+                      <p:cNvPr id="44" name="矩形: 圆角 43">
+                        <a:extLst>
+                          <a:ext uri="{FF2B5EF4-FFF2-40B4-BE49-F238E27FC236}">
+                            <a16:creationId xmlns:a16="http://schemas.microsoft.com/office/drawing/2014/main" id="{DE625163-B0AA-480B-A6BA-9D30B9BECD3F}"/>
+                          </a:ext>
+                        </a:extLst>
+                      </p:cNvPr>
+                      <p:cNvSpPr/>
+                      <p:nvPr/>
+                    </p:nvSpPr>
+                    <p:spPr>
+                      <a:xfrm>
+                        <a:off x="2056762" y="8782900"/>
+                        <a:ext cx="1966809" cy="400050"/>
+                      </a:xfrm>
+                      <a:prstGeom prst="roundRect">
+                        <a:avLst/>
+                      </a:prstGeom>
+                      <a:solidFill>
+                        <a:srgbClr val="E5D5E7"/>
+                      </a:solidFill>
+                      <a:ln>
+                        <a:solidFill>
+                          <a:srgbClr val="BD94C2"/>
+                        </a:solidFill>
+                      </a:ln>
+                    </p:spPr>
+                    <p:style>
+                      <a:lnRef idx="3">
+                        <a:schemeClr val="lt1"/>
+                      </a:lnRef>
+                      <a:fillRef idx="1">
+                        <a:schemeClr val="accent2"/>
+                      </a:fillRef>
+                      <a:effectRef idx="1">
+                        <a:schemeClr val="accent2"/>
+                      </a:effectRef>
+                      <a:fontRef idx="minor">
+                        <a:schemeClr val="lt1"/>
+                      </a:fontRef>
+                    </p:style>
+                    <p:txBody>
+                      <a:bodyPr rtlCol="0" anchor="ctr"/>
+                      <a:lstStyle/>
+                      <a:p>
+                        <a:pPr algn="ctr"/>
+                        <a:r>
+                          <a:rPr lang="zh-CN" altLang="en-US" dirty="0">
+                            <a:solidFill>
+                              <a:srgbClr val="95599D"/>
+                            </a:solidFill>
+                          </a:rPr>
+                          <a:t>处理</a:t>
+                        </a:r>
+                        <a:r>
+                          <a:rPr lang="en-US" altLang="zh-CN" dirty="0">
+                            <a:solidFill>
+                              <a:srgbClr val="95599D"/>
+                            </a:solidFill>
+                          </a:rPr>
+                          <a:t>I/O</a:t>
+                        </a:r>
+                        <a:r>
+                          <a:rPr lang="zh-CN" altLang="en-US" dirty="0">
+                            <a:solidFill>
+                              <a:srgbClr val="95599D"/>
+                            </a:solidFill>
+                          </a:rPr>
+                          <a:t>事件</a:t>
+                        </a:r>
+                      </a:p>
+                    </p:txBody>
+                  </p:sp>
+                  <p:sp>
+                    <p:nvSpPr>
+                      <p:cNvPr id="45" name="矩形: 圆角 44">
+                        <a:extLst>
+                          <a:ext uri="{FF2B5EF4-FFF2-40B4-BE49-F238E27FC236}">
+                            <a16:creationId xmlns:a16="http://schemas.microsoft.com/office/drawing/2014/main" id="{E42CAAE0-9CA0-49B2-A966-E6C9B5580C95}"/>
+                          </a:ext>
+                        </a:extLst>
+                      </p:cNvPr>
+                      <p:cNvSpPr/>
+                      <p:nvPr/>
+                    </p:nvSpPr>
+                    <p:spPr>
+                      <a:xfrm>
+                        <a:off x="2056762" y="9586874"/>
+                        <a:ext cx="1966809" cy="400050"/>
+                      </a:xfrm>
+                      <a:prstGeom prst="roundRect">
+                        <a:avLst/>
+                      </a:prstGeom>
+                      <a:solidFill>
+                        <a:srgbClr val="E5D5E7"/>
+                      </a:solidFill>
+                      <a:ln>
+                        <a:solidFill>
+                          <a:srgbClr val="BD94C2"/>
+                        </a:solidFill>
+                      </a:ln>
+                    </p:spPr>
+                    <p:style>
+                      <a:lnRef idx="3">
+                        <a:schemeClr val="lt1"/>
+                      </a:lnRef>
+                      <a:fillRef idx="1">
+                        <a:schemeClr val="accent2"/>
+                      </a:fillRef>
+                      <a:effectRef idx="1">
+                        <a:schemeClr val="accent2"/>
+                      </a:effectRef>
+                      <a:fontRef idx="minor">
+                        <a:schemeClr val="lt1"/>
+                      </a:fontRef>
+                    </p:style>
+                    <p:txBody>
+                      <a:bodyPr rtlCol="0" anchor="ctr"/>
+                      <a:lstStyle/>
+                      <a:p>
+                        <a:pPr algn="ctr"/>
+                        <a:r>
+                          <a:rPr lang="zh-CN" altLang="en-US" dirty="0">
+                            <a:solidFill>
+                              <a:srgbClr val="95599D"/>
+                            </a:solidFill>
+                          </a:rPr>
+                          <a:t>处理任务队列</a:t>
+                        </a:r>
+                      </a:p>
+                    </p:txBody>
+                  </p:sp>
+                  <p:cxnSp>
+                    <p:nvCxnSpPr>
+                      <p:cNvPr id="49" name="直接箭头连接符 48">
+                        <a:extLst>
+                          <a:ext uri="{FF2B5EF4-FFF2-40B4-BE49-F238E27FC236}">
+                            <a16:creationId xmlns:a16="http://schemas.microsoft.com/office/drawing/2014/main" id="{1A92CAD9-47F5-488D-BC65-8DDBDBECA200}"/>
+                          </a:ext>
+                        </a:extLst>
+                      </p:cNvPr>
+                      <p:cNvCxnSpPr>
+                        <a:stCxn id="43" idx="2"/>
+                        <a:endCxn id="44" idx="0"/>
+                      </p:cNvCxnSpPr>
+                      <p:nvPr/>
+                    </p:nvCxnSpPr>
+                    <p:spPr>
+                      <a:xfrm>
+                        <a:off x="3040167" y="8378976"/>
+                        <a:ext cx="0" cy="403924"/>
+                      </a:xfrm>
+                      <a:prstGeom prst="straightConnector1">
+                        <a:avLst/>
+                      </a:prstGeom>
+                      <a:ln w="25400">
+                        <a:tailEnd type="triangle"/>
+                      </a:ln>
+                    </p:spPr>
+                    <p:style>
+                      <a:lnRef idx="1">
+                        <a:schemeClr val="accent1"/>
+                      </a:lnRef>
+                      <a:fillRef idx="0">
+                        <a:schemeClr val="accent1"/>
+                      </a:fillRef>
+                      <a:effectRef idx="0">
+                        <a:schemeClr val="accent1"/>
+                      </a:effectRef>
+                      <a:fontRef idx="minor">
+                        <a:schemeClr val="tx1"/>
+                      </a:fontRef>
+                    </p:style>
+                  </p:cxnSp>
+                  <p:cxnSp>
+                    <p:nvCxnSpPr>
+                      <p:cNvPr id="51" name="直接箭头连接符 50">
+                        <a:extLst>
+                          <a:ext uri="{FF2B5EF4-FFF2-40B4-BE49-F238E27FC236}">
+                            <a16:creationId xmlns:a16="http://schemas.microsoft.com/office/drawing/2014/main" id="{84C2B4B1-F9DD-4A4E-890D-6503536CAE5C}"/>
+                          </a:ext>
+                        </a:extLst>
+                      </p:cNvPr>
+                      <p:cNvCxnSpPr>
+                        <a:stCxn id="44" idx="2"/>
+                        <a:endCxn id="45" idx="0"/>
+                      </p:cNvCxnSpPr>
+                      <p:nvPr/>
+                    </p:nvCxnSpPr>
+                    <p:spPr>
+                      <a:xfrm>
+                        <a:off x="3040167" y="9182950"/>
+                        <a:ext cx="0" cy="403924"/>
+                      </a:xfrm>
+                      <a:prstGeom prst="straightConnector1">
+                        <a:avLst/>
+                      </a:prstGeom>
+                      <a:ln w="25400">
+                        <a:tailEnd type="triangle"/>
+                      </a:ln>
+                    </p:spPr>
+                    <p:style>
+                      <a:lnRef idx="1">
+                        <a:schemeClr val="accent1"/>
+                      </a:lnRef>
+                      <a:fillRef idx="0">
+                        <a:schemeClr val="accent1"/>
+                      </a:fillRef>
+                      <a:effectRef idx="0">
+                        <a:schemeClr val="accent1"/>
+                      </a:effectRef>
+                      <a:fontRef idx="minor">
+                        <a:schemeClr val="tx1"/>
+                      </a:fontRef>
+                    </p:style>
+                  </p:cxnSp>
+                  <p:cxnSp>
+                    <p:nvCxnSpPr>
+                      <p:cNvPr id="53" name="连接符: 肘形 52">
+                        <a:extLst>
+                          <a:ext uri="{FF2B5EF4-FFF2-40B4-BE49-F238E27FC236}">
+                            <a16:creationId xmlns:a16="http://schemas.microsoft.com/office/drawing/2014/main" id="{071E4AFA-2B0B-4A1D-B5C4-F48F5F323284}"/>
+                          </a:ext>
+                        </a:extLst>
+                      </p:cNvPr>
+                      <p:cNvCxnSpPr>
+                        <a:stCxn id="45" idx="2"/>
+                        <a:endCxn id="43" idx="0"/>
+                      </p:cNvCxnSpPr>
+                      <p:nvPr/>
+                    </p:nvCxnSpPr>
+                    <p:spPr>
+                      <a:xfrm rot="5400000" flipH="1">
+                        <a:off x="2036168" y="8982925"/>
+                        <a:ext cx="2007998" cy="12700"/>
+                      </a:xfrm>
+                      <a:prstGeom prst="bentConnector5">
+                        <a:avLst>
+                          <a:gd name="adj1" fmla="val -11384"/>
+                          <a:gd name="adj2" fmla="val -8856661"/>
+                          <a:gd name="adj3" fmla="val 111384"/>
+                        </a:avLst>
+                      </a:prstGeom>
+                      <a:ln w="25400">
+                        <a:tailEnd type="triangle"/>
+                      </a:ln>
+                    </p:spPr>
+                    <p:style>
+                      <a:lnRef idx="1">
+                        <a:schemeClr val="accent1"/>
+                      </a:lnRef>
+                      <a:fillRef idx="0">
+                        <a:schemeClr val="accent1"/>
+                      </a:fillRef>
+                      <a:effectRef idx="0">
+                        <a:schemeClr val="accent1"/>
+                      </a:effectRef>
+                      <a:fontRef idx="minor">
+                        <a:schemeClr val="tx1"/>
+                      </a:fontRef>
+                    </p:style>
+                  </p:cxnSp>
+                  <p:sp>
+                    <p:nvSpPr>
+                      <p:cNvPr id="55" name="文本框 54">
+                        <a:extLst>
+                          <a:ext uri="{FF2B5EF4-FFF2-40B4-BE49-F238E27FC236}">
+                            <a16:creationId xmlns:a16="http://schemas.microsoft.com/office/drawing/2014/main" id="{67266296-A987-4439-BD67-23550ADD9367}"/>
+                          </a:ext>
+                        </a:extLst>
+                      </p:cNvPr>
+                      <p:cNvSpPr txBox="1"/>
+                      <p:nvPr/>
+                    </p:nvSpPr>
+                    <p:spPr>
+                      <a:xfrm>
+                        <a:off x="2621120" y="10283888"/>
+                        <a:ext cx="853760" cy="369332"/>
+                      </a:xfrm>
+                      <a:prstGeom prst="rect">
+                        <a:avLst/>
+                      </a:prstGeom>
+                      <a:noFill/>
+                    </p:spPr>
+                    <p:txBody>
+                      <a:bodyPr wrap="none" rtlCol="0">
+                        <a:spAutoFit/>
+                      </a:bodyPr>
+                      <a:lstStyle/>
+                      <a:p>
+                        <a:r>
+                          <a:rPr lang="en-US" altLang="zh-CN" b="1" dirty="0"/>
+                          <a:t>Thread</a:t>
+                        </a:r>
+                        <a:endParaRPr lang="zh-CN" altLang="en-US" b="1" dirty="0"/>
+                      </a:p>
+                    </p:txBody>
+                  </p:sp>
+                  <p:cxnSp>
+                    <p:nvCxnSpPr>
+                      <p:cNvPr id="57" name="直接箭头连接符 56">
+                        <a:extLst>
+                          <a:ext uri="{FF2B5EF4-FFF2-40B4-BE49-F238E27FC236}">
+                            <a16:creationId xmlns:a16="http://schemas.microsoft.com/office/drawing/2014/main" id="{65FB33ED-74DC-4DDA-B606-FAD458FF5D94}"/>
+                          </a:ext>
+                        </a:extLst>
+                      </p:cNvPr>
+                      <p:cNvCxnSpPr>
+                        <a:stCxn id="41" idx="2"/>
+                      </p:cNvCxnSpPr>
+                      <p:nvPr/>
+                    </p:nvCxnSpPr>
+                    <p:spPr>
+                      <a:xfrm flipH="1">
+                        <a:off x="2667000" y="7175205"/>
+                        <a:ext cx="379517" cy="803721"/>
+                      </a:xfrm>
+                      <a:prstGeom prst="straightConnector1">
+                        <a:avLst/>
+                      </a:prstGeom>
+                      <a:ln w="25400">
+                        <a:solidFill>
+                          <a:srgbClr val="95599D"/>
+                        </a:solidFill>
+                        <a:prstDash val="dash"/>
+                        <a:tailEnd type="triangle"/>
+                      </a:ln>
+                    </p:spPr>
+                    <p:style>
+                      <a:lnRef idx="1">
+                        <a:schemeClr val="accent1"/>
+                      </a:lnRef>
+                      <a:fillRef idx="0">
+                        <a:schemeClr val="accent1"/>
+                      </a:fillRef>
+                      <a:effectRef idx="0">
+                        <a:schemeClr val="accent1"/>
+                      </a:effectRef>
+                      <a:fontRef idx="minor">
+                        <a:schemeClr val="tx1"/>
+                      </a:fontRef>
+                    </p:style>
+                  </p:cxnSp>
+                </p:grpSp>
+                <p:sp>
+                  <p:nvSpPr>
+                    <p:cNvPr id="60" name="文本框 59">
+                      <a:extLst>
+                        <a:ext uri="{FF2B5EF4-FFF2-40B4-BE49-F238E27FC236}">
+                          <a16:creationId xmlns:a16="http://schemas.microsoft.com/office/drawing/2014/main" id="{4ACD2017-E6C2-47B7-B07C-0350DB910ECE}"/>
+                        </a:ext>
+                      </a:extLst>
+                    </p:cNvPr>
+                    <p:cNvSpPr txBox="1"/>
+                    <p:nvPr/>
+                  </p:nvSpPr>
+                  <p:spPr>
+                    <a:xfrm>
+                      <a:off x="2275042" y="10756410"/>
+                      <a:ext cx="1514582" cy="369332"/>
+                    </a:xfrm>
+                    <a:prstGeom prst="rect">
+                      <a:avLst/>
+                    </a:prstGeom>
+                    <a:noFill/>
+                  </p:spPr>
+                  <p:txBody>
+                    <a:bodyPr wrap="none" rtlCol="0">
+                      <a:spAutoFit/>
+                    </a:bodyPr>
+                    <a:lstStyle/>
+                    <a:p>
+                      <a:r>
+                        <a:rPr lang="en-US" altLang="zh-CN" b="1" dirty="0"/>
+                        <a:t>NioEventLoop</a:t>
+                      </a:r>
+                      <a:endParaRPr lang="zh-CN" altLang="en-US" b="1" dirty="0"/>
+                    </a:p>
+                  </p:txBody>
+                </p:sp>
+              </p:grpSp>
+              <p:cxnSp>
+                <p:nvCxnSpPr>
+                  <p:cNvPr id="77" name="直接箭头连接符 76">
+                    <a:extLst>
+                      <a:ext uri="{FF2B5EF4-FFF2-40B4-BE49-F238E27FC236}">
+                        <a16:creationId xmlns:a16="http://schemas.microsoft.com/office/drawing/2014/main" id="{837029F4-2108-4807-A5F4-41C6071D07EF}"/>
+                      </a:ext>
+                    </a:extLst>
+                  </p:cNvPr>
+                  <p:cNvCxnSpPr>
+                    <a:stCxn id="40" idx="2"/>
+                    <a:endCxn id="41" idx="0"/>
+                  </p:cNvCxnSpPr>
+                  <p:nvPr/>
+                </p:nvCxnSpPr>
+                <p:spPr>
+                  <a:xfrm flipH="1">
+                    <a:off x="3030850" y="6069974"/>
+                    <a:ext cx="9316" cy="705181"/>
+                  </a:xfrm>
+                  <a:prstGeom prst="straightConnector1">
+                    <a:avLst/>
+                  </a:prstGeom>
+                  <a:ln w="25400">
+                    <a:solidFill>
+                      <a:srgbClr val="95599D"/>
+                    </a:solidFill>
+                    <a:prstDash val="sysDash"/>
+                    <a:tailEnd type="triangle"/>
+                  </a:ln>
+                </p:spPr>
+                <p:style>
+                  <a:lnRef idx="1">
+                    <a:schemeClr val="accent1"/>
+                  </a:lnRef>
+                  <a:fillRef idx="0">
+                    <a:schemeClr val="accent1"/>
+                  </a:fillRef>
+                  <a:effectRef idx="0">
+                    <a:schemeClr val="accent1"/>
+                  </a:effectRef>
+                  <a:fontRef idx="minor">
+                    <a:schemeClr val="tx1"/>
+                  </a:fontRef>
+                </p:style>
+              </p:cxnSp>
+              <p:sp>
+                <p:nvSpPr>
+                  <p:cNvPr id="78" name="文本框 77">
+                    <a:extLst>
+                      <a:ext uri="{FF2B5EF4-FFF2-40B4-BE49-F238E27FC236}">
+                        <a16:creationId xmlns:a16="http://schemas.microsoft.com/office/drawing/2014/main" id="{9518F9B4-25C8-4A3E-9F03-C8CA9A600226}"/>
+                      </a:ext>
+                    </a:extLst>
+                  </p:cNvPr>
+                  <p:cNvSpPr txBox="1"/>
+                  <p:nvPr/>
+                </p:nvSpPr>
+                <p:spPr>
+                  <a:xfrm>
+                    <a:off x="2393835" y="6251654"/>
+                    <a:ext cx="646331" cy="369332"/>
+                  </a:xfrm>
+                  <a:prstGeom prst="rect">
+                    <a:avLst/>
+                  </a:prstGeom>
+                  <a:noFill/>
+                </p:spPr>
+                <p:txBody>
+                  <a:bodyPr wrap="none" rtlCol="0">
+                    <a:spAutoFit/>
+                  </a:bodyPr>
+                  <a:lstStyle/>
+                  <a:p>
+                    <a:r>
+                      <a:rPr lang="zh-CN" altLang="en-US" dirty="0">
+                        <a:solidFill>
+                          <a:srgbClr val="95599D"/>
+                        </a:solidFill>
+                      </a:rPr>
+                      <a:t>注册</a:t>
+                    </a:r>
+                  </a:p>
+                </p:txBody>
+              </p:sp>
+            </p:grpSp>
+            <p:grpSp>
+              <p:nvGrpSpPr>
+                <p:cNvPr id="80" name="组合 79">
+                  <a:extLst>
+                    <a:ext uri="{FF2B5EF4-FFF2-40B4-BE49-F238E27FC236}">
+                      <a16:creationId xmlns:a16="http://schemas.microsoft.com/office/drawing/2014/main" id="{5E369E76-C35D-482F-A3CD-E69C3EEE1376}"/>
+                    </a:ext>
+                  </a:extLst>
+                </p:cNvPr>
+                <p:cNvGrpSpPr/>
+                <p:nvPr/>
+              </p:nvGrpSpPr>
+              <p:grpSpPr>
+                <a:xfrm>
+                  <a:off x="4195888" y="5969743"/>
+                  <a:ext cx="2921614" cy="5702099"/>
+                  <a:chOff x="1571526" y="5423643"/>
+                  <a:chExt cx="2921614" cy="5702099"/>
+                </a:xfrm>
+              </p:grpSpPr>
+              <p:sp>
+                <p:nvSpPr>
+                  <p:cNvPr id="81" name="矩形: 圆角 80">
+                    <a:extLst>
+                      <a:ext uri="{FF2B5EF4-FFF2-40B4-BE49-F238E27FC236}">
+                        <a16:creationId xmlns:a16="http://schemas.microsoft.com/office/drawing/2014/main" id="{2A96FF8D-E2BF-444F-8964-7359161EE718}"/>
+                      </a:ext>
+                    </a:extLst>
+                  </p:cNvPr>
+                  <p:cNvSpPr/>
+                  <p:nvPr/>
+                </p:nvSpPr>
+                <p:spPr>
+                  <a:xfrm>
+                    <a:off x="2303566" y="5423643"/>
+                    <a:ext cx="1473200" cy="646331"/>
+                  </a:xfrm>
+                  <a:prstGeom prst="roundRect">
+                    <a:avLst/>
+                  </a:prstGeom>
+                </p:spPr>
+                <p:style>
+                  <a:lnRef idx="2">
+                    <a:schemeClr val="accent6">
+                      <a:shade val="50000"/>
+                    </a:schemeClr>
+                  </a:lnRef>
+                  <a:fillRef idx="1">
+                    <a:schemeClr val="accent6"/>
+                  </a:fillRef>
+                  <a:effectRef idx="0">
+                    <a:schemeClr val="accent6"/>
+                  </a:effectRef>
+                  <a:fontRef idx="minor">
+                    <a:schemeClr val="lt1"/>
+                  </a:fontRef>
+                </p:style>
+                <p:txBody>
+                  <a:bodyPr rtlCol="0" anchor="ctr"/>
+                  <a:lstStyle/>
+                  <a:p>
+                    <a:pPr algn="ctr"/>
+                    <a:r>
+                      <a:rPr lang="en-US" altLang="zh-CN" dirty="0"/>
+                      <a:t>ServerSocketChannel</a:t>
+                    </a:r>
+                    <a:endParaRPr lang="zh-CN" altLang="en-US" dirty="0"/>
+                  </a:p>
+                </p:txBody>
+              </p:sp>
+              <p:grpSp>
+                <p:nvGrpSpPr>
+                  <p:cNvPr id="82" name="组合 81">
+                    <a:extLst>
+                      <a:ext uri="{FF2B5EF4-FFF2-40B4-BE49-F238E27FC236}">
+                        <a16:creationId xmlns:a16="http://schemas.microsoft.com/office/drawing/2014/main" id="{9EA9F8A5-75DA-43FA-B6E6-1D1D32B10710}"/>
+                      </a:ext>
+                    </a:extLst>
+                  </p:cNvPr>
+                  <p:cNvGrpSpPr/>
+                  <p:nvPr/>
+                </p:nvGrpSpPr>
+                <p:grpSpPr>
+                  <a:xfrm>
+                    <a:off x="1571526" y="6629854"/>
+                    <a:ext cx="2921614" cy="4495888"/>
+                    <a:chOff x="1571526" y="6629854"/>
+                    <a:chExt cx="2921614" cy="4495888"/>
+                  </a:xfrm>
+                </p:grpSpPr>
+                <p:sp>
+                  <p:nvSpPr>
+                    <p:cNvPr id="85" name="矩形: 圆角 84">
+                      <a:extLst>
+                        <a:ext uri="{FF2B5EF4-FFF2-40B4-BE49-F238E27FC236}">
+                          <a16:creationId xmlns:a16="http://schemas.microsoft.com/office/drawing/2014/main" id="{35B14F99-4FC7-47A2-BCC4-C0A6A39A980D}"/>
+                        </a:ext>
+                      </a:extLst>
+                    </p:cNvPr>
+                    <p:cNvSpPr/>
+                    <p:nvPr/>
+                  </p:nvSpPr>
+                  <p:spPr>
+                    <a:xfrm>
+                      <a:off x="1571526" y="6629854"/>
+                      <a:ext cx="2921614" cy="4470400"/>
+                    </a:xfrm>
+                    <a:prstGeom prst="roundRect">
+                      <a:avLst>
+                        <a:gd name="adj" fmla="val 6669"/>
+                      </a:avLst>
+                    </a:prstGeom>
+                    <a:solidFill>
+                      <a:srgbClr val="FDE5CE"/>
+                    </a:solidFill>
+                    <a:ln>
+                      <a:solidFill>
+                        <a:srgbClr val="F9B46F"/>
+                      </a:solidFill>
+                    </a:ln>
+                  </p:spPr>
+                  <p:style>
+                    <a:lnRef idx="2">
+                      <a:schemeClr val="accent1">
+                        <a:shade val="50000"/>
+                      </a:schemeClr>
+                    </a:lnRef>
+                    <a:fillRef idx="1">
+                      <a:schemeClr val="accent1"/>
+                    </a:fillRef>
+                    <a:effectRef idx="0">
+                      <a:schemeClr val="accent1"/>
+                    </a:effectRef>
+                    <a:fontRef idx="minor">
+                      <a:schemeClr val="lt1"/>
+                    </a:fontRef>
+                  </p:style>
+                  <p:txBody>
+                    <a:bodyPr rtlCol="0" anchor="ctr"/>
+                    <a:lstStyle/>
+                    <a:p>
+                      <a:pPr algn="ctr"/>
+                      <a:endParaRPr lang="zh-CN" altLang="en-US"/>
+                    </a:p>
+                  </p:txBody>
+                </p:sp>
+                <p:grpSp>
+                  <p:nvGrpSpPr>
+                    <p:cNvPr id="86" name="组合 85">
+                      <a:extLst>
+                        <a:ext uri="{FF2B5EF4-FFF2-40B4-BE49-F238E27FC236}">
+                          <a16:creationId xmlns:a16="http://schemas.microsoft.com/office/drawing/2014/main" id="{27DC7205-E87D-4631-AC81-4C6D583A9280}"/>
+                        </a:ext>
+                      </a:extLst>
+                    </p:cNvPr>
+                    <p:cNvGrpSpPr/>
+                    <p:nvPr/>
+                  </p:nvGrpSpPr>
+                  <p:grpSpPr>
+                    <a:xfrm>
+                      <a:off x="1762333" y="6775155"/>
+                      <a:ext cx="2540000" cy="3898605"/>
+                      <a:chOff x="1778000" y="6775155"/>
+                      <a:chExt cx="2540000" cy="3898605"/>
+                    </a:xfrm>
+                  </p:grpSpPr>
+                  <p:sp>
+                    <p:nvSpPr>
+                      <p:cNvPr id="88" name="矩形: 圆角 87">
+                        <a:extLst>
+                          <a:ext uri="{FF2B5EF4-FFF2-40B4-BE49-F238E27FC236}">
+                            <a16:creationId xmlns:a16="http://schemas.microsoft.com/office/drawing/2014/main" id="{C4B201FC-F6A6-4B25-8145-0721697FAB3B}"/>
+                          </a:ext>
+                        </a:extLst>
+                      </p:cNvPr>
+                      <p:cNvSpPr/>
+                      <p:nvPr/>
+                    </p:nvSpPr>
+                    <p:spPr>
+                      <a:xfrm>
+                        <a:off x="1778000" y="7543800"/>
+                        <a:ext cx="2540000" cy="3129960"/>
+                      </a:xfrm>
+                      <a:prstGeom prst="roundRect">
+                        <a:avLst>
+                          <a:gd name="adj" fmla="val 3334"/>
+                        </a:avLst>
+                      </a:prstGeom>
+                      <a:solidFill>
+                        <a:srgbClr val="F8D2CB"/>
+                      </a:solidFill>
+                      <a:ln>
+                        <a:solidFill>
+                          <a:srgbClr val="EE9482"/>
+                        </a:solidFill>
+                      </a:ln>
+                    </p:spPr>
+                    <p:style>
+                      <a:lnRef idx="3">
+                        <a:schemeClr val="lt1"/>
+                      </a:lnRef>
+                      <a:fillRef idx="1">
+                        <a:schemeClr val="accent2"/>
+                      </a:fillRef>
+                      <a:effectRef idx="1">
+                        <a:schemeClr val="accent2"/>
+                      </a:effectRef>
+                      <a:fontRef idx="minor">
+                        <a:schemeClr val="lt1"/>
+                      </a:fontRef>
+                    </p:style>
+                    <p:txBody>
+                      <a:bodyPr rtlCol="0" anchor="ctr"/>
+                      <a:lstStyle/>
+                      <a:p>
+                        <a:pPr algn="ctr"/>
+                        <a:endParaRPr lang="zh-CN" altLang="en-US" dirty="0">
+                          <a:solidFill>
+                            <a:srgbClr val="E66248"/>
+                          </a:solidFill>
+                        </a:endParaRPr>
+                      </a:p>
+                    </p:txBody>
+                  </p:sp>
+                  <p:sp>
+                    <p:nvSpPr>
+                      <p:cNvPr id="89" name="矩形: 圆角 88">
+                        <a:extLst>
+                          <a:ext uri="{FF2B5EF4-FFF2-40B4-BE49-F238E27FC236}">
+                            <a16:creationId xmlns:a16="http://schemas.microsoft.com/office/drawing/2014/main" id="{E35A437E-BFAD-4E8D-B9CA-D098CA05D37C}"/>
+                          </a:ext>
+                        </a:extLst>
+                      </p:cNvPr>
+                      <p:cNvSpPr/>
+                      <p:nvPr/>
+                    </p:nvSpPr>
+                    <p:spPr>
+                      <a:xfrm>
+                        <a:off x="1951142" y="6775155"/>
+                        <a:ext cx="2190750" cy="400050"/>
+                      </a:xfrm>
+                      <a:prstGeom prst="roundRect">
+                        <a:avLst/>
+                      </a:prstGeom>
+                      <a:solidFill>
+                        <a:srgbClr val="F8D2CB"/>
+                      </a:solidFill>
+                      <a:ln>
+                        <a:solidFill>
+                          <a:srgbClr val="EE9482"/>
+                        </a:solidFill>
+                      </a:ln>
+                    </p:spPr>
+                    <p:style>
+                      <a:lnRef idx="3">
+                        <a:schemeClr val="lt1"/>
+                      </a:lnRef>
+                      <a:fillRef idx="1">
+                        <a:schemeClr val="accent2"/>
+                      </a:fillRef>
+                      <a:effectRef idx="1">
+                        <a:schemeClr val="accent2"/>
+                      </a:effectRef>
+                      <a:fontRef idx="minor">
+                        <a:schemeClr val="lt1"/>
+                      </a:fontRef>
+                    </p:style>
+                    <p:txBody>
+                      <a:bodyPr rtlCol="0" anchor="ctr"/>
+                      <a:lstStyle/>
+                      <a:p>
+                        <a:pPr algn="ctr"/>
+                        <a:r>
+                          <a:rPr lang="en-US" altLang="zh-CN" dirty="0">
+                            <a:solidFill>
+                              <a:schemeClr val="tx1"/>
+                            </a:solidFill>
+                          </a:rPr>
+                          <a:t>Selector</a:t>
+                        </a:r>
+                        <a:endParaRPr lang="zh-CN" altLang="en-US" dirty="0">
+                          <a:solidFill>
+                            <a:schemeClr val="tx1"/>
+                          </a:solidFill>
+                        </a:endParaRPr>
+                      </a:p>
+                    </p:txBody>
+                  </p:sp>
+                  <p:sp>
+                    <p:nvSpPr>
+                      <p:cNvPr id="90" name="矩形: 圆角 89">
+                        <a:extLst>
+                          <a:ext uri="{FF2B5EF4-FFF2-40B4-BE49-F238E27FC236}">
+                            <a16:creationId xmlns:a16="http://schemas.microsoft.com/office/drawing/2014/main" id="{EF1928F6-09C0-43A0-B48F-EE5F11416628}"/>
+                          </a:ext>
+                        </a:extLst>
+                      </p:cNvPr>
+                      <p:cNvSpPr/>
+                      <p:nvPr/>
+                    </p:nvSpPr>
+                    <p:spPr>
+                      <a:xfrm>
+                        <a:off x="2056762" y="7978926"/>
+                        <a:ext cx="1966809" cy="400050"/>
+                      </a:xfrm>
+                      <a:prstGeom prst="roundRect">
+                        <a:avLst/>
+                      </a:prstGeom>
+                      <a:solidFill>
+                        <a:srgbClr val="E5D5E7"/>
+                      </a:solidFill>
+                      <a:ln>
+                        <a:solidFill>
+                          <a:srgbClr val="BD94C2"/>
+                        </a:solidFill>
+                      </a:ln>
+                    </p:spPr>
+                    <p:style>
+                      <a:lnRef idx="3">
+                        <a:schemeClr val="lt1"/>
+                      </a:lnRef>
+                      <a:fillRef idx="1">
+                        <a:schemeClr val="accent2"/>
+                      </a:fillRef>
+                      <a:effectRef idx="1">
+                        <a:schemeClr val="accent2"/>
+                      </a:effectRef>
+                      <a:fontRef idx="minor">
+                        <a:schemeClr val="lt1"/>
+                      </a:fontRef>
+                    </p:style>
+                    <p:txBody>
+                      <a:bodyPr rtlCol="0" anchor="ctr"/>
+                      <a:lstStyle/>
+                      <a:p>
+                        <a:pPr algn="ctr"/>
+                        <a:r>
+                          <a:rPr lang="zh-CN" altLang="en-US" dirty="0">
+                            <a:solidFill>
+                              <a:srgbClr val="95599D"/>
+                            </a:solidFill>
+                          </a:rPr>
+                          <a:t>轮询监听</a:t>
+                        </a:r>
+                        <a:r>
+                          <a:rPr lang="en-US" altLang="zh-CN" dirty="0">
+                            <a:solidFill>
+                              <a:srgbClr val="95599D"/>
+                            </a:solidFill>
+                          </a:rPr>
+                          <a:t>I/O</a:t>
+                        </a:r>
+                        <a:r>
+                          <a:rPr lang="zh-CN" altLang="en-US" dirty="0">
+                            <a:solidFill>
+                              <a:srgbClr val="95599D"/>
+                            </a:solidFill>
+                          </a:rPr>
+                          <a:t>事件</a:t>
+                        </a:r>
+                      </a:p>
+                    </p:txBody>
+                  </p:sp>
+                  <p:sp>
+                    <p:nvSpPr>
+                      <p:cNvPr id="91" name="矩形: 圆角 90">
+                        <a:extLst>
+                          <a:ext uri="{FF2B5EF4-FFF2-40B4-BE49-F238E27FC236}">
+                            <a16:creationId xmlns:a16="http://schemas.microsoft.com/office/drawing/2014/main" id="{F98755AC-AACB-4284-A1CF-CC135C1E8CAB}"/>
+                          </a:ext>
+                        </a:extLst>
+                      </p:cNvPr>
+                      <p:cNvSpPr/>
+                      <p:nvPr/>
+                    </p:nvSpPr>
+                    <p:spPr>
+                      <a:xfrm>
+                        <a:off x="2056762" y="8782900"/>
+                        <a:ext cx="1966809" cy="400050"/>
+                      </a:xfrm>
+                      <a:prstGeom prst="roundRect">
+                        <a:avLst/>
+                      </a:prstGeom>
+                      <a:solidFill>
+                        <a:srgbClr val="E5D5E7"/>
+                      </a:solidFill>
+                      <a:ln>
+                        <a:solidFill>
+                          <a:srgbClr val="BD94C2"/>
+                        </a:solidFill>
+                      </a:ln>
+                    </p:spPr>
+                    <p:style>
+                      <a:lnRef idx="3">
+                        <a:schemeClr val="lt1"/>
+                      </a:lnRef>
+                      <a:fillRef idx="1">
+                        <a:schemeClr val="accent2"/>
+                      </a:fillRef>
+                      <a:effectRef idx="1">
+                        <a:schemeClr val="accent2"/>
+                      </a:effectRef>
+                      <a:fontRef idx="minor">
+                        <a:schemeClr val="lt1"/>
+                      </a:fontRef>
+                    </p:style>
+                    <p:txBody>
+                      <a:bodyPr rtlCol="0" anchor="ctr"/>
+                      <a:lstStyle/>
+                      <a:p>
+                        <a:pPr algn="ctr"/>
+                        <a:r>
+                          <a:rPr lang="zh-CN" altLang="en-US" dirty="0">
+                            <a:solidFill>
+                              <a:srgbClr val="95599D"/>
+                            </a:solidFill>
+                          </a:rPr>
+                          <a:t>处理</a:t>
+                        </a:r>
+                        <a:r>
+                          <a:rPr lang="en-US" altLang="zh-CN" dirty="0">
+                            <a:solidFill>
+                              <a:srgbClr val="95599D"/>
+                            </a:solidFill>
+                          </a:rPr>
+                          <a:t>I/O</a:t>
+                        </a:r>
+                        <a:r>
+                          <a:rPr lang="zh-CN" altLang="en-US" dirty="0">
+                            <a:solidFill>
+                              <a:srgbClr val="95599D"/>
+                            </a:solidFill>
+                          </a:rPr>
+                          <a:t>事件</a:t>
+                        </a:r>
+                      </a:p>
+                    </p:txBody>
+                  </p:sp>
+                  <p:sp>
+                    <p:nvSpPr>
+                      <p:cNvPr id="92" name="矩形: 圆角 91">
+                        <a:extLst>
+                          <a:ext uri="{FF2B5EF4-FFF2-40B4-BE49-F238E27FC236}">
+                            <a16:creationId xmlns:a16="http://schemas.microsoft.com/office/drawing/2014/main" id="{A058B413-3A87-4E20-B2AF-DAA364EF3F01}"/>
+                          </a:ext>
+                        </a:extLst>
+                      </p:cNvPr>
+                      <p:cNvSpPr/>
+                      <p:nvPr/>
+                    </p:nvSpPr>
+                    <p:spPr>
+                      <a:xfrm>
+                        <a:off x="2056762" y="9586874"/>
+                        <a:ext cx="1966809" cy="400050"/>
+                      </a:xfrm>
+                      <a:prstGeom prst="roundRect">
+                        <a:avLst/>
+                      </a:prstGeom>
+                      <a:solidFill>
+                        <a:srgbClr val="E5D5E7"/>
+                      </a:solidFill>
+                      <a:ln>
+                        <a:solidFill>
+                          <a:srgbClr val="BD94C2"/>
+                        </a:solidFill>
+                      </a:ln>
+                    </p:spPr>
+                    <p:style>
+                      <a:lnRef idx="3">
+                        <a:schemeClr val="lt1"/>
+                      </a:lnRef>
+                      <a:fillRef idx="1">
+                        <a:schemeClr val="accent2"/>
+                      </a:fillRef>
+                      <a:effectRef idx="1">
+                        <a:schemeClr val="accent2"/>
+                      </a:effectRef>
+                      <a:fontRef idx="minor">
+                        <a:schemeClr val="lt1"/>
+                      </a:fontRef>
+                    </p:style>
+                    <p:txBody>
+                      <a:bodyPr rtlCol="0" anchor="ctr"/>
+                      <a:lstStyle/>
+                      <a:p>
+                        <a:pPr algn="ctr"/>
+                        <a:r>
+                          <a:rPr lang="zh-CN" altLang="en-US" dirty="0">
+                            <a:solidFill>
+                              <a:srgbClr val="95599D"/>
+                            </a:solidFill>
+                          </a:rPr>
+                          <a:t>处理任务队列</a:t>
+                        </a:r>
+                      </a:p>
+                    </p:txBody>
+                  </p:sp>
+                  <p:cxnSp>
+                    <p:nvCxnSpPr>
+                      <p:cNvPr id="93" name="直接箭头连接符 92">
+                        <a:extLst>
+                          <a:ext uri="{FF2B5EF4-FFF2-40B4-BE49-F238E27FC236}">
+                            <a16:creationId xmlns:a16="http://schemas.microsoft.com/office/drawing/2014/main" id="{010CF312-A843-4361-AB71-E93540C6BB6D}"/>
+                          </a:ext>
+                        </a:extLst>
+                      </p:cNvPr>
+                      <p:cNvCxnSpPr>
+                        <a:stCxn id="90" idx="2"/>
+                        <a:endCxn id="91" idx="0"/>
+                      </p:cNvCxnSpPr>
+                      <p:nvPr/>
+                    </p:nvCxnSpPr>
+                    <p:spPr>
+                      <a:xfrm>
+                        <a:off x="3040167" y="8378976"/>
+                        <a:ext cx="0" cy="403924"/>
+                      </a:xfrm>
+                      <a:prstGeom prst="straightConnector1">
+                        <a:avLst/>
+                      </a:prstGeom>
+                      <a:ln w="25400">
+                        <a:tailEnd type="triangle"/>
+                      </a:ln>
+                    </p:spPr>
+                    <p:style>
+                      <a:lnRef idx="1">
+                        <a:schemeClr val="accent1"/>
+                      </a:lnRef>
+                      <a:fillRef idx="0">
+                        <a:schemeClr val="accent1"/>
+                      </a:fillRef>
+                      <a:effectRef idx="0">
+                        <a:schemeClr val="accent1"/>
+                      </a:effectRef>
+                      <a:fontRef idx="minor">
+                        <a:schemeClr val="tx1"/>
+                      </a:fontRef>
+                    </p:style>
+                  </p:cxnSp>
+                  <p:cxnSp>
+                    <p:nvCxnSpPr>
+                      <p:cNvPr id="94" name="直接箭头连接符 93">
+                        <a:extLst>
+                          <a:ext uri="{FF2B5EF4-FFF2-40B4-BE49-F238E27FC236}">
+                            <a16:creationId xmlns:a16="http://schemas.microsoft.com/office/drawing/2014/main" id="{91112B90-79DB-4C51-A1FB-4CAB27B84835}"/>
+                          </a:ext>
+                        </a:extLst>
+                      </p:cNvPr>
+                      <p:cNvCxnSpPr>
+                        <a:stCxn id="91" idx="2"/>
+                        <a:endCxn id="92" idx="0"/>
+                      </p:cNvCxnSpPr>
+                      <p:nvPr/>
+                    </p:nvCxnSpPr>
+                    <p:spPr>
+                      <a:xfrm>
+                        <a:off x="3040167" y="9182950"/>
+                        <a:ext cx="0" cy="403924"/>
+                      </a:xfrm>
+                      <a:prstGeom prst="straightConnector1">
+                        <a:avLst/>
+                      </a:prstGeom>
+                      <a:ln w="25400">
+                        <a:tailEnd type="triangle"/>
+                      </a:ln>
+                    </p:spPr>
+                    <p:style>
+                      <a:lnRef idx="1">
+                        <a:schemeClr val="accent1"/>
+                      </a:lnRef>
+                      <a:fillRef idx="0">
+                        <a:schemeClr val="accent1"/>
+                      </a:fillRef>
+                      <a:effectRef idx="0">
+                        <a:schemeClr val="accent1"/>
+                      </a:effectRef>
+                      <a:fontRef idx="minor">
+                        <a:schemeClr val="tx1"/>
+                      </a:fontRef>
+                    </p:style>
+                  </p:cxnSp>
+                  <p:cxnSp>
+                    <p:nvCxnSpPr>
+                      <p:cNvPr id="95" name="连接符: 肘形 94">
+                        <a:extLst>
+                          <a:ext uri="{FF2B5EF4-FFF2-40B4-BE49-F238E27FC236}">
+                            <a16:creationId xmlns:a16="http://schemas.microsoft.com/office/drawing/2014/main" id="{51A21872-BEBD-4651-85B9-D0717AE6212F}"/>
+                          </a:ext>
+                        </a:extLst>
+                      </p:cNvPr>
+                      <p:cNvCxnSpPr>
+                        <a:stCxn id="92" idx="2"/>
+                        <a:endCxn id="90" idx="0"/>
+                      </p:cNvCxnSpPr>
+                      <p:nvPr/>
+                    </p:nvCxnSpPr>
+                    <p:spPr>
+                      <a:xfrm rot="5400000" flipH="1">
+                        <a:off x="2036168" y="8982925"/>
+                        <a:ext cx="2007998" cy="12700"/>
+                      </a:xfrm>
+                      <a:prstGeom prst="bentConnector5">
+                        <a:avLst>
+                          <a:gd name="adj1" fmla="val -11384"/>
+                          <a:gd name="adj2" fmla="val -8856661"/>
+                          <a:gd name="adj3" fmla="val 111384"/>
+                        </a:avLst>
+                      </a:prstGeom>
+                      <a:ln w="25400">
+                        <a:tailEnd type="triangle"/>
+                      </a:ln>
+                    </p:spPr>
+                    <p:style>
+                      <a:lnRef idx="1">
+                        <a:schemeClr val="accent1"/>
+                      </a:lnRef>
+                      <a:fillRef idx="0">
+                        <a:schemeClr val="accent1"/>
+                      </a:fillRef>
+                      <a:effectRef idx="0">
+                        <a:schemeClr val="accent1"/>
+                      </a:effectRef>
+                      <a:fontRef idx="minor">
+                        <a:schemeClr val="tx1"/>
+                      </a:fontRef>
+                    </p:style>
+                  </p:cxnSp>
+                  <p:sp>
+                    <p:nvSpPr>
+                      <p:cNvPr id="96" name="文本框 95">
+                        <a:extLst>
+                          <a:ext uri="{FF2B5EF4-FFF2-40B4-BE49-F238E27FC236}">
+                            <a16:creationId xmlns:a16="http://schemas.microsoft.com/office/drawing/2014/main" id="{820706EC-A328-4627-86CC-03C49667B1E5}"/>
+                          </a:ext>
+                        </a:extLst>
+                      </p:cNvPr>
+                      <p:cNvSpPr txBox="1"/>
+                      <p:nvPr/>
+                    </p:nvSpPr>
+                    <p:spPr>
+                      <a:xfrm>
+                        <a:off x="2621120" y="10283888"/>
+                        <a:ext cx="853760" cy="369332"/>
+                      </a:xfrm>
+                      <a:prstGeom prst="rect">
+                        <a:avLst/>
+                      </a:prstGeom>
+                      <a:noFill/>
+                    </p:spPr>
+                    <p:txBody>
+                      <a:bodyPr wrap="none" rtlCol="0">
+                        <a:spAutoFit/>
+                      </a:bodyPr>
+                      <a:lstStyle/>
+                      <a:p>
+                        <a:r>
+                          <a:rPr lang="en-US" altLang="zh-CN" b="1" dirty="0"/>
+                          <a:t>Thread</a:t>
+                        </a:r>
+                        <a:endParaRPr lang="zh-CN" altLang="en-US" b="1" dirty="0"/>
+                      </a:p>
+                    </p:txBody>
+                  </p:sp>
+                  <p:cxnSp>
+                    <p:nvCxnSpPr>
+                      <p:cNvPr id="97" name="直接箭头连接符 96">
+                        <a:extLst>
+                          <a:ext uri="{FF2B5EF4-FFF2-40B4-BE49-F238E27FC236}">
+                            <a16:creationId xmlns:a16="http://schemas.microsoft.com/office/drawing/2014/main" id="{B5C0DC0D-1EB5-408F-9FE2-3D6BA380B4F4}"/>
+                          </a:ext>
+                        </a:extLst>
+                      </p:cNvPr>
+                      <p:cNvCxnSpPr>
+                        <a:stCxn id="89" idx="2"/>
+                      </p:cNvCxnSpPr>
+                      <p:nvPr/>
+                    </p:nvCxnSpPr>
+                    <p:spPr>
+                      <a:xfrm flipH="1">
+                        <a:off x="2667000" y="7175205"/>
+                        <a:ext cx="379517" cy="803721"/>
+                      </a:xfrm>
+                      <a:prstGeom prst="straightConnector1">
+                        <a:avLst/>
+                      </a:prstGeom>
+                      <a:ln w="25400">
+                        <a:solidFill>
+                          <a:srgbClr val="95599D"/>
+                        </a:solidFill>
+                        <a:prstDash val="dash"/>
+                        <a:tailEnd type="triangle"/>
+                      </a:ln>
+                    </p:spPr>
+                    <p:style>
+                      <a:lnRef idx="1">
+                        <a:schemeClr val="accent1"/>
+                      </a:lnRef>
+                      <a:fillRef idx="0">
+                        <a:schemeClr val="accent1"/>
+                      </a:fillRef>
+                      <a:effectRef idx="0">
+                        <a:schemeClr val="accent1"/>
+                      </a:effectRef>
+                      <a:fontRef idx="minor">
+                        <a:schemeClr val="tx1"/>
+                      </a:fontRef>
+                    </p:style>
+                  </p:cxnSp>
+                </p:grpSp>
+                <p:sp>
+                  <p:nvSpPr>
+                    <p:cNvPr id="87" name="文本框 86">
+                      <a:extLst>
+                        <a:ext uri="{FF2B5EF4-FFF2-40B4-BE49-F238E27FC236}">
+                          <a16:creationId xmlns:a16="http://schemas.microsoft.com/office/drawing/2014/main" id="{EE393326-B3DD-4C9E-BBAA-9A311A3B9E5A}"/>
+                        </a:ext>
+                      </a:extLst>
+                    </p:cNvPr>
+                    <p:cNvSpPr txBox="1"/>
+                    <p:nvPr/>
+                  </p:nvSpPr>
+                  <p:spPr>
+                    <a:xfrm>
+                      <a:off x="2275042" y="10756410"/>
+                      <a:ext cx="1514582" cy="369332"/>
+                    </a:xfrm>
+                    <a:prstGeom prst="rect">
+                      <a:avLst/>
+                    </a:prstGeom>
+                    <a:noFill/>
+                  </p:spPr>
+                  <p:txBody>
+                    <a:bodyPr wrap="none" rtlCol="0">
+                      <a:spAutoFit/>
+                    </a:bodyPr>
+                    <a:lstStyle/>
+                    <a:p>
+                      <a:r>
+                        <a:rPr lang="en-US" altLang="zh-CN" b="1" dirty="0"/>
+                        <a:t>NioEventLoop</a:t>
+                      </a:r>
+                      <a:endParaRPr lang="zh-CN" altLang="en-US" b="1" dirty="0"/>
+                    </a:p>
+                  </p:txBody>
+                </p:sp>
+              </p:grpSp>
+              <p:cxnSp>
+                <p:nvCxnSpPr>
+                  <p:cNvPr id="83" name="直接箭头连接符 82">
+                    <a:extLst>
+                      <a:ext uri="{FF2B5EF4-FFF2-40B4-BE49-F238E27FC236}">
+                        <a16:creationId xmlns:a16="http://schemas.microsoft.com/office/drawing/2014/main" id="{C98C139E-F376-418B-BE26-ACB8E65B74BE}"/>
+                      </a:ext>
+                    </a:extLst>
+                  </p:cNvPr>
+                  <p:cNvCxnSpPr>
+                    <a:stCxn id="81" idx="2"/>
+                    <a:endCxn id="89" idx="0"/>
+                  </p:cNvCxnSpPr>
+                  <p:nvPr/>
+                </p:nvCxnSpPr>
+                <p:spPr>
+                  <a:xfrm flipH="1">
+                    <a:off x="3030850" y="6069974"/>
+                    <a:ext cx="9316" cy="705181"/>
+                  </a:xfrm>
+                  <a:prstGeom prst="straightConnector1">
+                    <a:avLst/>
+                  </a:prstGeom>
+                  <a:ln w="25400">
+                    <a:solidFill>
+                      <a:srgbClr val="95599D"/>
+                    </a:solidFill>
+                    <a:prstDash val="sysDash"/>
+                    <a:tailEnd type="triangle"/>
+                  </a:ln>
+                </p:spPr>
+                <p:style>
+                  <a:lnRef idx="1">
+                    <a:schemeClr val="accent1"/>
+                  </a:lnRef>
+                  <a:fillRef idx="0">
+                    <a:schemeClr val="accent1"/>
+                  </a:fillRef>
+                  <a:effectRef idx="0">
+                    <a:schemeClr val="accent1"/>
+                  </a:effectRef>
+                  <a:fontRef idx="minor">
+                    <a:schemeClr val="tx1"/>
+                  </a:fontRef>
+                </p:style>
+              </p:cxnSp>
+              <p:sp>
+                <p:nvSpPr>
+                  <p:cNvPr id="84" name="文本框 83">
+                    <a:extLst>
+                      <a:ext uri="{FF2B5EF4-FFF2-40B4-BE49-F238E27FC236}">
+                        <a16:creationId xmlns:a16="http://schemas.microsoft.com/office/drawing/2014/main" id="{42FC11FA-A6B5-42E8-B105-74101A54400C}"/>
+                      </a:ext>
+                    </a:extLst>
+                  </p:cNvPr>
+                  <p:cNvSpPr txBox="1"/>
+                  <p:nvPr/>
+                </p:nvSpPr>
+                <p:spPr>
+                  <a:xfrm>
+                    <a:off x="2393835" y="6238954"/>
+                    <a:ext cx="646331" cy="369332"/>
+                  </a:xfrm>
+                  <a:prstGeom prst="rect">
+                    <a:avLst/>
+                  </a:prstGeom>
+                  <a:noFill/>
+                </p:spPr>
+                <p:txBody>
+                  <a:bodyPr wrap="none" rtlCol="0">
+                    <a:spAutoFit/>
+                  </a:bodyPr>
+                  <a:lstStyle/>
+                  <a:p>
+                    <a:r>
+                      <a:rPr lang="zh-CN" altLang="en-US" dirty="0">
+                        <a:solidFill>
+                          <a:srgbClr val="95599D"/>
+                        </a:solidFill>
+                      </a:rPr>
+                      <a:t>注册</a:t>
+                    </a:r>
+                  </a:p>
+                </p:txBody>
+              </p:sp>
+            </p:grpSp>
+            <p:sp>
+              <p:nvSpPr>
+                <p:cNvPr id="99" name="文本框 98">
+                  <a:extLst>
+                    <a:ext uri="{FF2B5EF4-FFF2-40B4-BE49-F238E27FC236}">
+                      <a16:creationId xmlns:a16="http://schemas.microsoft.com/office/drawing/2014/main" id="{6062091F-EA2C-47EB-B430-D5FA21BBEC55}"/>
+                    </a:ext>
+                  </a:extLst>
+                </p:cNvPr>
+                <p:cNvSpPr txBox="1"/>
+                <p:nvPr/>
+              </p:nvSpPr>
+              <p:spPr>
+                <a:xfrm>
+                  <a:off x="3480000" y="11727518"/>
+                  <a:ext cx="1270284" cy="369332"/>
+                </a:xfrm>
+                <a:prstGeom prst="rect">
+                  <a:avLst/>
+                </a:prstGeom>
+                <a:noFill/>
+              </p:spPr>
+              <p:txBody>
+                <a:bodyPr wrap="none" rtlCol="0">
+                  <a:spAutoFit/>
+                </a:bodyPr>
+                <a:lstStyle/>
+                <a:p>
+                  <a:r>
+                    <a:rPr lang="en-US" altLang="zh-CN" b="1" dirty="0"/>
+                    <a:t>Boss Group</a:t>
+                  </a:r>
+                  <a:endParaRPr lang="zh-CN" altLang="en-US" b="1" dirty="0"/>
+                </a:p>
+              </p:txBody>
+            </p:sp>
+          </p:grpSp>
+          <p:grpSp>
+            <p:nvGrpSpPr>
+              <p:cNvPr id="101" name="组合 100">
+                <a:extLst>
+                  <a:ext uri="{FF2B5EF4-FFF2-40B4-BE49-F238E27FC236}">
+                    <a16:creationId xmlns:a16="http://schemas.microsoft.com/office/drawing/2014/main" id="{5A0938C0-C94C-4E3D-BA10-A7B74C16B835}"/>
+                  </a:ext>
+                </a:extLst>
+              </p:cNvPr>
+              <p:cNvGrpSpPr/>
+              <p:nvPr/>
+            </p:nvGrpSpPr>
+            <p:grpSpPr>
+              <a:xfrm>
+                <a:off x="8752550" y="5969743"/>
+                <a:ext cx="6223685" cy="6127107"/>
+                <a:chOff x="1003300" y="5969743"/>
+                <a:chExt cx="6223685" cy="6127107"/>
+              </a:xfrm>
+            </p:grpSpPr>
+            <p:sp>
+              <p:nvSpPr>
+                <p:cNvPr id="102" name="矩形: 圆角 101">
+                  <a:extLst>
+                    <a:ext uri="{FF2B5EF4-FFF2-40B4-BE49-F238E27FC236}">
+                      <a16:creationId xmlns:a16="http://schemas.microsoft.com/office/drawing/2014/main" id="{80F92F6A-1E73-4946-BB54-A6ECF9FB286C}"/>
+                    </a:ext>
+                  </a:extLst>
+                </p:cNvPr>
+                <p:cNvSpPr/>
+                <p:nvPr/>
+              </p:nvSpPr>
+              <p:spPr>
+                <a:xfrm>
+                  <a:off x="1003300" y="7103586"/>
+                  <a:ext cx="6223685" cy="4986814"/>
+                </a:xfrm>
+                <a:prstGeom prst="roundRect">
+                  <a:avLst>
+                    <a:gd name="adj" fmla="val 2633"/>
+                  </a:avLst>
+                </a:prstGeom>
+                <a:solidFill>
+                  <a:schemeClr val="bg1"/>
+                </a:solidFill>
+              </p:spPr>
+              <p:style>
+                <a:lnRef idx="2">
+                  <a:schemeClr val="accent1">
+                    <a:shade val="50000"/>
+                  </a:schemeClr>
+                </a:lnRef>
+                <a:fillRef idx="1">
+                  <a:schemeClr val="accent1"/>
+                </a:fillRef>
+                <a:effectRef idx="0">
+                  <a:schemeClr val="accent1"/>
+                </a:effectRef>
+                <a:fontRef idx="minor">
+                  <a:schemeClr val="lt1"/>
+                </a:fontRef>
+              </p:style>
+              <p:txBody>
+                <a:bodyPr rtlCol="0" anchor="ctr"/>
+                <a:lstStyle/>
+                <a:p>
+                  <a:pPr algn="ctr"/>
+                  <a:endParaRPr lang="zh-CN" altLang="en-US"/>
+                </a:p>
+              </p:txBody>
+            </p:sp>
+            <p:grpSp>
+              <p:nvGrpSpPr>
+                <p:cNvPr id="103" name="组合 102">
+                  <a:extLst>
+                    <a:ext uri="{FF2B5EF4-FFF2-40B4-BE49-F238E27FC236}">
+                      <a16:creationId xmlns:a16="http://schemas.microsoft.com/office/drawing/2014/main" id="{EADDEB61-C944-48CC-BD7E-DAEA72F14A53}"/>
+                    </a:ext>
+                  </a:extLst>
+                </p:cNvPr>
+                <p:cNvGrpSpPr/>
+                <p:nvPr/>
+              </p:nvGrpSpPr>
+              <p:grpSpPr>
+                <a:xfrm>
+                  <a:off x="1098550" y="5969743"/>
+                  <a:ext cx="2921614" cy="5702099"/>
+                  <a:chOff x="1571526" y="5423643"/>
+                  <a:chExt cx="2921614" cy="5702099"/>
+                </a:xfrm>
+              </p:grpSpPr>
+              <p:sp>
+                <p:nvSpPr>
+                  <p:cNvPr id="123" name="矩形: 圆角 122">
+                    <a:extLst>
+                      <a:ext uri="{FF2B5EF4-FFF2-40B4-BE49-F238E27FC236}">
+                        <a16:creationId xmlns:a16="http://schemas.microsoft.com/office/drawing/2014/main" id="{1E0D1B64-07C1-4B40-93C9-7E878C4B65E3}"/>
+                      </a:ext>
+                    </a:extLst>
+                  </p:cNvPr>
+                  <p:cNvSpPr/>
+                  <p:nvPr/>
+                </p:nvSpPr>
+                <p:spPr>
+                  <a:xfrm>
+                    <a:off x="2303566" y="5423643"/>
+                    <a:ext cx="1473200" cy="646331"/>
+                  </a:xfrm>
+                  <a:prstGeom prst="roundRect">
+                    <a:avLst/>
+                  </a:prstGeom>
+                </p:spPr>
+                <p:style>
+                  <a:lnRef idx="2">
+                    <a:schemeClr val="accent6">
+                      <a:shade val="50000"/>
+                    </a:schemeClr>
+                  </a:lnRef>
+                  <a:fillRef idx="1">
+                    <a:schemeClr val="accent6"/>
+                  </a:fillRef>
+                  <a:effectRef idx="0">
+                    <a:schemeClr val="accent6"/>
+                  </a:effectRef>
+                  <a:fontRef idx="minor">
+                    <a:schemeClr val="lt1"/>
+                  </a:fontRef>
+                </p:style>
+                <p:txBody>
+                  <a:bodyPr rtlCol="0" anchor="ctr"/>
+                  <a:lstStyle/>
+                  <a:p>
+                    <a:pPr algn="ctr"/>
+                    <a:r>
+                      <a:rPr lang="en-US" altLang="zh-CN" dirty="0"/>
+                      <a:t>ServerSocketChannel</a:t>
+                    </a:r>
+                    <a:endParaRPr lang="zh-CN" altLang="en-US" dirty="0"/>
+                  </a:p>
+                </p:txBody>
+              </p:sp>
+              <p:grpSp>
+                <p:nvGrpSpPr>
+                  <p:cNvPr id="124" name="组合 123">
+                    <a:extLst>
+                      <a:ext uri="{FF2B5EF4-FFF2-40B4-BE49-F238E27FC236}">
+                        <a16:creationId xmlns:a16="http://schemas.microsoft.com/office/drawing/2014/main" id="{419AD929-26D9-402F-8A81-5B73E15FC3CB}"/>
+                      </a:ext>
+                    </a:extLst>
+                  </p:cNvPr>
+                  <p:cNvGrpSpPr/>
+                  <p:nvPr/>
+                </p:nvGrpSpPr>
+                <p:grpSpPr>
+                  <a:xfrm>
+                    <a:off x="1571526" y="6629854"/>
+                    <a:ext cx="2921614" cy="4495888"/>
+                    <a:chOff x="1571526" y="6629854"/>
+                    <a:chExt cx="2921614" cy="4495888"/>
+                  </a:xfrm>
+                </p:grpSpPr>
+                <p:sp>
+                  <p:nvSpPr>
+                    <p:cNvPr id="127" name="矩形: 圆角 126">
+                      <a:extLst>
+                        <a:ext uri="{FF2B5EF4-FFF2-40B4-BE49-F238E27FC236}">
+                          <a16:creationId xmlns:a16="http://schemas.microsoft.com/office/drawing/2014/main" id="{BB8D4AE4-4E0D-4606-B6AF-60E1FE4432FF}"/>
+                        </a:ext>
+                      </a:extLst>
+                    </p:cNvPr>
+                    <p:cNvSpPr/>
+                    <p:nvPr/>
+                  </p:nvSpPr>
+                  <p:spPr>
+                    <a:xfrm>
+                      <a:off x="1571526" y="6629854"/>
+                      <a:ext cx="2921614" cy="4470400"/>
+                    </a:xfrm>
+                    <a:prstGeom prst="roundRect">
+                      <a:avLst>
+                        <a:gd name="adj" fmla="val 6669"/>
+                      </a:avLst>
+                    </a:prstGeom>
+                    <a:solidFill>
+                      <a:srgbClr val="FDE5CE"/>
+                    </a:solidFill>
+                    <a:ln>
+                      <a:solidFill>
+                        <a:srgbClr val="F9B46F"/>
+                      </a:solidFill>
+                    </a:ln>
+                  </p:spPr>
+                  <p:style>
+                    <a:lnRef idx="2">
+                      <a:schemeClr val="accent1">
+                        <a:shade val="50000"/>
+                      </a:schemeClr>
+                    </a:lnRef>
+                    <a:fillRef idx="1">
+                      <a:schemeClr val="accent1"/>
+                    </a:fillRef>
+                    <a:effectRef idx="0">
+                      <a:schemeClr val="accent1"/>
+                    </a:effectRef>
+                    <a:fontRef idx="minor">
+                      <a:schemeClr val="lt1"/>
+                    </a:fontRef>
+                  </p:style>
+                  <p:txBody>
+                    <a:bodyPr rtlCol="0" anchor="ctr"/>
+                    <a:lstStyle/>
+                    <a:p>
+                      <a:pPr algn="ctr"/>
+                      <a:endParaRPr lang="zh-CN" altLang="en-US"/>
+                    </a:p>
+                  </p:txBody>
+                </p:sp>
+                <p:grpSp>
+                  <p:nvGrpSpPr>
+                    <p:cNvPr id="128" name="组合 127">
+                      <a:extLst>
+                        <a:ext uri="{FF2B5EF4-FFF2-40B4-BE49-F238E27FC236}">
+                          <a16:creationId xmlns:a16="http://schemas.microsoft.com/office/drawing/2014/main" id="{544073CC-1E8A-47C5-94B0-4C6C580E3674}"/>
+                        </a:ext>
+                      </a:extLst>
+                    </p:cNvPr>
+                    <p:cNvGrpSpPr/>
+                    <p:nvPr/>
+                  </p:nvGrpSpPr>
+                  <p:grpSpPr>
+                    <a:xfrm>
+                      <a:off x="1762333" y="6775155"/>
+                      <a:ext cx="2540000" cy="3898605"/>
+                      <a:chOff x="1778000" y="6775155"/>
+                      <a:chExt cx="2540000" cy="3898605"/>
+                    </a:xfrm>
+                  </p:grpSpPr>
+                  <p:sp>
+                    <p:nvSpPr>
+                      <p:cNvPr id="130" name="矩形: 圆角 129">
+                        <a:extLst>
+                          <a:ext uri="{FF2B5EF4-FFF2-40B4-BE49-F238E27FC236}">
+                            <a16:creationId xmlns:a16="http://schemas.microsoft.com/office/drawing/2014/main" id="{763E3C78-8267-4D67-A1B8-77DF6C94ACD4}"/>
+                          </a:ext>
+                        </a:extLst>
+                      </p:cNvPr>
+                      <p:cNvSpPr/>
+                      <p:nvPr/>
+                    </p:nvSpPr>
+                    <p:spPr>
+                      <a:xfrm>
+                        <a:off x="1778000" y="7543800"/>
+                        <a:ext cx="2540000" cy="3129960"/>
+                      </a:xfrm>
+                      <a:prstGeom prst="roundRect">
+                        <a:avLst>
+                          <a:gd name="adj" fmla="val 3334"/>
+                        </a:avLst>
+                      </a:prstGeom>
+                      <a:solidFill>
+                        <a:srgbClr val="F8D2CB"/>
+                      </a:solidFill>
+                      <a:ln>
+                        <a:solidFill>
+                          <a:srgbClr val="EE9482"/>
+                        </a:solidFill>
+                      </a:ln>
+                    </p:spPr>
+                    <p:style>
+                      <a:lnRef idx="3">
+                        <a:schemeClr val="lt1"/>
+                      </a:lnRef>
+                      <a:fillRef idx="1">
+                        <a:schemeClr val="accent2"/>
+                      </a:fillRef>
+                      <a:effectRef idx="1">
+                        <a:schemeClr val="accent2"/>
+                      </a:effectRef>
+                      <a:fontRef idx="minor">
+                        <a:schemeClr val="lt1"/>
+                      </a:fontRef>
+                    </p:style>
+                    <p:txBody>
+                      <a:bodyPr rtlCol="0" anchor="ctr"/>
+                      <a:lstStyle/>
+                      <a:p>
+                        <a:pPr algn="ctr"/>
+                        <a:endParaRPr lang="zh-CN" altLang="en-US" dirty="0">
+                          <a:solidFill>
+                            <a:srgbClr val="E66248"/>
+                          </a:solidFill>
+                        </a:endParaRPr>
+                      </a:p>
+                    </p:txBody>
+                  </p:sp>
+                  <p:sp>
+                    <p:nvSpPr>
+                      <p:cNvPr id="131" name="矩形: 圆角 130">
+                        <a:extLst>
+                          <a:ext uri="{FF2B5EF4-FFF2-40B4-BE49-F238E27FC236}">
+                            <a16:creationId xmlns:a16="http://schemas.microsoft.com/office/drawing/2014/main" id="{C2ECB4B1-AA5B-4F03-ADA6-CC56CD21C875}"/>
+                          </a:ext>
+                        </a:extLst>
+                      </p:cNvPr>
+                      <p:cNvSpPr/>
+                      <p:nvPr/>
+                    </p:nvSpPr>
+                    <p:spPr>
+                      <a:xfrm>
+                        <a:off x="1951142" y="6775155"/>
+                        <a:ext cx="2190750" cy="400050"/>
+                      </a:xfrm>
+                      <a:prstGeom prst="roundRect">
+                        <a:avLst/>
+                      </a:prstGeom>
+                      <a:solidFill>
+                        <a:srgbClr val="F8D2CB"/>
+                      </a:solidFill>
+                      <a:ln>
+                        <a:solidFill>
+                          <a:srgbClr val="EE9482"/>
+                        </a:solidFill>
+                      </a:ln>
+                    </p:spPr>
+                    <p:style>
+                      <a:lnRef idx="3">
+                        <a:schemeClr val="lt1"/>
+                      </a:lnRef>
+                      <a:fillRef idx="1">
+                        <a:schemeClr val="accent2"/>
+                      </a:fillRef>
+                      <a:effectRef idx="1">
+                        <a:schemeClr val="accent2"/>
+                      </a:effectRef>
+                      <a:fontRef idx="minor">
+                        <a:schemeClr val="lt1"/>
+                      </a:fontRef>
+                    </p:style>
+                    <p:txBody>
+                      <a:bodyPr rtlCol="0" anchor="ctr"/>
+                      <a:lstStyle/>
+                      <a:p>
+                        <a:pPr algn="ctr"/>
+                        <a:r>
+                          <a:rPr lang="en-US" altLang="zh-CN" dirty="0">
+                            <a:solidFill>
+                              <a:schemeClr val="tx1"/>
+                            </a:solidFill>
+                          </a:rPr>
+                          <a:t>Selector</a:t>
+                        </a:r>
+                        <a:endParaRPr lang="zh-CN" altLang="en-US" dirty="0">
+                          <a:solidFill>
+                            <a:schemeClr val="tx1"/>
+                          </a:solidFill>
+                        </a:endParaRPr>
+                      </a:p>
+                    </p:txBody>
+                  </p:sp>
+                  <p:sp>
+                    <p:nvSpPr>
+                      <p:cNvPr id="132" name="矩形: 圆角 131">
+                        <a:extLst>
+                          <a:ext uri="{FF2B5EF4-FFF2-40B4-BE49-F238E27FC236}">
+                            <a16:creationId xmlns:a16="http://schemas.microsoft.com/office/drawing/2014/main" id="{694283A3-C2CE-4F67-8509-6644AADE9614}"/>
+                          </a:ext>
+                        </a:extLst>
+                      </p:cNvPr>
+                      <p:cNvSpPr/>
+                      <p:nvPr/>
+                    </p:nvSpPr>
+                    <p:spPr>
+                      <a:xfrm>
+                        <a:off x="2056762" y="7978926"/>
+                        <a:ext cx="1966809" cy="400050"/>
+                      </a:xfrm>
+                      <a:prstGeom prst="roundRect">
+                        <a:avLst/>
+                      </a:prstGeom>
+                      <a:solidFill>
+                        <a:srgbClr val="E5D5E7"/>
+                      </a:solidFill>
+                      <a:ln>
+                        <a:solidFill>
+                          <a:srgbClr val="BD94C2"/>
+                        </a:solidFill>
+                      </a:ln>
+                    </p:spPr>
+                    <p:style>
+                      <a:lnRef idx="3">
+                        <a:schemeClr val="lt1"/>
+                      </a:lnRef>
+                      <a:fillRef idx="1">
+                        <a:schemeClr val="accent2"/>
+                      </a:fillRef>
+                      <a:effectRef idx="1">
+                        <a:schemeClr val="accent2"/>
+                      </a:effectRef>
+                      <a:fontRef idx="minor">
+                        <a:schemeClr val="lt1"/>
+                      </a:fontRef>
+                    </p:style>
+                    <p:txBody>
+                      <a:bodyPr rtlCol="0" anchor="ctr"/>
+                      <a:lstStyle/>
+                      <a:p>
+                        <a:pPr algn="ctr"/>
+                        <a:r>
+                          <a:rPr lang="zh-CN" altLang="en-US" dirty="0">
+                            <a:solidFill>
+                              <a:srgbClr val="95599D"/>
+                            </a:solidFill>
+                          </a:rPr>
+                          <a:t>轮询监听</a:t>
+                        </a:r>
+                        <a:r>
+                          <a:rPr lang="en-US" altLang="zh-CN" dirty="0">
+                            <a:solidFill>
+                              <a:srgbClr val="95599D"/>
+                            </a:solidFill>
+                          </a:rPr>
+                          <a:t>I/O</a:t>
+                        </a:r>
+                        <a:r>
+                          <a:rPr lang="zh-CN" altLang="en-US" dirty="0">
+                            <a:solidFill>
+                              <a:srgbClr val="95599D"/>
+                            </a:solidFill>
+                          </a:rPr>
+                          <a:t>事件</a:t>
+                        </a:r>
+                      </a:p>
+                    </p:txBody>
+                  </p:sp>
+                  <p:sp>
+                    <p:nvSpPr>
+                      <p:cNvPr id="133" name="矩形: 圆角 132">
+                        <a:extLst>
+                          <a:ext uri="{FF2B5EF4-FFF2-40B4-BE49-F238E27FC236}">
+                            <a16:creationId xmlns:a16="http://schemas.microsoft.com/office/drawing/2014/main" id="{3954AF72-9B43-4402-B460-D84BA073C808}"/>
+                          </a:ext>
+                        </a:extLst>
+                      </p:cNvPr>
+                      <p:cNvSpPr/>
+                      <p:nvPr/>
+                    </p:nvSpPr>
+                    <p:spPr>
+                      <a:xfrm>
+                        <a:off x="2056762" y="8782900"/>
+                        <a:ext cx="1966809" cy="400050"/>
+                      </a:xfrm>
+                      <a:prstGeom prst="roundRect">
+                        <a:avLst/>
+                      </a:prstGeom>
+                      <a:solidFill>
+                        <a:srgbClr val="E5D5E7"/>
+                      </a:solidFill>
+                      <a:ln>
+                        <a:solidFill>
+                          <a:srgbClr val="BD94C2"/>
+                        </a:solidFill>
+                      </a:ln>
+                    </p:spPr>
+                    <p:style>
+                      <a:lnRef idx="3">
+                        <a:schemeClr val="lt1"/>
+                      </a:lnRef>
+                      <a:fillRef idx="1">
+                        <a:schemeClr val="accent2"/>
+                      </a:fillRef>
+                      <a:effectRef idx="1">
+                        <a:schemeClr val="accent2"/>
+                      </a:effectRef>
+                      <a:fontRef idx="minor">
+                        <a:schemeClr val="lt1"/>
+                      </a:fontRef>
+                    </p:style>
+                    <p:txBody>
+                      <a:bodyPr rtlCol="0" anchor="ctr"/>
+                      <a:lstStyle/>
+                      <a:p>
+                        <a:pPr algn="ctr"/>
+                        <a:r>
+                          <a:rPr lang="zh-CN" altLang="en-US" dirty="0">
+                            <a:solidFill>
+                              <a:srgbClr val="95599D"/>
+                            </a:solidFill>
+                          </a:rPr>
+                          <a:t>处理</a:t>
+                        </a:r>
+                        <a:r>
+                          <a:rPr lang="en-US" altLang="zh-CN" dirty="0">
+                            <a:solidFill>
+                              <a:srgbClr val="95599D"/>
+                            </a:solidFill>
+                          </a:rPr>
+                          <a:t>I/O</a:t>
+                        </a:r>
+                        <a:r>
+                          <a:rPr lang="zh-CN" altLang="en-US" dirty="0">
+                            <a:solidFill>
+                              <a:srgbClr val="95599D"/>
+                            </a:solidFill>
+                          </a:rPr>
+                          <a:t>事件</a:t>
+                        </a:r>
+                      </a:p>
+                    </p:txBody>
+                  </p:sp>
+                  <p:sp>
+                    <p:nvSpPr>
+                      <p:cNvPr id="134" name="矩形: 圆角 133">
+                        <a:extLst>
+                          <a:ext uri="{FF2B5EF4-FFF2-40B4-BE49-F238E27FC236}">
+                            <a16:creationId xmlns:a16="http://schemas.microsoft.com/office/drawing/2014/main" id="{AB4CD65B-CCF8-4E70-A1F8-513998492768}"/>
+                          </a:ext>
+                        </a:extLst>
+                      </p:cNvPr>
+                      <p:cNvSpPr/>
+                      <p:nvPr/>
+                    </p:nvSpPr>
+                    <p:spPr>
+                      <a:xfrm>
+                        <a:off x="2056762" y="9586874"/>
+                        <a:ext cx="1966809" cy="400050"/>
+                      </a:xfrm>
+                      <a:prstGeom prst="roundRect">
+                        <a:avLst/>
+                      </a:prstGeom>
+                      <a:solidFill>
+                        <a:srgbClr val="E5D5E7"/>
+                      </a:solidFill>
+                      <a:ln>
+                        <a:solidFill>
+                          <a:srgbClr val="BD94C2"/>
+                        </a:solidFill>
+                      </a:ln>
+                    </p:spPr>
+                    <p:style>
+                      <a:lnRef idx="3">
+                        <a:schemeClr val="lt1"/>
+                      </a:lnRef>
+                      <a:fillRef idx="1">
+                        <a:schemeClr val="accent2"/>
+                      </a:fillRef>
+                      <a:effectRef idx="1">
+                        <a:schemeClr val="accent2"/>
+                      </a:effectRef>
+                      <a:fontRef idx="minor">
+                        <a:schemeClr val="lt1"/>
+                      </a:fontRef>
+                    </p:style>
+                    <p:txBody>
+                      <a:bodyPr rtlCol="0" anchor="ctr"/>
+                      <a:lstStyle/>
+                      <a:p>
+                        <a:pPr algn="ctr"/>
+                        <a:r>
+                          <a:rPr lang="zh-CN" altLang="en-US" dirty="0">
+                            <a:solidFill>
+                              <a:srgbClr val="95599D"/>
+                            </a:solidFill>
+                          </a:rPr>
+                          <a:t>处理任务队列</a:t>
+                        </a:r>
+                      </a:p>
+                    </p:txBody>
+                  </p:sp>
+                  <p:cxnSp>
+                    <p:nvCxnSpPr>
+                      <p:cNvPr id="135" name="直接箭头连接符 134">
+                        <a:extLst>
+                          <a:ext uri="{FF2B5EF4-FFF2-40B4-BE49-F238E27FC236}">
+                            <a16:creationId xmlns:a16="http://schemas.microsoft.com/office/drawing/2014/main" id="{AB033E54-3559-4533-893B-45DB9C057120}"/>
+                          </a:ext>
+                        </a:extLst>
+                      </p:cNvPr>
+                      <p:cNvCxnSpPr>
+                        <a:stCxn id="132" idx="2"/>
+                        <a:endCxn id="133" idx="0"/>
+                      </p:cNvCxnSpPr>
+                      <p:nvPr/>
+                    </p:nvCxnSpPr>
+                    <p:spPr>
+                      <a:xfrm>
+                        <a:off x="3040167" y="8378976"/>
+                        <a:ext cx="0" cy="403924"/>
+                      </a:xfrm>
+                      <a:prstGeom prst="straightConnector1">
+                        <a:avLst/>
+                      </a:prstGeom>
+                      <a:ln w="25400">
+                        <a:tailEnd type="triangle"/>
+                      </a:ln>
+                    </p:spPr>
+                    <p:style>
+                      <a:lnRef idx="1">
+                        <a:schemeClr val="accent1"/>
+                      </a:lnRef>
+                      <a:fillRef idx="0">
+                        <a:schemeClr val="accent1"/>
+                      </a:fillRef>
+                      <a:effectRef idx="0">
+                        <a:schemeClr val="accent1"/>
+                      </a:effectRef>
+                      <a:fontRef idx="minor">
+                        <a:schemeClr val="tx1"/>
+                      </a:fontRef>
+                    </p:style>
+                  </p:cxnSp>
+                  <p:cxnSp>
+                    <p:nvCxnSpPr>
+                      <p:cNvPr id="136" name="直接箭头连接符 135">
+                        <a:extLst>
+                          <a:ext uri="{FF2B5EF4-FFF2-40B4-BE49-F238E27FC236}">
+                            <a16:creationId xmlns:a16="http://schemas.microsoft.com/office/drawing/2014/main" id="{C5062A14-AAAF-4F08-BFA0-082BB64395B8}"/>
+                          </a:ext>
+                        </a:extLst>
+                      </p:cNvPr>
+                      <p:cNvCxnSpPr>
+                        <a:stCxn id="133" idx="2"/>
+                        <a:endCxn id="134" idx="0"/>
+                      </p:cNvCxnSpPr>
+                      <p:nvPr/>
+                    </p:nvCxnSpPr>
+                    <p:spPr>
+                      <a:xfrm>
+                        <a:off x="3040167" y="9182950"/>
+                        <a:ext cx="0" cy="403924"/>
+                      </a:xfrm>
+                      <a:prstGeom prst="straightConnector1">
+                        <a:avLst/>
+                      </a:prstGeom>
+                      <a:ln w="25400">
+                        <a:tailEnd type="triangle"/>
+                      </a:ln>
+                    </p:spPr>
+                    <p:style>
+                      <a:lnRef idx="1">
+                        <a:schemeClr val="accent1"/>
+                      </a:lnRef>
+                      <a:fillRef idx="0">
+                        <a:schemeClr val="accent1"/>
+                      </a:fillRef>
+                      <a:effectRef idx="0">
+                        <a:schemeClr val="accent1"/>
+                      </a:effectRef>
+                      <a:fontRef idx="minor">
+                        <a:schemeClr val="tx1"/>
+                      </a:fontRef>
+                    </p:style>
+                  </p:cxnSp>
+                  <p:cxnSp>
+                    <p:nvCxnSpPr>
+                      <p:cNvPr id="137" name="连接符: 肘形 136">
+                        <a:extLst>
+                          <a:ext uri="{FF2B5EF4-FFF2-40B4-BE49-F238E27FC236}">
+                            <a16:creationId xmlns:a16="http://schemas.microsoft.com/office/drawing/2014/main" id="{50314BD7-CDFA-43F2-8DD0-63ED747CD04D}"/>
+                          </a:ext>
+                        </a:extLst>
+                      </p:cNvPr>
+                      <p:cNvCxnSpPr>
+                        <a:stCxn id="134" idx="2"/>
+                        <a:endCxn id="132" idx="0"/>
+                      </p:cNvCxnSpPr>
+                      <p:nvPr/>
+                    </p:nvCxnSpPr>
+                    <p:spPr>
+                      <a:xfrm rot="5400000" flipH="1">
+                        <a:off x="2036168" y="8982925"/>
+                        <a:ext cx="2007998" cy="12700"/>
+                      </a:xfrm>
+                      <a:prstGeom prst="bentConnector5">
+                        <a:avLst>
+                          <a:gd name="adj1" fmla="val -11384"/>
+                          <a:gd name="adj2" fmla="val -8856661"/>
+                          <a:gd name="adj3" fmla="val 111384"/>
+                        </a:avLst>
+                      </a:prstGeom>
+                      <a:ln w="25400">
+                        <a:tailEnd type="triangle"/>
+                      </a:ln>
+                    </p:spPr>
+                    <p:style>
+                      <a:lnRef idx="1">
+                        <a:schemeClr val="accent1"/>
+                      </a:lnRef>
+                      <a:fillRef idx="0">
+                        <a:schemeClr val="accent1"/>
+                      </a:fillRef>
+                      <a:effectRef idx="0">
+                        <a:schemeClr val="accent1"/>
+                      </a:effectRef>
+                      <a:fontRef idx="minor">
+                        <a:schemeClr val="tx1"/>
+                      </a:fontRef>
+                    </p:style>
+                  </p:cxnSp>
+                  <p:sp>
+                    <p:nvSpPr>
+                      <p:cNvPr id="138" name="文本框 137">
+                        <a:extLst>
+                          <a:ext uri="{FF2B5EF4-FFF2-40B4-BE49-F238E27FC236}">
+                            <a16:creationId xmlns:a16="http://schemas.microsoft.com/office/drawing/2014/main" id="{6E8F2D2C-B8B8-4BE3-BB27-AB982E118901}"/>
+                          </a:ext>
+                        </a:extLst>
+                      </p:cNvPr>
+                      <p:cNvSpPr txBox="1"/>
+                      <p:nvPr/>
+                    </p:nvSpPr>
+                    <p:spPr>
+                      <a:xfrm>
+                        <a:off x="2621120" y="10283888"/>
+                        <a:ext cx="853760" cy="369332"/>
+                      </a:xfrm>
+                      <a:prstGeom prst="rect">
+                        <a:avLst/>
+                      </a:prstGeom>
+                      <a:noFill/>
+                    </p:spPr>
+                    <p:txBody>
+                      <a:bodyPr wrap="none" rtlCol="0">
+                        <a:spAutoFit/>
+                      </a:bodyPr>
+                      <a:lstStyle/>
+                      <a:p>
+                        <a:r>
+                          <a:rPr lang="en-US" altLang="zh-CN" b="1" dirty="0"/>
+                          <a:t>Thread</a:t>
+                        </a:r>
+                        <a:endParaRPr lang="zh-CN" altLang="en-US" b="1" dirty="0"/>
+                      </a:p>
+                    </p:txBody>
+                  </p:sp>
+                  <p:cxnSp>
+                    <p:nvCxnSpPr>
+                      <p:cNvPr id="139" name="直接箭头连接符 138">
+                        <a:extLst>
+                          <a:ext uri="{FF2B5EF4-FFF2-40B4-BE49-F238E27FC236}">
+                            <a16:creationId xmlns:a16="http://schemas.microsoft.com/office/drawing/2014/main" id="{2DFDE689-BC7D-4DCC-ADBA-A891B86787D5}"/>
+                          </a:ext>
+                        </a:extLst>
+                      </p:cNvPr>
+                      <p:cNvCxnSpPr>
+                        <a:stCxn id="131" idx="2"/>
+                      </p:cNvCxnSpPr>
+                      <p:nvPr/>
+                    </p:nvCxnSpPr>
+                    <p:spPr>
+                      <a:xfrm flipH="1">
+                        <a:off x="2667000" y="7175205"/>
+                        <a:ext cx="379517" cy="803721"/>
+                      </a:xfrm>
+                      <a:prstGeom prst="straightConnector1">
+                        <a:avLst/>
+                      </a:prstGeom>
+                      <a:ln w="25400">
+                        <a:solidFill>
+                          <a:srgbClr val="95599D"/>
+                        </a:solidFill>
+                        <a:prstDash val="dash"/>
+                        <a:tailEnd type="triangle"/>
+                      </a:ln>
+                    </p:spPr>
+                    <p:style>
+                      <a:lnRef idx="1">
+                        <a:schemeClr val="accent1"/>
+                      </a:lnRef>
+                      <a:fillRef idx="0">
+                        <a:schemeClr val="accent1"/>
+                      </a:fillRef>
+                      <a:effectRef idx="0">
+                        <a:schemeClr val="accent1"/>
+                      </a:effectRef>
+                      <a:fontRef idx="minor">
+                        <a:schemeClr val="tx1"/>
+                      </a:fontRef>
+                    </p:style>
+                  </p:cxnSp>
+                </p:grpSp>
+                <p:sp>
+                  <p:nvSpPr>
+                    <p:cNvPr id="129" name="文本框 128">
+                      <a:extLst>
+                        <a:ext uri="{FF2B5EF4-FFF2-40B4-BE49-F238E27FC236}">
+                          <a16:creationId xmlns:a16="http://schemas.microsoft.com/office/drawing/2014/main" id="{A263392B-5E82-4192-8D8E-FA53250BB376}"/>
+                        </a:ext>
+                      </a:extLst>
+                    </p:cNvPr>
+                    <p:cNvSpPr txBox="1"/>
+                    <p:nvPr/>
+                  </p:nvSpPr>
+                  <p:spPr>
+                    <a:xfrm>
+                      <a:off x="2275042" y="10756410"/>
+                      <a:ext cx="1514582" cy="369332"/>
+                    </a:xfrm>
+                    <a:prstGeom prst="rect">
+                      <a:avLst/>
+                    </a:prstGeom>
+                    <a:noFill/>
+                  </p:spPr>
+                  <p:txBody>
+                    <a:bodyPr wrap="none" rtlCol="0">
+                      <a:spAutoFit/>
+                    </a:bodyPr>
+                    <a:lstStyle/>
+                    <a:p>
+                      <a:r>
+                        <a:rPr lang="en-US" altLang="zh-CN" b="1" dirty="0"/>
+                        <a:t>NioEventLoop</a:t>
+                      </a:r>
+                      <a:endParaRPr lang="zh-CN" altLang="en-US" b="1" dirty="0"/>
+                    </a:p>
+                  </p:txBody>
+                </p:sp>
+              </p:grpSp>
+              <p:cxnSp>
+                <p:nvCxnSpPr>
+                  <p:cNvPr id="125" name="直接箭头连接符 124">
+                    <a:extLst>
+                      <a:ext uri="{FF2B5EF4-FFF2-40B4-BE49-F238E27FC236}">
+                        <a16:creationId xmlns:a16="http://schemas.microsoft.com/office/drawing/2014/main" id="{7CC4A5FA-8B52-492F-8001-9B2C2D98E11D}"/>
+                      </a:ext>
+                    </a:extLst>
+                  </p:cNvPr>
+                  <p:cNvCxnSpPr>
+                    <a:stCxn id="123" idx="2"/>
+                    <a:endCxn id="131" idx="0"/>
+                  </p:cNvCxnSpPr>
+                  <p:nvPr/>
+                </p:nvCxnSpPr>
+                <p:spPr>
+                  <a:xfrm flipH="1">
+                    <a:off x="3030850" y="6069974"/>
+                    <a:ext cx="9316" cy="705181"/>
+                  </a:xfrm>
+                  <a:prstGeom prst="straightConnector1">
+                    <a:avLst/>
+                  </a:prstGeom>
+                  <a:ln w="25400">
+                    <a:solidFill>
+                      <a:srgbClr val="95599D"/>
+                    </a:solidFill>
+                    <a:prstDash val="sysDash"/>
+                    <a:tailEnd type="triangle"/>
+                  </a:ln>
+                </p:spPr>
+                <p:style>
+                  <a:lnRef idx="1">
+                    <a:schemeClr val="accent1"/>
+                  </a:lnRef>
+                  <a:fillRef idx="0">
+                    <a:schemeClr val="accent1"/>
+                  </a:fillRef>
+                  <a:effectRef idx="0">
+                    <a:schemeClr val="accent1"/>
+                  </a:effectRef>
+                  <a:fontRef idx="minor">
+                    <a:schemeClr val="tx1"/>
+                  </a:fontRef>
+                </p:style>
+              </p:cxnSp>
+              <p:sp>
+                <p:nvSpPr>
+                  <p:cNvPr id="126" name="文本框 125">
+                    <a:extLst>
+                      <a:ext uri="{FF2B5EF4-FFF2-40B4-BE49-F238E27FC236}">
+                        <a16:creationId xmlns:a16="http://schemas.microsoft.com/office/drawing/2014/main" id="{B69DE0F5-661B-46DF-882D-310EA311DB00}"/>
+                      </a:ext>
+                    </a:extLst>
+                  </p:cNvPr>
+                  <p:cNvSpPr txBox="1"/>
+                  <p:nvPr/>
+                </p:nvSpPr>
+                <p:spPr>
+                  <a:xfrm>
+                    <a:off x="2393835" y="6251654"/>
+                    <a:ext cx="646331" cy="369332"/>
+                  </a:xfrm>
+                  <a:prstGeom prst="rect">
+                    <a:avLst/>
+                  </a:prstGeom>
+                  <a:noFill/>
+                </p:spPr>
+                <p:txBody>
+                  <a:bodyPr wrap="none" rtlCol="0">
+                    <a:spAutoFit/>
+                  </a:bodyPr>
+                  <a:lstStyle/>
+                  <a:p>
+                    <a:r>
+                      <a:rPr lang="zh-CN" altLang="en-US" dirty="0">
+                        <a:solidFill>
+                          <a:srgbClr val="95599D"/>
+                        </a:solidFill>
+                      </a:rPr>
+                      <a:t>注册</a:t>
+                    </a:r>
+                  </a:p>
+                </p:txBody>
+              </p:sp>
+            </p:grpSp>
+            <p:grpSp>
+              <p:nvGrpSpPr>
+                <p:cNvPr id="104" name="组合 103">
+                  <a:extLst>
+                    <a:ext uri="{FF2B5EF4-FFF2-40B4-BE49-F238E27FC236}">
+                      <a16:creationId xmlns:a16="http://schemas.microsoft.com/office/drawing/2014/main" id="{3903C941-B17E-4591-BC7A-9B8F0223F790}"/>
+                    </a:ext>
+                  </a:extLst>
+                </p:cNvPr>
+                <p:cNvGrpSpPr/>
+                <p:nvPr/>
+              </p:nvGrpSpPr>
+              <p:grpSpPr>
+                <a:xfrm>
+                  <a:off x="4195888" y="5969743"/>
+                  <a:ext cx="2921614" cy="5702099"/>
+                  <a:chOff x="1571526" y="5423643"/>
+                  <a:chExt cx="2921614" cy="5702099"/>
+                </a:xfrm>
+              </p:grpSpPr>
+              <p:sp>
+                <p:nvSpPr>
+                  <p:cNvPr id="106" name="矩形: 圆角 105">
+                    <a:extLst>
+                      <a:ext uri="{FF2B5EF4-FFF2-40B4-BE49-F238E27FC236}">
+                        <a16:creationId xmlns:a16="http://schemas.microsoft.com/office/drawing/2014/main" id="{BDE2C946-1219-4030-A72B-226A4C46F2CD}"/>
+                      </a:ext>
+                    </a:extLst>
+                  </p:cNvPr>
+                  <p:cNvSpPr/>
+                  <p:nvPr/>
+                </p:nvSpPr>
+                <p:spPr>
+                  <a:xfrm>
+                    <a:off x="2303566" y="5423643"/>
+                    <a:ext cx="1473200" cy="646331"/>
+                  </a:xfrm>
+                  <a:prstGeom prst="roundRect">
+                    <a:avLst/>
+                  </a:prstGeom>
+                </p:spPr>
+                <p:style>
+                  <a:lnRef idx="2">
+                    <a:schemeClr val="accent6">
+                      <a:shade val="50000"/>
+                    </a:schemeClr>
+                  </a:lnRef>
+                  <a:fillRef idx="1">
+                    <a:schemeClr val="accent6"/>
+                  </a:fillRef>
+                  <a:effectRef idx="0">
+                    <a:schemeClr val="accent6"/>
+                  </a:effectRef>
+                  <a:fontRef idx="minor">
+                    <a:schemeClr val="lt1"/>
+                  </a:fontRef>
+                </p:style>
+                <p:txBody>
+                  <a:bodyPr rtlCol="0" anchor="ctr"/>
+                  <a:lstStyle/>
+                  <a:p>
+                    <a:pPr algn="ctr"/>
+                    <a:r>
+                      <a:rPr lang="en-US" altLang="zh-CN" dirty="0"/>
+                      <a:t>ServerSocketChannel</a:t>
+                    </a:r>
+                    <a:endParaRPr lang="zh-CN" altLang="en-US" dirty="0"/>
+                  </a:p>
+                </p:txBody>
+              </p:sp>
+              <p:grpSp>
+                <p:nvGrpSpPr>
+                  <p:cNvPr id="107" name="组合 106">
+                    <a:extLst>
+                      <a:ext uri="{FF2B5EF4-FFF2-40B4-BE49-F238E27FC236}">
+                        <a16:creationId xmlns:a16="http://schemas.microsoft.com/office/drawing/2014/main" id="{FAE7A712-3480-4449-A4A6-E35055AA9B5B}"/>
+                      </a:ext>
+                    </a:extLst>
+                  </p:cNvPr>
+                  <p:cNvGrpSpPr/>
+                  <p:nvPr/>
+                </p:nvGrpSpPr>
+                <p:grpSpPr>
+                  <a:xfrm>
+                    <a:off x="1571526" y="6629854"/>
+                    <a:ext cx="2921614" cy="4495888"/>
+                    <a:chOff x="1571526" y="6629854"/>
+                    <a:chExt cx="2921614" cy="4495888"/>
+                  </a:xfrm>
+                </p:grpSpPr>
+                <p:sp>
+                  <p:nvSpPr>
+                    <p:cNvPr id="110" name="矩形: 圆角 109">
+                      <a:extLst>
+                        <a:ext uri="{FF2B5EF4-FFF2-40B4-BE49-F238E27FC236}">
+                          <a16:creationId xmlns:a16="http://schemas.microsoft.com/office/drawing/2014/main" id="{9E917BF8-4393-446F-90AD-6B034783422A}"/>
+                        </a:ext>
+                      </a:extLst>
+                    </p:cNvPr>
+                    <p:cNvSpPr/>
+                    <p:nvPr/>
+                  </p:nvSpPr>
+                  <p:spPr>
+                    <a:xfrm>
+                      <a:off x="1571526" y="6629854"/>
+                      <a:ext cx="2921614" cy="4470400"/>
+                    </a:xfrm>
+                    <a:prstGeom prst="roundRect">
+                      <a:avLst>
+                        <a:gd name="adj" fmla="val 6669"/>
+                      </a:avLst>
+                    </a:prstGeom>
+                    <a:solidFill>
+                      <a:srgbClr val="FDE5CE"/>
+                    </a:solidFill>
+                    <a:ln>
+                      <a:solidFill>
+                        <a:srgbClr val="F9B46F"/>
+                      </a:solidFill>
+                    </a:ln>
+                  </p:spPr>
+                  <p:style>
+                    <a:lnRef idx="2">
+                      <a:schemeClr val="accent1">
+                        <a:shade val="50000"/>
+                      </a:schemeClr>
+                    </a:lnRef>
+                    <a:fillRef idx="1">
+                      <a:schemeClr val="accent1"/>
+                    </a:fillRef>
+                    <a:effectRef idx="0">
+                      <a:schemeClr val="accent1"/>
+                    </a:effectRef>
+                    <a:fontRef idx="minor">
+                      <a:schemeClr val="lt1"/>
+                    </a:fontRef>
+                  </p:style>
+                  <p:txBody>
+                    <a:bodyPr rtlCol="0" anchor="ctr"/>
+                    <a:lstStyle/>
+                    <a:p>
+                      <a:pPr algn="ctr"/>
+                      <a:endParaRPr lang="zh-CN" altLang="en-US"/>
+                    </a:p>
+                  </p:txBody>
+                </p:sp>
+                <p:grpSp>
+                  <p:nvGrpSpPr>
+                    <p:cNvPr id="111" name="组合 110">
+                      <a:extLst>
+                        <a:ext uri="{FF2B5EF4-FFF2-40B4-BE49-F238E27FC236}">
+                          <a16:creationId xmlns:a16="http://schemas.microsoft.com/office/drawing/2014/main" id="{5AB3736B-7471-4C18-BD33-A15B6C387B49}"/>
+                        </a:ext>
+                      </a:extLst>
+                    </p:cNvPr>
+                    <p:cNvGrpSpPr/>
+                    <p:nvPr/>
+                  </p:nvGrpSpPr>
+                  <p:grpSpPr>
+                    <a:xfrm>
+                      <a:off x="1762333" y="6775155"/>
+                      <a:ext cx="2540000" cy="3898605"/>
+                      <a:chOff x="1778000" y="6775155"/>
+                      <a:chExt cx="2540000" cy="3898605"/>
+                    </a:xfrm>
+                  </p:grpSpPr>
+                  <p:sp>
+                    <p:nvSpPr>
+                      <p:cNvPr id="113" name="矩形: 圆角 112">
+                        <a:extLst>
+                          <a:ext uri="{FF2B5EF4-FFF2-40B4-BE49-F238E27FC236}">
+                            <a16:creationId xmlns:a16="http://schemas.microsoft.com/office/drawing/2014/main" id="{17BBFEDA-7AE0-4B1B-ABD0-9CCE2A37C0EB}"/>
+                          </a:ext>
+                        </a:extLst>
+                      </p:cNvPr>
+                      <p:cNvSpPr/>
+                      <p:nvPr/>
+                    </p:nvSpPr>
+                    <p:spPr>
+                      <a:xfrm>
+                        <a:off x="1778000" y="7543800"/>
+                        <a:ext cx="2540000" cy="3129960"/>
+                      </a:xfrm>
+                      <a:prstGeom prst="roundRect">
+                        <a:avLst>
+                          <a:gd name="adj" fmla="val 3334"/>
+                        </a:avLst>
+                      </a:prstGeom>
+                      <a:solidFill>
+                        <a:srgbClr val="F8D2CB"/>
+                      </a:solidFill>
+                      <a:ln>
+                        <a:solidFill>
+                          <a:srgbClr val="EE9482"/>
+                        </a:solidFill>
+                      </a:ln>
+                    </p:spPr>
+                    <p:style>
+                      <a:lnRef idx="3">
+                        <a:schemeClr val="lt1"/>
+                      </a:lnRef>
+                      <a:fillRef idx="1">
+                        <a:schemeClr val="accent2"/>
+                      </a:fillRef>
+                      <a:effectRef idx="1">
+                        <a:schemeClr val="accent2"/>
+                      </a:effectRef>
+                      <a:fontRef idx="minor">
+                        <a:schemeClr val="lt1"/>
+                      </a:fontRef>
+                    </p:style>
+                    <p:txBody>
+                      <a:bodyPr rtlCol="0" anchor="ctr"/>
+                      <a:lstStyle/>
+                      <a:p>
+                        <a:pPr algn="ctr"/>
+                        <a:endParaRPr lang="zh-CN" altLang="en-US" dirty="0">
+                          <a:solidFill>
+                            <a:srgbClr val="E66248"/>
+                          </a:solidFill>
+                        </a:endParaRPr>
+                      </a:p>
+                    </p:txBody>
+                  </p:sp>
+                  <p:sp>
+                    <p:nvSpPr>
+                      <p:cNvPr id="114" name="矩形: 圆角 113">
+                        <a:extLst>
+                          <a:ext uri="{FF2B5EF4-FFF2-40B4-BE49-F238E27FC236}">
+                            <a16:creationId xmlns:a16="http://schemas.microsoft.com/office/drawing/2014/main" id="{35C8EE1D-9750-48DD-9646-A793054AE6C0}"/>
+                          </a:ext>
+                        </a:extLst>
+                      </p:cNvPr>
+                      <p:cNvSpPr/>
+                      <p:nvPr/>
+                    </p:nvSpPr>
+                    <p:spPr>
+                      <a:xfrm>
+                        <a:off x="1951142" y="6775155"/>
+                        <a:ext cx="2190750" cy="400050"/>
+                      </a:xfrm>
+                      <a:prstGeom prst="roundRect">
+                        <a:avLst/>
+                      </a:prstGeom>
+                      <a:solidFill>
+                        <a:srgbClr val="F8D2CB"/>
+                      </a:solidFill>
+                      <a:ln>
+                        <a:solidFill>
+                          <a:srgbClr val="EE9482"/>
+                        </a:solidFill>
+                      </a:ln>
+                    </p:spPr>
+                    <p:style>
+                      <a:lnRef idx="3">
+                        <a:schemeClr val="lt1"/>
+                      </a:lnRef>
+                      <a:fillRef idx="1">
+                        <a:schemeClr val="accent2"/>
+                      </a:fillRef>
+                      <a:effectRef idx="1">
+                        <a:schemeClr val="accent2"/>
+                      </a:effectRef>
+                      <a:fontRef idx="minor">
+                        <a:schemeClr val="lt1"/>
+                      </a:fontRef>
+                    </p:style>
+                    <p:txBody>
+                      <a:bodyPr rtlCol="0" anchor="ctr"/>
+                      <a:lstStyle/>
+                      <a:p>
+                        <a:pPr algn="ctr"/>
+                        <a:r>
+                          <a:rPr lang="en-US" altLang="zh-CN" dirty="0">
+                            <a:solidFill>
+                              <a:schemeClr val="tx1"/>
+                            </a:solidFill>
+                          </a:rPr>
+                          <a:t>Selector</a:t>
+                        </a:r>
+                        <a:endParaRPr lang="zh-CN" altLang="en-US" dirty="0">
+                          <a:solidFill>
+                            <a:schemeClr val="tx1"/>
+                          </a:solidFill>
+                        </a:endParaRPr>
+                      </a:p>
+                    </p:txBody>
+                  </p:sp>
+                  <p:sp>
+                    <p:nvSpPr>
+                      <p:cNvPr id="115" name="矩形: 圆角 114">
+                        <a:extLst>
+                          <a:ext uri="{FF2B5EF4-FFF2-40B4-BE49-F238E27FC236}">
+                            <a16:creationId xmlns:a16="http://schemas.microsoft.com/office/drawing/2014/main" id="{FA81408E-49AF-4A91-9605-1E9517D47B02}"/>
+                          </a:ext>
+                        </a:extLst>
+                      </p:cNvPr>
+                      <p:cNvSpPr/>
+                      <p:nvPr/>
+                    </p:nvSpPr>
+                    <p:spPr>
+                      <a:xfrm>
+                        <a:off x="2056762" y="7978926"/>
+                        <a:ext cx="1966809" cy="400050"/>
+                      </a:xfrm>
+                      <a:prstGeom prst="roundRect">
+                        <a:avLst/>
+                      </a:prstGeom>
+                      <a:solidFill>
+                        <a:srgbClr val="E5D5E7"/>
+                      </a:solidFill>
+                      <a:ln>
+                        <a:solidFill>
+                          <a:srgbClr val="BD94C2"/>
+                        </a:solidFill>
+                      </a:ln>
+                    </p:spPr>
+                    <p:style>
+                      <a:lnRef idx="3">
+                        <a:schemeClr val="lt1"/>
+                      </a:lnRef>
+                      <a:fillRef idx="1">
+                        <a:schemeClr val="accent2"/>
+                      </a:fillRef>
+                      <a:effectRef idx="1">
+                        <a:schemeClr val="accent2"/>
+                      </a:effectRef>
+                      <a:fontRef idx="minor">
+                        <a:schemeClr val="lt1"/>
+                      </a:fontRef>
+                    </p:style>
+                    <p:txBody>
+                      <a:bodyPr rtlCol="0" anchor="ctr"/>
+                      <a:lstStyle/>
+                      <a:p>
+                        <a:pPr algn="ctr"/>
+                        <a:r>
+                          <a:rPr lang="zh-CN" altLang="en-US" dirty="0">
+                            <a:solidFill>
+                              <a:srgbClr val="95599D"/>
+                            </a:solidFill>
+                          </a:rPr>
+                          <a:t>轮询监听</a:t>
+                        </a:r>
+                        <a:r>
+                          <a:rPr lang="en-US" altLang="zh-CN" dirty="0">
+                            <a:solidFill>
+                              <a:srgbClr val="95599D"/>
+                            </a:solidFill>
+                          </a:rPr>
+                          <a:t>I/O</a:t>
+                        </a:r>
+                        <a:r>
+                          <a:rPr lang="zh-CN" altLang="en-US" dirty="0">
+                            <a:solidFill>
+                              <a:srgbClr val="95599D"/>
+                            </a:solidFill>
+                          </a:rPr>
+                          <a:t>事件</a:t>
+                        </a:r>
+                      </a:p>
+                    </p:txBody>
+                  </p:sp>
+                  <p:sp>
+                    <p:nvSpPr>
+                      <p:cNvPr id="116" name="矩形: 圆角 115">
+                        <a:extLst>
+                          <a:ext uri="{FF2B5EF4-FFF2-40B4-BE49-F238E27FC236}">
+                            <a16:creationId xmlns:a16="http://schemas.microsoft.com/office/drawing/2014/main" id="{90D71842-4293-4AD6-9C4E-2A9F57E3139C}"/>
+                          </a:ext>
+                        </a:extLst>
+                      </p:cNvPr>
+                      <p:cNvSpPr/>
+                      <p:nvPr/>
+                    </p:nvSpPr>
+                    <p:spPr>
+                      <a:xfrm>
+                        <a:off x="2056762" y="8782900"/>
+                        <a:ext cx="1966809" cy="400050"/>
+                      </a:xfrm>
+                      <a:prstGeom prst="roundRect">
+                        <a:avLst/>
+                      </a:prstGeom>
+                      <a:solidFill>
+                        <a:srgbClr val="E5D5E7"/>
+                      </a:solidFill>
+                      <a:ln>
+                        <a:solidFill>
+                          <a:srgbClr val="BD94C2"/>
+                        </a:solidFill>
+                      </a:ln>
+                    </p:spPr>
+                    <p:style>
+                      <a:lnRef idx="3">
+                        <a:schemeClr val="lt1"/>
+                      </a:lnRef>
+                      <a:fillRef idx="1">
+                        <a:schemeClr val="accent2"/>
+                      </a:fillRef>
+                      <a:effectRef idx="1">
+                        <a:schemeClr val="accent2"/>
+                      </a:effectRef>
+                      <a:fontRef idx="minor">
+                        <a:schemeClr val="lt1"/>
+                      </a:fontRef>
+                    </p:style>
+                    <p:txBody>
+                      <a:bodyPr rtlCol="0" anchor="ctr"/>
+                      <a:lstStyle/>
+                      <a:p>
+                        <a:pPr algn="ctr"/>
+                        <a:r>
+                          <a:rPr lang="zh-CN" altLang="en-US" dirty="0">
+                            <a:solidFill>
+                              <a:srgbClr val="95599D"/>
+                            </a:solidFill>
+                          </a:rPr>
+                          <a:t>处理</a:t>
+                        </a:r>
+                        <a:r>
+                          <a:rPr lang="en-US" altLang="zh-CN" dirty="0">
+                            <a:solidFill>
+                              <a:srgbClr val="95599D"/>
+                            </a:solidFill>
+                          </a:rPr>
+                          <a:t>I/O</a:t>
+                        </a:r>
+                        <a:r>
+                          <a:rPr lang="zh-CN" altLang="en-US" dirty="0">
+                            <a:solidFill>
+                              <a:srgbClr val="95599D"/>
+                            </a:solidFill>
+                          </a:rPr>
+                          <a:t>事件</a:t>
+                        </a:r>
+                      </a:p>
+                    </p:txBody>
+                  </p:sp>
+                  <p:sp>
+                    <p:nvSpPr>
+                      <p:cNvPr id="117" name="矩形: 圆角 116">
+                        <a:extLst>
+                          <a:ext uri="{FF2B5EF4-FFF2-40B4-BE49-F238E27FC236}">
+                            <a16:creationId xmlns:a16="http://schemas.microsoft.com/office/drawing/2014/main" id="{09F0F1B8-9B1A-4333-9B65-9A4E4D547AF5}"/>
+                          </a:ext>
+                        </a:extLst>
+                      </p:cNvPr>
+                      <p:cNvSpPr/>
+                      <p:nvPr/>
+                    </p:nvSpPr>
+                    <p:spPr>
+                      <a:xfrm>
+                        <a:off x="2056762" y="9586874"/>
+                        <a:ext cx="1966809" cy="400050"/>
+                      </a:xfrm>
+                      <a:prstGeom prst="roundRect">
+                        <a:avLst/>
+                      </a:prstGeom>
+                      <a:solidFill>
+                        <a:srgbClr val="E5D5E7"/>
+                      </a:solidFill>
+                      <a:ln>
+                        <a:solidFill>
+                          <a:srgbClr val="BD94C2"/>
+                        </a:solidFill>
+                      </a:ln>
+                    </p:spPr>
+                    <p:style>
+                      <a:lnRef idx="3">
+                        <a:schemeClr val="lt1"/>
+                      </a:lnRef>
+                      <a:fillRef idx="1">
+                        <a:schemeClr val="accent2"/>
+                      </a:fillRef>
+                      <a:effectRef idx="1">
+                        <a:schemeClr val="accent2"/>
+                      </a:effectRef>
+                      <a:fontRef idx="minor">
+                        <a:schemeClr val="lt1"/>
+                      </a:fontRef>
+                    </p:style>
+                    <p:txBody>
+                      <a:bodyPr rtlCol="0" anchor="ctr"/>
+                      <a:lstStyle/>
+                      <a:p>
+                        <a:pPr algn="ctr"/>
+                        <a:r>
+                          <a:rPr lang="zh-CN" altLang="en-US" dirty="0">
+                            <a:solidFill>
+                              <a:srgbClr val="95599D"/>
+                            </a:solidFill>
+                          </a:rPr>
+                          <a:t>处理任务队列</a:t>
+                        </a:r>
+                      </a:p>
+                    </p:txBody>
+                  </p:sp>
+                  <p:cxnSp>
+                    <p:nvCxnSpPr>
+                      <p:cNvPr id="118" name="直接箭头连接符 117">
+                        <a:extLst>
+                          <a:ext uri="{FF2B5EF4-FFF2-40B4-BE49-F238E27FC236}">
+                            <a16:creationId xmlns:a16="http://schemas.microsoft.com/office/drawing/2014/main" id="{4D0BABFD-8CE8-4767-80F3-C6C3BC5B0134}"/>
+                          </a:ext>
+                        </a:extLst>
+                      </p:cNvPr>
+                      <p:cNvCxnSpPr>
+                        <a:stCxn id="115" idx="2"/>
+                        <a:endCxn id="116" idx="0"/>
+                      </p:cNvCxnSpPr>
+                      <p:nvPr/>
+                    </p:nvCxnSpPr>
+                    <p:spPr>
+                      <a:xfrm>
+                        <a:off x="3040167" y="8378976"/>
+                        <a:ext cx="0" cy="403924"/>
+                      </a:xfrm>
+                      <a:prstGeom prst="straightConnector1">
+                        <a:avLst/>
+                      </a:prstGeom>
+                      <a:ln w="25400">
+                        <a:tailEnd type="triangle"/>
+                      </a:ln>
+                    </p:spPr>
+                    <p:style>
+                      <a:lnRef idx="1">
+                        <a:schemeClr val="accent1"/>
+                      </a:lnRef>
+                      <a:fillRef idx="0">
+                        <a:schemeClr val="accent1"/>
+                      </a:fillRef>
+                      <a:effectRef idx="0">
+                        <a:schemeClr val="accent1"/>
+                      </a:effectRef>
+                      <a:fontRef idx="minor">
+                        <a:schemeClr val="tx1"/>
+                      </a:fontRef>
+                    </p:style>
+                  </p:cxnSp>
+                  <p:cxnSp>
+                    <p:nvCxnSpPr>
+                      <p:cNvPr id="119" name="直接箭头连接符 118">
+                        <a:extLst>
+                          <a:ext uri="{FF2B5EF4-FFF2-40B4-BE49-F238E27FC236}">
+                            <a16:creationId xmlns:a16="http://schemas.microsoft.com/office/drawing/2014/main" id="{6525DFA4-D899-4898-8479-AF9C02EAEC9D}"/>
+                          </a:ext>
+                        </a:extLst>
+                      </p:cNvPr>
+                      <p:cNvCxnSpPr>
+                        <a:stCxn id="116" idx="2"/>
+                        <a:endCxn id="117" idx="0"/>
+                      </p:cNvCxnSpPr>
+                      <p:nvPr/>
+                    </p:nvCxnSpPr>
+                    <p:spPr>
+                      <a:xfrm>
+                        <a:off x="3040167" y="9182950"/>
+                        <a:ext cx="0" cy="403924"/>
+                      </a:xfrm>
+                      <a:prstGeom prst="straightConnector1">
+                        <a:avLst/>
+                      </a:prstGeom>
+                      <a:ln w="25400">
+                        <a:tailEnd type="triangle"/>
+                      </a:ln>
+                    </p:spPr>
+                    <p:style>
+                      <a:lnRef idx="1">
+                        <a:schemeClr val="accent1"/>
+                      </a:lnRef>
+                      <a:fillRef idx="0">
+                        <a:schemeClr val="accent1"/>
+                      </a:fillRef>
+                      <a:effectRef idx="0">
+                        <a:schemeClr val="accent1"/>
+                      </a:effectRef>
+                      <a:fontRef idx="minor">
+                        <a:schemeClr val="tx1"/>
+                      </a:fontRef>
+                    </p:style>
+                  </p:cxnSp>
+                  <p:cxnSp>
+                    <p:nvCxnSpPr>
+                      <p:cNvPr id="120" name="连接符: 肘形 119">
+                        <a:extLst>
+                          <a:ext uri="{FF2B5EF4-FFF2-40B4-BE49-F238E27FC236}">
+                            <a16:creationId xmlns:a16="http://schemas.microsoft.com/office/drawing/2014/main" id="{687001E8-EAC0-4E44-A059-8D80A10A4BAF}"/>
+                          </a:ext>
+                        </a:extLst>
+                      </p:cNvPr>
+                      <p:cNvCxnSpPr>
+                        <a:stCxn id="117" idx="2"/>
+                        <a:endCxn id="115" idx="0"/>
+                      </p:cNvCxnSpPr>
+                      <p:nvPr/>
+                    </p:nvCxnSpPr>
+                    <p:spPr>
+                      <a:xfrm rot="5400000" flipH="1">
+                        <a:off x="2036168" y="8982925"/>
+                        <a:ext cx="2007998" cy="12700"/>
+                      </a:xfrm>
+                      <a:prstGeom prst="bentConnector5">
+                        <a:avLst>
+                          <a:gd name="adj1" fmla="val -11384"/>
+                          <a:gd name="adj2" fmla="val -8856661"/>
+                          <a:gd name="adj3" fmla="val 111384"/>
+                        </a:avLst>
+                      </a:prstGeom>
+                      <a:ln w="25400">
+                        <a:tailEnd type="triangle"/>
+                      </a:ln>
+                    </p:spPr>
+                    <p:style>
+                      <a:lnRef idx="1">
+                        <a:schemeClr val="accent1"/>
+                      </a:lnRef>
+                      <a:fillRef idx="0">
+                        <a:schemeClr val="accent1"/>
+                      </a:fillRef>
+                      <a:effectRef idx="0">
+                        <a:schemeClr val="accent1"/>
+                      </a:effectRef>
+                      <a:fontRef idx="minor">
+                        <a:schemeClr val="tx1"/>
+                      </a:fontRef>
+                    </p:style>
+                  </p:cxnSp>
+                  <p:sp>
+                    <p:nvSpPr>
+                      <p:cNvPr id="121" name="文本框 120">
+                        <a:extLst>
+                          <a:ext uri="{FF2B5EF4-FFF2-40B4-BE49-F238E27FC236}">
+                            <a16:creationId xmlns:a16="http://schemas.microsoft.com/office/drawing/2014/main" id="{4DBA935B-5FAE-4F83-81F1-55DEB8A123D6}"/>
+                          </a:ext>
+                        </a:extLst>
+                      </p:cNvPr>
+                      <p:cNvSpPr txBox="1"/>
+                      <p:nvPr/>
+                    </p:nvSpPr>
+                    <p:spPr>
+                      <a:xfrm>
+                        <a:off x="2621120" y="10283888"/>
+                        <a:ext cx="853760" cy="369332"/>
+                      </a:xfrm>
+                      <a:prstGeom prst="rect">
+                        <a:avLst/>
+                      </a:prstGeom>
+                      <a:noFill/>
+                    </p:spPr>
+                    <p:txBody>
+                      <a:bodyPr wrap="none" rtlCol="0">
+                        <a:spAutoFit/>
+                      </a:bodyPr>
+                      <a:lstStyle/>
+                      <a:p>
+                        <a:r>
+                          <a:rPr lang="en-US" altLang="zh-CN" b="1" dirty="0"/>
+                          <a:t>Thread</a:t>
+                        </a:r>
+                        <a:endParaRPr lang="zh-CN" altLang="en-US" b="1" dirty="0"/>
+                      </a:p>
+                    </p:txBody>
+                  </p:sp>
+                  <p:cxnSp>
+                    <p:nvCxnSpPr>
+                      <p:cNvPr id="122" name="直接箭头连接符 121">
+                        <a:extLst>
+                          <a:ext uri="{FF2B5EF4-FFF2-40B4-BE49-F238E27FC236}">
+                            <a16:creationId xmlns:a16="http://schemas.microsoft.com/office/drawing/2014/main" id="{675887F8-1849-40AA-B0B6-6A8AA06858DB}"/>
+                          </a:ext>
+                        </a:extLst>
+                      </p:cNvPr>
+                      <p:cNvCxnSpPr>
+                        <a:stCxn id="114" idx="2"/>
+                      </p:cNvCxnSpPr>
+                      <p:nvPr/>
+                    </p:nvCxnSpPr>
+                    <p:spPr>
+                      <a:xfrm flipH="1">
+                        <a:off x="2667000" y="7175205"/>
+                        <a:ext cx="379517" cy="803721"/>
+                      </a:xfrm>
+                      <a:prstGeom prst="straightConnector1">
+                        <a:avLst/>
+                      </a:prstGeom>
+                      <a:ln w="25400">
+                        <a:solidFill>
+                          <a:srgbClr val="95599D"/>
+                        </a:solidFill>
+                        <a:prstDash val="dash"/>
+                        <a:tailEnd type="triangle"/>
+                      </a:ln>
+                    </p:spPr>
+                    <p:style>
+                      <a:lnRef idx="1">
+                        <a:schemeClr val="accent1"/>
+                      </a:lnRef>
+                      <a:fillRef idx="0">
+                        <a:schemeClr val="accent1"/>
+                      </a:fillRef>
+                      <a:effectRef idx="0">
+                        <a:schemeClr val="accent1"/>
+                      </a:effectRef>
+                      <a:fontRef idx="minor">
+                        <a:schemeClr val="tx1"/>
+                      </a:fontRef>
+                    </p:style>
+                  </p:cxnSp>
+                </p:grpSp>
+                <p:sp>
+                  <p:nvSpPr>
+                    <p:cNvPr id="112" name="文本框 111">
+                      <a:extLst>
+                        <a:ext uri="{FF2B5EF4-FFF2-40B4-BE49-F238E27FC236}">
+                          <a16:creationId xmlns:a16="http://schemas.microsoft.com/office/drawing/2014/main" id="{BD5CA628-FBB7-4E2B-A241-F57B674C4030}"/>
+                        </a:ext>
+                      </a:extLst>
+                    </p:cNvPr>
+                    <p:cNvSpPr txBox="1"/>
+                    <p:nvPr/>
+                  </p:nvSpPr>
+                  <p:spPr>
+                    <a:xfrm>
+                      <a:off x="2275042" y="10756410"/>
+                      <a:ext cx="1514582" cy="369332"/>
+                    </a:xfrm>
+                    <a:prstGeom prst="rect">
+                      <a:avLst/>
+                    </a:prstGeom>
+                    <a:noFill/>
+                  </p:spPr>
+                  <p:txBody>
+                    <a:bodyPr wrap="none" rtlCol="0">
+                      <a:spAutoFit/>
+                    </a:bodyPr>
+                    <a:lstStyle/>
+                    <a:p>
+                      <a:r>
+                        <a:rPr lang="en-US" altLang="zh-CN" b="1" dirty="0"/>
+                        <a:t>NioEventLoop</a:t>
+                      </a:r>
+                      <a:endParaRPr lang="zh-CN" altLang="en-US" b="1" dirty="0"/>
+                    </a:p>
+                  </p:txBody>
+                </p:sp>
+              </p:grpSp>
+              <p:cxnSp>
+                <p:nvCxnSpPr>
+                  <p:cNvPr id="108" name="直接箭头连接符 107">
+                    <a:extLst>
+                      <a:ext uri="{FF2B5EF4-FFF2-40B4-BE49-F238E27FC236}">
+                        <a16:creationId xmlns:a16="http://schemas.microsoft.com/office/drawing/2014/main" id="{415AAF35-CA70-41AF-B184-9A4850C5C459}"/>
+                      </a:ext>
+                    </a:extLst>
+                  </p:cNvPr>
+                  <p:cNvCxnSpPr>
+                    <a:stCxn id="106" idx="2"/>
+                    <a:endCxn id="114" idx="0"/>
+                  </p:cNvCxnSpPr>
+                  <p:nvPr/>
+                </p:nvCxnSpPr>
+                <p:spPr>
+                  <a:xfrm flipH="1">
+                    <a:off x="3030850" y="6069974"/>
+                    <a:ext cx="9316" cy="705181"/>
+                  </a:xfrm>
+                  <a:prstGeom prst="straightConnector1">
+                    <a:avLst/>
+                  </a:prstGeom>
+                  <a:ln w="25400">
+                    <a:solidFill>
+                      <a:srgbClr val="95599D"/>
+                    </a:solidFill>
+                    <a:prstDash val="sysDash"/>
+                    <a:tailEnd type="triangle"/>
+                  </a:ln>
+                </p:spPr>
+                <p:style>
+                  <a:lnRef idx="1">
+                    <a:schemeClr val="accent1"/>
+                  </a:lnRef>
+                  <a:fillRef idx="0">
+                    <a:schemeClr val="accent1"/>
+                  </a:fillRef>
+                  <a:effectRef idx="0">
+                    <a:schemeClr val="accent1"/>
+                  </a:effectRef>
+                  <a:fontRef idx="minor">
+                    <a:schemeClr val="tx1"/>
+                  </a:fontRef>
+                </p:style>
+              </p:cxnSp>
+              <p:sp>
+                <p:nvSpPr>
+                  <p:cNvPr id="109" name="文本框 108">
+                    <a:extLst>
+                      <a:ext uri="{FF2B5EF4-FFF2-40B4-BE49-F238E27FC236}">
+                        <a16:creationId xmlns:a16="http://schemas.microsoft.com/office/drawing/2014/main" id="{CFDA4C0A-2353-48B2-BDCA-FDF5B91E1C5A}"/>
+                      </a:ext>
+                    </a:extLst>
+                  </p:cNvPr>
+                  <p:cNvSpPr txBox="1"/>
+                  <p:nvPr/>
+                </p:nvSpPr>
+                <p:spPr>
+                  <a:xfrm>
+                    <a:off x="2393835" y="6238954"/>
+                    <a:ext cx="646331" cy="369332"/>
+                  </a:xfrm>
+                  <a:prstGeom prst="rect">
+                    <a:avLst/>
+                  </a:prstGeom>
+                  <a:noFill/>
+                </p:spPr>
+                <p:txBody>
+                  <a:bodyPr wrap="none" rtlCol="0">
+                    <a:spAutoFit/>
+                  </a:bodyPr>
+                  <a:lstStyle/>
+                  <a:p>
+                    <a:r>
+                      <a:rPr lang="zh-CN" altLang="en-US" dirty="0">
+                        <a:solidFill>
+                          <a:srgbClr val="95599D"/>
+                        </a:solidFill>
+                      </a:rPr>
+                      <a:t>注册</a:t>
+                    </a:r>
+                  </a:p>
+                </p:txBody>
+              </p:sp>
+            </p:grpSp>
+            <p:sp>
+              <p:nvSpPr>
+                <p:cNvPr id="105" name="文本框 104">
+                  <a:extLst>
+                    <a:ext uri="{FF2B5EF4-FFF2-40B4-BE49-F238E27FC236}">
+                      <a16:creationId xmlns:a16="http://schemas.microsoft.com/office/drawing/2014/main" id="{6393FC81-AF97-4804-9593-25BF7B4D3155}"/>
+                    </a:ext>
+                  </a:extLst>
+                </p:cNvPr>
+                <p:cNvSpPr txBox="1"/>
+                <p:nvPr/>
+              </p:nvSpPr>
+              <p:spPr>
+                <a:xfrm>
+                  <a:off x="3344194" y="11727518"/>
+                  <a:ext cx="1541897" cy="369332"/>
+                </a:xfrm>
+                <a:prstGeom prst="rect">
+                  <a:avLst/>
+                </a:prstGeom>
+                <a:noFill/>
+              </p:spPr>
+              <p:txBody>
+                <a:bodyPr wrap="none" rtlCol="0">
+                  <a:spAutoFit/>
+                </a:bodyPr>
+                <a:lstStyle/>
+                <a:p>
+                  <a:r>
+                    <a:rPr lang="en-US" altLang="zh-CN" b="1" dirty="0"/>
+                    <a:t>Worker Group</a:t>
+                  </a:r>
+                  <a:endParaRPr lang="zh-CN" altLang="en-US" b="1" dirty="0"/>
+                </a:p>
+              </p:txBody>
+            </p:sp>
+          </p:grpSp>
+          <p:sp>
+            <p:nvSpPr>
+              <p:cNvPr id="140" name="箭头: 右 139">
+                <a:extLst>
+                  <a:ext uri="{FF2B5EF4-FFF2-40B4-BE49-F238E27FC236}">
+                    <a16:creationId xmlns:a16="http://schemas.microsoft.com/office/drawing/2014/main" id="{A30C0026-9826-4A99-8341-E695B479D813}"/>
+                  </a:ext>
+                </a:extLst>
+              </p:cNvPr>
+              <p:cNvSpPr/>
+              <p:nvPr/>
+            </p:nvSpPr>
+            <p:spPr>
+              <a:xfrm>
+                <a:off x="7481067" y="9398178"/>
+                <a:ext cx="1091402" cy="396000"/>
+              </a:xfrm>
+              <a:prstGeom prst="rightArrow">
+                <a:avLst/>
+              </a:prstGeom>
+              <a:solidFill>
+                <a:srgbClr val="CAAACE"/>
+              </a:solidFill>
+              <a:ln>
+                <a:solidFill>
+                  <a:srgbClr val="95599D"/>
+                </a:solidFill>
+              </a:ln>
+            </p:spPr>
+            <p:style>
+              <a:lnRef idx="2">
+                <a:schemeClr val="accent1">
+                  <a:shade val="50000"/>
+                </a:schemeClr>
+              </a:lnRef>
+              <a:fillRef idx="1">
+                <a:schemeClr val="accent1"/>
+              </a:fillRef>
+              <a:effectRef idx="0">
+                <a:schemeClr val="accent1"/>
+              </a:effectRef>
+              <a:fontRef idx="minor">
+                <a:schemeClr val="lt1"/>
+              </a:fontRef>
+            </p:style>
+            <p:txBody>
+              <a:bodyPr rtlCol="0" anchor="ctr"/>
+              <a:lstStyle/>
+              <a:p>
+                <a:pPr algn="ctr"/>
+                <a:endParaRPr lang="zh-CN" altLang="en-US"/>
+              </a:p>
+            </p:txBody>
+          </p:sp>
+        </p:grpSp>
+        <p:sp>
+          <p:nvSpPr>
+            <p:cNvPr id="141" name="文本框 140">
+              <a:extLst>
+                <a:ext uri="{FF2B5EF4-FFF2-40B4-BE49-F238E27FC236}">
+                  <a16:creationId xmlns:a16="http://schemas.microsoft.com/office/drawing/2014/main" id="{7CEE869C-FF44-4D5B-BCDA-64C571935521}"/>
+                </a:ext>
+              </a:extLst>
+            </p:cNvPr>
+            <p:cNvSpPr txBox="1"/>
+            <p:nvPr/>
+          </p:nvSpPr>
+          <p:spPr>
+            <a:xfrm>
+              <a:off x="6944856" y="12730616"/>
+              <a:ext cx="1856919" cy="369332"/>
+            </a:xfrm>
+            <a:prstGeom prst="rect">
+              <a:avLst/>
+            </a:prstGeom>
+            <a:noFill/>
+          </p:spPr>
+          <p:txBody>
+            <a:bodyPr wrap="none" rtlCol="0">
+              <a:spAutoFit/>
+            </a:bodyPr>
+            <a:lstStyle/>
+            <a:p>
+              <a:r>
+                <a:rPr lang="en-US" altLang="zh-CN" dirty="0"/>
+                <a:t>Netty</a:t>
+              </a:r>
+              <a:r>
+                <a:rPr lang="zh-CN" altLang="en-US" dirty="0"/>
+                <a:t>模型进阶版</a:t>
+              </a:r>
+            </a:p>
+          </p:txBody>
+        </p:sp>
+      </p:grpSp>
     </p:spTree>
     <p:extLst>
       <p:ext uri="{BB962C8B-B14F-4D97-AF65-F5344CB8AC3E}">

--- a/Netty/Netty Figure.pptx
+++ b/Netty/Netty Figure.pptx
@@ -120,6 +120,18 @@
     </p:ext>
   </p:extLst>
 </p:presentation>
+</file>
+
+<file path=ppt/commentAuthors.xml><?xml version="1.0" encoding="utf-8"?>
+<p:cmAuthorLst xmlns:a="http://schemas.openxmlformats.org/drawingml/2006/main" xmlns:r="http://schemas.openxmlformats.org/officeDocument/2006/relationships" xmlns:p="http://schemas.openxmlformats.org/presentationml/2006/main">
+  <p:cmAuthor id="1" name="w zq" initials="wz" lastIdx="1" clrIdx="0">
+    <p:extLst>
+      <p:ext uri="{19B8F6BF-5375-455C-9EA6-DF929625EA0E}">
+        <p15:presenceInfo xmlns:p15="http://schemas.microsoft.com/office/powerpoint/2012/main" userId="c2f84aa1a5b967fc" providerId="Windows Live"/>
+      </p:ext>
+    </p:extLst>
+  </p:cmAuthor>
+</p:cmAuthorLst>
 </file>
 
 <file path=ppt/slideLayouts/slideLayout1.xml><?xml version="1.0" encoding="utf-8"?>
@@ -253,7 +265,7 @@
           <a:p>
             <a:fld id="{306988AD-E42F-40A6-975D-BE59CDAEF2B7}" type="datetimeFigureOut">
               <a:rPr lang="zh-CN" altLang="en-US" smtClean="0"/>
-              <a:t>2022/11/14</a:t>
+              <a:t>2022/11/17</a:t>
             </a:fld>
             <a:endParaRPr lang="zh-CN" altLang="en-US"/>
           </a:p>
@@ -423,7 +435,7 @@
           <a:p>
             <a:fld id="{306988AD-E42F-40A6-975D-BE59CDAEF2B7}" type="datetimeFigureOut">
               <a:rPr lang="zh-CN" altLang="en-US" smtClean="0"/>
-              <a:t>2022/11/14</a:t>
+              <a:t>2022/11/17</a:t>
             </a:fld>
             <a:endParaRPr lang="zh-CN" altLang="en-US"/>
           </a:p>
@@ -603,7 +615,7 @@
           <a:p>
             <a:fld id="{306988AD-E42F-40A6-975D-BE59CDAEF2B7}" type="datetimeFigureOut">
               <a:rPr lang="zh-CN" altLang="en-US" smtClean="0"/>
-              <a:t>2022/11/14</a:t>
+              <a:t>2022/11/17</a:t>
             </a:fld>
             <a:endParaRPr lang="zh-CN" altLang="en-US"/>
           </a:p>
@@ -773,7 +785,7 @@
           <a:p>
             <a:fld id="{306988AD-E42F-40A6-975D-BE59CDAEF2B7}" type="datetimeFigureOut">
               <a:rPr lang="zh-CN" altLang="en-US" smtClean="0"/>
-              <a:t>2022/11/14</a:t>
+              <a:t>2022/11/17</a:t>
             </a:fld>
             <a:endParaRPr lang="zh-CN" altLang="en-US"/>
           </a:p>
@@ -1017,7 +1029,7 @@
           <a:p>
             <a:fld id="{306988AD-E42F-40A6-975D-BE59CDAEF2B7}" type="datetimeFigureOut">
               <a:rPr lang="zh-CN" altLang="en-US" smtClean="0"/>
-              <a:t>2022/11/14</a:t>
+              <a:t>2022/11/17</a:t>
             </a:fld>
             <a:endParaRPr lang="zh-CN" altLang="en-US"/>
           </a:p>
@@ -1249,7 +1261,7 @@
           <a:p>
             <a:fld id="{306988AD-E42F-40A6-975D-BE59CDAEF2B7}" type="datetimeFigureOut">
               <a:rPr lang="zh-CN" altLang="en-US" smtClean="0"/>
-              <a:t>2022/11/14</a:t>
+              <a:t>2022/11/17</a:t>
             </a:fld>
             <a:endParaRPr lang="zh-CN" altLang="en-US"/>
           </a:p>
@@ -1616,7 +1628,7 @@
           <a:p>
             <a:fld id="{306988AD-E42F-40A6-975D-BE59CDAEF2B7}" type="datetimeFigureOut">
               <a:rPr lang="zh-CN" altLang="en-US" smtClean="0"/>
-              <a:t>2022/11/14</a:t>
+              <a:t>2022/11/17</a:t>
             </a:fld>
             <a:endParaRPr lang="zh-CN" altLang="en-US"/>
           </a:p>
@@ -1734,7 +1746,7 @@
           <a:p>
             <a:fld id="{306988AD-E42F-40A6-975D-BE59CDAEF2B7}" type="datetimeFigureOut">
               <a:rPr lang="zh-CN" altLang="en-US" smtClean="0"/>
-              <a:t>2022/11/14</a:t>
+              <a:t>2022/11/17</a:t>
             </a:fld>
             <a:endParaRPr lang="zh-CN" altLang="en-US"/>
           </a:p>
@@ -1829,7 +1841,7 @@
           <a:p>
             <a:fld id="{306988AD-E42F-40A6-975D-BE59CDAEF2B7}" type="datetimeFigureOut">
               <a:rPr lang="zh-CN" altLang="en-US" smtClean="0"/>
-              <a:t>2022/11/14</a:t>
+              <a:t>2022/11/17</a:t>
             </a:fld>
             <a:endParaRPr lang="zh-CN" altLang="en-US"/>
           </a:p>
@@ -2106,7 +2118,7 @@
           <a:p>
             <a:fld id="{306988AD-E42F-40A6-975D-BE59CDAEF2B7}" type="datetimeFigureOut">
               <a:rPr lang="zh-CN" altLang="en-US" smtClean="0"/>
-              <a:t>2022/11/14</a:t>
+              <a:t>2022/11/17</a:t>
             </a:fld>
             <a:endParaRPr lang="zh-CN" altLang="en-US"/>
           </a:p>
@@ -2363,7 +2375,7 @@
           <a:p>
             <a:fld id="{306988AD-E42F-40A6-975D-BE59CDAEF2B7}" type="datetimeFigureOut">
               <a:rPr lang="zh-CN" altLang="en-US" smtClean="0"/>
-              <a:t>2022/11/14</a:t>
+              <a:t>2022/11/17</a:t>
             </a:fld>
             <a:endParaRPr lang="zh-CN" altLang="en-US"/>
           </a:p>
@@ -2576,7 +2588,7 @@
           <a:p>
             <a:fld id="{306988AD-E42F-40A6-975D-BE59CDAEF2B7}" type="datetimeFigureOut">
               <a:rPr lang="zh-CN" altLang="en-US" smtClean="0"/>
-              <a:t>2022/11/14</a:t>
+              <a:t>2022/11/17</a:t>
             </a:fld>
             <a:endParaRPr lang="zh-CN" altLang="en-US"/>
           </a:p>
@@ -38386,6 +38398,2300 @@
           </p:txBody>
         </p:sp>
       </p:grpSp>
+      <p:grpSp>
+        <p:nvGrpSpPr>
+          <p:cNvPr id="38" name="组合 37">
+            <a:extLst>
+              <a:ext uri="{FF2B5EF4-FFF2-40B4-BE49-F238E27FC236}">
+                <a16:creationId xmlns:a16="http://schemas.microsoft.com/office/drawing/2014/main" id="{28FFDF4C-6EF3-40CD-8131-B090EFE87BD1}"/>
+              </a:ext>
+            </a:extLst>
+          </p:cNvPr>
+          <p:cNvGrpSpPr/>
+          <p:nvPr/>
+        </p:nvGrpSpPr>
+        <p:grpSpPr>
+          <a:xfrm>
+            <a:off x="2426625" y="14312901"/>
+            <a:ext cx="8633946" cy="6999048"/>
+            <a:chOff x="2426625" y="14312901"/>
+            <a:chExt cx="8633946" cy="6999048"/>
+          </a:xfrm>
+        </p:grpSpPr>
+        <p:sp>
+          <p:nvSpPr>
+            <p:cNvPr id="15" name="矩形: 圆角 14">
+              <a:extLst>
+                <a:ext uri="{FF2B5EF4-FFF2-40B4-BE49-F238E27FC236}">
+                  <a16:creationId xmlns:a16="http://schemas.microsoft.com/office/drawing/2014/main" id="{6E6F7CC9-693D-4F05-85E4-A9997E42C63B}"/>
+                </a:ext>
+              </a:extLst>
+            </p:cNvPr>
+            <p:cNvSpPr/>
+            <p:nvPr/>
+          </p:nvSpPr>
+          <p:spPr>
+            <a:xfrm>
+              <a:off x="5996020" y="14312901"/>
+              <a:ext cx="4194652" cy="1550780"/>
+            </a:xfrm>
+            <a:prstGeom prst="roundRect">
+              <a:avLst/>
+            </a:prstGeom>
+            <a:noFill/>
+          </p:spPr>
+          <p:style>
+            <a:lnRef idx="1">
+              <a:schemeClr val="accent2"/>
+            </a:lnRef>
+            <a:fillRef idx="2">
+              <a:schemeClr val="accent2"/>
+            </a:fillRef>
+            <a:effectRef idx="1">
+              <a:schemeClr val="accent2"/>
+            </a:effectRef>
+            <a:fontRef idx="minor">
+              <a:schemeClr val="dk1"/>
+            </a:fontRef>
+          </p:style>
+          <p:txBody>
+            <a:bodyPr rtlCol="0" anchor="ctr"/>
+            <a:lstStyle/>
+            <a:p>
+              <a:pPr algn="ctr"/>
+              <a:endParaRPr lang="zh-CN" altLang="en-US"/>
+            </a:p>
+          </p:txBody>
+        </p:sp>
+        <p:sp>
+          <p:nvSpPr>
+            <p:cNvPr id="146" name="文本框 145">
+              <a:extLst>
+                <a:ext uri="{FF2B5EF4-FFF2-40B4-BE49-F238E27FC236}">
+                  <a16:creationId xmlns:a16="http://schemas.microsoft.com/office/drawing/2014/main" id="{0DF0AB77-9F92-427D-81E5-F0E91E3093A2}"/>
+                </a:ext>
+              </a:extLst>
+            </p:cNvPr>
+            <p:cNvSpPr txBox="1"/>
+            <p:nvPr/>
+          </p:nvSpPr>
+          <p:spPr>
+            <a:xfrm>
+              <a:off x="6996339" y="14414501"/>
+              <a:ext cx="2111284" cy="369332"/>
+            </a:xfrm>
+            <a:prstGeom prst="rect">
+              <a:avLst/>
+            </a:prstGeom>
+            <a:noFill/>
+          </p:spPr>
+          <p:txBody>
+            <a:bodyPr wrap="none" rtlCol="0">
+              <a:spAutoFit/>
+            </a:bodyPr>
+            <a:lstStyle/>
+            <a:p>
+              <a:r>
+                <a:rPr lang="en-US" altLang="zh-CN" b="1" dirty="0"/>
+                <a:t>NioEventLoopGroup</a:t>
+              </a:r>
+              <a:endParaRPr lang="zh-CN" altLang="en-US" b="1" dirty="0"/>
+            </a:p>
+          </p:txBody>
+        </p:sp>
+        <p:sp>
+          <p:nvSpPr>
+            <p:cNvPr id="147" name="矩形: 圆角 146">
+              <a:extLst>
+                <a:ext uri="{FF2B5EF4-FFF2-40B4-BE49-F238E27FC236}">
+                  <a16:creationId xmlns:a16="http://schemas.microsoft.com/office/drawing/2014/main" id="{944962E5-23CE-4C09-9C9F-77BD2ABA6EEB}"/>
+                </a:ext>
+              </a:extLst>
+            </p:cNvPr>
+            <p:cNvSpPr/>
+            <p:nvPr/>
+          </p:nvSpPr>
+          <p:spPr>
+            <a:xfrm>
+              <a:off x="6229748" y="15050864"/>
+              <a:ext cx="1609488" cy="522514"/>
+            </a:xfrm>
+            <a:prstGeom prst="roundRect">
+              <a:avLst/>
+            </a:prstGeom>
+            <a:solidFill>
+              <a:srgbClr val="99CCFF"/>
+            </a:solidFill>
+            <a:ln>
+              <a:solidFill>
+                <a:srgbClr val="0D86FF"/>
+              </a:solidFill>
+            </a:ln>
+            <a:effectLst>
+              <a:outerShdw blurRad="50800" dist="38100" dir="2700000" algn="tl" rotWithShape="0">
+                <a:prstClr val="black">
+                  <a:alpha val="40000"/>
+                </a:prstClr>
+              </a:outerShdw>
+            </a:effectLst>
+          </p:spPr>
+          <p:style>
+            <a:lnRef idx="2">
+              <a:schemeClr val="accent1">
+                <a:shade val="50000"/>
+              </a:schemeClr>
+            </a:lnRef>
+            <a:fillRef idx="1">
+              <a:schemeClr val="accent1"/>
+            </a:fillRef>
+            <a:effectRef idx="0">
+              <a:schemeClr val="accent1"/>
+            </a:effectRef>
+            <a:fontRef idx="minor">
+              <a:schemeClr val="lt1"/>
+            </a:fontRef>
+          </p:style>
+          <p:txBody>
+            <a:bodyPr rtlCol="0" anchor="ctr"/>
+            <a:lstStyle/>
+            <a:p>
+              <a:pPr algn="ctr"/>
+              <a:r>
+                <a:rPr lang="en-US" altLang="zh-CN" dirty="0">
+                  <a:solidFill>
+                    <a:schemeClr val="tx1"/>
+                  </a:solidFill>
+                </a:rPr>
+                <a:t>EventLoop1</a:t>
+              </a:r>
+              <a:endParaRPr lang="zh-CN" altLang="en-US" dirty="0">
+                <a:solidFill>
+                  <a:schemeClr val="tx1"/>
+                </a:solidFill>
+              </a:endParaRPr>
+            </a:p>
+          </p:txBody>
+        </p:sp>
+        <p:sp>
+          <p:nvSpPr>
+            <p:cNvPr id="148" name="矩形: 圆角 147">
+              <a:extLst>
+                <a:ext uri="{FF2B5EF4-FFF2-40B4-BE49-F238E27FC236}">
+                  <a16:creationId xmlns:a16="http://schemas.microsoft.com/office/drawing/2014/main" id="{E83C6A87-23B4-46E4-94DB-5E4310886C81}"/>
+                </a:ext>
+              </a:extLst>
+            </p:cNvPr>
+            <p:cNvSpPr/>
+            <p:nvPr/>
+          </p:nvSpPr>
+          <p:spPr>
+            <a:xfrm>
+              <a:off x="8263728" y="15050864"/>
+              <a:ext cx="1554364" cy="522514"/>
+            </a:xfrm>
+            <a:prstGeom prst="roundRect">
+              <a:avLst/>
+            </a:prstGeom>
+            <a:solidFill>
+              <a:srgbClr val="FF8989"/>
+            </a:solidFill>
+            <a:effectLst>
+              <a:outerShdw blurRad="50800" dist="38100" dir="2700000" algn="tl" rotWithShape="0">
+                <a:prstClr val="black">
+                  <a:alpha val="40000"/>
+                </a:prstClr>
+              </a:outerShdw>
+            </a:effectLst>
+          </p:spPr>
+          <p:style>
+            <a:lnRef idx="2">
+              <a:schemeClr val="accent2">
+                <a:shade val="50000"/>
+              </a:schemeClr>
+            </a:lnRef>
+            <a:fillRef idx="1">
+              <a:schemeClr val="accent2"/>
+            </a:fillRef>
+            <a:effectRef idx="0">
+              <a:schemeClr val="accent2"/>
+            </a:effectRef>
+            <a:fontRef idx="minor">
+              <a:schemeClr val="lt1"/>
+            </a:fontRef>
+          </p:style>
+          <p:txBody>
+            <a:bodyPr rtlCol="0" anchor="ctr"/>
+            <a:lstStyle/>
+            <a:p>
+              <a:pPr algn="ctr"/>
+              <a:r>
+                <a:rPr lang="en-US" altLang="zh-CN" dirty="0">
+                  <a:solidFill>
+                    <a:schemeClr val="tx1"/>
+                  </a:solidFill>
+                </a:rPr>
+                <a:t>EventLoop2</a:t>
+              </a:r>
+              <a:endParaRPr lang="zh-CN" altLang="en-US" dirty="0">
+                <a:solidFill>
+                  <a:schemeClr val="tx1"/>
+                </a:solidFill>
+              </a:endParaRPr>
+            </a:p>
+          </p:txBody>
+        </p:sp>
+        <p:sp>
+          <p:nvSpPr>
+            <p:cNvPr id="149" name="矩形: 圆角 148">
+              <a:extLst>
+                <a:ext uri="{FF2B5EF4-FFF2-40B4-BE49-F238E27FC236}">
+                  <a16:creationId xmlns:a16="http://schemas.microsoft.com/office/drawing/2014/main" id="{E3D18344-74F5-4298-824F-9F8BF06021FB}"/>
+                </a:ext>
+              </a:extLst>
+            </p:cNvPr>
+            <p:cNvSpPr/>
+            <p:nvPr/>
+          </p:nvSpPr>
+          <p:spPr>
+            <a:xfrm>
+              <a:off x="4688313" y="16492543"/>
+              <a:ext cx="1007529" cy="522514"/>
+            </a:xfrm>
+            <a:prstGeom prst="roundRect">
+              <a:avLst/>
+            </a:prstGeom>
+            <a:solidFill>
+              <a:srgbClr val="99CCFF"/>
+            </a:solidFill>
+            <a:ln>
+              <a:solidFill>
+                <a:srgbClr val="0D86FF"/>
+              </a:solidFill>
+            </a:ln>
+            <a:effectLst>
+              <a:outerShdw blurRad="50800" dist="38100" dir="2700000" algn="tl" rotWithShape="0">
+                <a:prstClr val="black">
+                  <a:alpha val="40000"/>
+                </a:prstClr>
+              </a:outerShdw>
+            </a:effectLst>
+          </p:spPr>
+          <p:style>
+            <a:lnRef idx="2">
+              <a:schemeClr val="accent1">
+                <a:shade val="50000"/>
+              </a:schemeClr>
+            </a:lnRef>
+            <a:fillRef idx="1">
+              <a:schemeClr val="accent1"/>
+            </a:fillRef>
+            <a:effectRef idx="0">
+              <a:schemeClr val="accent1"/>
+            </a:effectRef>
+            <a:fontRef idx="minor">
+              <a:schemeClr val="lt1"/>
+            </a:fontRef>
+          </p:style>
+          <p:txBody>
+            <a:bodyPr rtlCol="0" anchor="ctr"/>
+            <a:lstStyle/>
+            <a:p>
+              <a:pPr algn="ctr"/>
+              <a:r>
+                <a:rPr lang="en-US" altLang="zh-CN" dirty="0">
+                  <a:solidFill>
+                    <a:schemeClr val="tx1"/>
+                  </a:solidFill>
+                </a:rPr>
+                <a:t>head</a:t>
+              </a:r>
+              <a:endParaRPr lang="zh-CN" altLang="en-US" dirty="0">
+                <a:solidFill>
+                  <a:schemeClr val="tx1"/>
+                </a:solidFill>
+              </a:endParaRPr>
+            </a:p>
+          </p:txBody>
+        </p:sp>
+        <p:sp>
+          <p:nvSpPr>
+            <p:cNvPr id="150" name="矩形: 圆角 149">
+              <a:extLst>
+                <a:ext uri="{FF2B5EF4-FFF2-40B4-BE49-F238E27FC236}">
+                  <a16:creationId xmlns:a16="http://schemas.microsoft.com/office/drawing/2014/main" id="{20D9B1CC-E528-4B10-AD8F-CEDFDCF3C166}"/>
+                </a:ext>
+              </a:extLst>
+            </p:cNvPr>
+            <p:cNvSpPr/>
+            <p:nvPr/>
+          </p:nvSpPr>
+          <p:spPr>
+            <a:xfrm>
+              <a:off x="6476556" y="16492543"/>
+              <a:ext cx="1007529" cy="522514"/>
+            </a:xfrm>
+            <a:prstGeom prst="roundRect">
+              <a:avLst/>
+            </a:prstGeom>
+            <a:solidFill>
+              <a:srgbClr val="99CCFF"/>
+            </a:solidFill>
+            <a:ln>
+              <a:solidFill>
+                <a:srgbClr val="0D86FF"/>
+              </a:solidFill>
+            </a:ln>
+            <a:effectLst>
+              <a:outerShdw blurRad="50800" dist="38100" dir="2700000" algn="tl" rotWithShape="0">
+                <a:prstClr val="black">
+                  <a:alpha val="40000"/>
+                </a:prstClr>
+              </a:outerShdw>
+            </a:effectLst>
+          </p:spPr>
+          <p:style>
+            <a:lnRef idx="2">
+              <a:schemeClr val="accent1">
+                <a:shade val="50000"/>
+              </a:schemeClr>
+            </a:lnRef>
+            <a:fillRef idx="1">
+              <a:schemeClr val="accent1"/>
+            </a:fillRef>
+            <a:effectRef idx="0">
+              <a:schemeClr val="accent1"/>
+            </a:effectRef>
+            <a:fontRef idx="minor">
+              <a:schemeClr val="lt1"/>
+            </a:fontRef>
+          </p:style>
+          <p:txBody>
+            <a:bodyPr rtlCol="0" anchor="ctr"/>
+            <a:lstStyle/>
+            <a:p>
+              <a:pPr algn="ctr"/>
+              <a:r>
+                <a:rPr lang="en-US" altLang="zh-CN" dirty="0">
+                  <a:solidFill>
+                    <a:schemeClr val="tx1"/>
+                  </a:solidFill>
+                </a:rPr>
+                <a:t>h1</a:t>
+              </a:r>
+              <a:endParaRPr lang="zh-CN" altLang="en-US" dirty="0">
+                <a:solidFill>
+                  <a:schemeClr val="tx1"/>
+                </a:solidFill>
+              </a:endParaRPr>
+            </a:p>
+          </p:txBody>
+        </p:sp>
+        <p:sp>
+          <p:nvSpPr>
+            <p:cNvPr id="151" name="矩形: 圆角 150">
+              <a:extLst>
+                <a:ext uri="{FF2B5EF4-FFF2-40B4-BE49-F238E27FC236}">
+                  <a16:creationId xmlns:a16="http://schemas.microsoft.com/office/drawing/2014/main" id="{6F9B58A8-68AE-43BD-82CC-CD8FCB935DDA}"/>
+                </a:ext>
+              </a:extLst>
+            </p:cNvPr>
+            <p:cNvSpPr/>
+            <p:nvPr/>
+          </p:nvSpPr>
+          <p:spPr>
+            <a:xfrm>
+              <a:off x="8264799" y="16492543"/>
+              <a:ext cx="1007529" cy="522514"/>
+            </a:xfrm>
+            <a:prstGeom prst="roundRect">
+              <a:avLst/>
+            </a:prstGeom>
+            <a:solidFill>
+              <a:srgbClr val="C5E0B4"/>
+            </a:solidFill>
+            <a:ln>
+              <a:solidFill>
+                <a:srgbClr val="93C573"/>
+              </a:solidFill>
+            </a:ln>
+            <a:effectLst>
+              <a:outerShdw blurRad="50800" dist="38100" dir="2700000" algn="tl" rotWithShape="0">
+                <a:prstClr val="black">
+                  <a:alpha val="40000"/>
+                </a:prstClr>
+              </a:outerShdw>
+            </a:effectLst>
+          </p:spPr>
+          <p:style>
+            <a:lnRef idx="2">
+              <a:schemeClr val="accent1">
+                <a:shade val="50000"/>
+              </a:schemeClr>
+            </a:lnRef>
+            <a:fillRef idx="1">
+              <a:schemeClr val="accent1"/>
+            </a:fillRef>
+            <a:effectRef idx="0">
+              <a:schemeClr val="accent1"/>
+            </a:effectRef>
+            <a:fontRef idx="minor">
+              <a:schemeClr val="lt1"/>
+            </a:fontRef>
+          </p:style>
+          <p:txBody>
+            <a:bodyPr rtlCol="0" anchor="ctr"/>
+            <a:lstStyle/>
+            <a:p>
+              <a:pPr algn="ctr"/>
+              <a:r>
+                <a:rPr lang="en-US" altLang="zh-CN" dirty="0">
+                  <a:solidFill>
+                    <a:schemeClr val="tx1"/>
+                  </a:solidFill>
+                </a:rPr>
+                <a:t>h2</a:t>
+              </a:r>
+              <a:endParaRPr lang="zh-CN" altLang="en-US" dirty="0">
+                <a:solidFill>
+                  <a:schemeClr val="tx1"/>
+                </a:solidFill>
+              </a:endParaRPr>
+            </a:p>
+          </p:txBody>
+        </p:sp>
+        <p:sp>
+          <p:nvSpPr>
+            <p:cNvPr id="152" name="矩形: 圆角 151">
+              <a:extLst>
+                <a:ext uri="{FF2B5EF4-FFF2-40B4-BE49-F238E27FC236}">
+                  <a16:creationId xmlns:a16="http://schemas.microsoft.com/office/drawing/2014/main" id="{CE342A1D-C758-40B7-B90B-22AA5D831D29}"/>
+                </a:ext>
+              </a:extLst>
+            </p:cNvPr>
+            <p:cNvSpPr/>
+            <p:nvPr/>
+          </p:nvSpPr>
+          <p:spPr>
+            <a:xfrm>
+              <a:off x="10053042" y="16492543"/>
+              <a:ext cx="1007529" cy="522514"/>
+            </a:xfrm>
+            <a:prstGeom prst="roundRect">
+              <a:avLst/>
+            </a:prstGeom>
+            <a:solidFill>
+              <a:srgbClr val="99CCFF"/>
+            </a:solidFill>
+            <a:ln>
+              <a:solidFill>
+                <a:srgbClr val="0D86FF"/>
+              </a:solidFill>
+            </a:ln>
+            <a:effectLst>
+              <a:outerShdw blurRad="50800" dist="38100" dir="2700000" algn="tl" rotWithShape="0">
+                <a:prstClr val="black">
+                  <a:alpha val="40000"/>
+                </a:prstClr>
+              </a:outerShdw>
+            </a:effectLst>
+          </p:spPr>
+          <p:style>
+            <a:lnRef idx="2">
+              <a:schemeClr val="accent1">
+                <a:shade val="50000"/>
+              </a:schemeClr>
+            </a:lnRef>
+            <a:fillRef idx="1">
+              <a:schemeClr val="accent1"/>
+            </a:fillRef>
+            <a:effectRef idx="0">
+              <a:schemeClr val="accent1"/>
+            </a:effectRef>
+            <a:fontRef idx="minor">
+              <a:schemeClr val="lt1"/>
+            </a:fontRef>
+          </p:style>
+          <p:txBody>
+            <a:bodyPr rtlCol="0" anchor="ctr"/>
+            <a:lstStyle/>
+            <a:p>
+              <a:pPr algn="ctr"/>
+              <a:r>
+                <a:rPr lang="en-US" altLang="zh-CN" dirty="0">
+                  <a:solidFill>
+                    <a:schemeClr val="tx1"/>
+                  </a:solidFill>
+                </a:rPr>
+                <a:t>tail</a:t>
+              </a:r>
+              <a:endParaRPr lang="zh-CN" altLang="en-US" dirty="0">
+                <a:solidFill>
+                  <a:schemeClr val="tx1"/>
+                </a:solidFill>
+              </a:endParaRPr>
+            </a:p>
+          </p:txBody>
+        </p:sp>
+        <p:sp>
+          <p:nvSpPr>
+            <p:cNvPr id="153" name="矩形: 圆角 152">
+              <a:extLst>
+                <a:ext uri="{FF2B5EF4-FFF2-40B4-BE49-F238E27FC236}">
+                  <a16:creationId xmlns:a16="http://schemas.microsoft.com/office/drawing/2014/main" id="{F92B8EA5-BDA2-4CE9-8AFF-4E6C38601F71}"/>
+                </a:ext>
+              </a:extLst>
+            </p:cNvPr>
+            <p:cNvSpPr/>
+            <p:nvPr/>
+          </p:nvSpPr>
+          <p:spPr>
+            <a:xfrm>
+              <a:off x="4688313" y="17503095"/>
+              <a:ext cx="1005673" cy="522514"/>
+            </a:xfrm>
+            <a:prstGeom prst="roundRect">
+              <a:avLst/>
+            </a:prstGeom>
+            <a:solidFill>
+              <a:srgbClr val="FF8989"/>
+            </a:solidFill>
+            <a:effectLst>
+              <a:outerShdw blurRad="50800" dist="38100" dir="2700000" algn="tl" rotWithShape="0">
+                <a:prstClr val="black">
+                  <a:alpha val="40000"/>
+                </a:prstClr>
+              </a:outerShdw>
+            </a:effectLst>
+          </p:spPr>
+          <p:style>
+            <a:lnRef idx="2">
+              <a:schemeClr val="accent2">
+                <a:shade val="50000"/>
+              </a:schemeClr>
+            </a:lnRef>
+            <a:fillRef idx="1">
+              <a:schemeClr val="accent2"/>
+            </a:fillRef>
+            <a:effectRef idx="0">
+              <a:schemeClr val="accent2"/>
+            </a:effectRef>
+            <a:fontRef idx="minor">
+              <a:schemeClr val="lt1"/>
+            </a:fontRef>
+          </p:style>
+          <p:txBody>
+            <a:bodyPr rtlCol="0" anchor="ctr"/>
+            <a:lstStyle/>
+            <a:p>
+              <a:pPr algn="ctr"/>
+              <a:r>
+                <a:rPr lang="en-US" altLang="zh-CN" dirty="0">
+                  <a:solidFill>
+                    <a:schemeClr val="tx1"/>
+                  </a:solidFill>
+                </a:rPr>
+                <a:t>head</a:t>
+              </a:r>
+              <a:endParaRPr lang="zh-CN" altLang="en-US" dirty="0">
+                <a:solidFill>
+                  <a:schemeClr val="tx1"/>
+                </a:solidFill>
+              </a:endParaRPr>
+            </a:p>
+          </p:txBody>
+        </p:sp>
+        <p:sp>
+          <p:nvSpPr>
+            <p:cNvPr id="154" name="矩形: 圆角 153">
+              <a:extLst>
+                <a:ext uri="{FF2B5EF4-FFF2-40B4-BE49-F238E27FC236}">
+                  <a16:creationId xmlns:a16="http://schemas.microsoft.com/office/drawing/2014/main" id="{E3437563-6A63-4FAD-B4BE-9446CC454533}"/>
+                </a:ext>
+              </a:extLst>
+            </p:cNvPr>
+            <p:cNvSpPr/>
+            <p:nvPr/>
+          </p:nvSpPr>
+          <p:spPr>
+            <a:xfrm>
+              <a:off x="4688313" y="18514551"/>
+              <a:ext cx="1007529" cy="522514"/>
+            </a:xfrm>
+            <a:prstGeom prst="roundRect">
+              <a:avLst/>
+            </a:prstGeom>
+            <a:solidFill>
+              <a:srgbClr val="99CCFF"/>
+            </a:solidFill>
+            <a:ln>
+              <a:solidFill>
+                <a:srgbClr val="0D86FF"/>
+              </a:solidFill>
+            </a:ln>
+            <a:effectLst>
+              <a:outerShdw blurRad="50800" dist="38100" dir="2700000" algn="tl" rotWithShape="0">
+                <a:prstClr val="black">
+                  <a:alpha val="40000"/>
+                </a:prstClr>
+              </a:outerShdw>
+            </a:effectLst>
+          </p:spPr>
+          <p:style>
+            <a:lnRef idx="2">
+              <a:schemeClr val="accent1">
+                <a:shade val="50000"/>
+              </a:schemeClr>
+            </a:lnRef>
+            <a:fillRef idx="1">
+              <a:schemeClr val="accent1"/>
+            </a:fillRef>
+            <a:effectRef idx="0">
+              <a:schemeClr val="accent1"/>
+            </a:effectRef>
+            <a:fontRef idx="minor">
+              <a:schemeClr val="lt1"/>
+            </a:fontRef>
+          </p:style>
+          <p:txBody>
+            <a:bodyPr rtlCol="0" anchor="ctr"/>
+            <a:lstStyle/>
+            <a:p>
+              <a:pPr algn="ctr"/>
+              <a:r>
+                <a:rPr lang="en-US" altLang="zh-CN" dirty="0">
+                  <a:solidFill>
+                    <a:schemeClr val="tx1"/>
+                  </a:solidFill>
+                </a:rPr>
+                <a:t>head</a:t>
+              </a:r>
+              <a:endParaRPr lang="zh-CN" altLang="en-US" dirty="0">
+                <a:solidFill>
+                  <a:schemeClr val="tx1"/>
+                </a:solidFill>
+              </a:endParaRPr>
+            </a:p>
+          </p:txBody>
+        </p:sp>
+        <p:sp>
+          <p:nvSpPr>
+            <p:cNvPr id="155" name="矩形: 圆角 154">
+              <a:extLst>
+                <a:ext uri="{FF2B5EF4-FFF2-40B4-BE49-F238E27FC236}">
+                  <a16:creationId xmlns:a16="http://schemas.microsoft.com/office/drawing/2014/main" id="{A596C92F-2A55-4AAA-BA60-26625B2451AD}"/>
+                </a:ext>
+              </a:extLst>
+            </p:cNvPr>
+            <p:cNvSpPr/>
+            <p:nvPr/>
+          </p:nvSpPr>
+          <p:spPr>
+            <a:xfrm>
+              <a:off x="6487430" y="18514551"/>
+              <a:ext cx="1007529" cy="522514"/>
+            </a:xfrm>
+            <a:prstGeom prst="roundRect">
+              <a:avLst/>
+            </a:prstGeom>
+            <a:solidFill>
+              <a:srgbClr val="99CCFF"/>
+            </a:solidFill>
+            <a:ln>
+              <a:solidFill>
+                <a:srgbClr val="0D86FF"/>
+              </a:solidFill>
+            </a:ln>
+            <a:effectLst>
+              <a:outerShdw blurRad="50800" dist="38100" dir="2700000" algn="tl" rotWithShape="0">
+                <a:prstClr val="black">
+                  <a:alpha val="40000"/>
+                </a:prstClr>
+              </a:outerShdw>
+            </a:effectLst>
+          </p:spPr>
+          <p:style>
+            <a:lnRef idx="2">
+              <a:schemeClr val="accent1">
+                <a:shade val="50000"/>
+              </a:schemeClr>
+            </a:lnRef>
+            <a:fillRef idx="1">
+              <a:schemeClr val="accent1"/>
+            </a:fillRef>
+            <a:effectRef idx="0">
+              <a:schemeClr val="accent1"/>
+            </a:effectRef>
+            <a:fontRef idx="minor">
+              <a:schemeClr val="lt1"/>
+            </a:fontRef>
+          </p:style>
+          <p:txBody>
+            <a:bodyPr rtlCol="0" anchor="ctr"/>
+            <a:lstStyle/>
+            <a:p>
+              <a:pPr algn="ctr"/>
+              <a:r>
+                <a:rPr lang="en-US" altLang="zh-CN" dirty="0">
+                  <a:solidFill>
+                    <a:schemeClr val="tx1"/>
+                  </a:solidFill>
+                </a:rPr>
+                <a:t>h1</a:t>
+              </a:r>
+              <a:endParaRPr lang="zh-CN" altLang="en-US" dirty="0">
+                <a:solidFill>
+                  <a:schemeClr val="tx1"/>
+                </a:solidFill>
+              </a:endParaRPr>
+            </a:p>
+          </p:txBody>
+        </p:sp>
+        <p:sp>
+          <p:nvSpPr>
+            <p:cNvPr id="156" name="矩形: 圆角 155">
+              <a:extLst>
+                <a:ext uri="{FF2B5EF4-FFF2-40B4-BE49-F238E27FC236}">
+                  <a16:creationId xmlns:a16="http://schemas.microsoft.com/office/drawing/2014/main" id="{ECB30DE8-1C6B-4288-BB36-BD5123D070B1}"/>
+                </a:ext>
+              </a:extLst>
+            </p:cNvPr>
+            <p:cNvSpPr/>
+            <p:nvPr/>
+          </p:nvSpPr>
+          <p:spPr>
+            <a:xfrm>
+              <a:off x="8275673" y="18514551"/>
+              <a:ext cx="1007529" cy="522514"/>
+            </a:xfrm>
+            <a:prstGeom prst="roundRect">
+              <a:avLst/>
+            </a:prstGeom>
+            <a:solidFill>
+              <a:srgbClr val="C5E0B4"/>
+            </a:solidFill>
+            <a:ln>
+              <a:solidFill>
+                <a:srgbClr val="93C573"/>
+              </a:solidFill>
+            </a:ln>
+            <a:effectLst>
+              <a:outerShdw blurRad="50800" dist="38100" dir="2700000" algn="tl" rotWithShape="0">
+                <a:prstClr val="black">
+                  <a:alpha val="40000"/>
+                </a:prstClr>
+              </a:outerShdw>
+            </a:effectLst>
+          </p:spPr>
+          <p:style>
+            <a:lnRef idx="2">
+              <a:schemeClr val="accent1">
+                <a:shade val="50000"/>
+              </a:schemeClr>
+            </a:lnRef>
+            <a:fillRef idx="1">
+              <a:schemeClr val="accent1"/>
+            </a:fillRef>
+            <a:effectRef idx="0">
+              <a:schemeClr val="accent1"/>
+            </a:effectRef>
+            <a:fontRef idx="minor">
+              <a:schemeClr val="lt1"/>
+            </a:fontRef>
+          </p:style>
+          <p:txBody>
+            <a:bodyPr rtlCol="0" anchor="ctr"/>
+            <a:lstStyle/>
+            <a:p>
+              <a:pPr algn="ctr"/>
+              <a:r>
+                <a:rPr lang="en-US" altLang="zh-CN" dirty="0">
+                  <a:solidFill>
+                    <a:schemeClr val="tx1"/>
+                  </a:solidFill>
+                </a:rPr>
+                <a:t>h2</a:t>
+              </a:r>
+              <a:endParaRPr lang="zh-CN" altLang="en-US" dirty="0">
+                <a:solidFill>
+                  <a:schemeClr val="tx1"/>
+                </a:solidFill>
+              </a:endParaRPr>
+            </a:p>
+          </p:txBody>
+        </p:sp>
+        <p:sp>
+          <p:nvSpPr>
+            <p:cNvPr id="157" name="矩形: 圆角 156">
+              <a:extLst>
+                <a:ext uri="{FF2B5EF4-FFF2-40B4-BE49-F238E27FC236}">
+                  <a16:creationId xmlns:a16="http://schemas.microsoft.com/office/drawing/2014/main" id="{39DF8980-E8C7-4A69-BC76-71A93F89FBE1}"/>
+                </a:ext>
+              </a:extLst>
+            </p:cNvPr>
+            <p:cNvSpPr/>
+            <p:nvPr/>
+          </p:nvSpPr>
+          <p:spPr>
+            <a:xfrm>
+              <a:off x="10053042" y="18514551"/>
+              <a:ext cx="1007529" cy="522514"/>
+            </a:xfrm>
+            <a:prstGeom prst="roundRect">
+              <a:avLst/>
+            </a:prstGeom>
+            <a:solidFill>
+              <a:srgbClr val="99CCFF"/>
+            </a:solidFill>
+            <a:ln>
+              <a:solidFill>
+                <a:srgbClr val="0D86FF"/>
+              </a:solidFill>
+            </a:ln>
+            <a:effectLst>
+              <a:outerShdw blurRad="50800" dist="38100" dir="2700000" algn="tl" rotWithShape="0">
+                <a:prstClr val="black">
+                  <a:alpha val="40000"/>
+                </a:prstClr>
+              </a:outerShdw>
+            </a:effectLst>
+          </p:spPr>
+          <p:style>
+            <a:lnRef idx="2">
+              <a:schemeClr val="accent1">
+                <a:shade val="50000"/>
+              </a:schemeClr>
+            </a:lnRef>
+            <a:fillRef idx="1">
+              <a:schemeClr val="accent1"/>
+            </a:fillRef>
+            <a:effectRef idx="0">
+              <a:schemeClr val="accent1"/>
+            </a:effectRef>
+            <a:fontRef idx="minor">
+              <a:schemeClr val="lt1"/>
+            </a:fontRef>
+          </p:style>
+          <p:txBody>
+            <a:bodyPr rtlCol="0" anchor="ctr"/>
+            <a:lstStyle/>
+            <a:p>
+              <a:pPr algn="ctr"/>
+              <a:r>
+                <a:rPr lang="en-US" altLang="zh-CN" dirty="0">
+                  <a:solidFill>
+                    <a:schemeClr val="tx1"/>
+                  </a:solidFill>
+                </a:rPr>
+                <a:t>tail</a:t>
+              </a:r>
+              <a:endParaRPr lang="zh-CN" altLang="en-US" dirty="0">
+                <a:solidFill>
+                  <a:schemeClr val="tx1"/>
+                </a:solidFill>
+              </a:endParaRPr>
+            </a:p>
+          </p:txBody>
+        </p:sp>
+        <p:sp>
+          <p:nvSpPr>
+            <p:cNvPr id="158" name="矩形: 圆角 157">
+              <a:extLst>
+                <a:ext uri="{FF2B5EF4-FFF2-40B4-BE49-F238E27FC236}">
+                  <a16:creationId xmlns:a16="http://schemas.microsoft.com/office/drawing/2014/main" id="{BFDB5FB1-512D-4990-AE99-2607E170898D}"/>
+                </a:ext>
+              </a:extLst>
+            </p:cNvPr>
+            <p:cNvSpPr/>
+            <p:nvPr/>
+          </p:nvSpPr>
+          <p:spPr>
+            <a:xfrm>
+              <a:off x="6489286" y="17503095"/>
+              <a:ext cx="1005673" cy="522514"/>
+            </a:xfrm>
+            <a:prstGeom prst="roundRect">
+              <a:avLst/>
+            </a:prstGeom>
+            <a:solidFill>
+              <a:srgbClr val="FF8989"/>
+            </a:solidFill>
+            <a:effectLst>
+              <a:outerShdw blurRad="50800" dist="38100" dir="2700000" algn="tl" rotWithShape="0">
+                <a:prstClr val="black">
+                  <a:alpha val="40000"/>
+                </a:prstClr>
+              </a:outerShdw>
+            </a:effectLst>
+          </p:spPr>
+          <p:style>
+            <a:lnRef idx="2">
+              <a:schemeClr val="accent2">
+                <a:shade val="50000"/>
+              </a:schemeClr>
+            </a:lnRef>
+            <a:fillRef idx="1">
+              <a:schemeClr val="accent2"/>
+            </a:fillRef>
+            <a:effectRef idx="0">
+              <a:schemeClr val="accent2"/>
+            </a:effectRef>
+            <a:fontRef idx="minor">
+              <a:schemeClr val="lt1"/>
+            </a:fontRef>
+          </p:style>
+          <p:txBody>
+            <a:bodyPr rtlCol="0" anchor="ctr"/>
+            <a:lstStyle/>
+            <a:p>
+              <a:pPr algn="ctr"/>
+              <a:r>
+                <a:rPr lang="en-US" altLang="zh-CN" dirty="0">
+                  <a:solidFill>
+                    <a:schemeClr val="tx1"/>
+                  </a:solidFill>
+                </a:rPr>
+                <a:t>h1</a:t>
+              </a:r>
+              <a:endParaRPr lang="zh-CN" altLang="en-US" dirty="0">
+                <a:solidFill>
+                  <a:schemeClr val="tx1"/>
+                </a:solidFill>
+              </a:endParaRPr>
+            </a:p>
+          </p:txBody>
+        </p:sp>
+        <p:sp>
+          <p:nvSpPr>
+            <p:cNvPr id="159" name="矩形: 圆角 158">
+              <a:extLst>
+                <a:ext uri="{FF2B5EF4-FFF2-40B4-BE49-F238E27FC236}">
+                  <a16:creationId xmlns:a16="http://schemas.microsoft.com/office/drawing/2014/main" id="{F117A9C0-AD14-4DDC-AB57-1143B342B42F}"/>
+                </a:ext>
+              </a:extLst>
+            </p:cNvPr>
+            <p:cNvSpPr/>
+            <p:nvPr/>
+          </p:nvSpPr>
+          <p:spPr>
+            <a:xfrm>
+              <a:off x="8275673" y="17503095"/>
+              <a:ext cx="1005673" cy="522514"/>
+            </a:xfrm>
+            <a:prstGeom prst="roundRect">
+              <a:avLst/>
+            </a:prstGeom>
+            <a:solidFill>
+              <a:srgbClr val="FFE699"/>
+            </a:solidFill>
+            <a:ln>
+              <a:solidFill>
+                <a:srgbClr val="FFCF37"/>
+              </a:solidFill>
+            </a:ln>
+            <a:effectLst>
+              <a:outerShdw blurRad="50800" dist="38100" dir="2700000" algn="tl" rotWithShape="0">
+                <a:prstClr val="black">
+                  <a:alpha val="40000"/>
+                </a:prstClr>
+              </a:outerShdw>
+            </a:effectLst>
+          </p:spPr>
+          <p:style>
+            <a:lnRef idx="2">
+              <a:schemeClr val="accent2">
+                <a:shade val="50000"/>
+              </a:schemeClr>
+            </a:lnRef>
+            <a:fillRef idx="1">
+              <a:schemeClr val="accent2"/>
+            </a:fillRef>
+            <a:effectRef idx="0">
+              <a:schemeClr val="accent2"/>
+            </a:effectRef>
+            <a:fontRef idx="minor">
+              <a:schemeClr val="lt1"/>
+            </a:fontRef>
+          </p:style>
+          <p:txBody>
+            <a:bodyPr rtlCol="0" anchor="ctr"/>
+            <a:lstStyle/>
+            <a:p>
+              <a:pPr algn="ctr"/>
+              <a:r>
+                <a:rPr lang="en-US" altLang="zh-CN" dirty="0">
+                  <a:solidFill>
+                    <a:schemeClr val="tx1"/>
+                  </a:solidFill>
+                </a:rPr>
+                <a:t>h2</a:t>
+              </a:r>
+              <a:endParaRPr lang="zh-CN" altLang="en-US" dirty="0">
+                <a:solidFill>
+                  <a:schemeClr val="tx1"/>
+                </a:solidFill>
+              </a:endParaRPr>
+            </a:p>
+          </p:txBody>
+        </p:sp>
+        <p:sp>
+          <p:nvSpPr>
+            <p:cNvPr id="160" name="矩形: 圆角 159">
+              <a:extLst>
+                <a:ext uri="{FF2B5EF4-FFF2-40B4-BE49-F238E27FC236}">
+                  <a16:creationId xmlns:a16="http://schemas.microsoft.com/office/drawing/2014/main" id="{D4A4CF1D-B56D-4FDA-AD84-87ECB61032F7}"/>
+                </a:ext>
+              </a:extLst>
+            </p:cNvPr>
+            <p:cNvSpPr/>
+            <p:nvPr/>
+          </p:nvSpPr>
+          <p:spPr>
+            <a:xfrm>
+              <a:off x="10053042" y="17503095"/>
+              <a:ext cx="1005673" cy="522514"/>
+            </a:xfrm>
+            <a:prstGeom prst="roundRect">
+              <a:avLst/>
+            </a:prstGeom>
+            <a:solidFill>
+              <a:srgbClr val="FF8989"/>
+            </a:solidFill>
+            <a:effectLst>
+              <a:outerShdw blurRad="50800" dist="38100" dir="2700000" algn="tl" rotWithShape="0">
+                <a:prstClr val="black">
+                  <a:alpha val="40000"/>
+                </a:prstClr>
+              </a:outerShdw>
+            </a:effectLst>
+          </p:spPr>
+          <p:style>
+            <a:lnRef idx="2">
+              <a:schemeClr val="accent2">
+                <a:shade val="50000"/>
+              </a:schemeClr>
+            </a:lnRef>
+            <a:fillRef idx="1">
+              <a:schemeClr val="accent2"/>
+            </a:fillRef>
+            <a:effectRef idx="0">
+              <a:schemeClr val="accent2"/>
+            </a:effectRef>
+            <a:fontRef idx="minor">
+              <a:schemeClr val="lt1"/>
+            </a:fontRef>
+          </p:style>
+          <p:txBody>
+            <a:bodyPr rtlCol="0" anchor="ctr"/>
+            <a:lstStyle/>
+            <a:p>
+              <a:pPr algn="ctr"/>
+              <a:r>
+                <a:rPr lang="en-US" altLang="zh-CN" dirty="0">
+                  <a:solidFill>
+                    <a:schemeClr val="tx1"/>
+                  </a:solidFill>
+                </a:rPr>
+                <a:t>tail</a:t>
+              </a:r>
+              <a:endParaRPr lang="zh-CN" altLang="en-US" dirty="0">
+                <a:solidFill>
+                  <a:schemeClr val="tx1"/>
+                </a:solidFill>
+              </a:endParaRPr>
+            </a:p>
+          </p:txBody>
+        </p:sp>
+        <p:sp>
+          <p:nvSpPr>
+            <p:cNvPr id="161" name="矩形: 圆角 160">
+              <a:extLst>
+                <a:ext uri="{FF2B5EF4-FFF2-40B4-BE49-F238E27FC236}">
+                  <a16:creationId xmlns:a16="http://schemas.microsoft.com/office/drawing/2014/main" id="{2F243B3A-EE6E-4622-9189-5370FC6D9275}"/>
+                </a:ext>
+              </a:extLst>
+            </p:cNvPr>
+            <p:cNvSpPr/>
+            <p:nvPr/>
+          </p:nvSpPr>
+          <p:spPr>
+            <a:xfrm>
+              <a:off x="5958194" y="19761169"/>
+              <a:ext cx="4194652" cy="1550780"/>
+            </a:xfrm>
+            <a:prstGeom prst="roundRect">
+              <a:avLst/>
+            </a:prstGeom>
+            <a:noFill/>
+          </p:spPr>
+          <p:style>
+            <a:lnRef idx="1">
+              <a:schemeClr val="accent2"/>
+            </a:lnRef>
+            <a:fillRef idx="2">
+              <a:schemeClr val="accent2"/>
+            </a:fillRef>
+            <a:effectRef idx="1">
+              <a:schemeClr val="accent2"/>
+            </a:effectRef>
+            <a:fontRef idx="minor">
+              <a:schemeClr val="dk1"/>
+            </a:fontRef>
+          </p:style>
+          <p:txBody>
+            <a:bodyPr rtlCol="0" anchor="ctr"/>
+            <a:lstStyle/>
+            <a:p>
+              <a:pPr algn="ctr"/>
+              <a:endParaRPr lang="zh-CN" altLang="en-US"/>
+            </a:p>
+          </p:txBody>
+        </p:sp>
+        <p:sp>
+          <p:nvSpPr>
+            <p:cNvPr id="162" name="文本框 161">
+              <a:extLst>
+                <a:ext uri="{FF2B5EF4-FFF2-40B4-BE49-F238E27FC236}">
+                  <a16:creationId xmlns:a16="http://schemas.microsoft.com/office/drawing/2014/main" id="{D08296C1-22BD-4D11-AFBE-14E7908F0390}"/>
+                </a:ext>
+              </a:extLst>
+            </p:cNvPr>
+            <p:cNvSpPr txBox="1"/>
+            <p:nvPr/>
+          </p:nvSpPr>
+          <p:spPr>
+            <a:xfrm>
+              <a:off x="6814219" y="19862769"/>
+              <a:ext cx="2482603" cy="369332"/>
+            </a:xfrm>
+            <a:prstGeom prst="rect">
+              <a:avLst/>
+            </a:prstGeom>
+            <a:noFill/>
+          </p:spPr>
+          <p:txBody>
+            <a:bodyPr wrap="none" rtlCol="0">
+              <a:spAutoFit/>
+            </a:bodyPr>
+            <a:lstStyle/>
+            <a:p>
+              <a:r>
+                <a:rPr lang="en-US" altLang="zh-CN" b="1" dirty="0"/>
+                <a:t>DefaultEventLoopGroup</a:t>
+              </a:r>
+              <a:endParaRPr lang="zh-CN" altLang="en-US" b="1" dirty="0"/>
+            </a:p>
+          </p:txBody>
+        </p:sp>
+        <p:sp>
+          <p:nvSpPr>
+            <p:cNvPr id="163" name="矩形: 圆角 162">
+              <a:extLst>
+                <a:ext uri="{FF2B5EF4-FFF2-40B4-BE49-F238E27FC236}">
+                  <a16:creationId xmlns:a16="http://schemas.microsoft.com/office/drawing/2014/main" id="{FBFA8F75-9006-4BFE-AA8F-1B8E0B8D4525}"/>
+                </a:ext>
+              </a:extLst>
+            </p:cNvPr>
+            <p:cNvSpPr/>
+            <p:nvPr/>
+          </p:nvSpPr>
+          <p:spPr>
+            <a:xfrm>
+              <a:off x="6191922" y="20499132"/>
+              <a:ext cx="1609488" cy="522514"/>
+            </a:xfrm>
+            <a:prstGeom prst="roundRect">
+              <a:avLst/>
+            </a:prstGeom>
+            <a:solidFill>
+              <a:schemeClr val="accent6">
+                <a:lumMod val="40000"/>
+                <a:lumOff val="60000"/>
+              </a:schemeClr>
+            </a:solidFill>
+            <a:ln>
+              <a:solidFill>
+                <a:srgbClr val="83BD5F"/>
+              </a:solidFill>
+            </a:ln>
+            <a:effectLst>
+              <a:outerShdw blurRad="50800" dist="38100" dir="2700000" algn="tl" rotWithShape="0">
+                <a:prstClr val="black">
+                  <a:alpha val="40000"/>
+                </a:prstClr>
+              </a:outerShdw>
+            </a:effectLst>
+          </p:spPr>
+          <p:style>
+            <a:lnRef idx="2">
+              <a:schemeClr val="accent1">
+                <a:shade val="50000"/>
+              </a:schemeClr>
+            </a:lnRef>
+            <a:fillRef idx="1">
+              <a:schemeClr val="accent1"/>
+            </a:fillRef>
+            <a:effectRef idx="0">
+              <a:schemeClr val="accent1"/>
+            </a:effectRef>
+            <a:fontRef idx="minor">
+              <a:schemeClr val="lt1"/>
+            </a:fontRef>
+          </p:style>
+          <p:txBody>
+            <a:bodyPr rtlCol="0" anchor="ctr"/>
+            <a:lstStyle/>
+            <a:p>
+              <a:pPr algn="ctr"/>
+              <a:r>
+                <a:rPr lang="en-US" altLang="zh-CN" dirty="0">
+                  <a:solidFill>
+                    <a:schemeClr val="tx1"/>
+                  </a:solidFill>
+                </a:rPr>
+                <a:t>EventLoop1</a:t>
+              </a:r>
+              <a:endParaRPr lang="zh-CN" altLang="en-US" dirty="0">
+                <a:solidFill>
+                  <a:schemeClr val="tx1"/>
+                </a:solidFill>
+              </a:endParaRPr>
+            </a:p>
+          </p:txBody>
+        </p:sp>
+        <p:sp>
+          <p:nvSpPr>
+            <p:cNvPr id="164" name="矩形: 圆角 163">
+              <a:extLst>
+                <a:ext uri="{FF2B5EF4-FFF2-40B4-BE49-F238E27FC236}">
+                  <a16:creationId xmlns:a16="http://schemas.microsoft.com/office/drawing/2014/main" id="{7591011C-A767-4655-B8DF-B1875342019D}"/>
+                </a:ext>
+              </a:extLst>
+            </p:cNvPr>
+            <p:cNvSpPr/>
+            <p:nvPr/>
+          </p:nvSpPr>
+          <p:spPr>
+            <a:xfrm>
+              <a:off x="8225902" y="20499132"/>
+              <a:ext cx="1554364" cy="522514"/>
+            </a:xfrm>
+            <a:prstGeom prst="roundRect">
+              <a:avLst/>
+            </a:prstGeom>
+            <a:solidFill>
+              <a:schemeClr val="accent4">
+                <a:lumMod val="40000"/>
+                <a:lumOff val="60000"/>
+              </a:schemeClr>
+            </a:solidFill>
+            <a:ln>
+              <a:solidFill>
+                <a:srgbClr val="FFCF37"/>
+              </a:solidFill>
+            </a:ln>
+            <a:effectLst>
+              <a:outerShdw blurRad="50800" dist="38100" dir="2700000" algn="tl" rotWithShape="0">
+                <a:prstClr val="black">
+                  <a:alpha val="40000"/>
+                </a:prstClr>
+              </a:outerShdw>
+            </a:effectLst>
+          </p:spPr>
+          <p:style>
+            <a:lnRef idx="2">
+              <a:schemeClr val="accent2">
+                <a:shade val="50000"/>
+              </a:schemeClr>
+            </a:lnRef>
+            <a:fillRef idx="1">
+              <a:schemeClr val="accent2"/>
+            </a:fillRef>
+            <a:effectRef idx="0">
+              <a:schemeClr val="accent2"/>
+            </a:effectRef>
+            <a:fontRef idx="minor">
+              <a:schemeClr val="lt1"/>
+            </a:fontRef>
+          </p:style>
+          <p:txBody>
+            <a:bodyPr rtlCol="0" anchor="ctr"/>
+            <a:lstStyle/>
+            <a:p>
+              <a:pPr algn="ctr"/>
+              <a:r>
+                <a:rPr lang="en-US" altLang="zh-CN" dirty="0">
+                  <a:solidFill>
+                    <a:schemeClr val="tx1"/>
+                  </a:solidFill>
+                </a:rPr>
+                <a:t>EventLoop2</a:t>
+              </a:r>
+              <a:endParaRPr lang="zh-CN" altLang="en-US" dirty="0">
+                <a:solidFill>
+                  <a:schemeClr val="tx1"/>
+                </a:solidFill>
+              </a:endParaRPr>
+            </a:p>
+          </p:txBody>
+        </p:sp>
+        <p:cxnSp>
+          <p:nvCxnSpPr>
+            <p:cNvPr id="30" name="直接箭头连接符 29">
+              <a:extLst>
+                <a:ext uri="{FF2B5EF4-FFF2-40B4-BE49-F238E27FC236}">
+                  <a16:creationId xmlns:a16="http://schemas.microsoft.com/office/drawing/2014/main" id="{8DCEE909-B9F1-4DE2-A11C-D9FB630004B2}"/>
+                </a:ext>
+              </a:extLst>
+            </p:cNvPr>
+            <p:cNvCxnSpPr/>
+            <p:nvPr/>
+          </p:nvCxnSpPr>
+          <p:spPr>
+            <a:xfrm>
+              <a:off x="5742949" y="16681229"/>
+              <a:ext cx="710051" cy="0"/>
+            </a:xfrm>
+            <a:prstGeom prst="straightConnector1">
+              <a:avLst/>
+            </a:prstGeom>
+            <a:ln w="19050">
+              <a:tailEnd type="triangle"/>
+            </a:ln>
+          </p:spPr>
+          <p:style>
+            <a:lnRef idx="1">
+              <a:schemeClr val="accent1"/>
+            </a:lnRef>
+            <a:fillRef idx="0">
+              <a:schemeClr val="accent1"/>
+            </a:fillRef>
+            <a:effectRef idx="0">
+              <a:schemeClr val="accent1"/>
+            </a:effectRef>
+            <a:fontRef idx="minor">
+              <a:schemeClr val="tx1"/>
+            </a:fontRef>
+          </p:style>
+        </p:cxnSp>
+        <p:cxnSp>
+          <p:nvCxnSpPr>
+            <p:cNvPr id="166" name="直接箭头连接符 165">
+              <a:extLst>
+                <a:ext uri="{FF2B5EF4-FFF2-40B4-BE49-F238E27FC236}">
+                  <a16:creationId xmlns:a16="http://schemas.microsoft.com/office/drawing/2014/main" id="{C14039E8-ED43-447D-A0F7-3A3A71794CF3}"/>
+                </a:ext>
+              </a:extLst>
+            </p:cNvPr>
+            <p:cNvCxnSpPr/>
+            <p:nvPr/>
+          </p:nvCxnSpPr>
+          <p:spPr>
+            <a:xfrm>
+              <a:off x="7570721" y="16681229"/>
+              <a:ext cx="710051" cy="0"/>
+            </a:xfrm>
+            <a:prstGeom prst="straightConnector1">
+              <a:avLst/>
+            </a:prstGeom>
+            <a:ln w="19050">
+              <a:tailEnd type="triangle"/>
+            </a:ln>
+          </p:spPr>
+          <p:style>
+            <a:lnRef idx="1">
+              <a:schemeClr val="accent1"/>
+            </a:lnRef>
+            <a:fillRef idx="0">
+              <a:schemeClr val="accent1"/>
+            </a:fillRef>
+            <a:effectRef idx="0">
+              <a:schemeClr val="accent1"/>
+            </a:effectRef>
+            <a:fontRef idx="minor">
+              <a:schemeClr val="tx1"/>
+            </a:fontRef>
+          </p:style>
+        </p:cxnSp>
+        <p:cxnSp>
+          <p:nvCxnSpPr>
+            <p:cNvPr id="167" name="直接箭头连接符 166">
+              <a:extLst>
+                <a:ext uri="{FF2B5EF4-FFF2-40B4-BE49-F238E27FC236}">
+                  <a16:creationId xmlns:a16="http://schemas.microsoft.com/office/drawing/2014/main" id="{D9D6DF14-09F5-4C88-8D54-0B2B34295774}"/>
+                </a:ext>
+              </a:extLst>
+            </p:cNvPr>
+            <p:cNvCxnSpPr/>
+            <p:nvPr/>
+          </p:nvCxnSpPr>
+          <p:spPr>
+            <a:xfrm>
+              <a:off x="9342991" y="16681229"/>
+              <a:ext cx="710051" cy="0"/>
+            </a:xfrm>
+            <a:prstGeom prst="straightConnector1">
+              <a:avLst/>
+            </a:prstGeom>
+            <a:ln w="19050">
+              <a:tailEnd type="triangle"/>
+            </a:ln>
+          </p:spPr>
+          <p:style>
+            <a:lnRef idx="1">
+              <a:schemeClr val="accent1"/>
+            </a:lnRef>
+            <a:fillRef idx="0">
+              <a:schemeClr val="accent1"/>
+            </a:fillRef>
+            <a:effectRef idx="0">
+              <a:schemeClr val="accent1"/>
+            </a:effectRef>
+            <a:fontRef idx="minor">
+              <a:schemeClr val="tx1"/>
+            </a:fontRef>
+          </p:style>
+        </p:cxnSp>
+        <p:cxnSp>
+          <p:nvCxnSpPr>
+            <p:cNvPr id="168" name="直接箭头连接符 167">
+              <a:extLst>
+                <a:ext uri="{FF2B5EF4-FFF2-40B4-BE49-F238E27FC236}">
+                  <a16:creationId xmlns:a16="http://schemas.microsoft.com/office/drawing/2014/main" id="{68E71DF1-ACDA-42FE-8DD3-BFE9522C2B77}"/>
+                </a:ext>
+              </a:extLst>
+            </p:cNvPr>
+            <p:cNvCxnSpPr/>
+            <p:nvPr/>
+          </p:nvCxnSpPr>
+          <p:spPr>
+            <a:xfrm>
+              <a:off x="9360474" y="16897129"/>
+              <a:ext cx="710051" cy="0"/>
+            </a:xfrm>
+            <a:prstGeom prst="straightConnector1">
+              <a:avLst/>
+            </a:prstGeom>
+            <a:ln w="19050">
+              <a:headEnd type="triangle"/>
+              <a:tailEnd type="none"/>
+            </a:ln>
+          </p:spPr>
+          <p:style>
+            <a:lnRef idx="1">
+              <a:schemeClr val="accent1"/>
+            </a:lnRef>
+            <a:fillRef idx="0">
+              <a:schemeClr val="accent1"/>
+            </a:fillRef>
+            <a:effectRef idx="0">
+              <a:schemeClr val="accent1"/>
+            </a:effectRef>
+            <a:fontRef idx="minor">
+              <a:schemeClr val="tx1"/>
+            </a:fontRef>
+          </p:style>
+        </p:cxnSp>
+        <p:cxnSp>
+          <p:nvCxnSpPr>
+            <p:cNvPr id="169" name="直接箭头连接符 168">
+              <a:extLst>
+                <a:ext uri="{FF2B5EF4-FFF2-40B4-BE49-F238E27FC236}">
+                  <a16:creationId xmlns:a16="http://schemas.microsoft.com/office/drawing/2014/main" id="{517062F0-A58B-4FA3-9FAC-B357A44BB803}"/>
+                </a:ext>
+              </a:extLst>
+            </p:cNvPr>
+            <p:cNvCxnSpPr/>
+            <p:nvPr/>
+          </p:nvCxnSpPr>
+          <p:spPr>
+            <a:xfrm>
+              <a:off x="7555290" y="16909829"/>
+              <a:ext cx="710051" cy="0"/>
+            </a:xfrm>
+            <a:prstGeom prst="straightConnector1">
+              <a:avLst/>
+            </a:prstGeom>
+            <a:ln w="19050">
+              <a:headEnd type="triangle"/>
+              <a:tailEnd type="none"/>
+            </a:ln>
+          </p:spPr>
+          <p:style>
+            <a:lnRef idx="1">
+              <a:schemeClr val="accent1"/>
+            </a:lnRef>
+            <a:fillRef idx="0">
+              <a:schemeClr val="accent1"/>
+            </a:fillRef>
+            <a:effectRef idx="0">
+              <a:schemeClr val="accent1"/>
+            </a:effectRef>
+            <a:fontRef idx="minor">
+              <a:schemeClr val="tx1"/>
+            </a:fontRef>
+          </p:style>
+        </p:cxnSp>
+        <p:cxnSp>
+          <p:nvCxnSpPr>
+            <p:cNvPr id="170" name="直接箭头连接符 169">
+              <a:extLst>
+                <a:ext uri="{FF2B5EF4-FFF2-40B4-BE49-F238E27FC236}">
+                  <a16:creationId xmlns:a16="http://schemas.microsoft.com/office/drawing/2014/main" id="{A70A27BB-A563-465B-906A-888B0E93EFEA}"/>
+                </a:ext>
+              </a:extLst>
+            </p:cNvPr>
+            <p:cNvCxnSpPr/>
+            <p:nvPr/>
+          </p:nvCxnSpPr>
+          <p:spPr>
+            <a:xfrm>
+              <a:off x="5754963" y="16890558"/>
+              <a:ext cx="710051" cy="0"/>
+            </a:xfrm>
+            <a:prstGeom prst="straightConnector1">
+              <a:avLst/>
+            </a:prstGeom>
+            <a:ln w="19050">
+              <a:headEnd type="triangle"/>
+              <a:tailEnd type="none"/>
+            </a:ln>
+          </p:spPr>
+          <p:style>
+            <a:lnRef idx="1">
+              <a:schemeClr val="accent1"/>
+            </a:lnRef>
+            <a:fillRef idx="0">
+              <a:schemeClr val="accent1"/>
+            </a:fillRef>
+            <a:effectRef idx="0">
+              <a:schemeClr val="accent1"/>
+            </a:effectRef>
+            <a:fontRef idx="minor">
+              <a:schemeClr val="tx1"/>
+            </a:fontRef>
+          </p:style>
+        </p:cxnSp>
+        <p:cxnSp>
+          <p:nvCxnSpPr>
+            <p:cNvPr id="171" name="直接箭头连接符 170">
+              <a:extLst>
+                <a:ext uri="{FF2B5EF4-FFF2-40B4-BE49-F238E27FC236}">
+                  <a16:creationId xmlns:a16="http://schemas.microsoft.com/office/drawing/2014/main" id="{1E816CEB-7401-4BC4-8BCA-01B50E6D1DC7}"/>
+                </a:ext>
+              </a:extLst>
+            </p:cNvPr>
+            <p:cNvCxnSpPr/>
+            <p:nvPr/>
+          </p:nvCxnSpPr>
+          <p:spPr>
+            <a:xfrm>
+              <a:off x="5725466" y="17663098"/>
+              <a:ext cx="710051" cy="0"/>
+            </a:xfrm>
+            <a:prstGeom prst="straightConnector1">
+              <a:avLst/>
+            </a:prstGeom>
+            <a:ln w="19050">
+              <a:tailEnd type="triangle"/>
+            </a:ln>
+          </p:spPr>
+          <p:style>
+            <a:lnRef idx="1">
+              <a:schemeClr val="accent1"/>
+            </a:lnRef>
+            <a:fillRef idx="0">
+              <a:schemeClr val="accent1"/>
+            </a:fillRef>
+            <a:effectRef idx="0">
+              <a:schemeClr val="accent1"/>
+            </a:effectRef>
+            <a:fontRef idx="minor">
+              <a:schemeClr val="tx1"/>
+            </a:fontRef>
+          </p:style>
+        </p:cxnSp>
+        <p:cxnSp>
+          <p:nvCxnSpPr>
+            <p:cNvPr id="172" name="直接箭头连接符 171">
+              <a:extLst>
+                <a:ext uri="{FF2B5EF4-FFF2-40B4-BE49-F238E27FC236}">
+                  <a16:creationId xmlns:a16="http://schemas.microsoft.com/office/drawing/2014/main" id="{432EAF00-24EB-49B5-815E-F1A64B004DBA}"/>
+                </a:ext>
+              </a:extLst>
+            </p:cNvPr>
+            <p:cNvCxnSpPr/>
+            <p:nvPr/>
+          </p:nvCxnSpPr>
+          <p:spPr>
+            <a:xfrm>
+              <a:off x="7553238" y="17663098"/>
+              <a:ext cx="710051" cy="0"/>
+            </a:xfrm>
+            <a:prstGeom prst="straightConnector1">
+              <a:avLst/>
+            </a:prstGeom>
+            <a:ln w="19050">
+              <a:tailEnd type="triangle"/>
+            </a:ln>
+          </p:spPr>
+          <p:style>
+            <a:lnRef idx="1">
+              <a:schemeClr val="accent1"/>
+            </a:lnRef>
+            <a:fillRef idx="0">
+              <a:schemeClr val="accent1"/>
+            </a:fillRef>
+            <a:effectRef idx="0">
+              <a:schemeClr val="accent1"/>
+            </a:effectRef>
+            <a:fontRef idx="minor">
+              <a:schemeClr val="tx1"/>
+            </a:fontRef>
+          </p:style>
+        </p:cxnSp>
+        <p:cxnSp>
+          <p:nvCxnSpPr>
+            <p:cNvPr id="173" name="直接箭头连接符 172">
+              <a:extLst>
+                <a:ext uri="{FF2B5EF4-FFF2-40B4-BE49-F238E27FC236}">
+                  <a16:creationId xmlns:a16="http://schemas.microsoft.com/office/drawing/2014/main" id="{2C4B3317-7C73-4B73-8457-65A126BEED99}"/>
+                </a:ext>
+              </a:extLst>
+            </p:cNvPr>
+            <p:cNvCxnSpPr/>
+            <p:nvPr/>
+          </p:nvCxnSpPr>
+          <p:spPr>
+            <a:xfrm>
+              <a:off x="9325508" y="17663098"/>
+              <a:ext cx="710051" cy="0"/>
+            </a:xfrm>
+            <a:prstGeom prst="straightConnector1">
+              <a:avLst/>
+            </a:prstGeom>
+            <a:ln w="19050">
+              <a:tailEnd type="triangle"/>
+            </a:ln>
+          </p:spPr>
+          <p:style>
+            <a:lnRef idx="1">
+              <a:schemeClr val="accent1"/>
+            </a:lnRef>
+            <a:fillRef idx="0">
+              <a:schemeClr val="accent1"/>
+            </a:fillRef>
+            <a:effectRef idx="0">
+              <a:schemeClr val="accent1"/>
+            </a:effectRef>
+            <a:fontRef idx="minor">
+              <a:schemeClr val="tx1"/>
+            </a:fontRef>
+          </p:style>
+        </p:cxnSp>
+        <p:cxnSp>
+          <p:nvCxnSpPr>
+            <p:cNvPr id="174" name="直接箭头连接符 173">
+              <a:extLst>
+                <a:ext uri="{FF2B5EF4-FFF2-40B4-BE49-F238E27FC236}">
+                  <a16:creationId xmlns:a16="http://schemas.microsoft.com/office/drawing/2014/main" id="{4097EBAF-1186-49D5-A7BB-1A182D20EEDD}"/>
+                </a:ext>
+              </a:extLst>
+            </p:cNvPr>
+            <p:cNvCxnSpPr/>
+            <p:nvPr/>
+          </p:nvCxnSpPr>
+          <p:spPr>
+            <a:xfrm>
+              <a:off x="9342991" y="17878998"/>
+              <a:ext cx="710051" cy="0"/>
+            </a:xfrm>
+            <a:prstGeom prst="straightConnector1">
+              <a:avLst/>
+            </a:prstGeom>
+            <a:ln w="19050">
+              <a:headEnd type="triangle"/>
+              <a:tailEnd type="none"/>
+            </a:ln>
+          </p:spPr>
+          <p:style>
+            <a:lnRef idx="1">
+              <a:schemeClr val="accent1"/>
+            </a:lnRef>
+            <a:fillRef idx="0">
+              <a:schemeClr val="accent1"/>
+            </a:fillRef>
+            <a:effectRef idx="0">
+              <a:schemeClr val="accent1"/>
+            </a:effectRef>
+            <a:fontRef idx="minor">
+              <a:schemeClr val="tx1"/>
+            </a:fontRef>
+          </p:style>
+        </p:cxnSp>
+        <p:cxnSp>
+          <p:nvCxnSpPr>
+            <p:cNvPr id="175" name="直接箭头连接符 174">
+              <a:extLst>
+                <a:ext uri="{FF2B5EF4-FFF2-40B4-BE49-F238E27FC236}">
+                  <a16:creationId xmlns:a16="http://schemas.microsoft.com/office/drawing/2014/main" id="{3B2846E6-8E32-406C-A7F1-6CBF282FAA34}"/>
+                </a:ext>
+              </a:extLst>
+            </p:cNvPr>
+            <p:cNvCxnSpPr/>
+            <p:nvPr/>
+          </p:nvCxnSpPr>
+          <p:spPr>
+            <a:xfrm>
+              <a:off x="7537807" y="17891698"/>
+              <a:ext cx="710051" cy="0"/>
+            </a:xfrm>
+            <a:prstGeom prst="straightConnector1">
+              <a:avLst/>
+            </a:prstGeom>
+            <a:ln w="19050">
+              <a:headEnd type="triangle"/>
+              <a:tailEnd type="none"/>
+            </a:ln>
+          </p:spPr>
+          <p:style>
+            <a:lnRef idx="1">
+              <a:schemeClr val="accent1"/>
+            </a:lnRef>
+            <a:fillRef idx="0">
+              <a:schemeClr val="accent1"/>
+            </a:fillRef>
+            <a:effectRef idx="0">
+              <a:schemeClr val="accent1"/>
+            </a:effectRef>
+            <a:fontRef idx="minor">
+              <a:schemeClr val="tx1"/>
+            </a:fontRef>
+          </p:style>
+        </p:cxnSp>
+        <p:cxnSp>
+          <p:nvCxnSpPr>
+            <p:cNvPr id="176" name="直接箭头连接符 175">
+              <a:extLst>
+                <a:ext uri="{FF2B5EF4-FFF2-40B4-BE49-F238E27FC236}">
+                  <a16:creationId xmlns:a16="http://schemas.microsoft.com/office/drawing/2014/main" id="{CAD79D3F-04DB-4435-86E4-D350D541D301}"/>
+                </a:ext>
+              </a:extLst>
+            </p:cNvPr>
+            <p:cNvCxnSpPr/>
+            <p:nvPr/>
+          </p:nvCxnSpPr>
+          <p:spPr>
+            <a:xfrm>
+              <a:off x="5737480" y="17872427"/>
+              <a:ext cx="710051" cy="0"/>
+            </a:xfrm>
+            <a:prstGeom prst="straightConnector1">
+              <a:avLst/>
+            </a:prstGeom>
+            <a:ln w="19050">
+              <a:headEnd type="triangle"/>
+              <a:tailEnd type="none"/>
+            </a:ln>
+          </p:spPr>
+          <p:style>
+            <a:lnRef idx="1">
+              <a:schemeClr val="accent1"/>
+            </a:lnRef>
+            <a:fillRef idx="0">
+              <a:schemeClr val="accent1"/>
+            </a:fillRef>
+            <a:effectRef idx="0">
+              <a:schemeClr val="accent1"/>
+            </a:effectRef>
+            <a:fontRef idx="minor">
+              <a:schemeClr val="tx1"/>
+            </a:fontRef>
+          </p:style>
+        </p:cxnSp>
+        <p:cxnSp>
+          <p:nvCxnSpPr>
+            <p:cNvPr id="177" name="直接箭头连接符 176">
+              <a:extLst>
+                <a:ext uri="{FF2B5EF4-FFF2-40B4-BE49-F238E27FC236}">
+                  <a16:creationId xmlns:a16="http://schemas.microsoft.com/office/drawing/2014/main" id="{7909C8D0-0C86-46EE-A34A-535498E2856B}"/>
+                </a:ext>
+              </a:extLst>
+            </p:cNvPr>
+            <p:cNvCxnSpPr/>
+            <p:nvPr/>
+          </p:nvCxnSpPr>
+          <p:spPr>
+            <a:xfrm>
+              <a:off x="5717397" y="18700294"/>
+              <a:ext cx="710051" cy="0"/>
+            </a:xfrm>
+            <a:prstGeom prst="straightConnector1">
+              <a:avLst/>
+            </a:prstGeom>
+            <a:ln w="19050">
+              <a:tailEnd type="triangle"/>
+            </a:ln>
+          </p:spPr>
+          <p:style>
+            <a:lnRef idx="1">
+              <a:schemeClr val="accent1"/>
+            </a:lnRef>
+            <a:fillRef idx="0">
+              <a:schemeClr val="accent1"/>
+            </a:fillRef>
+            <a:effectRef idx="0">
+              <a:schemeClr val="accent1"/>
+            </a:effectRef>
+            <a:fontRef idx="minor">
+              <a:schemeClr val="tx1"/>
+            </a:fontRef>
+          </p:style>
+        </p:cxnSp>
+        <p:cxnSp>
+          <p:nvCxnSpPr>
+            <p:cNvPr id="178" name="直接箭头连接符 177">
+              <a:extLst>
+                <a:ext uri="{FF2B5EF4-FFF2-40B4-BE49-F238E27FC236}">
+                  <a16:creationId xmlns:a16="http://schemas.microsoft.com/office/drawing/2014/main" id="{057B4460-9C59-4681-A79D-5EEAD3CEFFFF}"/>
+                </a:ext>
+              </a:extLst>
+            </p:cNvPr>
+            <p:cNvCxnSpPr/>
+            <p:nvPr/>
+          </p:nvCxnSpPr>
+          <p:spPr>
+            <a:xfrm>
+              <a:off x="7545169" y="18700294"/>
+              <a:ext cx="710051" cy="0"/>
+            </a:xfrm>
+            <a:prstGeom prst="straightConnector1">
+              <a:avLst/>
+            </a:prstGeom>
+            <a:ln w="19050">
+              <a:tailEnd type="triangle"/>
+            </a:ln>
+          </p:spPr>
+          <p:style>
+            <a:lnRef idx="1">
+              <a:schemeClr val="accent1"/>
+            </a:lnRef>
+            <a:fillRef idx="0">
+              <a:schemeClr val="accent1"/>
+            </a:fillRef>
+            <a:effectRef idx="0">
+              <a:schemeClr val="accent1"/>
+            </a:effectRef>
+            <a:fontRef idx="minor">
+              <a:schemeClr val="tx1"/>
+            </a:fontRef>
+          </p:style>
+        </p:cxnSp>
+        <p:cxnSp>
+          <p:nvCxnSpPr>
+            <p:cNvPr id="179" name="直接箭头连接符 178">
+              <a:extLst>
+                <a:ext uri="{FF2B5EF4-FFF2-40B4-BE49-F238E27FC236}">
+                  <a16:creationId xmlns:a16="http://schemas.microsoft.com/office/drawing/2014/main" id="{FB81F72F-E843-4E91-B2E1-2F317DEB0D3D}"/>
+                </a:ext>
+              </a:extLst>
+            </p:cNvPr>
+            <p:cNvCxnSpPr/>
+            <p:nvPr/>
+          </p:nvCxnSpPr>
+          <p:spPr>
+            <a:xfrm>
+              <a:off x="9317439" y="18700294"/>
+              <a:ext cx="710051" cy="0"/>
+            </a:xfrm>
+            <a:prstGeom prst="straightConnector1">
+              <a:avLst/>
+            </a:prstGeom>
+            <a:ln w="19050">
+              <a:tailEnd type="triangle"/>
+            </a:ln>
+          </p:spPr>
+          <p:style>
+            <a:lnRef idx="1">
+              <a:schemeClr val="accent1"/>
+            </a:lnRef>
+            <a:fillRef idx="0">
+              <a:schemeClr val="accent1"/>
+            </a:fillRef>
+            <a:effectRef idx="0">
+              <a:schemeClr val="accent1"/>
+            </a:effectRef>
+            <a:fontRef idx="minor">
+              <a:schemeClr val="tx1"/>
+            </a:fontRef>
+          </p:style>
+        </p:cxnSp>
+        <p:cxnSp>
+          <p:nvCxnSpPr>
+            <p:cNvPr id="180" name="直接箭头连接符 179">
+              <a:extLst>
+                <a:ext uri="{FF2B5EF4-FFF2-40B4-BE49-F238E27FC236}">
+                  <a16:creationId xmlns:a16="http://schemas.microsoft.com/office/drawing/2014/main" id="{6EF87188-C8D0-404C-90BA-3F4D7CBC9DFB}"/>
+                </a:ext>
+              </a:extLst>
+            </p:cNvPr>
+            <p:cNvCxnSpPr/>
+            <p:nvPr/>
+          </p:nvCxnSpPr>
+          <p:spPr>
+            <a:xfrm>
+              <a:off x="9334922" y="18916194"/>
+              <a:ext cx="710051" cy="0"/>
+            </a:xfrm>
+            <a:prstGeom prst="straightConnector1">
+              <a:avLst/>
+            </a:prstGeom>
+            <a:ln w="19050">
+              <a:headEnd type="triangle"/>
+              <a:tailEnd type="none"/>
+            </a:ln>
+          </p:spPr>
+          <p:style>
+            <a:lnRef idx="1">
+              <a:schemeClr val="accent1"/>
+            </a:lnRef>
+            <a:fillRef idx="0">
+              <a:schemeClr val="accent1"/>
+            </a:fillRef>
+            <a:effectRef idx="0">
+              <a:schemeClr val="accent1"/>
+            </a:effectRef>
+            <a:fontRef idx="minor">
+              <a:schemeClr val="tx1"/>
+            </a:fontRef>
+          </p:style>
+        </p:cxnSp>
+        <p:cxnSp>
+          <p:nvCxnSpPr>
+            <p:cNvPr id="181" name="直接箭头连接符 180">
+              <a:extLst>
+                <a:ext uri="{FF2B5EF4-FFF2-40B4-BE49-F238E27FC236}">
+                  <a16:creationId xmlns:a16="http://schemas.microsoft.com/office/drawing/2014/main" id="{8A070790-870C-4839-90CF-267D19D26972}"/>
+                </a:ext>
+              </a:extLst>
+            </p:cNvPr>
+            <p:cNvCxnSpPr/>
+            <p:nvPr/>
+          </p:nvCxnSpPr>
+          <p:spPr>
+            <a:xfrm>
+              <a:off x="7529738" y="18928894"/>
+              <a:ext cx="710051" cy="0"/>
+            </a:xfrm>
+            <a:prstGeom prst="straightConnector1">
+              <a:avLst/>
+            </a:prstGeom>
+            <a:ln w="19050">
+              <a:headEnd type="triangle"/>
+              <a:tailEnd type="none"/>
+            </a:ln>
+          </p:spPr>
+          <p:style>
+            <a:lnRef idx="1">
+              <a:schemeClr val="accent1"/>
+            </a:lnRef>
+            <a:fillRef idx="0">
+              <a:schemeClr val="accent1"/>
+            </a:fillRef>
+            <a:effectRef idx="0">
+              <a:schemeClr val="accent1"/>
+            </a:effectRef>
+            <a:fontRef idx="minor">
+              <a:schemeClr val="tx1"/>
+            </a:fontRef>
+          </p:style>
+        </p:cxnSp>
+        <p:cxnSp>
+          <p:nvCxnSpPr>
+            <p:cNvPr id="182" name="直接箭头连接符 181">
+              <a:extLst>
+                <a:ext uri="{FF2B5EF4-FFF2-40B4-BE49-F238E27FC236}">
+                  <a16:creationId xmlns:a16="http://schemas.microsoft.com/office/drawing/2014/main" id="{518593F7-5DA1-4391-9C5F-1EE0481EEA8B}"/>
+                </a:ext>
+              </a:extLst>
+            </p:cNvPr>
+            <p:cNvCxnSpPr/>
+            <p:nvPr/>
+          </p:nvCxnSpPr>
+          <p:spPr>
+            <a:xfrm>
+              <a:off x="5729411" y="18909623"/>
+              <a:ext cx="710051" cy="0"/>
+            </a:xfrm>
+            <a:prstGeom prst="straightConnector1">
+              <a:avLst/>
+            </a:prstGeom>
+            <a:ln w="19050">
+              <a:headEnd type="triangle"/>
+              <a:tailEnd type="none"/>
+            </a:ln>
+          </p:spPr>
+          <p:style>
+            <a:lnRef idx="1">
+              <a:schemeClr val="accent1"/>
+            </a:lnRef>
+            <a:fillRef idx="0">
+              <a:schemeClr val="accent1"/>
+            </a:fillRef>
+            <a:effectRef idx="0">
+              <a:schemeClr val="accent1"/>
+            </a:effectRef>
+            <a:fontRef idx="minor">
+              <a:schemeClr val="tx1"/>
+            </a:fontRef>
+          </p:style>
+        </p:cxnSp>
+        <p:sp>
+          <p:nvSpPr>
+            <p:cNvPr id="32" name="箭头: 右 31">
+              <a:extLst>
+                <a:ext uri="{FF2B5EF4-FFF2-40B4-BE49-F238E27FC236}">
+                  <a16:creationId xmlns:a16="http://schemas.microsoft.com/office/drawing/2014/main" id="{29B5AF7F-06A6-4EBB-8C10-EDC7931073BB}"/>
+                </a:ext>
+              </a:extLst>
+            </p:cNvPr>
+            <p:cNvSpPr/>
+            <p:nvPr/>
+          </p:nvSpPr>
+          <p:spPr>
+            <a:xfrm>
+              <a:off x="2428436" y="16645596"/>
+              <a:ext cx="1841807" cy="209329"/>
+            </a:xfrm>
+            <a:prstGeom prst="rightArrow">
+              <a:avLst/>
+            </a:prstGeom>
+          </p:spPr>
+          <p:style>
+            <a:lnRef idx="2">
+              <a:schemeClr val="accent1">
+                <a:shade val="50000"/>
+              </a:schemeClr>
+            </a:lnRef>
+            <a:fillRef idx="1">
+              <a:schemeClr val="accent1"/>
+            </a:fillRef>
+            <a:effectRef idx="0">
+              <a:schemeClr val="accent1"/>
+            </a:effectRef>
+            <a:fontRef idx="minor">
+              <a:schemeClr val="lt1"/>
+            </a:fontRef>
+          </p:style>
+          <p:txBody>
+            <a:bodyPr rtlCol="0" anchor="ctr"/>
+            <a:lstStyle/>
+            <a:p>
+              <a:pPr algn="ctr"/>
+              <a:endParaRPr lang="zh-CN" altLang="en-US"/>
+            </a:p>
+          </p:txBody>
+        </p:sp>
+        <p:sp>
+          <p:nvSpPr>
+            <p:cNvPr id="183" name="箭头: 右 182">
+              <a:extLst>
+                <a:ext uri="{FF2B5EF4-FFF2-40B4-BE49-F238E27FC236}">
+                  <a16:creationId xmlns:a16="http://schemas.microsoft.com/office/drawing/2014/main" id="{CBFE6941-2C02-4341-8812-FCDB3F6B6672}"/>
+                </a:ext>
+              </a:extLst>
+            </p:cNvPr>
+            <p:cNvSpPr/>
+            <p:nvPr/>
+          </p:nvSpPr>
+          <p:spPr>
+            <a:xfrm>
+              <a:off x="2426626" y="17659687"/>
+              <a:ext cx="1841807" cy="209329"/>
+            </a:xfrm>
+            <a:prstGeom prst="rightArrow">
+              <a:avLst/>
+            </a:prstGeom>
+          </p:spPr>
+          <p:style>
+            <a:lnRef idx="2">
+              <a:schemeClr val="accent1">
+                <a:shade val="50000"/>
+              </a:schemeClr>
+            </a:lnRef>
+            <a:fillRef idx="1">
+              <a:schemeClr val="accent1"/>
+            </a:fillRef>
+            <a:effectRef idx="0">
+              <a:schemeClr val="accent1"/>
+            </a:effectRef>
+            <a:fontRef idx="minor">
+              <a:schemeClr val="lt1"/>
+            </a:fontRef>
+          </p:style>
+          <p:txBody>
+            <a:bodyPr rtlCol="0" anchor="ctr"/>
+            <a:lstStyle/>
+            <a:p>
+              <a:pPr algn="ctr"/>
+              <a:endParaRPr lang="zh-CN" altLang="en-US"/>
+            </a:p>
+          </p:txBody>
+        </p:sp>
+        <p:sp>
+          <p:nvSpPr>
+            <p:cNvPr id="184" name="箭头: 右 183">
+              <a:extLst>
+                <a:ext uri="{FF2B5EF4-FFF2-40B4-BE49-F238E27FC236}">
+                  <a16:creationId xmlns:a16="http://schemas.microsoft.com/office/drawing/2014/main" id="{63499C52-74E5-41C8-A087-20E7222D027A}"/>
+                </a:ext>
+              </a:extLst>
+            </p:cNvPr>
+            <p:cNvSpPr/>
+            <p:nvPr/>
+          </p:nvSpPr>
+          <p:spPr>
+            <a:xfrm>
+              <a:off x="2426625" y="18696229"/>
+              <a:ext cx="1841807" cy="209329"/>
+            </a:xfrm>
+            <a:prstGeom prst="rightArrow">
+              <a:avLst/>
+            </a:prstGeom>
+          </p:spPr>
+          <p:style>
+            <a:lnRef idx="2">
+              <a:schemeClr val="accent1">
+                <a:shade val="50000"/>
+              </a:schemeClr>
+            </a:lnRef>
+            <a:fillRef idx="1">
+              <a:schemeClr val="accent1"/>
+            </a:fillRef>
+            <a:effectRef idx="0">
+              <a:schemeClr val="accent1"/>
+            </a:effectRef>
+            <a:fontRef idx="minor">
+              <a:schemeClr val="lt1"/>
+            </a:fontRef>
+          </p:style>
+          <p:txBody>
+            <a:bodyPr rtlCol="0" anchor="ctr"/>
+            <a:lstStyle/>
+            <a:p>
+              <a:pPr algn="ctr"/>
+              <a:endParaRPr lang="zh-CN" altLang="en-US"/>
+            </a:p>
+          </p:txBody>
+        </p:sp>
+        <p:sp>
+          <p:nvSpPr>
+            <p:cNvPr id="185" name="文本框 184">
+              <a:extLst>
+                <a:ext uri="{FF2B5EF4-FFF2-40B4-BE49-F238E27FC236}">
+                  <a16:creationId xmlns:a16="http://schemas.microsoft.com/office/drawing/2014/main" id="{8647C302-3573-44B5-A53D-13162FEDD77F}"/>
+                </a:ext>
+              </a:extLst>
+            </p:cNvPr>
+            <p:cNvSpPr txBox="1"/>
+            <p:nvPr/>
+          </p:nvSpPr>
+          <p:spPr>
+            <a:xfrm>
+              <a:off x="2778075" y="16369703"/>
+              <a:ext cx="1079142" cy="369332"/>
+            </a:xfrm>
+            <a:prstGeom prst="rect">
+              <a:avLst/>
+            </a:prstGeom>
+            <a:noFill/>
+          </p:spPr>
+          <p:txBody>
+            <a:bodyPr wrap="none" rtlCol="0">
+              <a:spAutoFit/>
+            </a:bodyPr>
+            <a:lstStyle/>
+            <a:p>
+              <a:r>
+                <a:rPr lang="en-US" altLang="zh-CN" dirty="0"/>
+                <a:t>Channel1</a:t>
+              </a:r>
+              <a:endParaRPr lang="zh-CN" altLang="en-US" dirty="0"/>
+            </a:p>
+          </p:txBody>
+        </p:sp>
+        <p:sp>
+          <p:nvSpPr>
+            <p:cNvPr id="186" name="文本框 185">
+              <a:extLst>
+                <a:ext uri="{FF2B5EF4-FFF2-40B4-BE49-F238E27FC236}">
+                  <a16:creationId xmlns:a16="http://schemas.microsoft.com/office/drawing/2014/main" id="{93497956-E248-48B3-968D-FDDD91F13CF2}"/>
+                </a:ext>
+              </a:extLst>
+            </p:cNvPr>
+            <p:cNvSpPr txBox="1"/>
+            <p:nvPr/>
+          </p:nvSpPr>
+          <p:spPr>
+            <a:xfrm>
+              <a:off x="2778075" y="17359131"/>
+              <a:ext cx="1069524" cy="369332"/>
+            </a:xfrm>
+            <a:prstGeom prst="rect">
+              <a:avLst/>
+            </a:prstGeom>
+            <a:noFill/>
+          </p:spPr>
+          <p:txBody>
+            <a:bodyPr wrap="none" rtlCol="0">
+              <a:spAutoFit/>
+            </a:bodyPr>
+            <a:lstStyle/>
+            <a:p>
+              <a:r>
+                <a:rPr lang="en-US" altLang="zh-CN" dirty="0"/>
+                <a:t>Channel2</a:t>
+              </a:r>
+              <a:endParaRPr lang="zh-CN" altLang="en-US" dirty="0"/>
+            </a:p>
+          </p:txBody>
+        </p:sp>
+        <p:sp>
+          <p:nvSpPr>
+            <p:cNvPr id="187" name="文本框 186">
+              <a:extLst>
+                <a:ext uri="{FF2B5EF4-FFF2-40B4-BE49-F238E27FC236}">
+                  <a16:creationId xmlns:a16="http://schemas.microsoft.com/office/drawing/2014/main" id="{BE4F4A2F-6269-43B8-97E9-9C0E4F77C03D}"/>
+                </a:ext>
+              </a:extLst>
+            </p:cNvPr>
+            <p:cNvSpPr txBox="1"/>
+            <p:nvPr/>
+          </p:nvSpPr>
+          <p:spPr>
+            <a:xfrm>
+              <a:off x="2778075" y="18395673"/>
+              <a:ext cx="1069524" cy="369332"/>
+            </a:xfrm>
+            <a:prstGeom prst="rect">
+              <a:avLst/>
+            </a:prstGeom>
+            <a:noFill/>
+          </p:spPr>
+          <p:txBody>
+            <a:bodyPr wrap="none" rtlCol="0">
+              <a:spAutoFit/>
+            </a:bodyPr>
+            <a:lstStyle/>
+            <a:p>
+              <a:r>
+                <a:rPr lang="en-US" altLang="zh-CN" dirty="0"/>
+                <a:t>Channel3</a:t>
+              </a:r>
+              <a:endParaRPr lang="zh-CN" altLang="en-US" dirty="0"/>
+            </a:p>
+          </p:txBody>
+        </p:sp>
+      </p:grpSp>
     </p:spTree>
     <p:extLst>
       <p:ext uri="{BB962C8B-B14F-4D97-AF65-F5344CB8AC3E}">

--- a/Netty/Netty Figure.pptx
+++ b/Netty/Netty Figure.pptx
@@ -8,14 +8,6 @@
     <p:sldId id="258" r:id="rId2"/>
     <p:sldId id="256" r:id="rId3"/>
     <p:sldId id="257" r:id="rId4"/>
-    <p:sldId id="259" r:id="rId5"/>
-    <p:sldId id="260" r:id="rId6"/>
-    <p:sldId id="261" r:id="rId7"/>
-    <p:sldId id="262" r:id="rId8"/>
-    <p:sldId id="263" r:id="rId9"/>
-    <p:sldId id="264" r:id="rId10"/>
-    <p:sldId id="265" r:id="rId11"/>
-    <p:sldId id="266" r:id="rId12"/>
   </p:sldIdLst>
   <p:sldSz cx="35999738" cy="35999738"/>
   <p:notesSz cx="6858000" cy="9144000"/>
@@ -265,7 +257,7 @@
           <a:p>
             <a:fld id="{306988AD-E42F-40A6-975D-BE59CDAEF2B7}" type="datetimeFigureOut">
               <a:rPr lang="zh-CN" altLang="en-US" smtClean="0"/>
-              <a:t>2022/11/17</a:t>
+              <a:t>2022/11/19</a:t>
             </a:fld>
             <a:endParaRPr lang="zh-CN" altLang="en-US"/>
           </a:p>
@@ -435,7 +427,7 @@
           <a:p>
             <a:fld id="{306988AD-E42F-40A6-975D-BE59CDAEF2B7}" type="datetimeFigureOut">
               <a:rPr lang="zh-CN" altLang="en-US" smtClean="0"/>
-              <a:t>2022/11/17</a:t>
+              <a:t>2022/11/19</a:t>
             </a:fld>
             <a:endParaRPr lang="zh-CN" altLang="en-US"/>
           </a:p>
@@ -615,7 +607,7 @@
           <a:p>
             <a:fld id="{306988AD-E42F-40A6-975D-BE59CDAEF2B7}" type="datetimeFigureOut">
               <a:rPr lang="zh-CN" altLang="en-US" smtClean="0"/>
-              <a:t>2022/11/17</a:t>
+              <a:t>2022/11/19</a:t>
             </a:fld>
             <a:endParaRPr lang="zh-CN" altLang="en-US"/>
           </a:p>
@@ -785,7 +777,7 @@
           <a:p>
             <a:fld id="{306988AD-E42F-40A6-975D-BE59CDAEF2B7}" type="datetimeFigureOut">
               <a:rPr lang="zh-CN" altLang="en-US" smtClean="0"/>
-              <a:t>2022/11/17</a:t>
+              <a:t>2022/11/19</a:t>
             </a:fld>
             <a:endParaRPr lang="zh-CN" altLang="en-US"/>
           </a:p>
@@ -1029,7 +1021,7 @@
           <a:p>
             <a:fld id="{306988AD-E42F-40A6-975D-BE59CDAEF2B7}" type="datetimeFigureOut">
               <a:rPr lang="zh-CN" altLang="en-US" smtClean="0"/>
-              <a:t>2022/11/17</a:t>
+              <a:t>2022/11/19</a:t>
             </a:fld>
             <a:endParaRPr lang="zh-CN" altLang="en-US"/>
           </a:p>
@@ -1261,7 +1253,7 @@
           <a:p>
             <a:fld id="{306988AD-E42F-40A6-975D-BE59CDAEF2B7}" type="datetimeFigureOut">
               <a:rPr lang="zh-CN" altLang="en-US" smtClean="0"/>
-              <a:t>2022/11/17</a:t>
+              <a:t>2022/11/19</a:t>
             </a:fld>
             <a:endParaRPr lang="zh-CN" altLang="en-US"/>
           </a:p>
@@ -1628,7 +1620,7 @@
           <a:p>
             <a:fld id="{306988AD-E42F-40A6-975D-BE59CDAEF2B7}" type="datetimeFigureOut">
               <a:rPr lang="zh-CN" altLang="en-US" smtClean="0"/>
-              <a:t>2022/11/17</a:t>
+              <a:t>2022/11/19</a:t>
             </a:fld>
             <a:endParaRPr lang="zh-CN" altLang="en-US"/>
           </a:p>
@@ -1746,7 +1738,7 @@
           <a:p>
             <a:fld id="{306988AD-E42F-40A6-975D-BE59CDAEF2B7}" type="datetimeFigureOut">
               <a:rPr lang="zh-CN" altLang="en-US" smtClean="0"/>
-              <a:t>2022/11/17</a:t>
+              <a:t>2022/11/19</a:t>
             </a:fld>
             <a:endParaRPr lang="zh-CN" altLang="en-US"/>
           </a:p>
@@ -1841,7 +1833,7 @@
           <a:p>
             <a:fld id="{306988AD-E42F-40A6-975D-BE59CDAEF2B7}" type="datetimeFigureOut">
               <a:rPr lang="zh-CN" altLang="en-US" smtClean="0"/>
-              <a:t>2022/11/17</a:t>
+              <a:t>2022/11/19</a:t>
             </a:fld>
             <a:endParaRPr lang="zh-CN" altLang="en-US"/>
           </a:p>
@@ -2118,7 +2110,7 @@
           <a:p>
             <a:fld id="{306988AD-E42F-40A6-975D-BE59CDAEF2B7}" type="datetimeFigureOut">
               <a:rPr lang="zh-CN" altLang="en-US" smtClean="0"/>
-              <a:t>2022/11/17</a:t>
+              <a:t>2022/11/19</a:t>
             </a:fld>
             <a:endParaRPr lang="zh-CN" altLang="en-US"/>
           </a:p>
@@ -2375,7 +2367,7 @@
           <a:p>
             <a:fld id="{306988AD-E42F-40A6-975D-BE59CDAEF2B7}" type="datetimeFigureOut">
               <a:rPr lang="zh-CN" altLang="en-US" smtClean="0"/>
-              <a:t>2022/11/17</a:t>
+              <a:t>2022/11/19</a:t>
             </a:fld>
             <a:endParaRPr lang="zh-CN" altLang="en-US"/>
           </a:p>
@@ -2588,7 +2580,7 @@
           <a:p>
             <a:fld id="{306988AD-E42F-40A6-975D-BE59CDAEF2B7}" type="datetimeFigureOut">
               <a:rPr lang="zh-CN" altLang="en-US" smtClean="0"/>
-              <a:t>2022/11/17</a:t>
+              <a:t>2022/11/19</a:t>
             </a:fld>
             <a:endParaRPr lang="zh-CN" altLang="en-US"/>
           </a:p>
@@ -16993,66 +16985,6 @@
     <p:extLst>
       <p:ext uri="{BB962C8B-B14F-4D97-AF65-F5344CB8AC3E}">
         <p14:creationId xmlns:p14="http://schemas.microsoft.com/office/powerpoint/2010/main" val="979663148"/>
-      </p:ext>
-    </p:extLst>
-  </p:cSld>
-  <p:clrMapOvr>
-    <a:masterClrMapping/>
-  </p:clrMapOvr>
-</p:sld>
-</file>
-
-<file path=ppt/slides/slide10.xml><?xml version="1.0" encoding="utf-8"?>
-<p:sld xmlns:a="http://schemas.openxmlformats.org/drawingml/2006/main" xmlns:r="http://schemas.openxmlformats.org/officeDocument/2006/relationships" xmlns:p="http://schemas.openxmlformats.org/presentationml/2006/main">
-  <p:cSld>
-    <p:spTree>
-      <p:nvGrpSpPr>
-        <p:cNvPr id="1" name=""/>
-        <p:cNvGrpSpPr/>
-        <p:nvPr/>
-      </p:nvGrpSpPr>
-      <p:grpSpPr>
-        <a:xfrm>
-          <a:off x="0" y="0"/>
-          <a:ext cx="0" cy="0"/>
-          <a:chOff x="0" y="0"/>
-          <a:chExt cx="0" cy="0"/>
-        </a:xfrm>
-      </p:grpSpPr>
-    </p:spTree>
-    <p:extLst>
-      <p:ext uri="{BB962C8B-B14F-4D97-AF65-F5344CB8AC3E}">
-        <p14:creationId xmlns:p14="http://schemas.microsoft.com/office/powerpoint/2010/main" val="1586102252"/>
-      </p:ext>
-    </p:extLst>
-  </p:cSld>
-  <p:clrMapOvr>
-    <a:masterClrMapping/>
-  </p:clrMapOvr>
-</p:sld>
-</file>
-
-<file path=ppt/slides/slide11.xml><?xml version="1.0" encoding="utf-8"?>
-<p:sld xmlns:a="http://schemas.openxmlformats.org/drawingml/2006/main" xmlns:r="http://schemas.openxmlformats.org/officeDocument/2006/relationships" xmlns:p="http://schemas.openxmlformats.org/presentationml/2006/main">
-  <p:cSld>
-    <p:spTree>
-      <p:nvGrpSpPr>
-        <p:cNvPr id="1" name=""/>
-        <p:cNvGrpSpPr/>
-        <p:nvPr/>
-      </p:nvGrpSpPr>
-      <p:grpSpPr>
-        <a:xfrm>
-          <a:off x="0" y="0"/>
-          <a:ext cx="0" cy="0"/>
-          <a:chOff x="0" y="0"/>
-          <a:chExt cx="0" cy="0"/>
-        </a:xfrm>
-      </p:grpSpPr>
-    </p:spTree>
-    <p:extLst>
-      <p:ext uri="{BB962C8B-B14F-4D97-AF65-F5344CB8AC3E}">
-        <p14:creationId xmlns:p14="http://schemas.microsoft.com/office/powerpoint/2010/main" val="359465932"/>
       </p:ext>
     </p:extLst>
   </p:cSld>
@@ -34733,7 +34665,7 @@
         </p:nvGrpSpPr>
         <p:grpSpPr>
           <a:xfrm>
-            <a:off x="886848" y="6392531"/>
+            <a:off x="817039" y="5657119"/>
             <a:ext cx="13972935" cy="6707417"/>
             <a:chOff x="886848" y="6392531"/>
             <a:chExt cx="13972935" cy="6707417"/>
@@ -38412,7 +38344,7 @@
         </p:nvGrpSpPr>
         <p:grpSpPr>
           <a:xfrm>
-            <a:off x="2426625" y="14312901"/>
+            <a:off x="1486917" y="13189555"/>
             <a:ext cx="8633946" cy="6999048"/>
             <a:chOff x="2426625" y="14312901"/>
             <a:chExt cx="8633946" cy="6999048"/>
@@ -40692,190 +40624,3853 @@
           </p:txBody>
         </p:sp>
       </p:grpSp>
+      <p:grpSp>
+        <p:nvGrpSpPr>
+          <p:cNvPr id="14" name="组合 13">
+            <a:extLst>
+              <a:ext uri="{FF2B5EF4-FFF2-40B4-BE49-F238E27FC236}">
+                <a16:creationId xmlns:a16="http://schemas.microsoft.com/office/drawing/2014/main" id="{29E64D73-FB13-4147-B26D-FB919EECEC19}"/>
+              </a:ext>
+            </a:extLst>
+          </p:cNvPr>
+          <p:cNvGrpSpPr/>
+          <p:nvPr/>
+        </p:nvGrpSpPr>
+        <p:grpSpPr>
+          <a:xfrm>
+            <a:off x="1532022" y="21190743"/>
+            <a:ext cx="7226286" cy="4121257"/>
+            <a:chOff x="944400" y="21632092"/>
+            <a:chExt cx="7226286" cy="4121257"/>
+          </a:xfrm>
+        </p:grpSpPr>
+        <p:grpSp>
+          <p:nvGrpSpPr>
+            <p:cNvPr id="13" name="组合 12">
+              <a:extLst>
+                <a:ext uri="{FF2B5EF4-FFF2-40B4-BE49-F238E27FC236}">
+                  <a16:creationId xmlns:a16="http://schemas.microsoft.com/office/drawing/2014/main" id="{DF0B5B30-D7E2-4D52-8E97-7B5E2E9FCAA2}"/>
+                </a:ext>
+              </a:extLst>
+            </p:cNvPr>
+            <p:cNvGrpSpPr/>
+            <p:nvPr/>
+          </p:nvGrpSpPr>
+          <p:grpSpPr>
+            <a:xfrm>
+              <a:off x="944400" y="22382609"/>
+              <a:ext cx="7226286" cy="3370740"/>
+              <a:chOff x="944400" y="22382609"/>
+              <a:chExt cx="7226286" cy="3370740"/>
+            </a:xfrm>
+          </p:grpSpPr>
+          <p:sp>
+            <p:nvSpPr>
+              <p:cNvPr id="188" name="流程图: 终止 187">
+                <a:extLst>
+                  <a:ext uri="{FF2B5EF4-FFF2-40B4-BE49-F238E27FC236}">
+                    <a16:creationId xmlns:a16="http://schemas.microsoft.com/office/drawing/2014/main" id="{07B5EC6B-3E40-4B16-AD29-EC319A86F95F}"/>
+                  </a:ext>
+                </a:extLst>
+              </p:cNvPr>
+              <p:cNvSpPr/>
+              <p:nvPr/>
+            </p:nvSpPr>
+            <p:spPr>
+              <a:xfrm>
+                <a:off x="944400" y="22382609"/>
+                <a:ext cx="1007529" cy="522514"/>
+              </a:xfrm>
+              <a:prstGeom prst="flowChartTerminator">
+                <a:avLst/>
+              </a:prstGeom>
+              <a:solidFill>
+                <a:srgbClr val="99CCFF"/>
+              </a:solidFill>
+              <a:ln>
+                <a:solidFill>
+                  <a:srgbClr val="0D86FF"/>
+                </a:solidFill>
+              </a:ln>
+              <a:effectLst>
+                <a:outerShdw blurRad="50800" dist="38100" dir="2700000" algn="tl" rotWithShape="0">
+                  <a:prstClr val="black">
+                    <a:alpha val="40000"/>
+                  </a:prstClr>
+                </a:outerShdw>
+              </a:effectLst>
+            </p:spPr>
+            <p:style>
+              <a:lnRef idx="2">
+                <a:schemeClr val="accent1">
+                  <a:shade val="50000"/>
+                </a:schemeClr>
+              </a:lnRef>
+              <a:fillRef idx="1">
+                <a:schemeClr val="accent1"/>
+              </a:fillRef>
+              <a:effectRef idx="0">
+                <a:schemeClr val="accent1"/>
+              </a:effectRef>
+              <a:fontRef idx="minor">
+                <a:schemeClr val="lt1"/>
+              </a:fontRef>
+            </p:style>
+            <p:txBody>
+              <a:bodyPr rtlCol="0" anchor="ctr"/>
+              <a:lstStyle/>
+              <a:p>
+                <a:pPr algn="ctr"/>
+                <a:r>
+                  <a:rPr lang="zh-CN" altLang="en-US" dirty="0">
+                    <a:solidFill>
+                      <a:schemeClr val="tx1"/>
+                    </a:solidFill>
+                  </a:rPr>
+                  <a:t>医生</a:t>
+                </a:r>
+                <a:r>
+                  <a:rPr lang="en-US" altLang="zh-CN" dirty="0">
+                    <a:solidFill>
+                      <a:schemeClr val="tx1"/>
+                    </a:solidFill>
+                  </a:rPr>
+                  <a:t>1</a:t>
+                </a:r>
+                <a:endParaRPr lang="zh-CN" altLang="en-US" dirty="0">
+                  <a:solidFill>
+                    <a:schemeClr val="tx1"/>
+                  </a:solidFill>
+                </a:endParaRPr>
+              </a:p>
+            </p:txBody>
+          </p:sp>
+          <p:sp>
+            <p:nvSpPr>
+              <p:cNvPr id="189" name="流程图: 终止 188">
+                <a:extLst>
+                  <a:ext uri="{FF2B5EF4-FFF2-40B4-BE49-F238E27FC236}">
+                    <a16:creationId xmlns:a16="http://schemas.microsoft.com/office/drawing/2014/main" id="{77F07E24-1191-47F8-BBF4-607187779294}"/>
+                  </a:ext>
+                </a:extLst>
+              </p:cNvPr>
+              <p:cNvSpPr/>
+              <p:nvPr/>
+            </p:nvSpPr>
+            <p:spPr>
+              <a:xfrm>
+                <a:off x="944400" y="23332018"/>
+                <a:ext cx="1005673" cy="522514"/>
+              </a:xfrm>
+              <a:prstGeom prst="flowChartTerminator">
+                <a:avLst/>
+              </a:prstGeom>
+              <a:solidFill>
+                <a:srgbClr val="FF8989"/>
+              </a:solidFill>
+              <a:effectLst>
+                <a:outerShdw blurRad="50800" dist="38100" dir="2700000" algn="tl" rotWithShape="0">
+                  <a:prstClr val="black">
+                    <a:alpha val="40000"/>
+                  </a:prstClr>
+                </a:outerShdw>
+              </a:effectLst>
+            </p:spPr>
+            <p:style>
+              <a:lnRef idx="2">
+                <a:schemeClr val="accent2">
+                  <a:shade val="50000"/>
+                </a:schemeClr>
+              </a:lnRef>
+              <a:fillRef idx="1">
+                <a:schemeClr val="accent2"/>
+              </a:fillRef>
+              <a:effectRef idx="0">
+                <a:schemeClr val="accent2"/>
+              </a:effectRef>
+              <a:fontRef idx="minor">
+                <a:schemeClr val="lt1"/>
+              </a:fontRef>
+            </p:style>
+            <p:txBody>
+              <a:bodyPr rtlCol="0" anchor="ctr"/>
+              <a:lstStyle/>
+              <a:p>
+                <a:pPr algn="ctr"/>
+                <a:r>
+                  <a:rPr lang="zh-CN" altLang="en-US" dirty="0">
+                    <a:solidFill>
+                      <a:schemeClr val="tx1"/>
+                    </a:solidFill>
+                  </a:rPr>
+                  <a:t>医生</a:t>
+                </a:r>
+                <a:r>
+                  <a:rPr lang="en-US" altLang="zh-CN" dirty="0">
+                    <a:solidFill>
+                      <a:schemeClr val="tx1"/>
+                    </a:solidFill>
+                  </a:rPr>
+                  <a:t>2</a:t>
+                </a:r>
+                <a:endParaRPr lang="zh-CN" altLang="en-US" dirty="0">
+                  <a:solidFill>
+                    <a:schemeClr val="tx1"/>
+                  </a:solidFill>
+                </a:endParaRPr>
+              </a:p>
+            </p:txBody>
+          </p:sp>
+          <p:sp>
+            <p:nvSpPr>
+              <p:cNvPr id="190" name="流程图: 终止 189">
+                <a:extLst>
+                  <a:ext uri="{FF2B5EF4-FFF2-40B4-BE49-F238E27FC236}">
+                    <a16:creationId xmlns:a16="http://schemas.microsoft.com/office/drawing/2014/main" id="{FC8F9D5A-F5F3-48D7-B997-7D9B408E7A7E}"/>
+                  </a:ext>
+                </a:extLst>
+              </p:cNvPr>
+              <p:cNvSpPr/>
+              <p:nvPr/>
+            </p:nvSpPr>
+            <p:spPr>
+              <a:xfrm>
+                <a:off x="944400" y="24281427"/>
+                <a:ext cx="1007529" cy="522514"/>
+              </a:xfrm>
+              <a:prstGeom prst="flowChartTerminator">
+                <a:avLst/>
+              </a:prstGeom>
+              <a:solidFill>
+                <a:srgbClr val="C5E0B4"/>
+              </a:solidFill>
+              <a:ln>
+                <a:solidFill>
+                  <a:srgbClr val="93C573"/>
+                </a:solidFill>
+              </a:ln>
+              <a:effectLst>
+                <a:outerShdw blurRad="50800" dist="38100" dir="2700000" algn="tl" rotWithShape="0">
+                  <a:prstClr val="black">
+                    <a:alpha val="40000"/>
+                  </a:prstClr>
+                </a:outerShdw>
+              </a:effectLst>
+            </p:spPr>
+            <p:style>
+              <a:lnRef idx="2">
+                <a:schemeClr val="accent1">
+                  <a:shade val="50000"/>
+                </a:schemeClr>
+              </a:lnRef>
+              <a:fillRef idx="1">
+                <a:schemeClr val="accent1"/>
+              </a:fillRef>
+              <a:effectRef idx="0">
+                <a:schemeClr val="accent1"/>
+              </a:effectRef>
+              <a:fontRef idx="minor">
+                <a:schemeClr val="lt1"/>
+              </a:fontRef>
+            </p:style>
+            <p:txBody>
+              <a:bodyPr rtlCol="0" anchor="ctr"/>
+              <a:lstStyle/>
+              <a:p>
+                <a:pPr algn="ctr"/>
+                <a:r>
+                  <a:rPr lang="zh-CN" altLang="en-US" dirty="0">
+                    <a:solidFill>
+                      <a:schemeClr val="tx1"/>
+                    </a:solidFill>
+                  </a:rPr>
+                  <a:t>医生</a:t>
+                </a:r>
+                <a:r>
+                  <a:rPr lang="en-US" altLang="zh-CN" dirty="0">
+                    <a:solidFill>
+                      <a:schemeClr val="tx1"/>
+                    </a:solidFill>
+                  </a:rPr>
+                  <a:t>3</a:t>
+                </a:r>
+                <a:endParaRPr lang="zh-CN" altLang="en-US" dirty="0">
+                  <a:solidFill>
+                    <a:schemeClr val="tx1"/>
+                  </a:solidFill>
+                </a:endParaRPr>
+              </a:p>
+            </p:txBody>
+          </p:sp>
+          <p:sp>
+            <p:nvSpPr>
+              <p:cNvPr id="192" name="流程图: 终止 191">
+                <a:extLst>
+                  <a:ext uri="{FF2B5EF4-FFF2-40B4-BE49-F238E27FC236}">
+                    <a16:creationId xmlns:a16="http://schemas.microsoft.com/office/drawing/2014/main" id="{81447D2C-7CEF-44B6-B712-CC67CE189097}"/>
+                  </a:ext>
+                </a:extLst>
+              </p:cNvPr>
+              <p:cNvSpPr/>
+              <p:nvPr/>
+            </p:nvSpPr>
+            <p:spPr>
+              <a:xfrm>
+                <a:off x="944400" y="25230835"/>
+                <a:ext cx="1005673" cy="522514"/>
+              </a:xfrm>
+              <a:prstGeom prst="flowChartTerminator">
+                <a:avLst/>
+              </a:prstGeom>
+              <a:solidFill>
+                <a:srgbClr val="FFE699"/>
+              </a:solidFill>
+              <a:ln>
+                <a:solidFill>
+                  <a:srgbClr val="FFCF37"/>
+                </a:solidFill>
+              </a:ln>
+              <a:effectLst>
+                <a:outerShdw blurRad="50800" dist="38100" dir="2700000" algn="tl" rotWithShape="0">
+                  <a:prstClr val="black">
+                    <a:alpha val="40000"/>
+                  </a:prstClr>
+                </a:outerShdw>
+              </a:effectLst>
+            </p:spPr>
+            <p:style>
+              <a:lnRef idx="2">
+                <a:schemeClr val="accent2">
+                  <a:shade val="50000"/>
+                </a:schemeClr>
+              </a:lnRef>
+              <a:fillRef idx="1">
+                <a:schemeClr val="accent2"/>
+              </a:fillRef>
+              <a:effectRef idx="0">
+                <a:schemeClr val="accent2"/>
+              </a:effectRef>
+              <a:fontRef idx="minor">
+                <a:schemeClr val="lt1"/>
+              </a:fontRef>
+            </p:style>
+            <p:txBody>
+              <a:bodyPr rtlCol="0" anchor="ctr"/>
+              <a:lstStyle/>
+              <a:p>
+                <a:pPr algn="ctr"/>
+                <a:r>
+                  <a:rPr lang="zh-CN" altLang="en-US" dirty="0">
+                    <a:solidFill>
+                      <a:schemeClr val="tx1"/>
+                    </a:solidFill>
+                  </a:rPr>
+                  <a:t>医生</a:t>
+                </a:r>
+                <a:r>
+                  <a:rPr lang="en-US" altLang="zh-CN" dirty="0">
+                    <a:solidFill>
+                      <a:schemeClr val="tx1"/>
+                    </a:solidFill>
+                  </a:rPr>
+                  <a:t>4</a:t>
+                </a:r>
+                <a:endParaRPr lang="zh-CN" altLang="en-US" dirty="0">
+                  <a:solidFill>
+                    <a:schemeClr val="tx1"/>
+                  </a:solidFill>
+                </a:endParaRPr>
+              </a:p>
+            </p:txBody>
+          </p:sp>
+          <p:sp>
+            <p:nvSpPr>
+              <p:cNvPr id="193" name="矩形 192">
+                <a:extLst>
+                  <a:ext uri="{FF2B5EF4-FFF2-40B4-BE49-F238E27FC236}">
+                    <a16:creationId xmlns:a16="http://schemas.microsoft.com/office/drawing/2014/main" id="{190057E3-6A65-4BE5-B4EC-5DA0CD9FD230}"/>
+                  </a:ext>
+                </a:extLst>
+              </p:cNvPr>
+              <p:cNvSpPr/>
+              <p:nvPr/>
+            </p:nvSpPr>
+            <p:spPr>
+              <a:xfrm>
+                <a:off x="3032333" y="22382609"/>
+                <a:ext cx="2567625" cy="522514"/>
+              </a:xfrm>
+              <a:prstGeom prst="rect">
+                <a:avLst/>
+              </a:prstGeom>
+              <a:solidFill>
+                <a:srgbClr val="99CCFF"/>
+              </a:solidFill>
+              <a:ln>
+                <a:solidFill>
+                  <a:srgbClr val="0D86FF"/>
+                </a:solidFill>
+              </a:ln>
+              <a:effectLst>
+                <a:outerShdw blurRad="50800" dist="38100" dir="2700000" algn="tl" rotWithShape="0">
+                  <a:prstClr val="black">
+                    <a:alpha val="40000"/>
+                  </a:prstClr>
+                </a:outerShdw>
+              </a:effectLst>
+            </p:spPr>
+            <p:style>
+              <a:lnRef idx="2">
+                <a:schemeClr val="accent1">
+                  <a:shade val="50000"/>
+                </a:schemeClr>
+              </a:lnRef>
+              <a:fillRef idx="1">
+                <a:schemeClr val="accent1"/>
+              </a:fillRef>
+              <a:effectRef idx="0">
+                <a:schemeClr val="accent1"/>
+              </a:effectRef>
+              <a:fontRef idx="minor">
+                <a:schemeClr val="lt1"/>
+              </a:fontRef>
+            </p:style>
+            <p:txBody>
+              <a:bodyPr rtlCol="0" anchor="ctr"/>
+              <a:lstStyle/>
+              <a:p>
+                <a:pPr algn="ctr"/>
+                <a:r>
+                  <a:rPr lang="zh-CN" altLang="en-US" dirty="0">
+                    <a:solidFill>
+                      <a:schemeClr val="tx1"/>
+                    </a:solidFill>
+                  </a:rPr>
+                  <a:t>看病</a:t>
+                </a:r>
+              </a:p>
+            </p:txBody>
+          </p:sp>
+          <p:sp>
+            <p:nvSpPr>
+              <p:cNvPr id="194" name="矩形 193">
+                <a:extLst>
+                  <a:ext uri="{FF2B5EF4-FFF2-40B4-BE49-F238E27FC236}">
+                    <a16:creationId xmlns:a16="http://schemas.microsoft.com/office/drawing/2014/main" id="{9130DB84-2FD2-4B15-AD84-422544C0E519}"/>
+                  </a:ext>
+                </a:extLst>
+              </p:cNvPr>
+              <p:cNvSpPr/>
+              <p:nvPr/>
+            </p:nvSpPr>
+            <p:spPr>
+              <a:xfrm>
+                <a:off x="5603061" y="22382609"/>
+                <a:ext cx="2567625" cy="522514"/>
+              </a:xfrm>
+              <a:prstGeom prst="rect">
+                <a:avLst/>
+              </a:prstGeom>
+              <a:solidFill>
+                <a:srgbClr val="99CCFF"/>
+              </a:solidFill>
+              <a:ln>
+                <a:solidFill>
+                  <a:srgbClr val="0D86FF"/>
+                </a:solidFill>
+              </a:ln>
+              <a:effectLst>
+                <a:outerShdw blurRad="50800" dist="38100" dir="2700000" algn="tl" rotWithShape="0">
+                  <a:prstClr val="black">
+                    <a:alpha val="40000"/>
+                  </a:prstClr>
+                </a:outerShdw>
+              </a:effectLst>
+            </p:spPr>
+            <p:style>
+              <a:lnRef idx="2">
+                <a:schemeClr val="accent1">
+                  <a:shade val="50000"/>
+                </a:schemeClr>
+              </a:lnRef>
+              <a:fillRef idx="1">
+                <a:schemeClr val="accent1"/>
+              </a:fillRef>
+              <a:effectRef idx="0">
+                <a:schemeClr val="accent1"/>
+              </a:effectRef>
+              <a:fontRef idx="minor">
+                <a:schemeClr val="lt1"/>
+              </a:fontRef>
+            </p:style>
+            <p:txBody>
+              <a:bodyPr rtlCol="0" anchor="ctr"/>
+              <a:lstStyle/>
+              <a:p>
+                <a:pPr algn="ctr"/>
+                <a:r>
+                  <a:rPr lang="zh-CN" altLang="en-US" dirty="0">
+                    <a:solidFill>
+                      <a:schemeClr val="tx1"/>
+                    </a:solidFill>
+                  </a:rPr>
+                  <a:t>看病</a:t>
+                </a:r>
+              </a:p>
+            </p:txBody>
+          </p:sp>
+          <p:sp>
+            <p:nvSpPr>
+              <p:cNvPr id="195" name="矩形 194">
+                <a:extLst>
+                  <a:ext uri="{FF2B5EF4-FFF2-40B4-BE49-F238E27FC236}">
+                    <a16:creationId xmlns:a16="http://schemas.microsoft.com/office/drawing/2014/main" id="{A4760735-1ABE-4D11-B6F2-6C94ABD6F663}"/>
+                  </a:ext>
+                </a:extLst>
+              </p:cNvPr>
+              <p:cNvSpPr/>
+              <p:nvPr/>
+            </p:nvSpPr>
+            <p:spPr>
+              <a:xfrm>
+                <a:off x="3032333" y="23330104"/>
+                <a:ext cx="2567625" cy="522514"/>
+              </a:xfrm>
+              <a:prstGeom prst="rect">
+                <a:avLst/>
+              </a:prstGeom>
+              <a:solidFill>
+                <a:srgbClr val="FF8989"/>
+              </a:solidFill>
+              <a:effectLst>
+                <a:outerShdw blurRad="50800" dist="38100" dir="2700000" algn="tl" rotWithShape="0">
+                  <a:prstClr val="black">
+                    <a:alpha val="40000"/>
+                  </a:prstClr>
+                </a:outerShdw>
+              </a:effectLst>
+            </p:spPr>
+            <p:style>
+              <a:lnRef idx="2">
+                <a:schemeClr val="accent2">
+                  <a:shade val="50000"/>
+                </a:schemeClr>
+              </a:lnRef>
+              <a:fillRef idx="1">
+                <a:schemeClr val="accent2"/>
+              </a:fillRef>
+              <a:effectRef idx="0">
+                <a:schemeClr val="accent2"/>
+              </a:effectRef>
+              <a:fontRef idx="minor">
+                <a:schemeClr val="lt1"/>
+              </a:fontRef>
+            </p:style>
+            <p:txBody>
+              <a:bodyPr rtlCol="0" anchor="ctr"/>
+              <a:lstStyle/>
+              <a:p>
+                <a:pPr algn="ctr"/>
+                <a:r>
+                  <a:rPr lang="zh-CN" altLang="en-US" dirty="0">
+                    <a:solidFill>
+                      <a:schemeClr val="tx1"/>
+                    </a:solidFill>
+                  </a:rPr>
+                  <a:t>看病</a:t>
+                </a:r>
+              </a:p>
+            </p:txBody>
+          </p:sp>
+          <p:sp>
+            <p:nvSpPr>
+              <p:cNvPr id="196" name="矩形 195">
+                <a:extLst>
+                  <a:ext uri="{FF2B5EF4-FFF2-40B4-BE49-F238E27FC236}">
+                    <a16:creationId xmlns:a16="http://schemas.microsoft.com/office/drawing/2014/main" id="{82C13D74-9966-4AA0-8541-BBEE8C77918D}"/>
+                  </a:ext>
+                </a:extLst>
+              </p:cNvPr>
+              <p:cNvSpPr/>
+              <p:nvPr/>
+            </p:nvSpPr>
+            <p:spPr>
+              <a:xfrm>
+                <a:off x="5601480" y="23330104"/>
+                <a:ext cx="2567625" cy="522514"/>
+              </a:xfrm>
+              <a:prstGeom prst="rect">
+                <a:avLst/>
+              </a:prstGeom>
+              <a:solidFill>
+                <a:srgbClr val="FF8989"/>
+              </a:solidFill>
+              <a:effectLst>
+                <a:outerShdw blurRad="50800" dist="38100" dir="2700000" algn="tl" rotWithShape="0">
+                  <a:prstClr val="black">
+                    <a:alpha val="40000"/>
+                  </a:prstClr>
+                </a:outerShdw>
+              </a:effectLst>
+            </p:spPr>
+            <p:style>
+              <a:lnRef idx="2">
+                <a:schemeClr val="accent2">
+                  <a:shade val="50000"/>
+                </a:schemeClr>
+              </a:lnRef>
+              <a:fillRef idx="1">
+                <a:schemeClr val="accent2"/>
+              </a:fillRef>
+              <a:effectRef idx="0">
+                <a:schemeClr val="accent2"/>
+              </a:effectRef>
+              <a:fontRef idx="minor">
+                <a:schemeClr val="lt1"/>
+              </a:fontRef>
+            </p:style>
+            <p:txBody>
+              <a:bodyPr rtlCol="0" anchor="ctr"/>
+              <a:lstStyle/>
+              <a:p>
+                <a:pPr algn="ctr"/>
+                <a:r>
+                  <a:rPr lang="zh-CN" altLang="en-US" dirty="0">
+                    <a:solidFill>
+                      <a:schemeClr val="tx1"/>
+                    </a:solidFill>
+                  </a:rPr>
+                  <a:t>看病</a:t>
+                </a:r>
+              </a:p>
+            </p:txBody>
+          </p:sp>
+          <p:sp>
+            <p:nvSpPr>
+              <p:cNvPr id="197" name="矩形 196">
+                <a:extLst>
+                  <a:ext uri="{FF2B5EF4-FFF2-40B4-BE49-F238E27FC236}">
+                    <a16:creationId xmlns:a16="http://schemas.microsoft.com/office/drawing/2014/main" id="{C9E0FD86-5460-4B32-B5BD-92CB7CF71612}"/>
+                  </a:ext>
+                </a:extLst>
+              </p:cNvPr>
+              <p:cNvSpPr/>
+              <p:nvPr/>
+            </p:nvSpPr>
+            <p:spPr>
+              <a:xfrm>
+                <a:off x="3033032" y="24283439"/>
+                <a:ext cx="2566926" cy="522514"/>
+              </a:xfrm>
+              <a:prstGeom prst="rect">
+                <a:avLst/>
+              </a:prstGeom>
+              <a:solidFill>
+                <a:srgbClr val="C5E0B4"/>
+              </a:solidFill>
+              <a:ln>
+                <a:solidFill>
+                  <a:srgbClr val="93C573"/>
+                </a:solidFill>
+              </a:ln>
+              <a:effectLst>
+                <a:outerShdw blurRad="50800" dist="38100" dir="2700000" algn="tl" rotWithShape="0">
+                  <a:prstClr val="black">
+                    <a:alpha val="40000"/>
+                  </a:prstClr>
+                </a:outerShdw>
+              </a:effectLst>
+            </p:spPr>
+            <p:style>
+              <a:lnRef idx="2">
+                <a:schemeClr val="accent1">
+                  <a:shade val="50000"/>
+                </a:schemeClr>
+              </a:lnRef>
+              <a:fillRef idx="1">
+                <a:schemeClr val="accent1"/>
+              </a:fillRef>
+              <a:effectRef idx="0">
+                <a:schemeClr val="accent1"/>
+              </a:effectRef>
+              <a:fontRef idx="minor">
+                <a:schemeClr val="lt1"/>
+              </a:fontRef>
+            </p:style>
+            <p:txBody>
+              <a:bodyPr rtlCol="0" anchor="ctr"/>
+              <a:lstStyle/>
+              <a:p>
+                <a:pPr algn="ctr"/>
+                <a:r>
+                  <a:rPr lang="zh-CN" altLang="en-US" dirty="0">
+                    <a:solidFill>
+                      <a:schemeClr val="tx1"/>
+                    </a:solidFill>
+                  </a:rPr>
+                  <a:t>看病</a:t>
+                </a:r>
+              </a:p>
+            </p:txBody>
+          </p:sp>
+          <p:sp>
+            <p:nvSpPr>
+              <p:cNvPr id="198" name="矩形 197">
+                <a:extLst>
+                  <a:ext uri="{FF2B5EF4-FFF2-40B4-BE49-F238E27FC236}">
+                    <a16:creationId xmlns:a16="http://schemas.microsoft.com/office/drawing/2014/main" id="{9B4DF06A-FB8E-4FFE-A169-4ADEF7932224}"/>
+                  </a:ext>
+                </a:extLst>
+              </p:cNvPr>
+              <p:cNvSpPr/>
+              <p:nvPr/>
+            </p:nvSpPr>
+            <p:spPr>
+              <a:xfrm>
+                <a:off x="5598772" y="24283439"/>
+                <a:ext cx="2566926" cy="522514"/>
+              </a:xfrm>
+              <a:prstGeom prst="rect">
+                <a:avLst/>
+              </a:prstGeom>
+              <a:solidFill>
+                <a:srgbClr val="C5E0B4"/>
+              </a:solidFill>
+              <a:ln>
+                <a:solidFill>
+                  <a:srgbClr val="93C573"/>
+                </a:solidFill>
+              </a:ln>
+              <a:effectLst>
+                <a:outerShdw blurRad="50800" dist="38100" dir="2700000" algn="tl" rotWithShape="0">
+                  <a:prstClr val="black">
+                    <a:alpha val="40000"/>
+                  </a:prstClr>
+                </a:outerShdw>
+              </a:effectLst>
+            </p:spPr>
+            <p:style>
+              <a:lnRef idx="2">
+                <a:schemeClr val="accent1">
+                  <a:shade val="50000"/>
+                </a:schemeClr>
+              </a:lnRef>
+              <a:fillRef idx="1">
+                <a:schemeClr val="accent1"/>
+              </a:fillRef>
+              <a:effectRef idx="0">
+                <a:schemeClr val="accent1"/>
+              </a:effectRef>
+              <a:fontRef idx="minor">
+                <a:schemeClr val="lt1"/>
+              </a:fontRef>
+            </p:style>
+            <p:txBody>
+              <a:bodyPr rtlCol="0" anchor="ctr"/>
+              <a:lstStyle/>
+              <a:p>
+                <a:pPr algn="ctr"/>
+                <a:r>
+                  <a:rPr lang="zh-CN" altLang="en-US" dirty="0">
+                    <a:solidFill>
+                      <a:schemeClr val="tx1"/>
+                    </a:solidFill>
+                  </a:rPr>
+                  <a:t>看病</a:t>
+                </a:r>
+              </a:p>
+            </p:txBody>
+          </p:sp>
+          <p:sp>
+            <p:nvSpPr>
+              <p:cNvPr id="199" name="矩形 198">
+                <a:extLst>
+                  <a:ext uri="{FF2B5EF4-FFF2-40B4-BE49-F238E27FC236}">
+                    <a16:creationId xmlns:a16="http://schemas.microsoft.com/office/drawing/2014/main" id="{F2A0F722-297D-4759-ADA3-7586949A1874}"/>
+                  </a:ext>
+                </a:extLst>
+              </p:cNvPr>
+              <p:cNvSpPr/>
+              <p:nvPr/>
+            </p:nvSpPr>
+            <p:spPr>
+              <a:xfrm>
+                <a:off x="3038177" y="25230835"/>
+                <a:ext cx="2560595" cy="522514"/>
+              </a:xfrm>
+              <a:prstGeom prst="rect">
+                <a:avLst/>
+              </a:prstGeom>
+              <a:solidFill>
+                <a:srgbClr val="FFE699"/>
+              </a:solidFill>
+              <a:ln>
+                <a:solidFill>
+                  <a:srgbClr val="FFCF37"/>
+                </a:solidFill>
+              </a:ln>
+              <a:effectLst>
+                <a:outerShdw blurRad="50800" dist="38100" dir="2700000" algn="tl" rotWithShape="0">
+                  <a:prstClr val="black">
+                    <a:alpha val="40000"/>
+                  </a:prstClr>
+                </a:outerShdw>
+              </a:effectLst>
+            </p:spPr>
+            <p:style>
+              <a:lnRef idx="2">
+                <a:schemeClr val="accent2">
+                  <a:shade val="50000"/>
+                </a:schemeClr>
+              </a:lnRef>
+              <a:fillRef idx="1">
+                <a:schemeClr val="accent2"/>
+              </a:fillRef>
+              <a:effectRef idx="0">
+                <a:schemeClr val="accent2"/>
+              </a:effectRef>
+              <a:fontRef idx="minor">
+                <a:schemeClr val="lt1"/>
+              </a:fontRef>
+            </p:style>
+            <p:txBody>
+              <a:bodyPr rtlCol="0" anchor="ctr"/>
+              <a:lstStyle/>
+              <a:p>
+                <a:pPr algn="ctr"/>
+                <a:r>
+                  <a:rPr lang="zh-CN" altLang="en-US" dirty="0">
+                    <a:solidFill>
+                      <a:schemeClr val="tx1"/>
+                    </a:solidFill>
+                  </a:rPr>
+                  <a:t>看病</a:t>
+                </a:r>
+              </a:p>
+            </p:txBody>
+          </p:sp>
+          <p:sp>
+            <p:nvSpPr>
+              <p:cNvPr id="200" name="矩形 199">
+                <a:extLst>
+                  <a:ext uri="{FF2B5EF4-FFF2-40B4-BE49-F238E27FC236}">
+                    <a16:creationId xmlns:a16="http://schemas.microsoft.com/office/drawing/2014/main" id="{B91A1367-55F0-4452-8ADF-A662E7705C30}"/>
+                  </a:ext>
+                </a:extLst>
+              </p:cNvPr>
+              <p:cNvSpPr/>
+              <p:nvPr/>
+            </p:nvSpPr>
+            <p:spPr>
+              <a:xfrm>
+                <a:off x="5606902" y="25230835"/>
+                <a:ext cx="2560595" cy="522514"/>
+              </a:xfrm>
+              <a:prstGeom prst="rect">
+                <a:avLst/>
+              </a:prstGeom>
+              <a:solidFill>
+                <a:srgbClr val="FFE699"/>
+              </a:solidFill>
+              <a:ln>
+                <a:solidFill>
+                  <a:srgbClr val="FFCF37"/>
+                </a:solidFill>
+              </a:ln>
+              <a:effectLst>
+                <a:outerShdw blurRad="50800" dist="38100" dir="2700000" algn="tl" rotWithShape="0">
+                  <a:prstClr val="black">
+                    <a:alpha val="40000"/>
+                  </a:prstClr>
+                </a:outerShdw>
+              </a:effectLst>
+            </p:spPr>
+            <p:style>
+              <a:lnRef idx="2">
+                <a:schemeClr val="accent2">
+                  <a:shade val="50000"/>
+                </a:schemeClr>
+              </a:lnRef>
+              <a:fillRef idx="1">
+                <a:schemeClr val="accent2"/>
+              </a:fillRef>
+              <a:effectRef idx="0">
+                <a:schemeClr val="accent2"/>
+              </a:effectRef>
+              <a:fontRef idx="minor">
+                <a:schemeClr val="lt1"/>
+              </a:fontRef>
+            </p:style>
+            <p:txBody>
+              <a:bodyPr rtlCol="0" anchor="ctr"/>
+              <a:lstStyle/>
+              <a:p>
+                <a:pPr algn="ctr"/>
+                <a:r>
+                  <a:rPr lang="zh-CN" altLang="en-US" dirty="0">
+                    <a:solidFill>
+                      <a:schemeClr val="tx1"/>
+                    </a:solidFill>
+                  </a:rPr>
+                  <a:t>看病</a:t>
+                </a:r>
+              </a:p>
+            </p:txBody>
+          </p:sp>
+        </p:grpSp>
+        <p:sp>
+          <p:nvSpPr>
+            <p:cNvPr id="201" name="文本框 200">
+              <a:extLst>
+                <a:ext uri="{FF2B5EF4-FFF2-40B4-BE49-F238E27FC236}">
+                  <a16:creationId xmlns:a16="http://schemas.microsoft.com/office/drawing/2014/main" id="{74C1FB4A-C3F0-4FFA-9497-37FC905603E5}"/>
+                </a:ext>
+              </a:extLst>
+            </p:cNvPr>
+            <p:cNvSpPr txBox="1"/>
+            <p:nvPr/>
+          </p:nvSpPr>
+          <p:spPr>
+            <a:xfrm>
+              <a:off x="3992979" y="21632092"/>
+              <a:ext cx="646331" cy="369332"/>
+            </a:xfrm>
+            <a:prstGeom prst="rect">
+              <a:avLst/>
+            </a:prstGeom>
+            <a:noFill/>
+          </p:spPr>
+          <p:txBody>
+            <a:bodyPr wrap="none" rtlCol="0">
+              <a:spAutoFit/>
+            </a:bodyPr>
+            <a:lstStyle/>
+            <a:p>
+              <a:r>
+                <a:rPr lang="zh-CN" altLang="en-US" dirty="0"/>
+                <a:t>病人</a:t>
+              </a:r>
+            </a:p>
+          </p:txBody>
+        </p:sp>
+        <p:sp>
+          <p:nvSpPr>
+            <p:cNvPr id="202" name="文本框 201">
+              <a:extLst>
+                <a:ext uri="{FF2B5EF4-FFF2-40B4-BE49-F238E27FC236}">
+                  <a16:creationId xmlns:a16="http://schemas.microsoft.com/office/drawing/2014/main" id="{ADD759EC-54E1-4C98-9156-C0EE4FB32941}"/>
+                </a:ext>
+              </a:extLst>
+            </p:cNvPr>
+            <p:cNvSpPr txBox="1"/>
+            <p:nvPr/>
+          </p:nvSpPr>
+          <p:spPr>
+            <a:xfrm>
+              <a:off x="6580654" y="21632092"/>
+              <a:ext cx="646331" cy="369332"/>
+            </a:xfrm>
+            <a:prstGeom prst="rect">
+              <a:avLst/>
+            </a:prstGeom>
+            <a:noFill/>
+          </p:spPr>
+          <p:txBody>
+            <a:bodyPr wrap="none" rtlCol="0">
+              <a:spAutoFit/>
+            </a:bodyPr>
+            <a:lstStyle/>
+            <a:p>
+              <a:r>
+                <a:rPr lang="zh-CN" altLang="en-US" dirty="0"/>
+                <a:t>病人</a:t>
+              </a:r>
+            </a:p>
+          </p:txBody>
+        </p:sp>
+      </p:grpSp>
+      <p:grpSp>
+        <p:nvGrpSpPr>
+          <p:cNvPr id="21" name="组合 20">
+            <a:extLst>
+              <a:ext uri="{FF2B5EF4-FFF2-40B4-BE49-F238E27FC236}">
+                <a16:creationId xmlns:a16="http://schemas.microsoft.com/office/drawing/2014/main" id="{51CEB88A-B03C-4E2C-BE55-DC73E6B477EE}"/>
+              </a:ext>
+            </a:extLst>
+          </p:cNvPr>
+          <p:cNvGrpSpPr/>
+          <p:nvPr/>
+        </p:nvGrpSpPr>
+        <p:grpSpPr>
+          <a:xfrm>
+            <a:off x="1644329" y="26597547"/>
+            <a:ext cx="5134551" cy="1579478"/>
+            <a:chOff x="4075007" y="27420232"/>
+            <a:chExt cx="5134551" cy="1579478"/>
+          </a:xfrm>
+        </p:grpSpPr>
+        <p:sp>
+          <p:nvSpPr>
+            <p:cNvPr id="203" name="矩形 202">
+              <a:extLst>
+                <a:ext uri="{FF2B5EF4-FFF2-40B4-BE49-F238E27FC236}">
+                  <a16:creationId xmlns:a16="http://schemas.microsoft.com/office/drawing/2014/main" id="{AC63324E-D4BF-4E8D-8F8D-4B7E40C81698}"/>
+                </a:ext>
+              </a:extLst>
+            </p:cNvPr>
+            <p:cNvSpPr/>
+            <p:nvPr/>
+          </p:nvSpPr>
+          <p:spPr>
+            <a:xfrm>
+              <a:off x="4075007" y="27420232"/>
+              <a:ext cx="5134551" cy="522514"/>
+            </a:xfrm>
+            <a:prstGeom prst="rect">
+              <a:avLst/>
+            </a:prstGeom>
+            <a:solidFill>
+              <a:srgbClr val="99CCFF"/>
+            </a:solidFill>
+            <a:ln>
+              <a:solidFill>
+                <a:srgbClr val="0D86FF"/>
+              </a:solidFill>
+            </a:ln>
+            <a:effectLst>
+              <a:outerShdw blurRad="50800" dist="38100" dir="2700000" algn="tl" rotWithShape="0">
+                <a:prstClr val="black">
+                  <a:alpha val="40000"/>
+                </a:prstClr>
+              </a:outerShdw>
+            </a:effectLst>
+          </p:spPr>
+          <p:style>
+            <a:lnRef idx="2">
+              <a:schemeClr val="accent1">
+                <a:shade val="50000"/>
+              </a:schemeClr>
+            </a:lnRef>
+            <a:fillRef idx="1">
+              <a:schemeClr val="accent1"/>
+            </a:fillRef>
+            <a:effectRef idx="0">
+              <a:schemeClr val="accent1"/>
+            </a:effectRef>
+            <a:fontRef idx="minor">
+              <a:schemeClr val="lt1"/>
+            </a:fontRef>
+          </p:style>
+          <p:txBody>
+            <a:bodyPr rtlCol="0" anchor="ctr"/>
+            <a:lstStyle/>
+            <a:p>
+              <a:pPr algn="ctr"/>
+              <a:r>
+                <a:rPr lang="zh-CN" altLang="en-US" dirty="0">
+                  <a:solidFill>
+                    <a:schemeClr val="tx1"/>
+                  </a:solidFill>
+                </a:rPr>
+                <a:t>看病</a:t>
+              </a:r>
+            </a:p>
+          </p:txBody>
+        </p:sp>
+        <p:sp>
+          <p:nvSpPr>
+            <p:cNvPr id="204" name="矩形 203">
+              <a:extLst>
+                <a:ext uri="{FF2B5EF4-FFF2-40B4-BE49-F238E27FC236}">
+                  <a16:creationId xmlns:a16="http://schemas.microsoft.com/office/drawing/2014/main" id="{F6B824FF-0186-4C79-A98B-1C7D5DEF672D}"/>
+                </a:ext>
+              </a:extLst>
+            </p:cNvPr>
+            <p:cNvSpPr/>
+            <p:nvPr/>
+          </p:nvSpPr>
+          <p:spPr>
+            <a:xfrm>
+              <a:off x="4075007" y="28477196"/>
+              <a:ext cx="1285200" cy="522514"/>
+            </a:xfrm>
+            <a:prstGeom prst="rect">
+              <a:avLst/>
+            </a:prstGeom>
+            <a:solidFill>
+              <a:srgbClr val="99CCFF"/>
+            </a:solidFill>
+            <a:ln>
+              <a:solidFill>
+                <a:srgbClr val="0D86FF"/>
+              </a:solidFill>
+            </a:ln>
+            <a:effectLst>
+              <a:outerShdw blurRad="50800" dist="38100" dir="2700000" algn="tl" rotWithShape="0">
+                <a:prstClr val="black">
+                  <a:alpha val="40000"/>
+                </a:prstClr>
+              </a:outerShdw>
+            </a:effectLst>
+          </p:spPr>
+          <p:style>
+            <a:lnRef idx="2">
+              <a:schemeClr val="accent1">
+                <a:shade val="50000"/>
+              </a:schemeClr>
+            </a:lnRef>
+            <a:fillRef idx="1">
+              <a:schemeClr val="accent1"/>
+            </a:fillRef>
+            <a:effectRef idx="0">
+              <a:schemeClr val="accent1"/>
+            </a:effectRef>
+            <a:fontRef idx="minor">
+              <a:schemeClr val="lt1"/>
+            </a:fontRef>
+          </p:style>
+          <p:txBody>
+            <a:bodyPr rtlCol="0" anchor="ctr"/>
+            <a:lstStyle/>
+            <a:p>
+              <a:pPr algn="ctr"/>
+              <a:r>
+                <a:rPr lang="zh-CN" altLang="en-US" dirty="0">
+                  <a:solidFill>
+                    <a:schemeClr val="tx1"/>
+                  </a:solidFill>
+                </a:rPr>
+                <a:t>挂号</a:t>
+              </a:r>
+            </a:p>
+          </p:txBody>
+        </p:sp>
+        <p:sp>
+          <p:nvSpPr>
+            <p:cNvPr id="205" name="矩形 204">
+              <a:extLst>
+                <a:ext uri="{FF2B5EF4-FFF2-40B4-BE49-F238E27FC236}">
+                  <a16:creationId xmlns:a16="http://schemas.microsoft.com/office/drawing/2014/main" id="{846CB202-EED2-4C65-8341-42A111E6179E}"/>
+                </a:ext>
+              </a:extLst>
+            </p:cNvPr>
+            <p:cNvSpPr/>
+            <p:nvPr/>
+          </p:nvSpPr>
+          <p:spPr>
+            <a:xfrm>
+              <a:off x="5358124" y="28477196"/>
+              <a:ext cx="1285200" cy="522514"/>
+            </a:xfrm>
+            <a:prstGeom prst="rect">
+              <a:avLst/>
+            </a:prstGeom>
+            <a:solidFill>
+              <a:srgbClr val="FF8989"/>
+            </a:solidFill>
+            <a:effectLst>
+              <a:outerShdw blurRad="50800" dist="38100" dir="2700000" algn="tl" rotWithShape="0">
+                <a:prstClr val="black">
+                  <a:alpha val="40000"/>
+                </a:prstClr>
+              </a:outerShdw>
+            </a:effectLst>
+          </p:spPr>
+          <p:style>
+            <a:lnRef idx="2">
+              <a:schemeClr val="accent2">
+                <a:shade val="50000"/>
+              </a:schemeClr>
+            </a:lnRef>
+            <a:fillRef idx="1">
+              <a:schemeClr val="accent2"/>
+            </a:fillRef>
+            <a:effectRef idx="0">
+              <a:schemeClr val="accent2"/>
+            </a:effectRef>
+            <a:fontRef idx="minor">
+              <a:schemeClr val="lt1"/>
+            </a:fontRef>
+          </p:style>
+          <p:txBody>
+            <a:bodyPr rtlCol="0" anchor="ctr"/>
+            <a:lstStyle/>
+            <a:p>
+              <a:pPr algn="ctr"/>
+              <a:r>
+                <a:rPr lang="zh-CN" altLang="en-US" dirty="0">
+                  <a:solidFill>
+                    <a:schemeClr val="tx1"/>
+                  </a:solidFill>
+                </a:rPr>
+                <a:t>看病</a:t>
+              </a:r>
+            </a:p>
+          </p:txBody>
+        </p:sp>
+        <p:sp>
+          <p:nvSpPr>
+            <p:cNvPr id="206" name="矩形 205">
+              <a:extLst>
+                <a:ext uri="{FF2B5EF4-FFF2-40B4-BE49-F238E27FC236}">
+                  <a16:creationId xmlns:a16="http://schemas.microsoft.com/office/drawing/2014/main" id="{153769F7-3EBF-4D9A-9E26-6963D1F7E90A}"/>
+                </a:ext>
+              </a:extLst>
+            </p:cNvPr>
+            <p:cNvSpPr/>
+            <p:nvPr/>
+          </p:nvSpPr>
+          <p:spPr>
+            <a:xfrm>
+              <a:off x="6641241" y="28477196"/>
+              <a:ext cx="1285200" cy="522514"/>
+            </a:xfrm>
+            <a:prstGeom prst="rect">
+              <a:avLst/>
+            </a:prstGeom>
+            <a:solidFill>
+              <a:srgbClr val="C5E0B4"/>
+            </a:solidFill>
+            <a:ln>
+              <a:solidFill>
+                <a:srgbClr val="93C573"/>
+              </a:solidFill>
+            </a:ln>
+            <a:effectLst>
+              <a:outerShdw blurRad="50800" dist="38100" dir="2700000" algn="tl" rotWithShape="0">
+                <a:prstClr val="black">
+                  <a:alpha val="40000"/>
+                </a:prstClr>
+              </a:outerShdw>
+            </a:effectLst>
+          </p:spPr>
+          <p:style>
+            <a:lnRef idx="2">
+              <a:schemeClr val="accent1">
+                <a:shade val="50000"/>
+              </a:schemeClr>
+            </a:lnRef>
+            <a:fillRef idx="1">
+              <a:schemeClr val="accent1"/>
+            </a:fillRef>
+            <a:effectRef idx="0">
+              <a:schemeClr val="accent1"/>
+            </a:effectRef>
+            <a:fontRef idx="minor">
+              <a:schemeClr val="lt1"/>
+            </a:fontRef>
+          </p:style>
+          <p:txBody>
+            <a:bodyPr rtlCol="0" anchor="ctr"/>
+            <a:lstStyle/>
+            <a:p>
+              <a:pPr algn="ctr"/>
+              <a:r>
+                <a:rPr lang="zh-CN" altLang="en-US" dirty="0">
+                  <a:solidFill>
+                    <a:schemeClr val="tx1"/>
+                  </a:solidFill>
+                </a:rPr>
+                <a:t>缴费</a:t>
+              </a:r>
+            </a:p>
+          </p:txBody>
+        </p:sp>
+        <p:sp>
+          <p:nvSpPr>
+            <p:cNvPr id="207" name="矩形 206">
+              <a:extLst>
+                <a:ext uri="{FF2B5EF4-FFF2-40B4-BE49-F238E27FC236}">
+                  <a16:creationId xmlns:a16="http://schemas.microsoft.com/office/drawing/2014/main" id="{5E5AC28C-8458-449D-A09C-B39032267204}"/>
+                </a:ext>
+              </a:extLst>
+            </p:cNvPr>
+            <p:cNvSpPr/>
+            <p:nvPr/>
+          </p:nvSpPr>
+          <p:spPr>
+            <a:xfrm>
+              <a:off x="7924358" y="28477196"/>
+              <a:ext cx="1285200" cy="522514"/>
+            </a:xfrm>
+            <a:prstGeom prst="rect">
+              <a:avLst/>
+            </a:prstGeom>
+            <a:solidFill>
+              <a:srgbClr val="FFE699"/>
+            </a:solidFill>
+            <a:ln>
+              <a:solidFill>
+                <a:srgbClr val="FFCF37"/>
+              </a:solidFill>
+            </a:ln>
+            <a:effectLst>
+              <a:outerShdw blurRad="50800" dist="38100" dir="2700000" algn="tl" rotWithShape="0">
+                <a:prstClr val="black">
+                  <a:alpha val="40000"/>
+                </a:prstClr>
+              </a:outerShdw>
+            </a:effectLst>
+          </p:spPr>
+          <p:style>
+            <a:lnRef idx="2">
+              <a:schemeClr val="accent2">
+                <a:shade val="50000"/>
+              </a:schemeClr>
+            </a:lnRef>
+            <a:fillRef idx="1">
+              <a:schemeClr val="accent2"/>
+            </a:fillRef>
+            <a:effectRef idx="0">
+              <a:schemeClr val="accent2"/>
+            </a:effectRef>
+            <a:fontRef idx="minor">
+              <a:schemeClr val="lt1"/>
+            </a:fontRef>
+          </p:style>
+          <p:txBody>
+            <a:bodyPr rtlCol="0" anchor="ctr"/>
+            <a:lstStyle/>
+            <a:p>
+              <a:pPr algn="ctr"/>
+              <a:r>
+                <a:rPr lang="zh-CN" altLang="en-US" dirty="0">
+                  <a:solidFill>
+                    <a:schemeClr val="tx1"/>
+                  </a:solidFill>
+                </a:rPr>
+                <a:t>抓药</a:t>
+              </a:r>
+            </a:p>
+          </p:txBody>
+        </p:sp>
+        <p:sp>
+          <p:nvSpPr>
+            <p:cNvPr id="19" name="箭头: 下 18">
+              <a:extLst>
+                <a:ext uri="{FF2B5EF4-FFF2-40B4-BE49-F238E27FC236}">
+                  <a16:creationId xmlns:a16="http://schemas.microsoft.com/office/drawing/2014/main" id="{E39F5601-6A62-4B3C-9099-CDFDB20A0DED}"/>
+                </a:ext>
+              </a:extLst>
+            </p:cNvPr>
+            <p:cNvSpPr/>
+            <p:nvPr/>
+          </p:nvSpPr>
+          <p:spPr>
+            <a:xfrm>
+              <a:off x="6515814" y="27942746"/>
+              <a:ext cx="258815" cy="522514"/>
+            </a:xfrm>
+            <a:prstGeom prst="downArrow">
+              <a:avLst/>
+            </a:prstGeom>
+          </p:spPr>
+          <p:style>
+            <a:lnRef idx="2">
+              <a:schemeClr val="accent1">
+                <a:shade val="50000"/>
+              </a:schemeClr>
+            </a:lnRef>
+            <a:fillRef idx="1">
+              <a:schemeClr val="accent1"/>
+            </a:fillRef>
+            <a:effectRef idx="0">
+              <a:schemeClr val="accent1"/>
+            </a:effectRef>
+            <a:fontRef idx="minor">
+              <a:schemeClr val="lt1"/>
+            </a:fontRef>
+          </p:style>
+          <p:txBody>
+            <a:bodyPr rtlCol="0" anchor="ctr"/>
+            <a:lstStyle/>
+            <a:p>
+              <a:pPr algn="ctr"/>
+              <a:endParaRPr lang="zh-CN" altLang="en-US"/>
+            </a:p>
+          </p:txBody>
+        </p:sp>
+      </p:grpSp>
+      <p:grpSp>
+        <p:nvGrpSpPr>
+          <p:cNvPr id="23" name="组合 22">
+            <a:extLst>
+              <a:ext uri="{FF2B5EF4-FFF2-40B4-BE49-F238E27FC236}">
+                <a16:creationId xmlns:a16="http://schemas.microsoft.com/office/drawing/2014/main" id="{C826EE01-A517-4376-AB29-83F3E07C7729}"/>
+              </a:ext>
+            </a:extLst>
+          </p:cNvPr>
+          <p:cNvGrpSpPr/>
+          <p:nvPr/>
+        </p:nvGrpSpPr>
+        <p:grpSpPr>
+          <a:xfrm>
+            <a:off x="1644329" y="29226850"/>
+            <a:ext cx="5165384" cy="6669719"/>
+            <a:chOff x="10251480" y="27066920"/>
+            <a:chExt cx="5165384" cy="6669719"/>
+          </a:xfrm>
+        </p:grpSpPr>
+        <p:sp>
+          <p:nvSpPr>
+            <p:cNvPr id="208" name="流程图: 终止 207">
+              <a:extLst>
+                <a:ext uri="{FF2B5EF4-FFF2-40B4-BE49-F238E27FC236}">
+                  <a16:creationId xmlns:a16="http://schemas.microsoft.com/office/drawing/2014/main" id="{7AD021EC-0F34-4E45-8C38-A976518D024E}"/>
+                </a:ext>
+              </a:extLst>
+            </p:cNvPr>
+            <p:cNvSpPr/>
+            <p:nvPr/>
+          </p:nvSpPr>
+          <p:spPr>
+            <a:xfrm>
+              <a:off x="10359878" y="27066920"/>
+              <a:ext cx="1007529" cy="522514"/>
+            </a:xfrm>
+            <a:prstGeom prst="flowChartTerminator">
+              <a:avLst/>
+            </a:prstGeom>
+            <a:solidFill>
+              <a:srgbClr val="99CCFF"/>
+            </a:solidFill>
+            <a:ln>
+              <a:solidFill>
+                <a:srgbClr val="0D86FF"/>
+              </a:solidFill>
+            </a:ln>
+            <a:effectLst>
+              <a:outerShdw blurRad="50800" dist="38100" dir="2700000" algn="tl" rotWithShape="0">
+                <a:prstClr val="black">
+                  <a:alpha val="40000"/>
+                </a:prstClr>
+              </a:outerShdw>
+            </a:effectLst>
+          </p:spPr>
+          <p:style>
+            <a:lnRef idx="2">
+              <a:schemeClr val="accent1">
+                <a:shade val="50000"/>
+              </a:schemeClr>
+            </a:lnRef>
+            <a:fillRef idx="1">
+              <a:schemeClr val="accent1"/>
+            </a:fillRef>
+            <a:effectRef idx="0">
+              <a:schemeClr val="accent1"/>
+            </a:effectRef>
+            <a:fontRef idx="minor">
+              <a:schemeClr val="lt1"/>
+            </a:fontRef>
+          </p:style>
+          <p:txBody>
+            <a:bodyPr rtlCol="0" anchor="ctr"/>
+            <a:lstStyle/>
+            <a:p>
+              <a:pPr algn="ctr"/>
+              <a:r>
+                <a:rPr lang="zh-CN" altLang="en-US" dirty="0">
+                  <a:solidFill>
+                    <a:schemeClr val="tx1"/>
+                  </a:solidFill>
+                </a:rPr>
+                <a:t>医生</a:t>
+              </a:r>
+              <a:r>
+                <a:rPr lang="en-US" altLang="zh-CN" dirty="0">
+                  <a:solidFill>
+                    <a:schemeClr val="tx1"/>
+                  </a:solidFill>
+                </a:rPr>
+                <a:t>1</a:t>
+              </a:r>
+              <a:endParaRPr lang="zh-CN" altLang="en-US" dirty="0">
+                <a:solidFill>
+                  <a:schemeClr val="tx1"/>
+                </a:solidFill>
+              </a:endParaRPr>
+            </a:p>
+          </p:txBody>
+        </p:sp>
+        <p:sp>
+          <p:nvSpPr>
+            <p:cNvPr id="209" name="流程图: 终止 208">
+              <a:extLst>
+                <a:ext uri="{FF2B5EF4-FFF2-40B4-BE49-F238E27FC236}">
+                  <a16:creationId xmlns:a16="http://schemas.microsoft.com/office/drawing/2014/main" id="{89EF50B6-DA28-4CA5-BE85-B75227C92131}"/>
+                </a:ext>
+              </a:extLst>
+            </p:cNvPr>
+            <p:cNvSpPr/>
+            <p:nvPr/>
+          </p:nvSpPr>
+          <p:spPr>
+            <a:xfrm>
+              <a:off x="11735017" y="27066920"/>
+              <a:ext cx="1005673" cy="522514"/>
+            </a:xfrm>
+            <a:prstGeom prst="flowChartTerminator">
+              <a:avLst/>
+            </a:prstGeom>
+            <a:solidFill>
+              <a:srgbClr val="FF8989"/>
+            </a:solidFill>
+            <a:effectLst>
+              <a:outerShdw blurRad="50800" dist="38100" dir="2700000" algn="tl" rotWithShape="0">
+                <a:prstClr val="black">
+                  <a:alpha val="40000"/>
+                </a:prstClr>
+              </a:outerShdw>
+            </a:effectLst>
+          </p:spPr>
+          <p:style>
+            <a:lnRef idx="2">
+              <a:schemeClr val="accent2">
+                <a:shade val="50000"/>
+              </a:schemeClr>
+            </a:lnRef>
+            <a:fillRef idx="1">
+              <a:schemeClr val="accent2"/>
+            </a:fillRef>
+            <a:effectRef idx="0">
+              <a:schemeClr val="accent2"/>
+            </a:effectRef>
+            <a:fontRef idx="minor">
+              <a:schemeClr val="lt1"/>
+            </a:fontRef>
+          </p:style>
+          <p:txBody>
+            <a:bodyPr rtlCol="0" anchor="ctr"/>
+            <a:lstStyle/>
+            <a:p>
+              <a:pPr algn="ctr"/>
+              <a:r>
+                <a:rPr lang="zh-CN" altLang="en-US" dirty="0">
+                  <a:solidFill>
+                    <a:schemeClr val="tx1"/>
+                  </a:solidFill>
+                </a:rPr>
+                <a:t>医生</a:t>
+              </a:r>
+              <a:r>
+                <a:rPr lang="en-US" altLang="zh-CN" dirty="0">
+                  <a:solidFill>
+                    <a:schemeClr val="tx1"/>
+                  </a:solidFill>
+                </a:rPr>
+                <a:t>2</a:t>
+              </a:r>
+              <a:endParaRPr lang="zh-CN" altLang="en-US" dirty="0">
+                <a:solidFill>
+                  <a:schemeClr val="tx1"/>
+                </a:solidFill>
+              </a:endParaRPr>
+            </a:p>
+          </p:txBody>
+        </p:sp>
+        <p:sp>
+          <p:nvSpPr>
+            <p:cNvPr id="210" name="流程图: 终止 209">
+              <a:extLst>
+                <a:ext uri="{FF2B5EF4-FFF2-40B4-BE49-F238E27FC236}">
+                  <a16:creationId xmlns:a16="http://schemas.microsoft.com/office/drawing/2014/main" id="{C7E26563-3F46-4427-9791-C0C8CBD9C146}"/>
+                </a:ext>
+              </a:extLst>
+            </p:cNvPr>
+            <p:cNvSpPr/>
+            <p:nvPr/>
+          </p:nvSpPr>
+          <p:spPr>
+            <a:xfrm>
+              <a:off x="13026397" y="27066920"/>
+              <a:ext cx="1007529" cy="522514"/>
+            </a:xfrm>
+            <a:prstGeom prst="flowChartTerminator">
+              <a:avLst/>
+            </a:prstGeom>
+            <a:solidFill>
+              <a:srgbClr val="C5E0B4"/>
+            </a:solidFill>
+            <a:ln>
+              <a:solidFill>
+                <a:srgbClr val="93C573"/>
+              </a:solidFill>
+            </a:ln>
+            <a:effectLst>
+              <a:outerShdw blurRad="50800" dist="38100" dir="2700000" algn="tl" rotWithShape="0">
+                <a:prstClr val="black">
+                  <a:alpha val="40000"/>
+                </a:prstClr>
+              </a:outerShdw>
+            </a:effectLst>
+          </p:spPr>
+          <p:style>
+            <a:lnRef idx="2">
+              <a:schemeClr val="accent1">
+                <a:shade val="50000"/>
+              </a:schemeClr>
+            </a:lnRef>
+            <a:fillRef idx="1">
+              <a:schemeClr val="accent1"/>
+            </a:fillRef>
+            <a:effectRef idx="0">
+              <a:schemeClr val="accent1"/>
+            </a:effectRef>
+            <a:fontRef idx="minor">
+              <a:schemeClr val="lt1"/>
+            </a:fontRef>
+          </p:style>
+          <p:txBody>
+            <a:bodyPr rtlCol="0" anchor="ctr"/>
+            <a:lstStyle/>
+            <a:p>
+              <a:pPr algn="ctr"/>
+              <a:r>
+                <a:rPr lang="zh-CN" altLang="en-US" dirty="0">
+                  <a:solidFill>
+                    <a:schemeClr val="tx1"/>
+                  </a:solidFill>
+                </a:rPr>
+                <a:t>医生</a:t>
+              </a:r>
+              <a:r>
+                <a:rPr lang="en-US" altLang="zh-CN" dirty="0">
+                  <a:solidFill>
+                    <a:schemeClr val="tx1"/>
+                  </a:solidFill>
+                </a:rPr>
+                <a:t>3</a:t>
+              </a:r>
+              <a:endParaRPr lang="zh-CN" altLang="en-US" dirty="0">
+                <a:solidFill>
+                  <a:schemeClr val="tx1"/>
+                </a:solidFill>
+              </a:endParaRPr>
+            </a:p>
+          </p:txBody>
+        </p:sp>
+        <p:sp>
+          <p:nvSpPr>
+            <p:cNvPr id="211" name="流程图: 终止 210">
+              <a:extLst>
+                <a:ext uri="{FF2B5EF4-FFF2-40B4-BE49-F238E27FC236}">
+                  <a16:creationId xmlns:a16="http://schemas.microsoft.com/office/drawing/2014/main" id="{1F7CF6E7-5999-468B-AFF0-DDE073214AA2}"/>
+                </a:ext>
+              </a:extLst>
+            </p:cNvPr>
+            <p:cNvSpPr/>
+            <p:nvPr/>
+          </p:nvSpPr>
+          <p:spPr>
+            <a:xfrm>
+              <a:off x="14407777" y="27066920"/>
+              <a:ext cx="1005673" cy="522514"/>
+            </a:xfrm>
+            <a:prstGeom prst="flowChartTerminator">
+              <a:avLst/>
+            </a:prstGeom>
+            <a:solidFill>
+              <a:srgbClr val="FFE699"/>
+            </a:solidFill>
+            <a:ln>
+              <a:solidFill>
+                <a:srgbClr val="FFCF37"/>
+              </a:solidFill>
+            </a:ln>
+            <a:effectLst>
+              <a:outerShdw blurRad="50800" dist="38100" dir="2700000" algn="tl" rotWithShape="0">
+                <a:prstClr val="black">
+                  <a:alpha val="40000"/>
+                </a:prstClr>
+              </a:outerShdw>
+            </a:effectLst>
+          </p:spPr>
+          <p:style>
+            <a:lnRef idx="2">
+              <a:schemeClr val="accent2">
+                <a:shade val="50000"/>
+              </a:schemeClr>
+            </a:lnRef>
+            <a:fillRef idx="1">
+              <a:schemeClr val="accent2"/>
+            </a:fillRef>
+            <a:effectRef idx="0">
+              <a:schemeClr val="accent2"/>
+            </a:effectRef>
+            <a:fontRef idx="minor">
+              <a:schemeClr val="lt1"/>
+            </a:fontRef>
+          </p:style>
+          <p:txBody>
+            <a:bodyPr rtlCol="0" anchor="ctr"/>
+            <a:lstStyle/>
+            <a:p>
+              <a:pPr algn="ctr"/>
+              <a:r>
+                <a:rPr lang="zh-CN" altLang="en-US" dirty="0">
+                  <a:solidFill>
+                    <a:schemeClr val="tx1"/>
+                  </a:solidFill>
+                </a:rPr>
+                <a:t>医生</a:t>
+              </a:r>
+              <a:r>
+                <a:rPr lang="en-US" altLang="zh-CN" dirty="0">
+                  <a:solidFill>
+                    <a:schemeClr val="tx1"/>
+                  </a:solidFill>
+                </a:rPr>
+                <a:t>4</a:t>
+              </a:r>
+              <a:endParaRPr lang="zh-CN" altLang="en-US" dirty="0">
+                <a:solidFill>
+                  <a:schemeClr val="tx1"/>
+                </a:solidFill>
+              </a:endParaRPr>
+            </a:p>
+          </p:txBody>
+        </p:sp>
+        <p:sp>
+          <p:nvSpPr>
+            <p:cNvPr id="212" name="矩形 211">
+              <a:extLst>
+                <a:ext uri="{FF2B5EF4-FFF2-40B4-BE49-F238E27FC236}">
+                  <a16:creationId xmlns:a16="http://schemas.microsoft.com/office/drawing/2014/main" id="{7B2DC54F-E636-4C4C-8F1E-CD6A5492985F}"/>
+                </a:ext>
+              </a:extLst>
+            </p:cNvPr>
+            <p:cNvSpPr/>
+            <p:nvPr/>
+          </p:nvSpPr>
+          <p:spPr>
+            <a:xfrm>
+              <a:off x="10255676" y="27981397"/>
+              <a:ext cx="1285200" cy="522514"/>
+            </a:xfrm>
+            <a:prstGeom prst="rect">
+              <a:avLst/>
+            </a:prstGeom>
+            <a:solidFill>
+              <a:srgbClr val="99CCFF"/>
+            </a:solidFill>
+            <a:ln>
+              <a:solidFill>
+                <a:srgbClr val="0D86FF"/>
+              </a:solidFill>
+            </a:ln>
+            <a:effectLst>
+              <a:outerShdw blurRad="50800" dist="38100" dir="2700000" algn="tl" rotWithShape="0">
+                <a:prstClr val="black">
+                  <a:alpha val="40000"/>
+                </a:prstClr>
+              </a:outerShdw>
+            </a:effectLst>
+          </p:spPr>
+          <p:style>
+            <a:lnRef idx="2">
+              <a:schemeClr val="accent1">
+                <a:shade val="50000"/>
+              </a:schemeClr>
+            </a:lnRef>
+            <a:fillRef idx="1">
+              <a:schemeClr val="accent1"/>
+            </a:fillRef>
+            <a:effectRef idx="0">
+              <a:schemeClr val="accent1"/>
+            </a:effectRef>
+            <a:fontRef idx="minor">
+              <a:schemeClr val="lt1"/>
+            </a:fontRef>
+          </p:style>
+          <p:txBody>
+            <a:bodyPr rtlCol="0" anchor="ctr"/>
+            <a:lstStyle/>
+            <a:p>
+              <a:pPr algn="ctr"/>
+              <a:r>
+                <a:rPr lang="zh-CN" altLang="en-US" dirty="0">
+                  <a:solidFill>
+                    <a:schemeClr val="tx1"/>
+                  </a:solidFill>
+                </a:rPr>
+                <a:t>挂号</a:t>
+              </a:r>
+            </a:p>
+          </p:txBody>
+        </p:sp>
+        <p:sp>
+          <p:nvSpPr>
+            <p:cNvPr id="213" name="矩形 212">
+              <a:extLst>
+                <a:ext uri="{FF2B5EF4-FFF2-40B4-BE49-F238E27FC236}">
+                  <a16:creationId xmlns:a16="http://schemas.microsoft.com/office/drawing/2014/main" id="{ACA0F8F6-721A-4E8F-B5F1-2C6B3427DCF5}"/>
+                </a:ext>
+              </a:extLst>
+            </p:cNvPr>
+            <p:cNvSpPr/>
+            <p:nvPr/>
+          </p:nvSpPr>
+          <p:spPr>
+            <a:xfrm>
+              <a:off x="10255676" y="28498584"/>
+              <a:ext cx="1285200" cy="522514"/>
+            </a:xfrm>
+            <a:prstGeom prst="rect">
+              <a:avLst/>
+            </a:prstGeom>
+            <a:solidFill>
+              <a:srgbClr val="99CCFF"/>
+            </a:solidFill>
+            <a:ln>
+              <a:solidFill>
+                <a:srgbClr val="0D86FF"/>
+              </a:solidFill>
+            </a:ln>
+            <a:effectLst>
+              <a:outerShdw blurRad="50800" dist="38100" dir="2700000" algn="tl" rotWithShape="0">
+                <a:prstClr val="black">
+                  <a:alpha val="40000"/>
+                </a:prstClr>
+              </a:outerShdw>
+            </a:effectLst>
+          </p:spPr>
+          <p:style>
+            <a:lnRef idx="2">
+              <a:schemeClr val="accent1">
+                <a:shade val="50000"/>
+              </a:schemeClr>
+            </a:lnRef>
+            <a:fillRef idx="1">
+              <a:schemeClr val="accent1"/>
+            </a:fillRef>
+            <a:effectRef idx="0">
+              <a:schemeClr val="accent1"/>
+            </a:effectRef>
+            <a:fontRef idx="minor">
+              <a:schemeClr val="lt1"/>
+            </a:fontRef>
+          </p:style>
+          <p:txBody>
+            <a:bodyPr rtlCol="0" anchor="ctr"/>
+            <a:lstStyle/>
+            <a:p>
+              <a:pPr algn="ctr"/>
+              <a:r>
+                <a:rPr lang="zh-CN" altLang="en-US" dirty="0">
+                  <a:solidFill>
+                    <a:schemeClr val="tx1"/>
+                  </a:solidFill>
+                </a:rPr>
+                <a:t>挂号</a:t>
+              </a:r>
+            </a:p>
+          </p:txBody>
+        </p:sp>
+        <p:sp>
+          <p:nvSpPr>
+            <p:cNvPr id="214" name="矩形 213">
+              <a:extLst>
+                <a:ext uri="{FF2B5EF4-FFF2-40B4-BE49-F238E27FC236}">
+                  <a16:creationId xmlns:a16="http://schemas.microsoft.com/office/drawing/2014/main" id="{1B0B9EFA-D511-4381-BA23-1F33B00DE8A7}"/>
+                </a:ext>
+              </a:extLst>
+            </p:cNvPr>
+            <p:cNvSpPr/>
+            <p:nvPr/>
+          </p:nvSpPr>
+          <p:spPr>
+            <a:xfrm>
+              <a:off x="10255676" y="29024026"/>
+              <a:ext cx="1285200" cy="522514"/>
+            </a:xfrm>
+            <a:prstGeom prst="rect">
+              <a:avLst/>
+            </a:prstGeom>
+            <a:solidFill>
+              <a:srgbClr val="99CCFF"/>
+            </a:solidFill>
+            <a:ln>
+              <a:solidFill>
+                <a:srgbClr val="0D86FF"/>
+              </a:solidFill>
+            </a:ln>
+            <a:effectLst>
+              <a:outerShdw blurRad="50800" dist="38100" dir="2700000" algn="tl" rotWithShape="0">
+                <a:prstClr val="black">
+                  <a:alpha val="40000"/>
+                </a:prstClr>
+              </a:outerShdw>
+            </a:effectLst>
+          </p:spPr>
+          <p:style>
+            <a:lnRef idx="2">
+              <a:schemeClr val="accent1">
+                <a:shade val="50000"/>
+              </a:schemeClr>
+            </a:lnRef>
+            <a:fillRef idx="1">
+              <a:schemeClr val="accent1"/>
+            </a:fillRef>
+            <a:effectRef idx="0">
+              <a:schemeClr val="accent1"/>
+            </a:effectRef>
+            <a:fontRef idx="minor">
+              <a:schemeClr val="lt1"/>
+            </a:fontRef>
+          </p:style>
+          <p:txBody>
+            <a:bodyPr rtlCol="0" anchor="ctr"/>
+            <a:lstStyle/>
+            <a:p>
+              <a:pPr algn="ctr"/>
+              <a:r>
+                <a:rPr lang="zh-CN" altLang="en-US" dirty="0">
+                  <a:solidFill>
+                    <a:schemeClr val="tx1"/>
+                  </a:solidFill>
+                </a:rPr>
+                <a:t>挂号</a:t>
+              </a:r>
+            </a:p>
+          </p:txBody>
+        </p:sp>
+        <p:sp>
+          <p:nvSpPr>
+            <p:cNvPr id="215" name="矩形 214">
+              <a:extLst>
+                <a:ext uri="{FF2B5EF4-FFF2-40B4-BE49-F238E27FC236}">
+                  <a16:creationId xmlns:a16="http://schemas.microsoft.com/office/drawing/2014/main" id="{0DD119E4-48B4-4986-BA51-7EFE17350D0B}"/>
+                </a:ext>
+              </a:extLst>
+            </p:cNvPr>
+            <p:cNvSpPr/>
+            <p:nvPr/>
+          </p:nvSpPr>
+          <p:spPr>
+            <a:xfrm>
+              <a:off x="10255676" y="29541213"/>
+              <a:ext cx="1285200" cy="522514"/>
+            </a:xfrm>
+            <a:prstGeom prst="rect">
+              <a:avLst/>
+            </a:prstGeom>
+            <a:solidFill>
+              <a:srgbClr val="99CCFF"/>
+            </a:solidFill>
+            <a:ln>
+              <a:solidFill>
+                <a:srgbClr val="0D86FF"/>
+              </a:solidFill>
+            </a:ln>
+            <a:effectLst>
+              <a:outerShdw blurRad="50800" dist="38100" dir="2700000" algn="tl" rotWithShape="0">
+                <a:prstClr val="black">
+                  <a:alpha val="40000"/>
+                </a:prstClr>
+              </a:outerShdw>
+            </a:effectLst>
+          </p:spPr>
+          <p:style>
+            <a:lnRef idx="2">
+              <a:schemeClr val="accent1">
+                <a:shade val="50000"/>
+              </a:schemeClr>
+            </a:lnRef>
+            <a:fillRef idx="1">
+              <a:schemeClr val="accent1"/>
+            </a:fillRef>
+            <a:effectRef idx="0">
+              <a:schemeClr val="accent1"/>
+            </a:effectRef>
+            <a:fontRef idx="minor">
+              <a:schemeClr val="lt1"/>
+            </a:fontRef>
+          </p:style>
+          <p:txBody>
+            <a:bodyPr rtlCol="0" anchor="ctr"/>
+            <a:lstStyle/>
+            <a:p>
+              <a:pPr algn="ctr"/>
+              <a:r>
+                <a:rPr lang="zh-CN" altLang="en-US" dirty="0">
+                  <a:solidFill>
+                    <a:schemeClr val="tx1"/>
+                  </a:solidFill>
+                </a:rPr>
+                <a:t>挂号</a:t>
+              </a:r>
+            </a:p>
+          </p:txBody>
+        </p:sp>
+        <p:sp>
+          <p:nvSpPr>
+            <p:cNvPr id="216" name="矩形 215">
+              <a:extLst>
+                <a:ext uri="{FF2B5EF4-FFF2-40B4-BE49-F238E27FC236}">
+                  <a16:creationId xmlns:a16="http://schemas.microsoft.com/office/drawing/2014/main" id="{D66C6A7E-2E59-4F78-A124-1BFDB24BECFE}"/>
+                </a:ext>
+              </a:extLst>
+            </p:cNvPr>
+            <p:cNvSpPr/>
+            <p:nvPr/>
+          </p:nvSpPr>
+          <p:spPr>
+            <a:xfrm>
+              <a:off x="10251480" y="30057567"/>
+              <a:ext cx="1285200" cy="522514"/>
+            </a:xfrm>
+            <a:prstGeom prst="rect">
+              <a:avLst/>
+            </a:prstGeom>
+            <a:solidFill>
+              <a:srgbClr val="99CCFF"/>
+            </a:solidFill>
+            <a:ln>
+              <a:solidFill>
+                <a:srgbClr val="0D86FF"/>
+              </a:solidFill>
+            </a:ln>
+            <a:effectLst>
+              <a:outerShdw blurRad="50800" dist="38100" dir="2700000" algn="tl" rotWithShape="0">
+                <a:prstClr val="black">
+                  <a:alpha val="40000"/>
+                </a:prstClr>
+              </a:outerShdw>
+            </a:effectLst>
+          </p:spPr>
+          <p:style>
+            <a:lnRef idx="2">
+              <a:schemeClr val="accent1">
+                <a:shade val="50000"/>
+              </a:schemeClr>
+            </a:lnRef>
+            <a:fillRef idx="1">
+              <a:schemeClr val="accent1"/>
+            </a:fillRef>
+            <a:effectRef idx="0">
+              <a:schemeClr val="accent1"/>
+            </a:effectRef>
+            <a:fontRef idx="minor">
+              <a:schemeClr val="lt1"/>
+            </a:fontRef>
+          </p:style>
+          <p:txBody>
+            <a:bodyPr rtlCol="0" anchor="ctr"/>
+            <a:lstStyle/>
+            <a:p>
+              <a:pPr algn="ctr"/>
+              <a:r>
+                <a:rPr lang="zh-CN" altLang="en-US" dirty="0">
+                  <a:solidFill>
+                    <a:schemeClr val="tx1"/>
+                  </a:solidFill>
+                </a:rPr>
+                <a:t>挂号</a:t>
+              </a:r>
+            </a:p>
+          </p:txBody>
+        </p:sp>
+        <p:sp>
+          <p:nvSpPr>
+            <p:cNvPr id="217" name="矩形 216">
+              <a:extLst>
+                <a:ext uri="{FF2B5EF4-FFF2-40B4-BE49-F238E27FC236}">
+                  <a16:creationId xmlns:a16="http://schemas.microsoft.com/office/drawing/2014/main" id="{EE56F17A-461F-49CB-AA79-20D96E72C486}"/>
+                </a:ext>
+              </a:extLst>
+            </p:cNvPr>
+            <p:cNvSpPr/>
+            <p:nvPr/>
+          </p:nvSpPr>
+          <p:spPr>
+            <a:xfrm>
+              <a:off x="10251480" y="30574754"/>
+              <a:ext cx="1285200" cy="522514"/>
+            </a:xfrm>
+            <a:prstGeom prst="rect">
+              <a:avLst/>
+            </a:prstGeom>
+            <a:solidFill>
+              <a:srgbClr val="99CCFF"/>
+            </a:solidFill>
+            <a:ln>
+              <a:solidFill>
+                <a:srgbClr val="0D86FF"/>
+              </a:solidFill>
+            </a:ln>
+            <a:effectLst>
+              <a:outerShdw blurRad="50800" dist="38100" dir="2700000" algn="tl" rotWithShape="0">
+                <a:prstClr val="black">
+                  <a:alpha val="40000"/>
+                </a:prstClr>
+              </a:outerShdw>
+            </a:effectLst>
+          </p:spPr>
+          <p:style>
+            <a:lnRef idx="2">
+              <a:schemeClr val="accent1">
+                <a:shade val="50000"/>
+              </a:schemeClr>
+            </a:lnRef>
+            <a:fillRef idx="1">
+              <a:schemeClr val="accent1"/>
+            </a:fillRef>
+            <a:effectRef idx="0">
+              <a:schemeClr val="accent1"/>
+            </a:effectRef>
+            <a:fontRef idx="minor">
+              <a:schemeClr val="lt1"/>
+            </a:fontRef>
+          </p:style>
+          <p:txBody>
+            <a:bodyPr rtlCol="0" anchor="ctr"/>
+            <a:lstStyle/>
+            <a:p>
+              <a:pPr algn="ctr"/>
+              <a:r>
+                <a:rPr lang="zh-CN" altLang="en-US" dirty="0">
+                  <a:solidFill>
+                    <a:schemeClr val="tx1"/>
+                  </a:solidFill>
+                </a:rPr>
+                <a:t>挂号</a:t>
+              </a:r>
+            </a:p>
+          </p:txBody>
+        </p:sp>
+        <p:sp>
+          <p:nvSpPr>
+            <p:cNvPr id="218" name="矩形 217">
+              <a:extLst>
+                <a:ext uri="{FF2B5EF4-FFF2-40B4-BE49-F238E27FC236}">
+                  <a16:creationId xmlns:a16="http://schemas.microsoft.com/office/drawing/2014/main" id="{B39A6FB0-95BC-4B8F-8C70-E97B553301D8}"/>
+                </a:ext>
+              </a:extLst>
+            </p:cNvPr>
+            <p:cNvSpPr/>
+            <p:nvPr/>
+          </p:nvSpPr>
+          <p:spPr>
+            <a:xfrm>
+              <a:off x="10251480" y="31100196"/>
+              <a:ext cx="1285200" cy="522514"/>
+            </a:xfrm>
+            <a:prstGeom prst="rect">
+              <a:avLst/>
+            </a:prstGeom>
+            <a:solidFill>
+              <a:srgbClr val="99CCFF"/>
+            </a:solidFill>
+            <a:ln>
+              <a:solidFill>
+                <a:srgbClr val="0D86FF"/>
+              </a:solidFill>
+            </a:ln>
+            <a:effectLst>
+              <a:outerShdw blurRad="50800" dist="38100" dir="2700000" algn="tl" rotWithShape="0">
+                <a:prstClr val="black">
+                  <a:alpha val="40000"/>
+                </a:prstClr>
+              </a:outerShdw>
+            </a:effectLst>
+          </p:spPr>
+          <p:style>
+            <a:lnRef idx="2">
+              <a:schemeClr val="accent1">
+                <a:shade val="50000"/>
+              </a:schemeClr>
+            </a:lnRef>
+            <a:fillRef idx="1">
+              <a:schemeClr val="accent1"/>
+            </a:fillRef>
+            <a:effectRef idx="0">
+              <a:schemeClr val="accent1"/>
+            </a:effectRef>
+            <a:fontRef idx="minor">
+              <a:schemeClr val="lt1"/>
+            </a:fontRef>
+          </p:style>
+          <p:txBody>
+            <a:bodyPr rtlCol="0" anchor="ctr"/>
+            <a:lstStyle/>
+            <a:p>
+              <a:pPr algn="ctr"/>
+              <a:r>
+                <a:rPr lang="zh-CN" altLang="en-US" dirty="0">
+                  <a:solidFill>
+                    <a:schemeClr val="tx1"/>
+                  </a:solidFill>
+                </a:rPr>
+                <a:t>挂号</a:t>
+              </a:r>
+            </a:p>
+          </p:txBody>
+        </p:sp>
+        <p:sp>
+          <p:nvSpPr>
+            <p:cNvPr id="219" name="矩形 218">
+              <a:extLst>
+                <a:ext uri="{FF2B5EF4-FFF2-40B4-BE49-F238E27FC236}">
+                  <a16:creationId xmlns:a16="http://schemas.microsoft.com/office/drawing/2014/main" id="{4FCD9746-229F-4553-8B9A-2B19AB35A5E2}"/>
+                </a:ext>
+              </a:extLst>
+            </p:cNvPr>
+            <p:cNvSpPr/>
+            <p:nvPr/>
+          </p:nvSpPr>
+          <p:spPr>
+            <a:xfrm>
+              <a:off x="10251480" y="31617383"/>
+              <a:ext cx="1285200" cy="522514"/>
+            </a:xfrm>
+            <a:prstGeom prst="rect">
+              <a:avLst/>
+            </a:prstGeom>
+            <a:solidFill>
+              <a:srgbClr val="99CCFF"/>
+            </a:solidFill>
+            <a:ln>
+              <a:solidFill>
+                <a:srgbClr val="0D86FF"/>
+              </a:solidFill>
+            </a:ln>
+            <a:effectLst>
+              <a:outerShdw blurRad="50800" dist="38100" dir="2700000" algn="tl" rotWithShape="0">
+                <a:prstClr val="black">
+                  <a:alpha val="40000"/>
+                </a:prstClr>
+              </a:outerShdw>
+            </a:effectLst>
+          </p:spPr>
+          <p:style>
+            <a:lnRef idx="2">
+              <a:schemeClr val="accent1">
+                <a:shade val="50000"/>
+              </a:schemeClr>
+            </a:lnRef>
+            <a:fillRef idx="1">
+              <a:schemeClr val="accent1"/>
+            </a:fillRef>
+            <a:effectRef idx="0">
+              <a:schemeClr val="accent1"/>
+            </a:effectRef>
+            <a:fontRef idx="minor">
+              <a:schemeClr val="lt1"/>
+            </a:fontRef>
+          </p:style>
+          <p:txBody>
+            <a:bodyPr rtlCol="0" anchor="ctr"/>
+            <a:lstStyle/>
+            <a:p>
+              <a:pPr algn="ctr"/>
+              <a:r>
+                <a:rPr lang="zh-CN" altLang="en-US" dirty="0">
+                  <a:solidFill>
+                    <a:schemeClr val="tx1"/>
+                  </a:solidFill>
+                </a:rPr>
+                <a:t>挂号</a:t>
+              </a:r>
+            </a:p>
+          </p:txBody>
+        </p:sp>
+        <p:sp>
+          <p:nvSpPr>
+            <p:cNvPr id="220" name="矩形 219">
+              <a:extLst>
+                <a:ext uri="{FF2B5EF4-FFF2-40B4-BE49-F238E27FC236}">
+                  <a16:creationId xmlns:a16="http://schemas.microsoft.com/office/drawing/2014/main" id="{79C0A7A4-B0BD-479C-8694-05BFF13127AC}"/>
+                </a:ext>
+              </a:extLst>
+            </p:cNvPr>
+            <p:cNvSpPr/>
+            <p:nvPr/>
+          </p:nvSpPr>
+          <p:spPr>
+            <a:xfrm>
+              <a:off x="11543343" y="28498584"/>
+              <a:ext cx="1285200" cy="522514"/>
+            </a:xfrm>
+            <a:prstGeom prst="rect">
+              <a:avLst/>
+            </a:prstGeom>
+            <a:solidFill>
+              <a:srgbClr val="FF8989"/>
+            </a:solidFill>
+            <a:effectLst>
+              <a:outerShdw blurRad="50800" dist="38100" dir="2700000" algn="tl" rotWithShape="0">
+                <a:prstClr val="black">
+                  <a:alpha val="40000"/>
+                </a:prstClr>
+              </a:outerShdw>
+            </a:effectLst>
+          </p:spPr>
+          <p:style>
+            <a:lnRef idx="2">
+              <a:schemeClr val="accent2">
+                <a:shade val="50000"/>
+              </a:schemeClr>
+            </a:lnRef>
+            <a:fillRef idx="1">
+              <a:schemeClr val="accent2"/>
+            </a:fillRef>
+            <a:effectRef idx="0">
+              <a:schemeClr val="accent2"/>
+            </a:effectRef>
+            <a:fontRef idx="minor">
+              <a:schemeClr val="lt1"/>
+            </a:fontRef>
+          </p:style>
+          <p:txBody>
+            <a:bodyPr rtlCol="0" anchor="ctr"/>
+            <a:lstStyle/>
+            <a:p>
+              <a:pPr algn="ctr"/>
+              <a:r>
+                <a:rPr lang="zh-CN" altLang="en-US" dirty="0">
+                  <a:solidFill>
+                    <a:schemeClr val="tx1"/>
+                  </a:solidFill>
+                </a:rPr>
+                <a:t>看病</a:t>
+              </a:r>
+            </a:p>
+          </p:txBody>
+        </p:sp>
+        <p:sp>
+          <p:nvSpPr>
+            <p:cNvPr id="221" name="矩形 220">
+              <a:extLst>
+                <a:ext uri="{FF2B5EF4-FFF2-40B4-BE49-F238E27FC236}">
+                  <a16:creationId xmlns:a16="http://schemas.microsoft.com/office/drawing/2014/main" id="{C8CBE482-5CA2-43B5-82BE-EC7F13863D7F}"/>
+                </a:ext>
+              </a:extLst>
+            </p:cNvPr>
+            <p:cNvSpPr/>
+            <p:nvPr/>
+          </p:nvSpPr>
+          <p:spPr>
+            <a:xfrm>
+              <a:off x="11543391" y="29024026"/>
+              <a:ext cx="1285200" cy="522514"/>
+            </a:xfrm>
+            <a:prstGeom prst="rect">
+              <a:avLst/>
+            </a:prstGeom>
+            <a:solidFill>
+              <a:srgbClr val="FF8989"/>
+            </a:solidFill>
+            <a:effectLst>
+              <a:outerShdw blurRad="50800" dist="38100" dir="2700000" algn="tl" rotWithShape="0">
+                <a:prstClr val="black">
+                  <a:alpha val="40000"/>
+                </a:prstClr>
+              </a:outerShdw>
+            </a:effectLst>
+          </p:spPr>
+          <p:style>
+            <a:lnRef idx="2">
+              <a:schemeClr val="accent2">
+                <a:shade val="50000"/>
+              </a:schemeClr>
+            </a:lnRef>
+            <a:fillRef idx="1">
+              <a:schemeClr val="accent2"/>
+            </a:fillRef>
+            <a:effectRef idx="0">
+              <a:schemeClr val="accent2"/>
+            </a:effectRef>
+            <a:fontRef idx="minor">
+              <a:schemeClr val="lt1"/>
+            </a:fontRef>
+          </p:style>
+          <p:txBody>
+            <a:bodyPr rtlCol="0" anchor="ctr"/>
+            <a:lstStyle/>
+            <a:p>
+              <a:pPr algn="ctr"/>
+              <a:r>
+                <a:rPr lang="zh-CN" altLang="en-US" dirty="0">
+                  <a:solidFill>
+                    <a:schemeClr val="tx1"/>
+                  </a:solidFill>
+                </a:rPr>
+                <a:t>看病</a:t>
+              </a:r>
+            </a:p>
+          </p:txBody>
+        </p:sp>
+        <p:sp>
+          <p:nvSpPr>
+            <p:cNvPr id="222" name="矩形 221">
+              <a:extLst>
+                <a:ext uri="{FF2B5EF4-FFF2-40B4-BE49-F238E27FC236}">
+                  <a16:creationId xmlns:a16="http://schemas.microsoft.com/office/drawing/2014/main" id="{D69C917D-5FE0-4EA8-A638-03D11E1AE459}"/>
+                </a:ext>
+              </a:extLst>
+            </p:cNvPr>
+            <p:cNvSpPr/>
+            <p:nvPr/>
+          </p:nvSpPr>
+          <p:spPr>
+            <a:xfrm>
+              <a:off x="11538283" y="29539849"/>
+              <a:ext cx="1285200" cy="522514"/>
+            </a:xfrm>
+            <a:prstGeom prst="rect">
+              <a:avLst/>
+            </a:prstGeom>
+            <a:solidFill>
+              <a:srgbClr val="FF8989"/>
+            </a:solidFill>
+            <a:effectLst>
+              <a:outerShdw blurRad="50800" dist="38100" dir="2700000" algn="tl" rotWithShape="0">
+                <a:prstClr val="black">
+                  <a:alpha val="40000"/>
+                </a:prstClr>
+              </a:outerShdw>
+            </a:effectLst>
+          </p:spPr>
+          <p:style>
+            <a:lnRef idx="2">
+              <a:schemeClr val="accent2">
+                <a:shade val="50000"/>
+              </a:schemeClr>
+            </a:lnRef>
+            <a:fillRef idx="1">
+              <a:schemeClr val="accent2"/>
+            </a:fillRef>
+            <a:effectRef idx="0">
+              <a:schemeClr val="accent2"/>
+            </a:effectRef>
+            <a:fontRef idx="minor">
+              <a:schemeClr val="lt1"/>
+            </a:fontRef>
+          </p:style>
+          <p:txBody>
+            <a:bodyPr rtlCol="0" anchor="ctr"/>
+            <a:lstStyle/>
+            <a:p>
+              <a:pPr algn="ctr"/>
+              <a:r>
+                <a:rPr lang="zh-CN" altLang="en-US" dirty="0">
+                  <a:solidFill>
+                    <a:schemeClr val="tx1"/>
+                  </a:solidFill>
+                </a:rPr>
+                <a:t>看病</a:t>
+              </a:r>
+            </a:p>
+          </p:txBody>
+        </p:sp>
+        <p:sp>
+          <p:nvSpPr>
+            <p:cNvPr id="223" name="矩形 222">
+              <a:extLst>
+                <a:ext uri="{FF2B5EF4-FFF2-40B4-BE49-F238E27FC236}">
+                  <a16:creationId xmlns:a16="http://schemas.microsoft.com/office/drawing/2014/main" id="{B60DAF9E-701F-4F21-BD75-7567D80D61E3}"/>
+                </a:ext>
+              </a:extLst>
+            </p:cNvPr>
+            <p:cNvSpPr/>
+            <p:nvPr/>
+          </p:nvSpPr>
+          <p:spPr>
+            <a:xfrm>
+              <a:off x="11538331" y="30065291"/>
+              <a:ext cx="1285200" cy="522514"/>
+            </a:xfrm>
+            <a:prstGeom prst="rect">
+              <a:avLst/>
+            </a:prstGeom>
+            <a:solidFill>
+              <a:srgbClr val="FF8989"/>
+            </a:solidFill>
+            <a:effectLst>
+              <a:outerShdw blurRad="50800" dist="38100" dir="2700000" algn="tl" rotWithShape="0">
+                <a:prstClr val="black">
+                  <a:alpha val="40000"/>
+                </a:prstClr>
+              </a:outerShdw>
+            </a:effectLst>
+          </p:spPr>
+          <p:style>
+            <a:lnRef idx="2">
+              <a:schemeClr val="accent2">
+                <a:shade val="50000"/>
+              </a:schemeClr>
+            </a:lnRef>
+            <a:fillRef idx="1">
+              <a:schemeClr val="accent2"/>
+            </a:fillRef>
+            <a:effectRef idx="0">
+              <a:schemeClr val="accent2"/>
+            </a:effectRef>
+            <a:fontRef idx="minor">
+              <a:schemeClr val="lt1"/>
+            </a:fontRef>
+          </p:style>
+          <p:txBody>
+            <a:bodyPr rtlCol="0" anchor="ctr"/>
+            <a:lstStyle/>
+            <a:p>
+              <a:pPr algn="ctr"/>
+              <a:r>
+                <a:rPr lang="zh-CN" altLang="en-US" dirty="0">
+                  <a:solidFill>
+                    <a:schemeClr val="tx1"/>
+                  </a:solidFill>
+                </a:rPr>
+                <a:t>看病</a:t>
+              </a:r>
+            </a:p>
+          </p:txBody>
+        </p:sp>
+        <p:sp>
+          <p:nvSpPr>
+            <p:cNvPr id="224" name="矩形 223">
+              <a:extLst>
+                <a:ext uri="{FF2B5EF4-FFF2-40B4-BE49-F238E27FC236}">
+                  <a16:creationId xmlns:a16="http://schemas.microsoft.com/office/drawing/2014/main" id="{0E2FE461-2297-43C6-A152-46F5536CCBF1}"/>
+                </a:ext>
+              </a:extLst>
+            </p:cNvPr>
+            <p:cNvSpPr/>
+            <p:nvPr/>
+          </p:nvSpPr>
+          <p:spPr>
+            <a:xfrm>
+              <a:off x="11543343" y="30582478"/>
+              <a:ext cx="1285200" cy="522514"/>
+            </a:xfrm>
+            <a:prstGeom prst="rect">
+              <a:avLst/>
+            </a:prstGeom>
+            <a:solidFill>
+              <a:srgbClr val="FF8989"/>
+            </a:solidFill>
+            <a:effectLst>
+              <a:outerShdw blurRad="50800" dist="38100" dir="2700000" algn="tl" rotWithShape="0">
+                <a:prstClr val="black">
+                  <a:alpha val="40000"/>
+                </a:prstClr>
+              </a:outerShdw>
+            </a:effectLst>
+          </p:spPr>
+          <p:style>
+            <a:lnRef idx="2">
+              <a:schemeClr val="accent2">
+                <a:shade val="50000"/>
+              </a:schemeClr>
+            </a:lnRef>
+            <a:fillRef idx="1">
+              <a:schemeClr val="accent2"/>
+            </a:fillRef>
+            <a:effectRef idx="0">
+              <a:schemeClr val="accent2"/>
+            </a:effectRef>
+            <a:fontRef idx="minor">
+              <a:schemeClr val="lt1"/>
+            </a:fontRef>
+          </p:style>
+          <p:txBody>
+            <a:bodyPr rtlCol="0" anchor="ctr"/>
+            <a:lstStyle/>
+            <a:p>
+              <a:pPr algn="ctr"/>
+              <a:r>
+                <a:rPr lang="zh-CN" altLang="en-US" dirty="0">
+                  <a:solidFill>
+                    <a:schemeClr val="tx1"/>
+                  </a:solidFill>
+                </a:rPr>
+                <a:t>看病</a:t>
+              </a:r>
+            </a:p>
+          </p:txBody>
+        </p:sp>
+        <p:sp>
+          <p:nvSpPr>
+            <p:cNvPr id="225" name="矩形 224">
+              <a:extLst>
+                <a:ext uri="{FF2B5EF4-FFF2-40B4-BE49-F238E27FC236}">
+                  <a16:creationId xmlns:a16="http://schemas.microsoft.com/office/drawing/2014/main" id="{EAB5B1A6-1DC9-4D77-B38B-7DFEE2692038}"/>
+                </a:ext>
+              </a:extLst>
+            </p:cNvPr>
+            <p:cNvSpPr/>
+            <p:nvPr/>
+          </p:nvSpPr>
+          <p:spPr>
+            <a:xfrm>
+              <a:off x="11543391" y="31107920"/>
+              <a:ext cx="1285200" cy="522514"/>
+            </a:xfrm>
+            <a:prstGeom prst="rect">
+              <a:avLst/>
+            </a:prstGeom>
+            <a:solidFill>
+              <a:srgbClr val="FF8989"/>
+            </a:solidFill>
+            <a:effectLst>
+              <a:outerShdw blurRad="50800" dist="38100" dir="2700000" algn="tl" rotWithShape="0">
+                <a:prstClr val="black">
+                  <a:alpha val="40000"/>
+                </a:prstClr>
+              </a:outerShdw>
+            </a:effectLst>
+          </p:spPr>
+          <p:style>
+            <a:lnRef idx="2">
+              <a:schemeClr val="accent2">
+                <a:shade val="50000"/>
+              </a:schemeClr>
+            </a:lnRef>
+            <a:fillRef idx="1">
+              <a:schemeClr val="accent2"/>
+            </a:fillRef>
+            <a:effectRef idx="0">
+              <a:schemeClr val="accent2"/>
+            </a:effectRef>
+            <a:fontRef idx="minor">
+              <a:schemeClr val="lt1"/>
+            </a:fontRef>
+          </p:style>
+          <p:txBody>
+            <a:bodyPr rtlCol="0" anchor="ctr"/>
+            <a:lstStyle/>
+            <a:p>
+              <a:pPr algn="ctr"/>
+              <a:r>
+                <a:rPr lang="zh-CN" altLang="en-US" dirty="0">
+                  <a:solidFill>
+                    <a:schemeClr val="tx1"/>
+                  </a:solidFill>
+                </a:rPr>
+                <a:t>看病</a:t>
+              </a:r>
+            </a:p>
+          </p:txBody>
+        </p:sp>
+        <p:sp>
+          <p:nvSpPr>
+            <p:cNvPr id="226" name="矩形 225">
+              <a:extLst>
+                <a:ext uri="{FF2B5EF4-FFF2-40B4-BE49-F238E27FC236}">
+                  <a16:creationId xmlns:a16="http://schemas.microsoft.com/office/drawing/2014/main" id="{C13588DC-15C2-4D41-ACC7-C81D739709E0}"/>
+                </a:ext>
+              </a:extLst>
+            </p:cNvPr>
+            <p:cNvSpPr/>
+            <p:nvPr/>
+          </p:nvSpPr>
+          <p:spPr>
+            <a:xfrm>
+              <a:off x="11538283" y="31623743"/>
+              <a:ext cx="1285200" cy="522514"/>
+            </a:xfrm>
+            <a:prstGeom prst="rect">
+              <a:avLst/>
+            </a:prstGeom>
+            <a:solidFill>
+              <a:srgbClr val="FF8989"/>
+            </a:solidFill>
+            <a:effectLst>
+              <a:outerShdw blurRad="50800" dist="38100" dir="2700000" algn="tl" rotWithShape="0">
+                <a:prstClr val="black">
+                  <a:alpha val="40000"/>
+                </a:prstClr>
+              </a:outerShdw>
+            </a:effectLst>
+          </p:spPr>
+          <p:style>
+            <a:lnRef idx="2">
+              <a:schemeClr val="accent2">
+                <a:shade val="50000"/>
+              </a:schemeClr>
+            </a:lnRef>
+            <a:fillRef idx="1">
+              <a:schemeClr val="accent2"/>
+            </a:fillRef>
+            <a:effectRef idx="0">
+              <a:schemeClr val="accent2"/>
+            </a:effectRef>
+            <a:fontRef idx="minor">
+              <a:schemeClr val="lt1"/>
+            </a:fontRef>
+          </p:style>
+          <p:txBody>
+            <a:bodyPr rtlCol="0" anchor="ctr"/>
+            <a:lstStyle/>
+            <a:p>
+              <a:pPr algn="ctr"/>
+              <a:r>
+                <a:rPr lang="zh-CN" altLang="en-US" dirty="0">
+                  <a:solidFill>
+                    <a:schemeClr val="tx1"/>
+                  </a:solidFill>
+                </a:rPr>
+                <a:t>看病</a:t>
+              </a:r>
+            </a:p>
+          </p:txBody>
+        </p:sp>
+        <p:sp>
+          <p:nvSpPr>
+            <p:cNvPr id="227" name="矩形 226">
+              <a:extLst>
+                <a:ext uri="{FF2B5EF4-FFF2-40B4-BE49-F238E27FC236}">
+                  <a16:creationId xmlns:a16="http://schemas.microsoft.com/office/drawing/2014/main" id="{B8242250-CA04-4F45-9413-D2C848287D0F}"/>
+                </a:ext>
+              </a:extLst>
+            </p:cNvPr>
+            <p:cNvSpPr/>
+            <p:nvPr/>
+          </p:nvSpPr>
+          <p:spPr>
+            <a:xfrm>
+              <a:off x="11538331" y="32149185"/>
+              <a:ext cx="1285200" cy="522514"/>
+            </a:xfrm>
+            <a:prstGeom prst="rect">
+              <a:avLst/>
+            </a:prstGeom>
+            <a:solidFill>
+              <a:srgbClr val="FF8989"/>
+            </a:solidFill>
+            <a:effectLst>
+              <a:outerShdw blurRad="50800" dist="38100" dir="2700000" algn="tl" rotWithShape="0">
+                <a:prstClr val="black">
+                  <a:alpha val="40000"/>
+                </a:prstClr>
+              </a:outerShdw>
+            </a:effectLst>
+          </p:spPr>
+          <p:style>
+            <a:lnRef idx="2">
+              <a:schemeClr val="accent2">
+                <a:shade val="50000"/>
+              </a:schemeClr>
+            </a:lnRef>
+            <a:fillRef idx="1">
+              <a:schemeClr val="accent2"/>
+            </a:fillRef>
+            <a:effectRef idx="0">
+              <a:schemeClr val="accent2"/>
+            </a:effectRef>
+            <a:fontRef idx="minor">
+              <a:schemeClr val="lt1"/>
+            </a:fontRef>
+          </p:style>
+          <p:txBody>
+            <a:bodyPr rtlCol="0" anchor="ctr"/>
+            <a:lstStyle/>
+            <a:p>
+              <a:pPr algn="ctr"/>
+              <a:r>
+                <a:rPr lang="zh-CN" altLang="en-US" dirty="0">
+                  <a:solidFill>
+                    <a:schemeClr val="tx1"/>
+                  </a:solidFill>
+                </a:rPr>
+                <a:t>看病</a:t>
+              </a:r>
+            </a:p>
+          </p:txBody>
+        </p:sp>
+        <p:sp>
+          <p:nvSpPr>
+            <p:cNvPr id="228" name="矩形 227">
+              <a:extLst>
+                <a:ext uri="{FF2B5EF4-FFF2-40B4-BE49-F238E27FC236}">
+                  <a16:creationId xmlns:a16="http://schemas.microsoft.com/office/drawing/2014/main" id="{618784D1-300C-4AF0-9A28-0BBDEF87C7A7}"/>
+                </a:ext>
+              </a:extLst>
+            </p:cNvPr>
+            <p:cNvSpPr/>
+            <p:nvPr/>
+          </p:nvSpPr>
+          <p:spPr>
+            <a:xfrm>
+              <a:off x="12836183" y="29024026"/>
+              <a:ext cx="1285200" cy="522514"/>
+            </a:xfrm>
+            <a:prstGeom prst="rect">
+              <a:avLst/>
+            </a:prstGeom>
+            <a:solidFill>
+              <a:srgbClr val="C5E0B4"/>
+            </a:solidFill>
+            <a:ln>
+              <a:solidFill>
+                <a:srgbClr val="93C573"/>
+              </a:solidFill>
+            </a:ln>
+            <a:effectLst>
+              <a:outerShdw blurRad="50800" dist="38100" dir="2700000" algn="tl" rotWithShape="0">
+                <a:prstClr val="black">
+                  <a:alpha val="40000"/>
+                </a:prstClr>
+              </a:outerShdw>
+            </a:effectLst>
+          </p:spPr>
+          <p:style>
+            <a:lnRef idx="2">
+              <a:schemeClr val="accent1">
+                <a:shade val="50000"/>
+              </a:schemeClr>
+            </a:lnRef>
+            <a:fillRef idx="1">
+              <a:schemeClr val="accent1"/>
+            </a:fillRef>
+            <a:effectRef idx="0">
+              <a:schemeClr val="accent1"/>
+            </a:effectRef>
+            <a:fontRef idx="minor">
+              <a:schemeClr val="lt1"/>
+            </a:fontRef>
+          </p:style>
+          <p:txBody>
+            <a:bodyPr rtlCol="0" anchor="ctr"/>
+            <a:lstStyle/>
+            <a:p>
+              <a:pPr algn="ctr"/>
+              <a:r>
+                <a:rPr lang="zh-CN" altLang="en-US" dirty="0">
+                  <a:solidFill>
+                    <a:schemeClr val="tx1"/>
+                  </a:solidFill>
+                </a:rPr>
+                <a:t>缴费</a:t>
+              </a:r>
+            </a:p>
+          </p:txBody>
+        </p:sp>
+        <p:sp>
+          <p:nvSpPr>
+            <p:cNvPr id="229" name="矩形 228">
+              <a:extLst>
+                <a:ext uri="{FF2B5EF4-FFF2-40B4-BE49-F238E27FC236}">
+                  <a16:creationId xmlns:a16="http://schemas.microsoft.com/office/drawing/2014/main" id="{3CEBCEC3-AF0E-4F6F-BBCC-3C263479CBB1}"/>
+                </a:ext>
+              </a:extLst>
+            </p:cNvPr>
+            <p:cNvSpPr/>
+            <p:nvPr/>
+          </p:nvSpPr>
+          <p:spPr>
+            <a:xfrm>
+              <a:off x="12836183" y="29546540"/>
+              <a:ext cx="1285200" cy="522514"/>
+            </a:xfrm>
+            <a:prstGeom prst="rect">
+              <a:avLst/>
+            </a:prstGeom>
+            <a:solidFill>
+              <a:srgbClr val="C5E0B4"/>
+            </a:solidFill>
+            <a:ln>
+              <a:solidFill>
+                <a:srgbClr val="93C573"/>
+              </a:solidFill>
+            </a:ln>
+            <a:effectLst>
+              <a:outerShdw blurRad="50800" dist="38100" dir="2700000" algn="tl" rotWithShape="0">
+                <a:prstClr val="black">
+                  <a:alpha val="40000"/>
+                </a:prstClr>
+              </a:outerShdw>
+            </a:effectLst>
+          </p:spPr>
+          <p:style>
+            <a:lnRef idx="2">
+              <a:schemeClr val="accent1">
+                <a:shade val="50000"/>
+              </a:schemeClr>
+            </a:lnRef>
+            <a:fillRef idx="1">
+              <a:schemeClr val="accent1"/>
+            </a:fillRef>
+            <a:effectRef idx="0">
+              <a:schemeClr val="accent1"/>
+            </a:effectRef>
+            <a:fontRef idx="minor">
+              <a:schemeClr val="lt1"/>
+            </a:fontRef>
+          </p:style>
+          <p:txBody>
+            <a:bodyPr rtlCol="0" anchor="ctr"/>
+            <a:lstStyle/>
+            <a:p>
+              <a:pPr algn="ctr"/>
+              <a:r>
+                <a:rPr lang="zh-CN" altLang="en-US" dirty="0">
+                  <a:solidFill>
+                    <a:schemeClr val="tx1"/>
+                  </a:solidFill>
+                </a:rPr>
+                <a:t>缴费</a:t>
+              </a:r>
+            </a:p>
+          </p:txBody>
+        </p:sp>
+        <p:sp>
+          <p:nvSpPr>
+            <p:cNvPr id="230" name="矩形 229">
+              <a:extLst>
+                <a:ext uri="{FF2B5EF4-FFF2-40B4-BE49-F238E27FC236}">
+                  <a16:creationId xmlns:a16="http://schemas.microsoft.com/office/drawing/2014/main" id="{026B8A50-E45B-4D2A-87A7-F0B267E22E0D}"/>
+                </a:ext>
+              </a:extLst>
+            </p:cNvPr>
+            <p:cNvSpPr/>
+            <p:nvPr/>
+          </p:nvSpPr>
+          <p:spPr>
+            <a:xfrm>
+              <a:off x="12836183" y="30069054"/>
+              <a:ext cx="1285200" cy="522514"/>
+            </a:xfrm>
+            <a:prstGeom prst="rect">
+              <a:avLst/>
+            </a:prstGeom>
+            <a:solidFill>
+              <a:srgbClr val="C5E0B4"/>
+            </a:solidFill>
+            <a:ln>
+              <a:solidFill>
+                <a:srgbClr val="93C573"/>
+              </a:solidFill>
+            </a:ln>
+            <a:effectLst>
+              <a:outerShdw blurRad="50800" dist="38100" dir="2700000" algn="tl" rotWithShape="0">
+                <a:prstClr val="black">
+                  <a:alpha val="40000"/>
+                </a:prstClr>
+              </a:outerShdw>
+            </a:effectLst>
+          </p:spPr>
+          <p:style>
+            <a:lnRef idx="2">
+              <a:schemeClr val="accent1">
+                <a:shade val="50000"/>
+              </a:schemeClr>
+            </a:lnRef>
+            <a:fillRef idx="1">
+              <a:schemeClr val="accent1"/>
+            </a:fillRef>
+            <a:effectRef idx="0">
+              <a:schemeClr val="accent1"/>
+            </a:effectRef>
+            <a:fontRef idx="minor">
+              <a:schemeClr val="lt1"/>
+            </a:fontRef>
+          </p:style>
+          <p:txBody>
+            <a:bodyPr rtlCol="0" anchor="ctr"/>
+            <a:lstStyle/>
+            <a:p>
+              <a:pPr algn="ctr"/>
+              <a:r>
+                <a:rPr lang="zh-CN" altLang="en-US" dirty="0">
+                  <a:solidFill>
+                    <a:schemeClr val="tx1"/>
+                  </a:solidFill>
+                </a:rPr>
+                <a:t>缴费</a:t>
+              </a:r>
+            </a:p>
+          </p:txBody>
+        </p:sp>
+        <p:sp>
+          <p:nvSpPr>
+            <p:cNvPr id="231" name="矩形 230">
+              <a:extLst>
+                <a:ext uri="{FF2B5EF4-FFF2-40B4-BE49-F238E27FC236}">
+                  <a16:creationId xmlns:a16="http://schemas.microsoft.com/office/drawing/2014/main" id="{D918909E-68B6-443C-847D-CCAC46C69215}"/>
+                </a:ext>
+              </a:extLst>
+            </p:cNvPr>
+            <p:cNvSpPr/>
+            <p:nvPr/>
+          </p:nvSpPr>
+          <p:spPr>
+            <a:xfrm>
+              <a:off x="12836183" y="30591568"/>
+              <a:ext cx="1285200" cy="522514"/>
+            </a:xfrm>
+            <a:prstGeom prst="rect">
+              <a:avLst/>
+            </a:prstGeom>
+            <a:solidFill>
+              <a:srgbClr val="C5E0B4"/>
+            </a:solidFill>
+            <a:ln>
+              <a:solidFill>
+                <a:srgbClr val="93C573"/>
+              </a:solidFill>
+            </a:ln>
+            <a:effectLst>
+              <a:outerShdw blurRad="50800" dist="38100" dir="2700000" algn="tl" rotWithShape="0">
+                <a:prstClr val="black">
+                  <a:alpha val="40000"/>
+                </a:prstClr>
+              </a:outerShdw>
+            </a:effectLst>
+          </p:spPr>
+          <p:style>
+            <a:lnRef idx="2">
+              <a:schemeClr val="accent1">
+                <a:shade val="50000"/>
+              </a:schemeClr>
+            </a:lnRef>
+            <a:fillRef idx="1">
+              <a:schemeClr val="accent1"/>
+            </a:fillRef>
+            <a:effectRef idx="0">
+              <a:schemeClr val="accent1"/>
+            </a:effectRef>
+            <a:fontRef idx="minor">
+              <a:schemeClr val="lt1"/>
+            </a:fontRef>
+          </p:style>
+          <p:txBody>
+            <a:bodyPr rtlCol="0" anchor="ctr"/>
+            <a:lstStyle/>
+            <a:p>
+              <a:pPr algn="ctr"/>
+              <a:r>
+                <a:rPr lang="zh-CN" altLang="en-US" dirty="0">
+                  <a:solidFill>
+                    <a:schemeClr val="tx1"/>
+                  </a:solidFill>
+                </a:rPr>
+                <a:t>缴费</a:t>
+              </a:r>
+            </a:p>
+          </p:txBody>
+        </p:sp>
+        <p:sp>
+          <p:nvSpPr>
+            <p:cNvPr id="232" name="矩形 231">
+              <a:extLst>
+                <a:ext uri="{FF2B5EF4-FFF2-40B4-BE49-F238E27FC236}">
+                  <a16:creationId xmlns:a16="http://schemas.microsoft.com/office/drawing/2014/main" id="{2BF981C2-7DE9-47C1-A6D8-5CD8777FE1ED}"/>
+                </a:ext>
+              </a:extLst>
+            </p:cNvPr>
+            <p:cNvSpPr/>
+            <p:nvPr/>
+          </p:nvSpPr>
+          <p:spPr>
+            <a:xfrm>
+              <a:off x="12832769" y="31114082"/>
+              <a:ext cx="1285200" cy="522514"/>
+            </a:xfrm>
+            <a:prstGeom prst="rect">
+              <a:avLst/>
+            </a:prstGeom>
+            <a:solidFill>
+              <a:srgbClr val="C5E0B4"/>
+            </a:solidFill>
+            <a:ln>
+              <a:solidFill>
+                <a:srgbClr val="93C573"/>
+              </a:solidFill>
+            </a:ln>
+            <a:effectLst>
+              <a:outerShdw blurRad="50800" dist="38100" dir="2700000" algn="tl" rotWithShape="0">
+                <a:prstClr val="black">
+                  <a:alpha val="40000"/>
+                </a:prstClr>
+              </a:outerShdw>
+            </a:effectLst>
+          </p:spPr>
+          <p:style>
+            <a:lnRef idx="2">
+              <a:schemeClr val="accent1">
+                <a:shade val="50000"/>
+              </a:schemeClr>
+            </a:lnRef>
+            <a:fillRef idx="1">
+              <a:schemeClr val="accent1"/>
+            </a:fillRef>
+            <a:effectRef idx="0">
+              <a:schemeClr val="accent1"/>
+            </a:effectRef>
+            <a:fontRef idx="minor">
+              <a:schemeClr val="lt1"/>
+            </a:fontRef>
+          </p:style>
+          <p:txBody>
+            <a:bodyPr rtlCol="0" anchor="ctr"/>
+            <a:lstStyle/>
+            <a:p>
+              <a:pPr algn="ctr"/>
+              <a:r>
+                <a:rPr lang="zh-CN" altLang="en-US" dirty="0">
+                  <a:solidFill>
+                    <a:schemeClr val="tx1"/>
+                  </a:solidFill>
+                </a:rPr>
+                <a:t>缴费</a:t>
+              </a:r>
+            </a:p>
+          </p:txBody>
+        </p:sp>
+        <p:sp>
+          <p:nvSpPr>
+            <p:cNvPr id="233" name="矩形 232">
+              <a:extLst>
+                <a:ext uri="{FF2B5EF4-FFF2-40B4-BE49-F238E27FC236}">
+                  <a16:creationId xmlns:a16="http://schemas.microsoft.com/office/drawing/2014/main" id="{68B180C6-1318-4F8F-BFCF-1E9715B8442E}"/>
+                </a:ext>
+              </a:extLst>
+            </p:cNvPr>
+            <p:cNvSpPr/>
+            <p:nvPr/>
+          </p:nvSpPr>
+          <p:spPr>
+            <a:xfrm>
+              <a:off x="12832769" y="31636596"/>
+              <a:ext cx="1285200" cy="522514"/>
+            </a:xfrm>
+            <a:prstGeom prst="rect">
+              <a:avLst/>
+            </a:prstGeom>
+            <a:solidFill>
+              <a:srgbClr val="C5E0B4"/>
+            </a:solidFill>
+            <a:ln>
+              <a:solidFill>
+                <a:srgbClr val="93C573"/>
+              </a:solidFill>
+            </a:ln>
+            <a:effectLst>
+              <a:outerShdw blurRad="50800" dist="38100" dir="2700000" algn="tl" rotWithShape="0">
+                <a:prstClr val="black">
+                  <a:alpha val="40000"/>
+                </a:prstClr>
+              </a:outerShdw>
+            </a:effectLst>
+          </p:spPr>
+          <p:style>
+            <a:lnRef idx="2">
+              <a:schemeClr val="accent1">
+                <a:shade val="50000"/>
+              </a:schemeClr>
+            </a:lnRef>
+            <a:fillRef idx="1">
+              <a:schemeClr val="accent1"/>
+            </a:fillRef>
+            <a:effectRef idx="0">
+              <a:schemeClr val="accent1"/>
+            </a:effectRef>
+            <a:fontRef idx="minor">
+              <a:schemeClr val="lt1"/>
+            </a:fontRef>
+          </p:style>
+          <p:txBody>
+            <a:bodyPr rtlCol="0" anchor="ctr"/>
+            <a:lstStyle/>
+            <a:p>
+              <a:pPr algn="ctr"/>
+              <a:r>
+                <a:rPr lang="zh-CN" altLang="en-US" dirty="0">
+                  <a:solidFill>
+                    <a:schemeClr val="tx1"/>
+                  </a:solidFill>
+                </a:rPr>
+                <a:t>缴费</a:t>
+              </a:r>
+            </a:p>
+          </p:txBody>
+        </p:sp>
+        <p:sp>
+          <p:nvSpPr>
+            <p:cNvPr id="234" name="矩形 233">
+              <a:extLst>
+                <a:ext uri="{FF2B5EF4-FFF2-40B4-BE49-F238E27FC236}">
+                  <a16:creationId xmlns:a16="http://schemas.microsoft.com/office/drawing/2014/main" id="{1BA1E131-7B5B-4AE2-B201-71CF1BCC7015}"/>
+                </a:ext>
+              </a:extLst>
+            </p:cNvPr>
+            <p:cNvSpPr/>
+            <p:nvPr/>
+          </p:nvSpPr>
+          <p:spPr>
+            <a:xfrm>
+              <a:off x="12832769" y="32159110"/>
+              <a:ext cx="1285200" cy="522514"/>
+            </a:xfrm>
+            <a:prstGeom prst="rect">
+              <a:avLst/>
+            </a:prstGeom>
+            <a:solidFill>
+              <a:srgbClr val="C5E0B4"/>
+            </a:solidFill>
+            <a:ln>
+              <a:solidFill>
+                <a:srgbClr val="93C573"/>
+              </a:solidFill>
+            </a:ln>
+            <a:effectLst>
+              <a:outerShdw blurRad="50800" dist="38100" dir="2700000" algn="tl" rotWithShape="0">
+                <a:prstClr val="black">
+                  <a:alpha val="40000"/>
+                </a:prstClr>
+              </a:outerShdw>
+            </a:effectLst>
+          </p:spPr>
+          <p:style>
+            <a:lnRef idx="2">
+              <a:schemeClr val="accent1">
+                <a:shade val="50000"/>
+              </a:schemeClr>
+            </a:lnRef>
+            <a:fillRef idx="1">
+              <a:schemeClr val="accent1"/>
+            </a:fillRef>
+            <a:effectRef idx="0">
+              <a:schemeClr val="accent1"/>
+            </a:effectRef>
+            <a:fontRef idx="minor">
+              <a:schemeClr val="lt1"/>
+            </a:fontRef>
+          </p:style>
+          <p:txBody>
+            <a:bodyPr rtlCol="0" anchor="ctr"/>
+            <a:lstStyle/>
+            <a:p>
+              <a:pPr algn="ctr"/>
+              <a:r>
+                <a:rPr lang="zh-CN" altLang="en-US" dirty="0">
+                  <a:solidFill>
+                    <a:schemeClr val="tx1"/>
+                  </a:solidFill>
+                </a:rPr>
+                <a:t>缴费</a:t>
+              </a:r>
+            </a:p>
+          </p:txBody>
+        </p:sp>
+        <p:sp>
+          <p:nvSpPr>
+            <p:cNvPr id="235" name="矩形 234">
+              <a:extLst>
+                <a:ext uri="{FF2B5EF4-FFF2-40B4-BE49-F238E27FC236}">
+                  <a16:creationId xmlns:a16="http://schemas.microsoft.com/office/drawing/2014/main" id="{8A9B462F-5792-4CB5-9437-3FB1428C723D}"/>
+                </a:ext>
+              </a:extLst>
+            </p:cNvPr>
+            <p:cNvSpPr/>
+            <p:nvPr/>
+          </p:nvSpPr>
+          <p:spPr>
+            <a:xfrm>
+              <a:off x="12832769" y="32681624"/>
+              <a:ext cx="1285200" cy="522514"/>
+            </a:xfrm>
+            <a:prstGeom prst="rect">
+              <a:avLst/>
+            </a:prstGeom>
+            <a:solidFill>
+              <a:srgbClr val="C5E0B4"/>
+            </a:solidFill>
+            <a:ln>
+              <a:solidFill>
+                <a:srgbClr val="93C573"/>
+              </a:solidFill>
+            </a:ln>
+            <a:effectLst>
+              <a:outerShdw blurRad="50800" dist="38100" dir="2700000" algn="tl" rotWithShape="0">
+                <a:prstClr val="black">
+                  <a:alpha val="40000"/>
+                </a:prstClr>
+              </a:outerShdw>
+            </a:effectLst>
+          </p:spPr>
+          <p:style>
+            <a:lnRef idx="2">
+              <a:schemeClr val="accent1">
+                <a:shade val="50000"/>
+              </a:schemeClr>
+            </a:lnRef>
+            <a:fillRef idx="1">
+              <a:schemeClr val="accent1"/>
+            </a:fillRef>
+            <a:effectRef idx="0">
+              <a:schemeClr val="accent1"/>
+            </a:effectRef>
+            <a:fontRef idx="minor">
+              <a:schemeClr val="lt1"/>
+            </a:fontRef>
+          </p:style>
+          <p:txBody>
+            <a:bodyPr rtlCol="0" anchor="ctr"/>
+            <a:lstStyle/>
+            <a:p>
+              <a:pPr algn="ctr"/>
+              <a:r>
+                <a:rPr lang="zh-CN" altLang="en-US" dirty="0">
+                  <a:solidFill>
+                    <a:schemeClr val="tx1"/>
+                  </a:solidFill>
+                </a:rPr>
+                <a:t>缴费</a:t>
+              </a:r>
+            </a:p>
+          </p:txBody>
+        </p:sp>
+        <p:sp>
+          <p:nvSpPr>
+            <p:cNvPr id="236" name="矩形 235">
+              <a:extLst>
+                <a:ext uri="{FF2B5EF4-FFF2-40B4-BE49-F238E27FC236}">
+                  <a16:creationId xmlns:a16="http://schemas.microsoft.com/office/drawing/2014/main" id="{4E2858D9-CEC7-40DA-A837-0D684E5FCB14}"/>
+                </a:ext>
+              </a:extLst>
+            </p:cNvPr>
+            <p:cNvSpPr/>
+            <p:nvPr/>
+          </p:nvSpPr>
+          <p:spPr>
+            <a:xfrm>
+              <a:off x="14131664" y="29546540"/>
+              <a:ext cx="1285200" cy="522514"/>
+            </a:xfrm>
+            <a:prstGeom prst="rect">
+              <a:avLst/>
+            </a:prstGeom>
+            <a:solidFill>
+              <a:srgbClr val="FFE699"/>
+            </a:solidFill>
+            <a:ln>
+              <a:solidFill>
+                <a:srgbClr val="FFCF37"/>
+              </a:solidFill>
+            </a:ln>
+            <a:effectLst>
+              <a:outerShdw blurRad="50800" dist="38100" dir="2700000" algn="tl" rotWithShape="0">
+                <a:prstClr val="black">
+                  <a:alpha val="40000"/>
+                </a:prstClr>
+              </a:outerShdw>
+            </a:effectLst>
+          </p:spPr>
+          <p:style>
+            <a:lnRef idx="2">
+              <a:schemeClr val="accent2">
+                <a:shade val="50000"/>
+              </a:schemeClr>
+            </a:lnRef>
+            <a:fillRef idx="1">
+              <a:schemeClr val="accent2"/>
+            </a:fillRef>
+            <a:effectRef idx="0">
+              <a:schemeClr val="accent2"/>
+            </a:effectRef>
+            <a:fontRef idx="minor">
+              <a:schemeClr val="lt1"/>
+            </a:fontRef>
+          </p:style>
+          <p:txBody>
+            <a:bodyPr rtlCol="0" anchor="ctr"/>
+            <a:lstStyle/>
+            <a:p>
+              <a:pPr algn="ctr"/>
+              <a:r>
+                <a:rPr lang="zh-CN" altLang="en-US" dirty="0">
+                  <a:solidFill>
+                    <a:schemeClr val="tx1"/>
+                  </a:solidFill>
+                </a:rPr>
+                <a:t>抓药</a:t>
+              </a:r>
+            </a:p>
+          </p:txBody>
+        </p:sp>
+        <p:sp>
+          <p:nvSpPr>
+            <p:cNvPr id="237" name="矩形 236">
+              <a:extLst>
+                <a:ext uri="{FF2B5EF4-FFF2-40B4-BE49-F238E27FC236}">
+                  <a16:creationId xmlns:a16="http://schemas.microsoft.com/office/drawing/2014/main" id="{F515E488-CBAF-438B-93AB-3FF8F88105A0}"/>
+                </a:ext>
+              </a:extLst>
+            </p:cNvPr>
+            <p:cNvSpPr/>
+            <p:nvPr/>
+          </p:nvSpPr>
+          <p:spPr>
+            <a:xfrm>
+              <a:off x="14131664" y="30069054"/>
+              <a:ext cx="1285200" cy="522514"/>
+            </a:xfrm>
+            <a:prstGeom prst="rect">
+              <a:avLst/>
+            </a:prstGeom>
+            <a:solidFill>
+              <a:srgbClr val="FFE699"/>
+            </a:solidFill>
+            <a:ln>
+              <a:solidFill>
+                <a:srgbClr val="FFCF37"/>
+              </a:solidFill>
+            </a:ln>
+            <a:effectLst>
+              <a:outerShdw blurRad="50800" dist="38100" dir="2700000" algn="tl" rotWithShape="0">
+                <a:prstClr val="black">
+                  <a:alpha val="40000"/>
+                </a:prstClr>
+              </a:outerShdw>
+            </a:effectLst>
+          </p:spPr>
+          <p:style>
+            <a:lnRef idx="2">
+              <a:schemeClr val="accent2">
+                <a:shade val="50000"/>
+              </a:schemeClr>
+            </a:lnRef>
+            <a:fillRef idx="1">
+              <a:schemeClr val="accent2"/>
+            </a:fillRef>
+            <a:effectRef idx="0">
+              <a:schemeClr val="accent2"/>
+            </a:effectRef>
+            <a:fontRef idx="minor">
+              <a:schemeClr val="lt1"/>
+            </a:fontRef>
+          </p:style>
+          <p:txBody>
+            <a:bodyPr rtlCol="0" anchor="ctr"/>
+            <a:lstStyle/>
+            <a:p>
+              <a:pPr algn="ctr"/>
+              <a:r>
+                <a:rPr lang="zh-CN" altLang="en-US" dirty="0">
+                  <a:solidFill>
+                    <a:schemeClr val="tx1"/>
+                  </a:solidFill>
+                </a:rPr>
+                <a:t>抓药</a:t>
+              </a:r>
+            </a:p>
+          </p:txBody>
+        </p:sp>
+        <p:sp>
+          <p:nvSpPr>
+            <p:cNvPr id="238" name="矩形 237">
+              <a:extLst>
+                <a:ext uri="{FF2B5EF4-FFF2-40B4-BE49-F238E27FC236}">
+                  <a16:creationId xmlns:a16="http://schemas.microsoft.com/office/drawing/2014/main" id="{41382284-64F4-44F3-B886-502ECC62A095}"/>
+                </a:ext>
+              </a:extLst>
+            </p:cNvPr>
+            <p:cNvSpPr/>
+            <p:nvPr/>
+          </p:nvSpPr>
+          <p:spPr>
+            <a:xfrm>
+              <a:off x="14129245" y="30592465"/>
+              <a:ext cx="1285200" cy="522514"/>
+            </a:xfrm>
+            <a:prstGeom prst="rect">
+              <a:avLst/>
+            </a:prstGeom>
+            <a:solidFill>
+              <a:srgbClr val="FFE699"/>
+            </a:solidFill>
+            <a:ln>
+              <a:solidFill>
+                <a:srgbClr val="FFCF37"/>
+              </a:solidFill>
+            </a:ln>
+            <a:effectLst>
+              <a:outerShdw blurRad="50800" dist="38100" dir="2700000" algn="tl" rotWithShape="0">
+                <a:prstClr val="black">
+                  <a:alpha val="40000"/>
+                </a:prstClr>
+              </a:outerShdw>
+            </a:effectLst>
+          </p:spPr>
+          <p:style>
+            <a:lnRef idx="2">
+              <a:schemeClr val="accent2">
+                <a:shade val="50000"/>
+              </a:schemeClr>
+            </a:lnRef>
+            <a:fillRef idx="1">
+              <a:schemeClr val="accent2"/>
+            </a:fillRef>
+            <a:effectRef idx="0">
+              <a:schemeClr val="accent2"/>
+            </a:effectRef>
+            <a:fontRef idx="minor">
+              <a:schemeClr val="lt1"/>
+            </a:fontRef>
+          </p:style>
+          <p:txBody>
+            <a:bodyPr rtlCol="0" anchor="ctr"/>
+            <a:lstStyle/>
+            <a:p>
+              <a:pPr algn="ctr"/>
+              <a:r>
+                <a:rPr lang="zh-CN" altLang="en-US" dirty="0">
+                  <a:solidFill>
+                    <a:schemeClr val="tx1"/>
+                  </a:solidFill>
+                </a:rPr>
+                <a:t>抓药</a:t>
+              </a:r>
+            </a:p>
+          </p:txBody>
+        </p:sp>
+        <p:sp>
+          <p:nvSpPr>
+            <p:cNvPr id="239" name="矩形 238">
+              <a:extLst>
+                <a:ext uri="{FF2B5EF4-FFF2-40B4-BE49-F238E27FC236}">
+                  <a16:creationId xmlns:a16="http://schemas.microsoft.com/office/drawing/2014/main" id="{D0ACC0C8-10D1-452E-A7B5-3A0AEF78CD0F}"/>
+                </a:ext>
+              </a:extLst>
+            </p:cNvPr>
+            <p:cNvSpPr/>
+            <p:nvPr/>
+          </p:nvSpPr>
+          <p:spPr>
+            <a:xfrm>
+              <a:off x="14129245" y="31114979"/>
+              <a:ext cx="1285200" cy="522514"/>
+            </a:xfrm>
+            <a:prstGeom prst="rect">
+              <a:avLst/>
+            </a:prstGeom>
+            <a:solidFill>
+              <a:srgbClr val="FFE699"/>
+            </a:solidFill>
+            <a:ln>
+              <a:solidFill>
+                <a:srgbClr val="FFCF37"/>
+              </a:solidFill>
+            </a:ln>
+            <a:effectLst>
+              <a:outerShdw blurRad="50800" dist="38100" dir="2700000" algn="tl" rotWithShape="0">
+                <a:prstClr val="black">
+                  <a:alpha val="40000"/>
+                </a:prstClr>
+              </a:outerShdw>
+            </a:effectLst>
+          </p:spPr>
+          <p:style>
+            <a:lnRef idx="2">
+              <a:schemeClr val="accent2">
+                <a:shade val="50000"/>
+              </a:schemeClr>
+            </a:lnRef>
+            <a:fillRef idx="1">
+              <a:schemeClr val="accent2"/>
+            </a:fillRef>
+            <a:effectRef idx="0">
+              <a:schemeClr val="accent2"/>
+            </a:effectRef>
+            <a:fontRef idx="minor">
+              <a:schemeClr val="lt1"/>
+            </a:fontRef>
+          </p:style>
+          <p:txBody>
+            <a:bodyPr rtlCol="0" anchor="ctr"/>
+            <a:lstStyle/>
+            <a:p>
+              <a:pPr algn="ctr"/>
+              <a:r>
+                <a:rPr lang="zh-CN" altLang="en-US" dirty="0">
+                  <a:solidFill>
+                    <a:schemeClr val="tx1"/>
+                  </a:solidFill>
+                </a:rPr>
+                <a:t>抓药</a:t>
+              </a:r>
+            </a:p>
+          </p:txBody>
+        </p:sp>
+        <p:sp>
+          <p:nvSpPr>
+            <p:cNvPr id="240" name="矩形 239">
+              <a:extLst>
+                <a:ext uri="{FF2B5EF4-FFF2-40B4-BE49-F238E27FC236}">
+                  <a16:creationId xmlns:a16="http://schemas.microsoft.com/office/drawing/2014/main" id="{C1D13A75-FDE0-476D-B36B-3325F217F1E8}"/>
+                </a:ext>
+              </a:extLst>
+            </p:cNvPr>
+            <p:cNvSpPr/>
+            <p:nvPr/>
+          </p:nvSpPr>
+          <p:spPr>
+            <a:xfrm>
+              <a:off x="14130669" y="31645686"/>
+              <a:ext cx="1285200" cy="522514"/>
+            </a:xfrm>
+            <a:prstGeom prst="rect">
+              <a:avLst/>
+            </a:prstGeom>
+            <a:solidFill>
+              <a:srgbClr val="FFE699"/>
+            </a:solidFill>
+            <a:ln>
+              <a:solidFill>
+                <a:srgbClr val="FFCF37"/>
+              </a:solidFill>
+            </a:ln>
+            <a:effectLst>
+              <a:outerShdw blurRad="50800" dist="38100" dir="2700000" algn="tl" rotWithShape="0">
+                <a:prstClr val="black">
+                  <a:alpha val="40000"/>
+                </a:prstClr>
+              </a:outerShdw>
+            </a:effectLst>
+          </p:spPr>
+          <p:style>
+            <a:lnRef idx="2">
+              <a:schemeClr val="accent2">
+                <a:shade val="50000"/>
+              </a:schemeClr>
+            </a:lnRef>
+            <a:fillRef idx="1">
+              <a:schemeClr val="accent2"/>
+            </a:fillRef>
+            <a:effectRef idx="0">
+              <a:schemeClr val="accent2"/>
+            </a:effectRef>
+            <a:fontRef idx="minor">
+              <a:schemeClr val="lt1"/>
+            </a:fontRef>
+          </p:style>
+          <p:txBody>
+            <a:bodyPr rtlCol="0" anchor="ctr"/>
+            <a:lstStyle/>
+            <a:p>
+              <a:pPr algn="ctr"/>
+              <a:r>
+                <a:rPr lang="zh-CN" altLang="en-US" dirty="0">
+                  <a:solidFill>
+                    <a:schemeClr val="tx1"/>
+                  </a:solidFill>
+                </a:rPr>
+                <a:t>抓药</a:t>
+              </a:r>
+            </a:p>
+          </p:txBody>
+        </p:sp>
+        <p:sp>
+          <p:nvSpPr>
+            <p:cNvPr id="241" name="矩形 240">
+              <a:extLst>
+                <a:ext uri="{FF2B5EF4-FFF2-40B4-BE49-F238E27FC236}">
+                  <a16:creationId xmlns:a16="http://schemas.microsoft.com/office/drawing/2014/main" id="{39DC625A-43BE-423A-80C1-14C32CDA3D33}"/>
+                </a:ext>
+              </a:extLst>
+            </p:cNvPr>
+            <p:cNvSpPr/>
+            <p:nvPr/>
+          </p:nvSpPr>
+          <p:spPr>
+            <a:xfrm>
+              <a:off x="14130669" y="32168200"/>
+              <a:ext cx="1285200" cy="522514"/>
+            </a:xfrm>
+            <a:prstGeom prst="rect">
+              <a:avLst/>
+            </a:prstGeom>
+            <a:solidFill>
+              <a:srgbClr val="FFE699"/>
+            </a:solidFill>
+            <a:ln>
+              <a:solidFill>
+                <a:srgbClr val="FFCF37"/>
+              </a:solidFill>
+            </a:ln>
+            <a:effectLst>
+              <a:outerShdw blurRad="50800" dist="38100" dir="2700000" algn="tl" rotWithShape="0">
+                <a:prstClr val="black">
+                  <a:alpha val="40000"/>
+                </a:prstClr>
+              </a:outerShdw>
+            </a:effectLst>
+          </p:spPr>
+          <p:style>
+            <a:lnRef idx="2">
+              <a:schemeClr val="accent2">
+                <a:shade val="50000"/>
+              </a:schemeClr>
+            </a:lnRef>
+            <a:fillRef idx="1">
+              <a:schemeClr val="accent2"/>
+            </a:fillRef>
+            <a:effectRef idx="0">
+              <a:schemeClr val="accent2"/>
+            </a:effectRef>
+            <a:fontRef idx="minor">
+              <a:schemeClr val="lt1"/>
+            </a:fontRef>
+          </p:style>
+          <p:txBody>
+            <a:bodyPr rtlCol="0" anchor="ctr"/>
+            <a:lstStyle/>
+            <a:p>
+              <a:pPr algn="ctr"/>
+              <a:r>
+                <a:rPr lang="zh-CN" altLang="en-US" dirty="0">
+                  <a:solidFill>
+                    <a:schemeClr val="tx1"/>
+                  </a:solidFill>
+                </a:rPr>
+                <a:t>抓药</a:t>
+              </a:r>
+            </a:p>
+          </p:txBody>
+        </p:sp>
+        <p:sp>
+          <p:nvSpPr>
+            <p:cNvPr id="242" name="矩形 241">
+              <a:extLst>
+                <a:ext uri="{FF2B5EF4-FFF2-40B4-BE49-F238E27FC236}">
+                  <a16:creationId xmlns:a16="http://schemas.microsoft.com/office/drawing/2014/main" id="{5E3FA47E-791A-4EE6-BB82-B72082F37D73}"/>
+                </a:ext>
+              </a:extLst>
+            </p:cNvPr>
+            <p:cNvSpPr/>
+            <p:nvPr/>
+          </p:nvSpPr>
+          <p:spPr>
+            <a:xfrm>
+              <a:off x="14128250" y="32691611"/>
+              <a:ext cx="1285200" cy="522514"/>
+            </a:xfrm>
+            <a:prstGeom prst="rect">
+              <a:avLst/>
+            </a:prstGeom>
+            <a:solidFill>
+              <a:srgbClr val="FFE699"/>
+            </a:solidFill>
+            <a:ln>
+              <a:solidFill>
+                <a:srgbClr val="FFCF37"/>
+              </a:solidFill>
+            </a:ln>
+            <a:effectLst>
+              <a:outerShdw blurRad="50800" dist="38100" dir="2700000" algn="tl" rotWithShape="0">
+                <a:prstClr val="black">
+                  <a:alpha val="40000"/>
+                </a:prstClr>
+              </a:outerShdw>
+            </a:effectLst>
+          </p:spPr>
+          <p:style>
+            <a:lnRef idx="2">
+              <a:schemeClr val="accent2">
+                <a:shade val="50000"/>
+              </a:schemeClr>
+            </a:lnRef>
+            <a:fillRef idx="1">
+              <a:schemeClr val="accent2"/>
+            </a:fillRef>
+            <a:effectRef idx="0">
+              <a:schemeClr val="accent2"/>
+            </a:effectRef>
+            <a:fontRef idx="minor">
+              <a:schemeClr val="lt1"/>
+            </a:fontRef>
+          </p:style>
+          <p:txBody>
+            <a:bodyPr rtlCol="0" anchor="ctr"/>
+            <a:lstStyle/>
+            <a:p>
+              <a:pPr algn="ctr"/>
+              <a:r>
+                <a:rPr lang="zh-CN" altLang="en-US" dirty="0">
+                  <a:solidFill>
+                    <a:schemeClr val="tx1"/>
+                  </a:solidFill>
+                </a:rPr>
+                <a:t>抓药</a:t>
+              </a:r>
+            </a:p>
+          </p:txBody>
+        </p:sp>
+        <p:sp>
+          <p:nvSpPr>
+            <p:cNvPr id="243" name="矩形 242">
+              <a:extLst>
+                <a:ext uri="{FF2B5EF4-FFF2-40B4-BE49-F238E27FC236}">
+                  <a16:creationId xmlns:a16="http://schemas.microsoft.com/office/drawing/2014/main" id="{2B86322B-FEA2-4DF5-91C8-C73EB8384C0A}"/>
+                </a:ext>
+              </a:extLst>
+            </p:cNvPr>
+            <p:cNvSpPr/>
+            <p:nvPr/>
+          </p:nvSpPr>
+          <p:spPr>
+            <a:xfrm>
+              <a:off x="14128250" y="33214125"/>
+              <a:ext cx="1285200" cy="522514"/>
+            </a:xfrm>
+            <a:prstGeom prst="rect">
+              <a:avLst/>
+            </a:prstGeom>
+            <a:solidFill>
+              <a:srgbClr val="FFE699"/>
+            </a:solidFill>
+            <a:ln>
+              <a:solidFill>
+                <a:srgbClr val="FFCF37"/>
+              </a:solidFill>
+            </a:ln>
+            <a:effectLst>
+              <a:outerShdw blurRad="50800" dist="38100" dir="2700000" algn="tl" rotWithShape="0">
+                <a:prstClr val="black">
+                  <a:alpha val="40000"/>
+                </a:prstClr>
+              </a:outerShdw>
+            </a:effectLst>
+          </p:spPr>
+          <p:style>
+            <a:lnRef idx="2">
+              <a:schemeClr val="accent2">
+                <a:shade val="50000"/>
+              </a:schemeClr>
+            </a:lnRef>
+            <a:fillRef idx="1">
+              <a:schemeClr val="accent2"/>
+            </a:fillRef>
+            <a:effectRef idx="0">
+              <a:schemeClr val="accent2"/>
+            </a:effectRef>
+            <a:fontRef idx="minor">
+              <a:schemeClr val="lt1"/>
+            </a:fontRef>
+          </p:style>
+          <p:txBody>
+            <a:bodyPr rtlCol="0" anchor="ctr"/>
+            <a:lstStyle/>
+            <a:p>
+              <a:pPr algn="ctr"/>
+              <a:r>
+                <a:rPr lang="zh-CN" altLang="en-US" dirty="0">
+                  <a:solidFill>
+                    <a:schemeClr val="tx1"/>
+                  </a:solidFill>
+                </a:rPr>
+                <a:t>抓药</a:t>
+              </a:r>
+            </a:p>
+          </p:txBody>
+        </p:sp>
+      </p:grpSp>
     </p:spTree>
     <p:extLst>
       <p:ext uri="{BB962C8B-B14F-4D97-AF65-F5344CB8AC3E}">
         <p14:creationId xmlns:p14="http://schemas.microsoft.com/office/powerpoint/2010/main" val="1788009881"/>
-      </p:ext>
-    </p:extLst>
-  </p:cSld>
-  <p:clrMapOvr>
-    <a:masterClrMapping/>
-  </p:clrMapOvr>
-</p:sld>
-</file>
-
-<file path=ppt/slides/slide4.xml><?xml version="1.0" encoding="utf-8"?>
-<p:sld xmlns:a="http://schemas.openxmlformats.org/drawingml/2006/main" xmlns:r="http://schemas.openxmlformats.org/officeDocument/2006/relationships" xmlns:p="http://schemas.openxmlformats.org/presentationml/2006/main">
-  <p:cSld>
-    <p:spTree>
-      <p:nvGrpSpPr>
-        <p:cNvPr id="1" name=""/>
-        <p:cNvGrpSpPr/>
-        <p:nvPr/>
-      </p:nvGrpSpPr>
-      <p:grpSpPr>
-        <a:xfrm>
-          <a:off x="0" y="0"/>
-          <a:ext cx="0" cy="0"/>
-          <a:chOff x="0" y="0"/>
-          <a:chExt cx="0" cy="0"/>
-        </a:xfrm>
-      </p:grpSpPr>
-    </p:spTree>
-    <p:extLst>
-      <p:ext uri="{BB962C8B-B14F-4D97-AF65-F5344CB8AC3E}">
-        <p14:creationId xmlns:p14="http://schemas.microsoft.com/office/powerpoint/2010/main" val="281359673"/>
-      </p:ext>
-    </p:extLst>
-  </p:cSld>
-  <p:clrMapOvr>
-    <a:masterClrMapping/>
-  </p:clrMapOvr>
-</p:sld>
-</file>
-
-<file path=ppt/slides/slide5.xml><?xml version="1.0" encoding="utf-8"?>
-<p:sld xmlns:a="http://schemas.openxmlformats.org/drawingml/2006/main" xmlns:r="http://schemas.openxmlformats.org/officeDocument/2006/relationships" xmlns:p="http://schemas.openxmlformats.org/presentationml/2006/main">
-  <p:cSld>
-    <p:spTree>
-      <p:nvGrpSpPr>
-        <p:cNvPr id="1" name=""/>
-        <p:cNvGrpSpPr/>
-        <p:nvPr/>
-      </p:nvGrpSpPr>
-      <p:grpSpPr>
-        <a:xfrm>
-          <a:off x="0" y="0"/>
-          <a:ext cx="0" cy="0"/>
-          <a:chOff x="0" y="0"/>
-          <a:chExt cx="0" cy="0"/>
-        </a:xfrm>
-      </p:grpSpPr>
-    </p:spTree>
-    <p:extLst>
-      <p:ext uri="{BB962C8B-B14F-4D97-AF65-F5344CB8AC3E}">
-        <p14:creationId xmlns:p14="http://schemas.microsoft.com/office/powerpoint/2010/main" val="2186116246"/>
-      </p:ext>
-    </p:extLst>
-  </p:cSld>
-  <p:clrMapOvr>
-    <a:masterClrMapping/>
-  </p:clrMapOvr>
-</p:sld>
-</file>
-
-<file path=ppt/slides/slide6.xml><?xml version="1.0" encoding="utf-8"?>
-<p:sld xmlns:a="http://schemas.openxmlformats.org/drawingml/2006/main" xmlns:r="http://schemas.openxmlformats.org/officeDocument/2006/relationships" xmlns:p="http://schemas.openxmlformats.org/presentationml/2006/main">
-  <p:cSld>
-    <p:spTree>
-      <p:nvGrpSpPr>
-        <p:cNvPr id="1" name=""/>
-        <p:cNvGrpSpPr/>
-        <p:nvPr/>
-      </p:nvGrpSpPr>
-      <p:grpSpPr>
-        <a:xfrm>
-          <a:off x="0" y="0"/>
-          <a:ext cx="0" cy="0"/>
-          <a:chOff x="0" y="0"/>
-          <a:chExt cx="0" cy="0"/>
-        </a:xfrm>
-      </p:grpSpPr>
-    </p:spTree>
-    <p:extLst>
-      <p:ext uri="{BB962C8B-B14F-4D97-AF65-F5344CB8AC3E}">
-        <p14:creationId xmlns:p14="http://schemas.microsoft.com/office/powerpoint/2010/main" val="2437801008"/>
-      </p:ext>
-    </p:extLst>
-  </p:cSld>
-  <p:clrMapOvr>
-    <a:masterClrMapping/>
-  </p:clrMapOvr>
-</p:sld>
-</file>
-
-<file path=ppt/slides/slide7.xml><?xml version="1.0" encoding="utf-8"?>
-<p:sld xmlns:a="http://schemas.openxmlformats.org/drawingml/2006/main" xmlns:r="http://schemas.openxmlformats.org/officeDocument/2006/relationships" xmlns:p="http://schemas.openxmlformats.org/presentationml/2006/main">
-  <p:cSld>
-    <p:spTree>
-      <p:nvGrpSpPr>
-        <p:cNvPr id="1" name=""/>
-        <p:cNvGrpSpPr/>
-        <p:nvPr/>
-      </p:nvGrpSpPr>
-      <p:grpSpPr>
-        <a:xfrm>
-          <a:off x="0" y="0"/>
-          <a:ext cx="0" cy="0"/>
-          <a:chOff x="0" y="0"/>
-          <a:chExt cx="0" cy="0"/>
-        </a:xfrm>
-      </p:grpSpPr>
-    </p:spTree>
-    <p:extLst>
-      <p:ext uri="{BB962C8B-B14F-4D97-AF65-F5344CB8AC3E}">
-        <p14:creationId xmlns:p14="http://schemas.microsoft.com/office/powerpoint/2010/main" val="2566521146"/>
-      </p:ext>
-    </p:extLst>
-  </p:cSld>
-  <p:clrMapOvr>
-    <a:masterClrMapping/>
-  </p:clrMapOvr>
-</p:sld>
-</file>
-
-<file path=ppt/slides/slide8.xml><?xml version="1.0" encoding="utf-8"?>
-<p:sld xmlns:a="http://schemas.openxmlformats.org/drawingml/2006/main" xmlns:r="http://schemas.openxmlformats.org/officeDocument/2006/relationships" xmlns:p="http://schemas.openxmlformats.org/presentationml/2006/main">
-  <p:cSld>
-    <p:spTree>
-      <p:nvGrpSpPr>
-        <p:cNvPr id="1" name=""/>
-        <p:cNvGrpSpPr/>
-        <p:nvPr/>
-      </p:nvGrpSpPr>
-      <p:grpSpPr>
-        <a:xfrm>
-          <a:off x="0" y="0"/>
-          <a:ext cx="0" cy="0"/>
-          <a:chOff x="0" y="0"/>
-          <a:chExt cx="0" cy="0"/>
-        </a:xfrm>
-      </p:grpSpPr>
-    </p:spTree>
-    <p:extLst>
-      <p:ext uri="{BB962C8B-B14F-4D97-AF65-F5344CB8AC3E}">
-        <p14:creationId xmlns:p14="http://schemas.microsoft.com/office/powerpoint/2010/main" val="432252512"/>
-      </p:ext>
-    </p:extLst>
-  </p:cSld>
-  <p:clrMapOvr>
-    <a:masterClrMapping/>
-  </p:clrMapOvr>
-</p:sld>
-</file>
-
-<file path=ppt/slides/slide9.xml><?xml version="1.0" encoding="utf-8"?>
-<p:sld xmlns:a="http://schemas.openxmlformats.org/drawingml/2006/main" xmlns:r="http://schemas.openxmlformats.org/officeDocument/2006/relationships" xmlns:p="http://schemas.openxmlformats.org/presentationml/2006/main">
-  <p:cSld>
-    <p:spTree>
-      <p:nvGrpSpPr>
-        <p:cNvPr id="1" name=""/>
-        <p:cNvGrpSpPr/>
-        <p:nvPr/>
-      </p:nvGrpSpPr>
-      <p:grpSpPr>
-        <a:xfrm>
-          <a:off x="0" y="0"/>
-          <a:ext cx="0" cy="0"/>
-          <a:chOff x="0" y="0"/>
-          <a:chExt cx="0" cy="0"/>
-        </a:xfrm>
-      </p:grpSpPr>
-    </p:spTree>
-    <p:extLst>
-      <p:ext uri="{BB962C8B-B14F-4D97-AF65-F5344CB8AC3E}">
-        <p14:creationId xmlns:p14="http://schemas.microsoft.com/office/powerpoint/2010/main" val="3708487356"/>
       </p:ext>
     </p:extLst>
   </p:cSld>

--- a/Netty/Netty Figure.pptx
+++ b/Netty/Netty Figure.pptx
@@ -44467,6 +44467,917 @@
           </p:txBody>
         </p:sp>
       </p:grpSp>
+      <p:grpSp>
+        <p:nvGrpSpPr>
+          <p:cNvPr id="63" name="组合 62">
+            <a:extLst>
+              <a:ext uri="{FF2B5EF4-FFF2-40B4-BE49-F238E27FC236}">
+                <a16:creationId xmlns:a16="http://schemas.microsoft.com/office/drawing/2014/main" id="{D42C81A9-F0D4-46AB-A427-6AC21A05B59C}"/>
+              </a:ext>
+            </a:extLst>
+          </p:cNvPr>
+          <p:cNvGrpSpPr/>
+          <p:nvPr/>
+        </p:nvGrpSpPr>
+        <p:grpSpPr>
+          <a:xfrm>
+            <a:off x="11737515" y="14382357"/>
+            <a:ext cx="12323604" cy="3295190"/>
+            <a:chOff x="11737515" y="14382357"/>
+            <a:chExt cx="12323604" cy="3295190"/>
+          </a:xfrm>
+        </p:grpSpPr>
+        <p:sp>
+          <p:nvSpPr>
+            <p:cNvPr id="244" name="矩形: 圆角 243">
+              <a:extLst>
+                <a:ext uri="{FF2B5EF4-FFF2-40B4-BE49-F238E27FC236}">
+                  <a16:creationId xmlns:a16="http://schemas.microsoft.com/office/drawing/2014/main" id="{56D76B70-7D98-4DF5-9115-2E7BEF777F96}"/>
+                </a:ext>
+              </a:extLst>
+            </p:cNvPr>
+            <p:cNvSpPr/>
+            <p:nvPr/>
+          </p:nvSpPr>
+          <p:spPr>
+            <a:xfrm>
+              <a:off x="11737515" y="14382357"/>
+              <a:ext cx="1170000" cy="3294308"/>
+            </a:xfrm>
+            <a:prstGeom prst="roundRect">
+              <a:avLst/>
+            </a:prstGeom>
+            <a:solidFill>
+              <a:srgbClr val="C5E0B4"/>
+            </a:solidFill>
+            <a:ln>
+              <a:solidFill>
+                <a:srgbClr val="93C573"/>
+              </a:solidFill>
+            </a:ln>
+            <a:effectLst>
+              <a:outerShdw blurRad="50800" dist="38100" dir="2700000" algn="tl" rotWithShape="0">
+                <a:prstClr val="black">
+                  <a:alpha val="40000"/>
+                </a:prstClr>
+              </a:outerShdw>
+            </a:effectLst>
+          </p:spPr>
+          <p:style>
+            <a:lnRef idx="2">
+              <a:schemeClr val="accent1">
+                <a:shade val="50000"/>
+              </a:schemeClr>
+            </a:lnRef>
+            <a:fillRef idx="1">
+              <a:schemeClr val="accent1"/>
+            </a:fillRef>
+            <a:effectRef idx="0">
+              <a:schemeClr val="accent1"/>
+            </a:effectRef>
+            <a:fontRef idx="minor">
+              <a:schemeClr val="lt1"/>
+            </a:fontRef>
+          </p:style>
+          <p:txBody>
+            <a:bodyPr rtlCol="0" anchor="ctr"/>
+            <a:lstStyle/>
+            <a:p>
+              <a:pPr algn="ctr"/>
+              <a:r>
+                <a:rPr lang="en-US" altLang="zh-CN" sz="2000" dirty="0">
+                  <a:solidFill>
+                    <a:schemeClr val="tx1"/>
+                  </a:solidFill>
+                </a:rPr>
+                <a:t>head</a:t>
+              </a:r>
+              <a:endParaRPr lang="zh-CN" altLang="en-US" sz="2000" dirty="0">
+                <a:solidFill>
+                  <a:schemeClr val="tx1"/>
+                </a:solidFill>
+              </a:endParaRPr>
+            </a:p>
+          </p:txBody>
+        </p:sp>
+        <p:sp>
+          <p:nvSpPr>
+            <p:cNvPr id="245" name="矩形: 圆角 244">
+              <a:extLst>
+                <a:ext uri="{FF2B5EF4-FFF2-40B4-BE49-F238E27FC236}">
+                  <a16:creationId xmlns:a16="http://schemas.microsoft.com/office/drawing/2014/main" id="{05E6DBE2-7CC2-4B98-A197-48E84D47E2B7}"/>
+                </a:ext>
+              </a:extLst>
+            </p:cNvPr>
+            <p:cNvSpPr/>
+            <p:nvPr/>
+          </p:nvSpPr>
+          <p:spPr>
+            <a:xfrm>
+              <a:off x="13596060" y="15948665"/>
+              <a:ext cx="1170777" cy="1728882"/>
+            </a:xfrm>
+            <a:prstGeom prst="roundRect">
+              <a:avLst/>
+            </a:prstGeom>
+            <a:solidFill>
+              <a:srgbClr val="99CCFF"/>
+            </a:solidFill>
+            <a:ln>
+              <a:solidFill>
+                <a:srgbClr val="0D86FF"/>
+              </a:solidFill>
+            </a:ln>
+            <a:effectLst>
+              <a:outerShdw blurRad="50800" dist="38100" dir="2700000" algn="tl" rotWithShape="0">
+                <a:prstClr val="black">
+                  <a:alpha val="40000"/>
+                </a:prstClr>
+              </a:outerShdw>
+            </a:effectLst>
+          </p:spPr>
+          <p:style>
+            <a:lnRef idx="2">
+              <a:schemeClr val="accent1">
+                <a:shade val="50000"/>
+              </a:schemeClr>
+            </a:lnRef>
+            <a:fillRef idx="1">
+              <a:schemeClr val="accent1"/>
+            </a:fillRef>
+            <a:effectRef idx="0">
+              <a:schemeClr val="accent1"/>
+            </a:effectRef>
+            <a:fontRef idx="minor">
+              <a:schemeClr val="lt1"/>
+            </a:fontRef>
+          </p:style>
+          <p:txBody>
+            <a:bodyPr rtlCol="0" anchor="ctr"/>
+            <a:lstStyle/>
+            <a:p>
+              <a:pPr algn="ctr"/>
+              <a:r>
+                <a:rPr lang="zh-CN" altLang="en-US" sz="2000" dirty="0">
+                  <a:solidFill>
+                    <a:schemeClr val="tx1"/>
+                  </a:solidFill>
+                </a:rPr>
+                <a:t>入站</a:t>
+              </a:r>
+              <a:endParaRPr lang="en-US" altLang="zh-CN" sz="2000" dirty="0">
+                <a:solidFill>
+                  <a:schemeClr val="tx1"/>
+                </a:solidFill>
+              </a:endParaRPr>
+            </a:p>
+            <a:p>
+              <a:pPr algn="ctr"/>
+              <a:r>
+                <a:rPr lang="zh-CN" altLang="en-US" sz="2000" dirty="0">
+                  <a:solidFill>
+                    <a:schemeClr val="tx1"/>
+                  </a:solidFill>
+                </a:rPr>
+                <a:t>处理器</a:t>
+              </a:r>
+            </a:p>
+          </p:txBody>
+        </p:sp>
+        <p:sp>
+          <p:nvSpPr>
+            <p:cNvPr id="246" name="矩形: 圆角 245">
+              <a:extLst>
+                <a:ext uri="{FF2B5EF4-FFF2-40B4-BE49-F238E27FC236}">
+                  <a16:creationId xmlns:a16="http://schemas.microsoft.com/office/drawing/2014/main" id="{47785771-E2D5-4F92-B524-ACE1C7927790}"/>
+                </a:ext>
+              </a:extLst>
+            </p:cNvPr>
+            <p:cNvSpPr/>
+            <p:nvPr/>
+          </p:nvSpPr>
+          <p:spPr>
+            <a:xfrm>
+              <a:off x="15455382" y="15948665"/>
+              <a:ext cx="1170777" cy="1728882"/>
+            </a:xfrm>
+            <a:prstGeom prst="roundRect">
+              <a:avLst/>
+            </a:prstGeom>
+            <a:solidFill>
+              <a:srgbClr val="99CCFF"/>
+            </a:solidFill>
+            <a:ln>
+              <a:solidFill>
+                <a:srgbClr val="0D86FF"/>
+              </a:solidFill>
+            </a:ln>
+            <a:effectLst>
+              <a:outerShdw blurRad="50800" dist="38100" dir="2700000" algn="tl" rotWithShape="0">
+                <a:prstClr val="black">
+                  <a:alpha val="40000"/>
+                </a:prstClr>
+              </a:outerShdw>
+            </a:effectLst>
+          </p:spPr>
+          <p:style>
+            <a:lnRef idx="2">
+              <a:schemeClr val="accent1">
+                <a:shade val="50000"/>
+              </a:schemeClr>
+            </a:lnRef>
+            <a:fillRef idx="1">
+              <a:schemeClr val="accent1"/>
+            </a:fillRef>
+            <a:effectRef idx="0">
+              <a:schemeClr val="accent1"/>
+            </a:effectRef>
+            <a:fontRef idx="minor">
+              <a:schemeClr val="lt1"/>
+            </a:fontRef>
+          </p:style>
+          <p:txBody>
+            <a:bodyPr rtlCol="0" anchor="ctr"/>
+            <a:lstStyle/>
+            <a:p>
+              <a:pPr algn="ctr"/>
+              <a:r>
+                <a:rPr lang="zh-CN" altLang="en-US" sz="2000" dirty="0">
+                  <a:solidFill>
+                    <a:schemeClr val="tx1"/>
+                  </a:solidFill>
+                </a:rPr>
+                <a:t>入站</a:t>
+              </a:r>
+              <a:endParaRPr lang="en-US" altLang="zh-CN" sz="2000" dirty="0">
+                <a:solidFill>
+                  <a:schemeClr val="tx1"/>
+                </a:solidFill>
+              </a:endParaRPr>
+            </a:p>
+            <a:p>
+              <a:pPr algn="ctr"/>
+              <a:r>
+                <a:rPr lang="zh-CN" altLang="en-US" sz="2000" dirty="0">
+                  <a:solidFill>
+                    <a:schemeClr val="tx1"/>
+                  </a:solidFill>
+                </a:rPr>
+                <a:t>处理器</a:t>
+              </a:r>
+            </a:p>
+          </p:txBody>
+        </p:sp>
+        <p:sp>
+          <p:nvSpPr>
+            <p:cNvPr id="247" name="矩形: 圆角 246">
+              <a:extLst>
+                <a:ext uri="{FF2B5EF4-FFF2-40B4-BE49-F238E27FC236}">
+                  <a16:creationId xmlns:a16="http://schemas.microsoft.com/office/drawing/2014/main" id="{9689ED4A-6F0B-4742-B38E-979B342BC9F2}"/>
+                </a:ext>
+              </a:extLst>
+            </p:cNvPr>
+            <p:cNvSpPr/>
+            <p:nvPr/>
+          </p:nvSpPr>
+          <p:spPr>
+            <a:xfrm>
+              <a:off x="19173249" y="15948665"/>
+              <a:ext cx="1170777" cy="1728882"/>
+            </a:xfrm>
+            <a:prstGeom prst="roundRect">
+              <a:avLst/>
+            </a:prstGeom>
+            <a:solidFill>
+              <a:srgbClr val="99CCFF"/>
+            </a:solidFill>
+            <a:ln>
+              <a:solidFill>
+                <a:srgbClr val="0D86FF"/>
+              </a:solidFill>
+            </a:ln>
+            <a:effectLst>
+              <a:outerShdw blurRad="50800" dist="38100" dir="2700000" algn="tl" rotWithShape="0">
+                <a:prstClr val="black">
+                  <a:alpha val="40000"/>
+                </a:prstClr>
+              </a:outerShdw>
+            </a:effectLst>
+          </p:spPr>
+          <p:style>
+            <a:lnRef idx="2">
+              <a:schemeClr val="accent1">
+                <a:shade val="50000"/>
+              </a:schemeClr>
+            </a:lnRef>
+            <a:fillRef idx="1">
+              <a:schemeClr val="accent1"/>
+            </a:fillRef>
+            <a:effectRef idx="0">
+              <a:schemeClr val="accent1"/>
+            </a:effectRef>
+            <a:fontRef idx="minor">
+              <a:schemeClr val="lt1"/>
+            </a:fontRef>
+          </p:style>
+          <p:txBody>
+            <a:bodyPr rtlCol="0" anchor="ctr"/>
+            <a:lstStyle/>
+            <a:p>
+              <a:pPr algn="ctr"/>
+              <a:r>
+                <a:rPr lang="zh-CN" altLang="en-US" sz="2000" dirty="0">
+                  <a:solidFill>
+                    <a:schemeClr val="tx1"/>
+                  </a:solidFill>
+                </a:rPr>
+                <a:t>入站</a:t>
+              </a:r>
+              <a:endParaRPr lang="en-US" altLang="zh-CN" sz="2000" dirty="0">
+                <a:solidFill>
+                  <a:schemeClr val="tx1"/>
+                </a:solidFill>
+              </a:endParaRPr>
+            </a:p>
+            <a:p>
+              <a:pPr algn="ctr"/>
+              <a:r>
+                <a:rPr lang="zh-CN" altLang="en-US" sz="2000" dirty="0">
+                  <a:solidFill>
+                    <a:schemeClr val="tx1"/>
+                  </a:solidFill>
+                </a:rPr>
+                <a:t>处理器</a:t>
+              </a:r>
+            </a:p>
+          </p:txBody>
+        </p:sp>
+        <p:sp>
+          <p:nvSpPr>
+            <p:cNvPr id="248" name="矩形: 圆角 247">
+              <a:extLst>
+                <a:ext uri="{FF2B5EF4-FFF2-40B4-BE49-F238E27FC236}">
+                  <a16:creationId xmlns:a16="http://schemas.microsoft.com/office/drawing/2014/main" id="{1224ADA8-6773-4BD7-A2E7-9E6FDEA26753}"/>
+                </a:ext>
+              </a:extLst>
+            </p:cNvPr>
+            <p:cNvSpPr/>
+            <p:nvPr/>
+          </p:nvSpPr>
+          <p:spPr>
+            <a:xfrm>
+              <a:off x="17314704" y="14382357"/>
+              <a:ext cx="1170000" cy="1728000"/>
+            </a:xfrm>
+            <a:prstGeom prst="roundRect">
+              <a:avLst/>
+            </a:prstGeom>
+            <a:solidFill>
+              <a:srgbClr val="FF8989"/>
+            </a:solidFill>
+            <a:effectLst>
+              <a:outerShdw blurRad="50800" dist="38100" dir="2700000" algn="tl" rotWithShape="0">
+                <a:prstClr val="black">
+                  <a:alpha val="40000"/>
+                </a:prstClr>
+              </a:outerShdw>
+            </a:effectLst>
+          </p:spPr>
+          <p:style>
+            <a:lnRef idx="2">
+              <a:schemeClr val="accent2">
+                <a:shade val="50000"/>
+              </a:schemeClr>
+            </a:lnRef>
+            <a:fillRef idx="1">
+              <a:schemeClr val="accent2"/>
+            </a:fillRef>
+            <a:effectRef idx="0">
+              <a:schemeClr val="accent2"/>
+            </a:effectRef>
+            <a:fontRef idx="minor">
+              <a:schemeClr val="lt1"/>
+            </a:fontRef>
+          </p:style>
+          <p:txBody>
+            <a:bodyPr rtlCol="0" anchor="ctr"/>
+            <a:lstStyle/>
+            <a:p>
+              <a:pPr algn="ctr"/>
+              <a:r>
+                <a:rPr lang="zh-CN" altLang="en-US" sz="2000" dirty="0">
+                  <a:solidFill>
+                    <a:schemeClr val="tx1"/>
+                  </a:solidFill>
+                </a:rPr>
+                <a:t>出站</a:t>
+              </a:r>
+              <a:endParaRPr lang="en-US" altLang="zh-CN" sz="2000" dirty="0">
+                <a:solidFill>
+                  <a:schemeClr val="tx1"/>
+                </a:solidFill>
+              </a:endParaRPr>
+            </a:p>
+            <a:p>
+              <a:pPr algn="ctr"/>
+              <a:r>
+                <a:rPr lang="zh-CN" altLang="en-US" sz="2000" dirty="0">
+                  <a:solidFill>
+                    <a:schemeClr val="tx1"/>
+                  </a:solidFill>
+                </a:rPr>
+                <a:t>处理器</a:t>
+              </a:r>
+            </a:p>
+          </p:txBody>
+        </p:sp>
+        <p:sp>
+          <p:nvSpPr>
+            <p:cNvPr id="249" name="矩形: 圆角 248">
+              <a:extLst>
+                <a:ext uri="{FF2B5EF4-FFF2-40B4-BE49-F238E27FC236}">
+                  <a16:creationId xmlns:a16="http://schemas.microsoft.com/office/drawing/2014/main" id="{191271FA-070A-4BB5-8103-6FE384CCAAE0}"/>
+                </a:ext>
+              </a:extLst>
+            </p:cNvPr>
+            <p:cNvSpPr/>
+            <p:nvPr/>
+          </p:nvSpPr>
+          <p:spPr>
+            <a:xfrm>
+              <a:off x="21032571" y="14382357"/>
+              <a:ext cx="1170000" cy="1728000"/>
+            </a:xfrm>
+            <a:prstGeom prst="roundRect">
+              <a:avLst/>
+            </a:prstGeom>
+            <a:solidFill>
+              <a:srgbClr val="FF8989"/>
+            </a:solidFill>
+            <a:effectLst>
+              <a:outerShdw blurRad="50800" dist="38100" dir="2700000" algn="tl" rotWithShape="0">
+                <a:prstClr val="black">
+                  <a:alpha val="40000"/>
+                </a:prstClr>
+              </a:outerShdw>
+            </a:effectLst>
+          </p:spPr>
+          <p:style>
+            <a:lnRef idx="2">
+              <a:schemeClr val="accent2">
+                <a:shade val="50000"/>
+              </a:schemeClr>
+            </a:lnRef>
+            <a:fillRef idx="1">
+              <a:schemeClr val="accent2"/>
+            </a:fillRef>
+            <a:effectRef idx="0">
+              <a:schemeClr val="accent2"/>
+            </a:effectRef>
+            <a:fontRef idx="minor">
+              <a:schemeClr val="lt1"/>
+            </a:fontRef>
+          </p:style>
+          <p:txBody>
+            <a:bodyPr rtlCol="0" anchor="ctr"/>
+            <a:lstStyle/>
+            <a:p>
+              <a:pPr algn="ctr"/>
+              <a:r>
+                <a:rPr lang="zh-CN" altLang="en-US" sz="2000" dirty="0">
+                  <a:solidFill>
+                    <a:schemeClr val="tx1"/>
+                  </a:solidFill>
+                </a:rPr>
+                <a:t>出站</a:t>
+              </a:r>
+              <a:endParaRPr lang="en-US" altLang="zh-CN" sz="2000" dirty="0">
+                <a:solidFill>
+                  <a:schemeClr val="tx1"/>
+                </a:solidFill>
+              </a:endParaRPr>
+            </a:p>
+            <a:p>
+              <a:pPr algn="ctr"/>
+              <a:r>
+                <a:rPr lang="zh-CN" altLang="en-US" sz="2000" dirty="0">
+                  <a:solidFill>
+                    <a:schemeClr val="tx1"/>
+                  </a:solidFill>
+                </a:rPr>
+                <a:t>处理器</a:t>
+              </a:r>
+            </a:p>
+          </p:txBody>
+        </p:sp>
+        <p:cxnSp>
+          <p:nvCxnSpPr>
+            <p:cNvPr id="250" name="直接箭头连接符 249">
+              <a:extLst>
+                <a:ext uri="{FF2B5EF4-FFF2-40B4-BE49-F238E27FC236}">
+                  <a16:creationId xmlns:a16="http://schemas.microsoft.com/office/drawing/2014/main" id="{E1C75613-46A9-4D72-AEA9-0BDBBB73AE51}"/>
+                </a:ext>
+              </a:extLst>
+            </p:cNvPr>
+            <p:cNvCxnSpPr>
+              <a:cxnSpLocks/>
+              <a:endCxn id="245" idx="1"/>
+            </p:cNvCxnSpPr>
+            <p:nvPr/>
+          </p:nvCxnSpPr>
+          <p:spPr>
+            <a:xfrm>
+              <a:off x="12904351" y="16813106"/>
+              <a:ext cx="691709" cy="0"/>
+            </a:xfrm>
+            <a:prstGeom prst="straightConnector1">
+              <a:avLst/>
+            </a:prstGeom>
+            <a:ln w="38100">
+              <a:tailEnd type="triangle"/>
+            </a:ln>
+          </p:spPr>
+          <p:style>
+            <a:lnRef idx="1">
+              <a:schemeClr val="accent1"/>
+            </a:lnRef>
+            <a:fillRef idx="0">
+              <a:schemeClr val="accent1"/>
+            </a:fillRef>
+            <a:effectRef idx="0">
+              <a:schemeClr val="accent1"/>
+            </a:effectRef>
+            <a:fontRef idx="minor">
+              <a:schemeClr val="tx1"/>
+            </a:fontRef>
+          </p:style>
+        </p:cxnSp>
+        <p:cxnSp>
+          <p:nvCxnSpPr>
+            <p:cNvPr id="251" name="直接箭头连接符 250">
+              <a:extLst>
+                <a:ext uri="{FF2B5EF4-FFF2-40B4-BE49-F238E27FC236}">
+                  <a16:creationId xmlns:a16="http://schemas.microsoft.com/office/drawing/2014/main" id="{F5482D35-96B8-4380-99D7-FC191511E9C1}"/>
+                </a:ext>
+              </a:extLst>
+            </p:cNvPr>
+            <p:cNvCxnSpPr>
+              <a:cxnSpLocks/>
+              <a:endCxn id="246" idx="1"/>
+            </p:cNvCxnSpPr>
+            <p:nvPr/>
+          </p:nvCxnSpPr>
+          <p:spPr>
+            <a:xfrm>
+              <a:off x="14766837" y="16813106"/>
+              <a:ext cx="688545" cy="0"/>
+            </a:xfrm>
+            <a:prstGeom prst="straightConnector1">
+              <a:avLst/>
+            </a:prstGeom>
+            <a:ln w="38100">
+              <a:tailEnd type="triangle"/>
+            </a:ln>
+          </p:spPr>
+          <p:style>
+            <a:lnRef idx="1">
+              <a:schemeClr val="accent1"/>
+            </a:lnRef>
+            <a:fillRef idx="0">
+              <a:schemeClr val="accent1"/>
+            </a:fillRef>
+            <a:effectRef idx="0">
+              <a:schemeClr val="accent1"/>
+            </a:effectRef>
+            <a:fontRef idx="minor">
+              <a:schemeClr val="tx1"/>
+            </a:fontRef>
+          </p:style>
+        </p:cxnSp>
+        <p:cxnSp>
+          <p:nvCxnSpPr>
+            <p:cNvPr id="252" name="直接箭头连接符 251">
+              <a:extLst>
+                <a:ext uri="{FF2B5EF4-FFF2-40B4-BE49-F238E27FC236}">
+                  <a16:creationId xmlns:a16="http://schemas.microsoft.com/office/drawing/2014/main" id="{D49827C4-A1E7-436B-AD46-DADE958C3147}"/>
+                </a:ext>
+              </a:extLst>
+            </p:cNvPr>
+            <p:cNvCxnSpPr>
+              <a:cxnSpLocks/>
+            </p:cNvCxnSpPr>
+            <p:nvPr/>
+          </p:nvCxnSpPr>
+          <p:spPr>
+            <a:xfrm>
+              <a:off x="16641224" y="16809224"/>
+              <a:ext cx="2511918" cy="6880"/>
+            </a:xfrm>
+            <a:prstGeom prst="straightConnector1">
+              <a:avLst/>
+            </a:prstGeom>
+            <a:ln w="38100">
+              <a:tailEnd type="triangle"/>
+            </a:ln>
+          </p:spPr>
+          <p:style>
+            <a:lnRef idx="1">
+              <a:schemeClr val="accent1"/>
+            </a:lnRef>
+            <a:fillRef idx="0">
+              <a:schemeClr val="accent1"/>
+            </a:fillRef>
+            <a:effectRef idx="0">
+              <a:schemeClr val="accent1"/>
+            </a:effectRef>
+            <a:fontRef idx="minor">
+              <a:schemeClr val="tx1"/>
+            </a:fontRef>
+          </p:style>
+        </p:cxnSp>
+        <p:cxnSp>
+          <p:nvCxnSpPr>
+            <p:cNvPr id="253" name="直接箭头连接符 252">
+              <a:extLst>
+                <a:ext uri="{FF2B5EF4-FFF2-40B4-BE49-F238E27FC236}">
+                  <a16:creationId xmlns:a16="http://schemas.microsoft.com/office/drawing/2014/main" id="{93AF5516-2853-4798-B03B-65E37C1675F7}"/>
+                </a:ext>
+              </a:extLst>
+            </p:cNvPr>
+            <p:cNvCxnSpPr>
+              <a:cxnSpLocks/>
+              <a:stCxn id="249" idx="3"/>
+            </p:cNvCxnSpPr>
+            <p:nvPr/>
+          </p:nvCxnSpPr>
+          <p:spPr>
+            <a:xfrm>
+              <a:off x="22202571" y="15246357"/>
+              <a:ext cx="688548" cy="0"/>
+            </a:xfrm>
+            <a:prstGeom prst="straightConnector1">
+              <a:avLst/>
+            </a:prstGeom>
+            <a:ln w="38100">
+              <a:prstDash val="dash"/>
+              <a:headEnd type="triangle"/>
+              <a:tailEnd type="none"/>
+            </a:ln>
+          </p:spPr>
+          <p:style>
+            <a:lnRef idx="1">
+              <a:schemeClr val="accent1"/>
+            </a:lnRef>
+            <a:fillRef idx="0">
+              <a:schemeClr val="accent1"/>
+            </a:fillRef>
+            <a:effectRef idx="0">
+              <a:schemeClr val="accent1"/>
+            </a:effectRef>
+            <a:fontRef idx="minor">
+              <a:schemeClr val="tx1"/>
+            </a:fontRef>
+          </p:style>
+        </p:cxnSp>
+        <p:sp>
+          <p:nvSpPr>
+            <p:cNvPr id="254" name="矩形: 圆角 253">
+              <a:extLst>
+                <a:ext uri="{FF2B5EF4-FFF2-40B4-BE49-F238E27FC236}">
+                  <a16:creationId xmlns:a16="http://schemas.microsoft.com/office/drawing/2014/main" id="{B08853F4-AB8F-42FC-A27B-1535D3943D88}"/>
+                </a:ext>
+              </a:extLst>
+            </p:cNvPr>
+            <p:cNvSpPr/>
+            <p:nvPr/>
+          </p:nvSpPr>
+          <p:spPr>
+            <a:xfrm>
+              <a:off x="22891119" y="14382357"/>
+              <a:ext cx="1170000" cy="3294308"/>
+            </a:xfrm>
+            <a:prstGeom prst="roundRect">
+              <a:avLst/>
+            </a:prstGeom>
+            <a:solidFill>
+              <a:srgbClr val="C5E0B4"/>
+            </a:solidFill>
+            <a:ln>
+              <a:solidFill>
+                <a:srgbClr val="93C573"/>
+              </a:solidFill>
+            </a:ln>
+            <a:effectLst>
+              <a:outerShdw blurRad="50800" dist="38100" dir="2700000" algn="tl" rotWithShape="0">
+                <a:prstClr val="black">
+                  <a:alpha val="40000"/>
+                </a:prstClr>
+              </a:outerShdw>
+            </a:effectLst>
+          </p:spPr>
+          <p:style>
+            <a:lnRef idx="2">
+              <a:schemeClr val="accent1">
+                <a:shade val="50000"/>
+              </a:schemeClr>
+            </a:lnRef>
+            <a:fillRef idx="1">
+              <a:schemeClr val="accent1"/>
+            </a:fillRef>
+            <a:effectRef idx="0">
+              <a:schemeClr val="accent1"/>
+            </a:effectRef>
+            <a:fontRef idx="minor">
+              <a:schemeClr val="lt1"/>
+            </a:fontRef>
+          </p:style>
+          <p:txBody>
+            <a:bodyPr rtlCol="0" anchor="ctr"/>
+            <a:lstStyle/>
+            <a:p>
+              <a:pPr algn="ctr"/>
+              <a:r>
+                <a:rPr lang="en-US" altLang="zh-CN" sz="2000" dirty="0">
+                  <a:solidFill>
+                    <a:schemeClr val="tx1"/>
+                  </a:solidFill>
+                </a:rPr>
+                <a:t>tail</a:t>
+              </a:r>
+              <a:endParaRPr lang="zh-CN" altLang="en-US" sz="2000" dirty="0">
+                <a:solidFill>
+                  <a:schemeClr val="tx1"/>
+                </a:solidFill>
+              </a:endParaRPr>
+            </a:p>
+          </p:txBody>
+        </p:sp>
+        <p:cxnSp>
+          <p:nvCxnSpPr>
+            <p:cNvPr id="255" name="直接箭头连接符 254">
+              <a:extLst>
+                <a:ext uri="{FF2B5EF4-FFF2-40B4-BE49-F238E27FC236}">
+                  <a16:creationId xmlns:a16="http://schemas.microsoft.com/office/drawing/2014/main" id="{6898700A-FDD0-40CB-B071-C46617788B7F}"/>
+                </a:ext>
+              </a:extLst>
+            </p:cNvPr>
+            <p:cNvCxnSpPr>
+              <a:cxnSpLocks/>
+            </p:cNvCxnSpPr>
+            <p:nvPr/>
+          </p:nvCxnSpPr>
+          <p:spPr>
+            <a:xfrm>
+              <a:off x="20344026" y="16838253"/>
+              <a:ext cx="2515974" cy="0"/>
+            </a:xfrm>
+            <a:prstGeom prst="straightConnector1">
+              <a:avLst/>
+            </a:prstGeom>
+            <a:ln w="38100">
+              <a:tailEnd type="triangle"/>
+            </a:ln>
+          </p:spPr>
+          <p:style>
+            <a:lnRef idx="1">
+              <a:schemeClr val="accent1"/>
+            </a:lnRef>
+            <a:fillRef idx="0">
+              <a:schemeClr val="accent1"/>
+            </a:fillRef>
+            <a:effectRef idx="0">
+              <a:schemeClr val="accent1"/>
+            </a:effectRef>
+            <a:fontRef idx="minor">
+              <a:schemeClr val="tx1"/>
+            </a:fontRef>
+          </p:style>
+        </p:cxnSp>
+        <p:cxnSp>
+          <p:nvCxnSpPr>
+            <p:cNvPr id="256" name="直接箭头连接符 255">
+              <a:extLst>
+                <a:ext uri="{FF2B5EF4-FFF2-40B4-BE49-F238E27FC236}">
+                  <a16:creationId xmlns:a16="http://schemas.microsoft.com/office/drawing/2014/main" id="{B712F629-8CB0-4F0E-AE76-B772153999B2}"/>
+                </a:ext>
+              </a:extLst>
+            </p:cNvPr>
+            <p:cNvCxnSpPr>
+              <a:cxnSpLocks/>
+              <a:stCxn id="248" idx="3"/>
+              <a:endCxn id="249" idx="1"/>
+            </p:cNvCxnSpPr>
+            <p:nvPr/>
+          </p:nvCxnSpPr>
+          <p:spPr>
+            <a:xfrm>
+              <a:off x="18484704" y="15246357"/>
+              <a:ext cx="2547867" cy="0"/>
+            </a:xfrm>
+            <a:prstGeom prst="straightConnector1">
+              <a:avLst/>
+            </a:prstGeom>
+            <a:ln w="38100">
+              <a:prstDash val="dash"/>
+              <a:headEnd type="triangle"/>
+              <a:tailEnd type="none"/>
+            </a:ln>
+          </p:spPr>
+          <p:style>
+            <a:lnRef idx="1">
+              <a:schemeClr val="accent1"/>
+            </a:lnRef>
+            <a:fillRef idx="0">
+              <a:schemeClr val="accent1"/>
+            </a:fillRef>
+            <a:effectRef idx="0">
+              <a:schemeClr val="accent1"/>
+            </a:effectRef>
+            <a:fontRef idx="minor">
+              <a:schemeClr val="tx1"/>
+            </a:fontRef>
+          </p:style>
+        </p:cxnSp>
+        <p:cxnSp>
+          <p:nvCxnSpPr>
+            <p:cNvPr id="257" name="直接箭头连接符 256">
+              <a:extLst>
+                <a:ext uri="{FF2B5EF4-FFF2-40B4-BE49-F238E27FC236}">
+                  <a16:creationId xmlns:a16="http://schemas.microsoft.com/office/drawing/2014/main" id="{E4658477-1E1A-48AF-8776-ECF19EEF54F8}"/>
+                </a:ext>
+              </a:extLst>
+            </p:cNvPr>
+            <p:cNvCxnSpPr>
+              <a:cxnSpLocks/>
+            </p:cNvCxnSpPr>
+            <p:nvPr/>
+          </p:nvCxnSpPr>
+          <p:spPr>
+            <a:xfrm>
+              <a:off x="12904351" y="15266697"/>
+              <a:ext cx="4410352" cy="0"/>
+            </a:xfrm>
+            <a:prstGeom prst="straightConnector1">
+              <a:avLst/>
+            </a:prstGeom>
+            <a:ln w="38100">
+              <a:prstDash val="dash"/>
+              <a:headEnd type="triangle"/>
+              <a:tailEnd type="none"/>
+            </a:ln>
+          </p:spPr>
+          <p:style>
+            <a:lnRef idx="1">
+              <a:schemeClr val="accent1"/>
+            </a:lnRef>
+            <a:fillRef idx="0">
+              <a:schemeClr val="accent1"/>
+            </a:fillRef>
+            <a:effectRef idx="0">
+              <a:schemeClr val="accent1"/>
+            </a:effectRef>
+            <a:fontRef idx="minor">
+              <a:schemeClr val="tx1"/>
+            </a:fontRef>
+          </p:style>
+        </p:cxnSp>
+      </p:grpSp>
+      <p:sp>
+        <p:nvSpPr>
+          <p:cNvPr id="258" name="文本框 257">
+            <a:extLst>
+              <a:ext uri="{FF2B5EF4-FFF2-40B4-BE49-F238E27FC236}">
+                <a16:creationId xmlns:a16="http://schemas.microsoft.com/office/drawing/2014/main" id="{C5DDF1BA-4D71-4FD1-811C-23BB947C91F9}"/>
+              </a:ext>
+            </a:extLst>
+          </p:cNvPr>
+          <p:cNvSpPr txBox="1"/>
+          <p:nvPr/>
+        </p:nvSpPr>
+        <p:spPr>
+          <a:xfrm>
+            <a:off x="16770643" y="13416258"/>
+            <a:ext cx="2257349" cy="461665"/>
+          </a:xfrm>
+          <a:prstGeom prst="rect">
+            <a:avLst/>
+          </a:prstGeom>
+          <a:noFill/>
+        </p:spPr>
+        <p:txBody>
+          <a:bodyPr wrap="none" rtlCol="0">
+            <a:spAutoFit/>
+          </a:bodyPr>
+          <a:lstStyle/>
+          <a:p>
+            <a:r>
+              <a:rPr lang="en-US" altLang="zh-CN" sz="2400" b="1" dirty="0"/>
+              <a:t>ChannelPipeline</a:t>
+            </a:r>
+            <a:endParaRPr lang="zh-CN" altLang="en-US" sz="2400" b="1" dirty="0"/>
+          </a:p>
+        </p:txBody>
+      </p:sp>
     </p:spTree>
     <p:extLst>
       <p:ext uri="{BB962C8B-B14F-4D97-AF65-F5344CB8AC3E}">

--- a/Netty/Netty Figure.pptx
+++ b/Netty/Netty Figure.pptx
@@ -257,7 +257,7 @@
           <a:p>
             <a:fld id="{306988AD-E42F-40A6-975D-BE59CDAEF2B7}" type="datetimeFigureOut">
               <a:rPr lang="zh-CN" altLang="en-US" smtClean="0"/>
-              <a:t>2022/11/19</a:t>
+              <a:t>2022/11/21</a:t>
             </a:fld>
             <a:endParaRPr lang="zh-CN" altLang="en-US"/>
           </a:p>
@@ -427,7 +427,7 @@
           <a:p>
             <a:fld id="{306988AD-E42F-40A6-975D-BE59CDAEF2B7}" type="datetimeFigureOut">
               <a:rPr lang="zh-CN" altLang="en-US" smtClean="0"/>
-              <a:t>2022/11/19</a:t>
+              <a:t>2022/11/21</a:t>
             </a:fld>
             <a:endParaRPr lang="zh-CN" altLang="en-US"/>
           </a:p>
@@ -607,7 +607,7 @@
           <a:p>
             <a:fld id="{306988AD-E42F-40A6-975D-BE59CDAEF2B7}" type="datetimeFigureOut">
               <a:rPr lang="zh-CN" altLang="en-US" smtClean="0"/>
-              <a:t>2022/11/19</a:t>
+              <a:t>2022/11/21</a:t>
             </a:fld>
             <a:endParaRPr lang="zh-CN" altLang="en-US"/>
           </a:p>
@@ -777,7 +777,7 @@
           <a:p>
             <a:fld id="{306988AD-E42F-40A6-975D-BE59CDAEF2B7}" type="datetimeFigureOut">
               <a:rPr lang="zh-CN" altLang="en-US" smtClean="0"/>
-              <a:t>2022/11/19</a:t>
+              <a:t>2022/11/21</a:t>
             </a:fld>
             <a:endParaRPr lang="zh-CN" altLang="en-US"/>
           </a:p>
@@ -1021,7 +1021,7 @@
           <a:p>
             <a:fld id="{306988AD-E42F-40A6-975D-BE59CDAEF2B7}" type="datetimeFigureOut">
               <a:rPr lang="zh-CN" altLang="en-US" smtClean="0"/>
-              <a:t>2022/11/19</a:t>
+              <a:t>2022/11/21</a:t>
             </a:fld>
             <a:endParaRPr lang="zh-CN" altLang="en-US"/>
           </a:p>
@@ -1253,7 +1253,7 @@
           <a:p>
             <a:fld id="{306988AD-E42F-40A6-975D-BE59CDAEF2B7}" type="datetimeFigureOut">
               <a:rPr lang="zh-CN" altLang="en-US" smtClean="0"/>
-              <a:t>2022/11/19</a:t>
+              <a:t>2022/11/21</a:t>
             </a:fld>
             <a:endParaRPr lang="zh-CN" altLang="en-US"/>
           </a:p>
@@ -1620,7 +1620,7 @@
           <a:p>
             <a:fld id="{306988AD-E42F-40A6-975D-BE59CDAEF2B7}" type="datetimeFigureOut">
               <a:rPr lang="zh-CN" altLang="en-US" smtClean="0"/>
-              <a:t>2022/11/19</a:t>
+              <a:t>2022/11/21</a:t>
             </a:fld>
             <a:endParaRPr lang="zh-CN" altLang="en-US"/>
           </a:p>
@@ -1738,7 +1738,7 @@
           <a:p>
             <a:fld id="{306988AD-E42F-40A6-975D-BE59CDAEF2B7}" type="datetimeFigureOut">
               <a:rPr lang="zh-CN" altLang="en-US" smtClean="0"/>
-              <a:t>2022/11/19</a:t>
+              <a:t>2022/11/21</a:t>
             </a:fld>
             <a:endParaRPr lang="zh-CN" altLang="en-US"/>
           </a:p>
@@ -1833,7 +1833,7 @@
           <a:p>
             <a:fld id="{306988AD-E42F-40A6-975D-BE59CDAEF2B7}" type="datetimeFigureOut">
               <a:rPr lang="zh-CN" altLang="en-US" smtClean="0"/>
-              <a:t>2022/11/19</a:t>
+              <a:t>2022/11/21</a:t>
             </a:fld>
             <a:endParaRPr lang="zh-CN" altLang="en-US"/>
           </a:p>
@@ -2110,7 +2110,7 @@
           <a:p>
             <a:fld id="{306988AD-E42F-40A6-975D-BE59CDAEF2B7}" type="datetimeFigureOut">
               <a:rPr lang="zh-CN" altLang="en-US" smtClean="0"/>
-              <a:t>2022/11/19</a:t>
+              <a:t>2022/11/21</a:t>
             </a:fld>
             <a:endParaRPr lang="zh-CN" altLang="en-US"/>
           </a:p>
@@ -2367,7 +2367,7 @@
           <a:p>
             <a:fld id="{306988AD-E42F-40A6-975D-BE59CDAEF2B7}" type="datetimeFigureOut">
               <a:rPr lang="zh-CN" altLang="en-US" smtClean="0"/>
-              <a:t>2022/11/19</a:t>
+              <a:t>2022/11/21</a:t>
             </a:fld>
             <a:endParaRPr lang="zh-CN" altLang="en-US"/>
           </a:p>
@@ -2580,7 +2580,7 @@
           <a:p>
             <a:fld id="{306988AD-E42F-40A6-975D-BE59CDAEF2B7}" type="datetimeFigureOut">
               <a:rPr lang="zh-CN" altLang="en-US" smtClean="0"/>
-              <a:t>2022/11/19</a:t>
+              <a:t>2022/11/21</a:t>
             </a:fld>
             <a:endParaRPr lang="zh-CN" altLang="en-US"/>
           </a:p>
@@ -33541,6 +33541,270 @@
           <a:chExt cx="0" cy="0"/>
         </a:xfrm>
       </p:grpSpPr>
+      <p:cxnSp>
+        <p:nvCxnSpPr>
+          <p:cNvPr id="54" name="直接连接符 53">
+            <a:extLst>
+              <a:ext uri="{FF2B5EF4-FFF2-40B4-BE49-F238E27FC236}">
+                <a16:creationId xmlns:a16="http://schemas.microsoft.com/office/drawing/2014/main" id="{1246F679-77FA-447E-B750-6727BC9AC14A}"/>
+              </a:ext>
+            </a:extLst>
+          </p:cNvPr>
+          <p:cNvCxnSpPr>
+            <a:stCxn id="271" idx="3"/>
+            <a:endCxn id="273" idx="3"/>
+          </p:cNvCxnSpPr>
+          <p:nvPr/>
+        </p:nvCxnSpPr>
+        <p:spPr>
+          <a:xfrm>
+            <a:off x="14458304" y="19674470"/>
+            <a:ext cx="342" cy="2591411"/>
+          </a:xfrm>
+          <a:prstGeom prst="line">
+            <a:avLst/>
+          </a:prstGeom>
+          <a:ln w="15875">
+            <a:solidFill>
+              <a:schemeClr val="tx1"/>
+            </a:solidFill>
+            <a:prstDash val="dash"/>
+          </a:ln>
+        </p:spPr>
+        <p:style>
+          <a:lnRef idx="1">
+            <a:schemeClr val="accent1"/>
+          </a:lnRef>
+          <a:fillRef idx="0">
+            <a:schemeClr val="accent1"/>
+          </a:fillRef>
+          <a:effectRef idx="0">
+            <a:schemeClr val="accent1"/>
+          </a:effectRef>
+          <a:fontRef idx="minor">
+            <a:schemeClr val="tx1"/>
+          </a:fontRef>
+        </p:style>
+      </p:cxnSp>
+      <p:cxnSp>
+        <p:nvCxnSpPr>
+          <p:cNvPr id="50" name="直接连接符 49">
+            <a:extLst>
+              <a:ext uri="{FF2B5EF4-FFF2-40B4-BE49-F238E27FC236}">
+                <a16:creationId xmlns:a16="http://schemas.microsoft.com/office/drawing/2014/main" id="{FDCF1A73-F4DD-4815-A932-8B1189C91863}"/>
+              </a:ext>
+            </a:extLst>
+          </p:cNvPr>
+          <p:cNvCxnSpPr>
+            <a:stCxn id="271" idx="1"/>
+            <a:endCxn id="273" idx="1"/>
+          </p:cNvCxnSpPr>
+          <p:nvPr/>
+        </p:nvCxnSpPr>
+        <p:spPr>
+          <a:xfrm>
+            <a:off x="11643446" y="19674470"/>
+            <a:ext cx="0" cy="2591411"/>
+          </a:xfrm>
+          <a:prstGeom prst="line">
+            <a:avLst/>
+          </a:prstGeom>
+          <a:ln w="15875">
+            <a:solidFill>
+              <a:schemeClr val="tx1"/>
+            </a:solidFill>
+            <a:prstDash val="dash"/>
+          </a:ln>
+        </p:spPr>
+        <p:style>
+          <a:lnRef idx="1">
+            <a:schemeClr val="accent1"/>
+          </a:lnRef>
+          <a:fillRef idx="0">
+            <a:schemeClr val="accent1"/>
+          </a:fillRef>
+          <a:effectRef idx="0">
+            <a:schemeClr val="accent1"/>
+          </a:effectRef>
+          <a:fontRef idx="minor">
+            <a:schemeClr val="tx1"/>
+          </a:fontRef>
+        </p:style>
+      </p:cxnSp>
+      <p:cxnSp>
+        <p:nvCxnSpPr>
+          <p:cNvPr id="65" name="直接连接符 64">
+            <a:extLst>
+              <a:ext uri="{FF2B5EF4-FFF2-40B4-BE49-F238E27FC236}">
+                <a16:creationId xmlns:a16="http://schemas.microsoft.com/office/drawing/2014/main" id="{DDB86409-86B0-4698-B366-86972B402213}"/>
+              </a:ext>
+            </a:extLst>
+          </p:cNvPr>
+          <p:cNvCxnSpPr>
+            <a:cxnSpLocks/>
+          </p:cNvCxnSpPr>
+          <p:nvPr/>
+        </p:nvCxnSpPr>
+        <p:spPr>
+          <a:xfrm flipH="1">
+            <a:off x="11643445" y="21231561"/>
+            <a:ext cx="805636" cy="773320"/>
+          </a:xfrm>
+          <a:prstGeom prst="line">
+            <a:avLst/>
+          </a:prstGeom>
+          <a:ln w="15875">
+            <a:solidFill>
+              <a:schemeClr val="tx1"/>
+            </a:solidFill>
+            <a:prstDash val="dash"/>
+          </a:ln>
+        </p:spPr>
+        <p:style>
+          <a:lnRef idx="1">
+            <a:schemeClr val="accent1"/>
+          </a:lnRef>
+          <a:fillRef idx="0">
+            <a:schemeClr val="accent1"/>
+          </a:fillRef>
+          <a:effectRef idx="0">
+            <a:schemeClr val="accent1"/>
+          </a:effectRef>
+          <a:fontRef idx="minor">
+            <a:schemeClr val="tx1"/>
+          </a:fontRef>
+        </p:style>
+      </p:cxnSp>
+      <p:cxnSp>
+        <p:nvCxnSpPr>
+          <p:cNvPr id="68" name="直接连接符 67">
+            <a:extLst>
+              <a:ext uri="{FF2B5EF4-FFF2-40B4-BE49-F238E27FC236}">
+                <a16:creationId xmlns:a16="http://schemas.microsoft.com/office/drawing/2014/main" id="{6372E897-490F-4D30-A68F-D7B45F89CD51}"/>
+              </a:ext>
+            </a:extLst>
+          </p:cNvPr>
+          <p:cNvCxnSpPr>
+            <a:endCxn id="273" idx="0"/>
+          </p:cNvCxnSpPr>
+          <p:nvPr/>
+        </p:nvCxnSpPr>
+        <p:spPr>
+          <a:xfrm flipH="1">
+            <a:off x="13051046" y="21231561"/>
+            <a:ext cx="869537" cy="773320"/>
+          </a:xfrm>
+          <a:prstGeom prst="line">
+            <a:avLst/>
+          </a:prstGeom>
+          <a:ln w="15875">
+            <a:solidFill>
+              <a:schemeClr val="tx1"/>
+            </a:solidFill>
+            <a:prstDash val="dash"/>
+          </a:ln>
+        </p:spPr>
+        <p:style>
+          <a:lnRef idx="1">
+            <a:schemeClr val="accent1"/>
+          </a:lnRef>
+          <a:fillRef idx="0">
+            <a:schemeClr val="accent1"/>
+          </a:fillRef>
+          <a:effectRef idx="0">
+            <a:schemeClr val="accent1"/>
+          </a:effectRef>
+          <a:fontRef idx="minor">
+            <a:schemeClr val="tx1"/>
+          </a:fontRef>
+        </p:style>
+      </p:cxnSp>
+      <p:cxnSp>
+        <p:nvCxnSpPr>
+          <p:cNvPr id="70" name="直接连接符 69">
+            <a:extLst>
+              <a:ext uri="{FF2B5EF4-FFF2-40B4-BE49-F238E27FC236}">
+                <a16:creationId xmlns:a16="http://schemas.microsoft.com/office/drawing/2014/main" id="{AB18E84F-B07B-4EBB-B7B1-4286DEDEA82D}"/>
+              </a:ext>
+            </a:extLst>
+          </p:cNvPr>
+          <p:cNvCxnSpPr>
+            <a:endCxn id="273" idx="0"/>
+          </p:cNvCxnSpPr>
+          <p:nvPr/>
+        </p:nvCxnSpPr>
+        <p:spPr>
+          <a:xfrm flipH="1">
+            <a:off x="13051046" y="21231561"/>
+            <a:ext cx="1985709" cy="773320"/>
+          </a:xfrm>
+          <a:prstGeom prst="line">
+            <a:avLst/>
+          </a:prstGeom>
+          <a:ln w="15875">
+            <a:solidFill>
+              <a:schemeClr val="tx1"/>
+            </a:solidFill>
+            <a:prstDash val="dash"/>
+          </a:ln>
+        </p:spPr>
+        <p:style>
+          <a:lnRef idx="1">
+            <a:schemeClr val="accent1"/>
+          </a:lnRef>
+          <a:fillRef idx="0">
+            <a:schemeClr val="accent1"/>
+          </a:fillRef>
+          <a:effectRef idx="0">
+            <a:schemeClr val="accent1"/>
+          </a:effectRef>
+          <a:fontRef idx="minor">
+            <a:schemeClr val="tx1"/>
+          </a:fontRef>
+        </p:style>
+      </p:cxnSp>
+      <p:cxnSp>
+        <p:nvCxnSpPr>
+          <p:cNvPr id="72" name="直接连接符 71">
+            <a:extLst>
+              <a:ext uri="{FF2B5EF4-FFF2-40B4-BE49-F238E27FC236}">
+                <a16:creationId xmlns:a16="http://schemas.microsoft.com/office/drawing/2014/main" id="{AFDCB125-325D-49AE-B7B7-D76DB3E1BBF0}"/>
+              </a:ext>
+            </a:extLst>
+          </p:cNvPr>
+          <p:cNvCxnSpPr/>
+          <p:nvPr/>
+        </p:nvCxnSpPr>
+        <p:spPr>
+          <a:xfrm flipH="1">
+            <a:off x="14458304" y="21231561"/>
+            <a:ext cx="2049954" cy="773320"/>
+          </a:xfrm>
+          <a:prstGeom prst="line">
+            <a:avLst/>
+          </a:prstGeom>
+          <a:ln w="15875">
+            <a:solidFill>
+              <a:schemeClr val="tx1"/>
+            </a:solidFill>
+            <a:prstDash val="dash"/>
+          </a:ln>
+        </p:spPr>
+        <p:style>
+          <a:lnRef idx="1">
+            <a:schemeClr val="accent1"/>
+          </a:lnRef>
+          <a:fillRef idx="0">
+            <a:schemeClr val="accent1"/>
+          </a:fillRef>
+          <a:effectRef idx="0">
+            <a:schemeClr val="accent1"/>
+          </a:effectRef>
+          <a:fontRef idx="minor">
+            <a:schemeClr val="tx1"/>
+          </a:fontRef>
+        </p:style>
+      </p:cxnSp>
       <p:sp>
         <p:nvSpPr>
           <p:cNvPr id="2" name="文本框 1">
@@ -45378,6 +45642,1661 @@
           </a:p>
         </p:txBody>
       </p:sp>
+      <p:graphicFrame>
+        <p:nvGraphicFramePr>
+          <p:cNvPr id="25" name="表格 26">
+            <a:extLst>
+              <a:ext uri="{FF2B5EF4-FFF2-40B4-BE49-F238E27FC236}">
+                <a16:creationId xmlns:a16="http://schemas.microsoft.com/office/drawing/2014/main" id="{6669FE75-7CC8-4779-A9F5-40413414E63F}"/>
+              </a:ext>
+            </a:extLst>
+          </p:cNvPr>
+          <p:cNvGraphicFramePr>
+            <a:graphicFrameLocks noGrp="1"/>
+          </p:cNvGraphicFramePr>
+          <p:nvPr>
+            <p:extLst>
+              <p:ext uri="{D42A27DB-BD31-4B8C-83A1-F6EECF244321}">
+                <p14:modId xmlns:p14="http://schemas.microsoft.com/office/powerpoint/2010/main" val="1352464123"/>
+              </p:ext>
+            </p:extLst>
+          </p:nvPr>
+        </p:nvGraphicFramePr>
+        <p:xfrm>
+          <a:off x="18484704" y="3013316"/>
+          <a:ext cx="15213012" cy="1188000"/>
+        </p:xfrm>
+        <a:graphic>
+          <a:graphicData uri="http://schemas.openxmlformats.org/drawingml/2006/table">
+            <a:tbl>
+              <a:tblPr firstRow="1" bandRow="1">
+                <a:effectLst>
+                  <a:outerShdw blurRad="50800" dist="38100" dir="2700000" algn="tl" rotWithShape="0">
+                    <a:prstClr val="black">
+                      <a:alpha val="40000"/>
+                    </a:prstClr>
+                  </a:outerShdw>
+                </a:effectLst>
+                <a:tableStyleId>{5C22544A-7EE6-4342-B048-85BDC9FD1C3A}</a:tableStyleId>
+              </a:tblPr>
+              <a:tblGrid>
+                <a:gridCol w="2299911">
+                  <a:extLst>
+                    <a:ext uri="{9D8B030D-6E8A-4147-A177-3AD203B41FA5}">
+                      <a16:colId xmlns:a16="http://schemas.microsoft.com/office/drawing/2014/main" val="4004772981"/>
+                    </a:ext>
+                  </a:extLst>
+                </a:gridCol>
+                <a:gridCol w="4514850">
+                  <a:extLst>
+                    <a:ext uri="{9D8B030D-6E8A-4147-A177-3AD203B41FA5}">
+                      <a16:colId xmlns:a16="http://schemas.microsoft.com/office/drawing/2014/main" val="3435521578"/>
+                    </a:ext>
+                  </a:extLst>
+                </a:gridCol>
+                <a:gridCol w="4594998">
+                  <a:extLst>
+                    <a:ext uri="{9D8B030D-6E8A-4147-A177-3AD203B41FA5}">
+                      <a16:colId xmlns:a16="http://schemas.microsoft.com/office/drawing/2014/main" val="2177171419"/>
+                    </a:ext>
+                  </a:extLst>
+                </a:gridCol>
+                <a:gridCol w="3803253">
+                  <a:extLst>
+                    <a:ext uri="{9D8B030D-6E8A-4147-A177-3AD203B41FA5}">
+                      <a16:colId xmlns:a16="http://schemas.microsoft.com/office/drawing/2014/main" val="3155204125"/>
+                    </a:ext>
+                  </a:extLst>
+                </a:gridCol>
+              </a:tblGrid>
+              <a:tr h="1188000">
+                <a:tc>
+                  <a:txBody>
+                    <a:bodyPr/>
+                    <a:lstStyle/>
+                    <a:p>
+                      <a:pPr algn="ctr"/>
+                      <a:r>
+                        <a:rPr lang="zh-CN" altLang="en-US" sz="3600" b="0" kern="1200" cap="none" spc="0" dirty="0">
+                          <a:ln w="0"/>
+                          <a:solidFill>
+                            <a:schemeClr val="tx1"/>
+                          </a:solidFill>
+                          <a:effectLst>
+                            <a:outerShdw blurRad="38100" dist="19050" dir="2700000" algn="tl" rotWithShape="0">
+                              <a:schemeClr val="dk1">
+                                <a:alpha val="40000"/>
+                              </a:schemeClr>
+                            </a:outerShdw>
+                          </a:effectLst>
+                          <a:latin typeface="+mn-lt"/>
+                          <a:ea typeface="+mn-ea"/>
+                          <a:cs typeface="+mn-cs"/>
+                        </a:rPr>
+                        <a:t>废弃部分</a:t>
+                      </a:r>
+                    </a:p>
+                  </a:txBody>
+                  <a:tcPr anchor="ctr">
+                    <a:lnL w="28575" cap="flat" cmpd="sng" algn="ctr">
+                      <a:solidFill>
+                        <a:schemeClr val="tx1"/>
+                      </a:solidFill>
+                      <a:prstDash val="solid"/>
+                      <a:round/>
+                      <a:headEnd type="none" w="med" len="med"/>
+                      <a:tailEnd type="none" w="med" len="med"/>
+                    </a:lnL>
+                    <a:lnR w="28575" cap="flat" cmpd="sng" algn="ctr">
+                      <a:solidFill>
+                        <a:schemeClr val="tx1"/>
+                      </a:solidFill>
+                      <a:prstDash val="solid"/>
+                      <a:round/>
+                      <a:headEnd type="none" w="med" len="med"/>
+                      <a:tailEnd type="none" w="med" len="med"/>
+                    </a:lnR>
+                    <a:lnT w="28575" cap="flat" cmpd="sng" algn="ctr">
+                      <a:solidFill>
+                        <a:schemeClr val="tx1"/>
+                      </a:solidFill>
+                      <a:prstDash val="solid"/>
+                      <a:round/>
+                      <a:headEnd type="none" w="med" len="med"/>
+                      <a:tailEnd type="none" w="med" len="med"/>
+                    </a:lnT>
+                    <a:lnB w="28575" cap="flat" cmpd="sng" algn="ctr">
+                      <a:solidFill>
+                        <a:schemeClr val="tx1"/>
+                      </a:solidFill>
+                      <a:prstDash val="solid"/>
+                      <a:round/>
+                      <a:headEnd type="none" w="med" len="med"/>
+                      <a:tailEnd type="none" w="med" len="med"/>
+                    </a:lnB>
+                    <a:solidFill>
+                      <a:srgbClr val="FFE699"/>
+                    </a:solidFill>
+                  </a:tcPr>
+                </a:tc>
+                <a:tc>
+                  <a:txBody>
+                    <a:bodyPr/>
+                    <a:lstStyle/>
+                    <a:p>
+                      <a:pPr algn="ctr"/>
+                      <a:r>
+                        <a:rPr lang="zh-CN" altLang="en-US" sz="3600" b="0" cap="none" spc="0" dirty="0">
+                          <a:ln w="0"/>
+                          <a:solidFill>
+                            <a:schemeClr val="tx1"/>
+                          </a:solidFill>
+                          <a:effectLst>
+                            <a:outerShdw blurRad="38100" dist="19050" dir="2700000" algn="tl" rotWithShape="0">
+                              <a:schemeClr val="dk1">
+                                <a:alpha val="40000"/>
+                              </a:schemeClr>
+                            </a:outerShdw>
+                          </a:effectLst>
+                        </a:rPr>
+                        <a:t>可读部分</a:t>
+                      </a:r>
+                    </a:p>
+                  </a:txBody>
+                  <a:tcPr anchor="ctr">
+                    <a:lnL w="28575" cap="flat" cmpd="sng" algn="ctr">
+                      <a:solidFill>
+                        <a:schemeClr val="tx1"/>
+                      </a:solidFill>
+                      <a:prstDash val="solid"/>
+                      <a:round/>
+                      <a:headEnd type="none" w="med" len="med"/>
+                      <a:tailEnd type="none" w="med" len="med"/>
+                    </a:lnL>
+                    <a:lnR w="28575" cap="flat" cmpd="sng" algn="ctr">
+                      <a:solidFill>
+                        <a:schemeClr val="tx1"/>
+                      </a:solidFill>
+                      <a:prstDash val="solid"/>
+                      <a:round/>
+                      <a:headEnd type="none" w="med" len="med"/>
+                      <a:tailEnd type="none" w="med" len="med"/>
+                    </a:lnR>
+                    <a:lnT w="28575" cap="flat" cmpd="sng" algn="ctr">
+                      <a:solidFill>
+                        <a:schemeClr val="tx1"/>
+                      </a:solidFill>
+                      <a:prstDash val="solid"/>
+                      <a:round/>
+                      <a:headEnd type="none" w="med" len="med"/>
+                      <a:tailEnd type="none" w="med" len="med"/>
+                    </a:lnT>
+                    <a:lnB w="28575" cap="flat" cmpd="sng" algn="ctr">
+                      <a:solidFill>
+                        <a:schemeClr val="tx1"/>
+                      </a:solidFill>
+                      <a:prstDash val="solid"/>
+                      <a:round/>
+                      <a:headEnd type="none" w="med" len="med"/>
+                      <a:tailEnd type="none" w="med" len="med"/>
+                    </a:lnB>
+                    <a:solidFill>
+                      <a:srgbClr val="99CCFF"/>
+                    </a:solidFill>
+                  </a:tcPr>
+                </a:tc>
+                <a:tc>
+                  <a:txBody>
+                    <a:bodyPr/>
+                    <a:lstStyle/>
+                    <a:p>
+                      <a:pPr algn="ctr"/>
+                      <a:r>
+                        <a:rPr lang="zh-CN" altLang="en-US" sz="3600" b="0" cap="none" spc="0" dirty="0">
+                          <a:ln w="0"/>
+                          <a:solidFill>
+                            <a:schemeClr val="tx1"/>
+                          </a:solidFill>
+                          <a:effectLst>
+                            <a:outerShdw blurRad="38100" dist="19050" dir="2700000" algn="tl" rotWithShape="0">
+                              <a:schemeClr val="dk1">
+                                <a:alpha val="40000"/>
+                              </a:schemeClr>
+                            </a:outerShdw>
+                          </a:effectLst>
+                        </a:rPr>
+                        <a:t>可写部分</a:t>
+                      </a:r>
+                    </a:p>
+                  </a:txBody>
+                  <a:tcPr anchor="ctr">
+                    <a:lnL w="28575" cap="flat" cmpd="sng" algn="ctr">
+                      <a:solidFill>
+                        <a:schemeClr val="tx1"/>
+                      </a:solidFill>
+                      <a:prstDash val="solid"/>
+                      <a:round/>
+                      <a:headEnd type="none" w="med" len="med"/>
+                      <a:tailEnd type="none" w="med" len="med"/>
+                    </a:lnL>
+                    <a:lnR w="28575" cap="flat" cmpd="sng" algn="ctr">
+                      <a:solidFill>
+                        <a:schemeClr val="tx1"/>
+                      </a:solidFill>
+                      <a:prstDash val="solid"/>
+                      <a:round/>
+                      <a:headEnd type="none" w="med" len="med"/>
+                      <a:tailEnd type="none" w="med" len="med"/>
+                    </a:lnR>
+                    <a:lnT w="28575" cap="flat" cmpd="sng" algn="ctr">
+                      <a:solidFill>
+                        <a:schemeClr val="tx1"/>
+                      </a:solidFill>
+                      <a:prstDash val="solid"/>
+                      <a:round/>
+                      <a:headEnd type="none" w="med" len="med"/>
+                      <a:tailEnd type="none" w="med" len="med"/>
+                    </a:lnT>
+                    <a:lnB w="28575" cap="flat" cmpd="sng" algn="ctr">
+                      <a:solidFill>
+                        <a:schemeClr val="tx1"/>
+                      </a:solidFill>
+                      <a:prstDash val="solid"/>
+                      <a:round/>
+                      <a:headEnd type="none" w="med" len="med"/>
+                      <a:tailEnd type="none" w="med" len="med"/>
+                    </a:lnB>
+                    <a:solidFill>
+                      <a:srgbClr val="FF8989"/>
+                    </a:solidFill>
+                  </a:tcPr>
+                </a:tc>
+                <a:tc>
+                  <a:txBody>
+                    <a:bodyPr/>
+                    <a:lstStyle/>
+                    <a:p>
+                      <a:pPr algn="ctr"/>
+                      <a:r>
+                        <a:rPr lang="zh-CN" altLang="en-US" sz="3600" b="0" cap="none" spc="0" dirty="0">
+                          <a:ln w="0"/>
+                          <a:solidFill>
+                            <a:schemeClr val="tx1"/>
+                          </a:solidFill>
+                          <a:effectLst>
+                            <a:outerShdw blurRad="38100" dist="19050" dir="2700000" algn="tl" rotWithShape="0">
+                              <a:schemeClr val="dk1">
+                                <a:alpha val="40000"/>
+                              </a:schemeClr>
+                            </a:outerShdw>
+                          </a:effectLst>
+                        </a:rPr>
+                        <a:t>可扩容部分</a:t>
+                      </a:r>
+                    </a:p>
+                  </a:txBody>
+                  <a:tcPr anchor="ctr">
+                    <a:lnL w="28575" cap="flat" cmpd="sng" algn="ctr">
+                      <a:solidFill>
+                        <a:schemeClr val="tx1"/>
+                      </a:solidFill>
+                      <a:prstDash val="solid"/>
+                      <a:round/>
+                      <a:headEnd type="none" w="med" len="med"/>
+                      <a:tailEnd type="none" w="med" len="med"/>
+                    </a:lnL>
+                    <a:lnR w="28575" cap="flat" cmpd="sng" algn="ctr">
+                      <a:solidFill>
+                        <a:schemeClr val="tx1"/>
+                      </a:solidFill>
+                      <a:prstDash val="solid"/>
+                      <a:round/>
+                      <a:headEnd type="none" w="med" len="med"/>
+                      <a:tailEnd type="none" w="med" len="med"/>
+                    </a:lnR>
+                    <a:lnT w="28575" cap="flat" cmpd="sng" algn="ctr">
+                      <a:solidFill>
+                        <a:schemeClr val="tx1"/>
+                      </a:solidFill>
+                      <a:prstDash val="solid"/>
+                      <a:round/>
+                      <a:headEnd type="none" w="med" len="med"/>
+                      <a:tailEnd type="none" w="med" len="med"/>
+                    </a:lnT>
+                    <a:lnB w="28575" cap="flat" cmpd="sng" algn="ctr">
+                      <a:solidFill>
+                        <a:schemeClr val="tx1"/>
+                      </a:solidFill>
+                      <a:prstDash val="solid"/>
+                      <a:round/>
+                      <a:headEnd type="none" w="med" len="med"/>
+                      <a:tailEnd type="none" w="med" len="med"/>
+                    </a:lnB>
+                    <a:solidFill>
+                      <a:srgbClr val="C5E0B4"/>
+                    </a:solidFill>
+                  </a:tcPr>
+                </a:tc>
+                <a:extLst>
+                  <a:ext uri="{0D108BD9-81ED-4DB2-BD59-A6C34878D82A}">
+                    <a16:rowId xmlns:a16="http://schemas.microsoft.com/office/drawing/2014/main" val="2973697518"/>
+                  </a:ext>
+                </a:extLst>
+              </a:tr>
+            </a:tbl>
+          </a:graphicData>
+        </a:graphic>
+      </p:graphicFrame>
+      <p:cxnSp>
+        <p:nvCxnSpPr>
+          <p:cNvPr id="28" name="直接箭头连接符 27">
+            <a:extLst>
+              <a:ext uri="{FF2B5EF4-FFF2-40B4-BE49-F238E27FC236}">
+                <a16:creationId xmlns:a16="http://schemas.microsoft.com/office/drawing/2014/main" id="{19EFAFAC-BB8D-4D89-8AD7-75BE7477DD21}"/>
+              </a:ext>
+            </a:extLst>
+          </p:cNvPr>
+          <p:cNvCxnSpPr>
+            <a:cxnSpLocks/>
+          </p:cNvCxnSpPr>
+          <p:nvPr/>
+        </p:nvCxnSpPr>
+        <p:spPr>
+          <a:xfrm>
+            <a:off x="20765730" y="1592826"/>
+            <a:ext cx="0" cy="1420490"/>
+          </a:xfrm>
+          <a:prstGeom prst="straightConnector1">
+            <a:avLst/>
+          </a:prstGeom>
+          <a:ln w="88900">
+            <a:solidFill>
+              <a:schemeClr val="tx1"/>
+            </a:solidFill>
+            <a:tailEnd type="triangle"/>
+          </a:ln>
+        </p:spPr>
+        <p:style>
+          <a:lnRef idx="1">
+            <a:schemeClr val="accent1"/>
+          </a:lnRef>
+          <a:fillRef idx="0">
+            <a:schemeClr val="accent1"/>
+          </a:fillRef>
+          <a:effectRef idx="0">
+            <a:schemeClr val="accent1"/>
+          </a:effectRef>
+          <a:fontRef idx="minor">
+            <a:schemeClr val="tx1"/>
+          </a:fontRef>
+        </p:style>
+      </p:cxnSp>
+      <p:cxnSp>
+        <p:nvCxnSpPr>
+          <p:cNvPr id="261" name="直接箭头连接符 260">
+            <a:extLst>
+              <a:ext uri="{FF2B5EF4-FFF2-40B4-BE49-F238E27FC236}">
+                <a16:creationId xmlns:a16="http://schemas.microsoft.com/office/drawing/2014/main" id="{FD2C0C05-2943-4E4E-8815-41C5345E7B99}"/>
+              </a:ext>
+            </a:extLst>
+          </p:cNvPr>
+          <p:cNvCxnSpPr>
+            <a:cxnSpLocks/>
+          </p:cNvCxnSpPr>
+          <p:nvPr/>
+        </p:nvCxnSpPr>
+        <p:spPr>
+          <a:xfrm>
+            <a:off x="25342647" y="1592826"/>
+            <a:ext cx="0" cy="1420490"/>
+          </a:xfrm>
+          <a:prstGeom prst="straightConnector1">
+            <a:avLst/>
+          </a:prstGeom>
+          <a:ln w="88900">
+            <a:solidFill>
+              <a:schemeClr val="tx1"/>
+            </a:solidFill>
+            <a:tailEnd type="triangle"/>
+          </a:ln>
+        </p:spPr>
+        <p:style>
+          <a:lnRef idx="1">
+            <a:schemeClr val="accent1"/>
+          </a:lnRef>
+          <a:fillRef idx="0">
+            <a:schemeClr val="accent1"/>
+          </a:fillRef>
+          <a:effectRef idx="0">
+            <a:schemeClr val="accent1"/>
+          </a:effectRef>
+          <a:fontRef idx="minor">
+            <a:schemeClr val="tx1"/>
+          </a:fontRef>
+        </p:style>
+      </p:cxnSp>
+      <p:cxnSp>
+        <p:nvCxnSpPr>
+          <p:cNvPr id="262" name="直接箭头连接符 261">
+            <a:extLst>
+              <a:ext uri="{FF2B5EF4-FFF2-40B4-BE49-F238E27FC236}">
+                <a16:creationId xmlns:a16="http://schemas.microsoft.com/office/drawing/2014/main" id="{2F2EC934-70E7-4D93-AF37-2A9B04E67207}"/>
+              </a:ext>
+            </a:extLst>
+          </p:cNvPr>
+          <p:cNvCxnSpPr>
+            <a:cxnSpLocks/>
+          </p:cNvCxnSpPr>
+          <p:nvPr/>
+        </p:nvCxnSpPr>
+        <p:spPr>
+          <a:xfrm>
+            <a:off x="29890066" y="1636508"/>
+            <a:ext cx="0" cy="1420490"/>
+          </a:xfrm>
+          <a:prstGeom prst="straightConnector1">
+            <a:avLst/>
+          </a:prstGeom>
+          <a:ln w="88900">
+            <a:solidFill>
+              <a:schemeClr val="tx1"/>
+            </a:solidFill>
+            <a:tailEnd type="triangle"/>
+          </a:ln>
+        </p:spPr>
+        <p:style>
+          <a:lnRef idx="1">
+            <a:schemeClr val="accent1"/>
+          </a:lnRef>
+          <a:fillRef idx="0">
+            <a:schemeClr val="accent1"/>
+          </a:fillRef>
+          <a:effectRef idx="0">
+            <a:schemeClr val="accent1"/>
+          </a:effectRef>
+          <a:fontRef idx="minor">
+            <a:schemeClr val="tx1"/>
+          </a:fontRef>
+        </p:style>
+      </p:cxnSp>
+      <p:cxnSp>
+        <p:nvCxnSpPr>
+          <p:cNvPr id="263" name="直接箭头连接符 262">
+            <a:extLst>
+              <a:ext uri="{FF2B5EF4-FFF2-40B4-BE49-F238E27FC236}">
+                <a16:creationId xmlns:a16="http://schemas.microsoft.com/office/drawing/2014/main" id="{38027EDF-09CA-4321-B5CF-75D5DCF28133}"/>
+              </a:ext>
+            </a:extLst>
+          </p:cNvPr>
+          <p:cNvCxnSpPr>
+            <a:cxnSpLocks/>
+          </p:cNvCxnSpPr>
+          <p:nvPr/>
+        </p:nvCxnSpPr>
+        <p:spPr>
+          <a:xfrm>
+            <a:off x="33697716" y="1559899"/>
+            <a:ext cx="0" cy="1420490"/>
+          </a:xfrm>
+          <a:prstGeom prst="straightConnector1">
+            <a:avLst/>
+          </a:prstGeom>
+          <a:ln w="88900">
+            <a:solidFill>
+              <a:schemeClr val="tx1"/>
+            </a:solidFill>
+            <a:tailEnd type="triangle"/>
+          </a:ln>
+        </p:spPr>
+        <p:style>
+          <a:lnRef idx="1">
+            <a:schemeClr val="accent1"/>
+          </a:lnRef>
+          <a:fillRef idx="0">
+            <a:schemeClr val="accent1"/>
+          </a:fillRef>
+          <a:effectRef idx="0">
+            <a:schemeClr val="accent1"/>
+          </a:effectRef>
+          <a:fontRef idx="minor">
+            <a:schemeClr val="tx1"/>
+          </a:fontRef>
+        </p:style>
+      </p:cxnSp>
+      <p:sp>
+        <p:nvSpPr>
+          <p:cNvPr id="42" name="文本框 41">
+            <a:extLst>
+              <a:ext uri="{FF2B5EF4-FFF2-40B4-BE49-F238E27FC236}">
+                <a16:creationId xmlns:a16="http://schemas.microsoft.com/office/drawing/2014/main" id="{BBC79EF6-32FD-4DB4-B339-AA4B799CD2A1}"/>
+              </a:ext>
+            </a:extLst>
+          </p:cNvPr>
+          <p:cNvSpPr txBox="1"/>
+          <p:nvPr/>
+        </p:nvSpPr>
+        <p:spPr>
+          <a:xfrm>
+            <a:off x="19997822" y="825788"/>
+            <a:ext cx="1723549" cy="707886"/>
+          </a:xfrm>
+          <a:prstGeom prst="rect">
+            <a:avLst/>
+          </a:prstGeom>
+          <a:noFill/>
+        </p:spPr>
+        <p:txBody>
+          <a:bodyPr wrap="none" rtlCol="0">
+            <a:spAutoFit/>
+          </a:bodyPr>
+          <a:lstStyle/>
+          <a:p>
+            <a:r>
+              <a:rPr lang="zh-CN" altLang="en-US" sz="4000" b="1" dirty="0"/>
+              <a:t>读指针</a:t>
+            </a:r>
+          </a:p>
+        </p:txBody>
+      </p:sp>
+      <p:sp>
+        <p:nvSpPr>
+          <p:cNvPr id="264" name="文本框 263">
+            <a:extLst>
+              <a:ext uri="{FF2B5EF4-FFF2-40B4-BE49-F238E27FC236}">
+                <a16:creationId xmlns:a16="http://schemas.microsoft.com/office/drawing/2014/main" id="{9AD2BA3B-C64A-4F77-9350-06C7BEDD6FDA}"/>
+              </a:ext>
+            </a:extLst>
+          </p:cNvPr>
+          <p:cNvSpPr txBox="1"/>
+          <p:nvPr/>
+        </p:nvSpPr>
+        <p:spPr>
+          <a:xfrm>
+            <a:off x="24515146" y="825788"/>
+            <a:ext cx="1723549" cy="707886"/>
+          </a:xfrm>
+          <a:prstGeom prst="rect">
+            <a:avLst/>
+          </a:prstGeom>
+          <a:noFill/>
+        </p:spPr>
+        <p:txBody>
+          <a:bodyPr wrap="none" rtlCol="0">
+            <a:spAutoFit/>
+          </a:bodyPr>
+          <a:lstStyle/>
+          <a:p>
+            <a:r>
+              <a:rPr lang="zh-CN" altLang="en-US" sz="4000" b="1" dirty="0"/>
+              <a:t>写指针</a:t>
+            </a:r>
+          </a:p>
+        </p:txBody>
+      </p:sp>
+      <p:sp>
+        <p:nvSpPr>
+          <p:cNvPr id="265" name="文本框 264">
+            <a:extLst>
+              <a:ext uri="{FF2B5EF4-FFF2-40B4-BE49-F238E27FC236}">
+                <a16:creationId xmlns:a16="http://schemas.microsoft.com/office/drawing/2014/main" id="{7B9AB6A7-19F6-4ADF-A914-44F4EFB03E21}"/>
+              </a:ext>
+            </a:extLst>
+          </p:cNvPr>
+          <p:cNvSpPr txBox="1"/>
+          <p:nvPr/>
+        </p:nvSpPr>
+        <p:spPr>
+          <a:xfrm>
+            <a:off x="28803762" y="825788"/>
+            <a:ext cx="2236510" cy="707886"/>
+          </a:xfrm>
+          <a:prstGeom prst="rect">
+            <a:avLst/>
+          </a:prstGeom>
+          <a:noFill/>
+        </p:spPr>
+        <p:txBody>
+          <a:bodyPr wrap="none" rtlCol="0">
+            <a:spAutoFit/>
+          </a:bodyPr>
+          <a:lstStyle/>
+          <a:p>
+            <a:r>
+              <a:rPr lang="zh-CN" altLang="en-US" sz="4000" b="1" dirty="0"/>
+              <a:t>当前容量</a:t>
+            </a:r>
+          </a:p>
+        </p:txBody>
+      </p:sp>
+      <p:sp>
+        <p:nvSpPr>
+          <p:cNvPr id="266" name="文本框 265">
+            <a:extLst>
+              <a:ext uri="{FF2B5EF4-FFF2-40B4-BE49-F238E27FC236}">
+                <a16:creationId xmlns:a16="http://schemas.microsoft.com/office/drawing/2014/main" id="{1EF21306-6D83-47C9-8BD9-F11171E5E234}"/>
+              </a:ext>
+            </a:extLst>
+          </p:cNvPr>
+          <p:cNvSpPr txBox="1"/>
+          <p:nvPr/>
+        </p:nvSpPr>
+        <p:spPr>
+          <a:xfrm>
+            <a:off x="32546078" y="807205"/>
+            <a:ext cx="2236510" cy="707886"/>
+          </a:xfrm>
+          <a:prstGeom prst="rect">
+            <a:avLst/>
+          </a:prstGeom>
+          <a:noFill/>
+        </p:spPr>
+        <p:txBody>
+          <a:bodyPr wrap="none" rtlCol="0">
+            <a:spAutoFit/>
+          </a:bodyPr>
+          <a:lstStyle/>
+          <a:p>
+            <a:r>
+              <a:rPr lang="zh-CN" altLang="en-US" sz="4000" b="1" dirty="0"/>
+              <a:t>最大容量</a:t>
+            </a:r>
+          </a:p>
+        </p:txBody>
+      </p:sp>
+      <p:sp>
+        <p:nvSpPr>
+          <p:cNvPr id="46" name="右大括号 45">
+            <a:extLst>
+              <a:ext uri="{FF2B5EF4-FFF2-40B4-BE49-F238E27FC236}">
+                <a16:creationId xmlns:a16="http://schemas.microsoft.com/office/drawing/2014/main" id="{BA85B4DF-F5D5-4AD3-ADA4-322808932B86}"/>
+              </a:ext>
+            </a:extLst>
+          </p:cNvPr>
+          <p:cNvSpPr/>
+          <p:nvPr/>
+        </p:nvSpPr>
+        <p:spPr>
+          <a:xfrm rot="5400000">
+            <a:off x="25729744" y="-1292711"/>
+            <a:ext cx="722929" cy="15213011"/>
+          </a:xfrm>
+          <a:prstGeom prst="rightBrace">
+            <a:avLst>
+              <a:gd name="adj1" fmla="val 61376"/>
+              <a:gd name="adj2" fmla="val 49031"/>
+            </a:avLst>
+          </a:prstGeom>
+          <a:ln w="63500">
+            <a:solidFill>
+              <a:schemeClr val="tx1"/>
+            </a:solidFill>
+          </a:ln>
+        </p:spPr>
+        <p:style>
+          <a:lnRef idx="1">
+            <a:schemeClr val="accent1"/>
+          </a:lnRef>
+          <a:fillRef idx="0">
+            <a:schemeClr val="accent1"/>
+          </a:fillRef>
+          <a:effectRef idx="0">
+            <a:schemeClr val="accent1"/>
+          </a:effectRef>
+          <a:fontRef idx="minor">
+            <a:schemeClr val="tx1"/>
+          </a:fontRef>
+        </p:style>
+        <p:txBody>
+          <a:bodyPr rtlCol="0" anchor="ctr"/>
+          <a:lstStyle/>
+          <a:p>
+            <a:pPr algn="ctr"/>
+            <a:endParaRPr lang="zh-CN" altLang="en-US"/>
+          </a:p>
+        </p:txBody>
+      </p:sp>
+      <p:sp>
+        <p:nvSpPr>
+          <p:cNvPr id="267" name="右大括号 266">
+            <a:extLst>
+              <a:ext uri="{FF2B5EF4-FFF2-40B4-BE49-F238E27FC236}">
+                <a16:creationId xmlns:a16="http://schemas.microsoft.com/office/drawing/2014/main" id="{9F75AE55-CC0E-4602-8D2C-611FF54A760B}"/>
+              </a:ext>
+            </a:extLst>
+          </p:cNvPr>
+          <p:cNvSpPr/>
+          <p:nvPr/>
+        </p:nvSpPr>
+        <p:spPr>
+          <a:xfrm rot="5400000">
+            <a:off x="23825919" y="-1056327"/>
+            <a:ext cx="722929" cy="11405363"/>
+          </a:xfrm>
+          <a:prstGeom prst="rightBrace">
+            <a:avLst>
+              <a:gd name="adj1" fmla="val 36895"/>
+              <a:gd name="adj2" fmla="val 49031"/>
+            </a:avLst>
+          </a:prstGeom>
+          <a:ln w="63500">
+            <a:solidFill>
+              <a:schemeClr val="tx1"/>
+            </a:solidFill>
+          </a:ln>
+        </p:spPr>
+        <p:style>
+          <a:lnRef idx="1">
+            <a:schemeClr val="accent1"/>
+          </a:lnRef>
+          <a:fillRef idx="0">
+            <a:schemeClr val="accent1"/>
+          </a:fillRef>
+          <a:effectRef idx="0">
+            <a:schemeClr val="accent1"/>
+          </a:effectRef>
+          <a:fontRef idx="minor">
+            <a:schemeClr val="tx1"/>
+          </a:fontRef>
+        </p:style>
+        <p:txBody>
+          <a:bodyPr rtlCol="0" anchor="ctr"/>
+          <a:lstStyle/>
+          <a:p>
+            <a:pPr algn="ctr"/>
+            <a:endParaRPr lang="zh-CN" altLang="en-US"/>
+          </a:p>
+        </p:txBody>
+      </p:sp>
+      <p:sp>
+        <p:nvSpPr>
+          <p:cNvPr id="268" name="文本框 267">
+            <a:extLst>
+              <a:ext uri="{FF2B5EF4-FFF2-40B4-BE49-F238E27FC236}">
+                <a16:creationId xmlns:a16="http://schemas.microsoft.com/office/drawing/2014/main" id="{A77CDBA1-FDDD-4306-AF71-2B8BEA33CC50}"/>
+              </a:ext>
+            </a:extLst>
+          </p:cNvPr>
+          <p:cNvSpPr txBox="1"/>
+          <p:nvPr/>
+        </p:nvSpPr>
+        <p:spPr>
+          <a:xfrm>
+            <a:off x="23210916" y="5155953"/>
+            <a:ext cx="2236510" cy="707886"/>
+          </a:xfrm>
+          <a:prstGeom prst="rect">
+            <a:avLst/>
+          </a:prstGeom>
+          <a:noFill/>
+        </p:spPr>
+        <p:txBody>
+          <a:bodyPr wrap="none" rtlCol="0">
+            <a:spAutoFit/>
+          </a:bodyPr>
+          <a:lstStyle/>
+          <a:p>
+            <a:r>
+              <a:rPr lang="zh-CN" altLang="en-US" sz="4000" b="1" dirty="0"/>
+              <a:t>当前容量</a:t>
+            </a:r>
+          </a:p>
+        </p:txBody>
+      </p:sp>
+      <p:sp>
+        <p:nvSpPr>
+          <p:cNvPr id="269" name="文本框 268">
+            <a:extLst>
+              <a:ext uri="{FF2B5EF4-FFF2-40B4-BE49-F238E27FC236}">
+                <a16:creationId xmlns:a16="http://schemas.microsoft.com/office/drawing/2014/main" id="{0BB6331E-F665-40D7-984B-3A8E8DFB1A94}"/>
+              </a:ext>
+            </a:extLst>
+          </p:cNvPr>
+          <p:cNvSpPr txBox="1"/>
+          <p:nvPr/>
+        </p:nvSpPr>
+        <p:spPr>
+          <a:xfrm>
+            <a:off x="25101689" y="6809968"/>
+            <a:ext cx="2236510" cy="707886"/>
+          </a:xfrm>
+          <a:prstGeom prst="rect">
+            <a:avLst/>
+          </a:prstGeom>
+          <a:noFill/>
+        </p:spPr>
+        <p:txBody>
+          <a:bodyPr wrap="none" rtlCol="0">
+            <a:spAutoFit/>
+          </a:bodyPr>
+          <a:lstStyle/>
+          <a:p>
+            <a:r>
+              <a:rPr lang="zh-CN" altLang="en-US" sz="4000" b="1" dirty="0"/>
+              <a:t>最大容量</a:t>
+            </a:r>
+          </a:p>
+        </p:txBody>
+      </p:sp>
+      <p:sp>
+        <p:nvSpPr>
+          <p:cNvPr id="270" name="矩形 269">
+            <a:extLst>
+              <a:ext uri="{FF2B5EF4-FFF2-40B4-BE49-F238E27FC236}">
+                <a16:creationId xmlns:a16="http://schemas.microsoft.com/office/drawing/2014/main" id="{8D5D4524-5AEF-4E48-9DF9-083A1AAE14E3}"/>
+              </a:ext>
+            </a:extLst>
+          </p:cNvPr>
+          <p:cNvSpPr/>
+          <p:nvPr/>
+        </p:nvSpPr>
+        <p:spPr>
+          <a:xfrm>
+            <a:off x="12449080" y="20709047"/>
+            <a:ext cx="1471503" cy="522514"/>
+          </a:xfrm>
+          <a:prstGeom prst="rect">
+            <a:avLst/>
+          </a:prstGeom>
+          <a:solidFill>
+            <a:srgbClr val="99CCFF"/>
+          </a:solidFill>
+          <a:ln>
+            <a:solidFill>
+              <a:srgbClr val="0D86FF"/>
+            </a:solidFill>
+          </a:ln>
+          <a:effectLst>
+            <a:outerShdw blurRad="50800" dist="38100" dir="2700000" algn="tl" rotWithShape="0">
+              <a:prstClr val="black">
+                <a:alpha val="40000"/>
+              </a:prstClr>
+            </a:outerShdw>
+          </a:effectLst>
+        </p:spPr>
+        <p:style>
+          <a:lnRef idx="2">
+            <a:schemeClr val="accent1">
+              <a:shade val="50000"/>
+            </a:schemeClr>
+          </a:lnRef>
+          <a:fillRef idx="1">
+            <a:schemeClr val="accent1"/>
+          </a:fillRef>
+          <a:effectRef idx="0">
+            <a:schemeClr val="accent1"/>
+          </a:effectRef>
+          <a:fontRef idx="minor">
+            <a:schemeClr val="lt1"/>
+          </a:fontRef>
+        </p:style>
+        <p:txBody>
+          <a:bodyPr rtlCol="0" anchor="ctr"/>
+          <a:lstStyle/>
+          <a:p>
+            <a:pPr algn="ctr"/>
+            <a:r>
+              <a:rPr lang="en-US" altLang="zh-CN" dirty="0">
+                <a:solidFill>
+                  <a:schemeClr val="tx1"/>
+                </a:solidFill>
+              </a:rPr>
+              <a:t>Slice 1</a:t>
+            </a:r>
+            <a:endParaRPr lang="zh-CN" altLang="en-US" dirty="0">
+              <a:solidFill>
+                <a:schemeClr val="tx1"/>
+              </a:solidFill>
+            </a:endParaRPr>
+          </a:p>
+        </p:txBody>
+      </p:sp>
+      <p:sp>
+        <p:nvSpPr>
+          <p:cNvPr id="271" name="矩形 270">
+            <a:extLst>
+              <a:ext uri="{FF2B5EF4-FFF2-40B4-BE49-F238E27FC236}">
+                <a16:creationId xmlns:a16="http://schemas.microsoft.com/office/drawing/2014/main" id="{775F0FC4-A421-4124-8E8F-985D833BAD27}"/>
+              </a:ext>
+            </a:extLst>
+          </p:cNvPr>
+          <p:cNvSpPr/>
+          <p:nvPr/>
+        </p:nvSpPr>
+        <p:spPr>
+          <a:xfrm>
+            <a:off x="11643446" y="19413213"/>
+            <a:ext cx="2814858" cy="522514"/>
+          </a:xfrm>
+          <a:prstGeom prst="rect">
+            <a:avLst/>
+          </a:prstGeom>
+          <a:solidFill>
+            <a:srgbClr val="FF8989"/>
+          </a:solidFill>
+          <a:effectLst>
+            <a:outerShdw blurRad="50800" dist="38100" dir="2700000" algn="tl" rotWithShape="0">
+              <a:prstClr val="black">
+                <a:alpha val="40000"/>
+              </a:prstClr>
+            </a:outerShdw>
+          </a:effectLst>
+        </p:spPr>
+        <p:style>
+          <a:lnRef idx="2">
+            <a:schemeClr val="accent2">
+              <a:shade val="50000"/>
+            </a:schemeClr>
+          </a:lnRef>
+          <a:fillRef idx="1">
+            <a:schemeClr val="accent2"/>
+          </a:fillRef>
+          <a:effectRef idx="0">
+            <a:schemeClr val="accent2"/>
+          </a:effectRef>
+          <a:fontRef idx="minor">
+            <a:schemeClr val="lt1"/>
+          </a:fontRef>
+        </p:style>
+        <p:txBody>
+          <a:bodyPr rtlCol="0" anchor="ctr"/>
+          <a:lstStyle/>
+          <a:p>
+            <a:pPr algn="ctr"/>
+            <a:r>
+              <a:rPr lang="zh-CN" altLang="en-US" dirty="0">
+                <a:solidFill>
+                  <a:schemeClr val="tx1"/>
+                </a:solidFill>
+              </a:rPr>
+              <a:t>原始</a:t>
+            </a:r>
+            <a:r>
+              <a:rPr lang="en-US" altLang="zh-CN" dirty="0">
+                <a:solidFill>
+                  <a:schemeClr val="tx1"/>
+                </a:solidFill>
+              </a:rPr>
+              <a:t>ByteBuf</a:t>
+            </a:r>
+            <a:endParaRPr lang="zh-CN" altLang="en-US" dirty="0">
+              <a:solidFill>
+                <a:schemeClr val="tx1"/>
+              </a:solidFill>
+            </a:endParaRPr>
+          </a:p>
+        </p:txBody>
+      </p:sp>
+      <p:sp>
+        <p:nvSpPr>
+          <p:cNvPr id="273" name="矩形 272">
+            <a:extLst>
+              <a:ext uri="{FF2B5EF4-FFF2-40B4-BE49-F238E27FC236}">
+                <a16:creationId xmlns:a16="http://schemas.microsoft.com/office/drawing/2014/main" id="{9F4B7750-22D1-42F4-81F5-E0AC71B6C7B4}"/>
+              </a:ext>
+            </a:extLst>
+          </p:cNvPr>
+          <p:cNvSpPr/>
+          <p:nvPr/>
+        </p:nvSpPr>
+        <p:spPr>
+          <a:xfrm>
+            <a:off x="11643446" y="22004881"/>
+            <a:ext cx="2815200" cy="522000"/>
+          </a:xfrm>
+          <a:prstGeom prst="rect">
+            <a:avLst/>
+          </a:prstGeom>
+          <a:solidFill>
+            <a:srgbClr val="C5E0B4"/>
+          </a:solidFill>
+          <a:ln>
+            <a:solidFill>
+              <a:srgbClr val="93C573"/>
+            </a:solidFill>
+          </a:ln>
+          <a:effectLst>
+            <a:outerShdw blurRad="50800" dist="38100" dir="2700000" algn="tl" rotWithShape="0">
+              <a:prstClr val="black">
+                <a:alpha val="40000"/>
+              </a:prstClr>
+            </a:outerShdw>
+          </a:effectLst>
+        </p:spPr>
+        <p:style>
+          <a:lnRef idx="2">
+            <a:schemeClr val="accent1">
+              <a:shade val="50000"/>
+            </a:schemeClr>
+          </a:lnRef>
+          <a:fillRef idx="1">
+            <a:schemeClr val="accent1"/>
+          </a:fillRef>
+          <a:effectRef idx="0">
+            <a:schemeClr val="accent1"/>
+          </a:effectRef>
+          <a:fontRef idx="minor">
+            <a:schemeClr val="lt1"/>
+          </a:fontRef>
+        </p:style>
+        <p:txBody>
+          <a:bodyPr rtlCol="0" anchor="ctr"/>
+          <a:lstStyle/>
+          <a:p>
+            <a:pPr algn="ctr"/>
+            <a:r>
+              <a:rPr lang="zh-CN" altLang="en-US" dirty="0">
+                <a:solidFill>
+                  <a:schemeClr val="tx1"/>
+                </a:solidFill>
+              </a:rPr>
+              <a:t>物理内存</a:t>
+            </a:r>
+          </a:p>
+        </p:txBody>
+      </p:sp>
+      <p:sp>
+        <p:nvSpPr>
+          <p:cNvPr id="274" name="矩形 273">
+            <a:extLst>
+              <a:ext uri="{FF2B5EF4-FFF2-40B4-BE49-F238E27FC236}">
+                <a16:creationId xmlns:a16="http://schemas.microsoft.com/office/drawing/2014/main" id="{3DC7E00A-FBFB-4AB1-80CA-37BD280C20B5}"/>
+              </a:ext>
+            </a:extLst>
+          </p:cNvPr>
+          <p:cNvSpPr/>
+          <p:nvPr/>
+        </p:nvSpPr>
+        <p:spPr>
+          <a:xfrm>
+            <a:off x="15036755" y="20709047"/>
+            <a:ext cx="1471503" cy="522514"/>
+          </a:xfrm>
+          <a:prstGeom prst="rect">
+            <a:avLst/>
+          </a:prstGeom>
+          <a:solidFill>
+            <a:srgbClr val="99CCFF"/>
+          </a:solidFill>
+          <a:ln>
+            <a:solidFill>
+              <a:srgbClr val="0D86FF"/>
+            </a:solidFill>
+          </a:ln>
+          <a:effectLst>
+            <a:outerShdw blurRad="50800" dist="38100" dir="2700000" algn="tl" rotWithShape="0">
+              <a:prstClr val="black">
+                <a:alpha val="40000"/>
+              </a:prstClr>
+            </a:outerShdw>
+          </a:effectLst>
+        </p:spPr>
+        <p:style>
+          <a:lnRef idx="2">
+            <a:schemeClr val="accent1">
+              <a:shade val="50000"/>
+            </a:schemeClr>
+          </a:lnRef>
+          <a:fillRef idx="1">
+            <a:schemeClr val="accent1"/>
+          </a:fillRef>
+          <a:effectRef idx="0">
+            <a:schemeClr val="accent1"/>
+          </a:effectRef>
+          <a:fontRef idx="minor">
+            <a:schemeClr val="lt1"/>
+          </a:fontRef>
+        </p:style>
+        <p:txBody>
+          <a:bodyPr rtlCol="0" anchor="ctr"/>
+          <a:lstStyle/>
+          <a:p>
+            <a:pPr algn="ctr"/>
+            <a:r>
+              <a:rPr lang="en-US" altLang="zh-CN" dirty="0">
+                <a:solidFill>
+                  <a:schemeClr val="tx1"/>
+                </a:solidFill>
+              </a:rPr>
+              <a:t>Slice 2</a:t>
+            </a:r>
+            <a:endParaRPr lang="zh-CN" altLang="en-US" dirty="0">
+              <a:solidFill>
+                <a:schemeClr val="tx1"/>
+              </a:solidFill>
+            </a:endParaRPr>
+          </a:p>
+        </p:txBody>
+      </p:sp>
+      <p:cxnSp>
+        <p:nvCxnSpPr>
+          <p:cNvPr id="275" name="直接连接符 274">
+            <a:extLst>
+              <a:ext uri="{FF2B5EF4-FFF2-40B4-BE49-F238E27FC236}">
+                <a16:creationId xmlns:a16="http://schemas.microsoft.com/office/drawing/2014/main" id="{EFC46A54-984E-4BFF-BF1E-96C1C6F4E1E0}"/>
+              </a:ext>
+            </a:extLst>
+          </p:cNvPr>
+          <p:cNvCxnSpPr>
+            <a:stCxn id="282" idx="3"/>
+            <a:endCxn id="283" idx="3"/>
+          </p:cNvCxnSpPr>
+          <p:nvPr/>
+        </p:nvCxnSpPr>
+        <p:spPr>
+          <a:xfrm>
+            <a:off x="14458303" y="23695326"/>
+            <a:ext cx="342" cy="2591411"/>
+          </a:xfrm>
+          <a:prstGeom prst="line">
+            <a:avLst/>
+          </a:prstGeom>
+          <a:ln w="15875">
+            <a:solidFill>
+              <a:schemeClr val="tx1"/>
+            </a:solidFill>
+            <a:prstDash val="dash"/>
+          </a:ln>
+        </p:spPr>
+        <p:style>
+          <a:lnRef idx="1">
+            <a:schemeClr val="accent1"/>
+          </a:lnRef>
+          <a:fillRef idx="0">
+            <a:schemeClr val="accent1"/>
+          </a:fillRef>
+          <a:effectRef idx="0">
+            <a:schemeClr val="accent1"/>
+          </a:effectRef>
+          <a:fontRef idx="minor">
+            <a:schemeClr val="tx1"/>
+          </a:fontRef>
+        </p:style>
+      </p:cxnSp>
+      <p:cxnSp>
+        <p:nvCxnSpPr>
+          <p:cNvPr id="276" name="直接连接符 275">
+            <a:extLst>
+              <a:ext uri="{FF2B5EF4-FFF2-40B4-BE49-F238E27FC236}">
+                <a16:creationId xmlns:a16="http://schemas.microsoft.com/office/drawing/2014/main" id="{35B478FC-67B9-4725-940A-9A4332C5B8CC}"/>
+              </a:ext>
+            </a:extLst>
+          </p:cNvPr>
+          <p:cNvCxnSpPr>
+            <a:stCxn id="282" idx="1"/>
+            <a:endCxn id="283" idx="1"/>
+          </p:cNvCxnSpPr>
+          <p:nvPr/>
+        </p:nvCxnSpPr>
+        <p:spPr>
+          <a:xfrm>
+            <a:off x="11643445" y="23695326"/>
+            <a:ext cx="0" cy="2591411"/>
+          </a:xfrm>
+          <a:prstGeom prst="line">
+            <a:avLst/>
+          </a:prstGeom>
+          <a:ln w="15875">
+            <a:solidFill>
+              <a:schemeClr val="tx1"/>
+            </a:solidFill>
+            <a:prstDash val="dash"/>
+          </a:ln>
+        </p:spPr>
+        <p:style>
+          <a:lnRef idx="1">
+            <a:schemeClr val="accent1"/>
+          </a:lnRef>
+          <a:fillRef idx="0">
+            <a:schemeClr val="accent1"/>
+          </a:fillRef>
+          <a:effectRef idx="0">
+            <a:schemeClr val="accent1"/>
+          </a:effectRef>
+          <a:fontRef idx="minor">
+            <a:schemeClr val="tx1"/>
+          </a:fontRef>
+        </p:style>
+      </p:cxnSp>
+      <p:cxnSp>
+        <p:nvCxnSpPr>
+          <p:cNvPr id="277" name="直接连接符 276">
+            <a:extLst>
+              <a:ext uri="{FF2B5EF4-FFF2-40B4-BE49-F238E27FC236}">
+                <a16:creationId xmlns:a16="http://schemas.microsoft.com/office/drawing/2014/main" id="{F47B7191-9457-4C85-BF73-BB28D186698E}"/>
+              </a:ext>
+            </a:extLst>
+          </p:cNvPr>
+          <p:cNvCxnSpPr>
+            <a:cxnSpLocks/>
+          </p:cNvCxnSpPr>
+          <p:nvPr/>
+        </p:nvCxnSpPr>
+        <p:spPr>
+          <a:xfrm flipH="1">
+            <a:off x="11643444" y="25252417"/>
+            <a:ext cx="805636" cy="773320"/>
+          </a:xfrm>
+          <a:prstGeom prst="line">
+            <a:avLst/>
+          </a:prstGeom>
+          <a:ln w="15875">
+            <a:solidFill>
+              <a:schemeClr val="tx1"/>
+            </a:solidFill>
+            <a:prstDash val="dash"/>
+          </a:ln>
+        </p:spPr>
+        <p:style>
+          <a:lnRef idx="1">
+            <a:schemeClr val="accent1"/>
+          </a:lnRef>
+          <a:fillRef idx="0">
+            <a:schemeClr val="accent1"/>
+          </a:fillRef>
+          <a:effectRef idx="0">
+            <a:schemeClr val="accent1"/>
+          </a:effectRef>
+          <a:fontRef idx="minor">
+            <a:schemeClr val="tx1"/>
+          </a:fontRef>
+        </p:style>
+      </p:cxnSp>
+      <p:cxnSp>
+        <p:nvCxnSpPr>
+          <p:cNvPr id="278" name="直接连接符 277">
+            <a:extLst>
+              <a:ext uri="{FF2B5EF4-FFF2-40B4-BE49-F238E27FC236}">
+                <a16:creationId xmlns:a16="http://schemas.microsoft.com/office/drawing/2014/main" id="{79724F7D-9193-44FF-8181-A6FC76627750}"/>
+              </a:ext>
+            </a:extLst>
+          </p:cNvPr>
+          <p:cNvCxnSpPr>
+            <a:cxnSpLocks/>
+          </p:cNvCxnSpPr>
+          <p:nvPr/>
+        </p:nvCxnSpPr>
+        <p:spPr>
+          <a:xfrm flipH="1">
+            <a:off x="14458303" y="25251903"/>
+            <a:ext cx="805635" cy="773834"/>
+          </a:xfrm>
+          <a:prstGeom prst="line">
+            <a:avLst/>
+          </a:prstGeom>
+          <a:ln w="15875">
+            <a:solidFill>
+              <a:schemeClr val="tx1"/>
+            </a:solidFill>
+            <a:prstDash val="dash"/>
+          </a:ln>
+        </p:spPr>
+        <p:style>
+          <a:lnRef idx="1">
+            <a:schemeClr val="accent1"/>
+          </a:lnRef>
+          <a:fillRef idx="0">
+            <a:schemeClr val="accent1"/>
+          </a:fillRef>
+          <a:effectRef idx="0">
+            <a:schemeClr val="accent1"/>
+          </a:effectRef>
+          <a:fontRef idx="minor">
+            <a:schemeClr val="tx1"/>
+          </a:fontRef>
+        </p:style>
+      </p:cxnSp>
+      <p:sp>
+        <p:nvSpPr>
+          <p:cNvPr id="281" name="矩形 280">
+            <a:extLst>
+              <a:ext uri="{FF2B5EF4-FFF2-40B4-BE49-F238E27FC236}">
+                <a16:creationId xmlns:a16="http://schemas.microsoft.com/office/drawing/2014/main" id="{739A296B-8525-4670-8353-7AC371FD9C94}"/>
+              </a:ext>
+            </a:extLst>
+          </p:cNvPr>
+          <p:cNvSpPr/>
+          <p:nvPr/>
+        </p:nvSpPr>
+        <p:spPr>
+          <a:xfrm>
+            <a:off x="12449078" y="24729903"/>
+            <a:ext cx="2815200" cy="522514"/>
+          </a:xfrm>
+          <a:prstGeom prst="rect">
+            <a:avLst/>
+          </a:prstGeom>
+          <a:solidFill>
+            <a:srgbClr val="99CCFF"/>
+          </a:solidFill>
+          <a:ln>
+            <a:solidFill>
+              <a:srgbClr val="0D86FF"/>
+            </a:solidFill>
+          </a:ln>
+          <a:effectLst>
+            <a:outerShdw blurRad="50800" dist="38100" dir="2700000" algn="tl" rotWithShape="0">
+              <a:prstClr val="black">
+                <a:alpha val="40000"/>
+              </a:prstClr>
+            </a:outerShdw>
+          </a:effectLst>
+        </p:spPr>
+        <p:style>
+          <a:lnRef idx="2">
+            <a:schemeClr val="accent1">
+              <a:shade val="50000"/>
+            </a:schemeClr>
+          </a:lnRef>
+          <a:fillRef idx="1">
+            <a:schemeClr val="accent1"/>
+          </a:fillRef>
+          <a:effectRef idx="0">
+            <a:schemeClr val="accent1"/>
+          </a:effectRef>
+          <a:fontRef idx="minor">
+            <a:schemeClr val="lt1"/>
+          </a:fontRef>
+        </p:style>
+        <p:txBody>
+          <a:bodyPr rtlCol="0" anchor="ctr"/>
+          <a:lstStyle/>
+          <a:p>
+            <a:pPr algn="ctr"/>
+            <a:r>
+              <a:rPr lang="en-US" altLang="zh-CN" dirty="0">
+                <a:solidFill>
+                  <a:schemeClr val="tx1"/>
+                </a:solidFill>
+              </a:rPr>
+              <a:t>duplicate</a:t>
+            </a:r>
+            <a:endParaRPr lang="zh-CN" altLang="en-US" dirty="0">
+              <a:solidFill>
+                <a:schemeClr val="tx1"/>
+              </a:solidFill>
+            </a:endParaRPr>
+          </a:p>
+        </p:txBody>
+      </p:sp>
+      <p:sp>
+        <p:nvSpPr>
+          <p:cNvPr id="282" name="矩形 281">
+            <a:extLst>
+              <a:ext uri="{FF2B5EF4-FFF2-40B4-BE49-F238E27FC236}">
+                <a16:creationId xmlns:a16="http://schemas.microsoft.com/office/drawing/2014/main" id="{E46677FA-837D-4530-AA3F-290F4134D367}"/>
+              </a:ext>
+            </a:extLst>
+          </p:cNvPr>
+          <p:cNvSpPr/>
+          <p:nvPr/>
+        </p:nvSpPr>
+        <p:spPr>
+          <a:xfrm>
+            <a:off x="11643445" y="23434069"/>
+            <a:ext cx="2814858" cy="522514"/>
+          </a:xfrm>
+          <a:prstGeom prst="rect">
+            <a:avLst/>
+          </a:prstGeom>
+          <a:solidFill>
+            <a:srgbClr val="FF8989"/>
+          </a:solidFill>
+          <a:effectLst>
+            <a:outerShdw blurRad="50800" dist="38100" dir="2700000" algn="tl" rotWithShape="0">
+              <a:prstClr val="black">
+                <a:alpha val="40000"/>
+              </a:prstClr>
+            </a:outerShdw>
+          </a:effectLst>
+        </p:spPr>
+        <p:style>
+          <a:lnRef idx="2">
+            <a:schemeClr val="accent2">
+              <a:shade val="50000"/>
+            </a:schemeClr>
+          </a:lnRef>
+          <a:fillRef idx="1">
+            <a:schemeClr val="accent2"/>
+          </a:fillRef>
+          <a:effectRef idx="0">
+            <a:schemeClr val="accent2"/>
+          </a:effectRef>
+          <a:fontRef idx="minor">
+            <a:schemeClr val="lt1"/>
+          </a:fontRef>
+        </p:style>
+        <p:txBody>
+          <a:bodyPr rtlCol="0" anchor="ctr"/>
+          <a:lstStyle/>
+          <a:p>
+            <a:pPr algn="ctr"/>
+            <a:r>
+              <a:rPr lang="zh-CN" altLang="en-US" dirty="0">
+                <a:solidFill>
+                  <a:schemeClr val="tx1"/>
+                </a:solidFill>
+              </a:rPr>
+              <a:t>原始</a:t>
+            </a:r>
+            <a:r>
+              <a:rPr lang="en-US" altLang="zh-CN" dirty="0">
+                <a:solidFill>
+                  <a:schemeClr val="tx1"/>
+                </a:solidFill>
+              </a:rPr>
+              <a:t>ByteBuf</a:t>
+            </a:r>
+            <a:endParaRPr lang="zh-CN" altLang="en-US" dirty="0">
+              <a:solidFill>
+                <a:schemeClr val="tx1"/>
+              </a:solidFill>
+            </a:endParaRPr>
+          </a:p>
+        </p:txBody>
+      </p:sp>
+      <p:sp>
+        <p:nvSpPr>
+          <p:cNvPr id="283" name="矩形 282">
+            <a:extLst>
+              <a:ext uri="{FF2B5EF4-FFF2-40B4-BE49-F238E27FC236}">
+                <a16:creationId xmlns:a16="http://schemas.microsoft.com/office/drawing/2014/main" id="{FCB62402-51DB-48A5-8341-068CE1F4A6AE}"/>
+              </a:ext>
+            </a:extLst>
+          </p:cNvPr>
+          <p:cNvSpPr/>
+          <p:nvPr/>
+        </p:nvSpPr>
+        <p:spPr>
+          <a:xfrm>
+            <a:off x="11643445" y="26025737"/>
+            <a:ext cx="2815200" cy="522000"/>
+          </a:xfrm>
+          <a:prstGeom prst="rect">
+            <a:avLst/>
+          </a:prstGeom>
+          <a:solidFill>
+            <a:srgbClr val="C5E0B4"/>
+          </a:solidFill>
+          <a:ln>
+            <a:solidFill>
+              <a:srgbClr val="93C573"/>
+            </a:solidFill>
+          </a:ln>
+          <a:effectLst>
+            <a:outerShdw blurRad="50800" dist="38100" dir="2700000" algn="tl" rotWithShape="0">
+              <a:prstClr val="black">
+                <a:alpha val="40000"/>
+              </a:prstClr>
+            </a:outerShdw>
+          </a:effectLst>
+        </p:spPr>
+        <p:style>
+          <a:lnRef idx="2">
+            <a:schemeClr val="accent1">
+              <a:shade val="50000"/>
+            </a:schemeClr>
+          </a:lnRef>
+          <a:fillRef idx="1">
+            <a:schemeClr val="accent1"/>
+          </a:fillRef>
+          <a:effectRef idx="0">
+            <a:schemeClr val="accent1"/>
+          </a:effectRef>
+          <a:fontRef idx="minor">
+            <a:schemeClr val="lt1"/>
+          </a:fontRef>
+        </p:style>
+        <p:txBody>
+          <a:bodyPr rtlCol="0" anchor="ctr"/>
+          <a:lstStyle/>
+          <a:p>
+            <a:pPr algn="ctr"/>
+            <a:r>
+              <a:rPr lang="zh-CN" altLang="en-US" dirty="0">
+                <a:solidFill>
+                  <a:schemeClr val="tx1"/>
+                </a:solidFill>
+              </a:rPr>
+              <a:t>物理内存</a:t>
+            </a:r>
+          </a:p>
+        </p:txBody>
+      </p:sp>
+      <p:cxnSp>
+        <p:nvCxnSpPr>
+          <p:cNvPr id="74" name="直接箭头连接符 73">
+            <a:extLst>
+              <a:ext uri="{FF2B5EF4-FFF2-40B4-BE49-F238E27FC236}">
+                <a16:creationId xmlns:a16="http://schemas.microsoft.com/office/drawing/2014/main" id="{87730B40-A256-423A-BB32-E0F0A73CF0AD}"/>
+              </a:ext>
+            </a:extLst>
+          </p:cNvPr>
+          <p:cNvCxnSpPr>
+            <a:stCxn id="271" idx="2"/>
+            <a:endCxn id="270" idx="0"/>
+          </p:cNvCxnSpPr>
+          <p:nvPr/>
+        </p:nvCxnSpPr>
+        <p:spPr>
+          <a:xfrm>
+            <a:off x="13050875" y="19935727"/>
+            <a:ext cx="133957" cy="773320"/>
+          </a:xfrm>
+          <a:prstGeom prst="straightConnector1">
+            <a:avLst/>
+          </a:prstGeom>
+          <a:ln w="9525">
+            <a:solidFill>
+              <a:schemeClr val="tx1"/>
+            </a:solidFill>
+            <a:tailEnd type="triangle"/>
+          </a:ln>
+        </p:spPr>
+        <p:style>
+          <a:lnRef idx="1">
+            <a:schemeClr val="accent1"/>
+          </a:lnRef>
+          <a:fillRef idx="0">
+            <a:schemeClr val="accent1"/>
+          </a:fillRef>
+          <a:effectRef idx="0">
+            <a:schemeClr val="accent1"/>
+          </a:effectRef>
+          <a:fontRef idx="minor">
+            <a:schemeClr val="tx1"/>
+          </a:fontRef>
+        </p:style>
+      </p:cxnSp>
+      <p:cxnSp>
+        <p:nvCxnSpPr>
+          <p:cNvPr id="76" name="直接箭头连接符 75">
+            <a:extLst>
+              <a:ext uri="{FF2B5EF4-FFF2-40B4-BE49-F238E27FC236}">
+                <a16:creationId xmlns:a16="http://schemas.microsoft.com/office/drawing/2014/main" id="{B34B7A79-45A9-4A39-906F-BEA653497759}"/>
+              </a:ext>
+            </a:extLst>
+          </p:cNvPr>
+          <p:cNvCxnSpPr>
+            <a:stCxn id="271" idx="2"/>
+            <a:endCxn id="274" idx="0"/>
+          </p:cNvCxnSpPr>
+          <p:nvPr/>
+        </p:nvCxnSpPr>
+        <p:spPr>
+          <a:xfrm>
+            <a:off x="13050875" y="19935727"/>
+            <a:ext cx="2721632" cy="773320"/>
+          </a:xfrm>
+          <a:prstGeom prst="straightConnector1">
+            <a:avLst/>
+          </a:prstGeom>
+          <a:ln w="9525">
+            <a:solidFill>
+              <a:schemeClr val="tx1"/>
+            </a:solidFill>
+            <a:tailEnd type="triangle"/>
+          </a:ln>
+        </p:spPr>
+        <p:style>
+          <a:lnRef idx="1">
+            <a:schemeClr val="accent1"/>
+          </a:lnRef>
+          <a:fillRef idx="0">
+            <a:schemeClr val="accent1"/>
+          </a:fillRef>
+          <a:effectRef idx="0">
+            <a:schemeClr val="accent1"/>
+          </a:effectRef>
+          <a:fontRef idx="minor">
+            <a:schemeClr val="tx1"/>
+          </a:fontRef>
+        </p:style>
+      </p:cxnSp>
+      <p:cxnSp>
+        <p:nvCxnSpPr>
+          <p:cNvPr id="287" name="直接箭头连接符 286">
+            <a:extLst>
+              <a:ext uri="{FF2B5EF4-FFF2-40B4-BE49-F238E27FC236}">
+                <a16:creationId xmlns:a16="http://schemas.microsoft.com/office/drawing/2014/main" id="{02335190-3AA5-48DD-BF91-466C25C90FCA}"/>
+              </a:ext>
+            </a:extLst>
+          </p:cNvPr>
+          <p:cNvCxnSpPr>
+            <a:stCxn id="282" idx="2"/>
+            <a:endCxn id="281" idx="0"/>
+          </p:cNvCxnSpPr>
+          <p:nvPr/>
+        </p:nvCxnSpPr>
+        <p:spPr>
+          <a:xfrm>
+            <a:off x="13050874" y="23956583"/>
+            <a:ext cx="805804" cy="773320"/>
+          </a:xfrm>
+          <a:prstGeom prst="straightConnector1">
+            <a:avLst/>
+          </a:prstGeom>
+          <a:ln w="9525">
+            <a:solidFill>
+              <a:schemeClr val="tx1"/>
+            </a:solidFill>
+            <a:tailEnd type="triangle"/>
+          </a:ln>
+        </p:spPr>
+        <p:style>
+          <a:lnRef idx="1">
+            <a:schemeClr val="accent1"/>
+          </a:lnRef>
+          <a:fillRef idx="0">
+            <a:schemeClr val="accent1"/>
+          </a:fillRef>
+          <a:effectRef idx="0">
+            <a:schemeClr val="accent1"/>
+          </a:effectRef>
+          <a:fontRef idx="minor">
+            <a:schemeClr val="tx1"/>
+          </a:fontRef>
+        </p:style>
+      </p:cxnSp>
     </p:spTree>
     <p:extLst>
       <p:ext uri="{BB962C8B-B14F-4D97-AF65-F5344CB8AC3E}">

--- a/Netty/Netty Figure.pptx
+++ b/Netty/Netty Figure.pptx
@@ -257,7 +257,7 @@
           <a:p>
             <a:fld id="{306988AD-E42F-40A6-975D-BE59CDAEF2B7}" type="datetimeFigureOut">
               <a:rPr lang="zh-CN" altLang="en-US" smtClean="0"/>
-              <a:t>2022/11/21</a:t>
+              <a:t>2022/11/22</a:t>
             </a:fld>
             <a:endParaRPr lang="zh-CN" altLang="en-US"/>
           </a:p>
@@ -427,7 +427,7 @@
           <a:p>
             <a:fld id="{306988AD-E42F-40A6-975D-BE59CDAEF2B7}" type="datetimeFigureOut">
               <a:rPr lang="zh-CN" altLang="en-US" smtClean="0"/>
-              <a:t>2022/11/21</a:t>
+              <a:t>2022/11/22</a:t>
             </a:fld>
             <a:endParaRPr lang="zh-CN" altLang="en-US"/>
           </a:p>
@@ -607,7 +607,7 @@
           <a:p>
             <a:fld id="{306988AD-E42F-40A6-975D-BE59CDAEF2B7}" type="datetimeFigureOut">
               <a:rPr lang="zh-CN" altLang="en-US" smtClean="0"/>
-              <a:t>2022/11/21</a:t>
+              <a:t>2022/11/22</a:t>
             </a:fld>
             <a:endParaRPr lang="zh-CN" altLang="en-US"/>
           </a:p>
@@ -777,7 +777,7 @@
           <a:p>
             <a:fld id="{306988AD-E42F-40A6-975D-BE59CDAEF2B7}" type="datetimeFigureOut">
               <a:rPr lang="zh-CN" altLang="en-US" smtClean="0"/>
-              <a:t>2022/11/21</a:t>
+              <a:t>2022/11/22</a:t>
             </a:fld>
             <a:endParaRPr lang="zh-CN" altLang="en-US"/>
           </a:p>
@@ -1021,7 +1021,7 @@
           <a:p>
             <a:fld id="{306988AD-E42F-40A6-975D-BE59CDAEF2B7}" type="datetimeFigureOut">
               <a:rPr lang="zh-CN" altLang="en-US" smtClean="0"/>
-              <a:t>2022/11/21</a:t>
+              <a:t>2022/11/22</a:t>
             </a:fld>
             <a:endParaRPr lang="zh-CN" altLang="en-US"/>
           </a:p>
@@ -1253,7 +1253,7 @@
           <a:p>
             <a:fld id="{306988AD-E42F-40A6-975D-BE59CDAEF2B7}" type="datetimeFigureOut">
               <a:rPr lang="zh-CN" altLang="en-US" smtClean="0"/>
-              <a:t>2022/11/21</a:t>
+              <a:t>2022/11/22</a:t>
             </a:fld>
             <a:endParaRPr lang="zh-CN" altLang="en-US"/>
           </a:p>
@@ -1620,7 +1620,7 @@
           <a:p>
             <a:fld id="{306988AD-E42F-40A6-975D-BE59CDAEF2B7}" type="datetimeFigureOut">
               <a:rPr lang="zh-CN" altLang="en-US" smtClean="0"/>
-              <a:t>2022/11/21</a:t>
+              <a:t>2022/11/22</a:t>
             </a:fld>
             <a:endParaRPr lang="zh-CN" altLang="en-US"/>
           </a:p>
@@ -1738,7 +1738,7 @@
           <a:p>
             <a:fld id="{306988AD-E42F-40A6-975D-BE59CDAEF2B7}" type="datetimeFigureOut">
               <a:rPr lang="zh-CN" altLang="en-US" smtClean="0"/>
-              <a:t>2022/11/21</a:t>
+              <a:t>2022/11/22</a:t>
             </a:fld>
             <a:endParaRPr lang="zh-CN" altLang="en-US"/>
           </a:p>
@@ -1833,7 +1833,7 @@
           <a:p>
             <a:fld id="{306988AD-E42F-40A6-975D-BE59CDAEF2B7}" type="datetimeFigureOut">
               <a:rPr lang="zh-CN" altLang="en-US" smtClean="0"/>
-              <a:t>2022/11/21</a:t>
+              <a:t>2022/11/22</a:t>
             </a:fld>
             <a:endParaRPr lang="zh-CN" altLang="en-US"/>
           </a:p>
@@ -2110,7 +2110,7 @@
           <a:p>
             <a:fld id="{306988AD-E42F-40A6-975D-BE59CDAEF2B7}" type="datetimeFigureOut">
               <a:rPr lang="zh-CN" altLang="en-US" smtClean="0"/>
-              <a:t>2022/11/21</a:t>
+              <a:t>2022/11/22</a:t>
             </a:fld>
             <a:endParaRPr lang="zh-CN" altLang="en-US"/>
           </a:p>
@@ -2367,7 +2367,7 @@
           <a:p>
             <a:fld id="{306988AD-E42F-40A6-975D-BE59CDAEF2B7}" type="datetimeFigureOut">
               <a:rPr lang="zh-CN" altLang="en-US" smtClean="0"/>
-              <a:t>2022/11/21</a:t>
+              <a:t>2022/11/22</a:t>
             </a:fld>
             <a:endParaRPr lang="zh-CN" altLang="en-US"/>
           </a:p>
@@ -2580,7 +2580,7 @@
           <a:p>
             <a:fld id="{306988AD-E42F-40A6-975D-BE59CDAEF2B7}" type="datetimeFigureOut">
               <a:rPr lang="zh-CN" altLang="en-US" smtClean="0"/>
-              <a:t>2022/11/21</a:t>
+              <a:t>2022/11/22</a:t>
             </a:fld>
             <a:endParaRPr lang="zh-CN" altLang="en-US"/>
           </a:p>
@@ -33541,270 +33541,136 @@
           <a:chExt cx="0" cy="0"/>
         </a:xfrm>
       </p:grpSpPr>
-      <p:cxnSp>
-        <p:nvCxnSpPr>
-          <p:cNvPr id="54" name="直接连接符 53">
+      <p:sp>
+        <p:nvSpPr>
+          <p:cNvPr id="293" name="矩形 292">
             <a:extLst>
               <a:ext uri="{FF2B5EF4-FFF2-40B4-BE49-F238E27FC236}">
-                <a16:creationId xmlns:a16="http://schemas.microsoft.com/office/drawing/2014/main" id="{1246F679-77FA-447E-B750-6727BC9AC14A}"/>
+                <a16:creationId xmlns:a16="http://schemas.microsoft.com/office/drawing/2014/main" id="{77EA51E0-7472-4167-B12A-E5FD0327FEB1}"/>
               </a:ext>
             </a:extLst>
           </p:cNvPr>
-          <p:cNvCxnSpPr>
-            <a:stCxn id="271" idx="3"/>
-            <a:endCxn id="273" idx="3"/>
-          </p:cNvCxnSpPr>
+          <p:cNvSpPr/>
           <p:nvPr/>
-        </p:nvCxnSpPr>
+        </p:nvSpPr>
         <p:spPr>
           <a:xfrm>
-            <a:off x="14458304" y="19674470"/>
-            <a:ext cx="342" cy="2591411"/>
+            <a:off x="18059961" y="20083777"/>
+            <a:ext cx="7136235" cy="3597789"/>
           </a:xfrm>
-          <a:prstGeom prst="line">
+          <a:prstGeom prst="rect">
             <a:avLst/>
           </a:prstGeom>
-          <a:ln w="15875">
+          <a:solidFill>
+            <a:srgbClr val="C5E0B4"/>
+          </a:solidFill>
+          <a:ln>
             <a:solidFill>
-              <a:schemeClr val="tx1"/>
+              <a:srgbClr val="93C573"/>
             </a:solidFill>
-            <a:prstDash val="dash"/>
           </a:ln>
+          <a:effectLst>
+            <a:outerShdw blurRad="50800" dist="38100" dir="2700000" algn="tl" rotWithShape="0">
+              <a:prstClr val="black">
+                <a:alpha val="40000"/>
+              </a:prstClr>
+            </a:outerShdw>
+          </a:effectLst>
         </p:spPr>
         <p:style>
-          <a:lnRef idx="1">
-            <a:schemeClr val="accent1"/>
+          <a:lnRef idx="2">
+            <a:schemeClr val="accent1">
+              <a:shade val="50000"/>
+            </a:schemeClr>
           </a:lnRef>
-          <a:fillRef idx="0">
+          <a:fillRef idx="1">
             <a:schemeClr val="accent1"/>
           </a:fillRef>
           <a:effectRef idx="0">
             <a:schemeClr val="accent1"/>
           </a:effectRef>
           <a:fontRef idx="minor">
-            <a:schemeClr val="tx1"/>
+            <a:schemeClr val="lt1"/>
           </a:fontRef>
         </p:style>
-      </p:cxnSp>
-      <p:cxnSp>
-        <p:nvCxnSpPr>
-          <p:cNvPr id="50" name="直接连接符 49">
+        <p:txBody>
+          <a:bodyPr rtlCol="0" anchor="ctr"/>
+          <a:lstStyle/>
+          <a:p>
+            <a:pPr algn="ctr"/>
+            <a:endParaRPr lang="zh-CN" altLang="en-US" sz="2000" dirty="0">
+              <a:solidFill>
+                <a:schemeClr val="tx1"/>
+              </a:solidFill>
+            </a:endParaRPr>
+          </a:p>
+        </p:txBody>
+      </p:sp>
+      <p:sp>
+        <p:nvSpPr>
+          <p:cNvPr id="285" name="矩形 284">
             <a:extLst>
               <a:ext uri="{FF2B5EF4-FFF2-40B4-BE49-F238E27FC236}">
-                <a16:creationId xmlns:a16="http://schemas.microsoft.com/office/drawing/2014/main" id="{FDCF1A73-F4DD-4815-A932-8B1189C91863}"/>
+                <a16:creationId xmlns:a16="http://schemas.microsoft.com/office/drawing/2014/main" id="{7B32A547-311D-484F-B550-3BB712EF532B}"/>
               </a:ext>
             </a:extLst>
           </p:cNvPr>
-          <p:cNvCxnSpPr>
-            <a:stCxn id="271" idx="1"/>
-            <a:endCxn id="273" idx="1"/>
-          </p:cNvCxnSpPr>
+          <p:cNvSpPr/>
           <p:nvPr/>
-        </p:nvCxnSpPr>
+        </p:nvSpPr>
         <p:spPr>
           <a:xfrm>
-            <a:off x="11643446" y="19674470"/>
-            <a:ext cx="0" cy="2591411"/>
+            <a:off x="18317033" y="21484305"/>
+            <a:ext cx="6616645" cy="1958938"/>
           </a:xfrm>
-          <a:prstGeom prst="line">
+          <a:prstGeom prst="rect">
             <a:avLst/>
           </a:prstGeom>
-          <a:ln w="15875">
+          <a:solidFill>
+            <a:srgbClr val="FFF3CD"/>
+          </a:solidFill>
+          <a:ln>
             <a:solidFill>
-              <a:schemeClr val="tx1"/>
+              <a:srgbClr val="FFDD71"/>
             </a:solidFill>
-            <a:prstDash val="dash"/>
           </a:ln>
+          <a:effectLst>
+            <a:outerShdw blurRad="50800" dist="38100" dir="2700000" algn="tl" rotWithShape="0">
+              <a:prstClr val="black">
+                <a:alpha val="40000"/>
+              </a:prstClr>
+            </a:outerShdw>
+          </a:effectLst>
         </p:spPr>
         <p:style>
-          <a:lnRef idx="1">
-            <a:schemeClr val="accent1"/>
+          <a:lnRef idx="2">
+            <a:schemeClr val="accent2">
+              <a:shade val="50000"/>
+            </a:schemeClr>
           </a:lnRef>
-          <a:fillRef idx="0">
-            <a:schemeClr val="accent1"/>
+          <a:fillRef idx="1">
+            <a:schemeClr val="accent2"/>
           </a:fillRef>
           <a:effectRef idx="0">
-            <a:schemeClr val="accent1"/>
+            <a:schemeClr val="accent2"/>
           </a:effectRef>
           <a:fontRef idx="minor">
-            <a:schemeClr val="tx1"/>
+            <a:schemeClr val="lt1"/>
           </a:fontRef>
         </p:style>
-      </p:cxnSp>
-      <p:cxnSp>
-        <p:nvCxnSpPr>
-          <p:cNvPr id="65" name="直接连接符 64">
-            <a:extLst>
-              <a:ext uri="{FF2B5EF4-FFF2-40B4-BE49-F238E27FC236}">
-                <a16:creationId xmlns:a16="http://schemas.microsoft.com/office/drawing/2014/main" id="{DDB86409-86B0-4698-B366-86972B402213}"/>
-              </a:ext>
-            </a:extLst>
-          </p:cNvPr>
-          <p:cNvCxnSpPr>
-            <a:cxnSpLocks/>
-          </p:cNvCxnSpPr>
-          <p:nvPr/>
-        </p:nvCxnSpPr>
-        <p:spPr>
-          <a:xfrm flipH="1">
-            <a:off x="11643445" y="21231561"/>
-            <a:ext cx="805636" cy="773320"/>
-          </a:xfrm>
-          <a:prstGeom prst="line">
-            <a:avLst/>
-          </a:prstGeom>
-          <a:ln w="15875">
-            <a:solidFill>
-              <a:schemeClr val="tx1"/>
-            </a:solidFill>
-            <a:prstDash val="dash"/>
-          </a:ln>
-        </p:spPr>
-        <p:style>
-          <a:lnRef idx="1">
-            <a:schemeClr val="accent1"/>
-          </a:lnRef>
-          <a:fillRef idx="0">
-            <a:schemeClr val="accent1"/>
-          </a:fillRef>
-          <a:effectRef idx="0">
-            <a:schemeClr val="accent1"/>
-          </a:effectRef>
-          <a:fontRef idx="minor">
-            <a:schemeClr val="tx1"/>
-          </a:fontRef>
-        </p:style>
-      </p:cxnSp>
-      <p:cxnSp>
-        <p:nvCxnSpPr>
-          <p:cNvPr id="68" name="直接连接符 67">
-            <a:extLst>
-              <a:ext uri="{FF2B5EF4-FFF2-40B4-BE49-F238E27FC236}">
-                <a16:creationId xmlns:a16="http://schemas.microsoft.com/office/drawing/2014/main" id="{6372E897-490F-4D30-A68F-D7B45F89CD51}"/>
-              </a:ext>
-            </a:extLst>
-          </p:cNvPr>
-          <p:cNvCxnSpPr>
-            <a:endCxn id="273" idx="0"/>
-          </p:cNvCxnSpPr>
-          <p:nvPr/>
-        </p:nvCxnSpPr>
-        <p:spPr>
-          <a:xfrm flipH="1">
-            <a:off x="13051046" y="21231561"/>
-            <a:ext cx="869537" cy="773320"/>
-          </a:xfrm>
-          <a:prstGeom prst="line">
-            <a:avLst/>
-          </a:prstGeom>
-          <a:ln w="15875">
-            <a:solidFill>
-              <a:schemeClr val="tx1"/>
-            </a:solidFill>
-            <a:prstDash val="dash"/>
-          </a:ln>
-        </p:spPr>
-        <p:style>
-          <a:lnRef idx="1">
-            <a:schemeClr val="accent1"/>
-          </a:lnRef>
-          <a:fillRef idx="0">
-            <a:schemeClr val="accent1"/>
-          </a:fillRef>
-          <a:effectRef idx="0">
-            <a:schemeClr val="accent1"/>
-          </a:effectRef>
-          <a:fontRef idx="minor">
-            <a:schemeClr val="tx1"/>
-          </a:fontRef>
-        </p:style>
-      </p:cxnSp>
-      <p:cxnSp>
-        <p:nvCxnSpPr>
-          <p:cNvPr id="70" name="直接连接符 69">
-            <a:extLst>
-              <a:ext uri="{FF2B5EF4-FFF2-40B4-BE49-F238E27FC236}">
-                <a16:creationId xmlns:a16="http://schemas.microsoft.com/office/drawing/2014/main" id="{AB18E84F-B07B-4EBB-B7B1-4286DEDEA82D}"/>
-              </a:ext>
-            </a:extLst>
-          </p:cNvPr>
-          <p:cNvCxnSpPr>
-            <a:endCxn id="273" idx="0"/>
-          </p:cNvCxnSpPr>
-          <p:nvPr/>
-        </p:nvCxnSpPr>
-        <p:spPr>
-          <a:xfrm flipH="1">
-            <a:off x="13051046" y="21231561"/>
-            <a:ext cx="1985709" cy="773320"/>
-          </a:xfrm>
-          <a:prstGeom prst="line">
-            <a:avLst/>
-          </a:prstGeom>
-          <a:ln w="15875">
-            <a:solidFill>
-              <a:schemeClr val="tx1"/>
-            </a:solidFill>
-            <a:prstDash val="dash"/>
-          </a:ln>
-        </p:spPr>
-        <p:style>
-          <a:lnRef idx="1">
-            <a:schemeClr val="accent1"/>
-          </a:lnRef>
-          <a:fillRef idx="0">
-            <a:schemeClr val="accent1"/>
-          </a:fillRef>
-          <a:effectRef idx="0">
-            <a:schemeClr val="accent1"/>
-          </a:effectRef>
-          <a:fontRef idx="minor">
-            <a:schemeClr val="tx1"/>
-          </a:fontRef>
-        </p:style>
-      </p:cxnSp>
-      <p:cxnSp>
-        <p:nvCxnSpPr>
-          <p:cNvPr id="72" name="直接连接符 71">
-            <a:extLst>
-              <a:ext uri="{FF2B5EF4-FFF2-40B4-BE49-F238E27FC236}">
-                <a16:creationId xmlns:a16="http://schemas.microsoft.com/office/drawing/2014/main" id="{AFDCB125-325D-49AE-B7B7-D76DB3E1BBF0}"/>
-              </a:ext>
-            </a:extLst>
-          </p:cNvPr>
-          <p:cNvCxnSpPr/>
-          <p:nvPr/>
-        </p:nvCxnSpPr>
-        <p:spPr>
-          <a:xfrm flipH="1">
-            <a:off x="14458304" y="21231561"/>
-            <a:ext cx="2049954" cy="773320"/>
-          </a:xfrm>
-          <a:prstGeom prst="line">
-            <a:avLst/>
-          </a:prstGeom>
-          <a:ln w="15875">
-            <a:solidFill>
-              <a:schemeClr val="tx1"/>
-            </a:solidFill>
-            <a:prstDash val="dash"/>
-          </a:ln>
-        </p:spPr>
-        <p:style>
-          <a:lnRef idx="1">
-            <a:schemeClr val="accent1"/>
-          </a:lnRef>
-          <a:fillRef idx="0">
-            <a:schemeClr val="accent1"/>
-          </a:fillRef>
-          <a:effectRef idx="0">
-            <a:schemeClr val="accent1"/>
-          </a:effectRef>
-          <a:fontRef idx="minor">
-            <a:schemeClr val="tx1"/>
-          </a:fontRef>
-        </p:style>
-      </p:cxnSp>
+        <p:txBody>
+          <a:bodyPr rtlCol="0" anchor="ctr"/>
+          <a:lstStyle/>
+          <a:p>
+            <a:pPr algn="ctr"/>
+            <a:endParaRPr lang="zh-CN" altLang="en-US" dirty="0">
+              <a:solidFill>
+                <a:schemeClr val="tx1"/>
+              </a:solidFill>
+            </a:endParaRPr>
+          </a:p>
+        </p:txBody>
+      </p:sp>
       <p:sp>
         <p:nvSpPr>
           <p:cNvPr id="2" name="文本框 1">
@@ -46477,12 +46343,1138 @@
           </a:p>
         </p:txBody>
       </p:sp>
+      <p:grpSp>
+        <p:nvGrpSpPr>
+          <p:cNvPr id="27" name="组合 26">
+            <a:extLst>
+              <a:ext uri="{FF2B5EF4-FFF2-40B4-BE49-F238E27FC236}">
+                <a16:creationId xmlns:a16="http://schemas.microsoft.com/office/drawing/2014/main" id="{D02D51FF-5FFF-47BA-8CFF-5194057F7EF3}"/>
+              </a:ext>
+            </a:extLst>
+          </p:cNvPr>
+          <p:cNvGrpSpPr/>
+          <p:nvPr/>
+        </p:nvGrpSpPr>
+        <p:grpSpPr>
+          <a:xfrm>
+            <a:off x="11643445" y="19413213"/>
+            <a:ext cx="4864813" cy="3113668"/>
+            <a:chOff x="11643445" y="19413213"/>
+            <a:chExt cx="4864813" cy="3113668"/>
+          </a:xfrm>
+        </p:grpSpPr>
+        <p:cxnSp>
+          <p:nvCxnSpPr>
+            <p:cNvPr id="54" name="直接连接符 53">
+              <a:extLst>
+                <a:ext uri="{FF2B5EF4-FFF2-40B4-BE49-F238E27FC236}">
+                  <a16:creationId xmlns:a16="http://schemas.microsoft.com/office/drawing/2014/main" id="{1246F679-77FA-447E-B750-6727BC9AC14A}"/>
+                </a:ext>
+              </a:extLst>
+            </p:cNvPr>
+            <p:cNvCxnSpPr>
+              <a:stCxn id="271" idx="3"/>
+              <a:endCxn id="273" idx="3"/>
+            </p:cNvCxnSpPr>
+            <p:nvPr/>
+          </p:nvCxnSpPr>
+          <p:spPr>
+            <a:xfrm>
+              <a:off x="14458304" y="19674470"/>
+              <a:ext cx="342" cy="2591411"/>
+            </a:xfrm>
+            <a:prstGeom prst="line">
+              <a:avLst/>
+            </a:prstGeom>
+            <a:ln w="15875">
+              <a:solidFill>
+                <a:schemeClr val="tx1"/>
+              </a:solidFill>
+              <a:prstDash val="dash"/>
+            </a:ln>
+          </p:spPr>
+          <p:style>
+            <a:lnRef idx="1">
+              <a:schemeClr val="accent1"/>
+            </a:lnRef>
+            <a:fillRef idx="0">
+              <a:schemeClr val="accent1"/>
+            </a:fillRef>
+            <a:effectRef idx="0">
+              <a:schemeClr val="accent1"/>
+            </a:effectRef>
+            <a:fontRef idx="minor">
+              <a:schemeClr val="tx1"/>
+            </a:fontRef>
+          </p:style>
+        </p:cxnSp>
+        <p:cxnSp>
+          <p:nvCxnSpPr>
+            <p:cNvPr id="50" name="直接连接符 49">
+              <a:extLst>
+                <a:ext uri="{FF2B5EF4-FFF2-40B4-BE49-F238E27FC236}">
+                  <a16:creationId xmlns:a16="http://schemas.microsoft.com/office/drawing/2014/main" id="{FDCF1A73-F4DD-4815-A932-8B1189C91863}"/>
+                </a:ext>
+              </a:extLst>
+            </p:cNvPr>
+            <p:cNvCxnSpPr>
+              <a:stCxn id="271" idx="1"/>
+              <a:endCxn id="273" idx="1"/>
+            </p:cNvCxnSpPr>
+            <p:nvPr/>
+          </p:nvCxnSpPr>
+          <p:spPr>
+            <a:xfrm>
+              <a:off x="11643446" y="19674470"/>
+              <a:ext cx="0" cy="2591411"/>
+            </a:xfrm>
+            <a:prstGeom prst="line">
+              <a:avLst/>
+            </a:prstGeom>
+            <a:ln w="15875">
+              <a:solidFill>
+                <a:schemeClr val="tx1"/>
+              </a:solidFill>
+              <a:prstDash val="dash"/>
+            </a:ln>
+          </p:spPr>
+          <p:style>
+            <a:lnRef idx="1">
+              <a:schemeClr val="accent1"/>
+            </a:lnRef>
+            <a:fillRef idx="0">
+              <a:schemeClr val="accent1"/>
+            </a:fillRef>
+            <a:effectRef idx="0">
+              <a:schemeClr val="accent1"/>
+            </a:effectRef>
+            <a:fontRef idx="minor">
+              <a:schemeClr val="tx1"/>
+            </a:fontRef>
+          </p:style>
+        </p:cxnSp>
+        <p:cxnSp>
+          <p:nvCxnSpPr>
+            <p:cNvPr id="65" name="直接连接符 64">
+              <a:extLst>
+                <a:ext uri="{FF2B5EF4-FFF2-40B4-BE49-F238E27FC236}">
+                  <a16:creationId xmlns:a16="http://schemas.microsoft.com/office/drawing/2014/main" id="{DDB86409-86B0-4698-B366-86972B402213}"/>
+                </a:ext>
+              </a:extLst>
+            </p:cNvPr>
+            <p:cNvCxnSpPr>
+              <a:cxnSpLocks/>
+            </p:cNvCxnSpPr>
+            <p:nvPr/>
+          </p:nvCxnSpPr>
+          <p:spPr>
+            <a:xfrm flipH="1">
+              <a:off x="11643445" y="21231561"/>
+              <a:ext cx="805636" cy="773320"/>
+            </a:xfrm>
+            <a:prstGeom prst="line">
+              <a:avLst/>
+            </a:prstGeom>
+            <a:ln w="15875">
+              <a:solidFill>
+                <a:schemeClr val="tx1"/>
+              </a:solidFill>
+              <a:prstDash val="dash"/>
+            </a:ln>
+          </p:spPr>
+          <p:style>
+            <a:lnRef idx="1">
+              <a:schemeClr val="accent1"/>
+            </a:lnRef>
+            <a:fillRef idx="0">
+              <a:schemeClr val="accent1"/>
+            </a:fillRef>
+            <a:effectRef idx="0">
+              <a:schemeClr val="accent1"/>
+            </a:effectRef>
+            <a:fontRef idx="minor">
+              <a:schemeClr val="tx1"/>
+            </a:fontRef>
+          </p:style>
+        </p:cxnSp>
+        <p:cxnSp>
+          <p:nvCxnSpPr>
+            <p:cNvPr id="68" name="直接连接符 67">
+              <a:extLst>
+                <a:ext uri="{FF2B5EF4-FFF2-40B4-BE49-F238E27FC236}">
+                  <a16:creationId xmlns:a16="http://schemas.microsoft.com/office/drawing/2014/main" id="{6372E897-490F-4D30-A68F-D7B45F89CD51}"/>
+                </a:ext>
+              </a:extLst>
+            </p:cNvPr>
+            <p:cNvCxnSpPr>
+              <a:endCxn id="273" idx="0"/>
+            </p:cNvCxnSpPr>
+            <p:nvPr/>
+          </p:nvCxnSpPr>
+          <p:spPr>
+            <a:xfrm flipH="1">
+              <a:off x="13051046" y="21231561"/>
+              <a:ext cx="869537" cy="773320"/>
+            </a:xfrm>
+            <a:prstGeom prst="line">
+              <a:avLst/>
+            </a:prstGeom>
+            <a:ln w="15875">
+              <a:solidFill>
+                <a:schemeClr val="tx1"/>
+              </a:solidFill>
+              <a:prstDash val="dash"/>
+            </a:ln>
+          </p:spPr>
+          <p:style>
+            <a:lnRef idx="1">
+              <a:schemeClr val="accent1"/>
+            </a:lnRef>
+            <a:fillRef idx="0">
+              <a:schemeClr val="accent1"/>
+            </a:fillRef>
+            <a:effectRef idx="0">
+              <a:schemeClr val="accent1"/>
+            </a:effectRef>
+            <a:fontRef idx="minor">
+              <a:schemeClr val="tx1"/>
+            </a:fontRef>
+          </p:style>
+        </p:cxnSp>
+        <p:cxnSp>
+          <p:nvCxnSpPr>
+            <p:cNvPr id="70" name="直接连接符 69">
+              <a:extLst>
+                <a:ext uri="{FF2B5EF4-FFF2-40B4-BE49-F238E27FC236}">
+                  <a16:creationId xmlns:a16="http://schemas.microsoft.com/office/drawing/2014/main" id="{AB18E84F-B07B-4EBB-B7B1-4286DEDEA82D}"/>
+                </a:ext>
+              </a:extLst>
+            </p:cNvPr>
+            <p:cNvCxnSpPr>
+              <a:endCxn id="273" idx="0"/>
+            </p:cNvCxnSpPr>
+            <p:nvPr/>
+          </p:nvCxnSpPr>
+          <p:spPr>
+            <a:xfrm flipH="1">
+              <a:off x="13051046" y="21231561"/>
+              <a:ext cx="1985709" cy="773320"/>
+            </a:xfrm>
+            <a:prstGeom prst="line">
+              <a:avLst/>
+            </a:prstGeom>
+            <a:ln w="15875">
+              <a:solidFill>
+                <a:schemeClr val="tx1"/>
+              </a:solidFill>
+              <a:prstDash val="dash"/>
+            </a:ln>
+          </p:spPr>
+          <p:style>
+            <a:lnRef idx="1">
+              <a:schemeClr val="accent1"/>
+            </a:lnRef>
+            <a:fillRef idx="0">
+              <a:schemeClr val="accent1"/>
+            </a:fillRef>
+            <a:effectRef idx="0">
+              <a:schemeClr val="accent1"/>
+            </a:effectRef>
+            <a:fontRef idx="minor">
+              <a:schemeClr val="tx1"/>
+            </a:fontRef>
+          </p:style>
+        </p:cxnSp>
+        <p:cxnSp>
+          <p:nvCxnSpPr>
+            <p:cNvPr id="72" name="直接连接符 71">
+              <a:extLst>
+                <a:ext uri="{FF2B5EF4-FFF2-40B4-BE49-F238E27FC236}">
+                  <a16:creationId xmlns:a16="http://schemas.microsoft.com/office/drawing/2014/main" id="{AFDCB125-325D-49AE-B7B7-D76DB3E1BBF0}"/>
+                </a:ext>
+              </a:extLst>
+            </p:cNvPr>
+            <p:cNvCxnSpPr/>
+            <p:nvPr/>
+          </p:nvCxnSpPr>
+          <p:spPr>
+            <a:xfrm flipH="1">
+              <a:off x="14458304" y="21231561"/>
+              <a:ext cx="2049954" cy="773320"/>
+            </a:xfrm>
+            <a:prstGeom prst="line">
+              <a:avLst/>
+            </a:prstGeom>
+            <a:ln w="15875">
+              <a:solidFill>
+                <a:schemeClr val="tx1"/>
+              </a:solidFill>
+              <a:prstDash val="dash"/>
+            </a:ln>
+          </p:spPr>
+          <p:style>
+            <a:lnRef idx="1">
+              <a:schemeClr val="accent1"/>
+            </a:lnRef>
+            <a:fillRef idx="0">
+              <a:schemeClr val="accent1"/>
+            </a:fillRef>
+            <a:effectRef idx="0">
+              <a:schemeClr val="accent1"/>
+            </a:effectRef>
+            <a:fontRef idx="minor">
+              <a:schemeClr val="tx1"/>
+            </a:fontRef>
+          </p:style>
+        </p:cxnSp>
+        <p:sp>
+          <p:nvSpPr>
+            <p:cNvPr id="270" name="矩形 269">
+              <a:extLst>
+                <a:ext uri="{FF2B5EF4-FFF2-40B4-BE49-F238E27FC236}">
+                  <a16:creationId xmlns:a16="http://schemas.microsoft.com/office/drawing/2014/main" id="{8D5D4524-5AEF-4E48-9DF9-083A1AAE14E3}"/>
+                </a:ext>
+              </a:extLst>
+            </p:cNvPr>
+            <p:cNvSpPr/>
+            <p:nvPr/>
+          </p:nvSpPr>
+          <p:spPr>
+            <a:xfrm>
+              <a:off x="12449080" y="20709047"/>
+              <a:ext cx="1471503" cy="522514"/>
+            </a:xfrm>
+            <a:prstGeom prst="rect">
+              <a:avLst/>
+            </a:prstGeom>
+            <a:solidFill>
+              <a:srgbClr val="99CCFF"/>
+            </a:solidFill>
+            <a:ln>
+              <a:solidFill>
+                <a:srgbClr val="0D86FF"/>
+              </a:solidFill>
+            </a:ln>
+            <a:effectLst>
+              <a:outerShdw blurRad="50800" dist="38100" dir="2700000" algn="tl" rotWithShape="0">
+                <a:prstClr val="black">
+                  <a:alpha val="40000"/>
+                </a:prstClr>
+              </a:outerShdw>
+            </a:effectLst>
+          </p:spPr>
+          <p:style>
+            <a:lnRef idx="2">
+              <a:schemeClr val="accent1">
+                <a:shade val="50000"/>
+              </a:schemeClr>
+            </a:lnRef>
+            <a:fillRef idx="1">
+              <a:schemeClr val="accent1"/>
+            </a:fillRef>
+            <a:effectRef idx="0">
+              <a:schemeClr val="accent1"/>
+            </a:effectRef>
+            <a:fontRef idx="minor">
+              <a:schemeClr val="lt1"/>
+            </a:fontRef>
+          </p:style>
+          <p:txBody>
+            <a:bodyPr rtlCol="0" anchor="ctr"/>
+            <a:lstStyle/>
+            <a:p>
+              <a:pPr algn="ctr"/>
+              <a:r>
+                <a:rPr lang="en-US" altLang="zh-CN" dirty="0">
+                  <a:solidFill>
+                    <a:schemeClr val="tx1"/>
+                  </a:solidFill>
+                </a:rPr>
+                <a:t>Slice 1</a:t>
+              </a:r>
+              <a:endParaRPr lang="zh-CN" altLang="en-US" dirty="0">
+                <a:solidFill>
+                  <a:schemeClr val="tx1"/>
+                </a:solidFill>
+              </a:endParaRPr>
+            </a:p>
+          </p:txBody>
+        </p:sp>
+        <p:sp>
+          <p:nvSpPr>
+            <p:cNvPr id="271" name="矩形 270">
+              <a:extLst>
+                <a:ext uri="{FF2B5EF4-FFF2-40B4-BE49-F238E27FC236}">
+                  <a16:creationId xmlns:a16="http://schemas.microsoft.com/office/drawing/2014/main" id="{775F0FC4-A421-4124-8E8F-985D833BAD27}"/>
+                </a:ext>
+              </a:extLst>
+            </p:cNvPr>
+            <p:cNvSpPr/>
+            <p:nvPr/>
+          </p:nvSpPr>
+          <p:spPr>
+            <a:xfrm>
+              <a:off x="11643446" y="19413213"/>
+              <a:ext cx="2814858" cy="522514"/>
+            </a:xfrm>
+            <a:prstGeom prst="rect">
+              <a:avLst/>
+            </a:prstGeom>
+            <a:solidFill>
+              <a:srgbClr val="FF8989"/>
+            </a:solidFill>
+            <a:effectLst>
+              <a:outerShdw blurRad="50800" dist="38100" dir="2700000" algn="tl" rotWithShape="0">
+                <a:prstClr val="black">
+                  <a:alpha val="40000"/>
+                </a:prstClr>
+              </a:outerShdw>
+            </a:effectLst>
+          </p:spPr>
+          <p:style>
+            <a:lnRef idx="2">
+              <a:schemeClr val="accent2">
+                <a:shade val="50000"/>
+              </a:schemeClr>
+            </a:lnRef>
+            <a:fillRef idx="1">
+              <a:schemeClr val="accent2"/>
+            </a:fillRef>
+            <a:effectRef idx="0">
+              <a:schemeClr val="accent2"/>
+            </a:effectRef>
+            <a:fontRef idx="minor">
+              <a:schemeClr val="lt1"/>
+            </a:fontRef>
+          </p:style>
+          <p:txBody>
+            <a:bodyPr rtlCol="0" anchor="ctr"/>
+            <a:lstStyle/>
+            <a:p>
+              <a:pPr algn="ctr"/>
+              <a:r>
+                <a:rPr lang="zh-CN" altLang="en-US" dirty="0">
+                  <a:solidFill>
+                    <a:schemeClr val="tx1"/>
+                  </a:solidFill>
+                </a:rPr>
+                <a:t>原始</a:t>
+              </a:r>
+              <a:r>
+                <a:rPr lang="en-US" altLang="zh-CN" dirty="0">
+                  <a:solidFill>
+                    <a:schemeClr val="tx1"/>
+                  </a:solidFill>
+                </a:rPr>
+                <a:t>ByteBuf</a:t>
+              </a:r>
+              <a:endParaRPr lang="zh-CN" altLang="en-US" dirty="0">
+                <a:solidFill>
+                  <a:schemeClr val="tx1"/>
+                </a:solidFill>
+              </a:endParaRPr>
+            </a:p>
+          </p:txBody>
+        </p:sp>
+        <p:sp>
+          <p:nvSpPr>
+            <p:cNvPr id="273" name="矩形 272">
+              <a:extLst>
+                <a:ext uri="{FF2B5EF4-FFF2-40B4-BE49-F238E27FC236}">
+                  <a16:creationId xmlns:a16="http://schemas.microsoft.com/office/drawing/2014/main" id="{9F4B7750-22D1-42F4-81F5-E0AC71B6C7B4}"/>
+                </a:ext>
+              </a:extLst>
+            </p:cNvPr>
+            <p:cNvSpPr/>
+            <p:nvPr/>
+          </p:nvSpPr>
+          <p:spPr>
+            <a:xfrm>
+              <a:off x="11643446" y="22004881"/>
+              <a:ext cx="2815200" cy="522000"/>
+            </a:xfrm>
+            <a:prstGeom prst="rect">
+              <a:avLst/>
+            </a:prstGeom>
+            <a:solidFill>
+              <a:srgbClr val="C5E0B4"/>
+            </a:solidFill>
+            <a:ln>
+              <a:solidFill>
+                <a:srgbClr val="93C573"/>
+              </a:solidFill>
+            </a:ln>
+            <a:effectLst>
+              <a:outerShdw blurRad="50800" dist="38100" dir="2700000" algn="tl" rotWithShape="0">
+                <a:prstClr val="black">
+                  <a:alpha val="40000"/>
+                </a:prstClr>
+              </a:outerShdw>
+            </a:effectLst>
+          </p:spPr>
+          <p:style>
+            <a:lnRef idx="2">
+              <a:schemeClr val="accent1">
+                <a:shade val="50000"/>
+              </a:schemeClr>
+            </a:lnRef>
+            <a:fillRef idx="1">
+              <a:schemeClr val="accent1"/>
+            </a:fillRef>
+            <a:effectRef idx="0">
+              <a:schemeClr val="accent1"/>
+            </a:effectRef>
+            <a:fontRef idx="minor">
+              <a:schemeClr val="lt1"/>
+            </a:fontRef>
+          </p:style>
+          <p:txBody>
+            <a:bodyPr rtlCol="0" anchor="ctr"/>
+            <a:lstStyle/>
+            <a:p>
+              <a:pPr algn="ctr"/>
+              <a:r>
+                <a:rPr lang="zh-CN" altLang="en-US" dirty="0">
+                  <a:solidFill>
+                    <a:schemeClr val="tx1"/>
+                  </a:solidFill>
+                </a:rPr>
+                <a:t>物理内存</a:t>
+              </a:r>
+            </a:p>
+          </p:txBody>
+        </p:sp>
+        <p:sp>
+          <p:nvSpPr>
+            <p:cNvPr id="274" name="矩形 273">
+              <a:extLst>
+                <a:ext uri="{FF2B5EF4-FFF2-40B4-BE49-F238E27FC236}">
+                  <a16:creationId xmlns:a16="http://schemas.microsoft.com/office/drawing/2014/main" id="{3DC7E00A-FBFB-4AB1-80CA-37BD280C20B5}"/>
+                </a:ext>
+              </a:extLst>
+            </p:cNvPr>
+            <p:cNvSpPr/>
+            <p:nvPr/>
+          </p:nvSpPr>
+          <p:spPr>
+            <a:xfrm>
+              <a:off x="15036755" y="20709047"/>
+              <a:ext cx="1471503" cy="522514"/>
+            </a:xfrm>
+            <a:prstGeom prst="rect">
+              <a:avLst/>
+            </a:prstGeom>
+            <a:solidFill>
+              <a:srgbClr val="99CCFF"/>
+            </a:solidFill>
+            <a:ln>
+              <a:solidFill>
+                <a:srgbClr val="0D86FF"/>
+              </a:solidFill>
+            </a:ln>
+            <a:effectLst>
+              <a:outerShdw blurRad="50800" dist="38100" dir="2700000" algn="tl" rotWithShape="0">
+                <a:prstClr val="black">
+                  <a:alpha val="40000"/>
+                </a:prstClr>
+              </a:outerShdw>
+            </a:effectLst>
+          </p:spPr>
+          <p:style>
+            <a:lnRef idx="2">
+              <a:schemeClr val="accent1">
+                <a:shade val="50000"/>
+              </a:schemeClr>
+            </a:lnRef>
+            <a:fillRef idx="1">
+              <a:schemeClr val="accent1"/>
+            </a:fillRef>
+            <a:effectRef idx="0">
+              <a:schemeClr val="accent1"/>
+            </a:effectRef>
+            <a:fontRef idx="minor">
+              <a:schemeClr val="lt1"/>
+            </a:fontRef>
+          </p:style>
+          <p:txBody>
+            <a:bodyPr rtlCol="0" anchor="ctr"/>
+            <a:lstStyle/>
+            <a:p>
+              <a:pPr algn="ctr"/>
+              <a:r>
+                <a:rPr lang="en-US" altLang="zh-CN" dirty="0">
+                  <a:solidFill>
+                    <a:schemeClr val="tx1"/>
+                  </a:solidFill>
+                </a:rPr>
+                <a:t>Slice 2</a:t>
+              </a:r>
+              <a:endParaRPr lang="zh-CN" altLang="en-US" dirty="0">
+                <a:solidFill>
+                  <a:schemeClr val="tx1"/>
+                </a:solidFill>
+              </a:endParaRPr>
+            </a:p>
+          </p:txBody>
+        </p:sp>
+        <p:cxnSp>
+          <p:nvCxnSpPr>
+            <p:cNvPr id="74" name="直接箭头连接符 73">
+              <a:extLst>
+                <a:ext uri="{FF2B5EF4-FFF2-40B4-BE49-F238E27FC236}">
+                  <a16:creationId xmlns:a16="http://schemas.microsoft.com/office/drawing/2014/main" id="{87730B40-A256-423A-BB32-E0F0A73CF0AD}"/>
+                </a:ext>
+              </a:extLst>
+            </p:cNvPr>
+            <p:cNvCxnSpPr>
+              <a:stCxn id="271" idx="2"/>
+              <a:endCxn id="270" idx="0"/>
+            </p:cNvCxnSpPr>
+            <p:nvPr/>
+          </p:nvCxnSpPr>
+          <p:spPr>
+            <a:xfrm>
+              <a:off x="13050875" y="19935727"/>
+              <a:ext cx="133957" cy="773320"/>
+            </a:xfrm>
+            <a:prstGeom prst="straightConnector1">
+              <a:avLst/>
+            </a:prstGeom>
+            <a:ln w="9525">
+              <a:solidFill>
+                <a:schemeClr val="tx1"/>
+              </a:solidFill>
+              <a:tailEnd type="triangle"/>
+            </a:ln>
+          </p:spPr>
+          <p:style>
+            <a:lnRef idx="1">
+              <a:schemeClr val="accent1"/>
+            </a:lnRef>
+            <a:fillRef idx="0">
+              <a:schemeClr val="accent1"/>
+            </a:fillRef>
+            <a:effectRef idx="0">
+              <a:schemeClr val="accent1"/>
+            </a:effectRef>
+            <a:fontRef idx="minor">
+              <a:schemeClr val="tx1"/>
+            </a:fontRef>
+          </p:style>
+        </p:cxnSp>
+        <p:cxnSp>
+          <p:nvCxnSpPr>
+            <p:cNvPr id="76" name="直接箭头连接符 75">
+              <a:extLst>
+                <a:ext uri="{FF2B5EF4-FFF2-40B4-BE49-F238E27FC236}">
+                  <a16:creationId xmlns:a16="http://schemas.microsoft.com/office/drawing/2014/main" id="{B34B7A79-45A9-4A39-906F-BEA653497759}"/>
+                </a:ext>
+              </a:extLst>
+            </p:cNvPr>
+            <p:cNvCxnSpPr>
+              <a:stCxn id="271" idx="2"/>
+              <a:endCxn id="274" idx="0"/>
+            </p:cNvCxnSpPr>
+            <p:nvPr/>
+          </p:nvCxnSpPr>
+          <p:spPr>
+            <a:xfrm>
+              <a:off x="13050875" y="19935727"/>
+              <a:ext cx="2721632" cy="773320"/>
+            </a:xfrm>
+            <a:prstGeom prst="straightConnector1">
+              <a:avLst/>
+            </a:prstGeom>
+            <a:ln w="9525">
+              <a:solidFill>
+                <a:schemeClr val="tx1"/>
+              </a:solidFill>
+              <a:tailEnd type="triangle"/>
+            </a:ln>
+          </p:spPr>
+          <p:style>
+            <a:lnRef idx="1">
+              <a:schemeClr val="accent1"/>
+            </a:lnRef>
+            <a:fillRef idx="0">
+              <a:schemeClr val="accent1"/>
+            </a:fillRef>
+            <a:effectRef idx="0">
+              <a:schemeClr val="accent1"/>
+            </a:effectRef>
+            <a:fontRef idx="minor">
+              <a:schemeClr val="tx1"/>
+            </a:fontRef>
+          </p:style>
+        </p:cxnSp>
+      </p:grpSp>
+      <p:grpSp>
+        <p:nvGrpSpPr>
+          <p:cNvPr id="39" name="组合 38">
+            <a:extLst>
+              <a:ext uri="{FF2B5EF4-FFF2-40B4-BE49-F238E27FC236}">
+                <a16:creationId xmlns:a16="http://schemas.microsoft.com/office/drawing/2014/main" id="{AA0C10A2-9AAC-47CC-96C6-38D8C59F63CA}"/>
+              </a:ext>
+            </a:extLst>
+          </p:cNvPr>
+          <p:cNvGrpSpPr/>
+          <p:nvPr/>
+        </p:nvGrpSpPr>
+        <p:grpSpPr>
+          <a:xfrm>
+            <a:off x="11643444" y="23434069"/>
+            <a:ext cx="3620834" cy="3113668"/>
+            <a:chOff x="11643444" y="23434069"/>
+            <a:chExt cx="3620834" cy="3113668"/>
+          </a:xfrm>
+        </p:grpSpPr>
+        <p:cxnSp>
+          <p:nvCxnSpPr>
+            <p:cNvPr id="275" name="直接连接符 274">
+              <a:extLst>
+                <a:ext uri="{FF2B5EF4-FFF2-40B4-BE49-F238E27FC236}">
+                  <a16:creationId xmlns:a16="http://schemas.microsoft.com/office/drawing/2014/main" id="{EFC46A54-984E-4BFF-BF1E-96C1C6F4E1E0}"/>
+                </a:ext>
+              </a:extLst>
+            </p:cNvPr>
+            <p:cNvCxnSpPr>
+              <a:stCxn id="282" idx="3"/>
+              <a:endCxn id="283" idx="3"/>
+            </p:cNvCxnSpPr>
+            <p:nvPr/>
+          </p:nvCxnSpPr>
+          <p:spPr>
+            <a:xfrm>
+              <a:off x="14458303" y="23695326"/>
+              <a:ext cx="342" cy="2591411"/>
+            </a:xfrm>
+            <a:prstGeom prst="line">
+              <a:avLst/>
+            </a:prstGeom>
+            <a:ln w="15875">
+              <a:solidFill>
+                <a:schemeClr val="tx1"/>
+              </a:solidFill>
+              <a:prstDash val="dash"/>
+            </a:ln>
+          </p:spPr>
+          <p:style>
+            <a:lnRef idx="1">
+              <a:schemeClr val="accent1"/>
+            </a:lnRef>
+            <a:fillRef idx="0">
+              <a:schemeClr val="accent1"/>
+            </a:fillRef>
+            <a:effectRef idx="0">
+              <a:schemeClr val="accent1"/>
+            </a:effectRef>
+            <a:fontRef idx="minor">
+              <a:schemeClr val="tx1"/>
+            </a:fontRef>
+          </p:style>
+        </p:cxnSp>
+        <p:cxnSp>
+          <p:nvCxnSpPr>
+            <p:cNvPr id="276" name="直接连接符 275">
+              <a:extLst>
+                <a:ext uri="{FF2B5EF4-FFF2-40B4-BE49-F238E27FC236}">
+                  <a16:creationId xmlns:a16="http://schemas.microsoft.com/office/drawing/2014/main" id="{35B478FC-67B9-4725-940A-9A4332C5B8CC}"/>
+                </a:ext>
+              </a:extLst>
+            </p:cNvPr>
+            <p:cNvCxnSpPr>
+              <a:stCxn id="282" idx="1"/>
+              <a:endCxn id="283" idx="1"/>
+            </p:cNvCxnSpPr>
+            <p:nvPr/>
+          </p:nvCxnSpPr>
+          <p:spPr>
+            <a:xfrm>
+              <a:off x="11643445" y="23695326"/>
+              <a:ext cx="0" cy="2591411"/>
+            </a:xfrm>
+            <a:prstGeom prst="line">
+              <a:avLst/>
+            </a:prstGeom>
+            <a:ln w="15875">
+              <a:solidFill>
+                <a:schemeClr val="tx1"/>
+              </a:solidFill>
+              <a:prstDash val="dash"/>
+            </a:ln>
+          </p:spPr>
+          <p:style>
+            <a:lnRef idx="1">
+              <a:schemeClr val="accent1"/>
+            </a:lnRef>
+            <a:fillRef idx="0">
+              <a:schemeClr val="accent1"/>
+            </a:fillRef>
+            <a:effectRef idx="0">
+              <a:schemeClr val="accent1"/>
+            </a:effectRef>
+            <a:fontRef idx="minor">
+              <a:schemeClr val="tx1"/>
+            </a:fontRef>
+          </p:style>
+        </p:cxnSp>
+        <p:cxnSp>
+          <p:nvCxnSpPr>
+            <p:cNvPr id="277" name="直接连接符 276">
+              <a:extLst>
+                <a:ext uri="{FF2B5EF4-FFF2-40B4-BE49-F238E27FC236}">
+                  <a16:creationId xmlns:a16="http://schemas.microsoft.com/office/drawing/2014/main" id="{F47B7191-9457-4C85-BF73-BB28D186698E}"/>
+                </a:ext>
+              </a:extLst>
+            </p:cNvPr>
+            <p:cNvCxnSpPr>
+              <a:cxnSpLocks/>
+            </p:cNvCxnSpPr>
+            <p:nvPr/>
+          </p:nvCxnSpPr>
+          <p:spPr>
+            <a:xfrm flipH="1">
+              <a:off x="11643444" y="25252417"/>
+              <a:ext cx="805636" cy="773320"/>
+            </a:xfrm>
+            <a:prstGeom prst="line">
+              <a:avLst/>
+            </a:prstGeom>
+            <a:ln w="15875">
+              <a:solidFill>
+                <a:schemeClr val="tx1"/>
+              </a:solidFill>
+              <a:prstDash val="dash"/>
+            </a:ln>
+          </p:spPr>
+          <p:style>
+            <a:lnRef idx="1">
+              <a:schemeClr val="accent1"/>
+            </a:lnRef>
+            <a:fillRef idx="0">
+              <a:schemeClr val="accent1"/>
+            </a:fillRef>
+            <a:effectRef idx="0">
+              <a:schemeClr val="accent1"/>
+            </a:effectRef>
+            <a:fontRef idx="minor">
+              <a:schemeClr val="tx1"/>
+            </a:fontRef>
+          </p:style>
+        </p:cxnSp>
+        <p:cxnSp>
+          <p:nvCxnSpPr>
+            <p:cNvPr id="278" name="直接连接符 277">
+              <a:extLst>
+                <a:ext uri="{FF2B5EF4-FFF2-40B4-BE49-F238E27FC236}">
+                  <a16:creationId xmlns:a16="http://schemas.microsoft.com/office/drawing/2014/main" id="{79724F7D-9193-44FF-8181-A6FC76627750}"/>
+                </a:ext>
+              </a:extLst>
+            </p:cNvPr>
+            <p:cNvCxnSpPr>
+              <a:cxnSpLocks/>
+            </p:cNvCxnSpPr>
+            <p:nvPr/>
+          </p:nvCxnSpPr>
+          <p:spPr>
+            <a:xfrm flipH="1">
+              <a:off x="14458303" y="25251903"/>
+              <a:ext cx="805635" cy="773834"/>
+            </a:xfrm>
+            <a:prstGeom prst="line">
+              <a:avLst/>
+            </a:prstGeom>
+            <a:ln w="15875">
+              <a:solidFill>
+                <a:schemeClr val="tx1"/>
+              </a:solidFill>
+              <a:prstDash val="dash"/>
+            </a:ln>
+          </p:spPr>
+          <p:style>
+            <a:lnRef idx="1">
+              <a:schemeClr val="accent1"/>
+            </a:lnRef>
+            <a:fillRef idx="0">
+              <a:schemeClr val="accent1"/>
+            </a:fillRef>
+            <a:effectRef idx="0">
+              <a:schemeClr val="accent1"/>
+            </a:effectRef>
+            <a:fontRef idx="minor">
+              <a:schemeClr val="tx1"/>
+            </a:fontRef>
+          </p:style>
+        </p:cxnSp>
+        <p:sp>
+          <p:nvSpPr>
+            <p:cNvPr id="281" name="矩形 280">
+              <a:extLst>
+                <a:ext uri="{FF2B5EF4-FFF2-40B4-BE49-F238E27FC236}">
+                  <a16:creationId xmlns:a16="http://schemas.microsoft.com/office/drawing/2014/main" id="{739A296B-8525-4670-8353-7AC371FD9C94}"/>
+                </a:ext>
+              </a:extLst>
+            </p:cNvPr>
+            <p:cNvSpPr/>
+            <p:nvPr/>
+          </p:nvSpPr>
+          <p:spPr>
+            <a:xfrm>
+              <a:off x="12449078" y="24729903"/>
+              <a:ext cx="2815200" cy="522514"/>
+            </a:xfrm>
+            <a:prstGeom prst="rect">
+              <a:avLst/>
+            </a:prstGeom>
+            <a:solidFill>
+              <a:srgbClr val="99CCFF"/>
+            </a:solidFill>
+            <a:ln>
+              <a:solidFill>
+                <a:srgbClr val="0D86FF"/>
+              </a:solidFill>
+            </a:ln>
+            <a:effectLst>
+              <a:outerShdw blurRad="50800" dist="38100" dir="2700000" algn="tl" rotWithShape="0">
+                <a:prstClr val="black">
+                  <a:alpha val="40000"/>
+                </a:prstClr>
+              </a:outerShdw>
+            </a:effectLst>
+          </p:spPr>
+          <p:style>
+            <a:lnRef idx="2">
+              <a:schemeClr val="accent1">
+                <a:shade val="50000"/>
+              </a:schemeClr>
+            </a:lnRef>
+            <a:fillRef idx="1">
+              <a:schemeClr val="accent1"/>
+            </a:fillRef>
+            <a:effectRef idx="0">
+              <a:schemeClr val="accent1"/>
+            </a:effectRef>
+            <a:fontRef idx="minor">
+              <a:schemeClr val="lt1"/>
+            </a:fontRef>
+          </p:style>
+          <p:txBody>
+            <a:bodyPr rtlCol="0" anchor="ctr"/>
+            <a:lstStyle/>
+            <a:p>
+              <a:pPr algn="ctr"/>
+              <a:r>
+                <a:rPr lang="en-US" altLang="zh-CN" dirty="0">
+                  <a:solidFill>
+                    <a:schemeClr val="tx1"/>
+                  </a:solidFill>
+                </a:rPr>
+                <a:t>duplicate</a:t>
+              </a:r>
+              <a:endParaRPr lang="zh-CN" altLang="en-US" dirty="0">
+                <a:solidFill>
+                  <a:schemeClr val="tx1"/>
+                </a:solidFill>
+              </a:endParaRPr>
+            </a:p>
+          </p:txBody>
+        </p:sp>
+        <p:sp>
+          <p:nvSpPr>
+            <p:cNvPr id="282" name="矩形 281">
+              <a:extLst>
+                <a:ext uri="{FF2B5EF4-FFF2-40B4-BE49-F238E27FC236}">
+                  <a16:creationId xmlns:a16="http://schemas.microsoft.com/office/drawing/2014/main" id="{E46677FA-837D-4530-AA3F-290F4134D367}"/>
+                </a:ext>
+              </a:extLst>
+            </p:cNvPr>
+            <p:cNvSpPr/>
+            <p:nvPr/>
+          </p:nvSpPr>
+          <p:spPr>
+            <a:xfrm>
+              <a:off x="11643445" y="23434069"/>
+              <a:ext cx="2814858" cy="522514"/>
+            </a:xfrm>
+            <a:prstGeom prst="rect">
+              <a:avLst/>
+            </a:prstGeom>
+            <a:solidFill>
+              <a:srgbClr val="FF8989"/>
+            </a:solidFill>
+            <a:effectLst>
+              <a:outerShdw blurRad="50800" dist="38100" dir="2700000" algn="tl" rotWithShape="0">
+                <a:prstClr val="black">
+                  <a:alpha val="40000"/>
+                </a:prstClr>
+              </a:outerShdw>
+            </a:effectLst>
+          </p:spPr>
+          <p:style>
+            <a:lnRef idx="2">
+              <a:schemeClr val="accent2">
+                <a:shade val="50000"/>
+              </a:schemeClr>
+            </a:lnRef>
+            <a:fillRef idx="1">
+              <a:schemeClr val="accent2"/>
+            </a:fillRef>
+            <a:effectRef idx="0">
+              <a:schemeClr val="accent2"/>
+            </a:effectRef>
+            <a:fontRef idx="minor">
+              <a:schemeClr val="lt1"/>
+            </a:fontRef>
+          </p:style>
+          <p:txBody>
+            <a:bodyPr rtlCol="0" anchor="ctr"/>
+            <a:lstStyle/>
+            <a:p>
+              <a:pPr algn="ctr"/>
+              <a:r>
+                <a:rPr lang="zh-CN" altLang="en-US" dirty="0">
+                  <a:solidFill>
+                    <a:schemeClr val="tx1"/>
+                  </a:solidFill>
+                </a:rPr>
+                <a:t>原始</a:t>
+              </a:r>
+              <a:r>
+                <a:rPr lang="en-US" altLang="zh-CN" dirty="0">
+                  <a:solidFill>
+                    <a:schemeClr val="tx1"/>
+                  </a:solidFill>
+                </a:rPr>
+                <a:t>ByteBuf</a:t>
+              </a:r>
+              <a:endParaRPr lang="zh-CN" altLang="en-US" dirty="0">
+                <a:solidFill>
+                  <a:schemeClr val="tx1"/>
+                </a:solidFill>
+              </a:endParaRPr>
+            </a:p>
+          </p:txBody>
+        </p:sp>
+        <p:sp>
+          <p:nvSpPr>
+            <p:cNvPr id="283" name="矩形 282">
+              <a:extLst>
+                <a:ext uri="{FF2B5EF4-FFF2-40B4-BE49-F238E27FC236}">
+                  <a16:creationId xmlns:a16="http://schemas.microsoft.com/office/drawing/2014/main" id="{FCB62402-51DB-48A5-8341-068CE1F4A6AE}"/>
+                </a:ext>
+              </a:extLst>
+            </p:cNvPr>
+            <p:cNvSpPr/>
+            <p:nvPr/>
+          </p:nvSpPr>
+          <p:spPr>
+            <a:xfrm>
+              <a:off x="11643445" y="26025737"/>
+              <a:ext cx="2815200" cy="522000"/>
+            </a:xfrm>
+            <a:prstGeom prst="rect">
+              <a:avLst/>
+            </a:prstGeom>
+            <a:solidFill>
+              <a:srgbClr val="C5E0B4"/>
+            </a:solidFill>
+            <a:ln>
+              <a:solidFill>
+                <a:srgbClr val="93C573"/>
+              </a:solidFill>
+            </a:ln>
+            <a:effectLst>
+              <a:outerShdw blurRad="50800" dist="38100" dir="2700000" algn="tl" rotWithShape="0">
+                <a:prstClr val="black">
+                  <a:alpha val="40000"/>
+                </a:prstClr>
+              </a:outerShdw>
+            </a:effectLst>
+          </p:spPr>
+          <p:style>
+            <a:lnRef idx="2">
+              <a:schemeClr val="accent1">
+                <a:shade val="50000"/>
+              </a:schemeClr>
+            </a:lnRef>
+            <a:fillRef idx="1">
+              <a:schemeClr val="accent1"/>
+            </a:fillRef>
+            <a:effectRef idx="0">
+              <a:schemeClr val="accent1"/>
+            </a:effectRef>
+            <a:fontRef idx="minor">
+              <a:schemeClr val="lt1"/>
+            </a:fontRef>
+          </p:style>
+          <p:txBody>
+            <a:bodyPr rtlCol="0" anchor="ctr"/>
+            <a:lstStyle/>
+            <a:p>
+              <a:pPr algn="ctr"/>
+              <a:r>
+                <a:rPr lang="zh-CN" altLang="en-US" dirty="0">
+                  <a:solidFill>
+                    <a:schemeClr val="tx1"/>
+                  </a:solidFill>
+                </a:rPr>
+                <a:t>物理内存</a:t>
+              </a:r>
+            </a:p>
+          </p:txBody>
+        </p:sp>
+        <p:cxnSp>
+          <p:nvCxnSpPr>
+            <p:cNvPr id="287" name="直接箭头连接符 286">
+              <a:extLst>
+                <a:ext uri="{FF2B5EF4-FFF2-40B4-BE49-F238E27FC236}">
+                  <a16:creationId xmlns:a16="http://schemas.microsoft.com/office/drawing/2014/main" id="{02335190-3AA5-48DD-BF91-466C25C90FCA}"/>
+                </a:ext>
+              </a:extLst>
+            </p:cNvPr>
+            <p:cNvCxnSpPr>
+              <a:stCxn id="282" idx="2"/>
+              <a:endCxn id="281" idx="0"/>
+            </p:cNvCxnSpPr>
+            <p:nvPr/>
+          </p:nvCxnSpPr>
+          <p:spPr>
+            <a:xfrm>
+              <a:off x="13050874" y="23956583"/>
+              <a:ext cx="805804" cy="773320"/>
+            </a:xfrm>
+            <a:prstGeom prst="straightConnector1">
+              <a:avLst/>
+            </a:prstGeom>
+            <a:ln w="9525">
+              <a:solidFill>
+                <a:schemeClr val="tx1"/>
+              </a:solidFill>
+              <a:tailEnd type="triangle"/>
+            </a:ln>
+          </p:spPr>
+          <p:style>
+            <a:lnRef idx="1">
+              <a:schemeClr val="accent1"/>
+            </a:lnRef>
+            <a:fillRef idx="0">
+              <a:schemeClr val="accent1"/>
+            </a:fillRef>
+            <a:effectRef idx="0">
+              <a:schemeClr val="accent1"/>
+            </a:effectRef>
+            <a:fontRef idx="minor">
+              <a:schemeClr val="tx1"/>
+            </a:fontRef>
+          </p:style>
+        </p:cxnSp>
+      </p:grpSp>
       <p:sp>
         <p:nvSpPr>
-          <p:cNvPr id="270" name="矩形 269">
+          <p:cNvPr id="272" name="椭圆 271">
             <a:extLst>
               <a:ext uri="{FF2B5EF4-FFF2-40B4-BE49-F238E27FC236}">
-                <a16:creationId xmlns:a16="http://schemas.microsoft.com/office/drawing/2014/main" id="{8D5D4524-5AEF-4E48-9DF9-083A1AAE14E3}"/>
+                <a16:creationId xmlns:a16="http://schemas.microsoft.com/office/drawing/2014/main" id="{FAA3ED72-8078-49FA-9221-D9264F516FD8}"/>
               </a:ext>
             </a:extLst>
           </p:cNvPr>
@@ -46491,10 +47483,10 @@
         </p:nvSpPr>
         <p:spPr>
           <a:xfrm>
-            <a:off x="12449080" y="20709047"/>
+            <a:off x="20993282" y="22239569"/>
             <a:ext cx="1471503" cy="522514"/>
           </a:xfrm>
-          <a:prstGeom prst="rect">
+          <a:prstGeom prst="ellipse">
             <a:avLst/>
           </a:prstGeom>
           <a:solidFill>
@@ -46540,7 +47532,7 @@
                   <a:schemeClr val="tx1"/>
                 </a:solidFill>
               </a:rPr>
-              <a:t>Slice 1</a:t>
+              <a:t>decode()</a:t>
             </a:r>
             <a:endParaRPr lang="zh-CN" altLang="en-US" dirty="0">
               <a:solidFill>
@@ -46550,12 +47542,335 @@
           </a:p>
         </p:txBody>
       </p:sp>
+      <p:graphicFrame>
+        <p:nvGraphicFramePr>
+          <p:cNvPr id="48" name="表格 51">
+            <a:extLst>
+              <a:ext uri="{FF2B5EF4-FFF2-40B4-BE49-F238E27FC236}">
+                <a16:creationId xmlns:a16="http://schemas.microsoft.com/office/drawing/2014/main" id="{DB2E85C0-BA0D-49CD-8E95-6567CA3CA890}"/>
+              </a:ext>
+            </a:extLst>
+          </p:cNvPr>
+          <p:cNvGraphicFramePr>
+            <a:graphicFrameLocks noGrp="1"/>
+          </p:cNvGraphicFramePr>
+          <p:nvPr>
+            <p:extLst>
+              <p:ext uri="{D42A27DB-BD31-4B8C-83A1-F6EECF244321}">
+                <p14:modId xmlns:p14="http://schemas.microsoft.com/office/powerpoint/2010/main" val="1959649131"/>
+              </p:ext>
+            </p:extLst>
+          </p:nvPr>
+        </p:nvGraphicFramePr>
+        <p:xfrm>
+          <a:off x="18419695" y="22317946"/>
+          <a:ext cx="1440000" cy="365760"/>
+        </p:xfrm>
+        <a:graphic>
+          <a:graphicData uri="http://schemas.openxmlformats.org/drawingml/2006/table">
+            <a:tbl>
+              <a:tblPr firstRow="1" bandRow="1">
+                <a:tableStyleId>{5C22544A-7EE6-4342-B048-85BDC9FD1C3A}</a:tableStyleId>
+              </a:tblPr>
+              <a:tblGrid>
+                <a:gridCol w="360000">
+                  <a:extLst>
+                    <a:ext uri="{9D8B030D-6E8A-4147-A177-3AD203B41FA5}">
+                      <a16:colId xmlns:a16="http://schemas.microsoft.com/office/drawing/2014/main" val="1385242786"/>
+                    </a:ext>
+                  </a:extLst>
+                </a:gridCol>
+                <a:gridCol w="360000">
+                  <a:extLst>
+                    <a:ext uri="{9D8B030D-6E8A-4147-A177-3AD203B41FA5}">
+                      <a16:colId xmlns:a16="http://schemas.microsoft.com/office/drawing/2014/main" val="3287163160"/>
+                    </a:ext>
+                  </a:extLst>
+                </a:gridCol>
+                <a:gridCol w="360000">
+                  <a:extLst>
+                    <a:ext uri="{9D8B030D-6E8A-4147-A177-3AD203B41FA5}">
+                      <a16:colId xmlns:a16="http://schemas.microsoft.com/office/drawing/2014/main" val="1552517807"/>
+                    </a:ext>
+                  </a:extLst>
+                </a:gridCol>
+                <a:gridCol w="360000">
+                  <a:extLst>
+                    <a:ext uri="{9D8B030D-6E8A-4147-A177-3AD203B41FA5}">
+                      <a16:colId xmlns:a16="http://schemas.microsoft.com/office/drawing/2014/main" val="696722391"/>
+                    </a:ext>
+                  </a:extLst>
+                </a:gridCol>
+              </a:tblGrid>
+              <a:tr h="360000">
+                <a:tc>
+                  <a:txBody>
+                    <a:bodyPr/>
+                    <a:lstStyle/>
+                    <a:p>
+                      <a:pPr algn="ctr"/>
+                      <a:r>
+                        <a:rPr lang="en-US" altLang="zh-CN" sz="1800" b="0" dirty="0">
+                          <a:solidFill>
+                            <a:schemeClr val="tx1"/>
+                          </a:solidFill>
+                        </a:rPr>
+                        <a:t>1</a:t>
+                      </a:r>
+                      <a:endParaRPr lang="zh-CN" altLang="en-US" sz="1800" b="0" dirty="0">
+                        <a:solidFill>
+                          <a:schemeClr val="tx1"/>
+                        </a:solidFill>
+                      </a:endParaRPr>
+                    </a:p>
+                  </a:txBody>
+                  <a:tcPr anchor="ctr">
+                    <a:lnL w="12700" cap="flat" cmpd="sng" algn="ctr">
+                      <a:solidFill>
+                        <a:schemeClr val="tx1"/>
+                      </a:solidFill>
+                      <a:prstDash val="solid"/>
+                      <a:round/>
+                      <a:headEnd type="none" w="med" len="med"/>
+                      <a:tailEnd type="none" w="med" len="med"/>
+                    </a:lnL>
+                    <a:lnR w="12700" cap="flat" cmpd="sng" algn="ctr">
+                      <a:solidFill>
+                        <a:schemeClr val="tx1"/>
+                      </a:solidFill>
+                      <a:prstDash val="solid"/>
+                      <a:round/>
+                      <a:headEnd type="none" w="med" len="med"/>
+                      <a:tailEnd type="none" w="med" len="med"/>
+                    </a:lnR>
+                    <a:lnT w="12700" cap="flat" cmpd="sng" algn="ctr">
+                      <a:solidFill>
+                        <a:schemeClr val="tx1"/>
+                      </a:solidFill>
+                      <a:prstDash val="solid"/>
+                      <a:round/>
+                      <a:headEnd type="none" w="med" len="med"/>
+                      <a:tailEnd type="none" w="med" len="med"/>
+                    </a:lnT>
+                    <a:lnB w="12700" cap="flat" cmpd="sng" algn="ctr">
+                      <a:solidFill>
+                        <a:schemeClr val="tx1"/>
+                      </a:solidFill>
+                      <a:prstDash val="solid"/>
+                      <a:round/>
+                      <a:headEnd type="none" w="med" len="med"/>
+                      <a:tailEnd type="none" w="med" len="med"/>
+                    </a:lnB>
+                    <a:solidFill>
+                      <a:schemeClr val="bg1"/>
+                    </a:solidFill>
+                  </a:tcPr>
+                </a:tc>
+                <a:tc>
+                  <a:txBody>
+                    <a:bodyPr/>
+                    <a:lstStyle/>
+                    <a:p>
+                      <a:pPr algn="ctr"/>
+                      <a:r>
+                        <a:rPr lang="en-US" altLang="zh-CN" sz="1800" b="0" dirty="0">
+                          <a:solidFill>
+                            <a:schemeClr val="tx1"/>
+                          </a:solidFill>
+                        </a:rPr>
+                        <a:t>2</a:t>
+                      </a:r>
+                      <a:endParaRPr lang="zh-CN" altLang="en-US" sz="1800" b="0" dirty="0">
+                        <a:solidFill>
+                          <a:schemeClr val="tx1"/>
+                        </a:solidFill>
+                      </a:endParaRPr>
+                    </a:p>
+                  </a:txBody>
+                  <a:tcPr anchor="ctr">
+                    <a:lnL w="12700" cap="flat" cmpd="sng" algn="ctr">
+                      <a:solidFill>
+                        <a:schemeClr val="tx1"/>
+                      </a:solidFill>
+                      <a:prstDash val="solid"/>
+                      <a:round/>
+                      <a:headEnd type="none" w="med" len="med"/>
+                      <a:tailEnd type="none" w="med" len="med"/>
+                    </a:lnL>
+                    <a:lnR w="12700" cap="flat" cmpd="sng" algn="ctr">
+                      <a:solidFill>
+                        <a:schemeClr val="tx1"/>
+                      </a:solidFill>
+                      <a:prstDash val="solid"/>
+                      <a:round/>
+                      <a:headEnd type="none" w="med" len="med"/>
+                      <a:tailEnd type="none" w="med" len="med"/>
+                    </a:lnR>
+                    <a:lnT w="12700" cap="flat" cmpd="sng" algn="ctr">
+                      <a:solidFill>
+                        <a:schemeClr val="tx1"/>
+                      </a:solidFill>
+                      <a:prstDash val="solid"/>
+                      <a:round/>
+                      <a:headEnd type="none" w="med" len="med"/>
+                      <a:tailEnd type="none" w="med" len="med"/>
+                    </a:lnT>
+                    <a:lnB w="12700" cap="flat" cmpd="sng" algn="ctr">
+                      <a:solidFill>
+                        <a:schemeClr val="tx1"/>
+                      </a:solidFill>
+                      <a:prstDash val="solid"/>
+                      <a:round/>
+                      <a:headEnd type="none" w="med" len="med"/>
+                      <a:tailEnd type="none" w="med" len="med"/>
+                    </a:lnB>
+                    <a:solidFill>
+                      <a:schemeClr val="bg1"/>
+                    </a:solidFill>
+                  </a:tcPr>
+                </a:tc>
+                <a:tc>
+                  <a:txBody>
+                    <a:bodyPr/>
+                    <a:lstStyle/>
+                    <a:p>
+                      <a:pPr algn="ctr"/>
+                      <a:r>
+                        <a:rPr lang="en-US" altLang="zh-CN" sz="1800" b="0" dirty="0">
+                          <a:solidFill>
+                            <a:schemeClr val="tx1"/>
+                          </a:solidFill>
+                        </a:rPr>
+                        <a:t>3</a:t>
+                      </a:r>
+                      <a:endParaRPr lang="zh-CN" altLang="en-US" sz="1800" b="0" dirty="0">
+                        <a:solidFill>
+                          <a:schemeClr val="tx1"/>
+                        </a:solidFill>
+                      </a:endParaRPr>
+                    </a:p>
+                  </a:txBody>
+                  <a:tcPr anchor="ctr">
+                    <a:lnL w="12700" cap="flat" cmpd="sng" algn="ctr">
+                      <a:solidFill>
+                        <a:schemeClr val="tx1"/>
+                      </a:solidFill>
+                      <a:prstDash val="solid"/>
+                      <a:round/>
+                      <a:headEnd type="none" w="med" len="med"/>
+                      <a:tailEnd type="none" w="med" len="med"/>
+                    </a:lnL>
+                    <a:lnR w="12700" cap="flat" cmpd="sng" algn="ctr">
+                      <a:solidFill>
+                        <a:schemeClr val="tx1"/>
+                      </a:solidFill>
+                      <a:prstDash val="solid"/>
+                      <a:round/>
+                      <a:headEnd type="none" w="med" len="med"/>
+                      <a:tailEnd type="none" w="med" len="med"/>
+                    </a:lnR>
+                    <a:lnT w="12700" cap="flat" cmpd="sng" algn="ctr">
+                      <a:solidFill>
+                        <a:schemeClr val="tx1"/>
+                      </a:solidFill>
+                      <a:prstDash val="solid"/>
+                      <a:round/>
+                      <a:headEnd type="none" w="med" len="med"/>
+                      <a:tailEnd type="none" w="med" len="med"/>
+                    </a:lnT>
+                    <a:lnB w="12700" cap="flat" cmpd="sng" algn="ctr">
+                      <a:solidFill>
+                        <a:schemeClr val="tx1"/>
+                      </a:solidFill>
+                      <a:prstDash val="solid"/>
+                      <a:round/>
+                      <a:headEnd type="none" w="med" len="med"/>
+                      <a:tailEnd type="none" w="med" len="med"/>
+                    </a:lnB>
+                    <a:solidFill>
+                      <a:schemeClr val="bg1"/>
+                    </a:solidFill>
+                  </a:tcPr>
+                </a:tc>
+                <a:tc>
+                  <a:txBody>
+                    <a:bodyPr/>
+                    <a:lstStyle/>
+                    <a:p>
+                      <a:pPr algn="ctr"/>
+                      <a:r>
+                        <a:rPr lang="en-US" altLang="zh-CN" sz="1800" b="0" dirty="0">
+                          <a:solidFill>
+                            <a:schemeClr val="tx1"/>
+                          </a:solidFill>
+                        </a:rPr>
+                        <a:t>4</a:t>
+                      </a:r>
+                      <a:endParaRPr lang="zh-CN" altLang="en-US" sz="1800" b="0" dirty="0">
+                        <a:solidFill>
+                          <a:schemeClr val="tx1"/>
+                        </a:solidFill>
+                      </a:endParaRPr>
+                    </a:p>
+                  </a:txBody>
+                  <a:tcPr anchor="ctr">
+                    <a:lnL w="12700" cap="flat" cmpd="sng" algn="ctr">
+                      <a:solidFill>
+                        <a:schemeClr val="tx1"/>
+                      </a:solidFill>
+                      <a:prstDash val="solid"/>
+                      <a:round/>
+                      <a:headEnd type="none" w="med" len="med"/>
+                      <a:tailEnd type="none" w="med" len="med"/>
+                    </a:lnL>
+                    <a:lnR w="12700" cap="flat" cmpd="sng" algn="ctr">
+                      <a:solidFill>
+                        <a:schemeClr val="tx1"/>
+                      </a:solidFill>
+                      <a:prstDash val="solid"/>
+                      <a:round/>
+                      <a:headEnd type="none" w="med" len="med"/>
+                      <a:tailEnd type="none" w="med" len="med"/>
+                    </a:lnR>
+                    <a:lnT w="12700" cap="flat" cmpd="sng" algn="ctr">
+                      <a:solidFill>
+                        <a:schemeClr val="tx1"/>
+                      </a:solidFill>
+                      <a:prstDash val="solid"/>
+                      <a:round/>
+                      <a:headEnd type="none" w="med" len="med"/>
+                      <a:tailEnd type="none" w="med" len="med"/>
+                    </a:lnT>
+                    <a:lnB w="12700" cap="flat" cmpd="sng" algn="ctr">
+                      <a:solidFill>
+                        <a:schemeClr val="tx1"/>
+                      </a:solidFill>
+                      <a:prstDash val="solid"/>
+                      <a:round/>
+                      <a:headEnd type="none" w="med" len="med"/>
+                      <a:tailEnd type="none" w="med" len="med"/>
+                    </a:lnB>
+                    <a:solidFill>
+                      <a:schemeClr val="bg1"/>
+                    </a:solidFill>
+                  </a:tcPr>
+                </a:tc>
+                <a:extLst>
+                  <a:ext uri="{0D108BD9-81ED-4DB2-BD59-A6C34878D82A}">
+                    <a16:rowId xmlns:a16="http://schemas.microsoft.com/office/drawing/2014/main" val="3230326349"/>
+                  </a:ext>
+                </a:extLst>
+              </a:tr>
+            </a:tbl>
+          </a:graphicData>
+        </a:graphic>
+      </p:graphicFrame>
       <p:sp>
         <p:nvSpPr>
-          <p:cNvPr id="271" name="矩形 270">
+          <p:cNvPr id="280" name="矩形 279">
             <a:extLst>
               <a:ext uri="{FF2B5EF4-FFF2-40B4-BE49-F238E27FC236}">
-                <a16:creationId xmlns:a16="http://schemas.microsoft.com/office/drawing/2014/main" id="{775F0FC4-A421-4124-8E8F-985D833BAD27}"/>
+                <a16:creationId xmlns:a16="http://schemas.microsoft.com/office/drawing/2014/main" id="{70C68D50-176D-4C79-A62B-68810E801DFF}"/>
               </a:ext>
             </a:extLst>
           </p:cNvPr>
@@ -46564,8 +47879,8 @@
         </p:nvSpPr>
         <p:spPr>
           <a:xfrm>
-            <a:off x="11643446" y="19413213"/>
-            <a:ext cx="2814858" cy="522514"/>
+            <a:off x="23598372" y="22259978"/>
+            <a:ext cx="1126259" cy="481696"/>
           </a:xfrm>
           <a:prstGeom prst="rect">
             <a:avLst/>
@@ -46603,20 +47918,216 @@
           <a:p>
             <a:pPr algn="ctr"/>
             <a:r>
-              <a:rPr lang="zh-CN" altLang="en-US" dirty="0">
+              <a:rPr lang="en-US" altLang="zh-CN" dirty="0">
                 <a:solidFill>
                   <a:schemeClr val="tx1"/>
                 </a:solidFill>
               </a:rPr>
-              <a:t>原始</a:t>
+              <a:t>Integer</a:t>
             </a:r>
+            <a:endParaRPr lang="zh-CN" altLang="en-US" dirty="0">
+              <a:solidFill>
+                <a:schemeClr val="tx1"/>
+              </a:solidFill>
+            </a:endParaRPr>
+          </a:p>
+        </p:txBody>
+      </p:sp>
+      <p:cxnSp>
+        <p:nvCxnSpPr>
+          <p:cNvPr id="56" name="连接符: 肘形 55">
+            <a:extLst>
+              <a:ext uri="{FF2B5EF4-FFF2-40B4-BE49-F238E27FC236}">
+                <a16:creationId xmlns:a16="http://schemas.microsoft.com/office/drawing/2014/main" id="{64D74258-96E4-4162-96E5-FBF36FBF134E}"/>
+              </a:ext>
+            </a:extLst>
+          </p:cNvPr>
+          <p:cNvCxnSpPr>
+            <a:cxnSpLocks/>
+            <a:endCxn id="272" idx="3"/>
+          </p:cNvCxnSpPr>
+          <p:nvPr/>
+        </p:nvCxnSpPr>
+        <p:spPr>
+          <a:xfrm>
+            <a:off x="19139695" y="22683706"/>
+            <a:ext cx="2069084" cy="1857"/>
+          </a:xfrm>
+          <a:prstGeom prst="bentConnector4">
+            <a:avLst>
+              <a:gd name="adj1" fmla="val -506"/>
+              <a:gd name="adj2" fmla="val 16923910"/>
+            </a:avLst>
+          </a:prstGeom>
+          <a:ln w="15875">
+            <a:solidFill>
+              <a:schemeClr val="tx1"/>
+            </a:solidFill>
+            <a:tailEnd type="triangle"/>
+          </a:ln>
+        </p:spPr>
+        <p:style>
+          <a:lnRef idx="1">
+            <a:schemeClr val="accent1"/>
+          </a:lnRef>
+          <a:fillRef idx="0">
+            <a:schemeClr val="accent1"/>
+          </a:fillRef>
+          <a:effectRef idx="0">
+            <a:schemeClr val="accent1"/>
+          </a:effectRef>
+          <a:fontRef idx="minor">
+            <a:schemeClr val="tx1"/>
+          </a:fontRef>
+        </p:style>
+      </p:cxnSp>
+      <p:cxnSp>
+        <p:nvCxnSpPr>
+          <p:cNvPr id="69" name="连接符: 肘形 68">
+            <a:extLst>
+              <a:ext uri="{FF2B5EF4-FFF2-40B4-BE49-F238E27FC236}">
+                <a16:creationId xmlns:a16="http://schemas.microsoft.com/office/drawing/2014/main" id="{B2CAEFC2-627C-499E-9886-CC40484AD7E5}"/>
+              </a:ext>
+            </a:extLst>
+          </p:cNvPr>
+          <p:cNvCxnSpPr>
+            <a:stCxn id="272" idx="5"/>
+            <a:endCxn id="280" idx="2"/>
+          </p:cNvCxnSpPr>
+          <p:nvPr/>
+        </p:nvCxnSpPr>
+        <p:spPr>
+          <a:xfrm rot="16200000" flipH="1">
+            <a:off x="23177340" y="21757511"/>
+            <a:ext cx="56111" cy="1912214"/>
+          </a:xfrm>
+          <a:prstGeom prst="bentConnector3">
+            <a:avLst>
+              <a:gd name="adj1" fmla="val 543779"/>
+            </a:avLst>
+          </a:prstGeom>
+          <a:ln w="15875">
+            <a:solidFill>
+              <a:schemeClr val="tx1"/>
+            </a:solidFill>
+            <a:tailEnd type="triangle"/>
+          </a:ln>
+        </p:spPr>
+        <p:style>
+          <a:lnRef idx="1">
+            <a:schemeClr val="accent1"/>
+          </a:lnRef>
+          <a:fillRef idx="0">
+            <a:schemeClr val="accent1"/>
+          </a:fillRef>
+          <a:effectRef idx="0">
+            <a:schemeClr val="accent1"/>
+          </a:effectRef>
+          <a:fontRef idx="minor">
+            <a:schemeClr val="tx1"/>
+          </a:fontRef>
+        </p:style>
+      </p:cxnSp>
+      <p:sp>
+        <p:nvSpPr>
+          <p:cNvPr id="73" name="文本框 72">
+            <a:extLst>
+              <a:ext uri="{FF2B5EF4-FFF2-40B4-BE49-F238E27FC236}">
+                <a16:creationId xmlns:a16="http://schemas.microsoft.com/office/drawing/2014/main" id="{52A44695-57B7-4CBE-A03B-FF379B6E4446}"/>
+              </a:ext>
+            </a:extLst>
+          </p:cNvPr>
+          <p:cNvSpPr txBox="1"/>
+          <p:nvPr/>
+        </p:nvSpPr>
+        <p:spPr>
+          <a:xfrm>
+            <a:off x="20720411" y="21512624"/>
+            <a:ext cx="2081339" cy="400110"/>
+          </a:xfrm>
+          <a:prstGeom prst="rect">
+            <a:avLst/>
+          </a:prstGeom>
+          <a:noFill/>
+        </p:spPr>
+        <p:txBody>
+          <a:bodyPr wrap="none" rtlCol="0">
+            <a:spAutoFit/>
+          </a:bodyPr>
+          <a:lstStyle/>
+          <a:p>
+            <a:r>
+              <a:rPr lang="en-US" altLang="zh-CN" sz="2000" b="1" dirty="0"/>
+              <a:t>ToIntegerDecoder</a:t>
+            </a:r>
+            <a:endParaRPr lang="zh-CN" altLang="en-US" sz="2000" b="1" dirty="0"/>
+          </a:p>
+        </p:txBody>
+      </p:sp>
+      <p:sp>
+        <p:nvSpPr>
+          <p:cNvPr id="288" name="矩形 287">
+            <a:extLst>
+              <a:ext uri="{FF2B5EF4-FFF2-40B4-BE49-F238E27FC236}">
+                <a16:creationId xmlns:a16="http://schemas.microsoft.com/office/drawing/2014/main" id="{E9C21272-20A1-4F8C-A840-92A193183BBB}"/>
+              </a:ext>
+            </a:extLst>
+          </p:cNvPr>
+          <p:cNvSpPr/>
+          <p:nvPr/>
+        </p:nvSpPr>
+        <p:spPr>
+          <a:xfrm>
+            <a:off x="23324882" y="20556287"/>
+            <a:ext cx="1673238" cy="522000"/>
+          </a:xfrm>
+          <a:prstGeom prst="rect">
+            <a:avLst/>
+          </a:prstGeom>
+          <a:solidFill>
+            <a:srgbClr val="F9D1B5"/>
+          </a:solidFill>
+          <a:ln>
+            <a:solidFill>
+              <a:srgbClr val="F4A570"/>
+            </a:solidFill>
+          </a:ln>
+          <a:effectLst>
+            <a:outerShdw blurRad="50800" dist="38100" dir="2700000" algn="tl" rotWithShape="0">
+              <a:prstClr val="black">
+                <a:alpha val="40000"/>
+              </a:prstClr>
+            </a:outerShdw>
+          </a:effectLst>
+        </p:spPr>
+        <p:style>
+          <a:lnRef idx="2">
+            <a:schemeClr val="accent1">
+              <a:shade val="50000"/>
+            </a:schemeClr>
+          </a:lnRef>
+          <a:fillRef idx="1">
+            <a:schemeClr val="accent1"/>
+          </a:fillRef>
+          <a:effectRef idx="0">
+            <a:schemeClr val="accent1"/>
+          </a:effectRef>
+          <a:fontRef idx="minor">
+            <a:schemeClr val="lt1"/>
+          </a:fontRef>
+        </p:style>
+        <p:txBody>
+          <a:bodyPr rtlCol="0" anchor="ctr"/>
+          <a:lstStyle/>
+          <a:p>
+            <a:pPr algn="ctr"/>
             <a:r>
               <a:rPr lang="en-US" altLang="zh-CN" dirty="0">
                 <a:solidFill>
                   <a:schemeClr val="tx1"/>
                 </a:solidFill>
               </a:rPr>
-              <a:t>ByteBuf</a:t>
+              <a:t>Handler</a:t>
             </a:r>
             <a:endParaRPr lang="zh-CN" altLang="en-US" dirty="0">
               <a:solidFill>
@@ -46628,10 +48139,249 @@
       </p:sp>
       <p:sp>
         <p:nvSpPr>
-          <p:cNvPr id="273" name="矩形 272">
+          <p:cNvPr id="289" name="文本框 288">
             <a:extLst>
               <a:ext uri="{FF2B5EF4-FFF2-40B4-BE49-F238E27FC236}">
-                <a16:creationId xmlns:a16="http://schemas.microsoft.com/office/drawing/2014/main" id="{9F4B7750-22D1-42F4-81F5-E0AC71B6C7B4}"/>
+                <a16:creationId xmlns:a16="http://schemas.microsoft.com/office/drawing/2014/main" id="{A1267F2A-B4FE-4BA3-8B16-9DBF38F830BE}"/>
+              </a:ext>
+            </a:extLst>
+          </p:cNvPr>
+          <p:cNvSpPr txBox="1"/>
+          <p:nvPr/>
+        </p:nvSpPr>
+        <p:spPr>
+          <a:xfrm>
+            <a:off x="19944619" y="22671886"/>
+            <a:ext cx="646331" cy="369332"/>
+          </a:xfrm>
+          <a:prstGeom prst="rect">
+            <a:avLst/>
+          </a:prstGeom>
+          <a:noFill/>
+        </p:spPr>
+        <p:txBody>
+          <a:bodyPr wrap="none" rtlCol="0">
+            <a:spAutoFit/>
+          </a:bodyPr>
+          <a:lstStyle/>
+          <a:p>
+            <a:r>
+              <a:rPr lang="zh-CN" altLang="en-US" dirty="0"/>
+              <a:t>读取</a:t>
+            </a:r>
+          </a:p>
+        </p:txBody>
+      </p:sp>
+      <p:sp>
+        <p:nvSpPr>
+          <p:cNvPr id="290" name="文本框 289">
+            <a:extLst>
+              <a:ext uri="{FF2B5EF4-FFF2-40B4-BE49-F238E27FC236}">
+                <a16:creationId xmlns:a16="http://schemas.microsoft.com/office/drawing/2014/main" id="{6B04AF2A-667D-42C6-972A-E58725E977EA}"/>
+              </a:ext>
+            </a:extLst>
+          </p:cNvPr>
+          <p:cNvSpPr txBox="1"/>
+          <p:nvPr/>
+        </p:nvSpPr>
+        <p:spPr>
+          <a:xfrm>
+            <a:off x="22801750" y="22671886"/>
+            <a:ext cx="646331" cy="369332"/>
+          </a:xfrm>
+          <a:prstGeom prst="rect">
+            <a:avLst/>
+          </a:prstGeom>
+          <a:noFill/>
+        </p:spPr>
+        <p:txBody>
+          <a:bodyPr wrap="none" rtlCol="0">
+            <a:spAutoFit/>
+          </a:bodyPr>
+          <a:lstStyle/>
+          <a:p>
+            <a:r>
+              <a:rPr lang="zh-CN" altLang="en-US" dirty="0"/>
+              <a:t>添加</a:t>
+            </a:r>
+          </a:p>
+        </p:txBody>
+      </p:sp>
+      <p:sp>
+        <p:nvSpPr>
+          <p:cNvPr id="291" name="文本框 290">
+            <a:extLst>
+              <a:ext uri="{FF2B5EF4-FFF2-40B4-BE49-F238E27FC236}">
+                <a16:creationId xmlns:a16="http://schemas.microsoft.com/office/drawing/2014/main" id="{BB2B6AC8-9B60-4618-8BDC-47D71CF98415}"/>
+              </a:ext>
+            </a:extLst>
+          </p:cNvPr>
+          <p:cNvSpPr txBox="1"/>
+          <p:nvPr/>
+        </p:nvSpPr>
+        <p:spPr>
+          <a:xfrm>
+            <a:off x="18330159" y="23011366"/>
+            <a:ext cx="1381725" cy="369332"/>
+          </a:xfrm>
+          <a:prstGeom prst="rect">
+            <a:avLst/>
+          </a:prstGeom>
+          <a:noFill/>
+        </p:spPr>
+        <p:txBody>
+          <a:bodyPr wrap="none" rtlCol="0">
+            <a:spAutoFit/>
+          </a:bodyPr>
+          <a:lstStyle/>
+          <a:p>
+            <a:r>
+              <a:rPr lang="zh-CN" altLang="en-US" dirty="0"/>
+              <a:t>入站</a:t>
+            </a:r>
+            <a:r>
+              <a:rPr lang="en-US" altLang="zh-CN" dirty="0"/>
+              <a:t>ByteBuf</a:t>
+            </a:r>
+            <a:endParaRPr lang="zh-CN" altLang="en-US" dirty="0"/>
+          </a:p>
+        </p:txBody>
+      </p:sp>
+      <p:sp>
+        <p:nvSpPr>
+          <p:cNvPr id="292" name="文本框 291">
+            <a:extLst>
+              <a:ext uri="{FF2B5EF4-FFF2-40B4-BE49-F238E27FC236}">
+                <a16:creationId xmlns:a16="http://schemas.microsoft.com/office/drawing/2014/main" id="{186A9F63-AB61-4F52-83F8-E899DD57C040}"/>
+              </a:ext>
+            </a:extLst>
+          </p:cNvPr>
+          <p:cNvSpPr txBox="1"/>
+          <p:nvPr/>
+        </p:nvSpPr>
+        <p:spPr>
+          <a:xfrm>
+            <a:off x="22388197" y="23031711"/>
+            <a:ext cx="2323585" cy="369332"/>
+          </a:xfrm>
+          <a:prstGeom prst="rect">
+            <a:avLst/>
+          </a:prstGeom>
+          <a:noFill/>
+        </p:spPr>
+        <p:txBody>
+          <a:bodyPr wrap="none" rtlCol="0">
+            <a:spAutoFit/>
+          </a:bodyPr>
+          <a:lstStyle/>
+          <a:p>
+            <a:r>
+              <a:rPr lang="zh-CN" altLang="en-US" dirty="0"/>
+              <a:t>包含解码</a:t>
+            </a:r>
+            <a:r>
+              <a:rPr lang="en-US" altLang="zh-CN" dirty="0"/>
+              <a:t>Integer</a:t>
+            </a:r>
+            <a:r>
+              <a:rPr lang="zh-CN" altLang="en-US" dirty="0"/>
+              <a:t>的</a:t>
+            </a:r>
+            <a:r>
+              <a:rPr lang="en-US" altLang="zh-CN" dirty="0"/>
+              <a:t>List</a:t>
+            </a:r>
+            <a:endParaRPr lang="zh-CN" altLang="en-US" dirty="0"/>
+          </a:p>
+        </p:txBody>
+      </p:sp>
+      <p:cxnSp>
+        <p:nvCxnSpPr>
+          <p:cNvPr id="144" name="直接箭头连接符 143">
+            <a:extLst>
+              <a:ext uri="{FF2B5EF4-FFF2-40B4-BE49-F238E27FC236}">
+                <a16:creationId xmlns:a16="http://schemas.microsoft.com/office/drawing/2014/main" id="{3DF8EFDB-401C-46DA-A5E6-93E45111B979}"/>
+              </a:ext>
+            </a:extLst>
+          </p:cNvPr>
+          <p:cNvCxnSpPr>
+            <a:stCxn id="280" idx="0"/>
+            <a:endCxn id="288" idx="2"/>
+          </p:cNvCxnSpPr>
+          <p:nvPr/>
+        </p:nvCxnSpPr>
+        <p:spPr>
+          <a:xfrm flipH="1" flipV="1">
+            <a:off x="24161501" y="21078287"/>
+            <a:ext cx="1" cy="1181691"/>
+          </a:xfrm>
+          <a:prstGeom prst="straightConnector1">
+            <a:avLst/>
+          </a:prstGeom>
+          <a:ln w="15875">
+            <a:solidFill>
+              <a:schemeClr val="tx1"/>
+            </a:solidFill>
+            <a:tailEnd type="triangle"/>
+          </a:ln>
+        </p:spPr>
+        <p:style>
+          <a:lnRef idx="1">
+            <a:schemeClr val="accent1"/>
+          </a:lnRef>
+          <a:fillRef idx="0">
+            <a:schemeClr val="accent1"/>
+          </a:fillRef>
+          <a:effectRef idx="0">
+            <a:schemeClr val="accent1"/>
+          </a:effectRef>
+          <a:fontRef idx="minor">
+            <a:schemeClr val="tx1"/>
+          </a:fontRef>
+        </p:style>
+      </p:cxnSp>
+      <p:sp>
+        <p:nvSpPr>
+          <p:cNvPr id="294" name="文本框 293">
+            <a:extLst>
+              <a:ext uri="{FF2B5EF4-FFF2-40B4-BE49-F238E27FC236}">
+                <a16:creationId xmlns:a16="http://schemas.microsoft.com/office/drawing/2014/main" id="{524A264B-F19C-4522-B134-DED2DB96D996}"/>
+              </a:ext>
+            </a:extLst>
+          </p:cNvPr>
+          <p:cNvSpPr txBox="1"/>
+          <p:nvPr/>
+        </p:nvSpPr>
+        <p:spPr>
+          <a:xfrm>
+            <a:off x="20722246" y="20083777"/>
+            <a:ext cx="1912703" cy="400110"/>
+          </a:xfrm>
+          <a:prstGeom prst="rect">
+            <a:avLst/>
+          </a:prstGeom>
+          <a:noFill/>
+        </p:spPr>
+        <p:txBody>
+          <a:bodyPr wrap="none" rtlCol="0">
+            <a:spAutoFit/>
+          </a:bodyPr>
+          <a:lstStyle/>
+          <a:p>
+            <a:r>
+              <a:rPr lang="en-US" altLang="zh-CN" sz="2000" b="1" dirty="0"/>
+              <a:t>ChannelPipeline</a:t>
+            </a:r>
+            <a:endParaRPr lang="zh-CN" altLang="en-US" sz="2000" b="1" dirty="0"/>
+          </a:p>
+        </p:txBody>
+      </p:sp>
+      <p:sp>
+        <p:nvSpPr>
+          <p:cNvPr id="295" name="矩形 294">
+            <a:extLst>
+              <a:ext uri="{FF2B5EF4-FFF2-40B4-BE49-F238E27FC236}">
+                <a16:creationId xmlns:a16="http://schemas.microsoft.com/office/drawing/2014/main" id="{1D0FED48-4E66-49F5-90DD-F41912305DF1}"/>
               </a:ext>
             </a:extLst>
           </p:cNvPr>
@@ -46640,8 +48390,8 @@
         </p:nvSpPr>
         <p:spPr>
           <a:xfrm>
-            <a:off x="11643446" y="22004881"/>
-            <a:ext cx="2815200" cy="522000"/>
+            <a:off x="18030519" y="24642644"/>
+            <a:ext cx="7136235" cy="3597789"/>
           </a:xfrm>
           <a:prstGeom prst="rect">
             <a:avLst/>
@@ -46683,23 +48433,20 @@
           <a:lstStyle/>
           <a:p>
             <a:pPr algn="ctr"/>
-            <a:r>
-              <a:rPr lang="zh-CN" altLang="en-US" dirty="0">
-                <a:solidFill>
-                  <a:schemeClr val="tx1"/>
-                </a:solidFill>
-              </a:rPr>
-              <a:t>物理内存</a:t>
-            </a:r>
+            <a:endParaRPr lang="zh-CN" altLang="en-US" sz="2000" dirty="0">
+              <a:solidFill>
+                <a:schemeClr val="tx1"/>
+              </a:solidFill>
+            </a:endParaRPr>
           </a:p>
         </p:txBody>
       </p:sp>
       <p:sp>
         <p:nvSpPr>
-          <p:cNvPr id="274" name="矩形 273">
+          <p:cNvPr id="296" name="矩形 295">
             <a:extLst>
               <a:ext uri="{FF2B5EF4-FFF2-40B4-BE49-F238E27FC236}">
-                <a16:creationId xmlns:a16="http://schemas.microsoft.com/office/drawing/2014/main" id="{3DC7E00A-FBFB-4AB1-80CA-37BD280C20B5}"/>
+                <a16:creationId xmlns:a16="http://schemas.microsoft.com/office/drawing/2014/main" id="{9CD75B80-5730-418A-A3FD-5AC6F6C6466B}"/>
               </a:ext>
             </a:extLst>
           </p:cNvPr>
@@ -46708,10 +48455,75 @@
         </p:nvSpPr>
         <p:spPr>
           <a:xfrm>
-            <a:off x="15036755" y="20709047"/>
+            <a:off x="18287591" y="26043172"/>
+            <a:ext cx="6616645" cy="1958938"/>
+          </a:xfrm>
+          <a:prstGeom prst="rect">
+            <a:avLst/>
+          </a:prstGeom>
+          <a:solidFill>
+            <a:srgbClr val="FFF3CD"/>
+          </a:solidFill>
+          <a:ln>
+            <a:solidFill>
+              <a:srgbClr val="FFDD71"/>
+            </a:solidFill>
+          </a:ln>
+          <a:effectLst>
+            <a:outerShdw blurRad="50800" dist="38100" dir="2700000" algn="tl" rotWithShape="0">
+              <a:prstClr val="black">
+                <a:alpha val="40000"/>
+              </a:prstClr>
+            </a:outerShdw>
+          </a:effectLst>
+        </p:spPr>
+        <p:style>
+          <a:lnRef idx="2">
+            <a:schemeClr val="accent2">
+              <a:shade val="50000"/>
+            </a:schemeClr>
+          </a:lnRef>
+          <a:fillRef idx="1">
+            <a:schemeClr val="accent2"/>
+          </a:fillRef>
+          <a:effectRef idx="0">
+            <a:schemeClr val="accent2"/>
+          </a:effectRef>
+          <a:fontRef idx="minor">
+            <a:schemeClr val="lt1"/>
+          </a:fontRef>
+        </p:style>
+        <p:txBody>
+          <a:bodyPr rtlCol="0" anchor="ctr"/>
+          <a:lstStyle/>
+          <a:p>
+            <a:pPr algn="ctr"/>
+            <a:endParaRPr lang="zh-CN" altLang="en-US" dirty="0">
+              <a:solidFill>
+                <a:schemeClr val="tx1"/>
+              </a:solidFill>
+            </a:endParaRPr>
+          </a:p>
+        </p:txBody>
+      </p:sp>
+      <p:sp>
+        <p:nvSpPr>
+          <p:cNvPr id="297" name="椭圆 296">
+            <a:extLst>
+              <a:ext uri="{FF2B5EF4-FFF2-40B4-BE49-F238E27FC236}">
+                <a16:creationId xmlns:a16="http://schemas.microsoft.com/office/drawing/2014/main" id="{ED143052-FB12-4020-8DC2-FCC650BA9949}"/>
+              </a:ext>
+            </a:extLst>
+          </p:cNvPr>
+          <p:cNvSpPr/>
+          <p:nvPr/>
+        </p:nvSpPr>
+        <p:spPr>
+          <a:xfrm>
+            <a:off x="20963840" y="26798436"/>
             <a:ext cx="1471503" cy="522514"/>
           </a:xfrm>
-          <a:prstGeom prst="rect">
+          <a:prstGeom prst="ellipse">
             <a:avLst/>
           </a:prstGeom>
           <a:solidFill>
@@ -46757,7 +48569,398 @@
                   <a:schemeClr val="tx1"/>
                 </a:solidFill>
               </a:rPr>
-              <a:t>Slice 2</a:t>
+              <a:t>decode()</a:t>
+            </a:r>
+            <a:endParaRPr lang="zh-CN" altLang="en-US" dirty="0">
+              <a:solidFill>
+                <a:schemeClr val="tx1"/>
+              </a:solidFill>
+            </a:endParaRPr>
+          </a:p>
+        </p:txBody>
+      </p:sp>
+      <p:graphicFrame>
+        <p:nvGraphicFramePr>
+          <p:cNvPr id="298" name="表格 51">
+            <a:extLst>
+              <a:ext uri="{FF2B5EF4-FFF2-40B4-BE49-F238E27FC236}">
+                <a16:creationId xmlns:a16="http://schemas.microsoft.com/office/drawing/2014/main" id="{E08ADB92-1EF6-4294-8145-CFAFFB67805A}"/>
+              </a:ext>
+            </a:extLst>
+          </p:cNvPr>
+          <p:cNvGraphicFramePr>
+            <a:graphicFrameLocks noGrp="1"/>
+          </p:cNvGraphicFramePr>
+          <p:nvPr>
+            <p:extLst>
+              <p:ext uri="{D42A27DB-BD31-4B8C-83A1-F6EECF244321}">
+                <p14:modId xmlns:p14="http://schemas.microsoft.com/office/powerpoint/2010/main" val="2790618542"/>
+              </p:ext>
+            </p:extLst>
+          </p:nvPr>
+        </p:nvGraphicFramePr>
+        <p:xfrm>
+          <a:off x="18390253" y="26876813"/>
+          <a:ext cx="1440000" cy="365760"/>
+        </p:xfrm>
+        <a:graphic>
+          <a:graphicData uri="http://schemas.openxmlformats.org/drawingml/2006/table">
+            <a:tbl>
+              <a:tblPr firstRow="1" bandRow="1">
+                <a:tableStyleId>{5C22544A-7EE6-4342-B048-85BDC9FD1C3A}</a:tableStyleId>
+              </a:tblPr>
+              <a:tblGrid>
+                <a:gridCol w="360000">
+                  <a:extLst>
+                    <a:ext uri="{9D8B030D-6E8A-4147-A177-3AD203B41FA5}">
+                      <a16:colId xmlns:a16="http://schemas.microsoft.com/office/drawing/2014/main" val="1385242786"/>
+                    </a:ext>
+                  </a:extLst>
+                </a:gridCol>
+                <a:gridCol w="360000">
+                  <a:extLst>
+                    <a:ext uri="{9D8B030D-6E8A-4147-A177-3AD203B41FA5}">
+                      <a16:colId xmlns:a16="http://schemas.microsoft.com/office/drawing/2014/main" val="3287163160"/>
+                    </a:ext>
+                  </a:extLst>
+                </a:gridCol>
+                <a:gridCol w="360000">
+                  <a:extLst>
+                    <a:ext uri="{9D8B030D-6E8A-4147-A177-3AD203B41FA5}">
+                      <a16:colId xmlns:a16="http://schemas.microsoft.com/office/drawing/2014/main" val="1552517807"/>
+                    </a:ext>
+                  </a:extLst>
+                </a:gridCol>
+                <a:gridCol w="360000">
+                  <a:extLst>
+                    <a:ext uri="{9D8B030D-6E8A-4147-A177-3AD203B41FA5}">
+                      <a16:colId xmlns:a16="http://schemas.microsoft.com/office/drawing/2014/main" val="696722391"/>
+                    </a:ext>
+                  </a:extLst>
+                </a:gridCol>
+              </a:tblGrid>
+              <a:tr h="360000">
+                <a:tc>
+                  <a:txBody>
+                    <a:bodyPr/>
+                    <a:lstStyle/>
+                    <a:p>
+                      <a:pPr algn="ctr"/>
+                      <a:r>
+                        <a:rPr lang="en-US" altLang="zh-CN" sz="1800" b="0" dirty="0">
+                          <a:solidFill>
+                            <a:schemeClr val="tx1"/>
+                          </a:solidFill>
+                        </a:rPr>
+                        <a:t>1</a:t>
+                      </a:r>
+                      <a:endParaRPr lang="zh-CN" altLang="en-US" sz="1800" b="0" dirty="0">
+                        <a:solidFill>
+                          <a:schemeClr val="tx1"/>
+                        </a:solidFill>
+                      </a:endParaRPr>
+                    </a:p>
+                  </a:txBody>
+                  <a:tcPr anchor="ctr">
+                    <a:lnL w="12700" cap="flat" cmpd="sng" algn="ctr">
+                      <a:solidFill>
+                        <a:schemeClr val="tx1"/>
+                      </a:solidFill>
+                      <a:prstDash val="solid"/>
+                      <a:round/>
+                      <a:headEnd type="none" w="med" len="med"/>
+                      <a:tailEnd type="none" w="med" len="med"/>
+                    </a:lnL>
+                    <a:lnR w="12700" cap="flat" cmpd="sng" algn="ctr">
+                      <a:solidFill>
+                        <a:schemeClr val="tx1"/>
+                      </a:solidFill>
+                      <a:prstDash val="solid"/>
+                      <a:round/>
+                      <a:headEnd type="none" w="med" len="med"/>
+                      <a:tailEnd type="none" w="med" len="med"/>
+                    </a:lnR>
+                    <a:lnT w="12700" cap="flat" cmpd="sng" algn="ctr">
+                      <a:solidFill>
+                        <a:schemeClr val="tx1"/>
+                      </a:solidFill>
+                      <a:prstDash val="solid"/>
+                      <a:round/>
+                      <a:headEnd type="none" w="med" len="med"/>
+                      <a:tailEnd type="none" w="med" len="med"/>
+                    </a:lnT>
+                    <a:lnB w="12700" cap="flat" cmpd="sng" algn="ctr">
+                      <a:solidFill>
+                        <a:schemeClr val="tx1"/>
+                      </a:solidFill>
+                      <a:prstDash val="solid"/>
+                      <a:round/>
+                      <a:headEnd type="none" w="med" len="med"/>
+                      <a:tailEnd type="none" w="med" len="med"/>
+                    </a:lnB>
+                    <a:solidFill>
+                      <a:schemeClr val="bg1"/>
+                    </a:solidFill>
+                  </a:tcPr>
+                </a:tc>
+                <a:tc>
+                  <a:txBody>
+                    <a:bodyPr/>
+                    <a:lstStyle/>
+                    <a:p>
+                      <a:pPr algn="ctr"/>
+                      <a:r>
+                        <a:rPr lang="en-US" altLang="zh-CN" sz="1800" b="0" dirty="0">
+                          <a:solidFill>
+                            <a:schemeClr val="tx1"/>
+                          </a:solidFill>
+                        </a:rPr>
+                        <a:t>2</a:t>
+                      </a:r>
+                      <a:endParaRPr lang="zh-CN" altLang="en-US" sz="1800" b="0" dirty="0">
+                        <a:solidFill>
+                          <a:schemeClr val="tx1"/>
+                        </a:solidFill>
+                      </a:endParaRPr>
+                    </a:p>
+                  </a:txBody>
+                  <a:tcPr anchor="ctr">
+                    <a:lnL w="12700" cap="flat" cmpd="sng" algn="ctr">
+                      <a:solidFill>
+                        <a:schemeClr val="tx1"/>
+                      </a:solidFill>
+                      <a:prstDash val="solid"/>
+                      <a:round/>
+                      <a:headEnd type="none" w="med" len="med"/>
+                      <a:tailEnd type="none" w="med" len="med"/>
+                    </a:lnL>
+                    <a:lnR w="12700" cap="flat" cmpd="sng" algn="ctr">
+                      <a:solidFill>
+                        <a:schemeClr val="tx1"/>
+                      </a:solidFill>
+                      <a:prstDash val="solid"/>
+                      <a:round/>
+                      <a:headEnd type="none" w="med" len="med"/>
+                      <a:tailEnd type="none" w="med" len="med"/>
+                    </a:lnR>
+                    <a:lnT w="12700" cap="flat" cmpd="sng" algn="ctr">
+                      <a:solidFill>
+                        <a:schemeClr val="tx1"/>
+                      </a:solidFill>
+                      <a:prstDash val="solid"/>
+                      <a:round/>
+                      <a:headEnd type="none" w="med" len="med"/>
+                      <a:tailEnd type="none" w="med" len="med"/>
+                    </a:lnT>
+                    <a:lnB w="12700" cap="flat" cmpd="sng" algn="ctr">
+                      <a:solidFill>
+                        <a:schemeClr val="tx1"/>
+                      </a:solidFill>
+                      <a:prstDash val="solid"/>
+                      <a:round/>
+                      <a:headEnd type="none" w="med" len="med"/>
+                      <a:tailEnd type="none" w="med" len="med"/>
+                    </a:lnB>
+                    <a:solidFill>
+                      <a:schemeClr val="bg1"/>
+                    </a:solidFill>
+                  </a:tcPr>
+                </a:tc>
+                <a:tc>
+                  <a:txBody>
+                    <a:bodyPr/>
+                    <a:lstStyle/>
+                    <a:p>
+                      <a:pPr algn="ctr"/>
+                      <a:r>
+                        <a:rPr lang="en-US" altLang="zh-CN" sz="1800" b="0" dirty="0">
+                          <a:solidFill>
+                            <a:schemeClr val="tx1"/>
+                          </a:solidFill>
+                        </a:rPr>
+                        <a:t>3</a:t>
+                      </a:r>
+                      <a:endParaRPr lang="zh-CN" altLang="en-US" sz="1800" b="0" dirty="0">
+                        <a:solidFill>
+                          <a:schemeClr val="tx1"/>
+                        </a:solidFill>
+                      </a:endParaRPr>
+                    </a:p>
+                  </a:txBody>
+                  <a:tcPr anchor="ctr">
+                    <a:lnL w="12700" cap="flat" cmpd="sng" algn="ctr">
+                      <a:solidFill>
+                        <a:schemeClr val="tx1"/>
+                      </a:solidFill>
+                      <a:prstDash val="solid"/>
+                      <a:round/>
+                      <a:headEnd type="none" w="med" len="med"/>
+                      <a:tailEnd type="none" w="med" len="med"/>
+                    </a:lnL>
+                    <a:lnR w="12700" cap="flat" cmpd="sng" algn="ctr">
+                      <a:solidFill>
+                        <a:schemeClr val="tx1"/>
+                      </a:solidFill>
+                      <a:prstDash val="solid"/>
+                      <a:round/>
+                      <a:headEnd type="none" w="med" len="med"/>
+                      <a:tailEnd type="none" w="med" len="med"/>
+                    </a:lnR>
+                    <a:lnT w="12700" cap="flat" cmpd="sng" algn="ctr">
+                      <a:solidFill>
+                        <a:schemeClr val="tx1"/>
+                      </a:solidFill>
+                      <a:prstDash val="solid"/>
+                      <a:round/>
+                      <a:headEnd type="none" w="med" len="med"/>
+                      <a:tailEnd type="none" w="med" len="med"/>
+                    </a:lnT>
+                    <a:lnB w="12700" cap="flat" cmpd="sng" algn="ctr">
+                      <a:solidFill>
+                        <a:schemeClr val="tx1"/>
+                      </a:solidFill>
+                      <a:prstDash val="solid"/>
+                      <a:round/>
+                      <a:headEnd type="none" w="med" len="med"/>
+                      <a:tailEnd type="none" w="med" len="med"/>
+                    </a:lnB>
+                    <a:solidFill>
+                      <a:schemeClr val="bg1"/>
+                    </a:solidFill>
+                  </a:tcPr>
+                </a:tc>
+                <a:tc>
+                  <a:txBody>
+                    <a:bodyPr/>
+                    <a:lstStyle/>
+                    <a:p>
+                      <a:pPr algn="ctr"/>
+                      <a:r>
+                        <a:rPr lang="en-US" altLang="zh-CN" sz="1800" b="0" dirty="0">
+                          <a:solidFill>
+                            <a:schemeClr val="tx1"/>
+                          </a:solidFill>
+                        </a:rPr>
+                        <a:t>4</a:t>
+                      </a:r>
+                      <a:endParaRPr lang="zh-CN" altLang="en-US" sz="1800" b="0" dirty="0">
+                        <a:solidFill>
+                          <a:schemeClr val="tx1"/>
+                        </a:solidFill>
+                      </a:endParaRPr>
+                    </a:p>
+                  </a:txBody>
+                  <a:tcPr anchor="ctr">
+                    <a:lnL w="12700" cap="flat" cmpd="sng" algn="ctr">
+                      <a:solidFill>
+                        <a:schemeClr val="tx1"/>
+                      </a:solidFill>
+                      <a:prstDash val="solid"/>
+                      <a:round/>
+                      <a:headEnd type="none" w="med" len="med"/>
+                      <a:tailEnd type="none" w="med" len="med"/>
+                    </a:lnL>
+                    <a:lnR w="12700" cap="flat" cmpd="sng" algn="ctr">
+                      <a:solidFill>
+                        <a:schemeClr val="tx1"/>
+                      </a:solidFill>
+                      <a:prstDash val="solid"/>
+                      <a:round/>
+                      <a:headEnd type="none" w="med" len="med"/>
+                      <a:tailEnd type="none" w="med" len="med"/>
+                    </a:lnR>
+                    <a:lnT w="12700" cap="flat" cmpd="sng" algn="ctr">
+                      <a:solidFill>
+                        <a:schemeClr val="tx1"/>
+                      </a:solidFill>
+                      <a:prstDash val="solid"/>
+                      <a:round/>
+                      <a:headEnd type="none" w="med" len="med"/>
+                      <a:tailEnd type="none" w="med" len="med"/>
+                    </a:lnT>
+                    <a:lnB w="12700" cap="flat" cmpd="sng" algn="ctr">
+                      <a:solidFill>
+                        <a:schemeClr val="tx1"/>
+                      </a:solidFill>
+                      <a:prstDash val="solid"/>
+                      <a:round/>
+                      <a:headEnd type="none" w="med" len="med"/>
+                      <a:tailEnd type="none" w="med" len="med"/>
+                    </a:lnB>
+                    <a:solidFill>
+                      <a:schemeClr val="bg1"/>
+                    </a:solidFill>
+                  </a:tcPr>
+                </a:tc>
+                <a:extLst>
+                  <a:ext uri="{0D108BD9-81ED-4DB2-BD59-A6C34878D82A}">
+                    <a16:rowId xmlns:a16="http://schemas.microsoft.com/office/drawing/2014/main" val="3230326349"/>
+                  </a:ext>
+                </a:extLst>
+              </a:tr>
+            </a:tbl>
+          </a:graphicData>
+        </a:graphic>
+      </p:graphicFrame>
+      <p:sp>
+        <p:nvSpPr>
+          <p:cNvPr id="299" name="矩形 298">
+            <a:extLst>
+              <a:ext uri="{FF2B5EF4-FFF2-40B4-BE49-F238E27FC236}">
+                <a16:creationId xmlns:a16="http://schemas.microsoft.com/office/drawing/2014/main" id="{A0880830-531E-4E61-B875-4ADC28880921}"/>
+              </a:ext>
+            </a:extLst>
+          </p:cNvPr>
+          <p:cNvSpPr/>
+          <p:nvPr/>
+        </p:nvSpPr>
+        <p:spPr>
+          <a:xfrm>
+            <a:off x="23568930" y="26818845"/>
+            <a:ext cx="1126259" cy="481696"/>
+          </a:xfrm>
+          <a:prstGeom prst="rect">
+            <a:avLst/>
+          </a:prstGeom>
+          <a:solidFill>
+            <a:srgbClr val="FF8989"/>
+          </a:solidFill>
+          <a:effectLst>
+            <a:outerShdw blurRad="50800" dist="38100" dir="2700000" algn="tl" rotWithShape="0">
+              <a:prstClr val="black">
+                <a:alpha val="40000"/>
+              </a:prstClr>
+            </a:outerShdw>
+          </a:effectLst>
+        </p:spPr>
+        <p:style>
+          <a:lnRef idx="2">
+            <a:schemeClr val="accent2">
+              <a:shade val="50000"/>
+            </a:schemeClr>
+          </a:lnRef>
+          <a:fillRef idx="1">
+            <a:schemeClr val="accent2"/>
+          </a:fillRef>
+          <a:effectRef idx="0">
+            <a:schemeClr val="accent2"/>
+          </a:effectRef>
+          <a:fontRef idx="minor">
+            <a:schemeClr val="lt1"/>
+          </a:fontRef>
+        </p:style>
+        <p:txBody>
+          <a:bodyPr rtlCol="0" anchor="ctr"/>
+          <a:lstStyle/>
+          <a:p>
+            <a:pPr algn="ctr"/>
+            <a:r>
+              <a:rPr lang="en-US" altLang="zh-CN" dirty="0">
+                <a:solidFill>
+                  <a:schemeClr val="tx1"/>
+                </a:solidFill>
+              </a:rPr>
+              <a:t>Integer</a:t>
             </a:r>
             <a:endParaRPr lang="zh-CN" altLang="en-US" dirty="0">
               <a:solidFill>
@@ -46769,32 +48972,35 @@
       </p:sp>
       <p:cxnSp>
         <p:nvCxnSpPr>
-          <p:cNvPr id="275" name="直接连接符 274">
+          <p:cNvPr id="300" name="连接符: 肘形 299">
             <a:extLst>
               <a:ext uri="{FF2B5EF4-FFF2-40B4-BE49-F238E27FC236}">
-                <a16:creationId xmlns:a16="http://schemas.microsoft.com/office/drawing/2014/main" id="{EFC46A54-984E-4BFF-BF1E-96C1C6F4E1E0}"/>
+                <a16:creationId xmlns:a16="http://schemas.microsoft.com/office/drawing/2014/main" id="{7B2E48F7-C709-4D02-9126-459C175959D8}"/>
               </a:ext>
             </a:extLst>
           </p:cNvPr>
           <p:cNvCxnSpPr>
-            <a:stCxn id="282" idx="3"/>
-            <a:endCxn id="283" idx="3"/>
+            <a:cxnSpLocks/>
+            <a:endCxn id="297" idx="3"/>
           </p:cNvCxnSpPr>
           <p:nvPr/>
         </p:nvCxnSpPr>
         <p:spPr>
           <a:xfrm>
-            <a:off x="14458303" y="23695326"/>
-            <a:ext cx="342" cy="2591411"/>
+            <a:off x="19110253" y="27242573"/>
+            <a:ext cx="2069084" cy="1857"/>
           </a:xfrm>
-          <a:prstGeom prst="line">
-            <a:avLst/>
+          <a:prstGeom prst="bentConnector4">
+            <a:avLst>
+              <a:gd name="adj1" fmla="val -506"/>
+              <a:gd name="adj2" fmla="val 16923910"/>
+            </a:avLst>
           </a:prstGeom>
           <a:ln w="15875">
             <a:solidFill>
               <a:schemeClr val="tx1"/>
             </a:solidFill>
-            <a:prstDash val="dash"/>
+            <a:tailEnd type="triangle"/>
           </a:ln>
         </p:spPr>
         <p:style>
@@ -46814,120 +49020,34 @@
       </p:cxnSp>
       <p:cxnSp>
         <p:nvCxnSpPr>
-          <p:cNvPr id="276" name="直接连接符 275">
+          <p:cNvPr id="301" name="连接符: 肘形 300">
             <a:extLst>
               <a:ext uri="{FF2B5EF4-FFF2-40B4-BE49-F238E27FC236}">
-                <a16:creationId xmlns:a16="http://schemas.microsoft.com/office/drawing/2014/main" id="{35B478FC-67B9-4725-940A-9A4332C5B8CC}"/>
+                <a16:creationId xmlns:a16="http://schemas.microsoft.com/office/drawing/2014/main" id="{2187EBBC-816A-4963-8F14-F0EC811D6867}"/>
               </a:ext>
             </a:extLst>
           </p:cNvPr>
           <p:cNvCxnSpPr>
-            <a:stCxn id="282" idx="1"/>
-            <a:endCxn id="283" idx="1"/>
+            <a:stCxn id="297" idx="5"/>
+            <a:endCxn id="299" idx="2"/>
           </p:cNvCxnSpPr>
           <p:nvPr/>
         </p:nvCxnSpPr>
         <p:spPr>
-          <a:xfrm>
-            <a:off x="11643445" y="23695326"/>
-            <a:ext cx="0" cy="2591411"/>
+          <a:xfrm rot="16200000" flipH="1">
+            <a:off x="23147898" y="26316378"/>
+            <a:ext cx="56111" cy="1912214"/>
           </a:xfrm>
-          <a:prstGeom prst="line">
-            <a:avLst/>
+          <a:prstGeom prst="bentConnector3">
+            <a:avLst>
+              <a:gd name="adj1" fmla="val 543779"/>
+            </a:avLst>
           </a:prstGeom>
           <a:ln w="15875">
             <a:solidFill>
               <a:schemeClr val="tx1"/>
             </a:solidFill>
-            <a:prstDash val="dash"/>
-          </a:ln>
-        </p:spPr>
-        <p:style>
-          <a:lnRef idx="1">
-            <a:schemeClr val="accent1"/>
-          </a:lnRef>
-          <a:fillRef idx="0">
-            <a:schemeClr val="accent1"/>
-          </a:fillRef>
-          <a:effectRef idx="0">
-            <a:schemeClr val="accent1"/>
-          </a:effectRef>
-          <a:fontRef idx="minor">
-            <a:schemeClr val="tx1"/>
-          </a:fontRef>
-        </p:style>
-      </p:cxnSp>
-      <p:cxnSp>
-        <p:nvCxnSpPr>
-          <p:cNvPr id="277" name="直接连接符 276">
-            <a:extLst>
-              <a:ext uri="{FF2B5EF4-FFF2-40B4-BE49-F238E27FC236}">
-                <a16:creationId xmlns:a16="http://schemas.microsoft.com/office/drawing/2014/main" id="{F47B7191-9457-4C85-BF73-BB28D186698E}"/>
-              </a:ext>
-            </a:extLst>
-          </p:cNvPr>
-          <p:cNvCxnSpPr>
-            <a:cxnSpLocks/>
-          </p:cNvCxnSpPr>
-          <p:nvPr/>
-        </p:nvCxnSpPr>
-        <p:spPr>
-          <a:xfrm flipH="1">
-            <a:off x="11643444" y="25252417"/>
-            <a:ext cx="805636" cy="773320"/>
-          </a:xfrm>
-          <a:prstGeom prst="line">
-            <a:avLst/>
-          </a:prstGeom>
-          <a:ln w="15875">
-            <a:solidFill>
-              <a:schemeClr val="tx1"/>
-            </a:solidFill>
-            <a:prstDash val="dash"/>
-          </a:ln>
-        </p:spPr>
-        <p:style>
-          <a:lnRef idx="1">
-            <a:schemeClr val="accent1"/>
-          </a:lnRef>
-          <a:fillRef idx="0">
-            <a:schemeClr val="accent1"/>
-          </a:fillRef>
-          <a:effectRef idx="0">
-            <a:schemeClr val="accent1"/>
-          </a:effectRef>
-          <a:fontRef idx="minor">
-            <a:schemeClr val="tx1"/>
-          </a:fontRef>
-        </p:style>
-      </p:cxnSp>
-      <p:cxnSp>
-        <p:nvCxnSpPr>
-          <p:cNvPr id="278" name="直接连接符 277">
-            <a:extLst>
-              <a:ext uri="{FF2B5EF4-FFF2-40B4-BE49-F238E27FC236}">
-                <a16:creationId xmlns:a16="http://schemas.microsoft.com/office/drawing/2014/main" id="{79724F7D-9193-44FF-8181-A6FC76627750}"/>
-              </a:ext>
-            </a:extLst>
-          </p:cNvPr>
-          <p:cNvCxnSpPr>
-            <a:cxnSpLocks/>
-          </p:cNvCxnSpPr>
-          <p:nvPr/>
-        </p:nvCxnSpPr>
-        <p:spPr>
-          <a:xfrm flipH="1">
-            <a:off x="14458303" y="25251903"/>
-            <a:ext cx="805635" cy="773834"/>
-          </a:xfrm>
-          <a:prstGeom prst="line">
-            <a:avLst/>
-          </a:prstGeom>
-          <a:ln w="15875">
-            <a:solidFill>
-              <a:schemeClr val="tx1"/>
-            </a:solidFill>
-            <a:prstDash val="dash"/>
+            <a:tailEnd type="triangle"/>
           </a:ln>
         </p:spPr>
         <p:style>
@@ -46947,10 +49067,46 @@
       </p:cxnSp>
       <p:sp>
         <p:nvSpPr>
-          <p:cNvPr id="281" name="矩形 280">
+          <p:cNvPr id="302" name="文本框 301">
             <a:extLst>
               <a:ext uri="{FF2B5EF4-FFF2-40B4-BE49-F238E27FC236}">
-                <a16:creationId xmlns:a16="http://schemas.microsoft.com/office/drawing/2014/main" id="{739A296B-8525-4670-8353-7AC371FD9C94}"/>
+                <a16:creationId xmlns:a16="http://schemas.microsoft.com/office/drawing/2014/main" id="{BF076C1D-99F4-49D0-971B-2B764DCA60CF}"/>
+              </a:ext>
+            </a:extLst>
+          </p:cNvPr>
+          <p:cNvSpPr txBox="1"/>
+          <p:nvPr/>
+        </p:nvSpPr>
+        <p:spPr>
+          <a:xfrm>
+            <a:off x="20690969" y="26071491"/>
+            <a:ext cx="2081339" cy="400110"/>
+          </a:xfrm>
+          <a:prstGeom prst="rect">
+            <a:avLst/>
+          </a:prstGeom>
+          <a:noFill/>
+        </p:spPr>
+        <p:txBody>
+          <a:bodyPr wrap="none" rtlCol="0">
+            <a:spAutoFit/>
+          </a:bodyPr>
+          <a:lstStyle/>
+          <a:p>
+            <a:r>
+              <a:rPr lang="en-US" altLang="zh-CN" sz="2000" b="1" dirty="0"/>
+              <a:t>ToIntegerDecoder</a:t>
+            </a:r>
+            <a:endParaRPr lang="zh-CN" altLang="en-US" sz="2000" b="1" dirty="0"/>
+          </a:p>
+        </p:txBody>
+      </p:sp>
+      <p:sp>
+        <p:nvSpPr>
+          <p:cNvPr id="303" name="矩形 302">
+            <a:extLst>
+              <a:ext uri="{FF2B5EF4-FFF2-40B4-BE49-F238E27FC236}">
+                <a16:creationId xmlns:a16="http://schemas.microsoft.com/office/drawing/2014/main" id="{A5A3DC43-7AC8-4798-8DE5-4C7C432FA6C3}"/>
               </a:ext>
             </a:extLst>
           </p:cNvPr>
@@ -46959,18 +49115,18 @@
         </p:nvSpPr>
         <p:spPr>
           <a:xfrm>
-            <a:off x="12449078" y="24729903"/>
-            <a:ext cx="2815200" cy="522514"/>
+            <a:off x="23295440" y="25115154"/>
+            <a:ext cx="1673238" cy="522000"/>
           </a:xfrm>
           <a:prstGeom prst="rect">
             <a:avLst/>
           </a:prstGeom>
           <a:solidFill>
-            <a:srgbClr val="99CCFF"/>
+            <a:srgbClr val="F9D1B5"/>
           </a:solidFill>
           <a:ln>
             <a:solidFill>
-              <a:srgbClr val="0D86FF"/>
+              <a:srgbClr val="F4A570"/>
             </a:solidFill>
           </a:ln>
           <a:effectLst>
@@ -47008,7 +49164,7 @@
                   <a:schemeClr val="tx1"/>
                 </a:solidFill>
               </a:rPr>
-              <a:t>duplicate</a:t>
+              <a:t>Handler</a:t>
             </a:r>
             <a:endParaRPr lang="zh-CN" altLang="en-US" dirty="0">
               <a:solidFill>
@@ -47020,172 +49176,186 @@
       </p:sp>
       <p:sp>
         <p:nvSpPr>
-          <p:cNvPr id="282" name="矩形 281">
+          <p:cNvPr id="304" name="文本框 303">
             <a:extLst>
               <a:ext uri="{FF2B5EF4-FFF2-40B4-BE49-F238E27FC236}">
-                <a16:creationId xmlns:a16="http://schemas.microsoft.com/office/drawing/2014/main" id="{E46677FA-837D-4530-AA3F-290F4134D367}"/>
+                <a16:creationId xmlns:a16="http://schemas.microsoft.com/office/drawing/2014/main" id="{122AC18D-2A38-4D59-9D2F-CCF97D80FD3A}"/>
               </a:ext>
             </a:extLst>
           </p:cNvPr>
-          <p:cNvSpPr/>
+          <p:cNvSpPr txBox="1"/>
           <p:nvPr/>
         </p:nvSpPr>
         <p:spPr>
           <a:xfrm>
-            <a:off x="11643445" y="23434069"/>
-            <a:ext cx="2814858" cy="522514"/>
+            <a:off x="19915177" y="27230753"/>
+            <a:ext cx="646331" cy="369332"/>
           </a:xfrm>
           <a:prstGeom prst="rect">
             <a:avLst/>
           </a:prstGeom>
-          <a:solidFill>
-            <a:srgbClr val="FF8989"/>
-          </a:solidFill>
-          <a:effectLst>
-            <a:outerShdw blurRad="50800" dist="38100" dir="2700000" algn="tl" rotWithShape="0">
-              <a:prstClr val="black">
-                <a:alpha val="40000"/>
-              </a:prstClr>
-            </a:outerShdw>
-          </a:effectLst>
+          <a:noFill/>
         </p:spPr>
-        <p:style>
-          <a:lnRef idx="2">
-            <a:schemeClr val="accent2">
-              <a:shade val="50000"/>
-            </a:schemeClr>
-          </a:lnRef>
-          <a:fillRef idx="1">
-            <a:schemeClr val="accent2"/>
-          </a:fillRef>
-          <a:effectRef idx="0">
-            <a:schemeClr val="accent2"/>
-          </a:effectRef>
-          <a:fontRef idx="minor">
-            <a:schemeClr val="lt1"/>
-          </a:fontRef>
-        </p:style>
         <p:txBody>
-          <a:bodyPr rtlCol="0" anchor="ctr"/>
+          <a:bodyPr wrap="none" rtlCol="0">
+            <a:spAutoFit/>
+          </a:bodyPr>
           <a:lstStyle/>
           <a:p>
-            <a:pPr algn="ctr"/>
             <a:r>
-              <a:rPr lang="zh-CN" altLang="en-US" dirty="0">
-                <a:solidFill>
-                  <a:schemeClr val="tx1"/>
-                </a:solidFill>
-              </a:rPr>
-              <a:t>原始</a:t>
+              <a:rPr lang="zh-CN" altLang="en-US" dirty="0"/>
+              <a:t>读取</a:t>
             </a:r>
-            <a:r>
-              <a:rPr lang="en-US" altLang="zh-CN" dirty="0">
-                <a:solidFill>
-                  <a:schemeClr val="tx1"/>
-                </a:solidFill>
-              </a:rPr>
-              <a:t>ByteBuf</a:t>
-            </a:r>
-            <a:endParaRPr lang="zh-CN" altLang="en-US" dirty="0">
-              <a:solidFill>
-                <a:schemeClr val="tx1"/>
-              </a:solidFill>
-            </a:endParaRPr>
           </a:p>
         </p:txBody>
       </p:sp>
       <p:sp>
         <p:nvSpPr>
-          <p:cNvPr id="283" name="矩形 282">
+          <p:cNvPr id="305" name="文本框 304">
             <a:extLst>
               <a:ext uri="{FF2B5EF4-FFF2-40B4-BE49-F238E27FC236}">
-                <a16:creationId xmlns:a16="http://schemas.microsoft.com/office/drawing/2014/main" id="{FCB62402-51DB-48A5-8341-068CE1F4A6AE}"/>
+                <a16:creationId xmlns:a16="http://schemas.microsoft.com/office/drawing/2014/main" id="{77FD2025-44DE-4253-98B3-48AD007F0FA9}"/>
               </a:ext>
             </a:extLst>
           </p:cNvPr>
-          <p:cNvSpPr/>
+          <p:cNvSpPr txBox="1"/>
           <p:nvPr/>
         </p:nvSpPr>
         <p:spPr>
           <a:xfrm>
-            <a:off x="11643445" y="26025737"/>
-            <a:ext cx="2815200" cy="522000"/>
+            <a:off x="22772308" y="27230753"/>
+            <a:ext cx="646331" cy="369332"/>
           </a:xfrm>
           <a:prstGeom prst="rect">
             <a:avLst/>
           </a:prstGeom>
-          <a:solidFill>
-            <a:srgbClr val="C5E0B4"/>
-          </a:solidFill>
-          <a:ln>
-            <a:solidFill>
-              <a:srgbClr val="93C573"/>
-            </a:solidFill>
-          </a:ln>
-          <a:effectLst>
-            <a:outerShdw blurRad="50800" dist="38100" dir="2700000" algn="tl" rotWithShape="0">
-              <a:prstClr val="black">
-                <a:alpha val="40000"/>
-              </a:prstClr>
-            </a:outerShdw>
-          </a:effectLst>
+          <a:noFill/>
         </p:spPr>
-        <p:style>
-          <a:lnRef idx="2">
-            <a:schemeClr val="accent1">
-              <a:shade val="50000"/>
-            </a:schemeClr>
-          </a:lnRef>
-          <a:fillRef idx="1">
-            <a:schemeClr val="accent1"/>
-          </a:fillRef>
-          <a:effectRef idx="0">
-            <a:schemeClr val="accent1"/>
-          </a:effectRef>
-          <a:fontRef idx="minor">
-            <a:schemeClr val="lt1"/>
-          </a:fontRef>
-        </p:style>
         <p:txBody>
-          <a:bodyPr rtlCol="0" anchor="ctr"/>
+          <a:bodyPr wrap="none" rtlCol="0">
+            <a:spAutoFit/>
+          </a:bodyPr>
           <a:lstStyle/>
           <a:p>
-            <a:pPr algn="ctr"/>
             <a:r>
-              <a:rPr lang="zh-CN" altLang="en-US" dirty="0">
-                <a:solidFill>
-                  <a:schemeClr val="tx1"/>
-                </a:solidFill>
-              </a:rPr>
-              <a:t>物理内存</a:t>
+              <a:rPr lang="zh-CN" altLang="en-US" dirty="0"/>
+              <a:t>添加</a:t>
             </a:r>
+          </a:p>
+        </p:txBody>
+      </p:sp>
+      <p:sp>
+        <p:nvSpPr>
+          <p:cNvPr id="306" name="文本框 305">
+            <a:extLst>
+              <a:ext uri="{FF2B5EF4-FFF2-40B4-BE49-F238E27FC236}">
+                <a16:creationId xmlns:a16="http://schemas.microsoft.com/office/drawing/2014/main" id="{8C149677-D9E2-4AB2-801E-02B931D622AE}"/>
+              </a:ext>
+            </a:extLst>
+          </p:cNvPr>
+          <p:cNvSpPr txBox="1"/>
+          <p:nvPr/>
+        </p:nvSpPr>
+        <p:spPr>
+          <a:xfrm>
+            <a:off x="18300717" y="27570233"/>
+            <a:ext cx="1381725" cy="369332"/>
+          </a:xfrm>
+          <a:prstGeom prst="rect">
+            <a:avLst/>
+          </a:prstGeom>
+          <a:noFill/>
+        </p:spPr>
+        <p:txBody>
+          <a:bodyPr wrap="none" rtlCol="0">
+            <a:spAutoFit/>
+          </a:bodyPr>
+          <a:lstStyle/>
+          <a:p>
+            <a:r>
+              <a:rPr lang="zh-CN" altLang="en-US" dirty="0"/>
+              <a:t>入站</a:t>
+            </a:r>
+            <a:r>
+              <a:rPr lang="en-US" altLang="zh-CN" dirty="0"/>
+              <a:t>ByteBuf</a:t>
+            </a:r>
+            <a:endParaRPr lang="zh-CN" altLang="en-US" dirty="0"/>
+          </a:p>
+        </p:txBody>
+      </p:sp>
+      <p:sp>
+        <p:nvSpPr>
+          <p:cNvPr id="307" name="文本框 306">
+            <a:extLst>
+              <a:ext uri="{FF2B5EF4-FFF2-40B4-BE49-F238E27FC236}">
+                <a16:creationId xmlns:a16="http://schemas.microsoft.com/office/drawing/2014/main" id="{91593016-0625-4F87-AF4D-252D0A3C570F}"/>
+              </a:ext>
+            </a:extLst>
+          </p:cNvPr>
+          <p:cNvSpPr txBox="1"/>
+          <p:nvPr/>
+        </p:nvSpPr>
+        <p:spPr>
+          <a:xfrm>
+            <a:off x="22358755" y="27590578"/>
+            <a:ext cx="2323585" cy="369332"/>
+          </a:xfrm>
+          <a:prstGeom prst="rect">
+            <a:avLst/>
+          </a:prstGeom>
+          <a:noFill/>
+        </p:spPr>
+        <p:txBody>
+          <a:bodyPr wrap="none" rtlCol="0">
+            <a:spAutoFit/>
+          </a:bodyPr>
+          <a:lstStyle/>
+          <a:p>
+            <a:r>
+              <a:rPr lang="zh-CN" altLang="en-US" dirty="0"/>
+              <a:t>包含解码</a:t>
+            </a:r>
+            <a:r>
+              <a:rPr lang="en-US" altLang="zh-CN" dirty="0"/>
+              <a:t>Integer</a:t>
+            </a:r>
+            <a:r>
+              <a:rPr lang="zh-CN" altLang="en-US" dirty="0"/>
+              <a:t>的</a:t>
+            </a:r>
+            <a:r>
+              <a:rPr lang="en-US" altLang="zh-CN" dirty="0"/>
+              <a:t>List</a:t>
+            </a:r>
+            <a:endParaRPr lang="zh-CN" altLang="en-US" dirty="0"/>
           </a:p>
         </p:txBody>
       </p:sp>
       <p:cxnSp>
         <p:nvCxnSpPr>
-          <p:cNvPr id="74" name="直接箭头连接符 73">
+          <p:cNvPr id="308" name="直接箭头连接符 307">
             <a:extLst>
               <a:ext uri="{FF2B5EF4-FFF2-40B4-BE49-F238E27FC236}">
-                <a16:creationId xmlns:a16="http://schemas.microsoft.com/office/drawing/2014/main" id="{87730B40-A256-423A-BB32-E0F0A73CF0AD}"/>
+                <a16:creationId xmlns:a16="http://schemas.microsoft.com/office/drawing/2014/main" id="{4E816367-D630-42F6-827F-025D05099DB8}"/>
               </a:ext>
             </a:extLst>
           </p:cNvPr>
           <p:cNvCxnSpPr>
-            <a:stCxn id="271" idx="2"/>
-            <a:endCxn id="270" idx="0"/>
+            <a:stCxn id="299" idx="0"/>
+            <a:endCxn id="303" idx="2"/>
           </p:cNvCxnSpPr>
           <p:nvPr/>
         </p:nvCxnSpPr>
         <p:spPr>
-          <a:xfrm>
-            <a:off x="13050875" y="19935727"/>
-            <a:ext cx="133957" cy="773320"/>
+          <a:xfrm flipH="1" flipV="1">
+            <a:off x="24132059" y="25637154"/>
+            <a:ext cx="1" cy="1181691"/>
           </a:xfrm>
           <a:prstGeom prst="straightConnector1">
             <a:avLst/>
           </a:prstGeom>
-          <a:ln w="9525">
+          <a:ln w="15875">
             <a:solidFill>
               <a:schemeClr val="tx1"/>
             </a:solidFill>
@@ -47207,96 +49377,42 @@
           </a:fontRef>
         </p:style>
       </p:cxnSp>
-      <p:cxnSp>
-        <p:nvCxnSpPr>
-          <p:cNvPr id="76" name="直接箭头连接符 75">
+      <p:sp>
+        <p:nvSpPr>
+          <p:cNvPr id="309" name="文本框 308">
             <a:extLst>
               <a:ext uri="{FF2B5EF4-FFF2-40B4-BE49-F238E27FC236}">
-                <a16:creationId xmlns:a16="http://schemas.microsoft.com/office/drawing/2014/main" id="{B34B7A79-45A9-4A39-906F-BEA653497759}"/>
+                <a16:creationId xmlns:a16="http://schemas.microsoft.com/office/drawing/2014/main" id="{BF19BB34-05C2-4106-A68A-BDBC5C686BC1}"/>
               </a:ext>
             </a:extLst>
           </p:cNvPr>
-          <p:cNvCxnSpPr>
-            <a:stCxn id="271" idx="2"/>
-            <a:endCxn id="274" idx="0"/>
-          </p:cNvCxnSpPr>
+          <p:cNvSpPr txBox="1"/>
           <p:nvPr/>
-        </p:nvCxnSpPr>
+        </p:nvSpPr>
         <p:spPr>
           <a:xfrm>
-            <a:off x="13050875" y="19935727"/>
-            <a:ext cx="2721632" cy="773320"/>
+            <a:off x="20692804" y="24642644"/>
+            <a:ext cx="1912703" cy="400110"/>
           </a:xfrm>
-          <a:prstGeom prst="straightConnector1">
+          <a:prstGeom prst="rect">
             <a:avLst/>
           </a:prstGeom>
-          <a:ln w="9525">
-            <a:solidFill>
-              <a:schemeClr val="tx1"/>
-            </a:solidFill>
-            <a:tailEnd type="triangle"/>
-          </a:ln>
+          <a:noFill/>
         </p:spPr>
-        <p:style>
-          <a:lnRef idx="1">
-            <a:schemeClr val="accent1"/>
-          </a:lnRef>
-          <a:fillRef idx="0">
-            <a:schemeClr val="accent1"/>
-          </a:fillRef>
-          <a:effectRef idx="0">
-            <a:schemeClr val="accent1"/>
-          </a:effectRef>
-          <a:fontRef idx="minor">
-            <a:schemeClr val="tx1"/>
-          </a:fontRef>
-        </p:style>
-      </p:cxnSp>
-      <p:cxnSp>
-        <p:nvCxnSpPr>
-          <p:cNvPr id="287" name="直接箭头连接符 286">
-            <a:extLst>
-              <a:ext uri="{FF2B5EF4-FFF2-40B4-BE49-F238E27FC236}">
-                <a16:creationId xmlns:a16="http://schemas.microsoft.com/office/drawing/2014/main" id="{02335190-3AA5-48DD-BF91-466C25C90FCA}"/>
-              </a:ext>
-            </a:extLst>
-          </p:cNvPr>
-          <p:cNvCxnSpPr>
-            <a:stCxn id="282" idx="2"/>
-            <a:endCxn id="281" idx="0"/>
-          </p:cNvCxnSpPr>
-          <p:nvPr/>
-        </p:nvCxnSpPr>
-        <p:spPr>
-          <a:xfrm>
-            <a:off x="13050874" y="23956583"/>
-            <a:ext cx="805804" cy="773320"/>
-          </a:xfrm>
-          <a:prstGeom prst="straightConnector1">
-            <a:avLst/>
-          </a:prstGeom>
-          <a:ln w="9525">
-            <a:solidFill>
-              <a:schemeClr val="tx1"/>
-            </a:solidFill>
-            <a:tailEnd type="triangle"/>
-          </a:ln>
-        </p:spPr>
-        <p:style>
-          <a:lnRef idx="1">
-            <a:schemeClr val="accent1"/>
-          </a:lnRef>
-          <a:fillRef idx="0">
-            <a:schemeClr val="accent1"/>
-          </a:fillRef>
-          <a:effectRef idx="0">
-            <a:schemeClr val="accent1"/>
-          </a:effectRef>
-          <a:fontRef idx="minor">
-            <a:schemeClr val="tx1"/>
-          </a:fontRef>
-        </p:style>
-      </p:cxnSp>
+        <p:txBody>
+          <a:bodyPr wrap="none" rtlCol="0">
+            <a:spAutoFit/>
+          </a:bodyPr>
+          <a:lstStyle/>
+          <a:p>
+            <a:r>
+              <a:rPr lang="en-US" altLang="zh-CN" sz="2000" b="1" dirty="0"/>
+              <a:t>ChannelPipeline</a:t>
+            </a:r>
+            <a:endParaRPr lang="zh-CN" altLang="en-US" sz="2000" b="1" dirty="0"/>
+          </a:p>
+        </p:txBody>
+      </p:sp>
     </p:spTree>
     <p:extLst>
       <p:ext uri="{BB962C8B-B14F-4D97-AF65-F5344CB8AC3E}">

--- a/Netty/Netty Figure.pptx
+++ b/Netty/Netty Figure.pptx
@@ -257,7 +257,7 @@
           <a:p>
             <a:fld id="{306988AD-E42F-40A6-975D-BE59CDAEF2B7}" type="datetimeFigureOut">
               <a:rPr lang="zh-CN" altLang="en-US" smtClean="0"/>
-              <a:t>2022/11/22</a:t>
+              <a:t>2022/11/24</a:t>
             </a:fld>
             <a:endParaRPr lang="zh-CN" altLang="en-US"/>
           </a:p>
@@ -427,7 +427,7 @@
           <a:p>
             <a:fld id="{306988AD-E42F-40A6-975D-BE59CDAEF2B7}" type="datetimeFigureOut">
               <a:rPr lang="zh-CN" altLang="en-US" smtClean="0"/>
-              <a:t>2022/11/22</a:t>
+              <a:t>2022/11/24</a:t>
             </a:fld>
             <a:endParaRPr lang="zh-CN" altLang="en-US"/>
           </a:p>
@@ -607,7 +607,7 @@
           <a:p>
             <a:fld id="{306988AD-E42F-40A6-975D-BE59CDAEF2B7}" type="datetimeFigureOut">
               <a:rPr lang="zh-CN" altLang="en-US" smtClean="0"/>
-              <a:t>2022/11/22</a:t>
+              <a:t>2022/11/24</a:t>
             </a:fld>
             <a:endParaRPr lang="zh-CN" altLang="en-US"/>
           </a:p>
@@ -777,7 +777,7 @@
           <a:p>
             <a:fld id="{306988AD-E42F-40A6-975D-BE59CDAEF2B7}" type="datetimeFigureOut">
               <a:rPr lang="zh-CN" altLang="en-US" smtClean="0"/>
-              <a:t>2022/11/22</a:t>
+              <a:t>2022/11/24</a:t>
             </a:fld>
             <a:endParaRPr lang="zh-CN" altLang="en-US"/>
           </a:p>
@@ -1021,7 +1021,7 @@
           <a:p>
             <a:fld id="{306988AD-E42F-40A6-975D-BE59CDAEF2B7}" type="datetimeFigureOut">
               <a:rPr lang="zh-CN" altLang="en-US" smtClean="0"/>
-              <a:t>2022/11/22</a:t>
+              <a:t>2022/11/24</a:t>
             </a:fld>
             <a:endParaRPr lang="zh-CN" altLang="en-US"/>
           </a:p>
@@ -1253,7 +1253,7 @@
           <a:p>
             <a:fld id="{306988AD-E42F-40A6-975D-BE59CDAEF2B7}" type="datetimeFigureOut">
               <a:rPr lang="zh-CN" altLang="en-US" smtClean="0"/>
-              <a:t>2022/11/22</a:t>
+              <a:t>2022/11/24</a:t>
             </a:fld>
             <a:endParaRPr lang="zh-CN" altLang="en-US"/>
           </a:p>
@@ -1620,7 +1620,7 @@
           <a:p>
             <a:fld id="{306988AD-E42F-40A6-975D-BE59CDAEF2B7}" type="datetimeFigureOut">
               <a:rPr lang="zh-CN" altLang="en-US" smtClean="0"/>
-              <a:t>2022/11/22</a:t>
+              <a:t>2022/11/24</a:t>
             </a:fld>
             <a:endParaRPr lang="zh-CN" altLang="en-US"/>
           </a:p>
@@ -1738,7 +1738,7 @@
           <a:p>
             <a:fld id="{306988AD-E42F-40A6-975D-BE59CDAEF2B7}" type="datetimeFigureOut">
               <a:rPr lang="zh-CN" altLang="en-US" smtClean="0"/>
-              <a:t>2022/11/22</a:t>
+              <a:t>2022/11/24</a:t>
             </a:fld>
             <a:endParaRPr lang="zh-CN" altLang="en-US"/>
           </a:p>
@@ -1833,7 +1833,7 @@
           <a:p>
             <a:fld id="{306988AD-E42F-40A6-975D-BE59CDAEF2B7}" type="datetimeFigureOut">
               <a:rPr lang="zh-CN" altLang="en-US" smtClean="0"/>
-              <a:t>2022/11/22</a:t>
+              <a:t>2022/11/24</a:t>
             </a:fld>
             <a:endParaRPr lang="zh-CN" altLang="en-US"/>
           </a:p>
@@ -2110,7 +2110,7 @@
           <a:p>
             <a:fld id="{306988AD-E42F-40A6-975D-BE59CDAEF2B7}" type="datetimeFigureOut">
               <a:rPr lang="zh-CN" altLang="en-US" smtClean="0"/>
-              <a:t>2022/11/22</a:t>
+              <a:t>2022/11/24</a:t>
             </a:fld>
             <a:endParaRPr lang="zh-CN" altLang="en-US"/>
           </a:p>
@@ -2367,7 +2367,7 @@
           <a:p>
             <a:fld id="{306988AD-E42F-40A6-975D-BE59CDAEF2B7}" type="datetimeFigureOut">
               <a:rPr lang="zh-CN" altLang="en-US" smtClean="0"/>
-              <a:t>2022/11/22</a:t>
+              <a:t>2022/11/24</a:t>
             </a:fld>
             <a:endParaRPr lang="zh-CN" altLang="en-US"/>
           </a:p>
@@ -2580,7 +2580,7 @@
           <a:p>
             <a:fld id="{306988AD-E42F-40A6-975D-BE59CDAEF2B7}" type="datetimeFigureOut">
               <a:rPr lang="zh-CN" altLang="en-US" smtClean="0"/>
-              <a:t>2022/11/22</a:t>
+              <a:t>2022/11/24</a:t>
             </a:fld>
             <a:endParaRPr lang="zh-CN" altLang="en-US"/>
           </a:p>
@@ -49413,6 +49413,1698 @@
           </a:p>
         </p:txBody>
       </p:sp>
+      <p:sp>
+        <p:nvSpPr>
+          <p:cNvPr id="310" name="矩形: 圆角 309">
+            <a:extLst>
+              <a:ext uri="{FF2B5EF4-FFF2-40B4-BE49-F238E27FC236}">
+                <a16:creationId xmlns:a16="http://schemas.microsoft.com/office/drawing/2014/main" id="{F9F9C072-3E39-4DEE-9FB8-B26FACE2F2BD}"/>
+              </a:ext>
+            </a:extLst>
+          </p:cNvPr>
+          <p:cNvSpPr/>
+          <p:nvPr/>
+        </p:nvSpPr>
+        <p:spPr>
+          <a:xfrm>
+            <a:off x="9697997" y="30137564"/>
+            <a:ext cx="1335679" cy="522514"/>
+          </a:xfrm>
+          <a:prstGeom prst="roundRect">
+            <a:avLst/>
+          </a:prstGeom>
+          <a:solidFill>
+            <a:srgbClr val="99CCFF"/>
+          </a:solidFill>
+          <a:ln>
+            <a:solidFill>
+              <a:srgbClr val="0D86FF"/>
+            </a:solidFill>
+          </a:ln>
+          <a:effectLst>
+            <a:outerShdw blurRad="50800" dist="38100" dir="2700000" algn="tl" rotWithShape="0">
+              <a:prstClr val="black">
+                <a:alpha val="40000"/>
+              </a:prstClr>
+            </a:outerShdw>
+          </a:effectLst>
+        </p:spPr>
+        <p:style>
+          <a:lnRef idx="2">
+            <a:schemeClr val="accent1">
+              <a:shade val="50000"/>
+            </a:schemeClr>
+          </a:lnRef>
+          <a:fillRef idx="1">
+            <a:schemeClr val="accent1"/>
+          </a:fillRef>
+          <a:effectRef idx="0">
+            <a:schemeClr val="accent1"/>
+          </a:effectRef>
+          <a:fontRef idx="minor">
+            <a:schemeClr val="lt1"/>
+          </a:fontRef>
+        </p:style>
+        <p:txBody>
+          <a:bodyPr rtlCol="0" anchor="ctr"/>
+          <a:lstStyle/>
+          <a:p>
+            <a:pPr algn="ctr"/>
+            <a:r>
+              <a:rPr lang="zh-CN" altLang="en-US" dirty="0">
+                <a:solidFill>
+                  <a:schemeClr val="tx1"/>
+                </a:solidFill>
+              </a:rPr>
+              <a:t>客户端</a:t>
+            </a:r>
+          </a:p>
+        </p:txBody>
+      </p:sp>
+      <p:sp>
+        <p:nvSpPr>
+          <p:cNvPr id="311" name="矩形: 圆角 310">
+            <a:extLst>
+              <a:ext uri="{FF2B5EF4-FFF2-40B4-BE49-F238E27FC236}">
+                <a16:creationId xmlns:a16="http://schemas.microsoft.com/office/drawing/2014/main" id="{B172CC51-1301-4B47-B4FA-0886921E6DAA}"/>
+              </a:ext>
+            </a:extLst>
+          </p:cNvPr>
+          <p:cNvSpPr/>
+          <p:nvPr/>
+        </p:nvSpPr>
+        <p:spPr>
+          <a:xfrm>
+            <a:off x="12260460" y="30147020"/>
+            <a:ext cx="1335600" cy="522514"/>
+          </a:xfrm>
+          <a:prstGeom prst="roundRect">
+            <a:avLst/>
+          </a:prstGeom>
+          <a:solidFill>
+            <a:srgbClr val="FF8989"/>
+          </a:solidFill>
+          <a:effectLst>
+            <a:outerShdw blurRad="50800" dist="38100" dir="2700000" algn="tl" rotWithShape="0">
+              <a:prstClr val="black">
+                <a:alpha val="40000"/>
+              </a:prstClr>
+            </a:outerShdw>
+          </a:effectLst>
+        </p:spPr>
+        <p:style>
+          <a:lnRef idx="2">
+            <a:schemeClr val="accent2">
+              <a:shade val="50000"/>
+            </a:schemeClr>
+          </a:lnRef>
+          <a:fillRef idx="1">
+            <a:schemeClr val="accent2"/>
+          </a:fillRef>
+          <a:effectRef idx="0">
+            <a:schemeClr val="accent2"/>
+          </a:effectRef>
+          <a:fontRef idx="minor">
+            <a:schemeClr val="lt1"/>
+          </a:fontRef>
+        </p:style>
+        <p:txBody>
+          <a:bodyPr rtlCol="0" anchor="ctr"/>
+          <a:lstStyle/>
+          <a:p>
+            <a:pPr algn="ctr"/>
+            <a:r>
+              <a:rPr lang="zh-CN" altLang="en-US" dirty="0">
+                <a:solidFill>
+                  <a:schemeClr val="tx1"/>
+                </a:solidFill>
+              </a:rPr>
+              <a:t>服务器</a:t>
+            </a:r>
+          </a:p>
+        </p:txBody>
+      </p:sp>
+      <p:cxnSp>
+        <p:nvCxnSpPr>
+          <p:cNvPr id="62" name="直接连接符 61">
+            <a:extLst>
+              <a:ext uri="{FF2B5EF4-FFF2-40B4-BE49-F238E27FC236}">
+                <a16:creationId xmlns:a16="http://schemas.microsoft.com/office/drawing/2014/main" id="{8369E3AE-7025-4049-8EBF-D5AA8E7F0506}"/>
+              </a:ext>
+            </a:extLst>
+          </p:cNvPr>
+          <p:cNvCxnSpPr>
+            <a:stCxn id="310" idx="2"/>
+          </p:cNvCxnSpPr>
+          <p:nvPr/>
+        </p:nvCxnSpPr>
+        <p:spPr>
+          <a:xfrm flipH="1">
+            <a:off x="10365836" y="30660078"/>
+            <a:ext cx="1" cy="4171551"/>
+          </a:xfrm>
+          <a:prstGeom prst="line">
+            <a:avLst/>
+          </a:prstGeom>
+          <a:ln w="19050">
+            <a:solidFill>
+              <a:schemeClr val="tx1"/>
+            </a:solidFill>
+          </a:ln>
+        </p:spPr>
+        <p:style>
+          <a:lnRef idx="1">
+            <a:schemeClr val="accent1"/>
+          </a:lnRef>
+          <a:fillRef idx="0">
+            <a:schemeClr val="accent1"/>
+          </a:fillRef>
+          <a:effectRef idx="0">
+            <a:schemeClr val="accent1"/>
+          </a:effectRef>
+          <a:fontRef idx="minor">
+            <a:schemeClr val="tx1"/>
+          </a:fontRef>
+        </p:style>
+      </p:cxnSp>
+      <p:cxnSp>
+        <p:nvCxnSpPr>
+          <p:cNvPr id="66" name="直接连接符 65">
+            <a:extLst>
+              <a:ext uri="{FF2B5EF4-FFF2-40B4-BE49-F238E27FC236}">
+                <a16:creationId xmlns:a16="http://schemas.microsoft.com/office/drawing/2014/main" id="{44C55199-C763-4F37-9A7A-8D888254C3D4}"/>
+              </a:ext>
+            </a:extLst>
+          </p:cNvPr>
+          <p:cNvCxnSpPr>
+            <a:stCxn id="311" idx="2"/>
+          </p:cNvCxnSpPr>
+          <p:nvPr/>
+        </p:nvCxnSpPr>
+        <p:spPr>
+          <a:xfrm>
+            <a:off x="12928260" y="30669533"/>
+            <a:ext cx="0" cy="4172400"/>
+          </a:xfrm>
+          <a:prstGeom prst="line">
+            <a:avLst/>
+          </a:prstGeom>
+          <a:ln w="19050">
+            <a:solidFill>
+              <a:schemeClr val="tx1"/>
+            </a:solidFill>
+          </a:ln>
+        </p:spPr>
+        <p:style>
+          <a:lnRef idx="1">
+            <a:schemeClr val="accent1"/>
+          </a:lnRef>
+          <a:fillRef idx="0">
+            <a:schemeClr val="accent1"/>
+          </a:fillRef>
+          <a:effectRef idx="0">
+            <a:schemeClr val="accent1"/>
+          </a:effectRef>
+          <a:fontRef idx="minor">
+            <a:schemeClr val="tx1"/>
+          </a:fontRef>
+        </p:style>
+      </p:cxnSp>
+      <p:cxnSp>
+        <p:nvCxnSpPr>
+          <p:cNvPr id="71" name="直接箭头连接符 70">
+            <a:extLst>
+              <a:ext uri="{FF2B5EF4-FFF2-40B4-BE49-F238E27FC236}">
+                <a16:creationId xmlns:a16="http://schemas.microsoft.com/office/drawing/2014/main" id="{B5266DC0-CA9C-4BF6-857F-D3E9753AFC0E}"/>
+              </a:ext>
+            </a:extLst>
+          </p:cNvPr>
+          <p:cNvCxnSpPr/>
+          <p:nvPr/>
+        </p:nvCxnSpPr>
+        <p:spPr>
+          <a:xfrm>
+            <a:off x="10365836" y="31051500"/>
+            <a:ext cx="2562424" cy="406400"/>
+          </a:xfrm>
+          <a:prstGeom prst="straightConnector1">
+            <a:avLst/>
+          </a:prstGeom>
+          <a:ln w="19050">
+            <a:solidFill>
+              <a:srgbClr val="61B0FF"/>
+            </a:solidFill>
+            <a:tailEnd type="triangle"/>
+          </a:ln>
+        </p:spPr>
+        <p:style>
+          <a:lnRef idx="1">
+            <a:schemeClr val="accent1"/>
+          </a:lnRef>
+          <a:fillRef idx="0">
+            <a:schemeClr val="accent1"/>
+          </a:fillRef>
+          <a:effectRef idx="0">
+            <a:schemeClr val="accent1"/>
+          </a:effectRef>
+          <a:fontRef idx="minor">
+            <a:schemeClr val="tx1"/>
+          </a:fontRef>
+        </p:style>
+      </p:cxnSp>
+      <p:cxnSp>
+        <p:nvCxnSpPr>
+          <p:cNvPr id="145" name="直接箭头连接符 144">
+            <a:extLst>
+              <a:ext uri="{FF2B5EF4-FFF2-40B4-BE49-F238E27FC236}">
+                <a16:creationId xmlns:a16="http://schemas.microsoft.com/office/drawing/2014/main" id="{2706C973-3AA1-44B6-8771-1ADB6F197E62}"/>
+              </a:ext>
+            </a:extLst>
+          </p:cNvPr>
+          <p:cNvCxnSpPr>
+            <a:cxnSpLocks/>
+          </p:cNvCxnSpPr>
+          <p:nvPr/>
+        </p:nvCxnSpPr>
+        <p:spPr>
+          <a:xfrm flipH="1">
+            <a:off x="10365837" y="31526632"/>
+            <a:ext cx="2550014" cy="401168"/>
+          </a:xfrm>
+          <a:prstGeom prst="straightConnector1">
+            <a:avLst/>
+          </a:prstGeom>
+          <a:ln w="19050">
+            <a:solidFill>
+              <a:srgbClr val="FF4F4F"/>
+            </a:solidFill>
+            <a:tailEnd type="triangle"/>
+          </a:ln>
+        </p:spPr>
+        <p:style>
+          <a:lnRef idx="1">
+            <a:schemeClr val="accent1"/>
+          </a:lnRef>
+          <a:fillRef idx="0">
+            <a:schemeClr val="accent1"/>
+          </a:fillRef>
+          <a:effectRef idx="0">
+            <a:schemeClr val="accent1"/>
+          </a:effectRef>
+          <a:fontRef idx="minor">
+            <a:schemeClr val="tx1"/>
+          </a:fontRef>
+        </p:style>
+      </p:cxnSp>
+      <p:cxnSp>
+        <p:nvCxnSpPr>
+          <p:cNvPr id="312" name="直接箭头连接符 311">
+            <a:extLst>
+              <a:ext uri="{FF2B5EF4-FFF2-40B4-BE49-F238E27FC236}">
+                <a16:creationId xmlns:a16="http://schemas.microsoft.com/office/drawing/2014/main" id="{877B20E9-A5CE-4625-BCB5-A14A158EC46E}"/>
+              </a:ext>
+            </a:extLst>
+          </p:cNvPr>
+          <p:cNvCxnSpPr/>
+          <p:nvPr/>
+        </p:nvCxnSpPr>
+        <p:spPr>
+          <a:xfrm>
+            <a:off x="10378245" y="32116064"/>
+            <a:ext cx="2562424" cy="406400"/>
+          </a:xfrm>
+          <a:prstGeom prst="straightConnector1">
+            <a:avLst/>
+          </a:prstGeom>
+          <a:ln w="19050">
+            <a:solidFill>
+              <a:srgbClr val="61B0FF"/>
+            </a:solidFill>
+            <a:tailEnd type="triangle"/>
+          </a:ln>
+        </p:spPr>
+        <p:style>
+          <a:lnRef idx="1">
+            <a:schemeClr val="accent1"/>
+          </a:lnRef>
+          <a:fillRef idx="0">
+            <a:schemeClr val="accent1"/>
+          </a:fillRef>
+          <a:effectRef idx="0">
+            <a:schemeClr val="accent1"/>
+          </a:effectRef>
+          <a:fontRef idx="minor">
+            <a:schemeClr val="tx1"/>
+          </a:fontRef>
+        </p:style>
+      </p:cxnSp>
+      <p:cxnSp>
+        <p:nvCxnSpPr>
+          <p:cNvPr id="313" name="直接箭头连接符 312">
+            <a:extLst>
+              <a:ext uri="{FF2B5EF4-FFF2-40B4-BE49-F238E27FC236}">
+                <a16:creationId xmlns:a16="http://schemas.microsoft.com/office/drawing/2014/main" id="{7DEECDBF-AF67-45B0-8B79-5FF419F12034}"/>
+              </a:ext>
+            </a:extLst>
+          </p:cNvPr>
+          <p:cNvCxnSpPr>
+            <a:cxnSpLocks/>
+          </p:cNvCxnSpPr>
+          <p:nvPr/>
+        </p:nvCxnSpPr>
+        <p:spPr>
+          <a:xfrm flipH="1">
+            <a:off x="10378246" y="32585335"/>
+            <a:ext cx="2537605" cy="407029"/>
+          </a:xfrm>
+          <a:prstGeom prst="straightConnector1">
+            <a:avLst/>
+          </a:prstGeom>
+          <a:ln w="19050">
+            <a:solidFill>
+              <a:srgbClr val="FF4F4F"/>
+            </a:solidFill>
+            <a:tailEnd type="triangle"/>
+          </a:ln>
+        </p:spPr>
+        <p:style>
+          <a:lnRef idx="1">
+            <a:schemeClr val="accent1"/>
+          </a:lnRef>
+          <a:fillRef idx="0">
+            <a:schemeClr val="accent1"/>
+          </a:fillRef>
+          <a:effectRef idx="0">
+            <a:schemeClr val="accent1"/>
+          </a:effectRef>
+          <a:fontRef idx="minor">
+            <a:schemeClr val="tx1"/>
+          </a:fontRef>
+        </p:style>
+      </p:cxnSp>
+      <p:cxnSp>
+        <p:nvCxnSpPr>
+          <p:cNvPr id="314" name="直接箭头连接符 313">
+            <a:extLst>
+              <a:ext uri="{FF2B5EF4-FFF2-40B4-BE49-F238E27FC236}">
+                <a16:creationId xmlns:a16="http://schemas.microsoft.com/office/drawing/2014/main" id="{14D6BAF0-238B-4168-920D-818CEF979BF2}"/>
+              </a:ext>
+            </a:extLst>
+          </p:cNvPr>
+          <p:cNvCxnSpPr/>
+          <p:nvPr/>
+        </p:nvCxnSpPr>
+        <p:spPr>
+          <a:xfrm>
+            <a:off x="10365836" y="33244932"/>
+            <a:ext cx="2562424" cy="406400"/>
+          </a:xfrm>
+          <a:prstGeom prst="straightConnector1">
+            <a:avLst/>
+          </a:prstGeom>
+          <a:ln w="19050">
+            <a:solidFill>
+              <a:srgbClr val="61B0FF"/>
+            </a:solidFill>
+            <a:tailEnd type="triangle"/>
+          </a:ln>
+        </p:spPr>
+        <p:style>
+          <a:lnRef idx="1">
+            <a:schemeClr val="accent1"/>
+          </a:lnRef>
+          <a:fillRef idx="0">
+            <a:schemeClr val="accent1"/>
+          </a:fillRef>
+          <a:effectRef idx="0">
+            <a:schemeClr val="accent1"/>
+          </a:effectRef>
+          <a:fontRef idx="minor">
+            <a:schemeClr val="tx1"/>
+          </a:fontRef>
+        </p:style>
+      </p:cxnSp>
+      <p:cxnSp>
+        <p:nvCxnSpPr>
+          <p:cNvPr id="315" name="直接箭头连接符 314">
+            <a:extLst>
+              <a:ext uri="{FF2B5EF4-FFF2-40B4-BE49-F238E27FC236}">
+                <a16:creationId xmlns:a16="http://schemas.microsoft.com/office/drawing/2014/main" id="{EB79E1B4-CB1B-4C8E-A13B-0173B685DB2D}"/>
+              </a:ext>
+            </a:extLst>
+          </p:cNvPr>
+          <p:cNvCxnSpPr>
+            <a:cxnSpLocks/>
+          </p:cNvCxnSpPr>
+          <p:nvPr/>
+        </p:nvCxnSpPr>
+        <p:spPr>
+          <a:xfrm flipH="1">
+            <a:off x="10365837" y="33714832"/>
+            <a:ext cx="2560999" cy="406400"/>
+          </a:xfrm>
+          <a:prstGeom prst="straightConnector1">
+            <a:avLst/>
+          </a:prstGeom>
+          <a:ln w="19050">
+            <a:solidFill>
+              <a:srgbClr val="FF4F4F"/>
+            </a:solidFill>
+            <a:tailEnd type="triangle"/>
+          </a:ln>
+        </p:spPr>
+        <p:style>
+          <a:lnRef idx="1">
+            <a:schemeClr val="accent1"/>
+          </a:lnRef>
+          <a:fillRef idx="0">
+            <a:schemeClr val="accent1"/>
+          </a:fillRef>
+          <a:effectRef idx="0">
+            <a:schemeClr val="accent1"/>
+          </a:effectRef>
+          <a:fontRef idx="minor">
+            <a:schemeClr val="tx1"/>
+          </a:fontRef>
+        </p:style>
+      </p:cxnSp>
+      <p:sp>
+        <p:nvSpPr>
+          <p:cNvPr id="260" name="文本框 259">
+            <a:extLst>
+              <a:ext uri="{FF2B5EF4-FFF2-40B4-BE49-F238E27FC236}">
+                <a16:creationId xmlns:a16="http://schemas.microsoft.com/office/drawing/2014/main" id="{278BAA39-3F79-4CE8-8F9F-064ED7ADEF9D}"/>
+              </a:ext>
+            </a:extLst>
+          </p:cNvPr>
+          <p:cNvSpPr txBox="1"/>
+          <p:nvPr/>
+        </p:nvSpPr>
+        <p:spPr>
+          <a:xfrm>
+            <a:off x="11164952" y="30811696"/>
+            <a:ext cx="995272" cy="369332"/>
+          </a:xfrm>
+          <a:prstGeom prst="rect">
+            <a:avLst/>
+          </a:prstGeom>
+          <a:noFill/>
+        </p:spPr>
+        <p:txBody>
+          <a:bodyPr wrap="none" rtlCol="0">
+            <a:spAutoFit/>
+          </a:bodyPr>
+          <a:lstStyle/>
+          <a:p>
+            <a:r>
+              <a:rPr lang="en-US" altLang="zh-CN" dirty="0"/>
+              <a:t>segment</a:t>
+            </a:r>
+            <a:endParaRPr lang="zh-CN" altLang="en-US" dirty="0"/>
+          </a:p>
+        </p:txBody>
+      </p:sp>
+      <p:sp>
+        <p:nvSpPr>
+          <p:cNvPr id="316" name="文本框 315">
+            <a:extLst>
+              <a:ext uri="{FF2B5EF4-FFF2-40B4-BE49-F238E27FC236}">
+                <a16:creationId xmlns:a16="http://schemas.microsoft.com/office/drawing/2014/main" id="{0162B400-0870-4743-BD2F-BD318C7AA47D}"/>
+              </a:ext>
+            </a:extLst>
+          </p:cNvPr>
+          <p:cNvSpPr txBox="1"/>
+          <p:nvPr/>
+        </p:nvSpPr>
+        <p:spPr>
+          <a:xfrm>
+            <a:off x="11164952" y="31449307"/>
+            <a:ext cx="497252" cy="369332"/>
+          </a:xfrm>
+          <a:prstGeom prst="rect">
+            <a:avLst/>
+          </a:prstGeom>
+          <a:noFill/>
+        </p:spPr>
+        <p:txBody>
+          <a:bodyPr wrap="none" rtlCol="0">
+            <a:spAutoFit/>
+          </a:bodyPr>
+          <a:lstStyle/>
+          <a:p>
+            <a:r>
+              <a:rPr lang="en-US" altLang="zh-CN" dirty="0"/>
+              <a:t>ack</a:t>
+            </a:r>
+            <a:endParaRPr lang="zh-CN" altLang="en-US" dirty="0"/>
+          </a:p>
+        </p:txBody>
+      </p:sp>
+      <p:sp>
+        <p:nvSpPr>
+          <p:cNvPr id="317" name="文本框 316">
+            <a:extLst>
+              <a:ext uri="{FF2B5EF4-FFF2-40B4-BE49-F238E27FC236}">
+                <a16:creationId xmlns:a16="http://schemas.microsoft.com/office/drawing/2014/main" id="{D78945A5-8994-492B-A849-8A476B68663A}"/>
+              </a:ext>
+            </a:extLst>
+          </p:cNvPr>
+          <p:cNvSpPr txBox="1"/>
+          <p:nvPr/>
+        </p:nvSpPr>
+        <p:spPr>
+          <a:xfrm>
+            <a:off x="11164952" y="31929221"/>
+            <a:ext cx="995272" cy="369332"/>
+          </a:xfrm>
+          <a:prstGeom prst="rect">
+            <a:avLst/>
+          </a:prstGeom>
+          <a:noFill/>
+        </p:spPr>
+        <p:txBody>
+          <a:bodyPr wrap="none" rtlCol="0">
+            <a:spAutoFit/>
+          </a:bodyPr>
+          <a:lstStyle/>
+          <a:p>
+            <a:r>
+              <a:rPr lang="en-US" altLang="zh-CN" dirty="0"/>
+              <a:t>segment</a:t>
+            </a:r>
+            <a:endParaRPr lang="zh-CN" altLang="en-US" dirty="0"/>
+          </a:p>
+        </p:txBody>
+      </p:sp>
+      <p:sp>
+        <p:nvSpPr>
+          <p:cNvPr id="318" name="文本框 317">
+            <a:extLst>
+              <a:ext uri="{FF2B5EF4-FFF2-40B4-BE49-F238E27FC236}">
+                <a16:creationId xmlns:a16="http://schemas.microsoft.com/office/drawing/2014/main" id="{32C4C023-5817-4C3C-B674-11478EB4B6D1}"/>
+              </a:ext>
+            </a:extLst>
+          </p:cNvPr>
+          <p:cNvSpPr txBox="1"/>
+          <p:nvPr/>
+        </p:nvSpPr>
+        <p:spPr>
+          <a:xfrm>
+            <a:off x="11164952" y="32483132"/>
+            <a:ext cx="497252" cy="369332"/>
+          </a:xfrm>
+          <a:prstGeom prst="rect">
+            <a:avLst/>
+          </a:prstGeom>
+          <a:noFill/>
+        </p:spPr>
+        <p:txBody>
+          <a:bodyPr wrap="none" rtlCol="0">
+            <a:spAutoFit/>
+          </a:bodyPr>
+          <a:lstStyle/>
+          <a:p>
+            <a:r>
+              <a:rPr lang="en-US" altLang="zh-CN" dirty="0"/>
+              <a:t>ack</a:t>
+            </a:r>
+            <a:endParaRPr lang="zh-CN" altLang="en-US" dirty="0"/>
+          </a:p>
+        </p:txBody>
+      </p:sp>
+      <p:sp>
+        <p:nvSpPr>
+          <p:cNvPr id="319" name="文本框 318">
+            <a:extLst>
+              <a:ext uri="{FF2B5EF4-FFF2-40B4-BE49-F238E27FC236}">
+                <a16:creationId xmlns:a16="http://schemas.microsoft.com/office/drawing/2014/main" id="{36FF3B6F-C0FD-45B5-985A-9B5E43497BAD}"/>
+              </a:ext>
+            </a:extLst>
+          </p:cNvPr>
+          <p:cNvSpPr txBox="1"/>
+          <p:nvPr/>
+        </p:nvSpPr>
+        <p:spPr>
+          <a:xfrm>
+            <a:off x="11164952" y="33088955"/>
+            <a:ext cx="995272" cy="369332"/>
+          </a:xfrm>
+          <a:prstGeom prst="rect">
+            <a:avLst/>
+          </a:prstGeom>
+          <a:noFill/>
+        </p:spPr>
+        <p:txBody>
+          <a:bodyPr wrap="none" rtlCol="0">
+            <a:spAutoFit/>
+          </a:bodyPr>
+          <a:lstStyle/>
+          <a:p>
+            <a:r>
+              <a:rPr lang="en-US" altLang="zh-CN" dirty="0"/>
+              <a:t>segment</a:t>
+            </a:r>
+            <a:endParaRPr lang="zh-CN" altLang="en-US" dirty="0"/>
+          </a:p>
+        </p:txBody>
+      </p:sp>
+      <p:sp>
+        <p:nvSpPr>
+          <p:cNvPr id="320" name="文本框 319">
+            <a:extLst>
+              <a:ext uri="{FF2B5EF4-FFF2-40B4-BE49-F238E27FC236}">
+                <a16:creationId xmlns:a16="http://schemas.microsoft.com/office/drawing/2014/main" id="{469F1853-09F5-430E-9316-26C0F32D4A13}"/>
+              </a:ext>
+            </a:extLst>
+          </p:cNvPr>
+          <p:cNvSpPr txBox="1"/>
+          <p:nvPr/>
+        </p:nvSpPr>
+        <p:spPr>
+          <a:xfrm>
+            <a:off x="11164952" y="33650704"/>
+            <a:ext cx="497252" cy="369332"/>
+          </a:xfrm>
+          <a:prstGeom prst="rect">
+            <a:avLst/>
+          </a:prstGeom>
+          <a:noFill/>
+        </p:spPr>
+        <p:txBody>
+          <a:bodyPr wrap="none" rtlCol="0">
+            <a:spAutoFit/>
+          </a:bodyPr>
+          <a:lstStyle/>
+          <a:p>
+            <a:r>
+              <a:rPr lang="en-US" altLang="zh-CN" dirty="0"/>
+              <a:t>ack</a:t>
+            </a:r>
+            <a:endParaRPr lang="zh-CN" altLang="en-US" dirty="0"/>
+          </a:p>
+        </p:txBody>
+      </p:sp>
+      <p:sp>
+        <p:nvSpPr>
+          <p:cNvPr id="321" name="矩形: 圆角 320">
+            <a:extLst>
+              <a:ext uri="{FF2B5EF4-FFF2-40B4-BE49-F238E27FC236}">
+                <a16:creationId xmlns:a16="http://schemas.microsoft.com/office/drawing/2014/main" id="{E66B6AF4-6885-4CCA-8572-1689B2BC6938}"/>
+              </a:ext>
+            </a:extLst>
+          </p:cNvPr>
+          <p:cNvSpPr/>
+          <p:nvPr/>
+        </p:nvSpPr>
+        <p:spPr>
+          <a:xfrm>
+            <a:off x="14704133" y="30172486"/>
+            <a:ext cx="1335679" cy="522514"/>
+          </a:xfrm>
+          <a:prstGeom prst="roundRect">
+            <a:avLst/>
+          </a:prstGeom>
+          <a:solidFill>
+            <a:srgbClr val="99CCFF"/>
+          </a:solidFill>
+          <a:ln>
+            <a:solidFill>
+              <a:srgbClr val="0D86FF"/>
+            </a:solidFill>
+          </a:ln>
+          <a:effectLst>
+            <a:outerShdw blurRad="50800" dist="38100" dir="2700000" algn="tl" rotWithShape="0">
+              <a:prstClr val="black">
+                <a:alpha val="40000"/>
+              </a:prstClr>
+            </a:outerShdw>
+          </a:effectLst>
+        </p:spPr>
+        <p:style>
+          <a:lnRef idx="2">
+            <a:schemeClr val="accent1">
+              <a:shade val="50000"/>
+            </a:schemeClr>
+          </a:lnRef>
+          <a:fillRef idx="1">
+            <a:schemeClr val="accent1"/>
+          </a:fillRef>
+          <a:effectRef idx="0">
+            <a:schemeClr val="accent1"/>
+          </a:effectRef>
+          <a:fontRef idx="minor">
+            <a:schemeClr val="lt1"/>
+          </a:fontRef>
+        </p:style>
+        <p:txBody>
+          <a:bodyPr rtlCol="0" anchor="ctr"/>
+          <a:lstStyle/>
+          <a:p>
+            <a:pPr algn="ctr"/>
+            <a:r>
+              <a:rPr lang="zh-CN" altLang="en-US" dirty="0">
+                <a:solidFill>
+                  <a:schemeClr val="tx1"/>
+                </a:solidFill>
+              </a:rPr>
+              <a:t>客户端</a:t>
+            </a:r>
+          </a:p>
+        </p:txBody>
+      </p:sp>
+      <p:sp>
+        <p:nvSpPr>
+          <p:cNvPr id="322" name="矩形: 圆角 321">
+            <a:extLst>
+              <a:ext uri="{FF2B5EF4-FFF2-40B4-BE49-F238E27FC236}">
+                <a16:creationId xmlns:a16="http://schemas.microsoft.com/office/drawing/2014/main" id="{95B79227-67E1-4B67-95E8-89BF3D6FDA13}"/>
+              </a:ext>
+            </a:extLst>
+          </p:cNvPr>
+          <p:cNvSpPr/>
+          <p:nvPr/>
+        </p:nvSpPr>
+        <p:spPr>
+          <a:xfrm>
+            <a:off x="17266596" y="30181942"/>
+            <a:ext cx="1335600" cy="522514"/>
+          </a:xfrm>
+          <a:prstGeom prst="roundRect">
+            <a:avLst/>
+          </a:prstGeom>
+          <a:solidFill>
+            <a:srgbClr val="FF8989"/>
+          </a:solidFill>
+          <a:effectLst>
+            <a:outerShdw blurRad="50800" dist="38100" dir="2700000" algn="tl" rotWithShape="0">
+              <a:prstClr val="black">
+                <a:alpha val="40000"/>
+              </a:prstClr>
+            </a:outerShdw>
+          </a:effectLst>
+        </p:spPr>
+        <p:style>
+          <a:lnRef idx="2">
+            <a:schemeClr val="accent2">
+              <a:shade val="50000"/>
+            </a:schemeClr>
+          </a:lnRef>
+          <a:fillRef idx="1">
+            <a:schemeClr val="accent2"/>
+          </a:fillRef>
+          <a:effectRef idx="0">
+            <a:schemeClr val="accent2"/>
+          </a:effectRef>
+          <a:fontRef idx="minor">
+            <a:schemeClr val="lt1"/>
+          </a:fontRef>
+        </p:style>
+        <p:txBody>
+          <a:bodyPr rtlCol="0" anchor="ctr"/>
+          <a:lstStyle/>
+          <a:p>
+            <a:pPr algn="ctr"/>
+            <a:r>
+              <a:rPr lang="zh-CN" altLang="en-US" dirty="0">
+                <a:solidFill>
+                  <a:schemeClr val="tx1"/>
+                </a:solidFill>
+              </a:rPr>
+              <a:t>服务器</a:t>
+            </a:r>
+          </a:p>
+        </p:txBody>
+      </p:sp>
+      <p:cxnSp>
+        <p:nvCxnSpPr>
+          <p:cNvPr id="323" name="直接连接符 322">
+            <a:extLst>
+              <a:ext uri="{FF2B5EF4-FFF2-40B4-BE49-F238E27FC236}">
+                <a16:creationId xmlns:a16="http://schemas.microsoft.com/office/drawing/2014/main" id="{7F4B5214-5CBA-4600-8213-57AF9E6C4CE8}"/>
+              </a:ext>
+            </a:extLst>
+          </p:cNvPr>
+          <p:cNvCxnSpPr>
+            <a:stCxn id="321" idx="2"/>
+          </p:cNvCxnSpPr>
+          <p:nvPr/>
+        </p:nvCxnSpPr>
+        <p:spPr>
+          <a:xfrm flipH="1">
+            <a:off x="15371972" y="30695000"/>
+            <a:ext cx="1" cy="4171551"/>
+          </a:xfrm>
+          <a:prstGeom prst="line">
+            <a:avLst/>
+          </a:prstGeom>
+          <a:ln w="19050">
+            <a:solidFill>
+              <a:schemeClr val="tx1"/>
+            </a:solidFill>
+          </a:ln>
+        </p:spPr>
+        <p:style>
+          <a:lnRef idx="1">
+            <a:schemeClr val="accent1"/>
+          </a:lnRef>
+          <a:fillRef idx="0">
+            <a:schemeClr val="accent1"/>
+          </a:fillRef>
+          <a:effectRef idx="0">
+            <a:schemeClr val="accent1"/>
+          </a:effectRef>
+          <a:fontRef idx="minor">
+            <a:schemeClr val="tx1"/>
+          </a:fontRef>
+        </p:style>
+      </p:cxnSp>
+      <p:cxnSp>
+        <p:nvCxnSpPr>
+          <p:cNvPr id="324" name="直接连接符 323">
+            <a:extLst>
+              <a:ext uri="{FF2B5EF4-FFF2-40B4-BE49-F238E27FC236}">
+                <a16:creationId xmlns:a16="http://schemas.microsoft.com/office/drawing/2014/main" id="{5666BB94-DE34-4661-AED4-7247451E9AD2}"/>
+              </a:ext>
+            </a:extLst>
+          </p:cNvPr>
+          <p:cNvCxnSpPr>
+            <a:stCxn id="322" idx="2"/>
+          </p:cNvCxnSpPr>
+          <p:nvPr/>
+        </p:nvCxnSpPr>
+        <p:spPr>
+          <a:xfrm>
+            <a:off x="17934396" y="30704455"/>
+            <a:ext cx="0" cy="4172400"/>
+          </a:xfrm>
+          <a:prstGeom prst="line">
+            <a:avLst/>
+          </a:prstGeom>
+          <a:ln w="19050">
+            <a:solidFill>
+              <a:schemeClr val="tx1"/>
+            </a:solidFill>
+          </a:ln>
+        </p:spPr>
+        <p:style>
+          <a:lnRef idx="1">
+            <a:schemeClr val="accent1"/>
+          </a:lnRef>
+          <a:fillRef idx="0">
+            <a:schemeClr val="accent1"/>
+          </a:fillRef>
+          <a:effectRef idx="0">
+            <a:schemeClr val="accent1"/>
+          </a:effectRef>
+          <a:fontRef idx="minor">
+            <a:schemeClr val="tx1"/>
+          </a:fontRef>
+        </p:style>
+      </p:cxnSp>
+      <p:cxnSp>
+        <p:nvCxnSpPr>
+          <p:cNvPr id="325" name="直接箭头连接符 324">
+            <a:extLst>
+              <a:ext uri="{FF2B5EF4-FFF2-40B4-BE49-F238E27FC236}">
+                <a16:creationId xmlns:a16="http://schemas.microsoft.com/office/drawing/2014/main" id="{F0EDDDDA-84F9-4CBB-8EDA-B3FF54323B6C}"/>
+              </a:ext>
+            </a:extLst>
+          </p:cNvPr>
+          <p:cNvCxnSpPr>
+            <a:cxnSpLocks/>
+          </p:cNvCxnSpPr>
+          <p:nvPr/>
+        </p:nvCxnSpPr>
+        <p:spPr>
+          <a:xfrm>
+            <a:off x="15371972" y="30972122"/>
+            <a:ext cx="2562424" cy="406400"/>
+          </a:xfrm>
+          <a:prstGeom prst="straightConnector1">
+            <a:avLst/>
+          </a:prstGeom>
+          <a:ln w="19050">
+            <a:solidFill>
+              <a:srgbClr val="61B0FF"/>
+            </a:solidFill>
+            <a:tailEnd type="triangle"/>
+          </a:ln>
+        </p:spPr>
+        <p:style>
+          <a:lnRef idx="1">
+            <a:schemeClr val="accent1"/>
+          </a:lnRef>
+          <a:fillRef idx="0">
+            <a:schemeClr val="accent1"/>
+          </a:fillRef>
+          <a:effectRef idx="0">
+            <a:schemeClr val="accent1"/>
+          </a:effectRef>
+          <a:fontRef idx="minor">
+            <a:schemeClr val="tx1"/>
+          </a:fontRef>
+        </p:style>
+      </p:cxnSp>
+      <p:cxnSp>
+        <p:nvCxnSpPr>
+          <p:cNvPr id="326" name="直接箭头连接符 325">
+            <a:extLst>
+              <a:ext uri="{FF2B5EF4-FFF2-40B4-BE49-F238E27FC236}">
+                <a16:creationId xmlns:a16="http://schemas.microsoft.com/office/drawing/2014/main" id="{9CE517B5-598F-445F-AE05-AF3F222DCAA5}"/>
+              </a:ext>
+            </a:extLst>
+          </p:cNvPr>
+          <p:cNvCxnSpPr>
+            <a:cxnSpLocks/>
+          </p:cNvCxnSpPr>
+          <p:nvPr/>
+        </p:nvCxnSpPr>
+        <p:spPr>
+          <a:xfrm flipH="1">
+            <a:off x="15367192" y="31398994"/>
+            <a:ext cx="2550014" cy="401168"/>
+          </a:xfrm>
+          <a:prstGeom prst="straightConnector1">
+            <a:avLst/>
+          </a:prstGeom>
+          <a:ln w="19050">
+            <a:solidFill>
+              <a:srgbClr val="FF4F4F"/>
+            </a:solidFill>
+            <a:tailEnd type="triangle"/>
+          </a:ln>
+        </p:spPr>
+        <p:style>
+          <a:lnRef idx="1">
+            <a:schemeClr val="accent1"/>
+          </a:lnRef>
+          <a:fillRef idx="0">
+            <a:schemeClr val="accent1"/>
+          </a:fillRef>
+          <a:effectRef idx="0">
+            <a:schemeClr val="accent1"/>
+          </a:effectRef>
+          <a:fontRef idx="minor">
+            <a:schemeClr val="tx1"/>
+          </a:fontRef>
+        </p:style>
+      </p:cxnSp>
+      <p:cxnSp>
+        <p:nvCxnSpPr>
+          <p:cNvPr id="327" name="直接箭头连接符 326">
+            <a:extLst>
+              <a:ext uri="{FF2B5EF4-FFF2-40B4-BE49-F238E27FC236}">
+                <a16:creationId xmlns:a16="http://schemas.microsoft.com/office/drawing/2014/main" id="{6F637A7C-0655-481C-BE45-2479AB415A2B}"/>
+              </a:ext>
+            </a:extLst>
+          </p:cNvPr>
+          <p:cNvCxnSpPr>
+            <a:cxnSpLocks/>
+          </p:cNvCxnSpPr>
+          <p:nvPr/>
+        </p:nvCxnSpPr>
+        <p:spPr>
+          <a:xfrm>
+            <a:off x="15371972" y="31101250"/>
+            <a:ext cx="2562424" cy="406400"/>
+          </a:xfrm>
+          <a:prstGeom prst="straightConnector1">
+            <a:avLst/>
+          </a:prstGeom>
+          <a:ln w="19050">
+            <a:solidFill>
+              <a:srgbClr val="61B0FF"/>
+            </a:solidFill>
+            <a:tailEnd type="triangle"/>
+          </a:ln>
+        </p:spPr>
+        <p:style>
+          <a:lnRef idx="1">
+            <a:schemeClr val="accent1"/>
+          </a:lnRef>
+          <a:fillRef idx="0">
+            <a:schemeClr val="accent1"/>
+          </a:fillRef>
+          <a:effectRef idx="0">
+            <a:schemeClr val="accent1"/>
+          </a:effectRef>
+          <a:fontRef idx="minor">
+            <a:schemeClr val="tx1"/>
+          </a:fontRef>
+        </p:style>
+      </p:cxnSp>
+      <p:cxnSp>
+        <p:nvCxnSpPr>
+          <p:cNvPr id="328" name="直接箭头连接符 327">
+            <a:extLst>
+              <a:ext uri="{FF2B5EF4-FFF2-40B4-BE49-F238E27FC236}">
+                <a16:creationId xmlns:a16="http://schemas.microsoft.com/office/drawing/2014/main" id="{76BBADC4-AB40-40E0-95CD-77F7B0B75BD2}"/>
+              </a:ext>
+            </a:extLst>
+          </p:cNvPr>
+          <p:cNvCxnSpPr>
+            <a:cxnSpLocks/>
+          </p:cNvCxnSpPr>
+          <p:nvPr/>
+        </p:nvCxnSpPr>
+        <p:spPr>
+          <a:xfrm flipH="1">
+            <a:off x="15367192" y="31526298"/>
+            <a:ext cx="2537605" cy="407029"/>
+          </a:xfrm>
+          <a:prstGeom prst="straightConnector1">
+            <a:avLst/>
+          </a:prstGeom>
+          <a:ln w="19050">
+            <a:solidFill>
+              <a:srgbClr val="FF4F4F"/>
+            </a:solidFill>
+            <a:tailEnd type="triangle"/>
+          </a:ln>
+        </p:spPr>
+        <p:style>
+          <a:lnRef idx="1">
+            <a:schemeClr val="accent1"/>
+          </a:lnRef>
+          <a:fillRef idx="0">
+            <a:schemeClr val="accent1"/>
+          </a:fillRef>
+          <a:effectRef idx="0">
+            <a:schemeClr val="accent1"/>
+          </a:effectRef>
+          <a:fontRef idx="minor">
+            <a:schemeClr val="tx1"/>
+          </a:fontRef>
+        </p:style>
+      </p:cxnSp>
+      <p:cxnSp>
+        <p:nvCxnSpPr>
+          <p:cNvPr id="329" name="直接箭头连接符 328">
+            <a:extLst>
+              <a:ext uri="{FF2B5EF4-FFF2-40B4-BE49-F238E27FC236}">
+                <a16:creationId xmlns:a16="http://schemas.microsoft.com/office/drawing/2014/main" id="{92961D5D-4334-4EA5-A4C5-874EBA6AD35E}"/>
+              </a:ext>
+            </a:extLst>
+          </p:cNvPr>
+          <p:cNvCxnSpPr>
+            <a:cxnSpLocks/>
+          </p:cNvCxnSpPr>
+          <p:nvPr/>
+        </p:nvCxnSpPr>
+        <p:spPr>
+          <a:xfrm>
+            <a:off x="15371972" y="31230378"/>
+            <a:ext cx="2562424" cy="406400"/>
+          </a:xfrm>
+          <a:prstGeom prst="straightConnector1">
+            <a:avLst/>
+          </a:prstGeom>
+          <a:ln w="19050">
+            <a:solidFill>
+              <a:srgbClr val="61B0FF"/>
+            </a:solidFill>
+            <a:tailEnd type="triangle"/>
+          </a:ln>
+        </p:spPr>
+        <p:style>
+          <a:lnRef idx="1">
+            <a:schemeClr val="accent1"/>
+          </a:lnRef>
+          <a:fillRef idx="0">
+            <a:schemeClr val="accent1"/>
+          </a:fillRef>
+          <a:effectRef idx="0">
+            <a:schemeClr val="accent1"/>
+          </a:effectRef>
+          <a:fontRef idx="minor">
+            <a:schemeClr val="tx1"/>
+          </a:fontRef>
+        </p:style>
+      </p:cxnSp>
+      <p:cxnSp>
+        <p:nvCxnSpPr>
+          <p:cNvPr id="330" name="直接箭头连接符 329">
+            <a:extLst>
+              <a:ext uri="{FF2B5EF4-FFF2-40B4-BE49-F238E27FC236}">
+                <a16:creationId xmlns:a16="http://schemas.microsoft.com/office/drawing/2014/main" id="{32C28330-8FAF-4D41-865C-918B8D80D262}"/>
+              </a:ext>
+            </a:extLst>
+          </p:cNvPr>
+          <p:cNvCxnSpPr>
+            <a:cxnSpLocks/>
+          </p:cNvCxnSpPr>
+          <p:nvPr/>
+        </p:nvCxnSpPr>
+        <p:spPr>
+          <a:xfrm flipH="1">
+            <a:off x="15367192" y="31655925"/>
+            <a:ext cx="2560999" cy="406400"/>
+          </a:xfrm>
+          <a:prstGeom prst="straightConnector1">
+            <a:avLst/>
+          </a:prstGeom>
+          <a:ln w="19050">
+            <a:solidFill>
+              <a:srgbClr val="FF4F4F"/>
+            </a:solidFill>
+            <a:tailEnd type="triangle"/>
+          </a:ln>
+        </p:spPr>
+        <p:style>
+          <a:lnRef idx="1">
+            <a:schemeClr val="accent1"/>
+          </a:lnRef>
+          <a:fillRef idx="0">
+            <a:schemeClr val="accent1"/>
+          </a:fillRef>
+          <a:effectRef idx="0">
+            <a:schemeClr val="accent1"/>
+          </a:effectRef>
+          <a:fontRef idx="minor">
+            <a:schemeClr val="tx1"/>
+          </a:fontRef>
+        </p:style>
+      </p:cxnSp>
+      <p:cxnSp>
+        <p:nvCxnSpPr>
+          <p:cNvPr id="337" name="直接箭头连接符 336">
+            <a:extLst>
+              <a:ext uri="{FF2B5EF4-FFF2-40B4-BE49-F238E27FC236}">
+                <a16:creationId xmlns:a16="http://schemas.microsoft.com/office/drawing/2014/main" id="{8956F3D6-C874-4CD0-AD22-5E451FD43B24}"/>
+              </a:ext>
+            </a:extLst>
+          </p:cNvPr>
+          <p:cNvCxnSpPr>
+            <a:cxnSpLocks/>
+          </p:cNvCxnSpPr>
+          <p:nvPr/>
+        </p:nvCxnSpPr>
+        <p:spPr>
+          <a:xfrm>
+            <a:off x="15371972" y="31359505"/>
+            <a:ext cx="2562424" cy="406400"/>
+          </a:xfrm>
+          <a:prstGeom prst="straightConnector1">
+            <a:avLst/>
+          </a:prstGeom>
+          <a:ln w="19050">
+            <a:solidFill>
+              <a:srgbClr val="61B0FF"/>
+            </a:solidFill>
+            <a:tailEnd type="triangle"/>
+          </a:ln>
+        </p:spPr>
+        <p:style>
+          <a:lnRef idx="1">
+            <a:schemeClr val="accent1"/>
+          </a:lnRef>
+          <a:fillRef idx="0">
+            <a:schemeClr val="accent1"/>
+          </a:fillRef>
+          <a:effectRef idx="0">
+            <a:schemeClr val="accent1"/>
+          </a:effectRef>
+          <a:fontRef idx="minor">
+            <a:schemeClr val="tx1"/>
+          </a:fontRef>
+        </p:style>
+      </p:cxnSp>
+      <p:cxnSp>
+        <p:nvCxnSpPr>
+          <p:cNvPr id="338" name="直接箭头连接符 337">
+            <a:extLst>
+              <a:ext uri="{FF2B5EF4-FFF2-40B4-BE49-F238E27FC236}">
+                <a16:creationId xmlns:a16="http://schemas.microsoft.com/office/drawing/2014/main" id="{AE43F702-D754-4FD7-A435-F4A5C4F9C04D}"/>
+              </a:ext>
+            </a:extLst>
+          </p:cNvPr>
+          <p:cNvCxnSpPr>
+            <a:cxnSpLocks/>
+          </p:cNvCxnSpPr>
+          <p:nvPr/>
+        </p:nvCxnSpPr>
+        <p:spPr>
+          <a:xfrm flipH="1">
+            <a:off x="15367192" y="31791478"/>
+            <a:ext cx="2560999" cy="406400"/>
+          </a:xfrm>
+          <a:prstGeom prst="straightConnector1">
+            <a:avLst/>
+          </a:prstGeom>
+          <a:ln w="19050">
+            <a:solidFill>
+              <a:srgbClr val="FF4F4F"/>
+            </a:solidFill>
+            <a:tailEnd type="triangle"/>
+          </a:ln>
+        </p:spPr>
+        <p:style>
+          <a:lnRef idx="1">
+            <a:schemeClr val="accent1"/>
+          </a:lnRef>
+          <a:fillRef idx="0">
+            <a:schemeClr val="accent1"/>
+          </a:fillRef>
+          <a:effectRef idx="0">
+            <a:schemeClr val="accent1"/>
+          </a:effectRef>
+          <a:fontRef idx="minor">
+            <a:schemeClr val="tx1"/>
+          </a:fontRef>
+        </p:style>
+      </p:cxnSp>
+      <p:cxnSp>
+        <p:nvCxnSpPr>
+          <p:cNvPr id="339" name="直接箭头连接符 338">
+            <a:extLst>
+              <a:ext uri="{FF2B5EF4-FFF2-40B4-BE49-F238E27FC236}">
+                <a16:creationId xmlns:a16="http://schemas.microsoft.com/office/drawing/2014/main" id="{F2119E6A-A01C-4D3D-8656-96E380D3BB3B}"/>
+              </a:ext>
+            </a:extLst>
+          </p:cNvPr>
+          <p:cNvCxnSpPr>
+            <a:cxnSpLocks/>
+          </p:cNvCxnSpPr>
+          <p:nvPr/>
+        </p:nvCxnSpPr>
+        <p:spPr>
+          <a:xfrm>
+            <a:off x="15382035" y="31834584"/>
+            <a:ext cx="2562424" cy="406400"/>
+          </a:xfrm>
+          <a:prstGeom prst="straightConnector1">
+            <a:avLst/>
+          </a:prstGeom>
+          <a:ln w="19050">
+            <a:solidFill>
+              <a:srgbClr val="61B0FF"/>
+            </a:solidFill>
+            <a:tailEnd type="triangle"/>
+          </a:ln>
+        </p:spPr>
+        <p:style>
+          <a:lnRef idx="1">
+            <a:schemeClr val="accent1"/>
+          </a:lnRef>
+          <a:fillRef idx="0">
+            <a:schemeClr val="accent1"/>
+          </a:fillRef>
+          <a:effectRef idx="0">
+            <a:schemeClr val="accent1"/>
+          </a:effectRef>
+          <a:fontRef idx="minor">
+            <a:schemeClr val="tx1"/>
+          </a:fontRef>
+        </p:style>
+      </p:cxnSp>
+      <p:cxnSp>
+        <p:nvCxnSpPr>
+          <p:cNvPr id="340" name="直接箭头连接符 339">
+            <a:extLst>
+              <a:ext uri="{FF2B5EF4-FFF2-40B4-BE49-F238E27FC236}">
+                <a16:creationId xmlns:a16="http://schemas.microsoft.com/office/drawing/2014/main" id="{7EC3997F-78E8-454F-B4C8-63BDF877CBDA}"/>
+              </a:ext>
+            </a:extLst>
+          </p:cNvPr>
+          <p:cNvCxnSpPr>
+            <a:cxnSpLocks/>
+          </p:cNvCxnSpPr>
+          <p:nvPr/>
+        </p:nvCxnSpPr>
+        <p:spPr>
+          <a:xfrm>
+            <a:off x="15382035" y="31963712"/>
+            <a:ext cx="2562424" cy="406400"/>
+          </a:xfrm>
+          <a:prstGeom prst="straightConnector1">
+            <a:avLst/>
+          </a:prstGeom>
+          <a:ln w="19050">
+            <a:solidFill>
+              <a:srgbClr val="61B0FF"/>
+            </a:solidFill>
+            <a:tailEnd type="triangle"/>
+          </a:ln>
+        </p:spPr>
+        <p:style>
+          <a:lnRef idx="1">
+            <a:schemeClr val="accent1"/>
+          </a:lnRef>
+          <a:fillRef idx="0">
+            <a:schemeClr val="accent1"/>
+          </a:fillRef>
+          <a:effectRef idx="0">
+            <a:schemeClr val="accent1"/>
+          </a:effectRef>
+          <a:fontRef idx="minor">
+            <a:schemeClr val="tx1"/>
+          </a:fontRef>
+        </p:style>
+      </p:cxnSp>
+      <p:cxnSp>
+        <p:nvCxnSpPr>
+          <p:cNvPr id="341" name="直接箭头连接符 340">
+            <a:extLst>
+              <a:ext uri="{FF2B5EF4-FFF2-40B4-BE49-F238E27FC236}">
+                <a16:creationId xmlns:a16="http://schemas.microsoft.com/office/drawing/2014/main" id="{FADC291A-93E1-4B3A-B108-BA00995603E0}"/>
+              </a:ext>
+            </a:extLst>
+          </p:cNvPr>
+          <p:cNvCxnSpPr>
+            <a:cxnSpLocks/>
+          </p:cNvCxnSpPr>
+          <p:nvPr/>
+        </p:nvCxnSpPr>
+        <p:spPr>
+          <a:xfrm>
+            <a:off x="15382035" y="32092840"/>
+            <a:ext cx="2562424" cy="406400"/>
+          </a:xfrm>
+          <a:prstGeom prst="straightConnector1">
+            <a:avLst/>
+          </a:prstGeom>
+          <a:ln w="19050">
+            <a:solidFill>
+              <a:srgbClr val="61B0FF"/>
+            </a:solidFill>
+            <a:tailEnd type="triangle"/>
+          </a:ln>
+        </p:spPr>
+        <p:style>
+          <a:lnRef idx="1">
+            <a:schemeClr val="accent1"/>
+          </a:lnRef>
+          <a:fillRef idx="0">
+            <a:schemeClr val="accent1"/>
+          </a:fillRef>
+          <a:effectRef idx="0">
+            <a:schemeClr val="accent1"/>
+          </a:effectRef>
+          <a:fontRef idx="minor">
+            <a:schemeClr val="tx1"/>
+          </a:fontRef>
+        </p:style>
+      </p:cxnSp>
+      <p:cxnSp>
+        <p:nvCxnSpPr>
+          <p:cNvPr id="342" name="直接箭头连接符 341">
+            <a:extLst>
+              <a:ext uri="{FF2B5EF4-FFF2-40B4-BE49-F238E27FC236}">
+                <a16:creationId xmlns:a16="http://schemas.microsoft.com/office/drawing/2014/main" id="{F6A9B42A-F564-4947-8501-78CD48487E89}"/>
+              </a:ext>
+            </a:extLst>
+          </p:cNvPr>
+          <p:cNvCxnSpPr>
+            <a:cxnSpLocks/>
+          </p:cNvCxnSpPr>
+          <p:nvPr/>
+        </p:nvCxnSpPr>
+        <p:spPr>
+          <a:xfrm>
+            <a:off x="15382035" y="32221967"/>
+            <a:ext cx="2562424" cy="406400"/>
+          </a:xfrm>
+          <a:prstGeom prst="straightConnector1">
+            <a:avLst/>
+          </a:prstGeom>
+          <a:ln w="19050">
+            <a:solidFill>
+              <a:srgbClr val="61B0FF"/>
+            </a:solidFill>
+            <a:tailEnd type="triangle"/>
+          </a:ln>
+        </p:spPr>
+        <p:style>
+          <a:lnRef idx="1">
+            <a:schemeClr val="accent1"/>
+          </a:lnRef>
+          <a:fillRef idx="0">
+            <a:schemeClr val="accent1"/>
+          </a:fillRef>
+          <a:effectRef idx="0">
+            <a:schemeClr val="accent1"/>
+          </a:effectRef>
+          <a:fontRef idx="minor">
+            <a:schemeClr val="tx1"/>
+          </a:fontRef>
+        </p:style>
+      </p:cxnSp>
+      <p:cxnSp>
+        <p:nvCxnSpPr>
+          <p:cNvPr id="343" name="直接箭头连接符 342">
+            <a:extLst>
+              <a:ext uri="{FF2B5EF4-FFF2-40B4-BE49-F238E27FC236}">
+                <a16:creationId xmlns:a16="http://schemas.microsoft.com/office/drawing/2014/main" id="{62BC3A6E-FB15-43C5-851E-F2A8A46AD5D2}"/>
+              </a:ext>
+            </a:extLst>
+          </p:cNvPr>
+          <p:cNvCxnSpPr>
+            <a:cxnSpLocks/>
+          </p:cNvCxnSpPr>
+          <p:nvPr/>
+        </p:nvCxnSpPr>
+        <p:spPr>
+          <a:xfrm flipH="1">
+            <a:off x="15372596" y="32274595"/>
+            <a:ext cx="2550014" cy="401168"/>
+          </a:xfrm>
+          <a:prstGeom prst="straightConnector1">
+            <a:avLst/>
+          </a:prstGeom>
+          <a:ln w="19050">
+            <a:solidFill>
+              <a:srgbClr val="FF4F4F"/>
+            </a:solidFill>
+            <a:tailEnd type="triangle"/>
+          </a:ln>
+        </p:spPr>
+        <p:style>
+          <a:lnRef idx="1">
+            <a:schemeClr val="accent1"/>
+          </a:lnRef>
+          <a:fillRef idx="0">
+            <a:schemeClr val="accent1"/>
+          </a:fillRef>
+          <a:effectRef idx="0">
+            <a:schemeClr val="accent1"/>
+          </a:effectRef>
+          <a:fontRef idx="minor">
+            <a:schemeClr val="tx1"/>
+          </a:fontRef>
+        </p:style>
+      </p:cxnSp>
+      <p:cxnSp>
+        <p:nvCxnSpPr>
+          <p:cNvPr id="344" name="直接箭头连接符 343">
+            <a:extLst>
+              <a:ext uri="{FF2B5EF4-FFF2-40B4-BE49-F238E27FC236}">
+                <a16:creationId xmlns:a16="http://schemas.microsoft.com/office/drawing/2014/main" id="{7A45B936-30E6-445C-BD66-8C89216FF8DF}"/>
+              </a:ext>
+            </a:extLst>
+          </p:cNvPr>
+          <p:cNvCxnSpPr>
+            <a:cxnSpLocks/>
+          </p:cNvCxnSpPr>
+          <p:nvPr/>
+        </p:nvCxnSpPr>
+        <p:spPr>
+          <a:xfrm flipH="1">
+            <a:off x="15372596" y="32401899"/>
+            <a:ext cx="2537605" cy="407029"/>
+          </a:xfrm>
+          <a:prstGeom prst="straightConnector1">
+            <a:avLst/>
+          </a:prstGeom>
+          <a:ln w="19050">
+            <a:solidFill>
+              <a:srgbClr val="FF4F4F"/>
+            </a:solidFill>
+            <a:tailEnd type="triangle"/>
+          </a:ln>
+        </p:spPr>
+        <p:style>
+          <a:lnRef idx="1">
+            <a:schemeClr val="accent1"/>
+          </a:lnRef>
+          <a:fillRef idx="0">
+            <a:schemeClr val="accent1"/>
+          </a:fillRef>
+          <a:effectRef idx="0">
+            <a:schemeClr val="accent1"/>
+          </a:effectRef>
+          <a:fontRef idx="minor">
+            <a:schemeClr val="tx1"/>
+          </a:fontRef>
+        </p:style>
+      </p:cxnSp>
+      <p:cxnSp>
+        <p:nvCxnSpPr>
+          <p:cNvPr id="345" name="直接箭头连接符 344">
+            <a:extLst>
+              <a:ext uri="{FF2B5EF4-FFF2-40B4-BE49-F238E27FC236}">
+                <a16:creationId xmlns:a16="http://schemas.microsoft.com/office/drawing/2014/main" id="{A29D767E-D1B6-4462-9403-43A9C70696EC}"/>
+              </a:ext>
+            </a:extLst>
+          </p:cNvPr>
+          <p:cNvCxnSpPr>
+            <a:cxnSpLocks/>
+          </p:cNvCxnSpPr>
+          <p:nvPr/>
+        </p:nvCxnSpPr>
+        <p:spPr>
+          <a:xfrm flipH="1">
+            <a:off x="15372596" y="32531526"/>
+            <a:ext cx="2560999" cy="406400"/>
+          </a:xfrm>
+          <a:prstGeom prst="straightConnector1">
+            <a:avLst/>
+          </a:prstGeom>
+          <a:ln w="19050">
+            <a:solidFill>
+              <a:srgbClr val="FF4F4F"/>
+            </a:solidFill>
+            <a:tailEnd type="triangle"/>
+          </a:ln>
+        </p:spPr>
+        <p:style>
+          <a:lnRef idx="1">
+            <a:schemeClr val="accent1"/>
+          </a:lnRef>
+          <a:fillRef idx="0">
+            <a:schemeClr val="accent1"/>
+          </a:fillRef>
+          <a:effectRef idx="0">
+            <a:schemeClr val="accent1"/>
+          </a:effectRef>
+          <a:fontRef idx="minor">
+            <a:schemeClr val="tx1"/>
+          </a:fontRef>
+        </p:style>
+      </p:cxnSp>
+      <p:cxnSp>
+        <p:nvCxnSpPr>
+          <p:cNvPr id="346" name="直接箭头连接符 345">
+            <a:extLst>
+              <a:ext uri="{FF2B5EF4-FFF2-40B4-BE49-F238E27FC236}">
+                <a16:creationId xmlns:a16="http://schemas.microsoft.com/office/drawing/2014/main" id="{6EB54702-80D4-4489-8ABC-8C7ED3DC38C7}"/>
+              </a:ext>
+            </a:extLst>
+          </p:cNvPr>
+          <p:cNvCxnSpPr>
+            <a:cxnSpLocks/>
+          </p:cNvCxnSpPr>
+          <p:nvPr/>
+        </p:nvCxnSpPr>
+        <p:spPr>
+          <a:xfrm flipH="1">
+            <a:off x="15372596" y="32667079"/>
+            <a:ext cx="2560999" cy="406400"/>
+          </a:xfrm>
+          <a:prstGeom prst="straightConnector1">
+            <a:avLst/>
+          </a:prstGeom>
+          <a:ln w="19050">
+            <a:solidFill>
+              <a:srgbClr val="FF4F4F"/>
+            </a:solidFill>
+            <a:tailEnd type="triangle"/>
+          </a:ln>
+        </p:spPr>
+        <p:style>
+          <a:lnRef idx="1">
+            <a:schemeClr val="accent1"/>
+          </a:lnRef>
+          <a:fillRef idx="0">
+            <a:schemeClr val="accent1"/>
+          </a:fillRef>
+          <a:effectRef idx="0">
+            <a:schemeClr val="accent1"/>
+          </a:effectRef>
+          <a:fontRef idx="minor">
+            <a:schemeClr val="tx1"/>
+          </a:fontRef>
+        </p:style>
+      </p:cxnSp>
+      <p:sp>
+        <p:nvSpPr>
+          <p:cNvPr id="279" name="左大括号 278">
+            <a:extLst>
+              <a:ext uri="{FF2B5EF4-FFF2-40B4-BE49-F238E27FC236}">
+                <a16:creationId xmlns:a16="http://schemas.microsoft.com/office/drawing/2014/main" id="{81F0ACEE-1088-4EDB-A056-564A5F4A41F7}"/>
+              </a:ext>
+            </a:extLst>
+          </p:cNvPr>
+          <p:cNvSpPr/>
+          <p:nvPr/>
+        </p:nvSpPr>
+        <p:spPr>
+          <a:xfrm>
+            <a:off x="15217441" y="31087939"/>
+            <a:ext cx="132047" cy="730699"/>
+          </a:xfrm>
+          <a:prstGeom prst="leftBrace">
+            <a:avLst/>
+          </a:prstGeom>
+          <a:ln w="19050"/>
+        </p:spPr>
+        <p:style>
+          <a:lnRef idx="1">
+            <a:schemeClr val="accent1"/>
+          </a:lnRef>
+          <a:fillRef idx="0">
+            <a:schemeClr val="accent1"/>
+          </a:fillRef>
+          <a:effectRef idx="0">
+            <a:schemeClr val="accent1"/>
+          </a:effectRef>
+          <a:fontRef idx="minor">
+            <a:schemeClr val="tx1"/>
+          </a:fontRef>
+        </p:style>
+        <p:txBody>
+          <a:bodyPr rtlCol="0" anchor="ctr"/>
+          <a:lstStyle/>
+          <a:p>
+            <a:pPr algn="ctr"/>
+            <a:endParaRPr lang="zh-CN" altLang="en-US"/>
+          </a:p>
+        </p:txBody>
+      </p:sp>
+      <p:sp>
+        <p:nvSpPr>
+          <p:cNvPr id="347" name="文本框 346">
+            <a:extLst>
+              <a:ext uri="{FF2B5EF4-FFF2-40B4-BE49-F238E27FC236}">
+                <a16:creationId xmlns:a16="http://schemas.microsoft.com/office/drawing/2014/main" id="{01D5E885-472F-4C4E-8760-BE7BF652FF0F}"/>
+              </a:ext>
+            </a:extLst>
+          </p:cNvPr>
+          <p:cNvSpPr txBox="1"/>
+          <p:nvPr/>
+        </p:nvSpPr>
+        <p:spPr>
+          <a:xfrm>
+            <a:off x="14570487" y="31254700"/>
+            <a:ext cx="646331" cy="369332"/>
+          </a:xfrm>
+          <a:prstGeom prst="rect">
+            <a:avLst/>
+          </a:prstGeom>
+          <a:noFill/>
+        </p:spPr>
+        <p:txBody>
+          <a:bodyPr wrap="none" rtlCol="0">
+            <a:spAutoFit/>
+          </a:bodyPr>
+          <a:lstStyle/>
+          <a:p>
+            <a:r>
+              <a:rPr lang="zh-CN" altLang="en-US" dirty="0"/>
+              <a:t>窗口</a:t>
+            </a:r>
+          </a:p>
+        </p:txBody>
+      </p:sp>
     </p:spTree>
     <p:extLst>
       <p:ext uri="{BB962C8B-B14F-4D97-AF65-F5344CB8AC3E}">
